--- a/readme.pptx
+++ b/readme.pptx
@@ -5,7 +5,7 @@
     <p:sldMasterId id="2147483648" r:id="rId1"/>
   </p:sldMasterIdLst>
   <p:notesMasterIdLst>
-    <p:notesMasterId r:id="rId24"/>
+    <p:notesMasterId r:id="rId30"/>
   </p:notesMasterIdLst>
   <p:sldIdLst>
     <p:sldId id="256" r:id="rId2"/>
@@ -29,7 +29,13 @@
     <p:sldId id="276" r:id="rId20"/>
     <p:sldId id="277" r:id="rId21"/>
     <p:sldId id="278" r:id="rId22"/>
-    <p:sldId id="258" r:id="rId23"/>
+    <p:sldId id="279" r:id="rId23"/>
+    <p:sldId id="280" r:id="rId24"/>
+    <p:sldId id="284" r:id="rId25"/>
+    <p:sldId id="282" r:id="rId26"/>
+    <p:sldId id="283" r:id="rId27"/>
+    <p:sldId id="285" r:id="rId28"/>
+    <p:sldId id="258" r:id="rId29"/>
   </p:sldIdLst>
   <p:sldSz cx="12192000" cy="6858000"/>
   <p:notesSz cx="6858000" cy="9144000"/>
@@ -218,7 +224,7 @@
           <a:p>
             <a:fld id="{3EBE19CC-9519-4C5F-A78F-AFC3EB8C266D}" type="datetimeFigureOut">
               <a:rPr lang="en-IN" smtClean="0"/>
-              <a:t>08-05-2021</a:t>
+              <a:t>09-05-2021</a:t>
             </a:fld>
             <a:endParaRPr lang="en-IN"/>
           </a:p>
@@ -635,7 +641,7 @@
           <a:p>
             <a:fld id="{95B38DEA-F89A-499A-81D4-0F17E13A0F54}" type="datetime1">
               <a:rPr lang="en-IN" smtClean="0"/>
-              <a:t>08-05-2021</a:t>
+              <a:t>09-05-2021</a:t>
             </a:fld>
             <a:endParaRPr lang="en-IN"/>
           </a:p>
@@ -839,7 +845,7 @@
           <a:p>
             <a:fld id="{52CB48DB-8752-4EC9-AEF1-132D60C612E3}" type="datetime1">
               <a:rPr lang="en-IN" smtClean="0"/>
-              <a:t>08-05-2021</a:t>
+              <a:t>09-05-2021</a:t>
             </a:fld>
             <a:endParaRPr lang="en-IN"/>
           </a:p>
@@ -1053,7 +1059,7 @@
           <a:p>
             <a:fld id="{20E4919B-0840-418F-81E8-D1EAC9FB2BFE}" type="datetime1">
               <a:rPr lang="en-IN" smtClean="0"/>
-              <a:t>08-05-2021</a:t>
+              <a:t>09-05-2021</a:t>
             </a:fld>
             <a:endParaRPr lang="en-IN"/>
           </a:p>
@@ -1257,7 +1263,7 @@
           <a:p>
             <a:fld id="{14A56409-1144-459D-8580-EF29D8BAED4A}" type="datetime1">
               <a:rPr lang="en-IN" smtClean="0"/>
-              <a:t>08-05-2021</a:t>
+              <a:t>09-05-2021</a:t>
             </a:fld>
             <a:endParaRPr lang="en-IN"/>
           </a:p>
@@ -1537,7 +1543,7 @@
           <a:p>
             <a:fld id="{67926871-090A-4D31-A9C1-76DEC3805894}" type="datetime1">
               <a:rPr lang="en-IN" smtClean="0"/>
-              <a:t>08-05-2021</a:t>
+              <a:t>09-05-2021</a:t>
             </a:fld>
             <a:endParaRPr lang="en-IN"/>
           </a:p>
@@ -1809,7 +1815,7 @@
           <a:p>
             <a:fld id="{7F9657E2-E3D3-4B4C-9FD7-7329F62A123B}" type="datetime1">
               <a:rPr lang="en-IN" smtClean="0"/>
-              <a:t>08-05-2021</a:t>
+              <a:t>09-05-2021</a:t>
             </a:fld>
             <a:endParaRPr lang="en-IN"/>
           </a:p>
@@ -2228,7 +2234,7 @@
           <a:p>
             <a:fld id="{664F21D5-2AAA-408A-910B-555FC11A1CF7}" type="datetime1">
               <a:rPr lang="en-IN" smtClean="0"/>
-              <a:t>08-05-2021</a:t>
+              <a:t>09-05-2021</a:t>
             </a:fld>
             <a:endParaRPr lang="en-IN"/>
           </a:p>
@@ -2374,7 +2380,7 @@
           <a:p>
             <a:fld id="{F356A824-9512-4355-9382-9A341080930D}" type="datetime1">
               <a:rPr lang="en-IN" smtClean="0"/>
-              <a:t>08-05-2021</a:t>
+              <a:t>09-05-2021</a:t>
             </a:fld>
             <a:endParaRPr lang="en-IN"/>
           </a:p>
@@ -2491,7 +2497,7 @@
           <a:p>
             <a:fld id="{61D5D980-7089-4CCA-A615-7CE5DE2E0A24}" type="datetime1">
               <a:rPr lang="en-IN" smtClean="0"/>
-              <a:t>08-05-2021</a:t>
+              <a:t>09-05-2021</a:t>
             </a:fld>
             <a:endParaRPr lang="en-IN"/>
           </a:p>
@@ -2808,7 +2814,7 @@
           <a:p>
             <a:fld id="{BCBBCC49-34F1-4143-A247-5BD173D4A05B}" type="datetime1">
               <a:rPr lang="en-IN" smtClean="0"/>
-              <a:t>08-05-2021</a:t>
+              <a:t>09-05-2021</a:t>
             </a:fld>
             <a:endParaRPr lang="en-IN"/>
           </a:p>
@@ -3101,7 +3107,7 @@
           <a:p>
             <a:fld id="{2D62E49B-383D-4FEF-83E3-8391B88BD48A}" type="datetime1">
               <a:rPr lang="en-IN" smtClean="0"/>
-              <a:t>08-05-2021</a:t>
+              <a:t>09-05-2021</a:t>
             </a:fld>
             <a:endParaRPr lang="en-IN"/>
           </a:p>
@@ -3348,7 +3354,7 @@
           <a:p>
             <a:fld id="{95403040-39FF-48B5-9AA8-D98B49EA5B67}" type="datetime1">
               <a:rPr lang="en-IN" smtClean="0"/>
-              <a:t>08-05-2021</a:t>
+              <a:t>09-05-2021</a:t>
             </a:fld>
             <a:endParaRPr lang="en-IN"/>
           </a:p>
@@ -10655,7 +10661,7 @@
         </p:spPr>
         <p:txBody>
           <a:bodyPr>
-            <a:normAutofit/>
+            <a:normAutofit lnSpcReduction="10000"/>
           </a:bodyPr>
           <a:lstStyle/>
           <a:p>
@@ -10783,7 +10789,39 @@
             </a:pPr>
             <a:r>
               <a:rPr lang="en-IN" sz="1800" dirty="0"/>
-              <a:t>Then, it joins each processed (or cleaned) caption by “#” and save it with its image filename in file train_image_caption_processed.csv.</a:t>
+              <a:t>Then, it put “</a:t>
+            </a:r>
+            <a:r>
+              <a:rPr lang="en-IN" sz="1800" dirty="0" err="1"/>
+              <a:t>startseq</a:t>
+            </a:r>
+            <a:r>
+              <a:rPr lang="en-IN" sz="1800" dirty="0"/>
+              <a:t>” and “</a:t>
+            </a:r>
+            <a:r>
+              <a:rPr lang="en-IN" sz="1800" dirty="0" err="1"/>
+              <a:t>endseq</a:t>
+            </a:r>
+            <a:r>
+              <a:rPr lang="en-IN" sz="1800" dirty="0"/>
+              <a:t>” before and after each processed caption, join them by “#” and save it with its image filename in file train_image_caption_processed.csv. “</a:t>
+            </a:r>
+            <a:r>
+              <a:rPr lang="en-IN" sz="1800" dirty="0" err="1"/>
+              <a:t>startseq</a:t>
+            </a:r>
+            <a:r>
+              <a:rPr lang="en-IN" sz="1800" dirty="0"/>
+              <a:t>” and “</a:t>
+            </a:r>
+            <a:r>
+              <a:rPr lang="en-IN" sz="1800" dirty="0" err="1"/>
+              <a:t>endseq</a:t>
+            </a:r>
+            <a:r>
+              <a:rPr lang="en-IN" sz="1800" dirty="0"/>
+              <a:t>” are special tokens.</a:t>
             </a:r>
           </a:p>
           <a:p>
@@ -11827,7 +11865,7 @@
         </p:spPr>
         <p:txBody>
           <a:bodyPr>
-            <a:normAutofit fontScale="92500" lnSpcReduction="10000"/>
+            <a:normAutofit fontScale="92500" lnSpcReduction="20000"/>
           </a:bodyPr>
           <a:lstStyle/>
           <a:p>
@@ -11932,6 +11970,18 @@
               </a:spcBef>
               <a:buNone/>
             </a:pPr>
+            <a:endParaRPr lang="en-IN" sz="1900" dirty="0"/>
+          </a:p>
+          <a:p>
+            <a:pPr marL="914400" lvl="2" indent="0" algn="just">
+              <a:lnSpc>
+                <a:spcPct val="100000"/>
+              </a:lnSpc>
+              <a:spcBef>
+                <a:spcPts val="0"/>
+              </a:spcBef>
+              <a:buNone/>
+            </a:pPr>
             <a:r>
               <a:rPr lang="en-IN" sz="1900" dirty="0"/>
               <a:t>All files mentioned above are generated in previous steps except “glove.6B.200d.txt”. It is a pre-trained model from NLP (Natural Language Processing). We will discuss in detail about this model in the upcoming slides.</a:t>
@@ -11950,7 +12000,15 @@
             </a:pPr>
             <a:r>
               <a:rPr lang="en-IN" sz="1900" dirty="0"/>
-              <a:t>First thing that this script does is reading above mentioned files. </a:t>
+              <a:t>First thing that this script does is reading above mentioned files. It will create dictionary type variable for </a:t>
+            </a:r>
+            <a:r>
+              <a:rPr lang="en-IN" sz="1900" dirty="0" err="1"/>
+              <a:t>i</a:t>
+            </a:r>
+            <a:r>
+              <a:rPr lang="en-IN" sz="1900" dirty="0"/>
+              <a:t>. and ii. with image file name as key; and captions and bottleneck features as values for quick access during training.</a:t>
             </a:r>
           </a:p>
           <a:p>
@@ -12857,6 +12915,204 @@
               <a:buFont typeface="+mj-lt"/>
               <a:buAutoNum type="romanLcPeriod" startAt="6"/>
             </a:pPr>
+            <a:r>
+              <a:rPr lang="en-IN" sz="1800" dirty="0"/>
+              <a:t>Script is also creating a variable “</a:t>
+            </a:r>
+            <a:r>
+              <a:rPr lang="en-IN" sz="1800" dirty="0" err="1"/>
+              <a:t>embedding_matrix</a:t>
+            </a:r>
+            <a:r>
+              <a:rPr lang="en-IN" sz="1800" dirty="0"/>
+              <a:t>”. It’s a </a:t>
+            </a:r>
+            <a:r>
+              <a:rPr lang="en-IN" sz="1800" dirty="0" err="1"/>
+              <a:t>numpy.ndarray</a:t>
+            </a:r>
+            <a:r>
+              <a:rPr lang="en-IN" sz="1800" dirty="0"/>
+              <a:t> type variable of dimension (</a:t>
+            </a:r>
+            <a:r>
+              <a:rPr lang="en-IN" sz="1800" dirty="0" err="1"/>
+              <a:t>vocab_size</a:t>
+            </a:r>
+            <a:r>
+              <a:rPr lang="en-IN" sz="1800" dirty="0"/>
+              <a:t>, EMBEDDING_DIMENSION), where </a:t>
+            </a:r>
+            <a:r>
+              <a:rPr lang="en-IN" sz="1800" dirty="0" err="1"/>
+              <a:t>vocab_size</a:t>
+            </a:r>
+            <a:r>
+              <a:rPr lang="en-IN" sz="1800" dirty="0"/>
+              <a:t> is the number of words in file vocabulary.txt and EMBEDDING_DIMENSION is 200 which is the dimension of embeddings (or bottleneck features) generated by </a:t>
+            </a:r>
+            <a:r>
+              <a:rPr lang="en-IN" sz="1800" dirty="0" err="1"/>
+              <a:t>GloVe</a:t>
+            </a:r>
+            <a:r>
+              <a:rPr lang="en-IN" sz="1800" dirty="0"/>
+              <a:t> model.</a:t>
+            </a:r>
+          </a:p>
+          <a:p>
+            <a:pPr marL="914400" lvl="2" indent="0" algn="just">
+              <a:lnSpc>
+                <a:spcPct val="100000"/>
+              </a:lnSpc>
+              <a:spcBef>
+                <a:spcPts val="0"/>
+              </a:spcBef>
+              <a:buNone/>
+            </a:pPr>
+            <a:r>
+              <a:rPr lang="en-IN" sz="1800" dirty="0"/>
+              <a:t>Thus, we pass each word of vocabulary.txt file to </a:t>
+            </a:r>
+            <a:r>
+              <a:rPr lang="en-IN" sz="1800" dirty="0" err="1"/>
+              <a:t>GloVe</a:t>
+            </a:r>
+            <a:r>
+              <a:rPr lang="en-IN" sz="1800" dirty="0"/>
+              <a:t> model, it will generate a vector of 200 dimensions that we will store in </a:t>
+            </a:r>
+            <a:r>
+              <a:rPr lang="en-IN" sz="1800" dirty="0" err="1"/>
+              <a:t>embedding_matrix</a:t>
+            </a:r>
+            <a:r>
+              <a:rPr lang="en-IN" sz="1800" dirty="0"/>
+              <a:t> and at last we will save this variable as a csv file. So, the 200 dimensional embedding (or vector) of </a:t>
+            </a:r>
+            <a:r>
+              <a:rPr lang="en-IN" sz="1800" dirty="0" err="1"/>
+              <a:t>i</a:t>
+            </a:r>
+            <a:r>
+              <a:rPr lang="en-IN" sz="1800" baseline="30000" dirty="0" err="1"/>
+              <a:t>th</a:t>
+            </a:r>
+            <a:r>
+              <a:rPr lang="en-IN" sz="1800" dirty="0"/>
+              <a:t> word in vocabulary.txt file is at </a:t>
+            </a:r>
+            <a:r>
+              <a:rPr lang="en-IN" sz="1800" dirty="0" err="1"/>
+              <a:t>i</a:t>
+            </a:r>
+            <a:r>
+              <a:rPr lang="en-IN" sz="1800" baseline="30000" dirty="0" err="1"/>
+              <a:t>th</a:t>
+            </a:r>
+            <a:r>
+              <a:rPr lang="en-IN" sz="1800" dirty="0"/>
+              <a:t> index in </a:t>
+            </a:r>
+            <a:r>
+              <a:rPr lang="en-IN" sz="1800" dirty="0" err="1"/>
+              <a:t>embedding_matrix</a:t>
+            </a:r>
+            <a:r>
+              <a:rPr lang="en-IN" sz="1800" dirty="0"/>
+              <a:t> variable and also in the saved csv file, “embedding_matrix.csv”.</a:t>
+            </a:r>
+          </a:p>
+          <a:p>
+            <a:pPr marL="914400" lvl="2" indent="0" algn="just">
+              <a:lnSpc>
+                <a:spcPct val="100000"/>
+              </a:lnSpc>
+              <a:spcBef>
+                <a:spcPts val="0"/>
+              </a:spcBef>
+              <a:buNone/>
+            </a:pPr>
+            <a:r>
+              <a:rPr lang="en-IN" sz="1800" dirty="0"/>
+              <a:t>We will use this variable (or values) in our encoder-decoder neural network architecture.</a:t>
+            </a:r>
+          </a:p>
+          <a:p>
+            <a:pPr marL="857250" lvl="1" indent="-400050" algn="just">
+              <a:lnSpc>
+                <a:spcPct val="100000"/>
+              </a:lnSpc>
+              <a:spcBef>
+                <a:spcPts val="0"/>
+              </a:spcBef>
+              <a:buFont typeface="+mj-lt"/>
+              <a:buAutoNum type="romanLcPeriod" startAt="6"/>
+            </a:pPr>
+            <a:r>
+              <a:rPr lang="en-IN" sz="1800" dirty="0"/>
+              <a:t>Due to memory limitations, we cannot fed the entire data on encoder-decoder neural network architecture. Thus, a function called as “</a:t>
+            </a:r>
+            <a:r>
+              <a:rPr lang="en-IN" sz="1800" dirty="0" err="1"/>
+              <a:t>data_generator</a:t>
+            </a:r>
+            <a:r>
+              <a:rPr lang="en-IN" sz="1800" dirty="0"/>
+              <a:t>” is created which will prepare data and pass in batches to our encoder-decoder neural network architecture for training. Following tasks are performed by this “</a:t>
+            </a:r>
+            <a:r>
+              <a:rPr lang="en-IN" sz="1800" dirty="0" err="1"/>
+              <a:t>data_generator</a:t>
+            </a:r>
+            <a:r>
+              <a:rPr lang="en-IN" sz="1800" dirty="0"/>
+              <a:t>” function:</a:t>
+            </a:r>
+          </a:p>
+          <a:p>
+            <a:pPr marL="1314450" lvl="2" indent="-400050" algn="just">
+              <a:lnSpc>
+                <a:spcPct val="100000"/>
+              </a:lnSpc>
+              <a:spcBef>
+                <a:spcPts val="0"/>
+              </a:spcBef>
+              <a:buFont typeface="+mj-lt"/>
+              <a:buAutoNum type="alphaLcPeriod"/>
+            </a:pPr>
+            <a:r>
+              <a:rPr lang="en-IN" sz="1800" dirty="0"/>
+              <a:t>Pick an image name, extract its all five captions and bottleneck features from dictionary created in 5.ii. step.</a:t>
+            </a:r>
+          </a:p>
+          <a:p>
+            <a:pPr marL="1314450" lvl="2" indent="-400050" algn="just">
+              <a:lnSpc>
+                <a:spcPct val="100000"/>
+              </a:lnSpc>
+              <a:spcBef>
+                <a:spcPts val="0"/>
+              </a:spcBef>
+              <a:buFont typeface="+mj-lt"/>
+              <a:buAutoNum type="alphaLcPeriod"/>
+            </a:pPr>
+            <a:r>
+              <a:rPr lang="en-IN" sz="1800" dirty="0"/>
+              <a:t>Prepare training variable X (i.e., independent variable) and Y (i.e. dependent variable) as follows:</a:t>
+            </a:r>
+          </a:p>
+          <a:p>
+            <a:pPr marL="1314450" lvl="2" indent="-400050" algn="just">
+              <a:lnSpc>
+                <a:spcPct val="100000"/>
+              </a:lnSpc>
+              <a:spcBef>
+                <a:spcPts val="0"/>
+              </a:spcBef>
+              <a:buFont typeface="+mj-lt"/>
+              <a:buAutoNum type="alphaLcPeriod"/>
+            </a:pPr>
             <a:endParaRPr lang="en-IN" sz="1800" dirty="0"/>
           </a:p>
         </p:txBody>
@@ -12977,7 +13233,1658 @@
           <a:p>
             <a:r>
               <a:rPr lang="en-IN" dirty="0"/>
-              <a:t>Template</a:t>
+              <a:t>Scripts Execution Flow…</a:t>
+            </a:r>
+          </a:p>
+        </p:txBody>
+      </p:sp>
+      <p:sp>
+        <p:nvSpPr>
+          <p:cNvPr id="3" name="Content Placeholder 2">
+            <a:extLst>
+              <a:ext uri="{FF2B5EF4-FFF2-40B4-BE49-F238E27FC236}">
+                <a16:creationId xmlns:a16="http://schemas.microsoft.com/office/drawing/2014/main" id="{F0A4581A-26B3-40E7-A945-90C4D9B58292}"/>
+              </a:ext>
+            </a:extLst>
+          </p:cNvPr>
+          <p:cNvSpPr>
+            <a:spLocks noGrp="1"/>
+          </p:cNvSpPr>
+          <p:nvPr>
+            <p:ph idx="1"/>
+          </p:nvPr>
+        </p:nvSpPr>
+        <p:spPr>
+          <a:xfrm>
+            <a:off x="838200" y="1192696"/>
+            <a:ext cx="10515600" cy="4984267"/>
+          </a:xfrm>
+        </p:spPr>
+        <p:txBody>
+          <a:bodyPr>
+            <a:normAutofit lnSpcReduction="10000"/>
+          </a:bodyPr>
+          <a:lstStyle/>
+          <a:p>
+            <a:pPr marL="0" indent="0" algn="just">
+              <a:lnSpc>
+                <a:spcPct val="100000"/>
+              </a:lnSpc>
+              <a:spcBef>
+                <a:spcPts val="0"/>
+              </a:spcBef>
+              <a:buNone/>
+            </a:pPr>
+            <a:r>
+              <a:rPr lang="en-IN" sz="1800" dirty="0"/>
+              <a:t>Suppose following are the five processed captions for </a:t>
+            </a:r>
+            <a:r>
+              <a:rPr lang="en-IN" sz="1800" dirty="0" err="1"/>
+              <a:t>i</a:t>
+            </a:r>
+            <a:r>
+              <a:rPr lang="en-IN" sz="1800" baseline="30000" dirty="0" err="1"/>
+              <a:t>th</a:t>
+            </a:r>
+            <a:r>
+              <a:rPr lang="en-IN" sz="1800" dirty="0"/>
+              <a:t> image:</a:t>
+            </a:r>
+          </a:p>
+          <a:p>
+            <a:pPr marL="0" indent="0" algn="just">
+              <a:lnSpc>
+                <a:spcPct val="100000"/>
+              </a:lnSpc>
+              <a:spcBef>
+                <a:spcPts val="0"/>
+              </a:spcBef>
+              <a:buNone/>
+            </a:pPr>
+            <a:endParaRPr lang="en-IN" sz="1800" dirty="0"/>
+          </a:p>
+          <a:p>
+            <a:pPr marL="0" indent="0" algn="just">
+              <a:lnSpc>
+                <a:spcPct val="100000"/>
+              </a:lnSpc>
+              <a:spcBef>
+                <a:spcPts val="0"/>
+              </a:spcBef>
+              <a:buNone/>
+            </a:pPr>
+            <a:endParaRPr lang="en-IN" sz="1800" dirty="0"/>
+          </a:p>
+          <a:p>
+            <a:pPr marL="0" indent="0" algn="just">
+              <a:lnSpc>
+                <a:spcPct val="100000"/>
+              </a:lnSpc>
+              <a:spcBef>
+                <a:spcPts val="0"/>
+              </a:spcBef>
+              <a:buNone/>
+            </a:pPr>
+            <a:endParaRPr lang="en-IN" sz="1800" dirty="0"/>
+          </a:p>
+          <a:p>
+            <a:pPr marL="0" indent="0" algn="just">
+              <a:lnSpc>
+                <a:spcPct val="100000"/>
+              </a:lnSpc>
+              <a:spcBef>
+                <a:spcPts val="0"/>
+              </a:spcBef>
+              <a:buNone/>
+            </a:pPr>
+            <a:endParaRPr lang="en-IN" sz="1800" dirty="0"/>
+          </a:p>
+          <a:p>
+            <a:pPr marL="0" indent="0" algn="just">
+              <a:lnSpc>
+                <a:spcPct val="100000"/>
+              </a:lnSpc>
+              <a:spcBef>
+                <a:spcPts val="0"/>
+              </a:spcBef>
+              <a:buNone/>
+            </a:pPr>
+            <a:r>
+              <a:rPr lang="en-IN" sz="1800" dirty="0"/>
+              <a:t>For now, assume that this is the only image and these are the only five captions in our entire dataset. Thus, our vocabulary (and also </a:t>
+            </a:r>
+            <a:r>
+              <a:rPr lang="en-IN" sz="1800" dirty="0" err="1"/>
+              <a:t>wordtoix</a:t>
+            </a:r>
+            <a:r>
+              <a:rPr lang="en-IN" sz="1800" dirty="0"/>
+              <a:t> dictionary variable) will look like:</a:t>
+            </a:r>
+          </a:p>
+          <a:p>
+            <a:pPr marL="0" indent="0" algn="just">
+              <a:lnSpc>
+                <a:spcPct val="100000"/>
+              </a:lnSpc>
+              <a:spcBef>
+                <a:spcPts val="0"/>
+              </a:spcBef>
+              <a:buNone/>
+            </a:pPr>
+            <a:endParaRPr lang="en-IN" sz="1800" dirty="0"/>
+          </a:p>
+          <a:p>
+            <a:pPr marL="0" indent="0" algn="just">
+              <a:lnSpc>
+                <a:spcPct val="100000"/>
+              </a:lnSpc>
+              <a:spcBef>
+                <a:spcPts val="0"/>
+              </a:spcBef>
+              <a:buNone/>
+            </a:pPr>
+            <a:endParaRPr lang="en-IN" sz="1800" dirty="0"/>
+          </a:p>
+          <a:p>
+            <a:pPr marL="0" indent="0" algn="just">
+              <a:lnSpc>
+                <a:spcPct val="100000"/>
+              </a:lnSpc>
+              <a:spcBef>
+                <a:spcPts val="0"/>
+              </a:spcBef>
+              <a:buNone/>
+            </a:pPr>
+            <a:r>
+              <a:rPr lang="en-IN" sz="1800" dirty="0"/>
+              <a:t>Following are the lengths of above captions: 5, 5, 7, 6, 6. Thus, max caption length is 7 (“</a:t>
+            </a:r>
+            <a:r>
+              <a:rPr lang="en-IN" sz="1800" dirty="0" err="1"/>
+              <a:t>max_caption_length</a:t>
+            </a:r>
+            <a:r>
+              <a:rPr lang="en-IN" sz="1800" dirty="0"/>
+              <a:t>”).</a:t>
+            </a:r>
+          </a:p>
+          <a:p>
+            <a:pPr marL="0" indent="0" algn="just">
+              <a:lnSpc>
+                <a:spcPct val="100000"/>
+              </a:lnSpc>
+              <a:spcBef>
+                <a:spcPts val="0"/>
+              </a:spcBef>
+              <a:buNone/>
+            </a:pPr>
+            <a:r>
+              <a:rPr lang="en-IN" sz="1800" dirty="0"/>
+              <a:t>Now, the 2048 dimensional bottleneck feature generated by a pre-trained model (InceptionV3, here) of above image is: [f</a:t>
+            </a:r>
+            <a:r>
+              <a:rPr lang="en-IN" sz="1800" baseline="-25000" dirty="0"/>
+              <a:t>1</a:t>
+            </a:r>
+            <a:r>
+              <a:rPr lang="en-IN" sz="1800" dirty="0"/>
+              <a:t>, f</a:t>
+            </a:r>
+            <a:r>
+              <a:rPr lang="en-IN" sz="1800" baseline="-25000" dirty="0"/>
+              <a:t>2</a:t>
+            </a:r>
+            <a:r>
+              <a:rPr lang="en-IN" sz="1800" dirty="0"/>
+              <a:t>, f</a:t>
+            </a:r>
+            <a:r>
+              <a:rPr lang="en-IN" sz="1800" baseline="-25000" dirty="0"/>
+              <a:t>3</a:t>
+            </a:r>
+            <a:r>
+              <a:rPr lang="en-IN" sz="1800" dirty="0"/>
+              <a:t>, …., f</a:t>
+            </a:r>
+            <a:r>
+              <a:rPr lang="en-IN" sz="1800" baseline="-25000" dirty="0"/>
+              <a:t>2048</a:t>
+            </a:r>
+            <a:r>
+              <a:rPr lang="en-IN" sz="1800" dirty="0"/>
+              <a:t>].</a:t>
+            </a:r>
+          </a:p>
+          <a:p>
+            <a:pPr marL="0" indent="0" algn="just">
+              <a:lnSpc>
+                <a:spcPct val="100000"/>
+              </a:lnSpc>
+              <a:spcBef>
+                <a:spcPts val="0"/>
+              </a:spcBef>
+              <a:buNone/>
+            </a:pPr>
+            <a:r>
+              <a:rPr lang="en-IN" sz="1800" dirty="0"/>
+              <a:t>Now, we will create numerical representation of above captions by using </a:t>
+            </a:r>
+            <a:r>
+              <a:rPr lang="en-IN" sz="1800" dirty="0" err="1"/>
+              <a:t>wordtoix</a:t>
+            </a:r>
+            <a:r>
+              <a:rPr lang="en-IN" sz="1800" dirty="0"/>
+              <a:t> dictionary variable and pad zeros in them to make length of each caption equal to </a:t>
+            </a:r>
+            <a:r>
+              <a:rPr lang="en-IN" sz="1800" dirty="0" err="1"/>
+              <a:t>max_caption_length</a:t>
+            </a:r>
+            <a:r>
+              <a:rPr lang="en-IN" sz="1800" dirty="0"/>
+              <a:t> (i.e., 7):</a:t>
+            </a:r>
+          </a:p>
+          <a:p>
+            <a:pPr marL="0" indent="0" algn="just">
+              <a:lnSpc>
+                <a:spcPct val="100000"/>
+              </a:lnSpc>
+              <a:spcBef>
+                <a:spcPts val="0"/>
+              </a:spcBef>
+              <a:buNone/>
+            </a:pPr>
+            <a:endParaRPr lang="en-IN" sz="1800" dirty="0"/>
+          </a:p>
+          <a:p>
+            <a:pPr marL="0" indent="0" algn="just">
+              <a:lnSpc>
+                <a:spcPct val="100000"/>
+              </a:lnSpc>
+              <a:spcBef>
+                <a:spcPts val="0"/>
+              </a:spcBef>
+              <a:buNone/>
+            </a:pPr>
+            <a:endParaRPr lang="en-IN" sz="1800" dirty="0"/>
+          </a:p>
+          <a:p>
+            <a:pPr marL="0" indent="0" algn="just">
+              <a:lnSpc>
+                <a:spcPct val="100000"/>
+              </a:lnSpc>
+              <a:spcBef>
+                <a:spcPts val="0"/>
+              </a:spcBef>
+              <a:buNone/>
+            </a:pPr>
+            <a:endParaRPr lang="en-IN" sz="1800" dirty="0"/>
+          </a:p>
+          <a:p>
+            <a:pPr marL="0" indent="0" algn="just">
+              <a:lnSpc>
+                <a:spcPct val="100000"/>
+              </a:lnSpc>
+              <a:spcBef>
+                <a:spcPts val="0"/>
+              </a:spcBef>
+              <a:buNone/>
+            </a:pPr>
+            <a:r>
+              <a:rPr lang="en-IN" sz="1800" dirty="0"/>
+              <a:t>Zeros are padded to make length of each caption equal to </a:t>
+            </a:r>
+            <a:r>
+              <a:rPr lang="en-IN" sz="1800" dirty="0" err="1"/>
+              <a:t>max_caption_length</a:t>
+            </a:r>
+            <a:r>
+              <a:rPr lang="en-IN" sz="1800" dirty="0"/>
+              <a:t> because our neural network will take input of a fixed size.</a:t>
+            </a:r>
+          </a:p>
+        </p:txBody>
+      </p:sp>
+      <p:sp>
+        <p:nvSpPr>
+          <p:cNvPr id="4" name="Footer Placeholder 3">
+            <a:extLst>
+              <a:ext uri="{FF2B5EF4-FFF2-40B4-BE49-F238E27FC236}">
+                <a16:creationId xmlns:a16="http://schemas.microsoft.com/office/drawing/2014/main" id="{540972A1-4BB3-4D04-B4DF-C76BA9B5CAD8}"/>
+              </a:ext>
+            </a:extLst>
+          </p:cNvPr>
+          <p:cNvSpPr>
+            <a:spLocks noGrp="1"/>
+          </p:cNvSpPr>
+          <p:nvPr>
+            <p:ph type="ftr" sz="quarter" idx="11"/>
+          </p:nvPr>
+        </p:nvSpPr>
+        <p:spPr/>
+        <p:txBody>
+          <a:bodyPr/>
+          <a:lstStyle/>
+          <a:p>
+            <a:r>
+              <a:rPr lang="en-US"/>
+              <a:t>Sanjay Singh | san.singhsanjay@gmail.com</a:t>
+            </a:r>
+            <a:endParaRPr lang="en-IN"/>
+          </a:p>
+        </p:txBody>
+      </p:sp>
+      <p:sp>
+        <p:nvSpPr>
+          <p:cNvPr id="5" name="Slide Number Placeholder 4">
+            <a:extLst>
+              <a:ext uri="{FF2B5EF4-FFF2-40B4-BE49-F238E27FC236}">
+                <a16:creationId xmlns:a16="http://schemas.microsoft.com/office/drawing/2014/main" id="{23B5C741-F1AB-463E-B229-974B2924B065}"/>
+              </a:ext>
+            </a:extLst>
+          </p:cNvPr>
+          <p:cNvSpPr>
+            <a:spLocks noGrp="1"/>
+          </p:cNvSpPr>
+          <p:nvPr>
+            <p:ph type="sldNum" sz="quarter" idx="12"/>
+          </p:nvPr>
+        </p:nvSpPr>
+        <p:spPr/>
+        <p:txBody>
+          <a:bodyPr/>
+          <a:lstStyle/>
+          <a:p>
+            <a:fld id="{EC53106F-9B43-4B1F-BCB9-D94FA7734D96}" type="slidenum">
+              <a:rPr lang="en-IN" smtClean="0"/>
+              <a:t>21</a:t>
+            </a:fld>
+            <a:endParaRPr lang="en-IN"/>
+          </a:p>
+        </p:txBody>
+      </p:sp>
+      <p:graphicFrame>
+        <p:nvGraphicFramePr>
+          <p:cNvPr id="7" name="Table 7">
+            <a:extLst>
+              <a:ext uri="{FF2B5EF4-FFF2-40B4-BE49-F238E27FC236}">
+                <a16:creationId xmlns:a16="http://schemas.microsoft.com/office/drawing/2014/main" id="{C1D7B18B-F719-4FA1-8099-62547C038289}"/>
+              </a:ext>
+            </a:extLst>
+          </p:cNvPr>
+          <p:cNvGraphicFramePr>
+            <a:graphicFrameLocks noGrp="1"/>
+          </p:cNvGraphicFramePr>
+          <p:nvPr>
+            <p:extLst>
+              <p:ext uri="{D42A27DB-BD31-4B8C-83A1-F6EECF244321}">
+                <p14:modId xmlns:p14="http://schemas.microsoft.com/office/powerpoint/2010/main" val="965423962"/>
+              </p:ext>
+            </p:extLst>
+          </p:nvPr>
+        </p:nvGraphicFramePr>
+        <p:xfrm>
+          <a:off x="838199" y="1461789"/>
+          <a:ext cx="9525001" cy="1005840"/>
+        </p:xfrm>
+        <a:graphic>
+          <a:graphicData uri="http://schemas.openxmlformats.org/drawingml/2006/table">
+            <a:tbl>
+              <a:tblPr bandRow="1">
+                <a:tableStyleId>{5C22544A-7EE6-4342-B048-85BDC9FD1C3A}</a:tableStyleId>
+              </a:tblPr>
+              <a:tblGrid>
+                <a:gridCol w="4926497">
+                  <a:extLst>
+                    <a:ext uri="{9D8B030D-6E8A-4147-A177-3AD203B41FA5}">
+                      <a16:colId xmlns:a16="http://schemas.microsoft.com/office/drawing/2014/main" val="3034872970"/>
+                    </a:ext>
+                  </a:extLst>
+                </a:gridCol>
+                <a:gridCol w="4598504">
+                  <a:extLst>
+                    <a:ext uri="{9D8B030D-6E8A-4147-A177-3AD203B41FA5}">
+                      <a16:colId xmlns:a16="http://schemas.microsoft.com/office/drawing/2014/main" val="2251918797"/>
+                    </a:ext>
+                  </a:extLst>
+                </a:gridCol>
+              </a:tblGrid>
+              <a:tr h="153259">
+                <a:tc>
+                  <a:txBody>
+                    <a:bodyPr/>
+                    <a:lstStyle/>
+                    <a:p>
+                      <a:r>
+                        <a:rPr lang="en-IN" sz="1600" dirty="0"/>
+                        <a:t>1. “</a:t>
+                      </a:r>
+                      <a:r>
+                        <a:rPr lang="en-IN" sz="1600" dirty="0" err="1"/>
+                        <a:t>startseq</a:t>
+                      </a:r>
+                      <a:r>
+                        <a:rPr lang="en-IN" sz="1600" dirty="0"/>
+                        <a:t> man driving scooter </a:t>
+                      </a:r>
+                      <a:r>
+                        <a:rPr lang="en-IN" sz="1600" dirty="0" err="1"/>
+                        <a:t>endseq</a:t>
+                      </a:r>
+                      <a:r>
+                        <a:rPr lang="en-IN" sz="1600" dirty="0"/>
+                        <a:t>”</a:t>
+                      </a:r>
+                    </a:p>
+                  </a:txBody>
+                  <a:tcPr>
+                    <a:lnL w="12700" cap="flat" cmpd="sng" algn="ctr">
+                      <a:noFill/>
+                      <a:prstDash val="solid"/>
+                      <a:round/>
+                      <a:headEnd type="none" w="med" len="med"/>
+                      <a:tailEnd type="none" w="med" len="med"/>
+                    </a:lnL>
+                    <a:lnR w="12700" cap="flat" cmpd="sng" algn="ctr">
+                      <a:noFill/>
+                      <a:prstDash val="solid"/>
+                      <a:round/>
+                      <a:headEnd type="none" w="med" len="med"/>
+                      <a:tailEnd type="none" w="med" len="med"/>
+                    </a:lnR>
+                    <a:lnT w="12700" cap="flat" cmpd="sng" algn="ctr">
+                      <a:noFill/>
+                      <a:prstDash val="solid"/>
+                      <a:round/>
+                      <a:headEnd type="none" w="med" len="med"/>
+                      <a:tailEnd type="none" w="med" len="med"/>
+                    </a:lnT>
+                    <a:lnB w="12700" cap="flat" cmpd="sng" algn="ctr">
+                      <a:noFill/>
+                      <a:prstDash val="solid"/>
+                      <a:round/>
+                      <a:headEnd type="none" w="med" len="med"/>
+                      <a:tailEnd type="none" w="med" len="med"/>
+                    </a:lnB>
+                    <a:lnTlToBr w="12700" cmpd="sng">
+                      <a:noFill/>
+                      <a:prstDash val="solid"/>
+                    </a:lnTlToBr>
+                    <a:lnBlToTr w="12700" cmpd="sng">
+                      <a:noFill/>
+                      <a:prstDash val="solid"/>
+                    </a:lnBlToTr>
+                    <a:noFill/>
+                  </a:tcPr>
+                </a:tc>
+                <a:tc>
+                  <a:txBody>
+                    <a:bodyPr/>
+                    <a:lstStyle/>
+                    <a:p>
+                      <a:r>
+                        <a:rPr lang="en-IN" sz="1600" dirty="0"/>
+                        <a:t>2. “</a:t>
+                      </a:r>
+                      <a:r>
+                        <a:rPr lang="en-IN" sz="1600" dirty="0" err="1"/>
+                        <a:t>startseq</a:t>
+                      </a:r>
+                      <a:r>
+                        <a:rPr lang="en-IN" sz="1600" dirty="0"/>
+                        <a:t> man on scooter </a:t>
+                      </a:r>
+                      <a:r>
+                        <a:rPr lang="en-IN" sz="1600" dirty="0" err="1"/>
+                        <a:t>endseq</a:t>
+                      </a:r>
+                      <a:r>
+                        <a:rPr lang="en-IN" sz="1600" dirty="0"/>
+                        <a:t>”</a:t>
+                      </a:r>
+                    </a:p>
+                  </a:txBody>
+                  <a:tcPr>
+                    <a:lnL w="12700" cap="flat" cmpd="sng" algn="ctr">
+                      <a:noFill/>
+                      <a:prstDash val="solid"/>
+                      <a:round/>
+                      <a:headEnd type="none" w="med" len="med"/>
+                      <a:tailEnd type="none" w="med" len="med"/>
+                    </a:lnL>
+                    <a:lnR w="12700" cap="flat" cmpd="sng" algn="ctr">
+                      <a:noFill/>
+                      <a:prstDash val="solid"/>
+                      <a:round/>
+                      <a:headEnd type="none" w="med" len="med"/>
+                      <a:tailEnd type="none" w="med" len="med"/>
+                    </a:lnR>
+                    <a:lnT w="12700" cap="flat" cmpd="sng" algn="ctr">
+                      <a:noFill/>
+                      <a:prstDash val="solid"/>
+                      <a:round/>
+                      <a:headEnd type="none" w="med" len="med"/>
+                      <a:tailEnd type="none" w="med" len="med"/>
+                    </a:lnT>
+                    <a:lnB w="12700" cap="flat" cmpd="sng" algn="ctr">
+                      <a:noFill/>
+                      <a:prstDash val="solid"/>
+                      <a:round/>
+                      <a:headEnd type="none" w="med" len="med"/>
+                      <a:tailEnd type="none" w="med" len="med"/>
+                    </a:lnB>
+                    <a:lnTlToBr w="12700" cmpd="sng">
+                      <a:noFill/>
+                      <a:prstDash val="solid"/>
+                    </a:lnTlToBr>
+                    <a:lnBlToTr w="12700" cmpd="sng">
+                      <a:noFill/>
+                      <a:prstDash val="solid"/>
+                    </a:lnBlToTr>
+                    <a:noFill/>
+                  </a:tcPr>
+                </a:tc>
+                <a:extLst>
+                  <a:ext uri="{0D108BD9-81ED-4DB2-BD59-A6C34878D82A}">
+                    <a16:rowId xmlns:a16="http://schemas.microsoft.com/office/drawing/2014/main" val="2753114079"/>
+                  </a:ext>
+                </a:extLst>
+              </a:tr>
+              <a:tr h="153259">
+                <a:tc>
+                  <a:txBody>
+                    <a:bodyPr/>
+                    <a:lstStyle/>
+                    <a:p>
+                      <a:r>
+                        <a:rPr lang="en-IN" sz="1600" dirty="0"/>
+                        <a:t>3. “</a:t>
+                      </a:r>
+                      <a:r>
+                        <a:rPr lang="en-IN" sz="1600" dirty="0" err="1"/>
+                        <a:t>startseq</a:t>
+                      </a:r>
+                      <a:r>
+                        <a:rPr lang="en-IN" sz="1600" dirty="0"/>
+                        <a:t> man wearing helmet driving scooter </a:t>
+                      </a:r>
+                      <a:r>
+                        <a:rPr lang="en-IN" sz="1600" dirty="0" err="1"/>
+                        <a:t>endseq</a:t>
+                      </a:r>
+                      <a:r>
+                        <a:rPr lang="en-IN" sz="1600" dirty="0"/>
+                        <a:t>”</a:t>
+                      </a:r>
+                    </a:p>
+                  </a:txBody>
+                  <a:tcPr>
+                    <a:lnL w="12700" cap="flat" cmpd="sng" algn="ctr">
+                      <a:noFill/>
+                      <a:prstDash val="solid"/>
+                      <a:round/>
+                      <a:headEnd type="none" w="med" len="med"/>
+                      <a:tailEnd type="none" w="med" len="med"/>
+                    </a:lnL>
+                    <a:lnR w="12700" cap="flat" cmpd="sng" algn="ctr">
+                      <a:noFill/>
+                      <a:prstDash val="solid"/>
+                      <a:round/>
+                      <a:headEnd type="none" w="med" len="med"/>
+                      <a:tailEnd type="none" w="med" len="med"/>
+                    </a:lnR>
+                    <a:lnT w="12700" cap="flat" cmpd="sng" algn="ctr">
+                      <a:noFill/>
+                      <a:prstDash val="solid"/>
+                      <a:round/>
+                      <a:headEnd type="none" w="med" len="med"/>
+                      <a:tailEnd type="none" w="med" len="med"/>
+                    </a:lnT>
+                    <a:lnB w="12700" cap="flat" cmpd="sng" algn="ctr">
+                      <a:noFill/>
+                      <a:prstDash val="solid"/>
+                      <a:round/>
+                      <a:headEnd type="none" w="med" len="med"/>
+                      <a:tailEnd type="none" w="med" len="med"/>
+                    </a:lnB>
+                    <a:lnTlToBr w="12700" cmpd="sng">
+                      <a:noFill/>
+                      <a:prstDash val="solid"/>
+                    </a:lnTlToBr>
+                    <a:lnBlToTr w="12700" cmpd="sng">
+                      <a:noFill/>
+                      <a:prstDash val="solid"/>
+                    </a:lnBlToTr>
+                    <a:noFill/>
+                  </a:tcPr>
+                </a:tc>
+                <a:tc>
+                  <a:txBody>
+                    <a:bodyPr/>
+                    <a:lstStyle/>
+                    <a:p>
+                      <a:r>
+                        <a:rPr lang="en-IN" sz="1600" dirty="0"/>
+                        <a:t>4. “</a:t>
+                      </a:r>
+                      <a:r>
+                        <a:rPr lang="en-IN" sz="1600" dirty="0" err="1"/>
+                        <a:t>startseq</a:t>
+                      </a:r>
+                      <a:r>
+                        <a:rPr lang="en-IN" sz="1600" dirty="0"/>
+                        <a:t> man enjoying driving scooter </a:t>
+                      </a:r>
+                      <a:r>
+                        <a:rPr lang="en-IN" sz="1600" dirty="0" err="1"/>
+                        <a:t>endseq</a:t>
+                      </a:r>
+                      <a:r>
+                        <a:rPr lang="en-IN" sz="1600" dirty="0"/>
+                        <a:t>”</a:t>
+                      </a:r>
+                    </a:p>
+                  </a:txBody>
+                  <a:tcPr>
+                    <a:lnL w="12700" cap="flat" cmpd="sng" algn="ctr">
+                      <a:noFill/>
+                      <a:prstDash val="solid"/>
+                      <a:round/>
+                      <a:headEnd type="none" w="med" len="med"/>
+                      <a:tailEnd type="none" w="med" len="med"/>
+                    </a:lnL>
+                    <a:lnR w="12700" cap="flat" cmpd="sng" algn="ctr">
+                      <a:noFill/>
+                      <a:prstDash val="solid"/>
+                      <a:round/>
+                      <a:headEnd type="none" w="med" len="med"/>
+                      <a:tailEnd type="none" w="med" len="med"/>
+                    </a:lnR>
+                    <a:lnT w="12700" cap="flat" cmpd="sng" algn="ctr">
+                      <a:noFill/>
+                      <a:prstDash val="solid"/>
+                      <a:round/>
+                      <a:headEnd type="none" w="med" len="med"/>
+                      <a:tailEnd type="none" w="med" len="med"/>
+                    </a:lnT>
+                    <a:lnB w="12700" cap="flat" cmpd="sng" algn="ctr">
+                      <a:noFill/>
+                      <a:prstDash val="solid"/>
+                      <a:round/>
+                      <a:headEnd type="none" w="med" len="med"/>
+                      <a:tailEnd type="none" w="med" len="med"/>
+                    </a:lnB>
+                    <a:lnTlToBr w="12700" cmpd="sng">
+                      <a:noFill/>
+                      <a:prstDash val="solid"/>
+                    </a:lnTlToBr>
+                    <a:lnBlToTr w="12700" cmpd="sng">
+                      <a:noFill/>
+                      <a:prstDash val="solid"/>
+                    </a:lnBlToTr>
+                    <a:noFill/>
+                  </a:tcPr>
+                </a:tc>
+                <a:extLst>
+                  <a:ext uri="{0D108BD9-81ED-4DB2-BD59-A6C34878D82A}">
+                    <a16:rowId xmlns:a16="http://schemas.microsoft.com/office/drawing/2014/main" val="769681522"/>
+                  </a:ext>
+                </a:extLst>
+              </a:tr>
+              <a:tr h="153259">
+                <a:tc>
+                  <a:txBody>
+                    <a:bodyPr/>
+                    <a:lstStyle/>
+                    <a:p>
+                      <a:r>
+                        <a:rPr lang="en-IN" sz="1600" dirty="0"/>
+                        <a:t>5. “</a:t>
+                      </a:r>
+                      <a:r>
+                        <a:rPr lang="en-IN" sz="1600" dirty="0" err="1"/>
+                        <a:t>startseq</a:t>
+                      </a:r>
+                      <a:r>
+                        <a:rPr lang="en-IN" sz="1600" dirty="0"/>
+                        <a:t> happy man driving scooter </a:t>
+                      </a:r>
+                      <a:r>
+                        <a:rPr lang="en-IN" sz="1600" dirty="0" err="1"/>
+                        <a:t>endseq</a:t>
+                      </a:r>
+                      <a:r>
+                        <a:rPr lang="en-IN" sz="1600" dirty="0"/>
+                        <a:t>”</a:t>
+                      </a:r>
+                    </a:p>
+                  </a:txBody>
+                  <a:tcPr>
+                    <a:lnL w="12700" cap="flat" cmpd="sng" algn="ctr">
+                      <a:noFill/>
+                      <a:prstDash val="solid"/>
+                      <a:round/>
+                      <a:headEnd type="none" w="med" len="med"/>
+                      <a:tailEnd type="none" w="med" len="med"/>
+                    </a:lnL>
+                    <a:lnR w="12700" cap="flat" cmpd="sng" algn="ctr">
+                      <a:noFill/>
+                      <a:prstDash val="solid"/>
+                      <a:round/>
+                      <a:headEnd type="none" w="med" len="med"/>
+                      <a:tailEnd type="none" w="med" len="med"/>
+                    </a:lnR>
+                    <a:lnT w="12700" cap="flat" cmpd="sng" algn="ctr">
+                      <a:noFill/>
+                      <a:prstDash val="solid"/>
+                      <a:round/>
+                      <a:headEnd type="none" w="med" len="med"/>
+                      <a:tailEnd type="none" w="med" len="med"/>
+                    </a:lnT>
+                    <a:lnB w="12700" cap="flat" cmpd="sng" algn="ctr">
+                      <a:noFill/>
+                      <a:prstDash val="solid"/>
+                      <a:round/>
+                      <a:headEnd type="none" w="med" len="med"/>
+                      <a:tailEnd type="none" w="med" len="med"/>
+                    </a:lnB>
+                    <a:lnTlToBr w="12700" cmpd="sng">
+                      <a:noFill/>
+                      <a:prstDash val="solid"/>
+                    </a:lnTlToBr>
+                    <a:lnBlToTr w="12700" cmpd="sng">
+                      <a:noFill/>
+                      <a:prstDash val="solid"/>
+                    </a:lnBlToTr>
+                    <a:noFill/>
+                  </a:tcPr>
+                </a:tc>
+                <a:tc>
+                  <a:txBody>
+                    <a:bodyPr/>
+                    <a:lstStyle/>
+                    <a:p>
+                      <a:endParaRPr lang="en-IN" sz="1600" dirty="0"/>
+                    </a:p>
+                  </a:txBody>
+                  <a:tcPr>
+                    <a:lnL w="12700" cap="flat" cmpd="sng" algn="ctr">
+                      <a:noFill/>
+                      <a:prstDash val="solid"/>
+                      <a:round/>
+                      <a:headEnd type="none" w="med" len="med"/>
+                      <a:tailEnd type="none" w="med" len="med"/>
+                    </a:lnL>
+                    <a:lnR w="12700" cap="flat" cmpd="sng" algn="ctr">
+                      <a:noFill/>
+                      <a:prstDash val="solid"/>
+                      <a:round/>
+                      <a:headEnd type="none" w="med" len="med"/>
+                      <a:tailEnd type="none" w="med" len="med"/>
+                    </a:lnR>
+                    <a:lnT w="12700" cap="flat" cmpd="sng" algn="ctr">
+                      <a:noFill/>
+                      <a:prstDash val="solid"/>
+                      <a:round/>
+                      <a:headEnd type="none" w="med" len="med"/>
+                      <a:tailEnd type="none" w="med" len="med"/>
+                    </a:lnT>
+                    <a:lnB w="12700" cap="flat" cmpd="sng" algn="ctr">
+                      <a:noFill/>
+                      <a:prstDash val="solid"/>
+                      <a:round/>
+                      <a:headEnd type="none" w="med" len="med"/>
+                      <a:tailEnd type="none" w="med" len="med"/>
+                    </a:lnB>
+                    <a:lnTlToBr w="12700" cmpd="sng">
+                      <a:noFill/>
+                      <a:prstDash val="solid"/>
+                    </a:lnTlToBr>
+                    <a:lnBlToTr w="12700" cmpd="sng">
+                      <a:noFill/>
+                      <a:prstDash val="solid"/>
+                    </a:lnBlToTr>
+                    <a:noFill/>
+                  </a:tcPr>
+                </a:tc>
+                <a:extLst>
+                  <a:ext uri="{0D108BD9-81ED-4DB2-BD59-A6C34878D82A}">
+                    <a16:rowId xmlns:a16="http://schemas.microsoft.com/office/drawing/2014/main" val="647956420"/>
+                  </a:ext>
+                </a:extLst>
+              </a:tr>
+            </a:tbl>
+          </a:graphicData>
+        </a:graphic>
+      </p:graphicFrame>
+      <p:pic>
+        <p:nvPicPr>
+          <p:cNvPr id="9" name="Picture 8">
+            <a:extLst>
+              <a:ext uri="{FF2B5EF4-FFF2-40B4-BE49-F238E27FC236}">
+                <a16:creationId xmlns:a16="http://schemas.microsoft.com/office/drawing/2014/main" id="{E31162F2-89B2-4922-87BE-A47BDDD25745}"/>
+              </a:ext>
+            </a:extLst>
+          </p:cNvPr>
+          <p:cNvPicPr>
+            <a:picLocks noChangeAspect="1"/>
+          </p:cNvPicPr>
+          <p:nvPr/>
+        </p:nvPicPr>
+        <p:blipFill>
+          <a:blip r:embed="rId2">
+            <a:extLst>
+              <a:ext uri="{28A0092B-C50C-407E-A947-70E740481C1C}">
+                <a14:useLocalDpi xmlns:a14="http://schemas.microsoft.com/office/drawing/2010/main" val="0"/>
+              </a:ext>
+            </a:extLst>
+          </a:blip>
+          <a:stretch>
+            <a:fillRect/>
+          </a:stretch>
+        </p:blipFill>
+        <p:spPr>
+          <a:xfrm>
+            <a:off x="9210263" y="476388"/>
+            <a:ext cx="2143538" cy="1378916"/>
+          </a:xfrm>
+          <a:prstGeom prst="rect">
+            <a:avLst/>
+          </a:prstGeom>
+        </p:spPr>
+      </p:pic>
+      <p:graphicFrame>
+        <p:nvGraphicFramePr>
+          <p:cNvPr id="11" name="Table 11">
+            <a:extLst>
+              <a:ext uri="{FF2B5EF4-FFF2-40B4-BE49-F238E27FC236}">
+                <a16:creationId xmlns:a16="http://schemas.microsoft.com/office/drawing/2014/main" id="{BA7FDF9A-CB5A-4C69-B5F1-19EF9D82EEEA}"/>
+              </a:ext>
+            </a:extLst>
+          </p:cNvPr>
+          <p:cNvGraphicFramePr>
+            <a:graphicFrameLocks noGrp="1"/>
+          </p:cNvGraphicFramePr>
+          <p:nvPr>
+            <p:extLst>
+              <p:ext uri="{D42A27DB-BD31-4B8C-83A1-F6EECF244321}">
+                <p14:modId xmlns:p14="http://schemas.microsoft.com/office/powerpoint/2010/main" val="4166018344"/>
+              </p:ext>
+            </p:extLst>
+          </p:nvPr>
+        </p:nvGraphicFramePr>
+        <p:xfrm>
+          <a:off x="918313" y="2848657"/>
+          <a:ext cx="10435485" cy="670560"/>
+        </p:xfrm>
+        <a:graphic>
+          <a:graphicData uri="http://schemas.openxmlformats.org/drawingml/2006/table">
+            <a:tbl>
+              <a:tblPr bandRow="1">
+                <a:tableStyleId>{5C22544A-7EE6-4342-B048-85BDC9FD1C3A}</a:tableStyleId>
+              </a:tblPr>
+              <a:tblGrid>
+                <a:gridCol w="2087097">
+                  <a:extLst>
+                    <a:ext uri="{9D8B030D-6E8A-4147-A177-3AD203B41FA5}">
+                      <a16:colId xmlns:a16="http://schemas.microsoft.com/office/drawing/2014/main" val="1625993285"/>
+                    </a:ext>
+                  </a:extLst>
+                </a:gridCol>
+                <a:gridCol w="2087097">
+                  <a:extLst>
+                    <a:ext uri="{9D8B030D-6E8A-4147-A177-3AD203B41FA5}">
+                      <a16:colId xmlns:a16="http://schemas.microsoft.com/office/drawing/2014/main" val="2002752227"/>
+                    </a:ext>
+                  </a:extLst>
+                </a:gridCol>
+                <a:gridCol w="2087097">
+                  <a:extLst>
+                    <a:ext uri="{9D8B030D-6E8A-4147-A177-3AD203B41FA5}">
+                      <a16:colId xmlns:a16="http://schemas.microsoft.com/office/drawing/2014/main" val="1168972226"/>
+                    </a:ext>
+                  </a:extLst>
+                </a:gridCol>
+                <a:gridCol w="2087097">
+                  <a:extLst>
+                    <a:ext uri="{9D8B030D-6E8A-4147-A177-3AD203B41FA5}">
+                      <a16:colId xmlns:a16="http://schemas.microsoft.com/office/drawing/2014/main" val="873165184"/>
+                    </a:ext>
+                  </a:extLst>
+                </a:gridCol>
+                <a:gridCol w="2087097">
+                  <a:extLst>
+                    <a:ext uri="{9D8B030D-6E8A-4147-A177-3AD203B41FA5}">
+                      <a16:colId xmlns:a16="http://schemas.microsoft.com/office/drawing/2014/main" val="1596955192"/>
+                    </a:ext>
+                  </a:extLst>
+                </a:gridCol>
+              </a:tblGrid>
+              <a:tr h="236515">
+                <a:tc>
+                  <a:txBody>
+                    <a:bodyPr/>
+                    <a:lstStyle/>
+                    <a:p>
+                      <a:r>
+                        <a:rPr lang="en-IN" sz="1600" dirty="0"/>
+                        <a:t>1. “</a:t>
+                      </a:r>
+                      <a:r>
+                        <a:rPr lang="en-IN" sz="1600" dirty="0" err="1"/>
+                        <a:t>startseq</a:t>
+                      </a:r>
+                      <a:r>
+                        <a:rPr lang="en-IN" sz="1600" dirty="0"/>
+                        <a:t>”</a:t>
+                      </a:r>
+                    </a:p>
+                  </a:txBody>
+                  <a:tcPr marL="83127" marR="83127">
+                    <a:lnL w="12700" cmpd="sng">
+                      <a:noFill/>
+                    </a:lnL>
+                    <a:lnR w="12700" cmpd="sng">
+                      <a:noFill/>
+                    </a:lnR>
+                    <a:lnT w="12700" cmpd="sng">
+                      <a:noFill/>
+                    </a:lnT>
+                    <a:lnB w="12700" cmpd="sng">
+                      <a:noFill/>
+                    </a:lnB>
+                    <a:lnTlToBr w="12700" cmpd="sng">
+                      <a:noFill/>
+                      <a:prstDash val="solid"/>
+                    </a:lnTlToBr>
+                    <a:lnBlToTr w="12700" cmpd="sng">
+                      <a:noFill/>
+                      <a:prstDash val="solid"/>
+                    </a:lnBlToTr>
+                    <a:noFill/>
+                  </a:tcPr>
+                </a:tc>
+                <a:tc>
+                  <a:txBody>
+                    <a:bodyPr/>
+                    <a:lstStyle/>
+                    <a:p>
+                      <a:r>
+                        <a:rPr lang="en-IN" sz="1600" dirty="0"/>
+                        <a:t>2. “man”</a:t>
+                      </a:r>
+                    </a:p>
+                  </a:txBody>
+                  <a:tcPr marL="83127" marR="83127">
+                    <a:lnL w="12700" cmpd="sng">
+                      <a:noFill/>
+                    </a:lnL>
+                    <a:lnR w="12700" cmpd="sng">
+                      <a:noFill/>
+                    </a:lnR>
+                    <a:lnT w="12700" cmpd="sng">
+                      <a:noFill/>
+                    </a:lnT>
+                    <a:lnB w="12700" cmpd="sng">
+                      <a:noFill/>
+                    </a:lnB>
+                    <a:lnTlToBr w="12700" cmpd="sng">
+                      <a:noFill/>
+                      <a:prstDash val="solid"/>
+                    </a:lnTlToBr>
+                    <a:lnBlToTr w="12700" cmpd="sng">
+                      <a:noFill/>
+                      <a:prstDash val="solid"/>
+                    </a:lnBlToTr>
+                    <a:noFill/>
+                  </a:tcPr>
+                </a:tc>
+                <a:tc>
+                  <a:txBody>
+                    <a:bodyPr/>
+                    <a:lstStyle/>
+                    <a:p>
+                      <a:r>
+                        <a:rPr lang="en-IN" sz="1600" dirty="0"/>
+                        <a:t>3. “driving”</a:t>
+                      </a:r>
+                    </a:p>
+                  </a:txBody>
+                  <a:tcPr marL="83127" marR="83127">
+                    <a:lnL w="12700" cmpd="sng">
+                      <a:noFill/>
+                    </a:lnL>
+                    <a:lnR w="12700" cmpd="sng">
+                      <a:noFill/>
+                    </a:lnR>
+                    <a:lnT w="12700" cmpd="sng">
+                      <a:noFill/>
+                    </a:lnT>
+                    <a:lnB w="12700" cmpd="sng">
+                      <a:noFill/>
+                    </a:lnB>
+                    <a:lnTlToBr w="12700" cmpd="sng">
+                      <a:noFill/>
+                      <a:prstDash val="solid"/>
+                    </a:lnTlToBr>
+                    <a:lnBlToTr w="12700" cmpd="sng">
+                      <a:noFill/>
+                      <a:prstDash val="solid"/>
+                    </a:lnBlToTr>
+                    <a:noFill/>
+                  </a:tcPr>
+                </a:tc>
+                <a:tc>
+                  <a:txBody>
+                    <a:bodyPr/>
+                    <a:lstStyle/>
+                    <a:p>
+                      <a:r>
+                        <a:rPr lang="en-IN" sz="1600" dirty="0"/>
+                        <a:t>4. “scooter”</a:t>
+                      </a:r>
+                    </a:p>
+                  </a:txBody>
+                  <a:tcPr marL="83127" marR="83127">
+                    <a:lnL w="12700" cmpd="sng">
+                      <a:noFill/>
+                    </a:lnL>
+                    <a:lnR w="12700" cmpd="sng">
+                      <a:noFill/>
+                    </a:lnR>
+                    <a:lnT w="12700" cmpd="sng">
+                      <a:noFill/>
+                    </a:lnT>
+                    <a:lnB w="12700" cmpd="sng">
+                      <a:noFill/>
+                    </a:lnB>
+                    <a:lnTlToBr w="12700" cmpd="sng">
+                      <a:noFill/>
+                      <a:prstDash val="solid"/>
+                    </a:lnTlToBr>
+                    <a:lnBlToTr w="12700" cmpd="sng">
+                      <a:noFill/>
+                      <a:prstDash val="solid"/>
+                    </a:lnBlToTr>
+                    <a:noFill/>
+                  </a:tcPr>
+                </a:tc>
+                <a:tc>
+                  <a:txBody>
+                    <a:bodyPr/>
+                    <a:lstStyle/>
+                    <a:p>
+                      <a:r>
+                        <a:rPr lang="en-IN" sz="1600" dirty="0"/>
+                        <a:t>5. “</a:t>
+                      </a:r>
+                      <a:r>
+                        <a:rPr lang="en-IN" sz="1600" dirty="0" err="1"/>
+                        <a:t>endseq</a:t>
+                      </a:r>
+                      <a:r>
+                        <a:rPr lang="en-IN" sz="1600" dirty="0"/>
+                        <a:t>”</a:t>
+                      </a:r>
+                    </a:p>
+                  </a:txBody>
+                  <a:tcPr marL="83127" marR="83127">
+                    <a:lnL w="12700" cmpd="sng">
+                      <a:noFill/>
+                    </a:lnL>
+                    <a:lnR w="12700" cmpd="sng">
+                      <a:noFill/>
+                    </a:lnR>
+                    <a:lnT w="12700" cmpd="sng">
+                      <a:noFill/>
+                    </a:lnT>
+                    <a:lnB w="12700" cmpd="sng">
+                      <a:noFill/>
+                    </a:lnB>
+                    <a:lnTlToBr w="12700" cmpd="sng">
+                      <a:noFill/>
+                      <a:prstDash val="solid"/>
+                    </a:lnTlToBr>
+                    <a:lnBlToTr w="12700" cmpd="sng">
+                      <a:noFill/>
+                      <a:prstDash val="solid"/>
+                    </a:lnBlToTr>
+                    <a:noFill/>
+                  </a:tcPr>
+                </a:tc>
+                <a:extLst>
+                  <a:ext uri="{0D108BD9-81ED-4DB2-BD59-A6C34878D82A}">
+                    <a16:rowId xmlns:a16="http://schemas.microsoft.com/office/drawing/2014/main" val="1555510216"/>
+                  </a:ext>
+                </a:extLst>
+              </a:tr>
+              <a:tr h="236515">
+                <a:tc>
+                  <a:txBody>
+                    <a:bodyPr/>
+                    <a:lstStyle/>
+                    <a:p>
+                      <a:r>
+                        <a:rPr lang="en-IN" sz="1600" dirty="0"/>
+                        <a:t>6. “on”</a:t>
+                      </a:r>
+                    </a:p>
+                  </a:txBody>
+                  <a:tcPr marL="83127" marR="83127">
+                    <a:lnL w="12700" cmpd="sng">
+                      <a:noFill/>
+                    </a:lnL>
+                    <a:lnR w="12700" cmpd="sng">
+                      <a:noFill/>
+                    </a:lnR>
+                    <a:lnT w="12700" cmpd="sng">
+                      <a:noFill/>
+                    </a:lnT>
+                    <a:lnB w="12700" cmpd="sng">
+                      <a:noFill/>
+                    </a:lnB>
+                    <a:lnTlToBr w="12700" cmpd="sng">
+                      <a:noFill/>
+                      <a:prstDash val="solid"/>
+                    </a:lnTlToBr>
+                    <a:lnBlToTr w="12700" cmpd="sng">
+                      <a:noFill/>
+                      <a:prstDash val="solid"/>
+                    </a:lnBlToTr>
+                    <a:noFill/>
+                  </a:tcPr>
+                </a:tc>
+                <a:tc>
+                  <a:txBody>
+                    <a:bodyPr/>
+                    <a:lstStyle/>
+                    <a:p>
+                      <a:r>
+                        <a:rPr lang="en-IN" sz="1600" dirty="0"/>
+                        <a:t>7. “wearing”</a:t>
+                      </a:r>
+                    </a:p>
+                  </a:txBody>
+                  <a:tcPr marL="83127" marR="83127">
+                    <a:lnL w="12700" cmpd="sng">
+                      <a:noFill/>
+                    </a:lnL>
+                    <a:lnR w="12700" cmpd="sng">
+                      <a:noFill/>
+                    </a:lnR>
+                    <a:lnT w="12700" cmpd="sng">
+                      <a:noFill/>
+                    </a:lnT>
+                    <a:lnB w="12700" cmpd="sng">
+                      <a:noFill/>
+                    </a:lnB>
+                    <a:lnTlToBr w="12700" cmpd="sng">
+                      <a:noFill/>
+                      <a:prstDash val="solid"/>
+                    </a:lnTlToBr>
+                    <a:lnBlToTr w="12700" cmpd="sng">
+                      <a:noFill/>
+                      <a:prstDash val="solid"/>
+                    </a:lnBlToTr>
+                    <a:noFill/>
+                  </a:tcPr>
+                </a:tc>
+                <a:tc>
+                  <a:txBody>
+                    <a:bodyPr/>
+                    <a:lstStyle/>
+                    <a:p>
+                      <a:r>
+                        <a:rPr lang="en-IN" sz="1600" dirty="0"/>
+                        <a:t>8. “helmet”</a:t>
+                      </a:r>
+                    </a:p>
+                  </a:txBody>
+                  <a:tcPr marL="83127" marR="83127">
+                    <a:lnL w="12700" cmpd="sng">
+                      <a:noFill/>
+                    </a:lnL>
+                    <a:lnR w="12700" cmpd="sng">
+                      <a:noFill/>
+                    </a:lnR>
+                    <a:lnT w="12700" cmpd="sng">
+                      <a:noFill/>
+                    </a:lnT>
+                    <a:lnB w="12700" cmpd="sng">
+                      <a:noFill/>
+                    </a:lnB>
+                    <a:lnTlToBr w="12700" cmpd="sng">
+                      <a:noFill/>
+                      <a:prstDash val="solid"/>
+                    </a:lnTlToBr>
+                    <a:lnBlToTr w="12700" cmpd="sng">
+                      <a:noFill/>
+                      <a:prstDash val="solid"/>
+                    </a:lnBlToTr>
+                    <a:noFill/>
+                  </a:tcPr>
+                </a:tc>
+                <a:tc>
+                  <a:txBody>
+                    <a:bodyPr/>
+                    <a:lstStyle/>
+                    <a:p>
+                      <a:r>
+                        <a:rPr lang="en-IN" sz="1600" dirty="0"/>
+                        <a:t>9. “enjoying”</a:t>
+                      </a:r>
+                    </a:p>
+                  </a:txBody>
+                  <a:tcPr marL="83127" marR="83127">
+                    <a:lnL w="12700" cmpd="sng">
+                      <a:noFill/>
+                    </a:lnL>
+                    <a:lnR w="12700" cmpd="sng">
+                      <a:noFill/>
+                    </a:lnR>
+                    <a:lnT w="12700" cmpd="sng">
+                      <a:noFill/>
+                    </a:lnT>
+                    <a:lnB w="12700" cmpd="sng">
+                      <a:noFill/>
+                    </a:lnB>
+                    <a:lnTlToBr w="12700" cmpd="sng">
+                      <a:noFill/>
+                      <a:prstDash val="solid"/>
+                    </a:lnTlToBr>
+                    <a:lnBlToTr w="12700" cmpd="sng">
+                      <a:noFill/>
+                      <a:prstDash val="solid"/>
+                    </a:lnBlToTr>
+                    <a:noFill/>
+                  </a:tcPr>
+                </a:tc>
+                <a:tc>
+                  <a:txBody>
+                    <a:bodyPr/>
+                    <a:lstStyle/>
+                    <a:p>
+                      <a:r>
+                        <a:rPr lang="en-IN" sz="1600" dirty="0"/>
+                        <a:t>10. “happy”</a:t>
+                      </a:r>
+                    </a:p>
+                  </a:txBody>
+                  <a:tcPr marL="83127" marR="83127">
+                    <a:lnL w="12700" cmpd="sng">
+                      <a:noFill/>
+                    </a:lnL>
+                    <a:lnR w="12700" cmpd="sng">
+                      <a:noFill/>
+                    </a:lnR>
+                    <a:lnT w="12700" cmpd="sng">
+                      <a:noFill/>
+                    </a:lnT>
+                    <a:lnB w="12700" cmpd="sng">
+                      <a:noFill/>
+                    </a:lnB>
+                    <a:lnTlToBr w="12700" cmpd="sng">
+                      <a:noFill/>
+                      <a:prstDash val="solid"/>
+                    </a:lnTlToBr>
+                    <a:lnBlToTr w="12700" cmpd="sng">
+                      <a:noFill/>
+                      <a:prstDash val="solid"/>
+                    </a:lnBlToTr>
+                    <a:noFill/>
+                  </a:tcPr>
+                </a:tc>
+                <a:extLst>
+                  <a:ext uri="{0D108BD9-81ED-4DB2-BD59-A6C34878D82A}">
+                    <a16:rowId xmlns:a16="http://schemas.microsoft.com/office/drawing/2014/main" val="1834948506"/>
+                  </a:ext>
+                </a:extLst>
+              </a:tr>
+            </a:tbl>
+          </a:graphicData>
+        </a:graphic>
+      </p:graphicFrame>
+      <p:graphicFrame>
+        <p:nvGraphicFramePr>
+          <p:cNvPr id="13" name="Table 13">
+            <a:extLst>
+              <a:ext uri="{FF2B5EF4-FFF2-40B4-BE49-F238E27FC236}">
+                <a16:creationId xmlns:a16="http://schemas.microsoft.com/office/drawing/2014/main" id="{9F3A6247-5AAB-4C2D-B420-5D14AF0155D6}"/>
+              </a:ext>
+            </a:extLst>
+          </p:cNvPr>
+          <p:cNvGraphicFramePr>
+            <a:graphicFrameLocks noGrp="1"/>
+          </p:cNvGraphicFramePr>
+          <p:nvPr>
+            <p:extLst>
+              <p:ext uri="{D42A27DB-BD31-4B8C-83A1-F6EECF244321}">
+                <p14:modId xmlns:p14="http://schemas.microsoft.com/office/powerpoint/2010/main" val="2468757550"/>
+              </p:ext>
+            </p:extLst>
+          </p:nvPr>
+        </p:nvGraphicFramePr>
+        <p:xfrm>
+          <a:off x="838199" y="4721996"/>
+          <a:ext cx="10515600" cy="670560"/>
+        </p:xfrm>
+        <a:graphic>
+          <a:graphicData uri="http://schemas.openxmlformats.org/drawingml/2006/table">
+            <a:tbl>
+              <a:tblPr bandRow="1">
+                <a:tableStyleId>{5C22544A-7EE6-4342-B048-85BDC9FD1C3A}</a:tableStyleId>
+              </a:tblPr>
+              <a:tblGrid>
+                <a:gridCol w="3505200">
+                  <a:extLst>
+                    <a:ext uri="{9D8B030D-6E8A-4147-A177-3AD203B41FA5}">
+                      <a16:colId xmlns:a16="http://schemas.microsoft.com/office/drawing/2014/main" val="764850448"/>
+                    </a:ext>
+                  </a:extLst>
+                </a:gridCol>
+                <a:gridCol w="3505200">
+                  <a:extLst>
+                    <a:ext uri="{9D8B030D-6E8A-4147-A177-3AD203B41FA5}">
+                      <a16:colId xmlns:a16="http://schemas.microsoft.com/office/drawing/2014/main" val="348465865"/>
+                    </a:ext>
+                  </a:extLst>
+                </a:gridCol>
+                <a:gridCol w="3505200">
+                  <a:extLst>
+                    <a:ext uri="{9D8B030D-6E8A-4147-A177-3AD203B41FA5}">
+                      <a16:colId xmlns:a16="http://schemas.microsoft.com/office/drawing/2014/main" val="1848297289"/>
+                    </a:ext>
+                  </a:extLst>
+                </a:gridCol>
+              </a:tblGrid>
+              <a:tr h="216553">
+                <a:tc>
+                  <a:txBody>
+                    <a:bodyPr/>
+                    <a:lstStyle/>
+                    <a:p>
+                      <a:r>
+                        <a:rPr lang="en-IN" sz="1600" dirty="0"/>
+                        <a:t>1. (1, 2, 3, 4, 5, 0, 0)</a:t>
+                      </a:r>
+                    </a:p>
+                  </a:txBody>
+                  <a:tcPr>
+                    <a:lnL w="12700" cmpd="sng">
+                      <a:noFill/>
+                    </a:lnL>
+                    <a:lnR w="12700" cmpd="sng">
+                      <a:noFill/>
+                    </a:lnR>
+                    <a:lnT w="12700" cmpd="sng">
+                      <a:noFill/>
+                    </a:lnT>
+                    <a:lnB w="12700" cmpd="sng">
+                      <a:noFill/>
+                    </a:lnB>
+                    <a:lnTlToBr w="12700" cmpd="sng">
+                      <a:noFill/>
+                      <a:prstDash val="solid"/>
+                    </a:lnTlToBr>
+                    <a:lnBlToTr w="12700" cmpd="sng">
+                      <a:noFill/>
+                      <a:prstDash val="solid"/>
+                    </a:lnBlToTr>
+                    <a:noFill/>
+                  </a:tcPr>
+                </a:tc>
+                <a:tc>
+                  <a:txBody>
+                    <a:bodyPr/>
+                    <a:lstStyle/>
+                    <a:p>
+                      <a:r>
+                        <a:rPr lang="en-IN" sz="1600" dirty="0"/>
+                        <a:t>2. (1, 2, 6, 4, 5, 0, 0)</a:t>
+                      </a:r>
+                    </a:p>
+                  </a:txBody>
+                  <a:tcPr>
+                    <a:lnL w="12700" cmpd="sng">
+                      <a:noFill/>
+                    </a:lnL>
+                    <a:lnR w="12700" cmpd="sng">
+                      <a:noFill/>
+                    </a:lnR>
+                    <a:lnT w="12700" cmpd="sng">
+                      <a:noFill/>
+                    </a:lnT>
+                    <a:lnB w="12700" cmpd="sng">
+                      <a:noFill/>
+                    </a:lnB>
+                    <a:lnTlToBr w="12700" cmpd="sng">
+                      <a:noFill/>
+                      <a:prstDash val="solid"/>
+                    </a:lnTlToBr>
+                    <a:lnBlToTr w="12700" cmpd="sng">
+                      <a:noFill/>
+                      <a:prstDash val="solid"/>
+                    </a:lnBlToTr>
+                    <a:noFill/>
+                  </a:tcPr>
+                </a:tc>
+                <a:tc>
+                  <a:txBody>
+                    <a:bodyPr/>
+                    <a:lstStyle/>
+                    <a:p>
+                      <a:r>
+                        <a:rPr lang="en-IN" sz="1600" dirty="0"/>
+                        <a:t>3. (1, 2, 7, 8, 3, 4, 5)</a:t>
+                      </a:r>
+                    </a:p>
+                  </a:txBody>
+                  <a:tcPr>
+                    <a:lnL w="12700" cmpd="sng">
+                      <a:noFill/>
+                    </a:lnL>
+                    <a:lnR w="12700" cmpd="sng">
+                      <a:noFill/>
+                    </a:lnR>
+                    <a:lnT w="12700" cmpd="sng">
+                      <a:noFill/>
+                    </a:lnT>
+                    <a:lnB w="12700" cmpd="sng">
+                      <a:noFill/>
+                    </a:lnB>
+                    <a:lnTlToBr w="12700" cmpd="sng">
+                      <a:noFill/>
+                      <a:prstDash val="solid"/>
+                    </a:lnTlToBr>
+                    <a:lnBlToTr w="12700" cmpd="sng">
+                      <a:noFill/>
+                      <a:prstDash val="solid"/>
+                    </a:lnBlToTr>
+                    <a:noFill/>
+                  </a:tcPr>
+                </a:tc>
+                <a:extLst>
+                  <a:ext uri="{0D108BD9-81ED-4DB2-BD59-A6C34878D82A}">
+                    <a16:rowId xmlns:a16="http://schemas.microsoft.com/office/drawing/2014/main" val="1174627282"/>
+                  </a:ext>
+                </a:extLst>
+              </a:tr>
+              <a:tr h="216553">
+                <a:tc>
+                  <a:txBody>
+                    <a:bodyPr/>
+                    <a:lstStyle/>
+                    <a:p>
+                      <a:r>
+                        <a:rPr lang="en-IN" sz="1600" dirty="0"/>
+                        <a:t>4. (1, 2, 9, 3, 4, 5, 0)</a:t>
+                      </a:r>
+                    </a:p>
+                  </a:txBody>
+                  <a:tcPr>
+                    <a:lnL w="12700" cmpd="sng">
+                      <a:noFill/>
+                    </a:lnL>
+                    <a:lnR w="12700" cmpd="sng">
+                      <a:noFill/>
+                    </a:lnR>
+                    <a:lnT w="12700" cmpd="sng">
+                      <a:noFill/>
+                    </a:lnT>
+                    <a:lnB w="12700" cmpd="sng">
+                      <a:noFill/>
+                    </a:lnB>
+                    <a:lnTlToBr w="12700" cmpd="sng">
+                      <a:noFill/>
+                      <a:prstDash val="solid"/>
+                    </a:lnTlToBr>
+                    <a:lnBlToTr w="12700" cmpd="sng">
+                      <a:noFill/>
+                      <a:prstDash val="solid"/>
+                    </a:lnBlToTr>
+                    <a:noFill/>
+                  </a:tcPr>
+                </a:tc>
+                <a:tc>
+                  <a:txBody>
+                    <a:bodyPr/>
+                    <a:lstStyle/>
+                    <a:p>
+                      <a:r>
+                        <a:rPr lang="en-IN" sz="1600" dirty="0"/>
+                        <a:t>5. (1, 10, 2, 3, 4, 5, 0)</a:t>
+                      </a:r>
+                    </a:p>
+                  </a:txBody>
+                  <a:tcPr>
+                    <a:lnL w="12700" cmpd="sng">
+                      <a:noFill/>
+                    </a:lnL>
+                    <a:lnR w="12700" cmpd="sng">
+                      <a:noFill/>
+                    </a:lnR>
+                    <a:lnT w="12700" cmpd="sng">
+                      <a:noFill/>
+                    </a:lnT>
+                    <a:lnB w="12700" cmpd="sng">
+                      <a:noFill/>
+                    </a:lnB>
+                    <a:lnTlToBr w="12700" cmpd="sng">
+                      <a:noFill/>
+                      <a:prstDash val="solid"/>
+                    </a:lnTlToBr>
+                    <a:lnBlToTr w="12700" cmpd="sng">
+                      <a:noFill/>
+                      <a:prstDash val="solid"/>
+                    </a:lnBlToTr>
+                    <a:noFill/>
+                  </a:tcPr>
+                </a:tc>
+                <a:tc>
+                  <a:txBody>
+                    <a:bodyPr/>
+                    <a:lstStyle/>
+                    <a:p>
+                      <a:endParaRPr lang="en-IN" sz="1600" dirty="0"/>
+                    </a:p>
+                  </a:txBody>
+                  <a:tcPr>
+                    <a:lnL w="12700" cmpd="sng">
+                      <a:noFill/>
+                    </a:lnL>
+                    <a:lnR w="12700" cmpd="sng">
+                      <a:noFill/>
+                    </a:lnR>
+                    <a:lnT w="12700" cmpd="sng">
+                      <a:noFill/>
+                    </a:lnT>
+                    <a:lnB w="12700" cmpd="sng">
+                      <a:noFill/>
+                    </a:lnB>
+                    <a:lnTlToBr w="12700" cmpd="sng">
+                      <a:noFill/>
+                      <a:prstDash val="solid"/>
+                    </a:lnTlToBr>
+                    <a:lnBlToTr w="12700" cmpd="sng">
+                      <a:noFill/>
+                      <a:prstDash val="solid"/>
+                    </a:lnBlToTr>
+                    <a:noFill/>
+                  </a:tcPr>
+                </a:tc>
+                <a:extLst>
+                  <a:ext uri="{0D108BD9-81ED-4DB2-BD59-A6C34878D82A}">
+                    <a16:rowId xmlns:a16="http://schemas.microsoft.com/office/drawing/2014/main" val="256008200"/>
+                  </a:ext>
+                </a:extLst>
+              </a:tr>
+            </a:tbl>
+          </a:graphicData>
+        </a:graphic>
+      </p:graphicFrame>
+    </p:spTree>
+    <p:extLst>
+      <p:ext uri="{BB962C8B-B14F-4D97-AF65-F5344CB8AC3E}">
+        <p14:creationId xmlns:p14="http://schemas.microsoft.com/office/powerpoint/2010/main" val="3018812391"/>
+      </p:ext>
+    </p:extLst>
+  </p:cSld>
+  <p:clrMapOvr>
+    <a:masterClrMapping/>
+  </p:clrMapOvr>
+</p:sld>
+</file>
+
+<file path=ppt/slides/slide22.xml><?xml version="1.0" encoding="utf-8"?>
+<p:sld xmlns:a="http://schemas.openxmlformats.org/drawingml/2006/main" xmlns:r="http://schemas.openxmlformats.org/officeDocument/2006/relationships" xmlns:p="http://schemas.openxmlformats.org/presentationml/2006/main">
+  <p:cSld>
+    <p:spTree>
+      <p:nvGrpSpPr>
+        <p:cNvPr id="1" name=""/>
+        <p:cNvGrpSpPr/>
+        <p:nvPr/>
+      </p:nvGrpSpPr>
+      <p:grpSpPr>
+        <a:xfrm>
+          <a:off x="0" y="0"/>
+          <a:ext cx="0" cy="0"/>
+          <a:chOff x="0" y="0"/>
+          <a:chExt cx="0" cy="0"/>
+        </a:xfrm>
+      </p:grpSpPr>
+      <p:sp>
+        <p:nvSpPr>
+          <p:cNvPr id="2" name="Title 1">
+            <a:extLst>
+              <a:ext uri="{FF2B5EF4-FFF2-40B4-BE49-F238E27FC236}">
+                <a16:creationId xmlns:a16="http://schemas.microsoft.com/office/drawing/2014/main" id="{9F53C0E6-5CA5-48E1-B370-E678425399F4}"/>
+              </a:ext>
+            </a:extLst>
+          </p:cNvPr>
+          <p:cNvSpPr>
+            <a:spLocks noGrp="1"/>
+          </p:cNvSpPr>
+          <p:nvPr>
+            <p:ph type="title"/>
+          </p:nvPr>
+        </p:nvSpPr>
+        <p:spPr>
+          <a:xfrm>
+            <a:off x="838200" y="365125"/>
+            <a:ext cx="10515600" cy="827571"/>
+          </a:xfrm>
+        </p:spPr>
+        <p:txBody>
+          <a:bodyPr/>
+          <a:lstStyle/>
+          <a:p>
+            <a:r>
+              <a:rPr lang="en-IN" dirty="0"/>
+              <a:t>Scripts Execution Flow…</a:t>
             </a:r>
           </a:p>
         </p:txBody>
@@ -13010,33 +14917,31 @@
           </a:bodyPr>
           <a:lstStyle/>
           <a:p>
-            <a:pPr algn="just">
+            <a:pPr marL="0" indent="0" algn="just">
               <a:lnSpc>
                 <a:spcPct val="100000"/>
               </a:lnSpc>
               <a:spcBef>
                 <a:spcPts val="0"/>
               </a:spcBef>
-              <a:buFont typeface="Wingdings" panose="05000000000000000000" pitchFamily="2" charset="2"/>
-              <a:buChar char="Ø"/>
+              <a:buNone/>
             </a:pPr>
             <a:r>
-              <a:rPr lang="en-IN" sz="2000" dirty="0"/>
-              <a:t>Template</a:t>
-            </a:r>
-          </a:p>
-          <a:p>
-            <a:pPr algn="just">
+              <a:rPr lang="en-IN" sz="1800" dirty="0"/>
+              <a:t>Since, our model will generate captions word by word, thus we will train our image captioning model word by word, as shown below:</a:t>
+            </a:r>
+          </a:p>
+          <a:p>
+            <a:pPr marL="0" indent="0" algn="just">
               <a:lnSpc>
                 <a:spcPct val="100000"/>
               </a:lnSpc>
               <a:spcBef>
                 <a:spcPts val="0"/>
               </a:spcBef>
-              <a:buFont typeface="Wingdings" panose="05000000000000000000" pitchFamily="2" charset="2"/>
-              <a:buChar char="Ø"/>
+              <a:buNone/>
             </a:pPr>
-            <a:endParaRPr lang="en-IN" sz="2000" dirty="0"/>
+            <a:endParaRPr lang="en-IN" sz="1800" dirty="0"/>
           </a:p>
         </p:txBody>
       </p:sp>
@@ -13092,16 +14997,1774 @@
           <a:p>
             <a:fld id="{EC53106F-9B43-4B1F-BCB9-D94FA7734D96}" type="slidenum">
               <a:rPr lang="en-IN" smtClean="0"/>
-              <a:t>21</a:t>
+              <a:t>22</a:t>
             </a:fld>
             <a:endParaRPr lang="en-IN"/>
           </a:p>
         </p:txBody>
       </p:sp>
+      <p:graphicFrame>
+        <p:nvGraphicFramePr>
+          <p:cNvPr id="6" name="Table 6">
+            <a:extLst>
+              <a:ext uri="{FF2B5EF4-FFF2-40B4-BE49-F238E27FC236}">
+                <a16:creationId xmlns:a16="http://schemas.microsoft.com/office/drawing/2014/main" id="{C1E06144-0F57-4633-A8CE-E9F59E0D6DD7}"/>
+              </a:ext>
+            </a:extLst>
+          </p:cNvPr>
+          <p:cNvGraphicFramePr>
+            <a:graphicFrameLocks noGrp="1"/>
+          </p:cNvGraphicFramePr>
+          <p:nvPr>
+            <p:extLst>
+              <p:ext uri="{D42A27DB-BD31-4B8C-83A1-F6EECF244321}">
+                <p14:modId xmlns:p14="http://schemas.microsoft.com/office/powerpoint/2010/main" val="4259647424"/>
+              </p:ext>
+            </p:extLst>
+          </p:nvPr>
+        </p:nvGraphicFramePr>
+        <p:xfrm>
+          <a:off x="838200" y="1793090"/>
+          <a:ext cx="10515601" cy="4358640"/>
+        </p:xfrm>
+        <a:graphic>
+          <a:graphicData uri="http://schemas.openxmlformats.org/drawingml/2006/table">
+            <a:tbl>
+              <a:tblPr firstRow="1" bandRow="1">
+                <a:tableStyleId>{5C22544A-7EE6-4342-B048-85BDC9FD1C3A}</a:tableStyleId>
+              </a:tblPr>
+              <a:tblGrid>
+                <a:gridCol w="699052">
+                  <a:extLst>
+                    <a:ext uri="{9D8B030D-6E8A-4147-A177-3AD203B41FA5}">
+                      <a16:colId xmlns:a16="http://schemas.microsoft.com/office/drawing/2014/main" val="3249865570"/>
+                    </a:ext>
+                  </a:extLst>
+                </a:gridCol>
+                <a:gridCol w="4041913">
+                  <a:extLst>
+                    <a:ext uri="{9D8B030D-6E8A-4147-A177-3AD203B41FA5}">
+                      <a16:colId xmlns:a16="http://schemas.microsoft.com/office/drawing/2014/main" val="371997466"/>
+                    </a:ext>
+                  </a:extLst>
+                </a:gridCol>
+                <a:gridCol w="3472070">
+                  <a:extLst>
+                    <a:ext uri="{9D8B030D-6E8A-4147-A177-3AD203B41FA5}">
+                      <a16:colId xmlns:a16="http://schemas.microsoft.com/office/drawing/2014/main" val="4110403680"/>
+                    </a:ext>
+                  </a:extLst>
+                </a:gridCol>
+                <a:gridCol w="2302566">
+                  <a:extLst>
+                    <a:ext uri="{9D8B030D-6E8A-4147-A177-3AD203B41FA5}">
+                      <a16:colId xmlns:a16="http://schemas.microsoft.com/office/drawing/2014/main" val="619988004"/>
+                    </a:ext>
+                  </a:extLst>
+                </a:gridCol>
+              </a:tblGrid>
+              <a:tr h="0">
+                <a:tc>
+                  <a:txBody>
+                    <a:bodyPr/>
+                    <a:lstStyle/>
+                    <a:p>
+                      <a:pPr algn="ctr"/>
+                      <a:r>
+                        <a:rPr lang="en-IN" sz="1600" dirty="0" err="1"/>
+                        <a:t>S.No</a:t>
+                      </a:r>
+                      <a:r>
+                        <a:rPr lang="en-IN" sz="1600" dirty="0"/>
+                        <a:t>.</a:t>
+                      </a:r>
+                    </a:p>
+                  </a:txBody>
+                  <a:tcPr anchor="ctr"/>
+                </a:tc>
+                <a:tc>
+                  <a:txBody>
+                    <a:bodyPr/>
+                    <a:lstStyle/>
+                    <a:p>
+                      <a:pPr algn="ctr"/>
+                      <a:r>
+                        <a:rPr lang="en-IN" sz="1600" dirty="0"/>
+                        <a:t>Caption Input</a:t>
+                      </a:r>
+                    </a:p>
+                  </a:txBody>
+                  <a:tcPr anchor="ctr"/>
+                </a:tc>
+                <a:tc>
+                  <a:txBody>
+                    <a:bodyPr/>
+                    <a:lstStyle/>
+                    <a:p>
+                      <a:pPr algn="ctr"/>
+                      <a:r>
+                        <a:rPr lang="en-IN" sz="1600" dirty="0"/>
+                        <a:t>X (Training Independent Variable)</a:t>
+                      </a:r>
+                    </a:p>
+                  </a:txBody>
+                  <a:tcPr anchor="ctr"/>
+                </a:tc>
+                <a:tc>
+                  <a:txBody>
+                    <a:bodyPr/>
+                    <a:lstStyle/>
+                    <a:p>
+                      <a:pPr algn="ctr"/>
+                      <a:r>
+                        <a:rPr lang="en-IN" sz="1600" dirty="0"/>
+                        <a:t>Y (Dependent Variable)</a:t>
+                      </a:r>
+                    </a:p>
+                  </a:txBody>
+                  <a:tcPr anchor="ctr"/>
+                </a:tc>
+                <a:extLst>
+                  <a:ext uri="{0D108BD9-81ED-4DB2-BD59-A6C34878D82A}">
+                    <a16:rowId xmlns:a16="http://schemas.microsoft.com/office/drawing/2014/main" val="1587460518"/>
+                  </a:ext>
+                </a:extLst>
+              </a:tr>
+              <a:tr h="0">
+                <a:tc>
+                  <a:txBody>
+                    <a:bodyPr/>
+                    <a:lstStyle/>
+                    <a:p>
+                      <a:r>
+                        <a:rPr lang="en-IN" sz="1600" dirty="0"/>
+                        <a:t>1</a:t>
+                      </a:r>
+                    </a:p>
+                  </a:txBody>
+                  <a:tcPr/>
+                </a:tc>
+                <a:tc>
+                  <a:txBody>
+                    <a:bodyPr/>
+                    <a:lstStyle/>
+                    <a:p>
+                      <a:r>
+                        <a:rPr lang="en-IN" sz="1600" dirty="0"/>
+                        <a:t>“</a:t>
+                      </a:r>
+                      <a:r>
+                        <a:rPr lang="en-IN" sz="1600" dirty="0" err="1"/>
+                        <a:t>startseq</a:t>
+                      </a:r>
+                      <a:r>
+                        <a:rPr lang="en-IN" sz="1600" dirty="0"/>
+                        <a:t>”</a:t>
+                      </a:r>
+                    </a:p>
+                  </a:txBody>
+                  <a:tcPr/>
+                </a:tc>
+                <a:tc>
+                  <a:txBody>
+                    <a:bodyPr/>
+                    <a:lstStyle/>
+                    <a:p>
+                      <a:r>
+                        <a:rPr lang="en-IN" sz="1600" dirty="0"/>
+                        <a:t>[f</a:t>
+                      </a:r>
+                      <a:r>
+                        <a:rPr lang="en-IN" sz="1600" baseline="-25000" dirty="0"/>
+                        <a:t>1</a:t>
+                      </a:r>
+                      <a:r>
+                        <a:rPr lang="en-IN" sz="1600" dirty="0"/>
+                        <a:t>, f</a:t>
+                      </a:r>
+                      <a:r>
+                        <a:rPr lang="en-IN" sz="1600" baseline="-25000" dirty="0"/>
+                        <a:t>2</a:t>
+                      </a:r>
+                      <a:r>
+                        <a:rPr lang="en-IN" sz="1600" dirty="0"/>
+                        <a:t>, f</a:t>
+                      </a:r>
+                      <a:r>
+                        <a:rPr lang="en-IN" sz="1600" baseline="-25000" dirty="0"/>
+                        <a:t>3</a:t>
+                      </a:r>
+                      <a:r>
+                        <a:rPr lang="en-IN" sz="1600" dirty="0"/>
+                        <a:t>, …., f</a:t>
+                      </a:r>
+                      <a:r>
+                        <a:rPr lang="en-IN" sz="1600" baseline="-25000" dirty="0"/>
+                        <a:t>2048</a:t>
+                      </a:r>
+                      <a:r>
+                        <a:rPr lang="en-IN" sz="1600" baseline="0" dirty="0"/>
+                        <a:t>], [1, 0, 0, 0, 0, 0, 0</a:t>
+                      </a:r>
+                      <a:r>
+                        <a:rPr lang="en-IN" sz="1600" dirty="0"/>
+                        <a:t>]</a:t>
+                      </a:r>
+                    </a:p>
+                  </a:txBody>
+                  <a:tcPr/>
+                </a:tc>
+                <a:tc>
+                  <a:txBody>
+                    <a:bodyPr/>
+                    <a:lstStyle/>
+                    <a:p>
+                      <a:pPr algn="ctr"/>
+                      <a:r>
+                        <a:rPr lang="en-IN" sz="1600" dirty="0"/>
+                        <a:t>“man” (2)</a:t>
+                      </a:r>
+                    </a:p>
+                  </a:txBody>
+                  <a:tcPr anchor="ctr"/>
+                </a:tc>
+                <a:extLst>
+                  <a:ext uri="{0D108BD9-81ED-4DB2-BD59-A6C34878D82A}">
+                    <a16:rowId xmlns:a16="http://schemas.microsoft.com/office/drawing/2014/main" val="1114464614"/>
+                  </a:ext>
+                </a:extLst>
+              </a:tr>
+              <a:tr h="0">
+                <a:tc>
+                  <a:txBody>
+                    <a:bodyPr/>
+                    <a:lstStyle/>
+                    <a:p>
+                      <a:r>
+                        <a:rPr lang="en-IN" sz="1600" dirty="0"/>
+                        <a:t>2</a:t>
+                      </a:r>
+                    </a:p>
+                  </a:txBody>
+                  <a:tcPr/>
+                </a:tc>
+                <a:tc>
+                  <a:txBody>
+                    <a:bodyPr/>
+                    <a:lstStyle/>
+                    <a:p>
+                      <a:r>
+                        <a:rPr lang="en-IN" sz="1600" dirty="0"/>
+                        <a:t>“</a:t>
+                      </a:r>
+                      <a:r>
+                        <a:rPr lang="en-IN" sz="1600" dirty="0" err="1"/>
+                        <a:t>startseq</a:t>
+                      </a:r>
+                      <a:r>
+                        <a:rPr lang="en-IN" sz="1600" dirty="0"/>
+                        <a:t> man”</a:t>
+                      </a:r>
+                    </a:p>
+                  </a:txBody>
+                  <a:tcPr/>
+                </a:tc>
+                <a:tc>
+                  <a:txBody>
+                    <a:bodyPr/>
+                    <a:lstStyle/>
+                    <a:p>
+                      <a:pPr marL="0" marR="0" lvl="0" indent="0" algn="l" defTabSz="914400" rtl="0" eaLnBrk="1" fontAlgn="auto" latinLnBrk="0" hangingPunct="1">
+                        <a:lnSpc>
+                          <a:spcPct val="100000"/>
+                        </a:lnSpc>
+                        <a:spcBef>
+                          <a:spcPts val="0"/>
+                        </a:spcBef>
+                        <a:spcAft>
+                          <a:spcPts val="0"/>
+                        </a:spcAft>
+                        <a:buClrTx/>
+                        <a:buSzTx/>
+                        <a:buFontTx/>
+                        <a:buNone/>
+                        <a:tabLst/>
+                        <a:defRPr/>
+                      </a:pPr>
+                      <a:r>
+                        <a:rPr lang="en-IN" sz="1600" dirty="0"/>
+                        <a:t>[f</a:t>
+                      </a:r>
+                      <a:r>
+                        <a:rPr lang="en-IN" sz="1600" baseline="-25000" dirty="0"/>
+                        <a:t>1</a:t>
+                      </a:r>
+                      <a:r>
+                        <a:rPr lang="en-IN" sz="1600" dirty="0"/>
+                        <a:t>, f</a:t>
+                      </a:r>
+                      <a:r>
+                        <a:rPr lang="en-IN" sz="1600" baseline="-25000" dirty="0"/>
+                        <a:t>2</a:t>
+                      </a:r>
+                      <a:r>
+                        <a:rPr lang="en-IN" sz="1600" dirty="0"/>
+                        <a:t>, f</a:t>
+                      </a:r>
+                      <a:r>
+                        <a:rPr lang="en-IN" sz="1600" baseline="-25000" dirty="0"/>
+                        <a:t>3</a:t>
+                      </a:r>
+                      <a:r>
+                        <a:rPr lang="en-IN" sz="1600" dirty="0"/>
+                        <a:t>, …., f</a:t>
+                      </a:r>
+                      <a:r>
+                        <a:rPr lang="en-IN" sz="1600" baseline="-25000" dirty="0"/>
+                        <a:t>2048</a:t>
+                      </a:r>
+                      <a:r>
+                        <a:rPr lang="en-IN" sz="1600" baseline="0" dirty="0"/>
+                        <a:t>], [1, 2, 0, 0, 0, 0, 0</a:t>
+                      </a:r>
+                      <a:r>
+                        <a:rPr lang="en-IN" sz="1600" dirty="0"/>
+                        <a:t>]</a:t>
+                      </a:r>
+                    </a:p>
+                  </a:txBody>
+                  <a:tcPr/>
+                </a:tc>
+                <a:tc>
+                  <a:txBody>
+                    <a:bodyPr/>
+                    <a:lstStyle/>
+                    <a:p>
+                      <a:pPr marL="0" marR="0" lvl="0" indent="0" algn="ctr" defTabSz="914400" rtl="0" eaLnBrk="1" fontAlgn="auto" latinLnBrk="0" hangingPunct="1">
+                        <a:lnSpc>
+                          <a:spcPct val="100000"/>
+                        </a:lnSpc>
+                        <a:spcBef>
+                          <a:spcPts val="0"/>
+                        </a:spcBef>
+                        <a:spcAft>
+                          <a:spcPts val="0"/>
+                        </a:spcAft>
+                        <a:buClrTx/>
+                        <a:buSzTx/>
+                        <a:buFontTx/>
+                        <a:buNone/>
+                        <a:tabLst/>
+                        <a:defRPr/>
+                      </a:pPr>
+                      <a:r>
+                        <a:rPr lang="en-IN" sz="1600" dirty="0"/>
+                        <a:t>“driving” (3)</a:t>
+                      </a:r>
+                    </a:p>
+                  </a:txBody>
+                  <a:tcPr anchor="ctr"/>
+                </a:tc>
+                <a:extLst>
+                  <a:ext uri="{0D108BD9-81ED-4DB2-BD59-A6C34878D82A}">
+                    <a16:rowId xmlns:a16="http://schemas.microsoft.com/office/drawing/2014/main" val="1453760822"/>
+                  </a:ext>
+                </a:extLst>
+              </a:tr>
+              <a:tr h="0">
+                <a:tc>
+                  <a:txBody>
+                    <a:bodyPr/>
+                    <a:lstStyle/>
+                    <a:p>
+                      <a:r>
+                        <a:rPr lang="en-IN" sz="1600" dirty="0"/>
+                        <a:t>3</a:t>
+                      </a:r>
+                    </a:p>
+                  </a:txBody>
+                  <a:tcPr/>
+                </a:tc>
+                <a:tc>
+                  <a:txBody>
+                    <a:bodyPr/>
+                    <a:lstStyle/>
+                    <a:p>
+                      <a:r>
+                        <a:rPr lang="en-IN" sz="1600" dirty="0"/>
+                        <a:t>“</a:t>
+                      </a:r>
+                      <a:r>
+                        <a:rPr lang="en-IN" sz="1600" dirty="0" err="1"/>
+                        <a:t>startseq</a:t>
+                      </a:r>
+                      <a:r>
+                        <a:rPr lang="en-IN" sz="1600" dirty="0"/>
+                        <a:t> man driving”</a:t>
+                      </a:r>
+                    </a:p>
+                  </a:txBody>
+                  <a:tcPr/>
+                </a:tc>
+                <a:tc>
+                  <a:txBody>
+                    <a:bodyPr/>
+                    <a:lstStyle/>
+                    <a:p>
+                      <a:pPr marL="0" marR="0" lvl="0" indent="0" algn="l" defTabSz="914400" rtl="0" eaLnBrk="1" fontAlgn="auto" latinLnBrk="0" hangingPunct="1">
+                        <a:lnSpc>
+                          <a:spcPct val="100000"/>
+                        </a:lnSpc>
+                        <a:spcBef>
+                          <a:spcPts val="0"/>
+                        </a:spcBef>
+                        <a:spcAft>
+                          <a:spcPts val="0"/>
+                        </a:spcAft>
+                        <a:buClrTx/>
+                        <a:buSzTx/>
+                        <a:buFontTx/>
+                        <a:buNone/>
+                        <a:tabLst/>
+                        <a:defRPr/>
+                      </a:pPr>
+                      <a:r>
+                        <a:rPr lang="en-IN" sz="1600" dirty="0"/>
+                        <a:t>[f</a:t>
+                      </a:r>
+                      <a:r>
+                        <a:rPr lang="en-IN" sz="1600" baseline="-25000" dirty="0"/>
+                        <a:t>1</a:t>
+                      </a:r>
+                      <a:r>
+                        <a:rPr lang="en-IN" sz="1600" dirty="0"/>
+                        <a:t>, f</a:t>
+                      </a:r>
+                      <a:r>
+                        <a:rPr lang="en-IN" sz="1600" baseline="-25000" dirty="0"/>
+                        <a:t>2</a:t>
+                      </a:r>
+                      <a:r>
+                        <a:rPr lang="en-IN" sz="1600" dirty="0"/>
+                        <a:t>, f</a:t>
+                      </a:r>
+                      <a:r>
+                        <a:rPr lang="en-IN" sz="1600" baseline="-25000" dirty="0"/>
+                        <a:t>3</a:t>
+                      </a:r>
+                      <a:r>
+                        <a:rPr lang="en-IN" sz="1600" dirty="0"/>
+                        <a:t>, …., f</a:t>
+                      </a:r>
+                      <a:r>
+                        <a:rPr lang="en-IN" sz="1600" baseline="-25000" dirty="0"/>
+                        <a:t>2048</a:t>
+                      </a:r>
+                      <a:r>
+                        <a:rPr lang="en-IN" sz="1600" baseline="0" dirty="0"/>
+                        <a:t>], [1, 2, 3, 0, 0, 0, 0</a:t>
+                      </a:r>
+                      <a:r>
+                        <a:rPr lang="en-IN" sz="1600" dirty="0"/>
+                        <a:t>]</a:t>
+                      </a:r>
+                    </a:p>
+                  </a:txBody>
+                  <a:tcPr/>
+                </a:tc>
+                <a:tc>
+                  <a:txBody>
+                    <a:bodyPr/>
+                    <a:lstStyle/>
+                    <a:p>
+                      <a:pPr marL="0" marR="0" lvl="0" indent="0" algn="ctr" defTabSz="914400" rtl="0" eaLnBrk="1" fontAlgn="auto" latinLnBrk="0" hangingPunct="1">
+                        <a:lnSpc>
+                          <a:spcPct val="100000"/>
+                        </a:lnSpc>
+                        <a:spcBef>
+                          <a:spcPts val="0"/>
+                        </a:spcBef>
+                        <a:spcAft>
+                          <a:spcPts val="0"/>
+                        </a:spcAft>
+                        <a:buClrTx/>
+                        <a:buSzTx/>
+                        <a:buFontTx/>
+                        <a:buNone/>
+                        <a:tabLst/>
+                        <a:defRPr/>
+                      </a:pPr>
+                      <a:r>
+                        <a:rPr lang="en-IN" sz="1600" dirty="0"/>
+                        <a:t>“scooter” (4)</a:t>
+                      </a:r>
+                    </a:p>
+                  </a:txBody>
+                  <a:tcPr anchor="ctr"/>
+                </a:tc>
+                <a:extLst>
+                  <a:ext uri="{0D108BD9-81ED-4DB2-BD59-A6C34878D82A}">
+                    <a16:rowId xmlns:a16="http://schemas.microsoft.com/office/drawing/2014/main" val="1675485532"/>
+                  </a:ext>
+                </a:extLst>
+              </a:tr>
+              <a:tr h="0">
+                <a:tc>
+                  <a:txBody>
+                    <a:bodyPr/>
+                    <a:lstStyle/>
+                    <a:p>
+                      <a:r>
+                        <a:rPr lang="en-IN" sz="1600" dirty="0"/>
+                        <a:t>4</a:t>
+                      </a:r>
+                    </a:p>
+                  </a:txBody>
+                  <a:tcPr/>
+                </a:tc>
+                <a:tc>
+                  <a:txBody>
+                    <a:bodyPr/>
+                    <a:lstStyle/>
+                    <a:p>
+                      <a:r>
+                        <a:rPr lang="en-IN" sz="1600" dirty="0"/>
+                        <a:t>“</a:t>
+                      </a:r>
+                      <a:r>
+                        <a:rPr lang="en-IN" sz="1600" dirty="0" err="1"/>
+                        <a:t>startseq</a:t>
+                      </a:r>
+                      <a:r>
+                        <a:rPr lang="en-IN" sz="1600" dirty="0"/>
+                        <a:t> man driving scooter”</a:t>
+                      </a:r>
+                    </a:p>
+                  </a:txBody>
+                  <a:tcPr/>
+                </a:tc>
+                <a:tc>
+                  <a:txBody>
+                    <a:bodyPr/>
+                    <a:lstStyle/>
+                    <a:p>
+                      <a:pPr marL="0" marR="0" lvl="0" indent="0" algn="l" defTabSz="914400" rtl="0" eaLnBrk="1" fontAlgn="auto" latinLnBrk="0" hangingPunct="1">
+                        <a:lnSpc>
+                          <a:spcPct val="100000"/>
+                        </a:lnSpc>
+                        <a:spcBef>
+                          <a:spcPts val="0"/>
+                        </a:spcBef>
+                        <a:spcAft>
+                          <a:spcPts val="0"/>
+                        </a:spcAft>
+                        <a:buClrTx/>
+                        <a:buSzTx/>
+                        <a:buFontTx/>
+                        <a:buNone/>
+                        <a:tabLst/>
+                        <a:defRPr/>
+                      </a:pPr>
+                      <a:r>
+                        <a:rPr lang="en-IN" sz="1600" dirty="0"/>
+                        <a:t>[f</a:t>
+                      </a:r>
+                      <a:r>
+                        <a:rPr lang="en-IN" sz="1600" baseline="-25000" dirty="0"/>
+                        <a:t>1</a:t>
+                      </a:r>
+                      <a:r>
+                        <a:rPr lang="en-IN" sz="1600" dirty="0"/>
+                        <a:t>, f</a:t>
+                      </a:r>
+                      <a:r>
+                        <a:rPr lang="en-IN" sz="1600" baseline="-25000" dirty="0"/>
+                        <a:t>2</a:t>
+                      </a:r>
+                      <a:r>
+                        <a:rPr lang="en-IN" sz="1600" dirty="0"/>
+                        <a:t>, f</a:t>
+                      </a:r>
+                      <a:r>
+                        <a:rPr lang="en-IN" sz="1600" baseline="-25000" dirty="0"/>
+                        <a:t>3</a:t>
+                      </a:r>
+                      <a:r>
+                        <a:rPr lang="en-IN" sz="1600" dirty="0"/>
+                        <a:t>, …., f</a:t>
+                      </a:r>
+                      <a:r>
+                        <a:rPr lang="en-IN" sz="1600" baseline="-25000" dirty="0"/>
+                        <a:t>2048</a:t>
+                      </a:r>
+                      <a:r>
+                        <a:rPr lang="en-IN" sz="1600" baseline="0" dirty="0"/>
+                        <a:t>], [1, 2, 3, 4, 0, 0, 0</a:t>
+                      </a:r>
+                      <a:r>
+                        <a:rPr lang="en-IN" sz="1600" dirty="0"/>
+                        <a:t>]</a:t>
+                      </a:r>
+                    </a:p>
+                  </a:txBody>
+                  <a:tcPr/>
+                </a:tc>
+                <a:tc>
+                  <a:txBody>
+                    <a:bodyPr/>
+                    <a:lstStyle/>
+                    <a:p>
+                      <a:pPr marL="0" marR="0" lvl="0" indent="0" algn="ctr" defTabSz="914400" rtl="0" eaLnBrk="1" fontAlgn="auto" latinLnBrk="0" hangingPunct="1">
+                        <a:lnSpc>
+                          <a:spcPct val="100000"/>
+                        </a:lnSpc>
+                        <a:spcBef>
+                          <a:spcPts val="0"/>
+                        </a:spcBef>
+                        <a:spcAft>
+                          <a:spcPts val="0"/>
+                        </a:spcAft>
+                        <a:buClrTx/>
+                        <a:buSzTx/>
+                        <a:buFontTx/>
+                        <a:buNone/>
+                        <a:tabLst/>
+                        <a:defRPr/>
+                      </a:pPr>
+                      <a:r>
+                        <a:rPr lang="en-IN" sz="1600" dirty="0"/>
+                        <a:t>“</a:t>
+                      </a:r>
+                      <a:r>
+                        <a:rPr lang="en-IN" sz="1600" dirty="0" err="1"/>
+                        <a:t>endseq</a:t>
+                      </a:r>
+                      <a:r>
+                        <a:rPr lang="en-IN" sz="1600" dirty="0"/>
+                        <a:t>” (5)</a:t>
+                      </a:r>
+                    </a:p>
+                  </a:txBody>
+                  <a:tcPr anchor="ctr"/>
+                </a:tc>
+                <a:extLst>
+                  <a:ext uri="{0D108BD9-81ED-4DB2-BD59-A6C34878D82A}">
+                    <a16:rowId xmlns:a16="http://schemas.microsoft.com/office/drawing/2014/main" val="3784564789"/>
+                  </a:ext>
+                </a:extLst>
+              </a:tr>
+              <a:tr h="0">
+                <a:tc>
+                  <a:txBody>
+                    <a:bodyPr/>
+                    <a:lstStyle/>
+                    <a:p>
+                      <a:r>
+                        <a:rPr lang="en-IN" sz="1600" dirty="0"/>
+                        <a:t>5</a:t>
+                      </a:r>
+                    </a:p>
+                  </a:txBody>
+                  <a:tcPr/>
+                </a:tc>
+                <a:tc>
+                  <a:txBody>
+                    <a:bodyPr/>
+                    <a:lstStyle/>
+                    <a:p>
+                      <a:r>
+                        <a:rPr lang="en-IN" sz="1600" dirty="0"/>
+                        <a:t>“</a:t>
+                      </a:r>
+                      <a:r>
+                        <a:rPr lang="en-IN" sz="1600" dirty="0" err="1"/>
+                        <a:t>startseq</a:t>
+                      </a:r>
+                      <a:r>
+                        <a:rPr lang="en-IN" sz="1600" dirty="0"/>
+                        <a:t>”</a:t>
+                      </a:r>
+                    </a:p>
+                  </a:txBody>
+                  <a:tcPr/>
+                </a:tc>
+                <a:tc>
+                  <a:txBody>
+                    <a:bodyPr/>
+                    <a:lstStyle/>
+                    <a:p>
+                      <a:pPr marL="0" marR="0" lvl="0" indent="0" algn="l" defTabSz="914400" rtl="0" eaLnBrk="1" fontAlgn="auto" latinLnBrk="0" hangingPunct="1">
+                        <a:lnSpc>
+                          <a:spcPct val="100000"/>
+                        </a:lnSpc>
+                        <a:spcBef>
+                          <a:spcPts val="0"/>
+                        </a:spcBef>
+                        <a:spcAft>
+                          <a:spcPts val="0"/>
+                        </a:spcAft>
+                        <a:buClrTx/>
+                        <a:buSzTx/>
+                        <a:buFontTx/>
+                        <a:buNone/>
+                        <a:tabLst/>
+                        <a:defRPr/>
+                      </a:pPr>
+                      <a:r>
+                        <a:rPr lang="en-IN" sz="1600" dirty="0"/>
+                        <a:t>[f</a:t>
+                      </a:r>
+                      <a:r>
+                        <a:rPr lang="en-IN" sz="1600" baseline="-25000" dirty="0"/>
+                        <a:t>1</a:t>
+                      </a:r>
+                      <a:r>
+                        <a:rPr lang="en-IN" sz="1600" dirty="0"/>
+                        <a:t>, f</a:t>
+                      </a:r>
+                      <a:r>
+                        <a:rPr lang="en-IN" sz="1600" baseline="-25000" dirty="0"/>
+                        <a:t>2</a:t>
+                      </a:r>
+                      <a:r>
+                        <a:rPr lang="en-IN" sz="1600" dirty="0"/>
+                        <a:t>, f</a:t>
+                      </a:r>
+                      <a:r>
+                        <a:rPr lang="en-IN" sz="1600" baseline="-25000" dirty="0"/>
+                        <a:t>3</a:t>
+                      </a:r>
+                      <a:r>
+                        <a:rPr lang="en-IN" sz="1600" dirty="0"/>
+                        <a:t>, …., f</a:t>
+                      </a:r>
+                      <a:r>
+                        <a:rPr lang="en-IN" sz="1600" baseline="-25000" dirty="0"/>
+                        <a:t>2048</a:t>
+                      </a:r>
+                      <a:r>
+                        <a:rPr lang="en-IN" sz="1600" baseline="0" dirty="0"/>
+                        <a:t>], [1, 0, 0, 0, 0, 0, 0</a:t>
+                      </a:r>
+                      <a:r>
+                        <a:rPr lang="en-IN" sz="1600" dirty="0"/>
+                        <a:t>]</a:t>
+                      </a:r>
+                    </a:p>
+                  </a:txBody>
+                  <a:tcPr/>
+                </a:tc>
+                <a:tc>
+                  <a:txBody>
+                    <a:bodyPr/>
+                    <a:lstStyle/>
+                    <a:p>
+                      <a:pPr marL="0" marR="0" lvl="0" indent="0" algn="ctr" defTabSz="914400" rtl="0" eaLnBrk="1" fontAlgn="auto" latinLnBrk="0" hangingPunct="1">
+                        <a:lnSpc>
+                          <a:spcPct val="100000"/>
+                        </a:lnSpc>
+                        <a:spcBef>
+                          <a:spcPts val="0"/>
+                        </a:spcBef>
+                        <a:spcAft>
+                          <a:spcPts val="0"/>
+                        </a:spcAft>
+                        <a:buClrTx/>
+                        <a:buSzTx/>
+                        <a:buFontTx/>
+                        <a:buNone/>
+                        <a:tabLst/>
+                        <a:defRPr/>
+                      </a:pPr>
+                      <a:r>
+                        <a:rPr lang="en-IN" sz="1600" dirty="0"/>
+                        <a:t>“man” (2)</a:t>
+                      </a:r>
+                    </a:p>
+                  </a:txBody>
+                  <a:tcPr anchor="ctr"/>
+                </a:tc>
+                <a:extLst>
+                  <a:ext uri="{0D108BD9-81ED-4DB2-BD59-A6C34878D82A}">
+                    <a16:rowId xmlns:a16="http://schemas.microsoft.com/office/drawing/2014/main" val="1456887150"/>
+                  </a:ext>
+                </a:extLst>
+              </a:tr>
+              <a:tr h="0">
+                <a:tc>
+                  <a:txBody>
+                    <a:bodyPr/>
+                    <a:lstStyle/>
+                    <a:p>
+                      <a:r>
+                        <a:rPr lang="en-IN" sz="1600" dirty="0"/>
+                        <a:t>6</a:t>
+                      </a:r>
+                    </a:p>
+                  </a:txBody>
+                  <a:tcPr/>
+                </a:tc>
+                <a:tc>
+                  <a:txBody>
+                    <a:bodyPr/>
+                    <a:lstStyle/>
+                    <a:p>
+                      <a:r>
+                        <a:rPr lang="en-IN" sz="1600" dirty="0"/>
+                        <a:t>“</a:t>
+                      </a:r>
+                      <a:r>
+                        <a:rPr lang="en-IN" sz="1600" dirty="0" err="1"/>
+                        <a:t>startseq</a:t>
+                      </a:r>
+                      <a:r>
+                        <a:rPr lang="en-IN" sz="1600" dirty="0"/>
+                        <a:t> man”</a:t>
+                      </a:r>
+                    </a:p>
+                  </a:txBody>
+                  <a:tcPr/>
+                </a:tc>
+                <a:tc>
+                  <a:txBody>
+                    <a:bodyPr/>
+                    <a:lstStyle/>
+                    <a:p>
+                      <a:pPr marL="0" marR="0" lvl="0" indent="0" algn="l" defTabSz="914400" rtl="0" eaLnBrk="1" fontAlgn="auto" latinLnBrk="0" hangingPunct="1">
+                        <a:lnSpc>
+                          <a:spcPct val="100000"/>
+                        </a:lnSpc>
+                        <a:spcBef>
+                          <a:spcPts val="0"/>
+                        </a:spcBef>
+                        <a:spcAft>
+                          <a:spcPts val="0"/>
+                        </a:spcAft>
+                        <a:buClrTx/>
+                        <a:buSzTx/>
+                        <a:buFontTx/>
+                        <a:buNone/>
+                        <a:tabLst/>
+                        <a:defRPr/>
+                      </a:pPr>
+                      <a:r>
+                        <a:rPr lang="en-IN" sz="1600" dirty="0"/>
+                        <a:t>[f</a:t>
+                      </a:r>
+                      <a:r>
+                        <a:rPr lang="en-IN" sz="1600" baseline="-25000" dirty="0"/>
+                        <a:t>1</a:t>
+                      </a:r>
+                      <a:r>
+                        <a:rPr lang="en-IN" sz="1600" dirty="0"/>
+                        <a:t>, f</a:t>
+                      </a:r>
+                      <a:r>
+                        <a:rPr lang="en-IN" sz="1600" baseline="-25000" dirty="0"/>
+                        <a:t>2</a:t>
+                      </a:r>
+                      <a:r>
+                        <a:rPr lang="en-IN" sz="1600" dirty="0"/>
+                        <a:t>, f</a:t>
+                      </a:r>
+                      <a:r>
+                        <a:rPr lang="en-IN" sz="1600" baseline="-25000" dirty="0"/>
+                        <a:t>3</a:t>
+                      </a:r>
+                      <a:r>
+                        <a:rPr lang="en-IN" sz="1600" dirty="0"/>
+                        <a:t>, …., f</a:t>
+                      </a:r>
+                      <a:r>
+                        <a:rPr lang="en-IN" sz="1600" baseline="-25000" dirty="0"/>
+                        <a:t>2048</a:t>
+                      </a:r>
+                      <a:r>
+                        <a:rPr lang="en-IN" sz="1600" baseline="0" dirty="0"/>
+                        <a:t>], [1, 2, 0, 0, 0, 0, 0</a:t>
+                      </a:r>
+                      <a:r>
+                        <a:rPr lang="en-IN" sz="1600" dirty="0"/>
+                        <a:t>]</a:t>
+                      </a:r>
+                    </a:p>
+                  </a:txBody>
+                  <a:tcPr/>
+                </a:tc>
+                <a:tc>
+                  <a:txBody>
+                    <a:bodyPr/>
+                    <a:lstStyle/>
+                    <a:p>
+                      <a:pPr marL="0" marR="0" lvl="0" indent="0" algn="ctr" defTabSz="914400" rtl="0" eaLnBrk="1" fontAlgn="auto" latinLnBrk="0" hangingPunct="1">
+                        <a:lnSpc>
+                          <a:spcPct val="100000"/>
+                        </a:lnSpc>
+                        <a:spcBef>
+                          <a:spcPts val="0"/>
+                        </a:spcBef>
+                        <a:spcAft>
+                          <a:spcPts val="0"/>
+                        </a:spcAft>
+                        <a:buClrTx/>
+                        <a:buSzTx/>
+                        <a:buFontTx/>
+                        <a:buNone/>
+                        <a:tabLst/>
+                        <a:defRPr/>
+                      </a:pPr>
+                      <a:r>
+                        <a:rPr lang="en-IN" sz="1600" dirty="0"/>
+                        <a:t>“on” (6)</a:t>
+                      </a:r>
+                    </a:p>
+                  </a:txBody>
+                  <a:tcPr anchor="ctr"/>
+                </a:tc>
+                <a:extLst>
+                  <a:ext uri="{0D108BD9-81ED-4DB2-BD59-A6C34878D82A}">
+                    <a16:rowId xmlns:a16="http://schemas.microsoft.com/office/drawing/2014/main" val="1307625920"/>
+                  </a:ext>
+                </a:extLst>
+              </a:tr>
+              <a:tr h="0">
+                <a:tc>
+                  <a:txBody>
+                    <a:bodyPr/>
+                    <a:lstStyle/>
+                    <a:p>
+                      <a:r>
+                        <a:rPr lang="en-IN" sz="1600" dirty="0"/>
+                        <a:t>7</a:t>
+                      </a:r>
+                    </a:p>
+                  </a:txBody>
+                  <a:tcPr/>
+                </a:tc>
+                <a:tc>
+                  <a:txBody>
+                    <a:bodyPr/>
+                    <a:lstStyle/>
+                    <a:p>
+                      <a:r>
+                        <a:rPr lang="en-IN" sz="1600" dirty="0"/>
+                        <a:t>“</a:t>
+                      </a:r>
+                      <a:r>
+                        <a:rPr lang="en-IN" sz="1600" dirty="0" err="1"/>
+                        <a:t>startseq</a:t>
+                      </a:r>
+                      <a:r>
+                        <a:rPr lang="en-IN" sz="1600" dirty="0"/>
+                        <a:t> man on”</a:t>
+                      </a:r>
+                    </a:p>
+                  </a:txBody>
+                  <a:tcPr/>
+                </a:tc>
+                <a:tc>
+                  <a:txBody>
+                    <a:bodyPr/>
+                    <a:lstStyle/>
+                    <a:p>
+                      <a:pPr marL="0" marR="0" lvl="0" indent="0" algn="l" defTabSz="914400" rtl="0" eaLnBrk="1" fontAlgn="auto" latinLnBrk="0" hangingPunct="1">
+                        <a:lnSpc>
+                          <a:spcPct val="100000"/>
+                        </a:lnSpc>
+                        <a:spcBef>
+                          <a:spcPts val="0"/>
+                        </a:spcBef>
+                        <a:spcAft>
+                          <a:spcPts val="0"/>
+                        </a:spcAft>
+                        <a:buClrTx/>
+                        <a:buSzTx/>
+                        <a:buFontTx/>
+                        <a:buNone/>
+                        <a:tabLst/>
+                        <a:defRPr/>
+                      </a:pPr>
+                      <a:r>
+                        <a:rPr lang="en-IN" sz="1600" dirty="0"/>
+                        <a:t>[f</a:t>
+                      </a:r>
+                      <a:r>
+                        <a:rPr lang="en-IN" sz="1600" baseline="-25000" dirty="0"/>
+                        <a:t>1</a:t>
+                      </a:r>
+                      <a:r>
+                        <a:rPr lang="en-IN" sz="1600" dirty="0"/>
+                        <a:t>, f</a:t>
+                      </a:r>
+                      <a:r>
+                        <a:rPr lang="en-IN" sz="1600" baseline="-25000" dirty="0"/>
+                        <a:t>2</a:t>
+                      </a:r>
+                      <a:r>
+                        <a:rPr lang="en-IN" sz="1600" dirty="0"/>
+                        <a:t>, f</a:t>
+                      </a:r>
+                      <a:r>
+                        <a:rPr lang="en-IN" sz="1600" baseline="-25000" dirty="0"/>
+                        <a:t>3</a:t>
+                      </a:r>
+                      <a:r>
+                        <a:rPr lang="en-IN" sz="1600" dirty="0"/>
+                        <a:t>, …., f</a:t>
+                      </a:r>
+                      <a:r>
+                        <a:rPr lang="en-IN" sz="1600" baseline="-25000" dirty="0"/>
+                        <a:t>2048</a:t>
+                      </a:r>
+                      <a:r>
+                        <a:rPr lang="en-IN" sz="1600" baseline="0" dirty="0"/>
+                        <a:t>], [1, 2, 6, 0, 0, 0, 0</a:t>
+                      </a:r>
+                      <a:r>
+                        <a:rPr lang="en-IN" sz="1600" dirty="0"/>
+                        <a:t>]</a:t>
+                      </a:r>
+                    </a:p>
+                  </a:txBody>
+                  <a:tcPr/>
+                </a:tc>
+                <a:tc>
+                  <a:txBody>
+                    <a:bodyPr/>
+                    <a:lstStyle/>
+                    <a:p>
+                      <a:pPr marL="0" marR="0" lvl="0" indent="0" algn="ctr" defTabSz="914400" rtl="0" eaLnBrk="1" fontAlgn="auto" latinLnBrk="0" hangingPunct="1">
+                        <a:lnSpc>
+                          <a:spcPct val="100000"/>
+                        </a:lnSpc>
+                        <a:spcBef>
+                          <a:spcPts val="0"/>
+                        </a:spcBef>
+                        <a:spcAft>
+                          <a:spcPts val="0"/>
+                        </a:spcAft>
+                        <a:buClrTx/>
+                        <a:buSzTx/>
+                        <a:buFontTx/>
+                        <a:buNone/>
+                        <a:tabLst/>
+                        <a:defRPr/>
+                      </a:pPr>
+                      <a:r>
+                        <a:rPr lang="en-IN" sz="1600" dirty="0"/>
+                        <a:t>“scooter” (4)</a:t>
+                      </a:r>
+                    </a:p>
+                  </a:txBody>
+                  <a:tcPr anchor="ctr"/>
+                </a:tc>
+                <a:extLst>
+                  <a:ext uri="{0D108BD9-81ED-4DB2-BD59-A6C34878D82A}">
+                    <a16:rowId xmlns:a16="http://schemas.microsoft.com/office/drawing/2014/main" val="3029769833"/>
+                  </a:ext>
+                </a:extLst>
+              </a:tr>
+              <a:tr h="0">
+                <a:tc>
+                  <a:txBody>
+                    <a:bodyPr/>
+                    <a:lstStyle/>
+                    <a:p>
+                      <a:r>
+                        <a:rPr lang="en-IN" sz="1600" dirty="0"/>
+                        <a:t>8</a:t>
+                      </a:r>
+                    </a:p>
+                  </a:txBody>
+                  <a:tcPr/>
+                </a:tc>
+                <a:tc>
+                  <a:txBody>
+                    <a:bodyPr/>
+                    <a:lstStyle/>
+                    <a:p>
+                      <a:r>
+                        <a:rPr lang="en-IN" sz="1600" dirty="0"/>
+                        <a:t>“</a:t>
+                      </a:r>
+                      <a:r>
+                        <a:rPr lang="en-IN" sz="1600" dirty="0" err="1"/>
+                        <a:t>startseq</a:t>
+                      </a:r>
+                      <a:r>
+                        <a:rPr lang="en-IN" sz="1600" dirty="0"/>
+                        <a:t> man on scooter”</a:t>
+                      </a:r>
+                    </a:p>
+                  </a:txBody>
+                  <a:tcPr/>
+                </a:tc>
+                <a:tc>
+                  <a:txBody>
+                    <a:bodyPr/>
+                    <a:lstStyle/>
+                    <a:p>
+                      <a:pPr marL="0" marR="0" lvl="0" indent="0" algn="l" defTabSz="914400" rtl="0" eaLnBrk="1" fontAlgn="auto" latinLnBrk="0" hangingPunct="1">
+                        <a:lnSpc>
+                          <a:spcPct val="100000"/>
+                        </a:lnSpc>
+                        <a:spcBef>
+                          <a:spcPts val="0"/>
+                        </a:spcBef>
+                        <a:spcAft>
+                          <a:spcPts val="0"/>
+                        </a:spcAft>
+                        <a:buClrTx/>
+                        <a:buSzTx/>
+                        <a:buFontTx/>
+                        <a:buNone/>
+                        <a:tabLst/>
+                        <a:defRPr/>
+                      </a:pPr>
+                      <a:r>
+                        <a:rPr lang="en-IN" sz="1600" dirty="0"/>
+                        <a:t>[f</a:t>
+                      </a:r>
+                      <a:r>
+                        <a:rPr lang="en-IN" sz="1600" baseline="-25000" dirty="0"/>
+                        <a:t>1</a:t>
+                      </a:r>
+                      <a:r>
+                        <a:rPr lang="en-IN" sz="1600" dirty="0"/>
+                        <a:t>, f</a:t>
+                      </a:r>
+                      <a:r>
+                        <a:rPr lang="en-IN" sz="1600" baseline="-25000" dirty="0"/>
+                        <a:t>2</a:t>
+                      </a:r>
+                      <a:r>
+                        <a:rPr lang="en-IN" sz="1600" dirty="0"/>
+                        <a:t>, f</a:t>
+                      </a:r>
+                      <a:r>
+                        <a:rPr lang="en-IN" sz="1600" baseline="-25000" dirty="0"/>
+                        <a:t>3</a:t>
+                      </a:r>
+                      <a:r>
+                        <a:rPr lang="en-IN" sz="1600" dirty="0"/>
+                        <a:t>, …., f</a:t>
+                      </a:r>
+                      <a:r>
+                        <a:rPr lang="en-IN" sz="1600" baseline="-25000" dirty="0"/>
+                        <a:t>2048</a:t>
+                      </a:r>
+                      <a:r>
+                        <a:rPr lang="en-IN" sz="1600" baseline="0" dirty="0"/>
+                        <a:t>], [1, 2, 6, 4, 0, 0, 0</a:t>
+                      </a:r>
+                      <a:r>
+                        <a:rPr lang="en-IN" sz="1600" dirty="0"/>
+                        <a:t>]</a:t>
+                      </a:r>
+                    </a:p>
+                  </a:txBody>
+                  <a:tcPr/>
+                </a:tc>
+                <a:tc>
+                  <a:txBody>
+                    <a:bodyPr/>
+                    <a:lstStyle/>
+                    <a:p>
+                      <a:pPr marL="0" marR="0" lvl="0" indent="0" algn="ctr" defTabSz="914400" rtl="0" eaLnBrk="1" fontAlgn="auto" latinLnBrk="0" hangingPunct="1">
+                        <a:lnSpc>
+                          <a:spcPct val="100000"/>
+                        </a:lnSpc>
+                        <a:spcBef>
+                          <a:spcPts val="0"/>
+                        </a:spcBef>
+                        <a:spcAft>
+                          <a:spcPts val="0"/>
+                        </a:spcAft>
+                        <a:buClrTx/>
+                        <a:buSzTx/>
+                        <a:buFontTx/>
+                        <a:buNone/>
+                        <a:tabLst/>
+                        <a:defRPr/>
+                      </a:pPr>
+                      <a:r>
+                        <a:rPr lang="en-IN" sz="1600" dirty="0"/>
+                        <a:t>“</a:t>
+                      </a:r>
+                      <a:r>
+                        <a:rPr lang="en-IN" sz="1600" dirty="0" err="1"/>
+                        <a:t>endseq</a:t>
+                      </a:r>
+                      <a:r>
+                        <a:rPr lang="en-IN" sz="1600" dirty="0"/>
+                        <a:t>” (5)</a:t>
+                      </a:r>
+                    </a:p>
+                  </a:txBody>
+                  <a:tcPr anchor="ctr"/>
+                </a:tc>
+                <a:extLst>
+                  <a:ext uri="{0D108BD9-81ED-4DB2-BD59-A6C34878D82A}">
+                    <a16:rowId xmlns:a16="http://schemas.microsoft.com/office/drawing/2014/main" val="4181254745"/>
+                  </a:ext>
+                </a:extLst>
+              </a:tr>
+              <a:tr h="0">
+                <a:tc>
+                  <a:txBody>
+                    <a:bodyPr/>
+                    <a:lstStyle/>
+                    <a:p>
+                      <a:r>
+                        <a:rPr lang="en-IN" sz="1600" dirty="0"/>
+                        <a:t>9</a:t>
+                      </a:r>
+                    </a:p>
+                  </a:txBody>
+                  <a:tcPr/>
+                </a:tc>
+                <a:tc>
+                  <a:txBody>
+                    <a:bodyPr/>
+                    <a:lstStyle/>
+                    <a:p>
+                      <a:r>
+                        <a:rPr lang="en-IN" sz="1600" dirty="0"/>
+                        <a:t>“</a:t>
+                      </a:r>
+                      <a:r>
+                        <a:rPr lang="en-IN" sz="1600" dirty="0" err="1"/>
+                        <a:t>startseq</a:t>
+                      </a:r>
+                      <a:r>
+                        <a:rPr lang="en-IN" sz="1600" dirty="0"/>
+                        <a:t>”</a:t>
+                      </a:r>
+                    </a:p>
+                  </a:txBody>
+                  <a:tcPr/>
+                </a:tc>
+                <a:tc>
+                  <a:txBody>
+                    <a:bodyPr/>
+                    <a:lstStyle/>
+                    <a:p>
+                      <a:pPr marL="0" marR="0" lvl="0" indent="0" algn="l" defTabSz="914400" rtl="0" eaLnBrk="1" fontAlgn="auto" latinLnBrk="0" hangingPunct="1">
+                        <a:lnSpc>
+                          <a:spcPct val="100000"/>
+                        </a:lnSpc>
+                        <a:spcBef>
+                          <a:spcPts val="0"/>
+                        </a:spcBef>
+                        <a:spcAft>
+                          <a:spcPts val="0"/>
+                        </a:spcAft>
+                        <a:buClrTx/>
+                        <a:buSzTx/>
+                        <a:buFontTx/>
+                        <a:buNone/>
+                        <a:tabLst/>
+                        <a:defRPr/>
+                      </a:pPr>
+                      <a:r>
+                        <a:rPr lang="en-IN" sz="1600" dirty="0"/>
+                        <a:t>[f</a:t>
+                      </a:r>
+                      <a:r>
+                        <a:rPr lang="en-IN" sz="1600" baseline="-25000" dirty="0"/>
+                        <a:t>1</a:t>
+                      </a:r>
+                      <a:r>
+                        <a:rPr lang="en-IN" sz="1600" dirty="0"/>
+                        <a:t>, f</a:t>
+                      </a:r>
+                      <a:r>
+                        <a:rPr lang="en-IN" sz="1600" baseline="-25000" dirty="0"/>
+                        <a:t>2</a:t>
+                      </a:r>
+                      <a:r>
+                        <a:rPr lang="en-IN" sz="1600" dirty="0"/>
+                        <a:t>, f</a:t>
+                      </a:r>
+                      <a:r>
+                        <a:rPr lang="en-IN" sz="1600" baseline="-25000" dirty="0"/>
+                        <a:t>3</a:t>
+                      </a:r>
+                      <a:r>
+                        <a:rPr lang="en-IN" sz="1600" dirty="0"/>
+                        <a:t>, …., f</a:t>
+                      </a:r>
+                      <a:r>
+                        <a:rPr lang="en-IN" sz="1600" baseline="-25000" dirty="0"/>
+                        <a:t>2048</a:t>
+                      </a:r>
+                      <a:r>
+                        <a:rPr lang="en-IN" sz="1600" baseline="0" dirty="0"/>
+                        <a:t>], [1, 0, 0, 0, 0, 0, 0</a:t>
+                      </a:r>
+                      <a:r>
+                        <a:rPr lang="en-IN" sz="1600" dirty="0"/>
+                        <a:t>]</a:t>
+                      </a:r>
+                    </a:p>
+                  </a:txBody>
+                  <a:tcPr/>
+                </a:tc>
+                <a:tc>
+                  <a:txBody>
+                    <a:bodyPr/>
+                    <a:lstStyle/>
+                    <a:p>
+                      <a:pPr marL="0" marR="0" lvl="0" indent="0" algn="ctr" defTabSz="914400" rtl="0" eaLnBrk="1" fontAlgn="auto" latinLnBrk="0" hangingPunct="1">
+                        <a:lnSpc>
+                          <a:spcPct val="100000"/>
+                        </a:lnSpc>
+                        <a:spcBef>
+                          <a:spcPts val="0"/>
+                        </a:spcBef>
+                        <a:spcAft>
+                          <a:spcPts val="0"/>
+                        </a:spcAft>
+                        <a:buClrTx/>
+                        <a:buSzTx/>
+                        <a:buFontTx/>
+                        <a:buNone/>
+                        <a:tabLst/>
+                        <a:defRPr/>
+                      </a:pPr>
+                      <a:r>
+                        <a:rPr lang="en-IN" sz="1600" dirty="0"/>
+                        <a:t>“man” (2)</a:t>
+                      </a:r>
+                    </a:p>
+                  </a:txBody>
+                  <a:tcPr anchor="ctr"/>
+                </a:tc>
+                <a:extLst>
+                  <a:ext uri="{0D108BD9-81ED-4DB2-BD59-A6C34878D82A}">
+                    <a16:rowId xmlns:a16="http://schemas.microsoft.com/office/drawing/2014/main" val="2828916017"/>
+                  </a:ext>
+                </a:extLst>
+              </a:tr>
+              <a:tr h="0">
+                <a:tc>
+                  <a:txBody>
+                    <a:bodyPr/>
+                    <a:lstStyle/>
+                    <a:p>
+                      <a:r>
+                        <a:rPr lang="en-IN" sz="1600" dirty="0"/>
+                        <a:t>10</a:t>
+                      </a:r>
+                    </a:p>
+                  </a:txBody>
+                  <a:tcPr/>
+                </a:tc>
+                <a:tc>
+                  <a:txBody>
+                    <a:bodyPr/>
+                    <a:lstStyle/>
+                    <a:p>
+                      <a:r>
+                        <a:rPr lang="en-IN" sz="1600" dirty="0"/>
+                        <a:t>“</a:t>
+                      </a:r>
+                      <a:r>
+                        <a:rPr lang="en-IN" sz="1600" dirty="0" err="1"/>
+                        <a:t>startseq</a:t>
+                      </a:r>
+                      <a:r>
+                        <a:rPr lang="en-IN" sz="1600" dirty="0"/>
+                        <a:t> man”</a:t>
+                      </a:r>
+                    </a:p>
+                  </a:txBody>
+                  <a:tcPr/>
+                </a:tc>
+                <a:tc>
+                  <a:txBody>
+                    <a:bodyPr/>
+                    <a:lstStyle/>
+                    <a:p>
+                      <a:pPr marL="0" marR="0" lvl="0" indent="0" algn="l" defTabSz="914400" rtl="0" eaLnBrk="1" fontAlgn="auto" latinLnBrk="0" hangingPunct="1">
+                        <a:lnSpc>
+                          <a:spcPct val="100000"/>
+                        </a:lnSpc>
+                        <a:spcBef>
+                          <a:spcPts val="0"/>
+                        </a:spcBef>
+                        <a:spcAft>
+                          <a:spcPts val="0"/>
+                        </a:spcAft>
+                        <a:buClrTx/>
+                        <a:buSzTx/>
+                        <a:buFontTx/>
+                        <a:buNone/>
+                        <a:tabLst/>
+                        <a:defRPr/>
+                      </a:pPr>
+                      <a:r>
+                        <a:rPr lang="en-IN" sz="1600" dirty="0"/>
+                        <a:t>[f</a:t>
+                      </a:r>
+                      <a:r>
+                        <a:rPr lang="en-IN" sz="1600" baseline="-25000" dirty="0"/>
+                        <a:t>1</a:t>
+                      </a:r>
+                      <a:r>
+                        <a:rPr lang="en-IN" sz="1600" dirty="0"/>
+                        <a:t>, f</a:t>
+                      </a:r>
+                      <a:r>
+                        <a:rPr lang="en-IN" sz="1600" baseline="-25000" dirty="0"/>
+                        <a:t>2</a:t>
+                      </a:r>
+                      <a:r>
+                        <a:rPr lang="en-IN" sz="1600" dirty="0"/>
+                        <a:t>, f</a:t>
+                      </a:r>
+                      <a:r>
+                        <a:rPr lang="en-IN" sz="1600" baseline="-25000" dirty="0"/>
+                        <a:t>3</a:t>
+                      </a:r>
+                      <a:r>
+                        <a:rPr lang="en-IN" sz="1600" dirty="0"/>
+                        <a:t>, …., f</a:t>
+                      </a:r>
+                      <a:r>
+                        <a:rPr lang="en-IN" sz="1600" baseline="-25000" dirty="0"/>
+                        <a:t>2048</a:t>
+                      </a:r>
+                      <a:r>
+                        <a:rPr lang="en-IN" sz="1600" baseline="0" dirty="0"/>
+                        <a:t>], [1, 2, 0, 0, 0, 0, 0</a:t>
+                      </a:r>
+                      <a:r>
+                        <a:rPr lang="en-IN" sz="1600" dirty="0"/>
+                        <a:t>]</a:t>
+                      </a:r>
+                    </a:p>
+                  </a:txBody>
+                  <a:tcPr/>
+                </a:tc>
+                <a:tc>
+                  <a:txBody>
+                    <a:bodyPr/>
+                    <a:lstStyle/>
+                    <a:p>
+                      <a:pPr marL="0" marR="0" lvl="0" indent="0" algn="ctr" defTabSz="914400" rtl="0" eaLnBrk="1" fontAlgn="auto" latinLnBrk="0" hangingPunct="1">
+                        <a:lnSpc>
+                          <a:spcPct val="100000"/>
+                        </a:lnSpc>
+                        <a:spcBef>
+                          <a:spcPts val="0"/>
+                        </a:spcBef>
+                        <a:spcAft>
+                          <a:spcPts val="0"/>
+                        </a:spcAft>
+                        <a:buClrTx/>
+                        <a:buSzTx/>
+                        <a:buFontTx/>
+                        <a:buNone/>
+                        <a:tabLst/>
+                        <a:defRPr/>
+                      </a:pPr>
+                      <a:r>
+                        <a:rPr lang="en-IN" sz="1600" dirty="0"/>
+                        <a:t>“wearing” (7)</a:t>
+                      </a:r>
+                    </a:p>
+                  </a:txBody>
+                  <a:tcPr anchor="ctr"/>
+                </a:tc>
+                <a:extLst>
+                  <a:ext uri="{0D108BD9-81ED-4DB2-BD59-A6C34878D82A}">
+                    <a16:rowId xmlns:a16="http://schemas.microsoft.com/office/drawing/2014/main" val="45773675"/>
+                  </a:ext>
+                </a:extLst>
+              </a:tr>
+              <a:tr h="0">
+                <a:tc>
+                  <a:txBody>
+                    <a:bodyPr/>
+                    <a:lstStyle/>
+                    <a:p>
+                      <a:r>
+                        <a:rPr lang="en-IN" sz="1600" dirty="0"/>
+                        <a:t>11</a:t>
+                      </a:r>
+                    </a:p>
+                  </a:txBody>
+                  <a:tcPr/>
+                </a:tc>
+                <a:tc>
+                  <a:txBody>
+                    <a:bodyPr/>
+                    <a:lstStyle/>
+                    <a:p>
+                      <a:r>
+                        <a:rPr lang="en-IN" sz="1600" dirty="0"/>
+                        <a:t>“</a:t>
+                      </a:r>
+                      <a:r>
+                        <a:rPr lang="en-IN" sz="1600" dirty="0" err="1"/>
+                        <a:t>startseq</a:t>
+                      </a:r>
+                      <a:r>
+                        <a:rPr lang="en-IN" sz="1600" dirty="0"/>
+                        <a:t> man wearing”</a:t>
+                      </a:r>
+                    </a:p>
+                  </a:txBody>
+                  <a:tcPr/>
+                </a:tc>
+                <a:tc>
+                  <a:txBody>
+                    <a:bodyPr/>
+                    <a:lstStyle/>
+                    <a:p>
+                      <a:pPr marL="0" marR="0" lvl="0" indent="0" algn="l" defTabSz="914400" rtl="0" eaLnBrk="1" fontAlgn="auto" latinLnBrk="0" hangingPunct="1">
+                        <a:lnSpc>
+                          <a:spcPct val="100000"/>
+                        </a:lnSpc>
+                        <a:spcBef>
+                          <a:spcPts val="0"/>
+                        </a:spcBef>
+                        <a:spcAft>
+                          <a:spcPts val="0"/>
+                        </a:spcAft>
+                        <a:buClrTx/>
+                        <a:buSzTx/>
+                        <a:buFontTx/>
+                        <a:buNone/>
+                        <a:tabLst/>
+                        <a:defRPr/>
+                      </a:pPr>
+                      <a:r>
+                        <a:rPr lang="en-IN" sz="1600" dirty="0"/>
+                        <a:t>[f</a:t>
+                      </a:r>
+                      <a:r>
+                        <a:rPr lang="en-IN" sz="1600" baseline="-25000" dirty="0"/>
+                        <a:t>1</a:t>
+                      </a:r>
+                      <a:r>
+                        <a:rPr lang="en-IN" sz="1600" dirty="0"/>
+                        <a:t>, f</a:t>
+                      </a:r>
+                      <a:r>
+                        <a:rPr lang="en-IN" sz="1600" baseline="-25000" dirty="0"/>
+                        <a:t>2</a:t>
+                      </a:r>
+                      <a:r>
+                        <a:rPr lang="en-IN" sz="1600" dirty="0"/>
+                        <a:t>, f</a:t>
+                      </a:r>
+                      <a:r>
+                        <a:rPr lang="en-IN" sz="1600" baseline="-25000" dirty="0"/>
+                        <a:t>3</a:t>
+                      </a:r>
+                      <a:r>
+                        <a:rPr lang="en-IN" sz="1600" dirty="0"/>
+                        <a:t>, …., f</a:t>
+                      </a:r>
+                      <a:r>
+                        <a:rPr lang="en-IN" sz="1600" baseline="-25000" dirty="0"/>
+                        <a:t>2048</a:t>
+                      </a:r>
+                      <a:r>
+                        <a:rPr lang="en-IN" sz="1600" baseline="0" dirty="0"/>
+                        <a:t>], [1, 2, 7, 0, 0, 0, 0</a:t>
+                      </a:r>
+                      <a:r>
+                        <a:rPr lang="en-IN" sz="1600" dirty="0"/>
+                        <a:t>]</a:t>
+                      </a:r>
+                    </a:p>
+                  </a:txBody>
+                  <a:tcPr/>
+                </a:tc>
+                <a:tc>
+                  <a:txBody>
+                    <a:bodyPr/>
+                    <a:lstStyle/>
+                    <a:p>
+                      <a:pPr marL="0" marR="0" lvl="0" indent="0" algn="ctr" defTabSz="914400" rtl="0" eaLnBrk="1" fontAlgn="auto" latinLnBrk="0" hangingPunct="1">
+                        <a:lnSpc>
+                          <a:spcPct val="100000"/>
+                        </a:lnSpc>
+                        <a:spcBef>
+                          <a:spcPts val="0"/>
+                        </a:spcBef>
+                        <a:spcAft>
+                          <a:spcPts val="0"/>
+                        </a:spcAft>
+                        <a:buClrTx/>
+                        <a:buSzTx/>
+                        <a:buFontTx/>
+                        <a:buNone/>
+                        <a:tabLst/>
+                        <a:defRPr/>
+                      </a:pPr>
+                      <a:r>
+                        <a:rPr lang="en-IN" sz="1600" dirty="0"/>
+                        <a:t>“helmet” (8)</a:t>
+                      </a:r>
+                    </a:p>
+                  </a:txBody>
+                  <a:tcPr anchor="ctr"/>
+                </a:tc>
+                <a:extLst>
+                  <a:ext uri="{0D108BD9-81ED-4DB2-BD59-A6C34878D82A}">
+                    <a16:rowId xmlns:a16="http://schemas.microsoft.com/office/drawing/2014/main" val="4067745190"/>
+                  </a:ext>
+                </a:extLst>
+              </a:tr>
+              <a:tr h="0">
+                <a:tc>
+                  <a:txBody>
+                    <a:bodyPr/>
+                    <a:lstStyle/>
+                    <a:p>
+                      <a:r>
+                        <a:rPr lang="en-IN" sz="1600" dirty="0"/>
+                        <a:t>12</a:t>
+                      </a:r>
+                    </a:p>
+                  </a:txBody>
+                  <a:tcPr/>
+                </a:tc>
+                <a:tc>
+                  <a:txBody>
+                    <a:bodyPr/>
+                    <a:lstStyle/>
+                    <a:p>
+                      <a:r>
+                        <a:rPr lang="en-IN" sz="1600" dirty="0"/>
+                        <a:t>“</a:t>
+                      </a:r>
+                      <a:r>
+                        <a:rPr lang="en-IN" sz="1600" dirty="0" err="1"/>
+                        <a:t>startseq</a:t>
+                      </a:r>
+                      <a:r>
+                        <a:rPr lang="en-IN" sz="1600" dirty="0"/>
+                        <a:t> man wearing helmet”</a:t>
+                      </a:r>
+                    </a:p>
+                  </a:txBody>
+                  <a:tcPr/>
+                </a:tc>
+                <a:tc>
+                  <a:txBody>
+                    <a:bodyPr/>
+                    <a:lstStyle/>
+                    <a:p>
+                      <a:pPr marL="0" marR="0" lvl="0" indent="0" algn="l" defTabSz="914400" rtl="0" eaLnBrk="1" fontAlgn="auto" latinLnBrk="0" hangingPunct="1">
+                        <a:lnSpc>
+                          <a:spcPct val="100000"/>
+                        </a:lnSpc>
+                        <a:spcBef>
+                          <a:spcPts val="0"/>
+                        </a:spcBef>
+                        <a:spcAft>
+                          <a:spcPts val="0"/>
+                        </a:spcAft>
+                        <a:buClrTx/>
+                        <a:buSzTx/>
+                        <a:buFontTx/>
+                        <a:buNone/>
+                        <a:tabLst/>
+                        <a:defRPr/>
+                      </a:pPr>
+                      <a:r>
+                        <a:rPr lang="en-IN" sz="1600" dirty="0"/>
+                        <a:t>[f</a:t>
+                      </a:r>
+                      <a:r>
+                        <a:rPr lang="en-IN" sz="1600" baseline="-25000" dirty="0"/>
+                        <a:t>1</a:t>
+                      </a:r>
+                      <a:r>
+                        <a:rPr lang="en-IN" sz="1600" dirty="0"/>
+                        <a:t>, f</a:t>
+                      </a:r>
+                      <a:r>
+                        <a:rPr lang="en-IN" sz="1600" baseline="-25000" dirty="0"/>
+                        <a:t>2</a:t>
+                      </a:r>
+                      <a:r>
+                        <a:rPr lang="en-IN" sz="1600" dirty="0"/>
+                        <a:t>, f</a:t>
+                      </a:r>
+                      <a:r>
+                        <a:rPr lang="en-IN" sz="1600" baseline="-25000" dirty="0"/>
+                        <a:t>3</a:t>
+                      </a:r>
+                      <a:r>
+                        <a:rPr lang="en-IN" sz="1600" dirty="0"/>
+                        <a:t>, …., f</a:t>
+                      </a:r>
+                      <a:r>
+                        <a:rPr lang="en-IN" sz="1600" baseline="-25000" dirty="0"/>
+                        <a:t>2048</a:t>
+                      </a:r>
+                      <a:r>
+                        <a:rPr lang="en-IN" sz="1600" baseline="0" dirty="0"/>
+                        <a:t>], [1, 2, 7, 8, 0, 0, 0</a:t>
+                      </a:r>
+                      <a:r>
+                        <a:rPr lang="en-IN" sz="1600" dirty="0"/>
+                        <a:t>]</a:t>
+                      </a:r>
+                    </a:p>
+                  </a:txBody>
+                  <a:tcPr/>
+                </a:tc>
+                <a:tc>
+                  <a:txBody>
+                    <a:bodyPr/>
+                    <a:lstStyle/>
+                    <a:p>
+                      <a:pPr marL="0" marR="0" lvl="0" indent="0" algn="ctr" defTabSz="914400" rtl="0" eaLnBrk="1" fontAlgn="auto" latinLnBrk="0" hangingPunct="1">
+                        <a:lnSpc>
+                          <a:spcPct val="100000"/>
+                        </a:lnSpc>
+                        <a:spcBef>
+                          <a:spcPts val="0"/>
+                        </a:spcBef>
+                        <a:spcAft>
+                          <a:spcPts val="0"/>
+                        </a:spcAft>
+                        <a:buClrTx/>
+                        <a:buSzTx/>
+                        <a:buFontTx/>
+                        <a:buNone/>
+                        <a:tabLst/>
+                        <a:defRPr/>
+                      </a:pPr>
+                      <a:r>
+                        <a:rPr lang="en-IN" sz="1600" dirty="0"/>
+                        <a:t>“driving” (3)</a:t>
+                      </a:r>
+                    </a:p>
+                  </a:txBody>
+                  <a:tcPr anchor="ctr"/>
+                </a:tc>
+                <a:extLst>
+                  <a:ext uri="{0D108BD9-81ED-4DB2-BD59-A6C34878D82A}">
+                    <a16:rowId xmlns:a16="http://schemas.microsoft.com/office/drawing/2014/main" val="705947826"/>
+                  </a:ext>
+                </a:extLst>
+              </a:tr>
+            </a:tbl>
+          </a:graphicData>
+        </a:graphic>
+      </p:graphicFrame>
     </p:spTree>
     <p:extLst>
       <p:ext uri="{BB962C8B-B14F-4D97-AF65-F5344CB8AC3E}">
-        <p14:creationId xmlns:p14="http://schemas.microsoft.com/office/powerpoint/2010/main" val="3018812391"/>
+        <p14:creationId xmlns:p14="http://schemas.microsoft.com/office/powerpoint/2010/main" val="878976388"/>
       </p:ext>
     </p:extLst>
   </p:cSld>
@@ -13111,7 +16774,3534 @@
 </p:sld>
 </file>
 
-<file path=ppt/slides/slide22.xml><?xml version="1.0" encoding="utf-8"?>
+<file path=ppt/slides/slide23.xml><?xml version="1.0" encoding="utf-8"?>
+<p:sld xmlns:a="http://schemas.openxmlformats.org/drawingml/2006/main" xmlns:r="http://schemas.openxmlformats.org/officeDocument/2006/relationships" xmlns:p="http://schemas.openxmlformats.org/presentationml/2006/main">
+  <p:cSld>
+    <p:spTree>
+      <p:nvGrpSpPr>
+        <p:cNvPr id="1" name=""/>
+        <p:cNvGrpSpPr/>
+        <p:nvPr/>
+      </p:nvGrpSpPr>
+      <p:grpSpPr>
+        <a:xfrm>
+          <a:off x="0" y="0"/>
+          <a:ext cx="0" cy="0"/>
+          <a:chOff x="0" y="0"/>
+          <a:chExt cx="0" cy="0"/>
+        </a:xfrm>
+      </p:grpSpPr>
+      <p:sp>
+        <p:nvSpPr>
+          <p:cNvPr id="2" name="Title 1">
+            <a:extLst>
+              <a:ext uri="{FF2B5EF4-FFF2-40B4-BE49-F238E27FC236}">
+                <a16:creationId xmlns:a16="http://schemas.microsoft.com/office/drawing/2014/main" id="{9F53C0E6-5CA5-48E1-B370-E678425399F4}"/>
+              </a:ext>
+            </a:extLst>
+          </p:cNvPr>
+          <p:cNvSpPr>
+            <a:spLocks noGrp="1"/>
+          </p:cNvSpPr>
+          <p:nvPr>
+            <p:ph type="title"/>
+          </p:nvPr>
+        </p:nvSpPr>
+        <p:spPr>
+          <a:xfrm>
+            <a:off x="838200" y="365125"/>
+            <a:ext cx="10515600" cy="827571"/>
+          </a:xfrm>
+        </p:spPr>
+        <p:txBody>
+          <a:bodyPr/>
+          <a:lstStyle/>
+          <a:p>
+            <a:r>
+              <a:rPr lang="en-IN" dirty="0"/>
+              <a:t>Scripts Execution Flow…</a:t>
+            </a:r>
+          </a:p>
+        </p:txBody>
+      </p:sp>
+      <p:graphicFrame>
+        <p:nvGraphicFramePr>
+          <p:cNvPr id="6" name="Table 6">
+            <a:extLst>
+              <a:ext uri="{FF2B5EF4-FFF2-40B4-BE49-F238E27FC236}">
+                <a16:creationId xmlns:a16="http://schemas.microsoft.com/office/drawing/2014/main" id="{57899852-00E4-48D5-8493-D7C3F071DA03}"/>
+              </a:ext>
+            </a:extLst>
+          </p:cNvPr>
+          <p:cNvGraphicFramePr>
+            <a:graphicFrameLocks noGrp="1"/>
+          </p:cNvGraphicFramePr>
+          <p:nvPr>
+            <p:ph idx="1"/>
+            <p:extLst>
+              <p:ext uri="{D42A27DB-BD31-4B8C-83A1-F6EECF244321}">
+                <p14:modId xmlns:p14="http://schemas.microsoft.com/office/powerpoint/2010/main" val="1983039118"/>
+              </p:ext>
+            </p:extLst>
+          </p:nvPr>
+        </p:nvGraphicFramePr>
+        <p:xfrm>
+          <a:off x="838204" y="1060176"/>
+          <a:ext cx="10515596" cy="4358640"/>
+        </p:xfrm>
+        <a:graphic>
+          <a:graphicData uri="http://schemas.openxmlformats.org/drawingml/2006/table">
+            <a:tbl>
+              <a:tblPr firstRow="1" bandRow="1">
+                <a:tableStyleId>{5C22544A-7EE6-4342-B048-85BDC9FD1C3A}</a:tableStyleId>
+              </a:tblPr>
+              <a:tblGrid>
+                <a:gridCol w="659293">
+                  <a:extLst>
+                    <a:ext uri="{9D8B030D-6E8A-4147-A177-3AD203B41FA5}">
+                      <a16:colId xmlns:a16="http://schemas.microsoft.com/office/drawing/2014/main" val="3967142194"/>
+                    </a:ext>
+                  </a:extLst>
+                </a:gridCol>
+                <a:gridCol w="4850295">
+                  <a:extLst>
+                    <a:ext uri="{9D8B030D-6E8A-4147-A177-3AD203B41FA5}">
+                      <a16:colId xmlns:a16="http://schemas.microsoft.com/office/drawing/2014/main" val="845744349"/>
+                    </a:ext>
+                  </a:extLst>
+                </a:gridCol>
+                <a:gridCol w="3286539">
+                  <a:extLst>
+                    <a:ext uri="{9D8B030D-6E8A-4147-A177-3AD203B41FA5}">
+                      <a16:colId xmlns:a16="http://schemas.microsoft.com/office/drawing/2014/main" val="3119492930"/>
+                    </a:ext>
+                  </a:extLst>
+                </a:gridCol>
+                <a:gridCol w="1719469">
+                  <a:extLst>
+                    <a:ext uri="{9D8B030D-6E8A-4147-A177-3AD203B41FA5}">
+                      <a16:colId xmlns:a16="http://schemas.microsoft.com/office/drawing/2014/main" val="2461260376"/>
+                    </a:ext>
+                  </a:extLst>
+                </a:gridCol>
+              </a:tblGrid>
+              <a:tr h="0">
+                <a:tc>
+                  <a:txBody>
+                    <a:bodyPr/>
+                    <a:lstStyle/>
+                    <a:p>
+                      <a:pPr algn="ctr"/>
+                      <a:r>
+                        <a:rPr lang="en-IN" sz="1600" dirty="0" err="1"/>
+                        <a:t>S.No</a:t>
+                      </a:r>
+                      <a:r>
+                        <a:rPr lang="en-IN" sz="1600" dirty="0"/>
+                        <a:t>.</a:t>
+                      </a:r>
+                    </a:p>
+                  </a:txBody>
+                  <a:tcPr anchor="ctr"/>
+                </a:tc>
+                <a:tc>
+                  <a:txBody>
+                    <a:bodyPr/>
+                    <a:lstStyle/>
+                    <a:p>
+                      <a:pPr algn="ctr"/>
+                      <a:r>
+                        <a:rPr lang="en-IN" sz="1600" dirty="0"/>
+                        <a:t>Caption Input</a:t>
+                      </a:r>
+                    </a:p>
+                  </a:txBody>
+                  <a:tcPr anchor="ctr"/>
+                </a:tc>
+                <a:tc>
+                  <a:txBody>
+                    <a:bodyPr/>
+                    <a:lstStyle/>
+                    <a:p>
+                      <a:pPr algn="ctr"/>
+                      <a:r>
+                        <a:rPr lang="en-IN" sz="1600" dirty="0"/>
+                        <a:t>X (Training Independent Variable)</a:t>
+                      </a:r>
+                    </a:p>
+                  </a:txBody>
+                  <a:tcPr anchor="ctr"/>
+                </a:tc>
+                <a:tc>
+                  <a:txBody>
+                    <a:bodyPr/>
+                    <a:lstStyle/>
+                    <a:p>
+                      <a:pPr algn="ctr"/>
+                      <a:r>
+                        <a:rPr lang="en-IN" sz="1600" dirty="0"/>
+                        <a:t>Y (</a:t>
+                      </a:r>
+                      <a:r>
+                        <a:rPr lang="en-IN" sz="1600" dirty="0" err="1"/>
+                        <a:t>Dep.Var</a:t>
+                      </a:r>
+                      <a:r>
+                        <a:rPr lang="en-IN" sz="1600" dirty="0"/>
+                        <a:t>.)</a:t>
+                      </a:r>
+                    </a:p>
+                  </a:txBody>
+                  <a:tcPr anchor="ctr"/>
+                </a:tc>
+                <a:extLst>
+                  <a:ext uri="{0D108BD9-81ED-4DB2-BD59-A6C34878D82A}">
+                    <a16:rowId xmlns:a16="http://schemas.microsoft.com/office/drawing/2014/main" val="338402846"/>
+                  </a:ext>
+                </a:extLst>
+              </a:tr>
+              <a:tr h="0">
+                <a:tc>
+                  <a:txBody>
+                    <a:bodyPr/>
+                    <a:lstStyle/>
+                    <a:p>
+                      <a:pPr algn="ctr"/>
+                      <a:r>
+                        <a:rPr lang="en-IN" sz="1600" dirty="0"/>
+                        <a:t>13</a:t>
+                      </a:r>
+                    </a:p>
+                  </a:txBody>
+                  <a:tcPr anchor="ctr"/>
+                </a:tc>
+                <a:tc>
+                  <a:txBody>
+                    <a:bodyPr/>
+                    <a:lstStyle/>
+                    <a:p>
+                      <a:pPr algn="just"/>
+                      <a:r>
+                        <a:rPr lang="en-IN" sz="1600" dirty="0"/>
+                        <a:t>“</a:t>
+                      </a:r>
+                      <a:r>
+                        <a:rPr lang="en-IN" sz="1600" dirty="0" err="1"/>
+                        <a:t>startseq</a:t>
+                      </a:r>
+                      <a:r>
+                        <a:rPr lang="en-IN" sz="1600" dirty="0"/>
+                        <a:t> man wearing helmet driving”</a:t>
+                      </a:r>
+                    </a:p>
+                  </a:txBody>
+                  <a:tcPr anchor="ctr"/>
+                </a:tc>
+                <a:tc>
+                  <a:txBody>
+                    <a:bodyPr/>
+                    <a:lstStyle/>
+                    <a:p>
+                      <a:pPr marL="0" marR="0" lvl="0" indent="0" algn="just" defTabSz="914400" rtl="0" eaLnBrk="1" fontAlgn="auto" latinLnBrk="0" hangingPunct="1">
+                        <a:lnSpc>
+                          <a:spcPct val="100000"/>
+                        </a:lnSpc>
+                        <a:spcBef>
+                          <a:spcPts val="0"/>
+                        </a:spcBef>
+                        <a:spcAft>
+                          <a:spcPts val="0"/>
+                        </a:spcAft>
+                        <a:buClrTx/>
+                        <a:buSzTx/>
+                        <a:buFontTx/>
+                        <a:buNone/>
+                        <a:tabLst/>
+                        <a:defRPr/>
+                      </a:pPr>
+                      <a:r>
+                        <a:rPr lang="en-IN" sz="1600" dirty="0"/>
+                        <a:t>[f</a:t>
+                      </a:r>
+                      <a:r>
+                        <a:rPr lang="en-IN" sz="1600" baseline="-25000" dirty="0"/>
+                        <a:t>1</a:t>
+                      </a:r>
+                      <a:r>
+                        <a:rPr lang="en-IN" sz="1600" dirty="0"/>
+                        <a:t>, f</a:t>
+                      </a:r>
+                      <a:r>
+                        <a:rPr lang="en-IN" sz="1600" baseline="-25000" dirty="0"/>
+                        <a:t>2</a:t>
+                      </a:r>
+                      <a:r>
+                        <a:rPr lang="en-IN" sz="1600" dirty="0"/>
+                        <a:t>, f</a:t>
+                      </a:r>
+                      <a:r>
+                        <a:rPr lang="en-IN" sz="1600" baseline="-25000" dirty="0"/>
+                        <a:t>3</a:t>
+                      </a:r>
+                      <a:r>
+                        <a:rPr lang="en-IN" sz="1600" dirty="0"/>
+                        <a:t>, …., f</a:t>
+                      </a:r>
+                      <a:r>
+                        <a:rPr lang="en-IN" sz="1600" baseline="-25000" dirty="0"/>
+                        <a:t>2048</a:t>
+                      </a:r>
+                      <a:r>
+                        <a:rPr lang="en-IN" sz="1600" baseline="0" dirty="0"/>
+                        <a:t>], [1, 2, 7, 8, 3, 0, 0</a:t>
+                      </a:r>
+                      <a:r>
+                        <a:rPr lang="en-IN" sz="1600" dirty="0"/>
+                        <a:t>]</a:t>
+                      </a:r>
+                    </a:p>
+                  </a:txBody>
+                  <a:tcPr anchor="ctr"/>
+                </a:tc>
+                <a:tc>
+                  <a:txBody>
+                    <a:bodyPr/>
+                    <a:lstStyle/>
+                    <a:p>
+                      <a:pPr marL="0" marR="0" lvl="0" indent="0" algn="ctr" defTabSz="914400" rtl="0" eaLnBrk="1" fontAlgn="auto" latinLnBrk="0" hangingPunct="1">
+                        <a:lnSpc>
+                          <a:spcPct val="100000"/>
+                        </a:lnSpc>
+                        <a:spcBef>
+                          <a:spcPts val="0"/>
+                        </a:spcBef>
+                        <a:spcAft>
+                          <a:spcPts val="0"/>
+                        </a:spcAft>
+                        <a:buClrTx/>
+                        <a:buSzTx/>
+                        <a:buFontTx/>
+                        <a:buNone/>
+                        <a:tabLst/>
+                        <a:defRPr/>
+                      </a:pPr>
+                      <a:r>
+                        <a:rPr lang="en-IN" sz="1600" dirty="0"/>
+                        <a:t>“scooter” (4)</a:t>
+                      </a:r>
+                    </a:p>
+                  </a:txBody>
+                  <a:tcPr anchor="ctr"/>
+                </a:tc>
+                <a:extLst>
+                  <a:ext uri="{0D108BD9-81ED-4DB2-BD59-A6C34878D82A}">
+                    <a16:rowId xmlns:a16="http://schemas.microsoft.com/office/drawing/2014/main" val="53499860"/>
+                  </a:ext>
+                </a:extLst>
+              </a:tr>
+              <a:tr h="0">
+                <a:tc>
+                  <a:txBody>
+                    <a:bodyPr/>
+                    <a:lstStyle/>
+                    <a:p>
+                      <a:pPr algn="ctr"/>
+                      <a:r>
+                        <a:rPr lang="en-IN" sz="1600" dirty="0"/>
+                        <a:t>14</a:t>
+                      </a:r>
+                    </a:p>
+                  </a:txBody>
+                  <a:tcPr anchor="ctr"/>
+                </a:tc>
+                <a:tc>
+                  <a:txBody>
+                    <a:bodyPr/>
+                    <a:lstStyle/>
+                    <a:p>
+                      <a:pPr algn="just"/>
+                      <a:r>
+                        <a:rPr lang="en-IN" sz="1600" dirty="0"/>
+                        <a:t>“</a:t>
+                      </a:r>
+                      <a:r>
+                        <a:rPr lang="en-IN" sz="1600" dirty="0" err="1"/>
+                        <a:t>startseq</a:t>
+                      </a:r>
+                      <a:r>
+                        <a:rPr lang="en-IN" sz="1600" dirty="0"/>
+                        <a:t> man wearing helmet driving scooter”</a:t>
+                      </a:r>
+                    </a:p>
+                  </a:txBody>
+                  <a:tcPr anchor="ctr"/>
+                </a:tc>
+                <a:tc>
+                  <a:txBody>
+                    <a:bodyPr/>
+                    <a:lstStyle/>
+                    <a:p>
+                      <a:pPr marL="0" marR="0" lvl="0" indent="0" algn="just" defTabSz="914400" rtl="0" eaLnBrk="1" fontAlgn="auto" latinLnBrk="0" hangingPunct="1">
+                        <a:lnSpc>
+                          <a:spcPct val="100000"/>
+                        </a:lnSpc>
+                        <a:spcBef>
+                          <a:spcPts val="0"/>
+                        </a:spcBef>
+                        <a:spcAft>
+                          <a:spcPts val="0"/>
+                        </a:spcAft>
+                        <a:buClrTx/>
+                        <a:buSzTx/>
+                        <a:buFontTx/>
+                        <a:buNone/>
+                        <a:tabLst/>
+                        <a:defRPr/>
+                      </a:pPr>
+                      <a:r>
+                        <a:rPr lang="en-IN" sz="1600" dirty="0"/>
+                        <a:t>[f</a:t>
+                      </a:r>
+                      <a:r>
+                        <a:rPr lang="en-IN" sz="1600" baseline="-25000" dirty="0"/>
+                        <a:t>1</a:t>
+                      </a:r>
+                      <a:r>
+                        <a:rPr lang="en-IN" sz="1600" dirty="0"/>
+                        <a:t>, f</a:t>
+                      </a:r>
+                      <a:r>
+                        <a:rPr lang="en-IN" sz="1600" baseline="-25000" dirty="0"/>
+                        <a:t>2</a:t>
+                      </a:r>
+                      <a:r>
+                        <a:rPr lang="en-IN" sz="1600" dirty="0"/>
+                        <a:t>, f</a:t>
+                      </a:r>
+                      <a:r>
+                        <a:rPr lang="en-IN" sz="1600" baseline="-25000" dirty="0"/>
+                        <a:t>3</a:t>
+                      </a:r>
+                      <a:r>
+                        <a:rPr lang="en-IN" sz="1600" dirty="0"/>
+                        <a:t>, …., f</a:t>
+                      </a:r>
+                      <a:r>
+                        <a:rPr lang="en-IN" sz="1600" baseline="-25000" dirty="0"/>
+                        <a:t>2048</a:t>
+                      </a:r>
+                      <a:r>
+                        <a:rPr lang="en-IN" sz="1600" baseline="0" dirty="0"/>
+                        <a:t>], [1, 2, 7, 8, 3, 4, 0</a:t>
+                      </a:r>
+                      <a:r>
+                        <a:rPr lang="en-IN" sz="1600" dirty="0"/>
+                        <a:t>]</a:t>
+                      </a:r>
+                    </a:p>
+                  </a:txBody>
+                  <a:tcPr anchor="ctr"/>
+                </a:tc>
+                <a:tc>
+                  <a:txBody>
+                    <a:bodyPr/>
+                    <a:lstStyle/>
+                    <a:p>
+                      <a:pPr marL="0" marR="0" lvl="0" indent="0" algn="ctr" defTabSz="914400" rtl="0" eaLnBrk="1" fontAlgn="auto" latinLnBrk="0" hangingPunct="1">
+                        <a:lnSpc>
+                          <a:spcPct val="100000"/>
+                        </a:lnSpc>
+                        <a:spcBef>
+                          <a:spcPts val="0"/>
+                        </a:spcBef>
+                        <a:spcAft>
+                          <a:spcPts val="0"/>
+                        </a:spcAft>
+                        <a:buClrTx/>
+                        <a:buSzTx/>
+                        <a:buFontTx/>
+                        <a:buNone/>
+                        <a:tabLst/>
+                        <a:defRPr/>
+                      </a:pPr>
+                      <a:r>
+                        <a:rPr lang="en-IN" sz="1600" dirty="0"/>
+                        <a:t>“</a:t>
+                      </a:r>
+                      <a:r>
+                        <a:rPr lang="en-IN" sz="1600" dirty="0" err="1"/>
+                        <a:t>endseq</a:t>
+                      </a:r>
+                      <a:r>
+                        <a:rPr lang="en-IN" sz="1600" dirty="0"/>
+                        <a:t>” (5)</a:t>
+                      </a:r>
+                    </a:p>
+                  </a:txBody>
+                  <a:tcPr anchor="ctr"/>
+                </a:tc>
+                <a:extLst>
+                  <a:ext uri="{0D108BD9-81ED-4DB2-BD59-A6C34878D82A}">
+                    <a16:rowId xmlns:a16="http://schemas.microsoft.com/office/drawing/2014/main" val="1809846653"/>
+                  </a:ext>
+                </a:extLst>
+              </a:tr>
+              <a:tr h="0">
+                <a:tc>
+                  <a:txBody>
+                    <a:bodyPr/>
+                    <a:lstStyle/>
+                    <a:p>
+                      <a:pPr algn="ctr"/>
+                      <a:r>
+                        <a:rPr lang="en-IN" sz="1600" dirty="0"/>
+                        <a:t>15</a:t>
+                      </a:r>
+                    </a:p>
+                  </a:txBody>
+                  <a:tcPr anchor="ctr"/>
+                </a:tc>
+                <a:tc>
+                  <a:txBody>
+                    <a:bodyPr/>
+                    <a:lstStyle/>
+                    <a:p>
+                      <a:pPr algn="just"/>
+                      <a:r>
+                        <a:rPr lang="en-IN" sz="1600" dirty="0"/>
+                        <a:t>“</a:t>
+                      </a:r>
+                      <a:r>
+                        <a:rPr lang="en-IN" sz="1600" dirty="0" err="1"/>
+                        <a:t>startseq</a:t>
+                      </a:r>
+                      <a:r>
+                        <a:rPr lang="en-IN" sz="1600" dirty="0"/>
+                        <a:t>”</a:t>
+                      </a:r>
+                    </a:p>
+                  </a:txBody>
+                  <a:tcPr anchor="ctr"/>
+                </a:tc>
+                <a:tc>
+                  <a:txBody>
+                    <a:bodyPr/>
+                    <a:lstStyle/>
+                    <a:p>
+                      <a:pPr marL="0" marR="0" lvl="0" indent="0" algn="just" defTabSz="914400" rtl="0" eaLnBrk="1" fontAlgn="auto" latinLnBrk="0" hangingPunct="1">
+                        <a:lnSpc>
+                          <a:spcPct val="100000"/>
+                        </a:lnSpc>
+                        <a:spcBef>
+                          <a:spcPts val="0"/>
+                        </a:spcBef>
+                        <a:spcAft>
+                          <a:spcPts val="0"/>
+                        </a:spcAft>
+                        <a:buClrTx/>
+                        <a:buSzTx/>
+                        <a:buFontTx/>
+                        <a:buNone/>
+                        <a:tabLst/>
+                        <a:defRPr/>
+                      </a:pPr>
+                      <a:r>
+                        <a:rPr lang="en-IN" sz="1600" dirty="0"/>
+                        <a:t>[f</a:t>
+                      </a:r>
+                      <a:r>
+                        <a:rPr lang="en-IN" sz="1600" baseline="-25000" dirty="0"/>
+                        <a:t>1</a:t>
+                      </a:r>
+                      <a:r>
+                        <a:rPr lang="en-IN" sz="1600" dirty="0"/>
+                        <a:t>, f</a:t>
+                      </a:r>
+                      <a:r>
+                        <a:rPr lang="en-IN" sz="1600" baseline="-25000" dirty="0"/>
+                        <a:t>2</a:t>
+                      </a:r>
+                      <a:r>
+                        <a:rPr lang="en-IN" sz="1600" dirty="0"/>
+                        <a:t>, f</a:t>
+                      </a:r>
+                      <a:r>
+                        <a:rPr lang="en-IN" sz="1600" baseline="-25000" dirty="0"/>
+                        <a:t>3</a:t>
+                      </a:r>
+                      <a:r>
+                        <a:rPr lang="en-IN" sz="1600" dirty="0"/>
+                        <a:t>, …., f</a:t>
+                      </a:r>
+                      <a:r>
+                        <a:rPr lang="en-IN" sz="1600" baseline="-25000" dirty="0"/>
+                        <a:t>2048</a:t>
+                      </a:r>
+                      <a:r>
+                        <a:rPr lang="en-IN" sz="1600" baseline="0" dirty="0"/>
+                        <a:t>], [1, 0, 0, 0, 0, 0, 0</a:t>
+                      </a:r>
+                      <a:r>
+                        <a:rPr lang="en-IN" sz="1600" dirty="0"/>
+                        <a:t>]</a:t>
+                      </a:r>
+                    </a:p>
+                  </a:txBody>
+                  <a:tcPr anchor="ctr"/>
+                </a:tc>
+                <a:tc>
+                  <a:txBody>
+                    <a:bodyPr/>
+                    <a:lstStyle/>
+                    <a:p>
+                      <a:pPr marL="0" marR="0" lvl="0" indent="0" algn="ctr" defTabSz="914400" rtl="0" eaLnBrk="1" fontAlgn="auto" latinLnBrk="0" hangingPunct="1">
+                        <a:lnSpc>
+                          <a:spcPct val="100000"/>
+                        </a:lnSpc>
+                        <a:spcBef>
+                          <a:spcPts val="0"/>
+                        </a:spcBef>
+                        <a:spcAft>
+                          <a:spcPts val="0"/>
+                        </a:spcAft>
+                        <a:buClrTx/>
+                        <a:buSzTx/>
+                        <a:buFontTx/>
+                        <a:buNone/>
+                        <a:tabLst/>
+                        <a:defRPr/>
+                      </a:pPr>
+                      <a:r>
+                        <a:rPr lang="en-IN" sz="1600" dirty="0"/>
+                        <a:t>“man” (2)</a:t>
+                      </a:r>
+                    </a:p>
+                  </a:txBody>
+                  <a:tcPr anchor="ctr"/>
+                </a:tc>
+                <a:extLst>
+                  <a:ext uri="{0D108BD9-81ED-4DB2-BD59-A6C34878D82A}">
+                    <a16:rowId xmlns:a16="http://schemas.microsoft.com/office/drawing/2014/main" val="1274676589"/>
+                  </a:ext>
+                </a:extLst>
+              </a:tr>
+              <a:tr h="0">
+                <a:tc>
+                  <a:txBody>
+                    <a:bodyPr/>
+                    <a:lstStyle/>
+                    <a:p>
+                      <a:pPr algn="ctr"/>
+                      <a:r>
+                        <a:rPr lang="en-IN" sz="1600" dirty="0"/>
+                        <a:t>16</a:t>
+                      </a:r>
+                    </a:p>
+                  </a:txBody>
+                  <a:tcPr anchor="ctr"/>
+                </a:tc>
+                <a:tc>
+                  <a:txBody>
+                    <a:bodyPr/>
+                    <a:lstStyle/>
+                    <a:p>
+                      <a:pPr algn="just"/>
+                      <a:r>
+                        <a:rPr lang="en-IN" sz="1600" dirty="0"/>
+                        <a:t>“</a:t>
+                      </a:r>
+                      <a:r>
+                        <a:rPr lang="en-IN" sz="1600" dirty="0" err="1"/>
+                        <a:t>startseq</a:t>
+                      </a:r>
+                      <a:r>
+                        <a:rPr lang="en-IN" sz="1600" dirty="0"/>
+                        <a:t> man”</a:t>
+                      </a:r>
+                    </a:p>
+                  </a:txBody>
+                  <a:tcPr anchor="ctr"/>
+                </a:tc>
+                <a:tc>
+                  <a:txBody>
+                    <a:bodyPr/>
+                    <a:lstStyle/>
+                    <a:p>
+                      <a:pPr marL="0" marR="0" lvl="0" indent="0" algn="just" defTabSz="914400" rtl="0" eaLnBrk="1" fontAlgn="auto" latinLnBrk="0" hangingPunct="1">
+                        <a:lnSpc>
+                          <a:spcPct val="100000"/>
+                        </a:lnSpc>
+                        <a:spcBef>
+                          <a:spcPts val="0"/>
+                        </a:spcBef>
+                        <a:spcAft>
+                          <a:spcPts val="0"/>
+                        </a:spcAft>
+                        <a:buClrTx/>
+                        <a:buSzTx/>
+                        <a:buFontTx/>
+                        <a:buNone/>
+                        <a:tabLst/>
+                        <a:defRPr/>
+                      </a:pPr>
+                      <a:r>
+                        <a:rPr lang="en-IN" sz="1600" dirty="0"/>
+                        <a:t>[f</a:t>
+                      </a:r>
+                      <a:r>
+                        <a:rPr lang="en-IN" sz="1600" baseline="-25000" dirty="0"/>
+                        <a:t>1</a:t>
+                      </a:r>
+                      <a:r>
+                        <a:rPr lang="en-IN" sz="1600" dirty="0"/>
+                        <a:t>, f</a:t>
+                      </a:r>
+                      <a:r>
+                        <a:rPr lang="en-IN" sz="1600" baseline="-25000" dirty="0"/>
+                        <a:t>2</a:t>
+                      </a:r>
+                      <a:r>
+                        <a:rPr lang="en-IN" sz="1600" dirty="0"/>
+                        <a:t>, f</a:t>
+                      </a:r>
+                      <a:r>
+                        <a:rPr lang="en-IN" sz="1600" baseline="-25000" dirty="0"/>
+                        <a:t>3</a:t>
+                      </a:r>
+                      <a:r>
+                        <a:rPr lang="en-IN" sz="1600" dirty="0"/>
+                        <a:t>, …., f</a:t>
+                      </a:r>
+                      <a:r>
+                        <a:rPr lang="en-IN" sz="1600" baseline="-25000" dirty="0"/>
+                        <a:t>2048</a:t>
+                      </a:r>
+                      <a:r>
+                        <a:rPr lang="en-IN" sz="1600" baseline="0" dirty="0"/>
+                        <a:t>], [1, 2, 0, 0, 0, 0, 0</a:t>
+                      </a:r>
+                      <a:r>
+                        <a:rPr lang="en-IN" sz="1600" dirty="0"/>
+                        <a:t>]</a:t>
+                      </a:r>
+                    </a:p>
+                  </a:txBody>
+                  <a:tcPr anchor="ctr"/>
+                </a:tc>
+                <a:tc>
+                  <a:txBody>
+                    <a:bodyPr/>
+                    <a:lstStyle/>
+                    <a:p>
+                      <a:pPr marL="0" marR="0" lvl="0" indent="0" algn="ctr" defTabSz="914400" rtl="0" eaLnBrk="1" fontAlgn="auto" latinLnBrk="0" hangingPunct="1">
+                        <a:lnSpc>
+                          <a:spcPct val="100000"/>
+                        </a:lnSpc>
+                        <a:spcBef>
+                          <a:spcPts val="0"/>
+                        </a:spcBef>
+                        <a:spcAft>
+                          <a:spcPts val="0"/>
+                        </a:spcAft>
+                        <a:buClrTx/>
+                        <a:buSzTx/>
+                        <a:buFontTx/>
+                        <a:buNone/>
+                        <a:tabLst/>
+                        <a:defRPr/>
+                      </a:pPr>
+                      <a:r>
+                        <a:rPr lang="en-IN" sz="1600" dirty="0"/>
+                        <a:t>“enjoying”(9)</a:t>
+                      </a:r>
+                    </a:p>
+                  </a:txBody>
+                  <a:tcPr anchor="ctr"/>
+                </a:tc>
+                <a:extLst>
+                  <a:ext uri="{0D108BD9-81ED-4DB2-BD59-A6C34878D82A}">
+                    <a16:rowId xmlns:a16="http://schemas.microsoft.com/office/drawing/2014/main" val="1630406459"/>
+                  </a:ext>
+                </a:extLst>
+              </a:tr>
+              <a:tr h="0">
+                <a:tc>
+                  <a:txBody>
+                    <a:bodyPr/>
+                    <a:lstStyle/>
+                    <a:p>
+                      <a:pPr algn="ctr"/>
+                      <a:r>
+                        <a:rPr lang="en-IN" sz="1600" dirty="0"/>
+                        <a:t>17</a:t>
+                      </a:r>
+                    </a:p>
+                  </a:txBody>
+                  <a:tcPr anchor="ctr"/>
+                </a:tc>
+                <a:tc>
+                  <a:txBody>
+                    <a:bodyPr/>
+                    <a:lstStyle/>
+                    <a:p>
+                      <a:pPr algn="just"/>
+                      <a:r>
+                        <a:rPr lang="en-IN" sz="1600" dirty="0"/>
+                        <a:t>“</a:t>
+                      </a:r>
+                      <a:r>
+                        <a:rPr lang="en-IN" sz="1600" dirty="0" err="1"/>
+                        <a:t>startseq</a:t>
+                      </a:r>
+                      <a:r>
+                        <a:rPr lang="en-IN" sz="1600" dirty="0"/>
+                        <a:t> man enjoying”</a:t>
+                      </a:r>
+                    </a:p>
+                  </a:txBody>
+                  <a:tcPr anchor="ctr"/>
+                </a:tc>
+                <a:tc>
+                  <a:txBody>
+                    <a:bodyPr/>
+                    <a:lstStyle/>
+                    <a:p>
+                      <a:pPr marL="0" marR="0" lvl="0" indent="0" algn="just" defTabSz="914400" rtl="0" eaLnBrk="1" fontAlgn="auto" latinLnBrk="0" hangingPunct="1">
+                        <a:lnSpc>
+                          <a:spcPct val="100000"/>
+                        </a:lnSpc>
+                        <a:spcBef>
+                          <a:spcPts val="0"/>
+                        </a:spcBef>
+                        <a:spcAft>
+                          <a:spcPts val="0"/>
+                        </a:spcAft>
+                        <a:buClrTx/>
+                        <a:buSzTx/>
+                        <a:buFontTx/>
+                        <a:buNone/>
+                        <a:tabLst/>
+                        <a:defRPr/>
+                      </a:pPr>
+                      <a:r>
+                        <a:rPr lang="en-IN" sz="1600" dirty="0"/>
+                        <a:t>[f</a:t>
+                      </a:r>
+                      <a:r>
+                        <a:rPr lang="en-IN" sz="1600" baseline="-25000" dirty="0"/>
+                        <a:t>1</a:t>
+                      </a:r>
+                      <a:r>
+                        <a:rPr lang="en-IN" sz="1600" dirty="0"/>
+                        <a:t>, f</a:t>
+                      </a:r>
+                      <a:r>
+                        <a:rPr lang="en-IN" sz="1600" baseline="-25000" dirty="0"/>
+                        <a:t>2</a:t>
+                      </a:r>
+                      <a:r>
+                        <a:rPr lang="en-IN" sz="1600" dirty="0"/>
+                        <a:t>, f</a:t>
+                      </a:r>
+                      <a:r>
+                        <a:rPr lang="en-IN" sz="1600" baseline="-25000" dirty="0"/>
+                        <a:t>3</a:t>
+                      </a:r>
+                      <a:r>
+                        <a:rPr lang="en-IN" sz="1600" dirty="0"/>
+                        <a:t>, …., f</a:t>
+                      </a:r>
+                      <a:r>
+                        <a:rPr lang="en-IN" sz="1600" baseline="-25000" dirty="0"/>
+                        <a:t>2048</a:t>
+                      </a:r>
+                      <a:r>
+                        <a:rPr lang="en-IN" sz="1600" baseline="0" dirty="0"/>
+                        <a:t>], [1, 2, 9, 0, 0, 0, 0</a:t>
+                      </a:r>
+                      <a:r>
+                        <a:rPr lang="en-IN" sz="1600" dirty="0"/>
+                        <a:t>]</a:t>
+                      </a:r>
+                    </a:p>
+                  </a:txBody>
+                  <a:tcPr anchor="ctr"/>
+                </a:tc>
+                <a:tc>
+                  <a:txBody>
+                    <a:bodyPr/>
+                    <a:lstStyle/>
+                    <a:p>
+                      <a:pPr marL="0" marR="0" lvl="0" indent="0" algn="ctr" defTabSz="914400" rtl="0" eaLnBrk="1" fontAlgn="auto" latinLnBrk="0" hangingPunct="1">
+                        <a:lnSpc>
+                          <a:spcPct val="100000"/>
+                        </a:lnSpc>
+                        <a:spcBef>
+                          <a:spcPts val="0"/>
+                        </a:spcBef>
+                        <a:spcAft>
+                          <a:spcPts val="0"/>
+                        </a:spcAft>
+                        <a:buClrTx/>
+                        <a:buSzTx/>
+                        <a:buFontTx/>
+                        <a:buNone/>
+                        <a:tabLst/>
+                        <a:defRPr/>
+                      </a:pPr>
+                      <a:r>
+                        <a:rPr lang="en-IN" sz="1600" dirty="0"/>
+                        <a:t>“driving” (3)</a:t>
+                      </a:r>
+                    </a:p>
+                  </a:txBody>
+                  <a:tcPr anchor="ctr"/>
+                </a:tc>
+                <a:extLst>
+                  <a:ext uri="{0D108BD9-81ED-4DB2-BD59-A6C34878D82A}">
+                    <a16:rowId xmlns:a16="http://schemas.microsoft.com/office/drawing/2014/main" val="706789959"/>
+                  </a:ext>
+                </a:extLst>
+              </a:tr>
+              <a:tr h="0">
+                <a:tc>
+                  <a:txBody>
+                    <a:bodyPr/>
+                    <a:lstStyle/>
+                    <a:p>
+                      <a:pPr algn="ctr"/>
+                      <a:r>
+                        <a:rPr lang="en-IN" sz="1600" dirty="0"/>
+                        <a:t>18</a:t>
+                      </a:r>
+                    </a:p>
+                  </a:txBody>
+                  <a:tcPr anchor="ctr"/>
+                </a:tc>
+                <a:tc>
+                  <a:txBody>
+                    <a:bodyPr/>
+                    <a:lstStyle/>
+                    <a:p>
+                      <a:pPr algn="just"/>
+                      <a:r>
+                        <a:rPr lang="en-IN" sz="1600" dirty="0"/>
+                        <a:t>“</a:t>
+                      </a:r>
+                      <a:r>
+                        <a:rPr lang="en-IN" sz="1600" dirty="0" err="1"/>
+                        <a:t>startseq</a:t>
+                      </a:r>
+                      <a:r>
+                        <a:rPr lang="en-IN" sz="1600" dirty="0"/>
+                        <a:t> man enjoying driving”</a:t>
+                      </a:r>
+                    </a:p>
+                  </a:txBody>
+                  <a:tcPr anchor="ctr"/>
+                </a:tc>
+                <a:tc>
+                  <a:txBody>
+                    <a:bodyPr/>
+                    <a:lstStyle/>
+                    <a:p>
+                      <a:pPr marL="0" marR="0" lvl="0" indent="0" algn="just" defTabSz="914400" rtl="0" eaLnBrk="1" fontAlgn="auto" latinLnBrk="0" hangingPunct="1">
+                        <a:lnSpc>
+                          <a:spcPct val="100000"/>
+                        </a:lnSpc>
+                        <a:spcBef>
+                          <a:spcPts val="0"/>
+                        </a:spcBef>
+                        <a:spcAft>
+                          <a:spcPts val="0"/>
+                        </a:spcAft>
+                        <a:buClrTx/>
+                        <a:buSzTx/>
+                        <a:buFontTx/>
+                        <a:buNone/>
+                        <a:tabLst/>
+                        <a:defRPr/>
+                      </a:pPr>
+                      <a:r>
+                        <a:rPr lang="en-IN" sz="1600" dirty="0"/>
+                        <a:t>[f</a:t>
+                      </a:r>
+                      <a:r>
+                        <a:rPr lang="en-IN" sz="1600" baseline="-25000" dirty="0"/>
+                        <a:t>1</a:t>
+                      </a:r>
+                      <a:r>
+                        <a:rPr lang="en-IN" sz="1600" dirty="0"/>
+                        <a:t>, f</a:t>
+                      </a:r>
+                      <a:r>
+                        <a:rPr lang="en-IN" sz="1600" baseline="-25000" dirty="0"/>
+                        <a:t>2</a:t>
+                      </a:r>
+                      <a:r>
+                        <a:rPr lang="en-IN" sz="1600" dirty="0"/>
+                        <a:t>, f</a:t>
+                      </a:r>
+                      <a:r>
+                        <a:rPr lang="en-IN" sz="1600" baseline="-25000" dirty="0"/>
+                        <a:t>3</a:t>
+                      </a:r>
+                      <a:r>
+                        <a:rPr lang="en-IN" sz="1600" dirty="0"/>
+                        <a:t>, …., f</a:t>
+                      </a:r>
+                      <a:r>
+                        <a:rPr lang="en-IN" sz="1600" baseline="-25000" dirty="0"/>
+                        <a:t>2048</a:t>
+                      </a:r>
+                      <a:r>
+                        <a:rPr lang="en-IN" sz="1600" baseline="0" dirty="0"/>
+                        <a:t>], [1, 2, 9, 3, 0, 0, 0</a:t>
+                      </a:r>
+                      <a:r>
+                        <a:rPr lang="en-IN" sz="1600" dirty="0"/>
+                        <a:t>]</a:t>
+                      </a:r>
+                    </a:p>
+                  </a:txBody>
+                  <a:tcPr anchor="ctr"/>
+                </a:tc>
+                <a:tc>
+                  <a:txBody>
+                    <a:bodyPr/>
+                    <a:lstStyle/>
+                    <a:p>
+                      <a:pPr marL="0" marR="0" lvl="0" indent="0" algn="ctr" defTabSz="914400" rtl="0" eaLnBrk="1" fontAlgn="auto" latinLnBrk="0" hangingPunct="1">
+                        <a:lnSpc>
+                          <a:spcPct val="100000"/>
+                        </a:lnSpc>
+                        <a:spcBef>
+                          <a:spcPts val="0"/>
+                        </a:spcBef>
+                        <a:spcAft>
+                          <a:spcPts val="0"/>
+                        </a:spcAft>
+                        <a:buClrTx/>
+                        <a:buSzTx/>
+                        <a:buFontTx/>
+                        <a:buNone/>
+                        <a:tabLst/>
+                        <a:defRPr/>
+                      </a:pPr>
+                      <a:r>
+                        <a:rPr lang="en-IN" sz="1600" dirty="0"/>
+                        <a:t>“scooter” (4)</a:t>
+                      </a:r>
+                    </a:p>
+                  </a:txBody>
+                  <a:tcPr anchor="ctr"/>
+                </a:tc>
+                <a:extLst>
+                  <a:ext uri="{0D108BD9-81ED-4DB2-BD59-A6C34878D82A}">
+                    <a16:rowId xmlns:a16="http://schemas.microsoft.com/office/drawing/2014/main" val="1355822850"/>
+                  </a:ext>
+                </a:extLst>
+              </a:tr>
+              <a:tr h="0">
+                <a:tc>
+                  <a:txBody>
+                    <a:bodyPr/>
+                    <a:lstStyle/>
+                    <a:p>
+                      <a:pPr algn="ctr"/>
+                      <a:r>
+                        <a:rPr lang="en-IN" sz="1600" dirty="0"/>
+                        <a:t>19</a:t>
+                      </a:r>
+                    </a:p>
+                  </a:txBody>
+                  <a:tcPr anchor="ctr"/>
+                </a:tc>
+                <a:tc>
+                  <a:txBody>
+                    <a:bodyPr/>
+                    <a:lstStyle/>
+                    <a:p>
+                      <a:pPr algn="just"/>
+                      <a:r>
+                        <a:rPr lang="en-IN" sz="1600" dirty="0"/>
+                        <a:t>“</a:t>
+                      </a:r>
+                      <a:r>
+                        <a:rPr lang="en-IN" sz="1600" dirty="0" err="1"/>
+                        <a:t>startseq</a:t>
+                      </a:r>
+                      <a:r>
+                        <a:rPr lang="en-IN" sz="1600" dirty="0"/>
+                        <a:t> man enjoying driving scooter”</a:t>
+                      </a:r>
+                    </a:p>
+                  </a:txBody>
+                  <a:tcPr anchor="ctr"/>
+                </a:tc>
+                <a:tc>
+                  <a:txBody>
+                    <a:bodyPr/>
+                    <a:lstStyle/>
+                    <a:p>
+                      <a:pPr marL="0" marR="0" lvl="0" indent="0" algn="just" defTabSz="914400" rtl="0" eaLnBrk="1" fontAlgn="auto" latinLnBrk="0" hangingPunct="1">
+                        <a:lnSpc>
+                          <a:spcPct val="100000"/>
+                        </a:lnSpc>
+                        <a:spcBef>
+                          <a:spcPts val="0"/>
+                        </a:spcBef>
+                        <a:spcAft>
+                          <a:spcPts val="0"/>
+                        </a:spcAft>
+                        <a:buClrTx/>
+                        <a:buSzTx/>
+                        <a:buFontTx/>
+                        <a:buNone/>
+                        <a:tabLst/>
+                        <a:defRPr/>
+                      </a:pPr>
+                      <a:r>
+                        <a:rPr lang="en-IN" sz="1600" dirty="0"/>
+                        <a:t>[f</a:t>
+                      </a:r>
+                      <a:r>
+                        <a:rPr lang="en-IN" sz="1600" baseline="-25000" dirty="0"/>
+                        <a:t>1</a:t>
+                      </a:r>
+                      <a:r>
+                        <a:rPr lang="en-IN" sz="1600" dirty="0"/>
+                        <a:t>, f</a:t>
+                      </a:r>
+                      <a:r>
+                        <a:rPr lang="en-IN" sz="1600" baseline="-25000" dirty="0"/>
+                        <a:t>2</a:t>
+                      </a:r>
+                      <a:r>
+                        <a:rPr lang="en-IN" sz="1600" dirty="0"/>
+                        <a:t>, f</a:t>
+                      </a:r>
+                      <a:r>
+                        <a:rPr lang="en-IN" sz="1600" baseline="-25000" dirty="0"/>
+                        <a:t>3</a:t>
+                      </a:r>
+                      <a:r>
+                        <a:rPr lang="en-IN" sz="1600" dirty="0"/>
+                        <a:t>, …., f</a:t>
+                      </a:r>
+                      <a:r>
+                        <a:rPr lang="en-IN" sz="1600" baseline="-25000" dirty="0"/>
+                        <a:t>2048</a:t>
+                      </a:r>
+                      <a:r>
+                        <a:rPr lang="en-IN" sz="1600" baseline="0" dirty="0"/>
+                        <a:t>], [1, 2, 9, 3, 4, 0, 0</a:t>
+                      </a:r>
+                      <a:r>
+                        <a:rPr lang="en-IN" sz="1600" dirty="0"/>
+                        <a:t>]</a:t>
+                      </a:r>
+                    </a:p>
+                  </a:txBody>
+                  <a:tcPr anchor="ctr"/>
+                </a:tc>
+                <a:tc>
+                  <a:txBody>
+                    <a:bodyPr/>
+                    <a:lstStyle/>
+                    <a:p>
+                      <a:pPr marL="0" marR="0" lvl="0" indent="0" algn="ctr" defTabSz="914400" rtl="0" eaLnBrk="1" fontAlgn="auto" latinLnBrk="0" hangingPunct="1">
+                        <a:lnSpc>
+                          <a:spcPct val="100000"/>
+                        </a:lnSpc>
+                        <a:spcBef>
+                          <a:spcPts val="0"/>
+                        </a:spcBef>
+                        <a:spcAft>
+                          <a:spcPts val="0"/>
+                        </a:spcAft>
+                        <a:buClrTx/>
+                        <a:buSzTx/>
+                        <a:buFontTx/>
+                        <a:buNone/>
+                        <a:tabLst/>
+                        <a:defRPr/>
+                      </a:pPr>
+                      <a:r>
+                        <a:rPr lang="en-IN" sz="1600" dirty="0"/>
+                        <a:t>“</a:t>
+                      </a:r>
+                      <a:r>
+                        <a:rPr lang="en-IN" sz="1600" dirty="0" err="1"/>
+                        <a:t>endseq</a:t>
+                      </a:r>
+                      <a:r>
+                        <a:rPr lang="en-IN" sz="1600" dirty="0"/>
+                        <a:t>” (5)</a:t>
+                      </a:r>
+                    </a:p>
+                  </a:txBody>
+                  <a:tcPr anchor="ctr"/>
+                </a:tc>
+                <a:extLst>
+                  <a:ext uri="{0D108BD9-81ED-4DB2-BD59-A6C34878D82A}">
+                    <a16:rowId xmlns:a16="http://schemas.microsoft.com/office/drawing/2014/main" val="3995620060"/>
+                  </a:ext>
+                </a:extLst>
+              </a:tr>
+              <a:tr h="0">
+                <a:tc>
+                  <a:txBody>
+                    <a:bodyPr/>
+                    <a:lstStyle/>
+                    <a:p>
+                      <a:pPr algn="ctr"/>
+                      <a:r>
+                        <a:rPr lang="en-IN" sz="1600" dirty="0"/>
+                        <a:t>20</a:t>
+                      </a:r>
+                    </a:p>
+                  </a:txBody>
+                  <a:tcPr anchor="ctr"/>
+                </a:tc>
+                <a:tc>
+                  <a:txBody>
+                    <a:bodyPr/>
+                    <a:lstStyle/>
+                    <a:p>
+                      <a:pPr algn="just"/>
+                      <a:r>
+                        <a:rPr lang="en-IN" sz="1600" dirty="0"/>
+                        <a:t>“</a:t>
+                      </a:r>
+                      <a:r>
+                        <a:rPr lang="en-IN" sz="1600" dirty="0" err="1"/>
+                        <a:t>startseq</a:t>
+                      </a:r>
+                      <a:r>
+                        <a:rPr lang="en-IN" sz="1600" dirty="0"/>
+                        <a:t>”</a:t>
+                      </a:r>
+                    </a:p>
+                  </a:txBody>
+                  <a:tcPr anchor="ctr"/>
+                </a:tc>
+                <a:tc>
+                  <a:txBody>
+                    <a:bodyPr/>
+                    <a:lstStyle/>
+                    <a:p>
+                      <a:pPr marL="0" marR="0" lvl="0" indent="0" algn="just" defTabSz="914400" rtl="0" eaLnBrk="1" fontAlgn="auto" latinLnBrk="0" hangingPunct="1">
+                        <a:lnSpc>
+                          <a:spcPct val="100000"/>
+                        </a:lnSpc>
+                        <a:spcBef>
+                          <a:spcPts val="0"/>
+                        </a:spcBef>
+                        <a:spcAft>
+                          <a:spcPts val="0"/>
+                        </a:spcAft>
+                        <a:buClrTx/>
+                        <a:buSzTx/>
+                        <a:buFontTx/>
+                        <a:buNone/>
+                        <a:tabLst/>
+                        <a:defRPr/>
+                      </a:pPr>
+                      <a:r>
+                        <a:rPr lang="en-IN" sz="1600" dirty="0"/>
+                        <a:t>[f</a:t>
+                      </a:r>
+                      <a:r>
+                        <a:rPr lang="en-IN" sz="1600" baseline="-25000" dirty="0"/>
+                        <a:t>1</a:t>
+                      </a:r>
+                      <a:r>
+                        <a:rPr lang="en-IN" sz="1600" dirty="0"/>
+                        <a:t>, f</a:t>
+                      </a:r>
+                      <a:r>
+                        <a:rPr lang="en-IN" sz="1600" baseline="-25000" dirty="0"/>
+                        <a:t>2</a:t>
+                      </a:r>
+                      <a:r>
+                        <a:rPr lang="en-IN" sz="1600" dirty="0"/>
+                        <a:t>, f</a:t>
+                      </a:r>
+                      <a:r>
+                        <a:rPr lang="en-IN" sz="1600" baseline="-25000" dirty="0"/>
+                        <a:t>3</a:t>
+                      </a:r>
+                      <a:r>
+                        <a:rPr lang="en-IN" sz="1600" dirty="0"/>
+                        <a:t>, …., f</a:t>
+                      </a:r>
+                      <a:r>
+                        <a:rPr lang="en-IN" sz="1600" baseline="-25000" dirty="0"/>
+                        <a:t>2048</a:t>
+                      </a:r>
+                      <a:r>
+                        <a:rPr lang="en-IN" sz="1600" baseline="0" dirty="0"/>
+                        <a:t>], [1, 0, 0, 0, 0, 0, 0</a:t>
+                      </a:r>
+                      <a:r>
+                        <a:rPr lang="en-IN" sz="1600" dirty="0"/>
+                        <a:t>]</a:t>
+                      </a:r>
+                    </a:p>
+                  </a:txBody>
+                  <a:tcPr anchor="ctr"/>
+                </a:tc>
+                <a:tc>
+                  <a:txBody>
+                    <a:bodyPr/>
+                    <a:lstStyle/>
+                    <a:p>
+                      <a:pPr marL="0" marR="0" lvl="0" indent="0" algn="ctr" defTabSz="914400" rtl="0" eaLnBrk="1" fontAlgn="auto" latinLnBrk="0" hangingPunct="1">
+                        <a:lnSpc>
+                          <a:spcPct val="100000"/>
+                        </a:lnSpc>
+                        <a:spcBef>
+                          <a:spcPts val="0"/>
+                        </a:spcBef>
+                        <a:spcAft>
+                          <a:spcPts val="0"/>
+                        </a:spcAft>
+                        <a:buClrTx/>
+                        <a:buSzTx/>
+                        <a:buFontTx/>
+                        <a:buNone/>
+                        <a:tabLst/>
+                        <a:defRPr/>
+                      </a:pPr>
+                      <a:r>
+                        <a:rPr lang="en-IN" sz="1600" dirty="0"/>
+                        <a:t>“happy” (10)</a:t>
+                      </a:r>
+                    </a:p>
+                  </a:txBody>
+                  <a:tcPr anchor="ctr"/>
+                </a:tc>
+                <a:extLst>
+                  <a:ext uri="{0D108BD9-81ED-4DB2-BD59-A6C34878D82A}">
+                    <a16:rowId xmlns:a16="http://schemas.microsoft.com/office/drawing/2014/main" val="928072493"/>
+                  </a:ext>
+                </a:extLst>
+              </a:tr>
+              <a:tr h="0">
+                <a:tc>
+                  <a:txBody>
+                    <a:bodyPr/>
+                    <a:lstStyle/>
+                    <a:p>
+                      <a:pPr algn="ctr"/>
+                      <a:r>
+                        <a:rPr lang="en-IN" sz="1600" dirty="0"/>
+                        <a:t>21</a:t>
+                      </a:r>
+                    </a:p>
+                  </a:txBody>
+                  <a:tcPr anchor="ctr"/>
+                </a:tc>
+                <a:tc>
+                  <a:txBody>
+                    <a:bodyPr/>
+                    <a:lstStyle/>
+                    <a:p>
+                      <a:pPr algn="just"/>
+                      <a:r>
+                        <a:rPr lang="en-IN" sz="1600" dirty="0"/>
+                        <a:t>“</a:t>
+                      </a:r>
+                      <a:r>
+                        <a:rPr lang="en-IN" sz="1600" dirty="0" err="1"/>
+                        <a:t>startseq</a:t>
+                      </a:r>
+                      <a:r>
+                        <a:rPr lang="en-IN" sz="1600" dirty="0"/>
+                        <a:t> happy”</a:t>
+                      </a:r>
+                    </a:p>
+                  </a:txBody>
+                  <a:tcPr anchor="ctr"/>
+                </a:tc>
+                <a:tc>
+                  <a:txBody>
+                    <a:bodyPr/>
+                    <a:lstStyle/>
+                    <a:p>
+                      <a:pPr marL="0" marR="0" lvl="0" indent="0" algn="just" defTabSz="914400" rtl="0" eaLnBrk="1" fontAlgn="auto" latinLnBrk="0" hangingPunct="1">
+                        <a:lnSpc>
+                          <a:spcPct val="100000"/>
+                        </a:lnSpc>
+                        <a:spcBef>
+                          <a:spcPts val="0"/>
+                        </a:spcBef>
+                        <a:spcAft>
+                          <a:spcPts val="0"/>
+                        </a:spcAft>
+                        <a:buClrTx/>
+                        <a:buSzTx/>
+                        <a:buFontTx/>
+                        <a:buNone/>
+                        <a:tabLst/>
+                        <a:defRPr/>
+                      </a:pPr>
+                      <a:r>
+                        <a:rPr lang="en-IN" sz="1600" dirty="0"/>
+                        <a:t>[f</a:t>
+                      </a:r>
+                      <a:r>
+                        <a:rPr lang="en-IN" sz="1600" baseline="-25000" dirty="0"/>
+                        <a:t>1</a:t>
+                      </a:r>
+                      <a:r>
+                        <a:rPr lang="en-IN" sz="1600" dirty="0"/>
+                        <a:t>, f</a:t>
+                      </a:r>
+                      <a:r>
+                        <a:rPr lang="en-IN" sz="1600" baseline="-25000" dirty="0"/>
+                        <a:t>2</a:t>
+                      </a:r>
+                      <a:r>
+                        <a:rPr lang="en-IN" sz="1600" dirty="0"/>
+                        <a:t>, f</a:t>
+                      </a:r>
+                      <a:r>
+                        <a:rPr lang="en-IN" sz="1600" baseline="-25000" dirty="0"/>
+                        <a:t>3</a:t>
+                      </a:r>
+                      <a:r>
+                        <a:rPr lang="en-IN" sz="1600" dirty="0"/>
+                        <a:t>, …., f</a:t>
+                      </a:r>
+                      <a:r>
+                        <a:rPr lang="en-IN" sz="1600" baseline="-25000" dirty="0"/>
+                        <a:t>2048</a:t>
+                      </a:r>
+                      <a:r>
+                        <a:rPr lang="en-IN" sz="1600" baseline="0" dirty="0"/>
+                        <a:t>], [1, 10, 0, 0, 0, 0, 0</a:t>
+                      </a:r>
+                      <a:r>
+                        <a:rPr lang="en-IN" sz="1600" dirty="0"/>
+                        <a:t>]</a:t>
+                      </a:r>
+                    </a:p>
+                  </a:txBody>
+                  <a:tcPr anchor="ctr"/>
+                </a:tc>
+                <a:tc>
+                  <a:txBody>
+                    <a:bodyPr/>
+                    <a:lstStyle/>
+                    <a:p>
+                      <a:pPr marL="0" marR="0" lvl="0" indent="0" algn="ctr" defTabSz="914400" rtl="0" eaLnBrk="1" fontAlgn="auto" latinLnBrk="0" hangingPunct="1">
+                        <a:lnSpc>
+                          <a:spcPct val="100000"/>
+                        </a:lnSpc>
+                        <a:spcBef>
+                          <a:spcPts val="0"/>
+                        </a:spcBef>
+                        <a:spcAft>
+                          <a:spcPts val="0"/>
+                        </a:spcAft>
+                        <a:buClrTx/>
+                        <a:buSzTx/>
+                        <a:buFontTx/>
+                        <a:buNone/>
+                        <a:tabLst/>
+                        <a:defRPr/>
+                      </a:pPr>
+                      <a:r>
+                        <a:rPr lang="en-IN" sz="1600" dirty="0"/>
+                        <a:t>“man” (2)</a:t>
+                      </a:r>
+                    </a:p>
+                  </a:txBody>
+                  <a:tcPr anchor="ctr"/>
+                </a:tc>
+                <a:extLst>
+                  <a:ext uri="{0D108BD9-81ED-4DB2-BD59-A6C34878D82A}">
+                    <a16:rowId xmlns:a16="http://schemas.microsoft.com/office/drawing/2014/main" val="3507017606"/>
+                  </a:ext>
+                </a:extLst>
+              </a:tr>
+              <a:tr h="0">
+                <a:tc>
+                  <a:txBody>
+                    <a:bodyPr/>
+                    <a:lstStyle/>
+                    <a:p>
+                      <a:pPr algn="ctr"/>
+                      <a:r>
+                        <a:rPr lang="en-IN" sz="1600" dirty="0"/>
+                        <a:t>22</a:t>
+                      </a:r>
+                    </a:p>
+                  </a:txBody>
+                  <a:tcPr anchor="ctr"/>
+                </a:tc>
+                <a:tc>
+                  <a:txBody>
+                    <a:bodyPr/>
+                    <a:lstStyle/>
+                    <a:p>
+                      <a:pPr algn="just"/>
+                      <a:r>
+                        <a:rPr lang="en-IN" sz="1600" dirty="0"/>
+                        <a:t>“</a:t>
+                      </a:r>
+                      <a:r>
+                        <a:rPr lang="en-IN" sz="1600" dirty="0" err="1"/>
+                        <a:t>startseq</a:t>
+                      </a:r>
+                      <a:r>
+                        <a:rPr lang="en-IN" sz="1600" dirty="0"/>
+                        <a:t> happy man”</a:t>
+                      </a:r>
+                    </a:p>
+                  </a:txBody>
+                  <a:tcPr anchor="ctr"/>
+                </a:tc>
+                <a:tc>
+                  <a:txBody>
+                    <a:bodyPr/>
+                    <a:lstStyle/>
+                    <a:p>
+                      <a:pPr marL="0" marR="0" lvl="0" indent="0" algn="just" defTabSz="914400" rtl="0" eaLnBrk="1" fontAlgn="auto" latinLnBrk="0" hangingPunct="1">
+                        <a:lnSpc>
+                          <a:spcPct val="100000"/>
+                        </a:lnSpc>
+                        <a:spcBef>
+                          <a:spcPts val="0"/>
+                        </a:spcBef>
+                        <a:spcAft>
+                          <a:spcPts val="0"/>
+                        </a:spcAft>
+                        <a:buClrTx/>
+                        <a:buSzTx/>
+                        <a:buFontTx/>
+                        <a:buNone/>
+                        <a:tabLst/>
+                        <a:defRPr/>
+                      </a:pPr>
+                      <a:r>
+                        <a:rPr lang="en-IN" sz="1600" dirty="0"/>
+                        <a:t>[f</a:t>
+                      </a:r>
+                      <a:r>
+                        <a:rPr lang="en-IN" sz="1600" baseline="-25000" dirty="0"/>
+                        <a:t>1</a:t>
+                      </a:r>
+                      <a:r>
+                        <a:rPr lang="en-IN" sz="1600" dirty="0"/>
+                        <a:t>, f</a:t>
+                      </a:r>
+                      <a:r>
+                        <a:rPr lang="en-IN" sz="1600" baseline="-25000" dirty="0"/>
+                        <a:t>2</a:t>
+                      </a:r>
+                      <a:r>
+                        <a:rPr lang="en-IN" sz="1600" dirty="0"/>
+                        <a:t>, f</a:t>
+                      </a:r>
+                      <a:r>
+                        <a:rPr lang="en-IN" sz="1600" baseline="-25000" dirty="0"/>
+                        <a:t>3</a:t>
+                      </a:r>
+                      <a:r>
+                        <a:rPr lang="en-IN" sz="1600" dirty="0"/>
+                        <a:t>, …., f</a:t>
+                      </a:r>
+                      <a:r>
+                        <a:rPr lang="en-IN" sz="1600" baseline="-25000" dirty="0"/>
+                        <a:t>2048</a:t>
+                      </a:r>
+                      <a:r>
+                        <a:rPr lang="en-IN" sz="1600" baseline="0" dirty="0"/>
+                        <a:t>], [1, 10, 2, 0, 0, 0, 0</a:t>
+                      </a:r>
+                      <a:r>
+                        <a:rPr lang="en-IN" sz="1600" dirty="0"/>
+                        <a:t>]</a:t>
+                      </a:r>
+                    </a:p>
+                  </a:txBody>
+                  <a:tcPr anchor="ctr"/>
+                </a:tc>
+                <a:tc>
+                  <a:txBody>
+                    <a:bodyPr/>
+                    <a:lstStyle/>
+                    <a:p>
+                      <a:pPr marL="0" marR="0" lvl="0" indent="0" algn="ctr" defTabSz="914400" rtl="0" eaLnBrk="1" fontAlgn="auto" latinLnBrk="0" hangingPunct="1">
+                        <a:lnSpc>
+                          <a:spcPct val="100000"/>
+                        </a:lnSpc>
+                        <a:spcBef>
+                          <a:spcPts val="0"/>
+                        </a:spcBef>
+                        <a:spcAft>
+                          <a:spcPts val="0"/>
+                        </a:spcAft>
+                        <a:buClrTx/>
+                        <a:buSzTx/>
+                        <a:buFontTx/>
+                        <a:buNone/>
+                        <a:tabLst/>
+                        <a:defRPr/>
+                      </a:pPr>
+                      <a:r>
+                        <a:rPr lang="en-IN" sz="1600" dirty="0"/>
+                        <a:t>“driving” (3)</a:t>
+                      </a:r>
+                    </a:p>
+                  </a:txBody>
+                  <a:tcPr anchor="ctr"/>
+                </a:tc>
+                <a:extLst>
+                  <a:ext uri="{0D108BD9-81ED-4DB2-BD59-A6C34878D82A}">
+                    <a16:rowId xmlns:a16="http://schemas.microsoft.com/office/drawing/2014/main" val="4140124172"/>
+                  </a:ext>
+                </a:extLst>
+              </a:tr>
+              <a:tr h="0">
+                <a:tc>
+                  <a:txBody>
+                    <a:bodyPr/>
+                    <a:lstStyle/>
+                    <a:p>
+                      <a:pPr algn="ctr"/>
+                      <a:r>
+                        <a:rPr lang="en-IN" sz="1600" dirty="0"/>
+                        <a:t>23</a:t>
+                      </a:r>
+                    </a:p>
+                  </a:txBody>
+                  <a:tcPr anchor="ctr"/>
+                </a:tc>
+                <a:tc>
+                  <a:txBody>
+                    <a:bodyPr/>
+                    <a:lstStyle/>
+                    <a:p>
+                      <a:pPr algn="just"/>
+                      <a:r>
+                        <a:rPr lang="en-IN" sz="1600" dirty="0"/>
+                        <a:t>“</a:t>
+                      </a:r>
+                      <a:r>
+                        <a:rPr lang="en-IN" sz="1600" dirty="0" err="1"/>
+                        <a:t>startseq</a:t>
+                      </a:r>
+                      <a:r>
+                        <a:rPr lang="en-IN" sz="1600" dirty="0"/>
+                        <a:t> happy man driving”</a:t>
+                      </a:r>
+                    </a:p>
+                  </a:txBody>
+                  <a:tcPr anchor="ctr"/>
+                </a:tc>
+                <a:tc>
+                  <a:txBody>
+                    <a:bodyPr/>
+                    <a:lstStyle/>
+                    <a:p>
+                      <a:pPr marL="0" marR="0" lvl="0" indent="0" algn="just" defTabSz="914400" rtl="0" eaLnBrk="1" fontAlgn="auto" latinLnBrk="0" hangingPunct="1">
+                        <a:lnSpc>
+                          <a:spcPct val="100000"/>
+                        </a:lnSpc>
+                        <a:spcBef>
+                          <a:spcPts val="0"/>
+                        </a:spcBef>
+                        <a:spcAft>
+                          <a:spcPts val="0"/>
+                        </a:spcAft>
+                        <a:buClrTx/>
+                        <a:buSzTx/>
+                        <a:buFontTx/>
+                        <a:buNone/>
+                        <a:tabLst/>
+                        <a:defRPr/>
+                      </a:pPr>
+                      <a:r>
+                        <a:rPr lang="en-IN" sz="1600" dirty="0"/>
+                        <a:t>[f</a:t>
+                      </a:r>
+                      <a:r>
+                        <a:rPr lang="en-IN" sz="1600" baseline="-25000" dirty="0"/>
+                        <a:t>1</a:t>
+                      </a:r>
+                      <a:r>
+                        <a:rPr lang="en-IN" sz="1600" dirty="0"/>
+                        <a:t>, f</a:t>
+                      </a:r>
+                      <a:r>
+                        <a:rPr lang="en-IN" sz="1600" baseline="-25000" dirty="0"/>
+                        <a:t>2</a:t>
+                      </a:r>
+                      <a:r>
+                        <a:rPr lang="en-IN" sz="1600" dirty="0"/>
+                        <a:t>, f</a:t>
+                      </a:r>
+                      <a:r>
+                        <a:rPr lang="en-IN" sz="1600" baseline="-25000" dirty="0"/>
+                        <a:t>3</a:t>
+                      </a:r>
+                      <a:r>
+                        <a:rPr lang="en-IN" sz="1600" dirty="0"/>
+                        <a:t>, …., f</a:t>
+                      </a:r>
+                      <a:r>
+                        <a:rPr lang="en-IN" sz="1600" baseline="-25000" dirty="0"/>
+                        <a:t>2048</a:t>
+                      </a:r>
+                      <a:r>
+                        <a:rPr lang="en-IN" sz="1600" baseline="0" dirty="0"/>
+                        <a:t>], [1, 10, 2, 3, 0, 0, 0</a:t>
+                      </a:r>
+                      <a:r>
+                        <a:rPr lang="en-IN" sz="1600" dirty="0"/>
+                        <a:t>]</a:t>
+                      </a:r>
+                    </a:p>
+                  </a:txBody>
+                  <a:tcPr anchor="ctr"/>
+                </a:tc>
+                <a:tc>
+                  <a:txBody>
+                    <a:bodyPr/>
+                    <a:lstStyle/>
+                    <a:p>
+                      <a:pPr marL="0" marR="0" lvl="0" indent="0" algn="ctr" defTabSz="914400" rtl="0" eaLnBrk="1" fontAlgn="auto" latinLnBrk="0" hangingPunct="1">
+                        <a:lnSpc>
+                          <a:spcPct val="100000"/>
+                        </a:lnSpc>
+                        <a:spcBef>
+                          <a:spcPts val="0"/>
+                        </a:spcBef>
+                        <a:spcAft>
+                          <a:spcPts val="0"/>
+                        </a:spcAft>
+                        <a:buClrTx/>
+                        <a:buSzTx/>
+                        <a:buFontTx/>
+                        <a:buNone/>
+                        <a:tabLst/>
+                        <a:defRPr/>
+                      </a:pPr>
+                      <a:r>
+                        <a:rPr lang="en-IN" sz="1600" dirty="0"/>
+                        <a:t>“scooter” (4)</a:t>
+                      </a:r>
+                    </a:p>
+                  </a:txBody>
+                  <a:tcPr anchor="ctr"/>
+                </a:tc>
+                <a:extLst>
+                  <a:ext uri="{0D108BD9-81ED-4DB2-BD59-A6C34878D82A}">
+                    <a16:rowId xmlns:a16="http://schemas.microsoft.com/office/drawing/2014/main" val="4284254439"/>
+                  </a:ext>
+                </a:extLst>
+              </a:tr>
+              <a:tr h="0">
+                <a:tc>
+                  <a:txBody>
+                    <a:bodyPr/>
+                    <a:lstStyle/>
+                    <a:p>
+                      <a:pPr algn="ctr"/>
+                      <a:r>
+                        <a:rPr lang="en-IN" sz="1600" dirty="0"/>
+                        <a:t>24</a:t>
+                      </a:r>
+                    </a:p>
+                  </a:txBody>
+                  <a:tcPr anchor="ctr"/>
+                </a:tc>
+                <a:tc>
+                  <a:txBody>
+                    <a:bodyPr/>
+                    <a:lstStyle/>
+                    <a:p>
+                      <a:pPr algn="just"/>
+                      <a:r>
+                        <a:rPr lang="en-IN" sz="1600" dirty="0"/>
+                        <a:t>“</a:t>
+                      </a:r>
+                      <a:r>
+                        <a:rPr lang="en-IN" sz="1600" dirty="0" err="1"/>
+                        <a:t>startseq</a:t>
+                      </a:r>
+                      <a:r>
+                        <a:rPr lang="en-IN" sz="1600" dirty="0"/>
+                        <a:t> happy man driving scooter”</a:t>
+                      </a:r>
+                    </a:p>
+                  </a:txBody>
+                  <a:tcPr anchor="ctr"/>
+                </a:tc>
+                <a:tc>
+                  <a:txBody>
+                    <a:bodyPr/>
+                    <a:lstStyle/>
+                    <a:p>
+                      <a:pPr marL="0" marR="0" lvl="0" indent="0" algn="just" defTabSz="914400" rtl="0" eaLnBrk="1" fontAlgn="auto" latinLnBrk="0" hangingPunct="1">
+                        <a:lnSpc>
+                          <a:spcPct val="100000"/>
+                        </a:lnSpc>
+                        <a:spcBef>
+                          <a:spcPts val="0"/>
+                        </a:spcBef>
+                        <a:spcAft>
+                          <a:spcPts val="0"/>
+                        </a:spcAft>
+                        <a:buClrTx/>
+                        <a:buSzTx/>
+                        <a:buFontTx/>
+                        <a:buNone/>
+                        <a:tabLst/>
+                        <a:defRPr/>
+                      </a:pPr>
+                      <a:r>
+                        <a:rPr lang="en-IN" sz="1600" dirty="0"/>
+                        <a:t>[f</a:t>
+                      </a:r>
+                      <a:r>
+                        <a:rPr lang="en-IN" sz="1600" baseline="-25000" dirty="0"/>
+                        <a:t>1</a:t>
+                      </a:r>
+                      <a:r>
+                        <a:rPr lang="en-IN" sz="1600" dirty="0"/>
+                        <a:t>, f</a:t>
+                      </a:r>
+                      <a:r>
+                        <a:rPr lang="en-IN" sz="1600" baseline="-25000" dirty="0"/>
+                        <a:t>2</a:t>
+                      </a:r>
+                      <a:r>
+                        <a:rPr lang="en-IN" sz="1600" dirty="0"/>
+                        <a:t>, f</a:t>
+                      </a:r>
+                      <a:r>
+                        <a:rPr lang="en-IN" sz="1600" baseline="-25000" dirty="0"/>
+                        <a:t>3</a:t>
+                      </a:r>
+                      <a:r>
+                        <a:rPr lang="en-IN" sz="1600" dirty="0"/>
+                        <a:t>, …., f</a:t>
+                      </a:r>
+                      <a:r>
+                        <a:rPr lang="en-IN" sz="1600" baseline="-25000" dirty="0"/>
+                        <a:t>2048</a:t>
+                      </a:r>
+                      <a:r>
+                        <a:rPr lang="en-IN" sz="1600" baseline="0" dirty="0"/>
+                        <a:t>], [1, 10, 2, 3, 4, 0, 0</a:t>
+                      </a:r>
+                      <a:r>
+                        <a:rPr lang="en-IN" sz="1600" dirty="0"/>
+                        <a:t>]</a:t>
+                      </a:r>
+                    </a:p>
+                  </a:txBody>
+                  <a:tcPr anchor="ctr"/>
+                </a:tc>
+                <a:tc>
+                  <a:txBody>
+                    <a:bodyPr/>
+                    <a:lstStyle/>
+                    <a:p>
+                      <a:pPr marL="0" marR="0" lvl="0" indent="0" algn="ctr" defTabSz="914400" rtl="0" eaLnBrk="1" fontAlgn="auto" latinLnBrk="0" hangingPunct="1">
+                        <a:lnSpc>
+                          <a:spcPct val="100000"/>
+                        </a:lnSpc>
+                        <a:spcBef>
+                          <a:spcPts val="0"/>
+                        </a:spcBef>
+                        <a:spcAft>
+                          <a:spcPts val="0"/>
+                        </a:spcAft>
+                        <a:buClrTx/>
+                        <a:buSzTx/>
+                        <a:buFontTx/>
+                        <a:buNone/>
+                        <a:tabLst/>
+                        <a:defRPr/>
+                      </a:pPr>
+                      <a:r>
+                        <a:rPr lang="en-IN" sz="1600" dirty="0"/>
+                        <a:t>“</a:t>
+                      </a:r>
+                      <a:r>
+                        <a:rPr lang="en-IN" sz="1600" dirty="0" err="1"/>
+                        <a:t>endseq</a:t>
+                      </a:r>
+                      <a:r>
+                        <a:rPr lang="en-IN" sz="1600" dirty="0"/>
+                        <a:t>” (5)</a:t>
+                      </a:r>
+                    </a:p>
+                  </a:txBody>
+                  <a:tcPr anchor="ctr"/>
+                </a:tc>
+                <a:extLst>
+                  <a:ext uri="{0D108BD9-81ED-4DB2-BD59-A6C34878D82A}">
+                    <a16:rowId xmlns:a16="http://schemas.microsoft.com/office/drawing/2014/main" val="1615818627"/>
+                  </a:ext>
+                </a:extLst>
+              </a:tr>
+            </a:tbl>
+          </a:graphicData>
+        </a:graphic>
+      </p:graphicFrame>
+      <p:sp>
+        <p:nvSpPr>
+          <p:cNvPr id="4" name="Footer Placeholder 3">
+            <a:extLst>
+              <a:ext uri="{FF2B5EF4-FFF2-40B4-BE49-F238E27FC236}">
+                <a16:creationId xmlns:a16="http://schemas.microsoft.com/office/drawing/2014/main" id="{540972A1-4BB3-4D04-B4DF-C76BA9B5CAD8}"/>
+              </a:ext>
+            </a:extLst>
+          </p:cNvPr>
+          <p:cNvSpPr>
+            <a:spLocks noGrp="1"/>
+          </p:cNvSpPr>
+          <p:nvPr>
+            <p:ph type="ftr" sz="quarter" idx="11"/>
+          </p:nvPr>
+        </p:nvSpPr>
+        <p:spPr/>
+        <p:txBody>
+          <a:bodyPr/>
+          <a:lstStyle/>
+          <a:p>
+            <a:r>
+              <a:rPr lang="en-US"/>
+              <a:t>Sanjay Singh | san.singhsanjay@gmail.com</a:t>
+            </a:r>
+            <a:endParaRPr lang="en-IN"/>
+          </a:p>
+        </p:txBody>
+      </p:sp>
+      <p:sp>
+        <p:nvSpPr>
+          <p:cNvPr id="5" name="Slide Number Placeholder 4">
+            <a:extLst>
+              <a:ext uri="{FF2B5EF4-FFF2-40B4-BE49-F238E27FC236}">
+                <a16:creationId xmlns:a16="http://schemas.microsoft.com/office/drawing/2014/main" id="{23B5C741-F1AB-463E-B229-974B2924B065}"/>
+              </a:ext>
+            </a:extLst>
+          </p:cNvPr>
+          <p:cNvSpPr>
+            <a:spLocks noGrp="1"/>
+          </p:cNvSpPr>
+          <p:nvPr>
+            <p:ph type="sldNum" sz="quarter" idx="12"/>
+          </p:nvPr>
+        </p:nvSpPr>
+        <p:spPr/>
+        <p:txBody>
+          <a:bodyPr/>
+          <a:lstStyle/>
+          <a:p>
+            <a:fld id="{EC53106F-9B43-4B1F-BCB9-D94FA7734D96}" type="slidenum">
+              <a:rPr lang="en-IN" smtClean="0"/>
+              <a:t>23</a:t>
+            </a:fld>
+            <a:endParaRPr lang="en-IN"/>
+          </a:p>
+        </p:txBody>
+      </p:sp>
+      <p:sp>
+        <p:nvSpPr>
+          <p:cNvPr id="7" name="TextBox 6">
+            <a:extLst>
+              <a:ext uri="{FF2B5EF4-FFF2-40B4-BE49-F238E27FC236}">
+                <a16:creationId xmlns:a16="http://schemas.microsoft.com/office/drawing/2014/main" id="{D3EFAF3B-6ACA-4777-8366-4A6C243E7E2F}"/>
+              </a:ext>
+            </a:extLst>
+          </p:cNvPr>
+          <p:cNvSpPr txBox="1"/>
+          <p:nvPr/>
+        </p:nvSpPr>
+        <p:spPr>
+          <a:xfrm>
+            <a:off x="838200" y="5437025"/>
+            <a:ext cx="10515596" cy="646331"/>
+          </a:xfrm>
+          <a:prstGeom prst="rect">
+            <a:avLst/>
+          </a:prstGeom>
+          <a:noFill/>
+        </p:spPr>
+        <p:txBody>
+          <a:bodyPr wrap="square" rtlCol="0">
+            <a:spAutoFit/>
+          </a:bodyPr>
+          <a:lstStyle/>
+          <a:p>
+            <a:pPr algn="just"/>
+            <a:r>
+              <a:rPr lang="en-IN" dirty="0"/>
+              <a:t>“</a:t>
+            </a:r>
+            <a:r>
+              <a:rPr lang="en-IN" dirty="0" err="1"/>
+              <a:t>data_generator_function</a:t>
+            </a:r>
+            <a:r>
+              <a:rPr lang="en-IN" dirty="0"/>
+              <a:t>” generates data for a particular number of images at a time (to prevent Memory Overflow error) in the above manner and pass it to the neural network for training.</a:t>
+            </a:r>
+          </a:p>
+        </p:txBody>
+      </p:sp>
+    </p:spTree>
+    <p:extLst>
+      <p:ext uri="{BB962C8B-B14F-4D97-AF65-F5344CB8AC3E}">
+        <p14:creationId xmlns:p14="http://schemas.microsoft.com/office/powerpoint/2010/main" val="568841402"/>
+      </p:ext>
+    </p:extLst>
+  </p:cSld>
+  <p:clrMapOvr>
+    <a:masterClrMapping/>
+  </p:clrMapOvr>
+</p:sld>
+</file>
+
+<file path=ppt/slides/slide24.xml><?xml version="1.0" encoding="utf-8"?>
+<p:sld xmlns:a="http://schemas.openxmlformats.org/drawingml/2006/main" xmlns:r="http://schemas.openxmlformats.org/officeDocument/2006/relationships" xmlns:p="http://schemas.openxmlformats.org/presentationml/2006/main">
+  <p:cSld>
+    <p:spTree>
+      <p:nvGrpSpPr>
+        <p:cNvPr id="1" name=""/>
+        <p:cNvGrpSpPr/>
+        <p:nvPr/>
+      </p:nvGrpSpPr>
+      <p:grpSpPr>
+        <a:xfrm>
+          <a:off x="0" y="0"/>
+          <a:ext cx="0" cy="0"/>
+          <a:chOff x="0" y="0"/>
+          <a:chExt cx="0" cy="0"/>
+        </a:xfrm>
+      </p:grpSpPr>
+      <p:sp>
+        <p:nvSpPr>
+          <p:cNvPr id="2" name="Title 1">
+            <a:extLst>
+              <a:ext uri="{FF2B5EF4-FFF2-40B4-BE49-F238E27FC236}">
+                <a16:creationId xmlns:a16="http://schemas.microsoft.com/office/drawing/2014/main" id="{9F53C0E6-5CA5-48E1-B370-E678425399F4}"/>
+              </a:ext>
+            </a:extLst>
+          </p:cNvPr>
+          <p:cNvSpPr>
+            <a:spLocks noGrp="1"/>
+          </p:cNvSpPr>
+          <p:nvPr>
+            <p:ph type="title"/>
+          </p:nvPr>
+        </p:nvSpPr>
+        <p:spPr>
+          <a:xfrm>
+            <a:off x="838200" y="365125"/>
+            <a:ext cx="10515600" cy="827571"/>
+          </a:xfrm>
+        </p:spPr>
+        <p:txBody>
+          <a:bodyPr/>
+          <a:lstStyle/>
+          <a:p>
+            <a:r>
+              <a:rPr lang="en-IN" dirty="0"/>
+              <a:t>Pre-Trained Models</a:t>
+            </a:r>
+          </a:p>
+        </p:txBody>
+      </p:sp>
+      <p:sp>
+        <p:nvSpPr>
+          <p:cNvPr id="3" name="Content Placeholder 2">
+            <a:extLst>
+              <a:ext uri="{FF2B5EF4-FFF2-40B4-BE49-F238E27FC236}">
+                <a16:creationId xmlns:a16="http://schemas.microsoft.com/office/drawing/2014/main" id="{F0A4581A-26B3-40E7-A945-90C4D9B58292}"/>
+              </a:ext>
+            </a:extLst>
+          </p:cNvPr>
+          <p:cNvSpPr>
+            <a:spLocks noGrp="1"/>
+          </p:cNvSpPr>
+          <p:nvPr>
+            <p:ph idx="1"/>
+          </p:nvPr>
+        </p:nvSpPr>
+        <p:spPr>
+          <a:xfrm>
+            <a:off x="838200" y="1192696"/>
+            <a:ext cx="10515600" cy="4984267"/>
+          </a:xfrm>
+        </p:spPr>
+        <p:txBody>
+          <a:bodyPr>
+            <a:normAutofit/>
+          </a:bodyPr>
+          <a:lstStyle/>
+          <a:p>
+            <a:pPr marL="457200" indent="-457200" algn="just">
+              <a:lnSpc>
+                <a:spcPct val="100000"/>
+              </a:lnSpc>
+              <a:spcBef>
+                <a:spcPts val="0"/>
+              </a:spcBef>
+              <a:buFont typeface="+mj-lt"/>
+              <a:buAutoNum type="arabicPeriod"/>
+            </a:pPr>
+            <a:r>
+              <a:rPr lang="en-IN" sz="2000" dirty="0"/>
+              <a:t>InceptionV3</a:t>
+            </a:r>
+          </a:p>
+          <a:p>
+            <a:pPr marL="457200" indent="-457200" algn="just">
+              <a:lnSpc>
+                <a:spcPct val="100000"/>
+              </a:lnSpc>
+              <a:spcBef>
+                <a:spcPts val="0"/>
+              </a:spcBef>
+              <a:buFont typeface="+mj-lt"/>
+              <a:buAutoNum type="arabicPeriod"/>
+            </a:pPr>
+            <a:r>
+              <a:rPr lang="en-IN" sz="2000" dirty="0" err="1"/>
+              <a:t>GloVe</a:t>
+            </a:r>
+            <a:endParaRPr lang="en-IN" sz="2000" dirty="0"/>
+          </a:p>
+        </p:txBody>
+      </p:sp>
+      <p:sp>
+        <p:nvSpPr>
+          <p:cNvPr id="4" name="Footer Placeholder 3">
+            <a:extLst>
+              <a:ext uri="{FF2B5EF4-FFF2-40B4-BE49-F238E27FC236}">
+                <a16:creationId xmlns:a16="http://schemas.microsoft.com/office/drawing/2014/main" id="{540972A1-4BB3-4D04-B4DF-C76BA9B5CAD8}"/>
+              </a:ext>
+            </a:extLst>
+          </p:cNvPr>
+          <p:cNvSpPr>
+            <a:spLocks noGrp="1"/>
+          </p:cNvSpPr>
+          <p:nvPr>
+            <p:ph type="ftr" sz="quarter" idx="11"/>
+          </p:nvPr>
+        </p:nvSpPr>
+        <p:spPr/>
+        <p:txBody>
+          <a:bodyPr/>
+          <a:lstStyle/>
+          <a:p>
+            <a:r>
+              <a:rPr lang="en-US"/>
+              <a:t>Sanjay Singh | san.singhsanjay@gmail.com</a:t>
+            </a:r>
+            <a:endParaRPr lang="en-IN"/>
+          </a:p>
+        </p:txBody>
+      </p:sp>
+      <p:sp>
+        <p:nvSpPr>
+          <p:cNvPr id="5" name="Slide Number Placeholder 4">
+            <a:extLst>
+              <a:ext uri="{FF2B5EF4-FFF2-40B4-BE49-F238E27FC236}">
+                <a16:creationId xmlns:a16="http://schemas.microsoft.com/office/drawing/2014/main" id="{23B5C741-F1AB-463E-B229-974B2924B065}"/>
+              </a:ext>
+            </a:extLst>
+          </p:cNvPr>
+          <p:cNvSpPr>
+            <a:spLocks noGrp="1"/>
+          </p:cNvSpPr>
+          <p:nvPr>
+            <p:ph type="sldNum" sz="quarter" idx="12"/>
+          </p:nvPr>
+        </p:nvSpPr>
+        <p:spPr/>
+        <p:txBody>
+          <a:bodyPr/>
+          <a:lstStyle/>
+          <a:p>
+            <a:fld id="{EC53106F-9B43-4B1F-BCB9-D94FA7734D96}" type="slidenum">
+              <a:rPr lang="en-IN" smtClean="0"/>
+              <a:t>24</a:t>
+            </a:fld>
+            <a:endParaRPr lang="en-IN"/>
+          </a:p>
+        </p:txBody>
+      </p:sp>
+    </p:spTree>
+    <p:extLst>
+      <p:ext uri="{BB962C8B-B14F-4D97-AF65-F5344CB8AC3E}">
+        <p14:creationId xmlns:p14="http://schemas.microsoft.com/office/powerpoint/2010/main" val="3689960716"/>
+      </p:ext>
+    </p:extLst>
+  </p:cSld>
+  <p:clrMapOvr>
+    <a:masterClrMapping/>
+  </p:clrMapOvr>
+</p:sld>
+</file>
+
+<file path=ppt/slides/slide25.xml><?xml version="1.0" encoding="utf-8"?>
+<p:sld xmlns:a="http://schemas.openxmlformats.org/drawingml/2006/main" xmlns:r="http://schemas.openxmlformats.org/officeDocument/2006/relationships" xmlns:p="http://schemas.openxmlformats.org/presentationml/2006/main">
+  <p:cSld>
+    <p:spTree>
+      <p:nvGrpSpPr>
+        <p:cNvPr id="1" name=""/>
+        <p:cNvGrpSpPr/>
+        <p:nvPr/>
+      </p:nvGrpSpPr>
+      <p:grpSpPr>
+        <a:xfrm>
+          <a:off x="0" y="0"/>
+          <a:ext cx="0" cy="0"/>
+          <a:chOff x="0" y="0"/>
+          <a:chExt cx="0" cy="0"/>
+        </a:xfrm>
+      </p:grpSpPr>
+      <p:sp>
+        <p:nvSpPr>
+          <p:cNvPr id="2" name="Title 1">
+            <a:extLst>
+              <a:ext uri="{FF2B5EF4-FFF2-40B4-BE49-F238E27FC236}">
+                <a16:creationId xmlns:a16="http://schemas.microsoft.com/office/drawing/2014/main" id="{9F53C0E6-5CA5-48E1-B370-E678425399F4}"/>
+              </a:ext>
+            </a:extLst>
+          </p:cNvPr>
+          <p:cNvSpPr>
+            <a:spLocks noGrp="1"/>
+          </p:cNvSpPr>
+          <p:nvPr>
+            <p:ph type="title"/>
+          </p:nvPr>
+        </p:nvSpPr>
+        <p:spPr>
+          <a:xfrm>
+            <a:off x="838200" y="365125"/>
+            <a:ext cx="10515600" cy="827571"/>
+          </a:xfrm>
+        </p:spPr>
+        <p:txBody>
+          <a:bodyPr/>
+          <a:lstStyle/>
+          <a:p>
+            <a:r>
+              <a:rPr lang="en-IN" dirty="0"/>
+              <a:t>Neural Networks Specific</a:t>
+            </a:r>
+          </a:p>
+        </p:txBody>
+      </p:sp>
+      <p:sp>
+        <p:nvSpPr>
+          <p:cNvPr id="3" name="Content Placeholder 2">
+            <a:extLst>
+              <a:ext uri="{FF2B5EF4-FFF2-40B4-BE49-F238E27FC236}">
+                <a16:creationId xmlns:a16="http://schemas.microsoft.com/office/drawing/2014/main" id="{F0A4581A-26B3-40E7-A945-90C4D9B58292}"/>
+              </a:ext>
+            </a:extLst>
+          </p:cNvPr>
+          <p:cNvSpPr>
+            <a:spLocks noGrp="1"/>
+          </p:cNvSpPr>
+          <p:nvPr>
+            <p:ph idx="1"/>
+          </p:nvPr>
+        </p:nvSpPr>
+        <p:spPr>
+          <a:xfrm>
+            <a:off x="838200" y="1192696"/>
+            <a:ext cx="10515600" cy="4984267"/>
+          </a:xfrm>
+        </p:spPr>
+        <p:txBody>
+          <a:bodyPr>
+            <a:normAutofit/>
+          </a:bodyPr>
+          <a:lstStyle/>
+          <a:p>
+            <a:pPr algn="just">
+              <a:lnSpc>
+                <a:spcPct val="100000"/>
+              </a:lnSpc>
+              <a:spcBef>
+                <a:spcPts val="0"/>
+              </a:spcBef>
+              <a:buFont typeface="Wingdings" panose="05000000000000000000" pitchFamily="2" charset="2"/>
+              <a:buChar char="Ø"/>
+            </a:pPr>
+            <a:r>
+              <a:rPr lang="en-IN" sz="2000" dirty="0"/>
+              <a:t>Neural Network Architecture: </a:t>
+            </a:r>
+            <a:r>
+              <a:rPr lang="en-IN" sz="2000" dirty="0" err="1"/>
+              <a:t>Keras</a:t>
+            </a:r>
+            <a:endParaRPr lang="en-IN" sz="2000" dirty="0"/>
+          </a:p>
+          <a:p>
+            <a:pPr algn="just">
+              <a:lnSpc>
+                <a:spcPct val="100000"/>
+              </a:lnSpc>
+              <a:spcBef>
+                <a:spcPts val="0"/>
+              </a:spcBef>
+              <a:buFont typeface="Wingdings" panose="05000000000000000000" pitchFamily="2" charset="2"/>
+              <a:buChar char="Ø"/>
+            </a:pPr>
+            <a:r>
+              <a:rPr lang="en-IN" sz="2000" dirty="0"/>
+              <a:t>Epochs: 20</a:t>
+            </a:r>
+          </a:p>
+          <a:p>
+            <a:pPr algn="just">
+              <a:lnSpc>
+                <a:spcPct val="100000"/>
+              </a:lnSpc>
+              <a:spcBef>
+                <a:spcPts val="0"/>
+              </a:spcBef>
+              <a:buFont typeface="Wingdings" panose="05000000000000000000" pitchFamily="2" charset="2"/>
+              <a:buChar char="Ø"/>
+            </a:pPr>
+            <a:r>
+              <a:rPr lang="en-IN" sz="2000" dirty="0"/>
+              <a:t>Number of images (each with 5 captions) per batch: 3</a:t>
+            </a:r>
+          </a:p>
+          <a:p>
+            <a:pPr algn="just">
+              <a:lnSpc>
+                <a:spcPct val="100000"/>
+              </a:lnSpc>
+              <a:spcBef>
+                <a:spcPts val="0"/>
+              </a:spcBef>
+              <a:buFont typeface="Wingdings" panose="05000000000000000000" pitchFamily="2" charset="2"/>
+              <a:buChar char="Ø"/>
+            </a:pPr>
+            <a:r>
+              <a:rPr lang="en-IN" sz="2000" dirty="0"/>
+              <a:t>Pre-trained models used: 	1. InceptionV3		2. </a:t>
+            </a:r>
+            <a:r>
+              <a:rPr lang="en-IN" sz="2000" dirty="0" err="1"/>
+              <a:t>GloVe</a:t>
+            </a:r>
+            <a:endParaRPr lang="en-IN" sz="2000" dirty="0"/>
+          </a:p>
+          <a:p>
+            <a:pPr algn="just">
+              <a:lnSpc>
+                <a:spcPct val="100000"/>
+              </a:lnSpc>
+              <a:spcBef>
+                <a:spcPts val="0"/>
+              </a:spcBef>
+              <a:buFont typeface="Wingdings" panose="05000000000000000000" pitchFamily="2" charset="2"/>
+              <a:buChar char="Ø"/>
+            </a:pPr>
+            <a:r>
+              <a:rPr lang="en-IN" sz="2000" dirty="0"/>
+              <a:t>It is clear from the previous tables (X and Y) that the data is time-series based where sequence matters a lot (as it builds context of captions, every next word is dependent on the current word), thus RNN with LSTM (Long Short Term Memory) cells is used here.</a:t>
+            </a:r>
+          </a:p>
+          <a:p>
+            <a:pPr algn="just">
+              <a:lnSpc>
+                <a:spcPct val="100000"/>
+              </a:lnSpc>
+              <a:spcBef>
+                <a:spcPts val="0"/>
+              </a:spcBef>
+              <a:buFont typeface="Wingdings" panose="05000000000000000000" pitchFamily="2" charset="2"/>
+              <a:buChar char="Ø"/>
+            </a:pPr>
+            <a:r>
+              <a:rPr lang="en-IN" sz="2000" dirty="0"/>
+              <a:t>As it is said earlier that the classical Encoder-Decoder solution is implemented here. Following is the architecture of this solution:</a:t>
+            </a:r>
+          </a:p>
+        </p:txBody>
+      </p:sp>
+      <p:sp>
+        <p:nvSpPr>
+          <p:cNvPr id="4" name="Footer Placeholder 3">
+            <a:extLst>
+              <a:ext uri="{FF2B5EF4-FFF2-40B4-BE49-F238E27FC236}">
+                <a16:creationId xmlns:a16="http://schemas.microsoft.com/office/drawing/2014/main" id="{540972A1-4BB3-4D04-B4DF-C76BA9B5CAD8}"/>
+              </a:ext>
+            </a:extLst>
+          </p:cNvPr>
+          <p:cNvSpPr>
+            <a:spLocks noGrp="1"/>
+          </p:cNvSpPr>
+          <p:nvPr>
+            <p:ph type="ftr" sz="quarter" idx="11"/>
+          </p:nvPr>
+        </p:nvSpPr>
+        <p:spPr/>
+        <p:txBody>
+          <a:bodyPr/>
+          <a:lstStyle/>
+          <a:p>
+            <a:r>
+              <a:rPr lang="en-US"/>
+              <a:t>Sanjay Singh | san.singhsanjay@gmail.com</a:t>
+            </a:r>
+            <a:endParaRPr lang="en-IN"/>
+          </a:p>
+        </p:txBody>
+      </p:sp>
+      <p:sp>
+        <p:nvSpPr>
+          <p:cNvPr id="5" name="Slide Number Placeholder 4">
+            <a:extLst>
+              <a:ext uri="{FF2B5EF4-FFF2-40B4-BE49-F238E27FC236}">
+                <a16:creationId xmlns:a16="http://schemas.microsoft.com/office/drawing/2014/main" id="{23B5C741-F1AB-463E-B229-974B2924B065}"/>
+              </a:ext>
+            </a:extLst>
+          </p:cNvPr>
+          <p:cNvSpPr>
+            <a:spLocks noGrp="1"/>
+          </p:cNvSpPr>
+          <p:nvPr>
+            <p:ph type="sldNum" sz="quarter" idx="12"/>
+          </p:nvPr>
+        </p:nvSpPr>
+        <p:spPr/>
+        <p:txBody>
+          <a:bodyPr/>
+          <a:lstStyle/>
+          <a:p>
+            <a:fld id="{EC53106F-9B43-4B1F-BCB9-D94FA7734D96}" type="slidenum">
+              <a:rPr lang="en-IN" smtClean="0"/>
+              <a:t>25</a:t>
+            </a:fld>
+            <a:endParaRPr lang="en-IN"/>
+          </a:p>
+        </p:txBody>
+      </p:sp>
+      <p:pic>
+        <p:nvPicPr>
+          <p:cNvPr id="7" name="Picture 6" descr="A picture containing flower, plant&#10;&#10;Description automatically generated">
+            <a:extLst>
+              <a:ext uri="{FF2B5EF4-FFF2-40B4-BE49-F238E27FC236}">
+                <a16:creationId xmlns:a16="http://schemas.microsoft.com/office/drawing/2014/main" id="{E590613B-9711-44BB-88CD-E80C9F360942}"/>
+              </a:ext>
+            </a:extLst>
+          </p:cNvPr>
+          <p:cNvPicPr>
+            <a:picLocks noChangeAspect="1"/>
+          </p:cNvPicPr>
+          <p:nvPr/>
+        </p:nvPicPr>
+        <p:blipFill>
+          <a:blip r:embed="rId2">
+            <a:extLst>
+              <a:ext uri="{28A0092B-C50C-407E-A947-70E740481C1C}">
+                <a14:useLocalDpi xmlns:a14="http://schemas.microsoft.com/office/drawing/2010/main" val="0"/>
+              </a:ext>
+            </a:extLst>
+          </a:blip>
+          <a:stretch>
+            <a:fillRect/>
+          </a:stretch>
+        </p:blipFill>
+        <p:spPr>
+          <a:xfrm>
+            <a:off x="1348023" y="5283179"/>
+            <a:ext cx="1482588" cy="967157"/>
+          </a:xfrm>
+          <a:prstGeom prst="rect">
+            <a:avLst/>
+          </a:prstGeom>
+        </p:spPr>
+      </p:pic>
+      <p:sp>
+        <p:nvSpPr>
+          <p:cNvPr id="55" name="TextBox 54">
+            <a:extLst>
+              <a:ext uri="{FF2B5EF4-FFF2-40B4-BE49-F238E27FC236}">
+                <a16:creationId xmlns:a16="http://schemas.microsoft.com/office/drawing/2014/main" id="{ABC053D8-1D60-491C-8C05-8510DEC9846D}"/>
+              </a:ext>
+            </a:extLst>
+          </p:cNvPr>
+          <p:cNvSpPr txBox="1"/>
+          <p:nvPr/>
+        </p:nvSpPr>
+        <p:spPr>
+          <a:xfrm>
+            <a:off x="1432887" y="6188130"/>
+            <a:ext cx="1183209" cy="338554"/>
+          </a:xfrm>
+          <a:prstGeom prst="rect">
+            <a:avLst/>
+          </a:prstGeom>
+          <a:noFill/>
+        </p:spPr>
+        <p:txBody>
+          <a:bodyPr wrap="none" rtlCol="0">
+            <a:spAutoFit/>
+          </a:bodyPr>
+          <a:lstStyle/>
+          <a:p>
+            <a:r>
+              <a:rPr lang="en-IN" sz="1600" dirty="0"/>
+              <a:t>Input Image</a:t>
+            </a:r>
+          </a:p>
+        </p:txBody>
+      </p:sp>
+      <p:sp>
+        <p:nvSpPr>
+          <p:cNvPr id="60" name="Rectangle: Rounded Corners 59">
+            <a:extLst>
+              <a:ext uri="{FF2B5EF4-FFF2-40B4-BE49-F238E27FC236}">
+                <a16:creationId xmlns:a16="http://schemas.microsoft.com/office/drawing/2014/main" id="{77262999-EA30-4547-BB0B-9605235117BD}"/>
+              </a:ext>
+            </a:extLst>
+          </p:cNvPr>
+          <p:cNvSpPr/>
+          <p:nvPr/>
+        </p:nvSpPr>
+        <p:spPr>
+          <a:xfrm>
+            <a:off x="3501931" y="3975652"/>
+            <a:ext cx="2998306" cy="2380697"/>
+          </a:xfrm>
+          <a:prstGeom prst="roundRect">
+            <a:avLst/>
+          </a:prstGeom>
+        </p:spPr>
+        <p:style>
+          <a:lnRef idx="2">
+            <a:schemeClr val="accent5"/>
+          </a:lnRef>
+          <a:fillRef idx="1">
+            <a:schemeClr val="lt1"/>
+          </a:fillRef>
+          <a:effectRef idx="0">
+            <a:schemeClr val="accent5"/>
+          </a:effectRef>
+          <a:fontRef idx="minor">
+            <a:schemeClr val="dk1"/>
+          </a:fontRef>
+        </p:style>
+        <p:txBody>
+          <a:bodyPr rtlCol="0" anchor="t"/>
+          <a:lstStyle/>
+          <a:p>
+            <a:pPr algn="ctr"/>
+            <a:r>
+              <a:rPr lang="en-IN" dirty="0"/>
+              <a:t>ENCODER</a:t>
+            </a:r>
+          </a:p>
+        </p:txBody>
+      </p:sp>
+      <p:sp>
+        <p:nvSpPr>
+          <p:cNvPr id="61" name="Rectangle: Rounded Corners 60">
+            <a:extLst>
+              <a:ext uri="{FF2B5EF4-FFF2-40B4-BE49-F238E27FC236}">
+                <a16:creationId xmlns:a16="http://schemas.microsoft.com/office/drawing/2014/main" id="{0B5A71C4-686A-41F6-8026-EA717B20E47A}"/>
+              </a:ext>
+            </a:extLst>
+          </p:cNvPr>
+          <p:cNvSpPr/>
+          <p:nvPr/>
+        </p:nvSpPr>
+        <p:spPr>
+          <a:xfrm>
+            <a:off x="4298719" y="4556400"/>
+            <a:ext cx="1404729" cy="609600"/>
+          </a:xfrm>
+          <a:prstGeom prst="roundRect">
+            <a:avLst/>
+          </a:prstGeom>
+        </p:spPr>
+        <p:style>
+          <a:lnRef idx="2">
+            <a:schemeClr val="accent1"/>
+          </a:lnRef>
+          <a:fillRef idx="1">
+            <a:schemeClr val="lt1"/>
+          </a:fillRef>
+          <a:effectRef idx="0">
+            <a:schemeClr val="accent1"/>
+          </a:effectRef>
+          <a:fontRef idx="minor">
+            <a:schemeClr val="dk1"/>
+          </a:fontRef>
+        </p:style>
+        <p:txBody>
+          <a:bodyPr rtlCol="0" anchor="ctr"/>
+          <a:lstStyle/>
+          <a:p>
+            <a:pPr algn="ctr"/>
+            <a:r>
+              <a:rPr lang="en-IN" dirty="0"/>
+              <a:t>RNN</a:t>
+            </a:r>
+          </a:p>
+        </p:txBody>
+      </p:sp>
+      <p:sp>
+        <p:nvSpPr>
+          <p:cNvPr id="62" name="Cube 61">
+            <a:extLst>
+              <a:ext uri="{FF2B5EF4-FFF2-40B4-BE49-F238E27FC236}">
+                <a16:creationId xmlns:a16="http://schemas.microsoft.com/office/drawing/2014/main" id="{A50A7870-F043-458E-ADB3-CA407EC8C651}"/>
+              </a:ext>
+            </a:extLst>
+          </p:cNvPr>
+          <p:cNvSpPr/>
+          <p:nvPr/>
+        </p:nvSpPr>
+        <p:spPr>
+          <a:xfrm>
+            <a:off x="4138037" y="5345387"/>
+            <a:ext cx="1690880" cy="842743"/>
+          </a:xfrm>
+          <a:prstGeom prst="cube">
+            <a:avLst/>
+          </a:prstGeom>
+        </p:spPr>
+        <p:style>
+          <a:lnRef idx="2">
+            <a:schemeClr val="accent1">
+              <a:shade val="50000"/>
+            </a:schemeClr>
+          </a:lnRef>
+          <a:fillRef idx="1">
+            <a:schemeClr val="accent1"/>
+          </a:fillRef>
+          <a:effectRef idx="0">
+            <a:schemeClr val="accent1"/>
+          </a:effectRef>
+          <a:fontRef idx="minor">
+            <a:schemeClr val="lt1"/>
+          </a:fontRef>
+        </p:style>
+        <p:txBody>
+          <a:bodyPr rtlCol="0" anchor="ctr"/>
+          <a:lstStyle/>
+          <a:p>
+            <a:pPr algn="ctr"/>
+            <a:r>
+              <a:rPr lang="en-IN" dirty="0"/>
+              <a:t>InceptionV3</a:t>
+            </a:r>
+          </a:p>
+        </p:txBody>
+      </p:sp>
+      <p:cxnSp>
+        <p:nvCxnSpPr>
+          <p:cNvPr id="64" name="Straight Arrow Connector 63">
+            <a:extLst>
+              <a:ext uri="{FF2B5EF4-FFF2-40B4-BE49-F238E27FC236}">
+                <a16:creationId xmlns:a16="http://schemas.microsoft.com/office/drawing/2014/main" id="{9AAE4B16-278D-4463-98E3-CEC20EB645D6}"/>
+              </a:ext>
+            </a:extLst>
+          </p:cNvPr>
+          <p:cNvCxnSpPr>
+            <a:stCxn id="7" idx="3"/>
+          </p:cNvCxnSpPr>
+          <p:nvPr/>
+        </p:nvCxnSpPr>
+        <p:spPr>
+          <a:xfrm>
+            <a:off x="2830611" y="5766758"/>
+            <a:ext cx="1307426" cy="117207"/>
+          </a:xfrm>
+          <a:prstGeom prst="straightConnector1">
+            <a:avLst/>
+          </a:prstGeom>
+          <a:ln>
+            <a:tailEnd type="triangle"/>
+          </a:ln>
+        </p:spPr>
+        <p:style>
+          <a:lnRef idx="1">
+            <a:schemeClr val="accent1"/>
+          </a:lnRef>
+          <a:fillRef idx="0">
+            <a:schemeClr val="accent1"/>
+          </a:fillRef>
+          <a:effectRef idx="0">
+            <a:schemeClr val="accent1"/>
+          </a:effectRef>
+          <a:fontRef idx="minor">
+            <a:schemeClr val="tx1"/>
+          </a:fontRef>
+        </p:style>
+      </p:cxnSp>
+      <p:sp>
+        <p:nvSpPr>
+          <p:cNvPr id="65" name="Oval 64">
+            <a:extLst>
+              <a:ext uri="{FF2B5EF4-FFF2-40B4-BE49-F238E27FC236}">
+                <a16:creationId xmlns:a16="http://schemas.microsoft.com/office/drawing/2014/main" id="{69B63072-9CAF-4C4D-9D55-18A9DA12FF78}"/>
+              </a:ext>
+            </a:extLst>
+          </p:cNvPr>
+          <p:cNvSpPr/>
+          <p:nvPr/>
+        </p:nvSpPr>
+        <p:spPr>
+          <a:xfrm>
+            <a:off x="962883" y="4198843"/>
+            <a:ext cx="2252868" cy="914400"/>
+          </a:xfrm>
+          <a:prstGeom prst="ellipse">
+            <a:avLst/>
+          </a:prstGeom>
+        </p:spPr>
+        <p:style>
+          <a:lnRef idx="2">
+            <a:schemeClr val="accent1"/>
+          </a:lnRef>
+          <a:fillRef idx="1">
+            <a:schemeClr val="lt1"/>
+          </a:fillRef>
+          <a:effectRef idx="0">
+            <a:schemeClr val="accent1"/>
+          </a:effectRef>
+          <a:fontRef idx="minor">
+            <a:schemeClr val="dk1"/>
+          </a:fontRef>
+        </p:style>
+        <p:txBody>
+          <a:bodyPr rtlCol="0" anchor="ctr"/>
+          <a:lstStyle/>
+          <a:p>
+            <a:pPr algn="ctr"/>
+            <a:r>
+              <a:rPr lang="en-IN" dirty="0"/>
+              <a:t>Partial Caption</a:t>
+            </a:r>
+          </a:p>
+        </p:txBody>
+      </p:sp>
+      <p:cxnSp>
+        <p:nvCxnSpPr>
+          <p:cNvPr id="67" name="Straight Arrow Connector 66">
+            <a:extLst>
+              <a:ext uri="{FF2B5EF4-FFF2-40B4-BE49-F238E27FC236}">
+                <a16:creationId xmlns:a16="http://schemas.microsoft.com/office/drawing/2014/main" id="{6FE0B3CA-BF63-4224-BB40-A60BA0CB3186}"/>
+              </a:ext>
+            </a:extLst>
+          </p:cNvPr>
+          <p:cNvCxnSpPr>
+            <a:stCxn id="65" idx="6"/>
+          </p:cNvCxnSpPr>
+          <p:nvPr/>
+        </p:nvCxnSpPr>
+        <p:spPr>
+          <a:xfrm>
+            <a:off x="3215751" y="4656043"/>
+            <a:ext cx="1082968" cy="205157"/>
+          </a:xfrm>
+          <a:prstGeom prst="straightConnector1">
+            <a:avLst/>
+          </a:prstGeom>
+          <a:ln>
+            <a:tailEnd type="triangle"/>
+          </a:ln>
+        </p:spPr>
+        <p:style>
+          <a:lnRef idx="1">
+            <a:schemeClr val="accent1"/>
+          </a:lnRef>
+          <a:fillRef idx="0">
+            <a:schemeClr val="accent1"/>
+          </a:fillRef>
+          <a:effectRef idx="0">
+            <a:schemeClr val="accent1"/>
+          </a:effectRef>
+          <a:fontRef idx="minor">
+            <a:schemeClr val="tx1"/>
+          </a:fontRef>
+        </p:style>
+      </p:cxnSp>
+      <p:sp>
+        <p:nvSpPr>
+          <p:cNvPr id="68" name="Flowchart: Connector 67">
+            <a:extLst>
+              <a:ext uri="{FF2B5EF4-FFF2-40B4-BE49-F238E27FC236}">
+                <a16:creationId xmlns:a16="http://schemas.microsoft.com/office/drawing/2014/main" id="{52A4764B-AC85-461E-81C1-7E0DEFD128F9}"/>
+              </a:ext>
+            </a:extLst>
+          </p:cNvPr>
+          <p:cNvSpPr/>
+          <p:nvPr/>
+        </p:nvSpPr>
+        <p:spPr>
+          <a:xfrm>
+            <a:off x="6839825" y="5054579"/>
+            <a:ext cx="457200" cy="457200"/>
+          </a:xfrm>
+          <a:prstGeom prst="flowChartConnector">
+            <a:avLst/>
+          </a:prstGeom>
+        </p:spPr>
+        <p:style>
+          <a:lnRef idx="2">
+            <a:schemeClr val="accent1">
+              <a:shade val="50000"/>
+            </a:schemeClr>
+          </a:lnRef>
+          <a:fillRef idx="1">
+            <a:schemeClr val="accent1"/>
+          </a:fillRef>
+          <a:effectRef idx="0">
+            <a:schemeClr val="accent1"/>
+          </a:effectRef>
+          <a:fontRef idx="minor">
+            <a:schemeClr val="lt1"/>
+          </a:fontRef>
+        </p:style>
+        <p:txBody>
+          <a:bodyPr rtlCol="0" anchor="ctr"/>
+          <a:lstStyle/>
+          <a:p>
+            <a:pPr algn="ctr"/>
+            <a:r>
+              <a:rPr lang="en-IN" dirty="0"/>
+              <a:t>h</a:t>
+            </a:r>
+          </a:p>
+        </p:txBody>
+      </p:sp>
+      <p:cxnSp>
+        <p:nvCxnSpPr>
+          <p:cNvPr id="70" name="Straight Arrow Connector 69">
+            <a:extLst>
+              <a:ext uri="{FF2B5EF4-FFF2-40B4-BE49-F238E27FC236}">
+                <a16:creationId xmlns:a16="http://schemas.microsoft.com/office/drawing/2014/main" id="{9A524E1E-B8FA-49AD-A180-E17FB7703810}"/>
+              </a:ext>
+            </a:extLst>
+          </p:cNvPr>
+          <p:cNvCxnSpPr>
+            <a:stCxn id="61" idx="3"/>
+            <a:endCxn id="68" idx="1"/>
+          </p:cNvCxnSpPr>
+          <p:nvPr/>
+        </p:nvCxnSpPr>
+        <p:spPr>
+          <a:xfrm>
+            <a:off x="5703448" y="4861200"/>
+            <a:ext cx="1203332" cy="260334"/>
+          </a:xfrm>
+          <a:prstGeom prst="straightConnector1">
+            <a:avLst/>
+          </a:prstGeom>
+          <a:ln>
+            <a:tailEnd type="triangle"/>
+          </a:ln>
+        </p:spPr>
+        <p:style>
+          <a:lnRef idx="1">
+            <a:schemeClr val="accent1"/>
+          </a:lnRef>
+          <a:fillRef idx="0">
+            <a:schemeClr val="accent1"/>
+          </a:fillRef>
+          <a:effectRef idx="0">
+            <a:schemeClr val="accent1"/>
+          </a:effectRef>
+          <a:fontRef idx="minor">
+            <a:schemeClr val="tx1"/>
+          </a:fontRef>
+        </p:style>
+      </p:cxnSp>
+      <p:cxnSp>
+        <p:nvCxnSpPr>
+          <p:cNvPr id="72" name="Straight Arrow Connector 71">
+            <a:extLst>
+              <a:ext uri="{FF2B5EF4-FFF2-40B4-BE49-F238E27FC236}">
+                <a16:creationId xmlns:a16="http://schemas.microsoft.com/office/drawing/2014/main" id="{41EED0A4-8D29-4A17-8402-C86AB5466503}"/>
+              </a:ext>
+            </a:extLst>
+          </p:cNvPr>
+          <p:cNvCxnSpPr>
+            <a:stCxn id="62" idx="5"/>
+            <a:endCxn id="68" idx="3"/>
+          </p:cNvCxnSpPr>
+          <p:nvPr/>
+        </p:nvCxnSpPr>
+        <p:spPr>
+          <a:xfrm flipV="1">
+            <a:off x="5828917" y="5444824"/>
+            <a:ext cx="1077863" cy="216592"/>
+          </a:xfrm>
+          <a:prstGeom prst="straightConnector1">
+            <a:avLst/>
+          </a:prstGeom>
+          <a:ln>
+            <a:tailEnd type="triangle"/>
+          </a:ln>
+        </p:spPr>
+        <p:style>
+          <a:lnRef idx="1">
+            <a:schemeClr val="accent1"/>
+          </a:lnRef>
+          <a:fillRef idx="0">
+            <a:schemeClr val="accent1"/>
+          </a:fillRef>
+          <a:effectRef idx="0">
+            <a:schemeClr val="accent1"/>
+          </a:effectRef>
+          <a:fontRef idx="minor">
+            <a:schemeClr val="tx1"/>
+          </a:fontRef>
+        </p:style>
+      </p:cxnSp>
+      <p:sp>
+        <p:nvSpPr>
+          <p:cNvPr id="73" name="Rectangle 72">
+            <a:extLst>
+              <a:ext uri="{FF2B5EF4-FFF2-40B4-BE49-F238E27FC236}">
+                <a16:creationId xmlns:a16="http://schemas.microsoft.com/office/drawing/2014/main" id="{20B855DC-6E11-4F0F-B419-483C77840FB2}"/>
+              </a:ext>
+            </a:extLst>
+          </p:cNvPr>
+          <p:cNvSpPr/>
+          <p:nvPr/>
+        </p:nvSpPr>
+        <p:spPr>
+          <a:xfrm>
+            <a:off x="7504093" y="4799469"/>
+            <a:ext cx="2215117" cy="965834"/>
+          </a:xfrm>
+          <a:prstGeom prst="rect">
+            <a:avLst/>
+          </a:prstGeom>
+        </p:spPr>
+        <p:style>
+          <a:lnRef idx="2">
+            <a:schemeClr val="accent1"/>
+          </a:lnRef>
+          <a:fillRef idx="1">
+            <a:schemeClr val="lt1"/>
+          </a:fillRef>
+          <a:effectRef idx="0">
+            <a:schemeClr val="accent1"/>
+          </a:effectRef>
+          <a:fontRef idx="minor">
+            <a:schemeClr val="dk1"/>
+          </a:fontRef>
+        </p:style>
+        <p:txBody>
+          <a:bodyPr rtlCol="0" anchor="t"/>
+          <a:lstStyle/>
+          <a:p>
+            <a:pPr algn="ctr"/>
+            <a:r>
+              <a:rPr lang="en-IN" dirty="0"/>
+              <a:t>DECODER</a:t>
+            </a:r>
+          </a:p>
+          <a:p>
+            <a:pPr algn="just"/>
+            <a:r>
+              <a:rPr lang="en-IN" sz="1600" dirty="0"/>
+              <a:t>Feed Forward Neural Network with a </a:t>
+            </a:r>
+            <a:r>
+              <a:rPr lang="en-IN" sz="1600" dirty="0" err="1"/>
+              <a:t>Softmax</a:t>
+            </a:r>
+            <a:endParaRPr lang="en-IN" sz="1600" dirty="0"/>
+          </a:p>
+        </p:txBody>
+      </p:sp>
+      <p:cxnSp>
+        <p:nvCxnSpPr>
+          <p:cNvPr id="75" name="Straight Arrow Connector 74">
+            <a:extLst>
+              <a:ext uri="{FF2B5EF4-FFF2-40B4-BE49-F238E27FC236}">
+                <a16:creationId xmlns:a16="http://schemas.microsoft.com/office/drawing/2014/main" id="{B308EC2E-A589-41CD-8D54-0886B5E9C26E}"/>
+              </a:ext>
+            </a:extLst>
+          </p:cNvPr>
+          <p:cNvCxnSpPr>
+            <a:cxnSpLocks/>
+            <a:stCxn id="68" idx="6"/>
+          </p:cNvCxnSpPr>
+          <p:nvPr/>
+        </p:nvCxnSpPr>
+        <p:spPr>
+          <a:xfrm>
+            <a:off x="7297025" y="5283179"/>
+            <a:ext cx="167306" cy="0"/>
+          </a:xfrm>
+          <a:prstGeom prst="straightConnector1">
+            <a:avLst/>
+          </a:prstGeom>
+          <a:ln>
+            <a:tailEnd type="triangle"/>
+          </a:ln>
+        </p:spPr>
+        <p:style>
+          <a:lnRef idx="1">
+            <a:schemeClr val="accent1"/>
+          </a:lnRef>
+          <a:fillRef idx="0">
+            <a:schemeClr val="accent1"/>
+          </a:fillRef>
+          <a:effectRef idx="0">
+            <a:schemeClr val="accent1"/>
+          </a:effectRef>
+          <a:fontRef idx="minor">
+            <a:schemeClr val="tx1"/>
+          </a:fontRef>
+        </p:style>
+      </p:cxnSp>
+      <p:cxnSp>
+        <p:nvCxnSpPr>
+          <p:cNvPr id="87" name="Straight Arrow Connector 86">
+            <a:extLst>
+              <a:ext uri="{FF2B5EF4-FFF2-40B4-BE49-F238E27FC236}">
+                <a16:creationId xmlns:a16="http://schemas.microsoft.com/office/drawing/2014/main" id="{0F3E3441-B224-4F9D-A90B-48CA8F2DF3D1}"/>
+              </a:ext>
+            </a:extLst>
+          </p:cNvPr>
+          <p:cNvCxnSpPr>
+            <a:stCxn id="73" idx="3"/>
+          </p:cNvCxnSpPr>
+          <p:nvPr/>
+        </p:nvCxnSpPr>
+        <p:spPr>
+          <a:xfrm>
+            <a:off x="9719210" y="5282386"/>
+            <a:ext cx="183523" cy="0"/>
+          </a:xfrm>
+          <a:prstGeom prst="straightConnector1">
+            <a:avLst/>
+          </a:prstGeom>
+          <a:ln>
+            <a:tailEnd type="triangle"/>
+          </a:ln>
+        </p:spPr>
+        <p:style>
+          <a:lnRef idx="1">
+            <a:schemeClr val="accent1"/>
+          </a:lnRef>
+          <a:fillRef idx="0">
+            <a:schemeClr val="accent1"/>
+          </a:fillRef>
+          <a:effectRef idx="0">
+            <a:schemeClr val="accent1"/>
+          </a:effectRef>
+          <a:fontRef idx="minor">
+            <a:schemeClr val="tx1"/>
+          </a:fontRef>
+        </p:style>
+      </p:cxnSp>
+      <p:sp>
+        <p:nvSpPr>
+          <p:cNvPr id="90" name="Oval 89">
+            <a:extLst>
+              <a:ext uri="{FF2B5EF4-FFF2-40B4-BE49-F238E27FC236}">
+                <a16:creationId xmlns:a16="http://schemas.microsoft.com/office/drawing/2014/main" id="{AB3B930A-2C71-4545-8622-114E3E812C90}"/>
+              </a:ext>
+            </a:extLst>
+          </p:cNvPr>
+          <p:cNvSpPr/>
+          <p:nvPr/>
+        </p:nvSpPr>
+        <p:spPr>
+          <a:xfrm>
+            <a:off x="9902733" y="4825186"/>
+            <a:ext cx="1364973" cy="914400"/>
+          </a:xfrm>
+          <a:prstGeom prst="ellipse">
+            <a:avLst/>
+          </a:prstGeom>
+        </p:spPr>
+        <p:style>
+          <a:lnRef idx="2">
+            <a:schemeClr val="accent1"/>
+          </a:lnRef>
+          <a:fillRef idx="1">
+            <a:schemeClr val="lt1"/>
+          </a:fillRef>
+          <a:effectRef idx="0">
+            <a:schemeClr val="accent1"/>
+          </a:effectRef>
+          <a:fontRef idx="minor">
+            <a:schemeClr val="dk1"/>
+          </a:fontRef>
+        </p:style>
+        <p:txBody>
+          <a:bodyPr rtlCol="0" anchor="ctr"/>
+          <a:lstStyle/>
+          <a:p>
+            <a:pPr algn="ctr"/>
+            <a:r>
+              <a:rPr lang="en-IN" sz="1400" dirty="0"/>
+              <a:t>Predicted Next Word</a:t>
+            </a:r>
+          </a:p>
+        </p:txBody>
+      </p:sp>
+      <p:sp>
+        <p:nvSpPr>
+          <p:cNvPr id="91" name="TextBox 90">
+            <a:extLst>
+              <a:ext uri="{FF2B5EF4-FFF2-40B4-BE49-F238E27FC236}">
+                <a16:creationId xmlns:a16="http://schemas.microsoft.com/office/drawing/2014/main" id="{6CDE4D12-2455-480E-A996-1006C85A1C98}"/>
+              </a:ext>
+            </a:extLst>
+          </p:cNvPr>
+          <p:cNvSpPr txBox="1"/>
+          <p:nvPr/>
+        </p:nvSpPr>
+        <p:spPr>
+          <a:xfrm>
+            <a:off x="7068425" y="4011811"/>
+            <a:ext cx="3715576" cy="584775"/>
+          </a:xfrm>
+          <a:prstGeom prst="rect">
+            <a:avLst/>
+          </a:prstGeom>
+          <a:noFill/>
+        </p:spPr>
+        <p:txBody>
+          <a:bodyPr wrap="square" rtlCol="0">
+            <a:spAutoFit/>
+          </a:bodyPr>
+          <a:lstStyle/>
+          <a:p>
+            <a:pPr algn="just"/>
+            <a:r>
+              <a:rPr lang="en-IN" sz="1600" dirty="0"/>
+              <a:t>“h”: Entire output of Encoder, also called as Context Vector or Thought Vector</a:t>
+            </a:r>
+          </a:p>
+        </p:txBody>
+      </p:sp>
+    </p:spTree>
+    <p:extLst>
+      <p:ext uri="{BB962C8B-B14F-4D97-AF65-F5344CB8AC3E}">
+        <p14:creationId xmlns:p14="http://schemas.microsoft.com/office/powerpoint/2010/main" val="4120158791"/>
+      </p:ext>
+    </p:extLst>
+  </p:cSld>
+  <p:clrMapOvr>
+    <a:masterClrMapping/>
+  </p:clrMapOvr>
+</p:sld>
+</file>
+
+<file path=ppt/slides/slide26.xml><?xml version="1.0" encoding="utf-8"?>
+<p:sld xmlns:a="http://schemas.openxmlformats.org/drawingml/2006/main" xmlns:r="http://schemas.openxmlformats.org/officeDocument/2006/relationships" xmlns:p="http://schemas.openxmlformats.org/presentationml/2006/main">
+  <p:cSld>
+    <p:spTree>
+      <p:nvGrpSpPr>
+        <p:cNvPr id="1" name=""/>
+        <p:cNvGrpSpPr/>
+        <p:nvPr/>
+      </p:nvGrpSpPr>
+      <p:grpSpPr>
+        <a:xfrm>
+          <a:off x="0" y="0"/>
+          <a:ext cx="0" cy="0"/>
+          <a:chOff x="0" y="0"/>
+          <a:chExt cx="0" cy="0"/>
+        </a:xfrm>
+      </p:grpSpPr>
+      <p:sp>
+        <p:nvSpPr>
+          <p:cNvPr id="2" name="Title 1">
+            <a:extLst>
+              <a:ext uri="{FF2B5EF4-FFF2-40B4-BE49-F238E27FC236}">
+                <a16:creationId xmlns:a16="http://schemas.microsoft.com/office/drawing/2014/main" id="{9F53C0E6-5CA5-48E1-B370-E678425399F4}"/>
+              </a:ext>
+            </a:extLst>
+          </p:cNvPr>
+          <p:cNvSpPr>
+            <a:spLocks noGrp="1"/>
+          </p:cNvSpPr>
+          <p:nvPr>
+            <p:ph type="title"/>
+          </p:nvPr>
+        </p:nvSpPr>
+        <p:spPr>
+          <a:xfrm>
+            <a:off x="838200" y="365125"/>
+            <a:ext cx="10515600" cy="827571"/>
+          </a:xfrm>
+        </p:spPr>
+        <p:txBody>
+          <a:bodyPr/>
+          <a:lstStyle/>
+          <a:p>
+            <a:r>
+              <a:rPr lang="en-IN" dirty="0"/>
+              <a:t>Neural Networks Specific…</a:t>
+            </a:r>
+          </a:p>
+        </p:txBody>
+      </p:sp>
+      <p:sp>
+        <p:nvSpPr>
+          <p:cNvPr id="3" name="Content Placeholder 2">
+            <a:extLst>
+              <a:ext uri="{FF2B5EF4-FFF2-40B4-BE49-F238E27FC236}">
+                <a16:creationId xmlns:a16="http://schemas.microsoft.com/office/drawing/2014/main" id="{F0A4581A-26B3-40E7-A945-90C4D9B58292}"/>
+              </a:ext>
+            </a:extLst>
+          </p:cNvPr>
+          <p:cNvSpPr>
+            <a:spLocks noGrp="1"/>
+          </p:cNvSpPr>
+          <p:nvPr>
+            <p:ph idx="1"/>
+          </p:nvPr>
+        </p:nvSpPr>
+        <p:spPr>
+          <a:xfrm>
+            <a:off x="838200" y="1192696"/>
+            <a:ext cx="10515600" cy="4984267"/>
+          </a:xfrm>
+        </p:spPr>
+        <p:txBody>
+          <a:bodyPr>
+            <a:normAutofit/>
+          </a:bodyPr>
+          <a:lstStyle/>
+          <a:p>
+            <a:pPr algn="just">
+              <a:lnSpc>
+                <a:spcPct val="100000"/>
+              </a:lnSpc>
+              <a:spcBef>
+                <a:spcPts val="0"/>
+              </a:spcBef>
+              <a:buFont typeface="Wingdings" panose="05000000000000000000" pitchFamily="2" charset="2"/>
+              <a:buChar char="Ø"/>
+            </a:pPr>
+            <a:r>
+              <a:rPr lang="en-IN" sz="2000" dirty="0"/>
+              <a:t>Add neural network code</a:t>
+            </a:r>
+          </a:p>
+          <a:p>
+            <a:pPr algn="just">
+              <a:lnSpc>
+                <a:spcPct val="100000"/>
+              </a:lnSpc>
+              <a:spcBef>
+                <a:spcPts val="0"/>
+              </a:spcBef>
+              <a:buFont typeface="Wingdings" panose="05000000000000000000" pitchFamily="2" charset="2"/>
+              <a:buChar char="Ø"/>
+            </a:pPr>
+            <a:r>
+              <a:rPr lang="en-IN" sz="2000" dirty="0"/>
+              <a:t>Add line loading </a:t>
+            </a:r>
+            <a:r>
+              <a:rPr lang="en-IN" sz="2000" dirty="0" err="1"/>
+              <a:t>embedding_matrix</a:t>
+            </a:r>
+            <a:r>
+              <a:rPr lang="en-IN" sz="2000" dirty="0"/>
+              <a:t> in network</a:t>
+            </a:r>
+          </a:p>
+          <a:p>
+            <a:pPr algn="just">
+              <a:lnSpc>
+                <a:spcPct val="100000"/>
+              </a:lnSpc>
+              <a:spcBef>
+                <a:spcPts val="0"/>
+              </a:spcBef>
+              <a:buFont typeface="Wingdings" panose="05000000000000000000" pitchFamily="2" charset="2"/>
+              <a:buChar char="Ø"/>
+            </a:pPr>
+            <a:r>
+              <a:rPr lang="en-IN" sz="2000" dirty="0"/>
+              <a:t>Explanation of network including what embedding matrix is doing as weights in network and how it is contributing (all </a:t>
+            </a:r>
+            <a:r>
+              <a:rPr lang="en-IN" sz="2000"/>
+              <a:t>at mathematical level)</a:t>
+            </a:r>
+            <a:endParaRPr lang="en-IN" sz="2000" dirty="0"/>
+          </a:p>
+          <a:p>
+            <a:pPr algn="just">
+              <a:lnSpc>
+                <a:spcPct val="100000"/>
+              </a:lnSpc>
+              <a:spcBef>
+                <a:spcPts val="0"/>
+              </a:spcBef>
+              <a:buFont typeface="Wingdings" panose="05000000000000000000" pitchFamily="2" charset="2"/>
+              <a:buChar char="Ø"/>
+            </a:pPr>
+            <a:endParaRPr lang="en-IN" sz="2000" dirty="0"/>
+          </a:p>
+        </p:txBody>
+      </p:sp>
+      <p:sp>
+        <p:nvSpPr>
+          <p:cNvPr id="4" name="Footer Placeholder 3">
+            <a:extLst>
+              <a:ext uri="{FF2B5EF4-FFF2-40B4-BE49-F238E27FC236}">
+                <a16:creationId xmlns:a16="http://schemas.microsoft.com/office/drawing/2014/main" id="{540972A1-4BB3-4D04-B4DF-C76BA9B5CAD8}"/>
+              </a:ext>
+            </a:extLst>
+          </p:cNvPr>
+          <p:cNvSpPr>
+            <a:spLocks noGrp="1"/>
+          </p:cNvSpPr>
+          <p:nvPr>
+            <p:ph type="ftr" sz="quarter" idx="11"/>
+          </p:nvPr>
+        </p:nvSpPr>
+        <p:spPr/>
+        <p:txBody>
+          <a:bodyPr/>
+          <a:lstStyle/>
+          <a:p>
+            <a:r>
+              <a:rPr lang="en-US"/>
+              <a:t>Sanjay Singh | san.singhsanjay@gmail.com</a:t>
+            </a:r>
+            <a:endParaRPr lang="en-IN"/>
+          </a:p>
+        </p:txBody>
+      </p:sp>
+      <p:sp>
+        <p:nvSpPr>
+          <p:cNvPr id="5" name="Slide Number Placeholder 4">
+            <a:extLst>
+              <a:ext uri="{FF2B5EF4-FFF2-40B4-BE49-F238E27FC236}">
+                <a16:creationId xmlns:a16="http://schemas.microsoft.com/office/drawing/2014/main" id="{23B5C741-F1AB-463E-B229-974B2924B065}"/>
+              </a:ext>
+            </a:extLst>
+          </p:cNvPr>
+          <p:cNvSpPr>
+            <a:spLocks noGrp="1"/>
+          </p:cNvSpPr>
+          <p:nvPr>
+            <p:ph type="sldNum" sz="quarter" idx="12"/>
+          </p:nvPr>
+        </p:nvSpPr>
+        <p:spPr/>
+        <p:txBody>
+          <a:bodyPr/>
+          <a:lstStyle/>
+          <a:p>
+            <a:fld id="{EC53106F-9B43-4B1F-BCB9-D94FA7734D96}" type="slidenum">
+              <a:rPr lang="en-IN" smtClean="0"/>
+              <a:t>26</a:t>
+            </a:fld>
+            <a:endParaRPr lang="en-IN"/>
+          </a:p>
+        </p:txBody>
+      </p:sp>
+    </p:spTree>
+    <p:extLst>
+      <p:ext uri="{BB962C8B-B14F-4D97-AF65-F5344CB8AC3E}">
+        <p14:creationId xmlns:p14="http://schemas.microsoft.com/office/powerpoint/2010/main" val="559195933"/>
+      </p:ext>
+    </p:extLst>
+  </p:cSld>
+  <p:clrMapOvr>
+    <a:masterClrMapping/>
+  </p:clrMapOvr>
+</p:sld>
+</file>
+
+<file path=ppt/slides/slide27.xml><?xml version="1.0" encoding="utf-8"?>
+<p:sld xmlns:a="http://schemas.openxmlformats.org/drawingml/2006/main" xmlns:r="http://schemas.openxmlformats.org/officeDocument/2006/relationships" xmlns:p="http://schemas.openxmlformats.org/presentationml/2006/main">
+  <p:cSld>
+    <p:spTree>
+      <p:nvGrpSpPr>
+        <p:cNvPr id="1" name=""/>
+        <p:cNvGrpSpPr/>
+        <p:nvPr/>
+      </p:nvGrpSpPr>
+      <p:grpSpPr>
+        <a:xfrm>
+          <a:off x="0" y="0"/>
+          <a:ext cx="0" cy="0"/>
+          <a:chOff x="0" y="0"/>
+          <a:chExt cx="0" cy="0"/>
+        </a:xfrm>
+      </p:grpSpPr>
+      <p:sp>
+        <p:nvSpPr>
+          <p:cNvPr id="2" name="Title 1">
+            <a:extLst>
+              <a:ext uri="{FF2B5EF4-FFF2-40B4-BE49-F238E27FC236}">
+                <a16:creationId xmlns:a16="http://schemas.microsoft.com/office/drawing/2014/main" id="{9F53C0E6-5CA5-48E1-B370-E678425399F4}"/>
+              </a:ext>
+            </a:extLst>
+          </p:cNvPr>
+          <p:cNvSpPr>
+            <a:spLocks noGrp="1"/>
+          </p:cNvSpPr>
+          <p:nvPr>
+            <p:ph type="title"/>
+          </p:nvPr>
+        </p:nvSpPr>
+        <p:spPr>
+          <a:xfrm>
+            <a:off x="838200" y="365125"/>
+            <a:ext cx="10515600" cy="827571"/>
+          </a:xfrm>
+        </p:spPr>
+        <p:txBody>
+          <a:bodyPr/>
+          <a:lstStyle/>
+          <a:p>
+            <a:r>
+              <a:rPr lang="en-IN" dirty="0"/>
+              <a:t>Template</a:t>
+            </a:r>
+          </a:p>
+        </p:txBody>
+      </p:sp>
+      <p:sp>
+        <p:nvSpPr>
+          <p:cNvPr id="3" name="Content Placeholder 2">
+            <a:extLst>
+              <a:ext uri="{FF2B5EF4-FFF2-40B4-BE49-F238E27FC236}">
+                <a16:creationId xmlns:a16="http://schemas.microsoft.com/office/drawing/2014/main" id="{F0A4581A-26B3-40E7-A945-90C4D9B58292}"/>
+              </a:ext>
+            </a:extLst>
+          </p:cNvPr>
+          <p:cNvSpPr>
+            <a:spLocks noGrp="1"/>
+          </p:cNvSpPr>
+          <p:nvPr>
+            <p:ph idx="1"/>
+          </p:nvPr>
+        </p:nvSpPr>
+        <p:spPr>
+          <a:xfrm>
+            <a:off x="838200" y="1192696"/>
+            <a:ext cx="10515600" cy="4984267"/>
+          </a:xfrm>
+        </p:spPr>
+        <p:txBody>
+          <a:bodyPr>
+            <a:normAutofit/>
+          </a:bodyPr>
+          <a:lstStyle/>
+          <a:p>
+            <a:pPr algn="just">
+              <a:lnSpc>
+                <a:spcPct val="100000"/>
+              </a:lnSpc>
+              <a:spcBef>
+                <a:spcPts val="0"/>
+              </a:spcBef>
+              <a:buFont typeface="Wingdings" panose="05000000000000000000" pitchFamily="2" charset="2"/>
+              <a:buChar char="Ø"/>
+            </a:pPr>
+            <a:r>
+              <a:rPr lang="en-IN" sz="2000" dirty="0"/>
+              <a:t>Template</a:t>
+            </a:r>
+          </a:p>
+        </p:txBody>
+      </p:sp>
+      <p:sp>
+        <p:nvSpPr>
+          <p:cNvPr id="4" name="Footer Placeholder 3">
+            <a:extLst>
+              <a:ext uri="{FF2B5EF4-FFF2-40B4-BE49-F238E27FC236}">
+                <a16:creationId xmlns:a16="http://schemas.microsoft.com/office/drawing/2014/main" id="{540972A1-4BB3-4D04-B4DF-C76BA9B5CAD8}"/>
+              </a:ext>
+            </a:extLst>
+          </p:cNvPr>
+          <p:cNvSpPr>
+            <a:spLocks noGrp="1"/>
+          </p:cNvSpPr>
+          <p:nvPr>
+            <p:ph type="ftr" sz="quarter" idx="11"/>
+          </p:nvPr>
+        </p:nvSpPr>
+        <p:spPr/>
+        <p:txBody>
+          <a:bodyPr/>
+          <a:lstStyle/>
+          <a:p>
+            <a:r>
+              <a:rPr lang="en-US"/>
+              <a:t>Sanjay Singh | san.singhsanjay@gmail.com</a:t>
+            </a:r>
+            <a:endParaRPr lang="en-IN"/>
+          </a:p>
+        </p:txBody>
+      </p:sp>
+      <p:sp>
+        <p:nvSpPr>
+          <p:cNvPr id="5" name="Slide Number Placeholder 4">
+            <a:extLst>
+              <a:ext uri="{FF2B5EF4-FFF2-40B4-BE49-F238E27FC236}">
+                <a16:creationId xmlns:a16="http://schemas.microsoft.com/office/drawing/2014/main" id="{23B5C741-F1AB-463E-B229-974B2924B065}"/>
+              </a:ext>
+            </a:extLst>
+          </p:cNvPr>
+          <p:cNvSpPr>
+            <a:spLocks noGrp="1"/>
+          </p:cNvSpPr>
+          <p:nvPr>
+            <p:ph type="sldNum" sz="quarter" idx="12"/>
+          </p:nvPr>
+        </p:nvSpPr>
+        <p:spPr/>
+        <p:txBody>
+          <a:bodyPr/>
+          <a:lstStyle/>
+          <a:p>
+            <a:fld id="{EC53106F-9B43-4B1F-BCB9-D94FA7734D96}" type="slidenum">
+              <a:rPr lang="en-IN" smtClean="0"/>
+              <a:t>27</a:t>
+            </a:fld>
+            <a:endParaRPr lang="en-IN"/>
+          </a:p>
+        </p:txBody>
+      </p:sp>
+    </p:spTree>
+    <p:extLst>
+      <p:ext uri="{BB962C8B-B14F-4D97-AF65-F5344CB8AC3E}">
+        <p14:creationId xmlns:p14="http://schemas.microsoft.com/office/powerpoint/2010/main" val="3288925108"/>
+      </p:ext>
+    </p:extLst>
+  </p:cSld>
+  <p:clrMapOvr>
+    <a:masterClrMapping/>
+  </p:clrMapOvr>
+</p:sld>
+</file>
+
+<file path=ppt/slides/slide28.xml><?xml version="1.0" encoding="utf-8"?>
 <p:sld xmlns:a="http://schemas.openxmlformats.org/drawingml/2006/main" xmlns:r="http://schemas.openxmlformats.org/officeDocument/2006/relationships" xmlns:p="http://schemas.openxmlformats.org/presentationml/2006/main">
   <p:cSld>
     <p:spTree>
@@ -13215,7 +20405,7 @@
           <a:p>
             <a:fld id="{EC53106F-9B43-4B1F-BCB9-D94FA7734D96}" type="slidenum">
               <a:rPr lang="en-IN" smtClean="0"/>
-              <a:t>22</a:t>
+              <a:t>28</a:t>
             </a:fld>
             <a:endParaRPr lang="en-IN"/>
           </a:p>

--- a/readme.pptx
+++ b/readme.pptx
@@ -5,7 +5,7 @@
     <p:sldMasterId id="2147483648" r:id="rId1"/>
   </p:sldMasterIdLst>
   <p:notesMasterIdLst>
-    <p:notesMasterId r:id="rId30"/>
+    <p:notesMasterId r:id="rId34"/>
   </p:notesMasterIdLst>
   <p:sldIdLst>
     <p:sldId id="256" r:id="rId2"/>
@@ -32,10 +32,14 @@
     <p:sldId id="279" r:id="rId23"/>
     <p:sldId id="280" r:id="rId24"/>
     <p:sldId id="284" r:id="rId25"/>
-    <p:sldId id="282" r:id="rId26"/>
-    <p:sldId id="283" r:id="rId27"/>
-    <p:sldId id="285" r:id="rId28"/>
-    <p:sldId id="258" r:id="rId29"/>
+    <p:sldId id="289" r:id="rId26"/>
+    <p:sldId id="282" r:id="rId27"/>
+    <p:sldId id="283" r:id="rId28"/>
+    <p:sldId id="285" r:id="rId29"/>
+    <p:sldId id="287" r:id="rId30"/>
+    <p:sldId id="288" r:id="rId31"/>
+    <p:sldId id="290" r:id="rId32"/>
+    <p:sldId id="258" r:id="rId33"/>
   </p:sldIdLst>
   <p:sldSz cx="12192000" cy="6858000"/>
   <p:notesSz cx="6858000" cy="9144000"/>
@@ -224,7 +228,7 @@
           <a:p>
             <a:fld id="{3EBE19CC-9519-4C5F-A78F-AFC3EB8C266D}" type="datetimeFigureOut">
               <a:rPr lang="en-IN" smtClean="0"/>
-              <a:t>09-05-2021</a:t>
+              <a:t>10-05-2021</a:t>
             </a:fld>
             <a:endParaRPr lang="en-IN"/>
           </a:p>
@@ -641,7 +645,7 @@
           <a:p>
             <a:fld id="{95B38DEA-F89A-499A-81D4-0F17E13A0F54}" type="datetime1">
               <a:rPr lang="en-IN" smtClean="0"/>
-              <a:t>09-05-2021</a:t>
+              <a:t>10-05-2021</a:t>
             </a:fld>
             <a:endParaRPr lang="en-IN"/>
           </a:p>
@@ -845,7 +849,7 @@
           <a:p>
             <a:fld id="{52CB48DB-8752-4EC9-AEF1-132D60C612E3}" type="datetime1">
               <a:rPr lang="en-IN" smtClean="0"/>
-              <a:t>09-05-2021</a:t>
+              <a:t>10-05-2021</a:t>
             </a:fld>
             <a:endParaRPr lang="en-IN"/>
           </a:p>
@@ -1059,7 +1063,7 @@
           <a:p>
             <a:fld id="{20E4919B-0840-418F-81E8-D1EAC9FB2BFE}" type="datetime1">
               <a:rPr lang="en-IN" smtClean="0"/>
-              <a:t>09-05-2021</a:t>
+              <a:t>10-05-2021</a:t>
             </a:fld>
             <a:endParaRPr lang="en-IN"/>
           </a:p>
@@ -1263,7 +1267,7 @@
           <a:p>
             <a:fld id="{14A56409-1144-459D-8580-EF29D8BAED4A}" type="datetime1">
               <a:rPr lang="en-IN" smtClean="0"/>
-              <a:t>09-05-2021</a:t>
+              <a:t>10-05-2021</a:t>
             </a:fld>
             <a:endParaRPr lang="en-IN"/>
           </a:p>
@@ -1543,7 +1547,7 @@
           <a:p>
             <a:fld id="{67926871-090A-4D31-A9C1-76DEC3805894}" type="datetime1">
               <a:rPr lang="en-IN" smtClean="0"/>
-              <a:t>09-05-2021</a:t>
+              <a:t>10-05-2021</a:t>
             </a:fld>
             <a:endParaRPr lang="en-IN"/>
           </a:p>
@@ -1815,7 +1819,7 @@
           <a:p>
             <a:fld id="{7F9657E2-E3D3-4B4C-9FD7-7329F62A123B}" type="datetime1">
               <a:rPr lang="en-IN" smtClean="0"/>
-              <a:t>09-05-2021</a:t>
+              <a:t>10-05-2021</a:t>
             </a:fld>
             <a:endParaRPr lang="en-IN"/>
           </a:p>
@@ -2234,7 +2238,7 @@
           <a:p>
             <a:fld id="{664F21D5-2AAA-408A-910B-555FC11A1CF7}" type="datetime1">
               <a:rPr lang="en-IN" smtClean="0"/>
-              <a:t>09-05-2021</a:t>
+              <a:t>10-05-2021</a:t>
             </a:fld>
             <a:endParaRPr lang="en-IN"/>
           </a:p>
@@ -2380,7 +2384,7 @@
           <a:p>
             <a:fld id="{F356A824-9512-4355-9382-9A341080930D}" type="datetime1">
               <a:rPr lang="en-IN" smtClean="0"/>
-              <a:t>09-05-2021</a:t>
+              <a:t>10-05-2021</a:t>
             </a:fld>
             <a:endParaRPr lang="en-IN"/>
           </a:p>
@@ -2497,7 +2501,7 @@
           <a:p>
             <a:fld id="{61D5D980-7089-4CCA-A615-7CE5DE2E0A24}" type="datetime1">
               <a:rPr lang="en-IN" smtClean="0"/>
-              <a:t>09-05-2021</a:t>
+              <a:t>10-05-2021</a:t>
             </a:fld>
             <a:endParaRPr lang="en-IN"/>
           </a:p>
@@ -2814,7 +2818,7 @@
           <a:p>
             <a:fld id="{BCBBCC49-34F1-4143-A247-5BD173D4A05B}" type="datetime1">
               <a:rPr lang="en-IN" smtClean="0"/>
-              <a:t>09-05-2021</a:t>
+              <a:t>10-05-2021</a:t>
             </a:fld>
             <a:endParaRPr lang="en-IN"/>
           </a:p>
@@ -3107,7 +3111,7 @@
           <a:p>
             <a:fld id="{2D62E49B-383D-4FEF-83E3-8391B88BD48A}" type="datetime1">
               <a:rPr lang="en-IN" smtClean="0"/>
-              <a:t>09-05-2021</a:t>
+              <a:t>10-05-2021</a:t>
             </a:fld>
             <a:endParaRPr lang="en-IN"/>
           </a:p>
@@ -3354,7 +3358,7 @@
           <a:p>
             <a:fld id="{95403040-39FF-48B5-9AA8-D98B49EA5B67}" type="datetime1">
               <a:rPr lang="en-IN" smtClean="0"/>
-              <a:t>09-05-2021</a:t>
+              <a:t>10-05-2021</a:t>
             </a:fld>
             <a:endParaRPr lang="en-IN"/>
           </a:p>
@@ -6659,7 +6663,7 @@
           <p:nvPr>
             <p:extLst>
               <p:ext uri="{D42A27DB-BD31-4B8C-83A1-F6EECF244321}">
-                <p14:modId xmlns:p14="http://schemas.microsoft.com/office/powerpoint/2010/main" val="2515693096"/>
+                <p14:modId xmlns:p14="http://schemas.microsoft.com/office/powerpoint/2010/main" val="1695059468"/>
               </p:ext>
             </p:extLst>
           </p:nvPr>
@@ -6734,7 +6738,7 @@
                       <a:prstDash val="solid"/>
                     </a:lnBlToTr>
                     <a:solidFill>
-                      <a:schemeClr val="accent3"/>
+                      <a:schemeClr val="tx2"/>
                     </a:solidFill>
                   </a:tcPr>
                 </a:tc>
@@ -6800,7 +6804,7 @@
                       <a:prstDash val="solid"/>
                     </a:lnBlToTr>
                     <a:solidFill>
-                      <a:schemeClr val="accent3"/>
+                      <a:schemeClr val="tx2"/>
                     </a:solidFill>
                   </a:tcPr>
                 </a:tc>
@@ -6849,7 +6853,7 @@
                       <a:prstDash val="solid"/>
                     </a:lnBlToTr>
                     <a:solidFill>
-                      <a:schemeClr val="accent3"/>
+                      <a:schemeClr val="tx2"/>
                     </a:solidFill>
                   </a:tcPr>
                 </a:tc>
@@ -6931,7 +6935,7 @@
                       <a:prstDash val="solid"/>
                     </a:lnBlToTr>
                     <a:solidFill>
-                      <a:schemeClr val="accent3"/>
+                      <a:schemeClr val="tx2"/>
                     </a:solidFill>
                   </a:tcPr>
                 </a:tc>
@@ -11141,7 +11145,7 @@
           <p:nvPr>
             <p:extLst>
               <p:ext uri="{D42A27DB-BD31-4B8C-83A1-F6EECF244321}">
-                <p14:modId xmlns:p14="http://schemas.microsoft.com/office/powerpoint/2010/main" val="1128254660"/>
+                <p14:modId xmlns:p14="http://schemas.microsoft.com/office/powerpoint/2010/main" val="3836656056"/>
               </p:ext>
             </p:extLst>
           </p:nvPr>
@@ -11192,7 +11196,39 @@
                       </a:r>
                     </a:p>
                   </a:txBody>
-                  <a:tcPr/>
+                  <a:tcPr>
+                    <a:lnL w="6350" cap="flat" cmpd="sng" algn="ctr">
+                      <a:noFill/>
+                      <a:prstDash val="solid"/>
+                      <a:miter lim="800000"/>
+                    </a:lnL>
+                    <a:lnR w="6350" cap="flat" cmpd="sng" algn="ctr">
+                      <a:noFill/>
+                      <a:prstDash val="solid"/>
+                      <a:miter lim="800000"/>
+                    </a:lnR>
+                    <a:lnT w="6350" cap="flat" cmpd="sng" algn="ctr">
+                      <a:noFill/>
+                      <a:prstDash val="solid"/>
+                      <a:miter lim="800000"/>
+                    </a:lnT>
+                    <a:lnB w="6350" cap="flat" cmpd="sng" algn="ctr">
+                      <a:noFill/>
+                      <a:prstDash val="solid"/>
+                      <a:miter lim="800000"/>
+                    </a:lnB>
+                    <a:lnTlToBr w="12700" cmpd="sng">
+                      <a:noFill/>
+                      <a:prstDash val="solid"/>
+                    </a:lnTlToBr>
+                    <a:lnBlToTr w="12700" cmpd="sng">
+                      <a:noFill/>
+                      <a:prstDash val="solid"/>
+                    </a:lnBlToTr>
+                    <a:solidFill>
+                      <a:schemeClr val="tx2"/>
+                    </a:solidFill>
+                  </a:tcPr>
                 </a:tc>
                 <a:tc>
                   <a:txBody>
@@ -11209,7 +11245,39 @@
                       </a:r>
                     </a:p>
                   </a:txBody>
-                  <a:tcPr/>
+                  <a:tcPr>
+                    <a:lnL w="6350" cap="flat" cmpd="sng" algn="ctr">
+                      <a:noFill/>
+                      <a:prstDash val="solid"/>
+                      <a:miter lim="800000"/>
+                    </a:lnL>
+                    <a:lnR w="6350" cap="flat" cmpd="sng" algn="ctr">
+                      <a:noFill/>
+                      <a:prstDash val="solid"/>
+                      <a:miter lim="800000"/>
+                    </a:lnR>
+                    <a:lnT w="6350" cap="flat" cmpd="sng" algn="ctr">
+                      <a:noFill/>
+                      <a:prstDash val="solid"/>
+                      <a:miter lim="800000"/>
+                    </a:lnT>
+                    <a:lnB w="6350" cap="flat" cmpd="sng" algn="ctr">
+                      <a:noFill/>
+                      <a:prstDash val="solid"/>
+                      <a:miter lim="800000"/>
+                    </a:lnB>
+                    <a:lnTlToBr w="12700" cmpd="sng">
+                      <a:noFill/>
+                      <a:prstDash val="solid"/>
+                    </a:lnTlToBr>
+                    <a:lnBlToTr w="12700" cmpd="sng">
+                      <a:noFill/>
+                      <a:prstDash val="solid"/>
+                    </a:lnBlToTr>
+                    <a:solidFill>
+                      <a:schemeClr val="tx2"/>
+                    </a:solidFill>
+                  </a:tcPr>
                 </a:tc>
                 <a:extLst>
                   <a:ext uri="{0D108BD9-81ED-4DB2-BD59-A6C34878D82A}">
@@ -11234,7 +11302,39 @@
                       </a:r>
                     </a:p>
                   </a:txBody>
-                  <a:tcPr/>
+                  <a:tcPr>
+                    <a:lnL w="6350" cap="flat" cmpd="sng" algn="ctr">
+                      <a:noFill/>
+                      <a:prstDash val="solid"/>
+                      <a:miter lim="800000"/>
+                    </a:lnL>
+                    <a:lnR w="6350" cap="flat" cmpd="sng" algn="ctr">
+                      <a:noFill/>
+                      <a:prstDash val="solid"/>
+                      <a:miter lim="800000"/>
+                    </a:lnR>
+                    <a:lnT w="6350" cap="flat" cmpd="sng" algn="ctr">
+                      <a:noFill/>
+                      <a:prstDash val="solid"/>
+                      <a:miter lim="800000"/>
+                    </a:lnT>
+                    <a:lnB w="6350" cap="flat" cmpd="sng" algn="ctr">
+                      <a:noFill/>
+                      <a:prstDash val="solid"/>
+                      <a:miter lim="800000"/>
+                    </a:lnB>
+                    <a:lnTlToBr w="12700" cmpd="sng">
+                      <a:noFill/>
+                      <a:prstDash val="solid"/>
+                    </a:lnTlToBr>
+                    <a:lnBlToTr w="12700" cmpd="sng">
+                      <a:noFill/>
+                      <a:prstDash val="solid"/>
+                    </a:lnBlToTr>
+                    <a:solidFill>
+                      <a:schemeClr val="tx2"/>
+                    </a:solidFill>
+                  </a:tcPr>
                 </a:tc>
                 <a:tc>
                   <a:txBody>
@@ -11267,7 +11367,39 @@
                       </a:r>
                     </a:p>
                   </a:txBody>
-                  <a:tcPr/>
+                  <a:tcPr>
+                    <a:lnL w="6350" cap="flat" cmpd="sng" algn="ctr">
+                      <a:noFill/>
+                      <a:prstDash val="solid"/>
+                      <a:miter lim="800000"/>
+                    </a:lnL>
+                    <a:lnR w="6350" cap="flat" cmpd="sng" algn="ctr">
+                      <a:noFill/>
+                      <a:prstDash val="solid"/>
+                      <a:miter lim="800000"/>
+                    </a:lnR>
+                    <a:lnT w="6350" cap="flat" cmpd="sng" algn="ctr">
+                      <a:noFill/>
+                      <a:prstDash val="solid"/>
+                      <a:miter lim="800000"/>
+                    </a:lnT>
+                    <a:lnB w="6350" cap="flat" cmpd="sng" algn="ctr">
+                      <a:noFill/>
+                      <a:prstDash val="solid"/>
+                      <a:miter lim="800000"/>
+                    </a:lnB>
+                    <a:lnTlToBr w="12700" cmpd="sng">
+                      <a:noFill/>
+                      <a:prstDash val="solid"/>
+                    </a:lnTlToBr>
+                    <a:lnBlToTr w="12700" cmpd="sng">
+                      <a:noFill/>
+                      <a:prstDash val="solid"/>
+                    </a:lnBlToTr>
+                    <a:solidFill>
+                      <a:schemeClr val="tx2"/>
+                    </a:solidFill>
+                  </a:tcPr>
                 </a:tc>
                 <a:extLst>
                   <a:ext uri="{0D108BD9-81ED-4DB2-BD59-A6C34878D82A}">
@@ -11292,7 +11424,39 @@
                       </a:r>
                     </a:p>
                   </a:txBody>
-                  <a:tcPr/>
+                  <a:tcPr>
+                    <a:lnL w="6350" cap="flat" cmpd="sng" algn="ctr">
+                      <a:noFill/>
+                      <a:prstDash val="solid"/>
+                      <a:miter lim="800000"/>
+                    </a:lnL>
+                    <a:lnR w="6350" cap="flat" cmpd="sng" algn="ctr">
+                      <a:noFill/>
+                      <a:prstDash val="solid"/>
+                      <a:miter lim="800000"/>
+                    </a:lnR>
+                    <a:lnT w="6350" cap="flat" cmpd="sng" algn="ctr">
+                      <a:noFill/>
+                      <a:prstDash val="solid"/>
+                      <a:miter lim="800000"/>
+                    </a:lnT>
+                    <a:lnB w="6350" cap="flat" cmpd="sng" algn="ctr">
+                      <a:noFill/>
+                      <a:prstDash val="solid"/>
+                      <a:miter lim="800000"/>
+                    </a:lnB>
+                    <a:lnTlToBr w="12700" cmpd="sng">
+                      <a:noFill/>
+                      <a:prstDash val="solid"/>
+                    </a:lnTlToBr>
+                    <a:lnBlToTr w="12700" cmpd="sng">
+                      <a:noFill/>
+                      <a:prstDash val="solid"/>
+                    </a:lnBlToTr>
+                    <a:solidFill>
+                      <a:schemeClr val="tx2"/>
+                    </a:solidFill>
+                  </a:tcPr>
                 </a:tc>
                 <a:tc>
                   <a:txBody>
@@ -11342,7 +11506,39 @@
                       </a:r>
                     </a:p>
                   </a:txBody>
-                  <a:tcPr/>
+                  <a:tcPr>
+                    <a:lnL w="6350" cap="flat" cmpd="sng" algn="ctr">
+                      <a:noFill/>
+                      <a:prstDash val="solid"/>
+                      <a:miter lim="800000"/>
+                    </a:lnL>
+                    <a:lnR w="6350" cap="flat" cmpd="sng" algn="ctr">
+                      <a:noFill/>
+                      <a:prstDash val="solid"/>
+                      <a:miter lim="800000"/>
+                    </a:lnR>
+                    <a:lnT w="6350" cap="flat" cmpd="sng" algn="ctr">
+                      <a:noFill/>
+                      <a:prstDash val="solid"/>
+                      <a:miter lim="800000"/>
+                    </a:lnT>
+                    <a:lnB w="6350" cap="flat" cmpd="sng" algn="ctr">
+                      <a:noFill/>
+                      <a:prstDash val="solid"/>
+                      <a:miter lim="800000"/>
+                    </a:lnB>
+                    <a:lnTlToBr w="12700" cmpd="sng">
+                      <a:noFill/>
+                      <a:prstDash val="solid"/>
+                    </a:lnTlToBr>
+                    <a:lnBlToTr w="12700" cmpd="sng">
+                      <a:noFill/>
+                      <a:prstDash val="solid"/>
+                    </a:lnBlToTr>
+                    <a:solidFill>
+                      <a:schemeClr val="tx2"/>
+                    </a:solidFill>
+                  </a:tcPr>
                 </a:tc>
                 <a:extLst>
                   <a:ext uri="{0D108BD9-81ED-4DB2-BD59-A6C34878D82A}">
@@ -11367,7 +11563,39 @@
                       </a:r>
                     </a:p>
                   </a:txBody>
-                  <a:tcPr/>
+                  <a:tcPr>
+                    <a:lnL w="6350" cap="flat" cmpd="sng" algn="ctr">
+                      <a:noFill/>
+                      <a:prstDash val="solid"/>
+                      <a:miter lim="800000"/>
+                    </a:lnL>
+                    <a:lnR w="6350" cap="flat" cmpd="sng" algn="ctr">
+                      <a:noFill/>
+                      <a:prstDash val="solid"/>
+                      <a:miter lim="800000"/>
+                    </a:lnR>
+                    <a:lnT w="6350" cap="flat" cmpd="sng" algn="ctr">
+                      <a:noFill/>
+                      <a:prstDash val="solid"/>
+                      <a:miter lim="800000"/>
+                    </a:lnT>
+                    <a:lnB w="6350" cap="flat" cmpd="sng" algn="ctr">
+                      <a:noFill/>
+                      <a:prstDash val="solid"/>
+                      <a:miter lim="800000"/>
+                    </a:lnB>
+                    <a:lnTlToBr w="12700" cmpd="sng">
+                      <a:noFill/>
+                      <a:prstDash val="solid"/>
+                    </a:lnTlToBr>
+                    <a:lnBlToTr w="12700" cmpd="sng">
+                      <a:noFill/>
+                      <a:prstDash val="solid"/>
+                    </a:lnBlToTr>
+                    <a:solidFill>
+                      <a:schemeClr val="tx2"/>
+                    </a:solidFill>
+                  </a:tcPr>
                 </a:tc>
                 <a:tc>
                   <a:txBody>
@@ -11417,7 +11645,39 @@
                       </a:r>
                     </a:p>
                   </a:txBody>
-                  <a:tcPr/>
+                  <a:tcPr>
+                    <a:lnL w="6350" cap="flat" cmpd="sng" algn="ctr">
+                      <a:noFill/>
+                      <a:prstDash val="solid"/>
+                      <a:miter lim="800000"/>
+                    </a:lnL>
+                    <a:lnR w="6350" cap="flat" cmpd="sng" algn="ctr">
+                      <a:noFill/>
+                      <a:prstDash val="solid"/>
+                      <a:miter lim="800000"/>
+                    </a:lnR>
+                    <a:lnT w="6350" cap="flat" cmpd="sng" algn="ctr">
+                      <a:noFill/>
+                      <a:prstDash val="solid"/>
+                      <a:miter lim="800000"/>
+                    </a:lnT>
+                    <a:lnB w="6350" cap="flat" cmpd="sng" algn="ctr">
+                      <a:noFill/>
+                      <a:prstDash val="solid"/>
+                      <a:miter lim="800000"/>
+                    </a:lnB>
+                    <a:lnTlToBr w="12700" cmpd="sng">
+                      <a:noFill/>
+                      <a:prstDash val="solid"/>
+                    </a:lnTlToBr>
+                    <a:lnBlToTr w="12700" cmpd="sng">
+                      <a:noFill/>
+                      <a:prstDash val="solid"/>
+                    </a:lnBlToTr>
+                    <a:solidFill>
+                      <a:schemeClr val="tx2"/>
+                    </a:solidFill>
+                  </a:tcPr>
                 </a:tc>
                 <a:extLst>
                   <a:ext uri="{0D108BD9-81ED-4DB2-BD59-A6C34878D82A}">
@@ -11442,7 +11702,39 @@
                       </a:r>
                     </a:p>
                   </a:txBody>
-                  <a:tcPr/>
+                  <a:tcPr>
+                    <a:lnL w="6350" cap="flat" cmpd="sng" algn="ctr">
+                      <a:noFill/>
+                      <a:prstDash val="solid"/>
+                      <a:miter lim="800000"/>
+                    </a:lnL>
+                    <a:lnR w="6350" cap="flat" cmpd="sng" algn="ctr">
+                      <a:noFill/>
+                      <a:prstDash val="solid"/>
+                      <a:miter lim="800000"/>
+                    </a:lnR>
+                    <a:lnT w="6350" cap="flat" cmpd="sng" algn="ctr">
+                      <a:noFill/>
+                      <a:prstDash val="solid"/>
+                      <a:miter lim="800000"/>
+                    </a:lnT>
+                    <a:lnB w="6350" cap="flat" cmpd="sng" algn="ctr">
+                      <a:noFill/>
+                      <a:prstDash val="solid"/>
+                      <a:miter lim="800000"/>
+                    </a:lnB>
+                    <a:lnTlToBr w="12700" cmpd="sng">
+                      <a:noFill/>
+                      <a:prstDash val="solid"/>
+                    </a:lnTlToBr>
+                    <a:lnBlToTr w="12700" cmpd="sng">
+                      <a:noFill/>
+                      <a:prstDash val="solid"/>
+                    </a:lnBlToTr>
+                    <a:solidFill>
+                      <a:schemeClr val="tx2"/>
+                    </a:solidFill>
+                  </a:tcPr>
                 </a:tc>
                 <a:tc>
                   <a:txBody>
@@ -11492,7 +11784,39 @@
                       </a:r>
                     </a:p>
                   </a:txBody>
-                  <a:tcPr/>
+                  <a:tcPr>
+                    <a:lnL w="6350" cap="flat" cmpd="sng" algn="ctr">
+                      <a:noFill/>
+                      <a:prstDash val="solid"/>
+                      <a:miter lim="800000"/>
+                    </a:lnL>
+                    <a:lnR w="6350" cap="flat" cmpd="sng" algn="ctr">
+                      <a:noFill/>
+                      <a:prstDash val="solid"/>
+                      <a:miter lim="800000"/>
+                    </a:lnR>
+                    <a:lnT w="6350" cap="flat" cmpd="sng" algn="ctr">
+                      <a:noFill/>
+                      <a:prstDash val="solid"/>
+                      <a:miter lim="800000"/>
+                    </a:lnT>
+                    <a:lnB w="6350" cap="flat" cmpd="sng" algn="ctr">
+                      <a:noFill/>
+                      <a:prstDash val="solid"/>
+                      <a:miter lim="800000"/>
+                    </a:lnB>
+                    <a:lnTlToBr w="12700" cmpd="sng">
+                      <a:noFill/>
+                      <a:prstDash val="solid"/>
+                    </a:lnTlToBr>
+                    <a:lnBlToTr w="12700" cmpd="sng">
+                      <a:noFill/>
+                      <a:prstDash val="solid"/>
+                    </a:lnBlToTr>
+                    <a:solidFill>
+                      <a:schemeClr val="tx2"/>
+                    </a:solidFill>
+                  </a:tcPr>
                 </a:tc>
                 <a:extLst>
                   <a:ext uri="{0D108BD9-81ED-4DB2-BD59-A6C34878D82A}">
@@ -11517,7 +11841,39 @@
                       </a:r>
                     </a:p>
                   </a:txBody>
-                  <a:tcPr/>
+                  <a:tcPr>
+                    <a:lnL w="6350" cap="flat" cmpd="sng" algn="ctr">
+                      <a:noFill/>
+                      <a:prstDash val="solid"/>
+                      <a:miter lim="800000"/>
+                    </a:lnL>
+                    <a:lnR w="6350" cap="flat" cmpd="sng" algn="ctr">
+                      <a:noFill/>
+                      <a:prstDash val="solid"/>
+                      <a:miter lim="800000"/>
+                    </a:lnR>
+                    <a:lnT w="6350" cap="flat" cmpd="sng" algn="ctr">
+                      <a:noFill/>
+                      <a:prstDash val="solid"/>
+                      <a:miter lim="800000"/>
+                    </a:lnT>
+                    <a:lnB w="6350" cap="flat" cmpd="sng" algn="ctr">
+                      <a:noFill/>
+                      <a:prstDash val="solid"/>
+                      <a:miter lim="800000"/>
+                    </a:lnB>
+                    <a:lnTlToBr w="12700" cmpd="sng">
+                      <a:noFill/>
+                      <a:prstDash val="solid"/>
+                    </a:lnTlToBr>
+                    <a:lnBlToTr w="12700" cmpd="sng">
+                      <a:noFill/>
+                      <a:prstDash val="solid"/>
+                    </a:lnBlToTr>
+                    <a:solidFill>
+                      <a:schemeClr val="tx2"/>
+                    </a:solidFill>
+                  </a:tcPr>
                 </a:tc>
                 <a:tc>
                   <a:txBody>
@@ -11567,7 +11923,39 @@
                       </a:r>
                     </a:p>
                   </a:txBody>
-                  <a:tcPr/>
+                  <a:tcPr>
+                    <a:lnL w="6350" cap="flat" cmpd="sng" algn="ctr">
+                      <a:noFill/>
+                      <a:prstDash val="solid"/>
+                      <a:miter lim="800000"/>
+                    </a:lnL>
+                    <a:lnR w="6350" cap="flat" cmpd="sng" algn="ctr">
+                      <a:noFill/>
+                      <a:prstDash val="solid"/>
+                      <a:miter lim="800000"/>
+                    </a:lnR>
+                    <a:lnT w="6350" cap="flat" cmpd="sng" algn="ctr">
+                      <a:noFill/>
+                      <a:prstDash val="solid"/>
+                      <a:miter lim="800000"/>
+                    </a:lnT>
+                    <a:lnB w="6350" cap="flat" cmpd="sng" algn="ctr">
+                      <a:noFill/>
+                      <a:prstDash val="solid"/>
+                      <a:miter lim="800000"/>
+                    </a:lnB>
+                    <a:lnTlToBr w="12700" cmpd="sng">
+                      <a:noFill/>
+                      <a:prstDash val="solid"/>
+                    </a:lnTlToBr>
+                    <a:lnBlToTr w="12700" cmpd="sng">
+                      <a:noFill/>
+                      <a:prstDash val="solid"/>
+                    </a:lnBlToTr>
+                    <a:solidFill>
+                      <a:schemeClr val="tx2"/>
+                    </a:solidFill>
+                  </a:tcPr>
                 </a:tc>
                 <a:extLst>
                   <a:ext uri="{0D108BD9-81ED-4DB2-BD59-A6C34878D82A}">
@@ -11592,7 +11980,39 @@
                       </a:r>
                     </a:p>
                   </a:txBody>
-                  <a:tcPr/>
+                  <a:tcPr>
+                    <a:lnL w="6350" cap="flat" cmpd="sng" algn="ctr">
+                      <a:noFill/>
+                      <a:prstDash val="solid"/>
+                      <a:miter lim="800000"/>
+                    </a:lnL>
+                    <a:lnR w="6350" cap="flat" cmpd="sng" algn="ctr">
+                      <a:noFill/>
+                      <a:prstDash val="solid"/>
+                      <a:miter lim="800000"/>
+                    </a:lnR>
+                    <a:lnT w="6350" cap="flat" cmpd="sng" algn="ctr">
+                      <a:noFill/>
+                      <a:prstDash val="solid"/>
+                      <a:miter lim="800000"/>
+                    </a:lnT>
+                    <a:lnB w="6350" cap="flat" cmpd="sng" algn="ctr">
+                      <a:noFill/>
+                      <a:prstDash val="solid"/>
+                      <a:miter lim="800000"/>
+                    </a:lnB>
+                    <a:lnTlToBr w="12700" cmpd="sng">
+                      <a:noFill/>
+                      <a:prstDash val="solid"/>
+                    </a:lnTlToBr>
+                    <a:lnBlToTr w="12700" cmpd="sng">
+                      <a:noFill/>
+                      <a:prstDash val="solid"/>
+                    </a:lnBlToTr>
+                    <a:solidFill>
+                      <a:schemeClr val="tx2"/>
+                    </a:solidFill>
+                  </a:tcPr>
                 </a:tc>
                 <a:tc>
                   <a:txBody>
@@ -11642,7 +12062,39 @@
                       </a:r>
                     </a:p>
                   </a:txBody>
-                  <a:tcPr/>
+                  <a:tcPr>
+                    <a:lnL w="6350" cap="flat" cmpd="sng" algn="ctr">
+                      <a:noFill/>
+                      <a:prstDash val="solid"/>
+                      <a:miter lim="800000"/>
+                    </a:lnL>
+                    <a:lnR w="6350" cap="flat" cmpd="sng" algn="ctr">
+                      <a:noFill/>
+                      <a:prstDash val="solid"/>
+                      <a:miter lim="800000"/>
+                    </a:lnR>
+                    <a:lnT w="6350" cap="flat" cmpd="sng" algn="ctr">
+                      <a:noFill/>
+                      <a:prstDash val="solid"/>
+                      <a:miter lim="800000"/>
+                    </a:lnT>
+                    <a:lnB w="6350" cap="flat" cmpd="sng" algn="ctr">
+                      <a:noFill/>
+                      <a:prstDash val="solid"/>
+                      <a:miter lim="800000"/>
+                    </a:lnB>
+                    <a:lnTlToBr w="12700" cmpd="sng">
+                      <a:noFill/>
+                      <a:prstDash val="solid"/>
+                    </a:lnTlToBr>
+                    <a:lnBlToTr w="12700" cmpd="sng">
+                      <a:noFill/>
+                      <a:prstDash val="solid"/>
+                    </a:lnBlToTr>
+                    <a:solidFill>
+                      <a:schemeClr val="tx2"/>
+                    </a:solidFill>
+                  </a:tcPr>
                 </a:tc>
                 <a:extLst>
                   <a:ext uri="{0D108BD9-81ED-4DB2-BD59-A6C34878D82A}">
@@ -11667,7 +12119,39 @@
                       </a:r>
                     </a:p>
                   </a:txBody>
-                  <a:tcPr/>
+                  <a:tcPr>
+                    <a:lnL w="6350" cap="flat" cmpd="sng" algn="ctr">
+                      <a:noFill/>
+                      <a:prstDash val="solid"/>
+                      <a:miter lim="800000"/>
+                    </a:lnL>
+                    <a:lnR w="6350" cap="flat" cmpd="sng" algn="ctr">
+                      <a:noFill/>
+                      <a:prstDash val="solid"/>
+                      <a:miter lim="800000"/>
+                    </a:lnR>
+                    <a:lnT w="6350" cap="flat" cmpd="sng" algn="ctr">
+                      <a:noFill/>
+                      <a:prstDash val="solid"/>
+                      <a:miter lim="800000"/>
+                    </a:lnT>
+                    <a:lnB w="6350" cap="flat" cmpd="sng" algn="ctr">
+                      <a:noFill/>
+                      <a:prstDash val="solid"/>
+                      <a:miter lim="800000"/>
+                    </a:lnB>
+                    <a:lnTlToBr w="12700" cmpd="sng">
+                      <a:noFill/>
+                      <a:prstDash val="solid"/>
+                    </a:lnTlToBr>
+                    <a:lnBlToTr w="12700" cmpd="sng">
+                      <a:noFill/>
+                      <a:prstDash val="solid"/>
+                    </a:lnBlToTr>
+                    <a:solidFill>
+                      <a:schemeClr val="tx2"/>
+                    </a:solidFill>
+                  </a:tcPr>
                 </a:tc>
                 <a:tc>
                   <a:txBody>
@@ -11716,7 +12200,39 @@
                       </a:r>
                     </a:p>
                   </a:txBody>
-                  <a:tcPr/>
+                  <a:tcPr>
+                    <a:lnL w="6350" cap="flat" cmpd="sng" algn="ctr">
+                      <a:noFill/>
+                      <a:prstDash val="solid"/>
+                      <a:miter lim="800000"/>
+                    </a:lnL>
+                    <a:lnR w="6350" cap="flat" cmpd="sng" algn="ctr">
+                      <a:noFill/>
+                      <a:prstDash val="solid"/>
+                      <a:miter lim="800000"/>
+                    </a:lnR>
+                    <a:lnT w="6350" cap="flat" cmpd="sng" algn="ctr">
+                      <a:noFill/>
+                      <a:prstDash val="solid"/>
+                      <a:miter lim="800000"/>
+                    </a:lnT>
+                    <a:lnB w="6350" cap="flat" cmpd="sng" algn="ctr">
+                      <a:noFill/>
+                      <a:prstDash val="solid"/>
+                      <a:miter lim="800000"/>
+                    </a:lnB>
+                    <a:lnTlToBr w="12700" cmpd="sng">
+                      <a:noFill/>
+                      <a:prstDash val="solid"/>
+                    </a:lnTlToBr>
+                    <a:lnBlToTr w="12700" cmpd="sng">
+                      <a:noFill/>
+                      <a:prstDash val="solid"/>
+                    </a:lnBlToTr>
+                    <a:solidFill>
+                      <a:schemeClr val="tx2"/>
+                    </a:solidFill>
+                  </a:tcPr>
                 </a:tc>
                 <a:extLst>
                   <a:ext uri="{0D108BD9-81ED-4DB2-BD59-A6C34878D82A}">
@@ -11741,7 +12257,39 @@
                       </a:r>
                     </a:p>
                   </a:txBody>
-                  <a:tcPr/>
+                  <a:tcPr>
+                    <a:lnL w="6350" cap="flat" cmpd="sng" algn="ctr">
+                      <a:noFill/>
+                      <a:prstDash val="solid"/>
+                      <a:miter lim="800000"/>
+                    </a:lnL>
+                    <a:lnR w="6350" cap="flat" cmpd="sng" algn="ctr">
+                      <a:noFill/>
+                      <a:prstDash val="solid"/>
+                      <a:miter lim="800000"/>
+                    </a:lnR>
+                    <a:lnT w="6350" cap="flat" cmpd="sng" algn="ctr">
+                      <a:noFill/>
+                      <a:prstDash val="solid"/>
+                      <a:miter lim="800000"/>
+                    </a:lnT>
+                    <a:lnB w="6350" cap="flat" cmpd="sng" algn="ctr">
+                      <a:noFill/>
+                      <a:prstDash val="solid"/>
+                      <a:miter lim="800000"/>
+                    </a:lnB>
+                    <a:lnTlToBr w="12700" cmpd="sng">
+                      <a:noFill/>
+                      <a:prstDash val="solid"/>
+                    </a:lnTlToBr>
+                    <a:lnBlToTr w="12700" cmpd="sng">
+                      <a:noFill/>
+                      <a:prstDash val="solid"/>
+                    </a:lnBlToTr>
+                    <a:solidFill>
+                      <a:schemeClr val="tx2"/>
+                    </a:solidFill>
+                  </a:tcPr>
                 </a:tc>
                 <a:tc>
                   <a:txBody>
@@ -11766,7 +12314,39 @@
                       </a:r>
                     </a:p>
                   </a:txBody>
-                  <a:tcPr/>
+                  <a:tcPr>
+                    <a:lnL w="6350" cap="flat" cmpd="sng" algn="ctr">
+                      <a:noFill/>
+                      <a:prstDash val="solid"/>
+                      <a:miter lim="800000"/>
+                    </a:lnL>
+                    <a:lnR w="6350" cap="flat" cmpd="sng" algn="ctr">
+                      <a:noFill/>
+                      <a:prstDash val="solid"/>
+                      <a:miter lim="800000"/>
+                    </a:lnR>
+                    <a:lnT w="6350" cap="flat" cmpd="sng" algn="ctr">
+                      <a:noFill/>
+                      <a:prstDash val="solid"/>
+                      <a:miter lim="800000"/>
+                    </a:lnT>
+                    <a:lnB w="6350" cap="flat" cmpd="sng" algn="ctr">
+                      <a:noFill/>
+                      <a:prstDash val="solid"/>
+                      <a:miter lim="800000"/>
+                    </a:lnB>
+                    <a:lnTlToBr w="12700" cmpd="sng">
+                      <a:noFill/>
+                      <a:prstDash val="solid"/>
+                    </a:lnTlToBr>
+                    <a:lnBlToTr w="12700" cmpd="sng">
+                      <a:noFill/>
+                      <a:prstDash val="solid"/>
+                    </a:lnBlToTr>
+                    <a:solidFill>
+                      <a:schemeClr val="tx2"/>
+                    </a:solidFill>
+                  </a:tcPr>
                 </a:tc>
                 <a:extLst>
                   <a:ext uri="{0D108BD9-81ED-4DB2-BD59-A6C34878D82A}">
@@ -12032,7 +12612,7 @@
             </a:r>
             <a:r>
               <a:rPr lang="en-IN" sz="1900" dirty="0"/>
-              <a:t>” (i.e., word-to-index). This dictionary type variable has all words of our cleaned captions as key and their line number in vocabulary.txt as value. This variable (i.e., “</a:t>
+              <a:t>” (i.e., word-to-index). This dictionary type variable has all words of our cleaned captions as key and their line index (starting from 0) in vocabulary.txt as value. This variable (i.e., “</a:t>
             </a:r>
             <a:r>
               <a:rPr lang="en-IN" sz="1900" dirty="0" err="1"/>
@@ -12056,15 +12636,7 @@
             </a:pPr>
             <a:r>
               <a:rPr lang="en-IN" sz="1900" dirty="0"/>
-              <a:t>Similar to </a:t>
-            </a:r>
-            <a:r>
-              <a:rPr lang="en-IN" sz="1900" dirty="0" err="1"/>
-              <a:t>wordtoix</a:t>
-            </a:r>
-            <a:r>
-              <a:rPr lang="en-IN" sz="1900" dirty="0"/>
-              <a:t>, we also create one more variable “</a:t>
+              <a:t>Similarly, we also create one more variable “</a:t>
             </a:r>
             <a:r>
               <a:rPr lang="en-IN" sz="1900" dirty="0" err="1"/>
@@ -12072,7 +12644,7 @@
             </a:r>
             <a:r>
               <a:rPr lang="en-IN" sz="1900" dirty="0"/>
-              <a:t>”. This variable is also of dictionary type but has line number as key and word as value. This variable will be helpful during inference.</a:t>
+              <a:t>”. This variable is also of dictionary type but has line index (from 0) as key and word as value. This variable will be helpful during inference.</a:t>
             </a:r>
           </a:p>
           <a:p>
@@ -18849,7 +19421,23 @@
           </a:bodyPr>
           <a:lstStyle/>
           <a:p>
-            <a:pPr marL="457200" indent="-457200" algn="just">
+            <a:pPr algn="just">
+              <a:lnSpc>
+                <a:spcPct val="100000"/>
+              </a:lnSpc>
+              <a:spcBef>
+                <a:spcPts val="0"/>
+              </a:spcBef>
+              <a:buFont typeface="Wingdings" panose="05000000000000000000" pitchFamily="2" charset="2"/>
+              <a:buChar char="Ø"/>
+            </a:pPr>
+            <a:r>
+              <a:rPr lang="en-IN" sz="2000" dirty="0"/>
+              <a:t>We are using two pre-trained models in this project:</a:t>
+            </a:r>
+          </a:p>
+          <a:p>
+            <a:pPr marL="800100" lvl="1" indent="-342900" algn="just">
               <a:lnSpc>
                 <a:spcPct val="100000"/>
               </a:lnSpc>
@@ -18860,12 +19448,12 @@
               <a:buAutoNum type="arabicPeriod"/>
             </a:pPr>
             <a:r>
-              <a:rPr lang="en-IN" sz="2000" dirty="0"/>
-              <a:t>InceptionV3</a:t>
-            </a:r>
-          </a:p>
-          <a:p>
-            <a:pPr marL="457200" indent="-457200" algn="just">
+              <a:rPr lang="en-IN" sz="1800" dirty="0"/>
+              <a:t>InceptionV3: To generate bottleneck features for images.</a:t>
+            </a:r>
+          </a:p>
+          <a:p>
+            <a:pPr marL="800100" lvl="1" indent="-342900" algn="just">
               <a:lnSpc>
                 <a:spcPct val="100000"/>
               </a:lnSpc>
@@ -18876,10 +19464,29 @@
               <a:buAutoNum type="arabicPeriod"/>
             </a:pPr>
             <a:r>
-              <a:rPr lang="en-IN" sz="2000" dirty="0" err="1"/>
+              <a:rPr lang="en-IN" sz="1800" dirty="0" err="1"/>
               <a:t>GloVe</a:t>
             </a:r>
-            <a:endParaRPr lang="en-IN" sz="2000" dirty="0"/>
+            <a:r>
+              <a:rPr lang="en-IN" sz="1800" dirty="0"/>
+              <a:t>: To generate word embeddings for captions.</a:t>
+            </a:r>
+          </a:p>
+          <a:p>
+            <a:pPr algn="just">
+              <a:lnSpc>
+                <a:spcPct val="100000"/>
+              </a:lnSpc>
+              <a:spcBef>
+                <a:spcPts val="0"/>
+              </a:spcBef>
+              <a:buFont typeface="Wingdings" panose="05000000000000000000" pitchFamily="2" charset="2"/>
+              <a:buChar char="Ø"/>
+            </a:pPr>
+            <a:r>
+              <a:rPr lang="en-IN" sz="2200" dirty="0"/>
+              <a:t>Inception V3:</a:t>
+            </a:r>
           </a:p>
         </p:txBody>
       </p:sp>
@@ -18941,6 +19548,42 @@
           </a:p>
         </p:txBody>
       </p:sp>
+      <p:pic>
+        <p:nvPicPr>
+          <p:cNvPr id="7" name="Picture 6" descr="Table&#10;&#10;Description automatically generated">
+            <a:extLst>
+              <a:ext uri="{FF2B5EF4-FFF2-40B4-BE49-F238E27FC236}">
+                <a16:creationId xmlns:a16="http://schemas.microsoft.com/office/drawing/2014/main" id="{1253A37B-2D79-4AD6-846F-6D1D987D327F}"/>
+              </a:ext>
+            </a:extLst>
+          </p:cNvPr>
+          <p:cNvPicPr>
+            <a:picLocks noChangeAspect="1"/>
+          </p:cNvPicPr>
+          <p:nvPr/>
+        </p:nvPicPr>
+        <p:blipFill>
+          <a:blip r:embed="rId2">
+            <a:extLst>
+              <a:ext uri="{28A0092B-C50C-407E-A947-70E740481C1C}">
+                <a14:useLocalDpi xmlns:a14="http://schemas.microsoft.com/office/drawing/2010/main" val="0"/>
+              </a:ext>
+            </a:extLst>
+          </a:blip>
+          <a:stretch>
+            <a:fillRect/>
+          </a:stretch>
+        </p:blipFill>
+        <p:spPr>
+          <a:xfrm>
+            <a:off x="2720934" y="2239617"/>
+            <a:ext cx="5985743" cy="4248764"/>
+          </a:xfrm>
+          <a:prstGeom prst="rect">
+            <a:avLst/>
+          </a:prstGeom>
+        </p:spPr>
+      </p:pic>
     </p:spTree>
     <p:extLst>
       <p:ext uri="{BB962C8B-B14F-4D97-AF65-F5344CB8AC3E}">
@@ -18999,7 +19642,7 @@
           <a:p>
             <a:r>
               <a:rPr lang="en-IN" dirty="0"/>
-              <a:t>Neural Networks Specific</a:t>
+              <a:t>Pre-Trained Models…</a:t>
             </a:r>
           </a:p>
         </p:txBody>
@@ -19043,17 +19686,16 @@
               <a:buChar char="Ø"/>
             </a:pPr>
             <a:r>
+              <a:rPr lang="en-IN" sz="2000" dirty="0" err="1"/>
+              <a:t>GloVe</a:t>
+            </a:r>
+            <a:r>
               <a:rPr lang="en-IN" sz="2000" dirty="0"/>
-              <a:t>Neural Network Architecture: </a:t>
-            </a:r>
-            <a:r>
-              <a:rPr lang="en-IN" sz="2000" dirty="0" err="1"/>
-              <a:t>Keras</a:t>
-            </a:r>
-            <a:endParaRPr lang="en-IN" sz="2000" dirty="0"/>
-          </a:p>
-          <a:p>
-            <a:pPr algn="just">
+              <a:t> (Global Vectors):</a:t>
+            </a:r>
+          </a:p>
+          <a:p>
+            <a:pPr lvl="1" algn="just">
               <a:lnSpc>
                 <a:spcPct val="100000"/>
               </a:lnSpc>
@@ -19061,15 +19703,24 @@
                 <a:spcPts val="0"/>
               </a:spcBef>
               <a:buFont typeface="Wingdings" panose="05000000000000000000" pitchFamily="2" charset="2"/>
-              <a:buChar char="Ø"/>
+              <a:buChar char="§"/>
             </a:pPr>
             <a:r>
-              <a:rPr lang="en-IN" sz="2000" dirty="0"/>
-              <a:t>Epochs: 20</a:t>
-            </a:r>
-          </a:p>
-          <a:p>
-            <a:pPr algn="just">
+              <a:rPr lang="en-IN" sz="1800" dirty="0" err="1"/>
+              <a:t>GloVe</a:t>
+            </a:r>
+            <a:r>
+              <a:rPr lang="en-IN" sz="1800" dirty="0"/>
+              <a:t> is a word vector technique and an Unsupervised </a:t>
+            </a:r>
+            <a:r>
+              <a:rPr lang="en-IN" sz="1800"/>
+              <a:t>Learning algorithm.</a:t>
+            </a:r>
+            <a:endParaRPr lang="en-IN" sz="1800" dirty="0"/>
+          </a:p>
+          <a:p>
+            <a:pPr lvl="1" algn="just">
               <a:lnSpc>
                 <a:spcPct val="100000"/>
               </a:lnSpc>
@@ -19077,15 +19728,23 @@
                 <a:spcPts val="0"/>
               </a:spcBef>
               <a:buFont typeface="Wingdings" panose="05000000000000000000" pitchFamily="2" charset="2"/>
-              <a:buChar char="Ø"/>
+              <a:buChar char="§"/>
             </a:pPr>
             <a:r>
-              <a:rPr lang="en-IN" sz="2000" dirty="0"/>
-              <a:t>Number of images (each with 5 captions) per batch: 3</a:t>
-            </a:r>
-          </a:p>
-          <a:p>
-            <a:pPr algn="just">
+              <a:rPr lang="en-IN" sz="1800" dirty="0"/>
+              <a:t>Word Vectors put words to a nice vector space where similar words cluster together and different words </a:t>
+            </a:r>
+            <a:r>
+              <a:rPr lang="en-IN" sz="1800" dirty="0" err="1"/>
+              <a:t>repet</a:t>
+            </a:r>
+            <a:r>
+              <a:rPr lang="en-IN" sz="1800" dirty="0"/>
+              <a:t>.</a:t>
+            </a:r>
+          </a:p>
+          <a:p>
+            <a:pPr lvl="1" algn="just">
               <a:lnSpc>
                 <a:spcPct val="100000"/>
               </a:lnSpc>
@@ -19093,20 +19752,31 @@
                 <a:spcPts val="0"/>
               </a:spcBef>
               <a:buFont typeface="Wingdings" panose="05000000000000000000" pitchFamily="2" charset="2"/>
-              <a:buChar char="Ø"/>
+              <a:buChar char="§"/>
             </a:pPr>
             <a:r>
-              <a:rPr lang="en-IN" sz="2000" dirty="0"/>
-              <a:t>Pre-trained models used: 	1. InceptionV3		2. </a:t>
-            </a:r>
-            <a:r>
-              <a:rPr lang="en-IN" sz="2000" dirty="0" err="1"/>
+              <a:rPr lang="en-IN" sz="1800" dirty="0"/>
+              <a:t>The advantage of </a:t>
+            </a:r>
+            <a:r>
+              <a:rPr lang="en-IN" sz="1800" dirty="0" err="1"/>
               <a:t>GloVe</a:t>
             </a:r>
-            <a:endParaRPr lang="en-IN" sz="2000" dirty="0"/>
-          </a:p>
-          <a:p>
-            <a:pPr algn="just">
+            <a:r>
+              <a:rPr lang="en-IN" sz="1800" dirty="0"/>
+              <a:t> is that unlike Word2Vec, </a:t>
+            </a:r>
+            <a:r>
+              <a:rPr lang="en-IN" sz="1800" dirty="0" err="1"/>
+              <a:t>GloVe</a:t>
+            </a:r>
+            <a:r>
+              <a:rPr lang="en-IN" sz="1800" dirty="0"/>
+              <a:t> doesn’t rely just on local statistics (i.e., local context information of words), but it incorporates global statistics (word co-occurrence) to obtain word vectors.</a:t>
+            </a:r>
+          </a:p>
+          <a:p>
+            <a:pPr lvl="1" algn="just">
               <a:lnSpc>
                 <a:spcPct val="100000"/>
               </a:lnSpc>
@@ -19114,15 +19784,23 @@
                 <a:spcPts val="0"/>
               </a:spcBef>
               <a:buFont typeface="Wingdings" panose="05000000000000000000" pitchFamily="2" charset="2"/>
-              <a:buChar char="Ø"/>
+              <a:buChar char="§"/>
             </a:pPr>
             <a:r>
-              <a:rPr lang="en-IN" sz="2000" dirty="0"/>
-              <a:t>It is clear from the previous tables (X and Y) that the data is time-series based where sequence matters a lot (as it builds context of captions, every next word is dependent on the current word), thus RNN with LSTM (Long Short Term Memory) cells is used here.</a:t>
-            </a:r>
-          </a:p>
-          <a:p>
-            <a:pPr algn="just">
+              <a:rPr lang="en-IN" sz="1800" dirty="0"/>
+              <a:t>Thus, </a:t>
+            </a:r>
+            <a:r>
+              <a:rPr lang="en-IN" sz="1800" dirty="0" err="1"/>
+              <a:t>GloVe</a:t>
+            </a:r>
+            <a:r>
+              <a:rPr lang="en-IN" sz="1800" dirty="0"/>
+              <a:t> captures both, global and local statistics of a corpus in order to come up with word vectors.</a:t>
+            </a:r>
+          </a:p>
+          <a:p>
+            <a:pPr lvl="1" algn="just">
               <a:lnSpc>
                 <a:spcPct val="100000"/>
               </a:lnSpc>
@@ -19130,11 +19808,61 @@
                 <a:spcPts val="0"/>
               </a:spcBef>
               <a:buFont typeface="Wingdings" panose="05000000000000000000" pitchFamily="2" charset="2"/>
-              <a:buChar char="Ø"/>
+              <a:buChar char="§"/>
             </a:pPr>
             <a:r>
-              <a:rPr lang="en-IN" sz="2000" dirty="0"/>
-              <a:t>As it is said earlier that the classical Encoder-Decoder solution is implemented here. Following is the architecture of this solution:</a:t>
+              <a:rPr lang="en-IN" sz="1800" dirty="0" err="1"/>
+              <a:t>GloVe</a:t>
+            </a:r>
+            <a:r>
+              <a:rPr lang="en-IN" sz="1800" dirty="0"/>
+              <a:t> method is built on an important method: Co-occurrence Matrix. </a:t>
+            </a:r>
+          </a:p>
+          <a:p>
+            <a:pPr lvl="1" algn="just">
+              <a:lnSpc>
+                <a:spcPct val="100000"/>
+              </a:lnSpc>
+              <a:spcBef>
+                <a:spcPts val="0"/>
+              </a:spcBef>
+              <a:buFont typeface="Wingdings" panose="05000000000000000000" pitchFamily="2" charset="2"/>
+              <a:buChar char="§"/>
+            </a:pPr>
+            <a:r>
+              <a:rPr lang="en-IN" sz="1800" dirty="0"/>
+              <a:t>Co-occurrence Matrix is very helpful to derive semantic relationships. Following is an example:</a:t>
+            </a:r>
+          </a:p>
+          <a:p>
+            <a:pPr marL="1371600" lvl="3" indent="0" algn="just">
+              <a:lnSpc>
+                <a:spcPct val="100000"/>
+              </a:lnSpc>
+              <a:spcBef>
+                <a:spcPts val="0"/>
+              </a:spcBef>
+              <a:buNone/>
+            </a:pPr>
+            <a:r>
+              <a:rPr lang="en-IN" dirty="0"/>
+              <a:t>“the cat sat on the mat”</a:t>
+            </a:r>
+          </a:p>
+          <a:p>
+            <a:pPr marL="914400" lvl="2" indent="0" algn="just">
+              <a:lnSpc>
+                <a:spcPct val="100000"/>
+              </a:lnSpc>
+              <a:spcBef>
+                <a:spcPts val="0"/>
+              </a:spcBef>
+              <a:buNone/>
+            </a:pPr>
+            <a:r>
+              <a:rPr lang="en-IN" sz="1800" dirty="0"/>
+              <a:t>Co-occurrence Matrix is:</a:t>
             </a:r>
           </a:p>
         </p:txBody>
@@ -19192,6 +19920,913 @@
             <a:fld id="{EC53106F-9B43-4B1F-BCB9-D94FA7734D96}" type="slidenum">
               <a:rPr lang="en-IN" smtClean="0"/>
               <a:t>25</a:t>
+            </a:fld>
+            <a:endParaRPr lang="en-IN"/>
+          </a:p>
+        </p:txBody>
+      </p:sp>
+      <p:graphicFrame>
+        <p:nvGraphicFramePr>
+          <p:cNvPr id="7" name="Table 7">
+            <a:extLst>
+              <a:ext uri="{FF2B5EF4-FFF2-40B4-BE49-F238E27FC236}">
+                <a16:creationId xmlns:a16="http://schemas.microsoft.com/office/drawing/2014/main" id="{13889562-6D48-4151-A7F7-697C6BB79C94}"/>
+              </a:ext>
+            </a:extLst>
+          </p:cNvPr>
+          <p:cNvGraphicFramePr>
+            <a:graphicFrameLocks noGrp="1"/>
+          </p:cNvGraphicFramePr>
+          <p:nvPr>
+            <p:extLst>
+              <p:ext uri="{D42A27DB-BD31-4B8C-83A1-F6EECF244321}">
+                <p14:modId xmlns:p14="http://schemas.microsoft.com/office/powerpoint/2010/main" val="2729671298"/>
+              </p:ext>
+            </p:extLst>
+          </p:nvPr>
+        </p:nvGraphicFramePr>
+        <p:xfrm>
+          <a:off x="5977836" y="4344670"/>
+          <a:ext cx="5375964" cy="2011680"/>
+        </p:xfrm>
+        <a:graphic>
+          <a:graphicData uri="http://schemas.openxmlformats.org/drawingml/2006/table">
+            <a:tbl>
+              <a:tblPr bandRow="1">
+                <a:tableStyleId>{5C22544A-7EE6-4342-B048-85BDC9FD1C3A}</a:tableStyleId>
+              </a:tblPr>
+              <a:tblGrid>
+                <a:gridCol w="895994">
+                  <a:extLst>
+                    <a:ext uri="{9D8B030D-6E8A-4147-A177-3AD203B41FA5}">
+                      <a16:colId xmlns:a16="http://schemas.microsoft.com/office/drawing/2014/main" val="3470491924"/>
+                    </a:ext>
+                  </a:extLst>
+                </a:gridCol>
+                <a:gridCol w="895994">
+                  <a:extLst>
+                    <a:ext uri="{9D8B030D-6E8A-4147-A177-3AD203B41FA5}">
+                      <a16:colId xmlns:a16="http://schemas.microsoft.com/office/drawing/2014/main" val="2502966855"/>
+                    </a:ext>
+                  </a:extLst>
+                </a:gridCol>
+                <a:gridCol w="895994">
+                  <a:extLst>
+                    <a:ext uri="{9D8B030D-6E8A-4147-A177-3AD203B41FA5}">
+                      <a16:colId xmlns:a16="http://schemas.microsoft.com/office/drawing/2014/main" val="1083158815"/>
+                    </a:ext>
+                  </a:extLst>
+                </a:gridCol>
+                <a:gridCol w="895994">
+                  <a:extLst>
+                    <a:ext uri="{9D8B030D-6E8A-4147-A177-3AD203B41FA5}">
+                      <a16:colId xmlns:a16="http://schemas.microsoft.com/office/drawing/2014/main" val="4121210064"/>
+                    </a:ext>
+                  </a:extLst>
+                </a:gridCol>
+                <a:gridCol w="895994">
+                  <a:extLst>
+                    <a:ext uri="{9D8B030D-6E8A-4147-A177-3AD203B41FA5}">
+                      <a16:colId xmlns:a16="http://schemas.microsoft.com/office/drawing/2014/main" val="141701959"/>
+                    </a:ext>
+                  </a:extLst>
+                </a:gridCol>
+                <a:gridCol w="895994">
+                  <a:extLst>
+                    <a:ext uri="{9D8B030D-6E8A-4147-A177-3AD203B41FA5}">
+                      <a16:colId xmlns:a16="http://schemas.microsoft.com/office/drawing/2014/main" val="3461793176"/>
+                    </a:ext>
+                  </a:extLst>
+                </a:gridCol>
+              </a:tblGrid>
+              <a:tr h="165702">
+                <a:tc>
+                  <a:txBody>
+                    <a:bodyPr/>
+                    <a:lstStyle/>
+                    <a:p>
+                      <a:pPr algn="ctr"/>
+                      <a:endParaRPr lang="en-IN" sz="1600" dirty="0"/>
+                    </a:p>
+                  </a:txBody>
+                  <a:tcPr anchor="ctr"/>
+                </a:tc>
+                <a:tc>
+                  <a:txBody>
+                    <a:bodyPr/>
+                    <a:lstStyle/>
+                    <a:p>
+                      <a:pPr algn="ctr"/>
+                      <a:r>
+                        <a:rPr lang="en-IN" sz="1600" dirty="0"/>
+                        <a:t>“the”</a:t>
+                      </a:r>
+                    </a:p>
+                  </a:txBody>
+                  <a:tcPr anchor="ctr"/>
+                </a:tc>
+                <a:tc>
+                  <a:txBody>
+                    <a:bodyPr/>
+                    <a:lstStyle/>
+                    <a:p>
+                      <a:pPr algn="ctr"/>
+                      <a:r>
+                        <a:rPr lang="en-IN" sz="1600" dirty="0"/>
+                        <a:t>“cat”</a:t>
+                      </a:r>
+                    </a:p>
+                  </a:txBody>
+                  <a:tcPr anchor="ctr"/>
+                </a:tc>
+                <a:tc>
+                  <a:txBody>
+                    <a:bodyPr/>
+                    <a:lstStyle/>
+                    <a:p>
+                      <a:pPr algn="ctr"/>
+                      <a:r>
+                        <a:rPr lang="en-IN" sz="1600" dirty="0"/>
+                        <a:t>“sat”</a:t>
+                      </a:r>
+                    </a:p>
+                  </a:txBody>
+                  <a:tcPr anchor="ctr"/>
+                </a:tc>
+                <a:tc>
+                  <a:txBody>
+                    <a:bodyPr/>
+                    <a:lstStyle/>
+                    <a:p>
+                      <a:pPr algn="ctr"/>
+                      <a:r>
+                        <a:rPr lang="en-IN" sz="1600" dirty="0"/>
+                        <a:t>“on”</a:t>
+                      </a:r>
+                    </a:p>
+                  </a:txBody>
+                  <a:tcPr anchor="ctr"/>
+                </a:tc>
+                <a:tc>
+                  <a:txBody>
+                    <a:bodyPr/>
+                    <a:lstStyle/>
+                    <a:p>
+                      <a:pPr algn="ctr"/>
+                      <a:r>
+                        <a:rPr lang="en-IN" sz="1600" dirty="0"/>
+                        <a:t>“mat”</a:t>
+                      </a:r>
+                    </a:p>
+                  </a:txBody>
+                  <a:tcPr anchor="ctr"/>
+                </a:tc>
+                <a:extLst>
+                  <a:ext uri="{0D108BD9-81ED-4DB2-BD59-A6C34878D82A}">
+                    <a16:rowId xmlns:a16="http://schemas.microsoft.com/office/drawing/2014/main" val="2651531398"/>
+                  </a:ext>
+                </a:extLst>
+              </a:tr>
+              <a:tr h="165702">
+                <a:tc>
+                  <a:txBody>
+                    <a:bodyPr/>
+                    <a:lstStyle/>
+                    <a:p>
+                      <a:pPr algn="ctr"/>
+                      <a:r>
+                        <a:rPr lang="en-IN" sz="1600" dirty="0"/>
+                        <a:t>“the”</a:t>
+                      </a:r>
+                    </a:p>
+                  </a:txBody>
+                  <a:tcPr anchor="ctr"/>
+                </a:tc>
+                <a:tc>
+                  <a:txBody>
+                    <a:bodyPr/>
+                    <a:lstStyle/>
+                    <a:p>
+                      <a:pPr algn="ctr"/>
+                      <a:r>
+                        <a:rPr lang="en-IN" sz="1600" dirty="0"/>
+                        <a:t>0</a:t>
+                      </a:r>
+                    </a:p>
+                  </a:txBody>
+                  <a:tcPr anchor="ctr"/>
+                </a:tc>
+                <a:tc>
+                  <a:txBody>
+                    <a:bodyPr/>
+                    <a:lstStyle/>
+                    <a:p>
+                      <a:pPr algn="ctr"/>
+                      <a:r>
+                        <a:rPr lang="en-IN" sz="1600" dirty="0"/>
+                        <a:t>1</a:t>
+                      </a:r>
+                    </a:p>
+                  </a:txBody>
+                  <a:tcPr anchor="ctr"/>
+                </a:tc>
+                <a:tc>
+                  <a:txBody>
+                    <a:bodyPr/>
+                    <a:lstStyle/>
+                    <a:p>
+                      <a:pPr algn="ctr"/>
+                      <a:r>
+                        <a:rPr lang="en-IN" sz="1600" dirty="0"/>
+                        <a:t>0</a:t>
+                      </a:r>
+                    </a:p>
+                  </a:txBody>
+                  <a:tcPr anchor="ctr"/>
+                </a:tc>
+                <a:tc>
+                  <a:txBody>
+                    <a:bodyPr/>
+                    <a:lstStyle/>
+                    <a:p>
+                      <a:pPr algn="ctr"/>
+                      <a:r>
+                        <a:rPr lang="en-IN" sz="1600" dirty="0"/>
+                        <a:t>1</a:t>
+                      </a:r>
+                    </a:p>
+                  </a:txBody>
+                  <a:tcPr anchor="ctr"/>
+                </a:tc>
+                <a:tc>
+                  <a:txBody>
+                    <a:bodyPr/>
+                    <a:lstStyle/>
+                    <a:p>
+                      <a:pPr algn="ctr"/>
+                      <a:r>
+                        <a:rPr lang="en-IN" sz="1600" dirty="0"/>
+                        <a:t>1</a:t>
+                      </a:r>
+                    </a:p>
+                  </a:txBody>
+                  <a:tcPr anchor="ctr"/>
+                </a:tc>
+                <a:extLst>
+                  <a:ext uri="{0D108BD9-81ED-4DB2-BD59-A6C34878D82A}">
+                    <a16:rowId xmlns:a16="http://schemas.microsoft.com/office/drawing/2014/main" val="3540775974"/>
+                  </a:ext>
+                </a:extLst>
+              </a:tr>
+              <a:tr h="165702">
+                <a:tc>
+                  <a:txBody>
+                    <a:bodyPr/>
+                    <a:lstStyle/>
+                    <a:p>
+                      <a:pPr algn="ctr"/>
+                      <a:r>
+                        <a:rPr lang="en-IN" sz="1600" dirty="0"/>
+                        <a:t>“cat”</a:t>
+                      </a:r>
+                    </a:p>
+                  </a:txBody>
+                  <a:tcPr anchor="ctr"/>
+                </a:tc>
+                <a:tc>
+                  <a:txBody>
+                    <a:bodyPr/>
+                    <a:lstStyle/>
+                    <a:p>
+                      <a:pPr algn="ctr"/>
+                      <a:r>
+                        <a:rPr lang="en-IN" sz="1600" dirty="0"/>
+                        <a:t>1</a:t>
+                      </a:r>
+                    </a:p>
+                  </a:txBody>
+                  <a:tcPr anchor="ctr"/>
+                </a:tc>
+                <a:tc>
+                  <a:txBody>
+                    <a:bodyPr/>
+                    <a:lstStyle/>
+                    <a:p>
+                      <a:pPr algn="ctr"/>
+                      <a:r>
+                        <a:rPr lang="en-IN" sz="1600" dirty="0"/>
+                        <a:t>0</a:t>
+                      </a:r>
+                    </a:p>
+                  </a:txBody>
+                  <a:tcPr anchor="ctr"/>
+                </a:tc>
+                <a:tc>
+                  <a:txBody>
+                    <a:bodyPr/>
+                    <a:lstStyle/>
+                    <a:p>
+                      <a:pPr algn="ctr"/>
+                      <a:r>
+                        <a:rPr lang="en-IN" sz="1600" dirty="0"/>
+                        <a:t>1</a:t>
+                      </a:r>
+                    </a:p>
+                  </a:txBody>
+                  <a:tcPr anchor="ctr"/>
+                </a:tc>
+                <a:tc>
+                  <a:txBody>
+                    <a:bodyPr/>
+                    <a:lstStyle/>
+                    <a:p>
+                      <a:pPr algn="ctr"/>
+                      <a:r>
+                        <a:rPr lang="en-IN" sz="1600" dirty="0"/>
+                        <a:t>0</a:t>
+                      </a:r>
+                    </a:p>
+                  </a:txBody>
+                  <a:tcPr anchor="ctr"/>
+                </a:tc>
+                <a:tc>
+                  <a:txBody>
+                    <a:bodyPr/>
+                    <a:lstStyle/>
+                    <a:p>
+                      <a:pPr algn="ctr"/>
+                      <a:r>
+                        <a:rPr lang="en-IN" sz="1600" dirty="0"/>
+                        <a:t>0</a:t>
+                      </a:r>
+                    </a:p>
+                  </a:txBody>
+                  <a:tcPr anchor="ctr"/>
+                </a:tc>
+                <a:extLst>
+                  <a:ext uri="{0D108BD9-81ED-4DB2-BD59-A6C34878D82A}">
+                    <a16:rowId xmlns:a16="http://schemas.microsoft.com/office/drawing/2014/main" val="2368716598"/>
+                  </a:ext>
+                </a:extLst>
+              </a:tr>
+              <a:tr h="165702">
+                <a:tc>
+                  <a:txBody>
+                    <a:bodyPr/>
+                    <a:lstStyle/>
+                    <a:p>
+                      <a:pPr algn="ctr"/>
+                      <a:r>
+                        <a:rPr lang="en-IN" sz="1600" dirty="0"/>
+                        <a:t>“sat”</a:t>
+                      </a:r>
+                    </a:p>
+                  </a:txBody>
+                  <a:tcPr anchor="ctr"/>
+                </a:tc>
+                <a:tc>
+                  <a:txBody>
+                    <a:bodyPr/>
+                    <a:lstStyle/>
+                    <a:p>
+                      <a:pPr algn="ctr"/>
+                      <a:r>
+                        <a:rPr lang="en-IN" sz="1600" dirty="0"/>
+                        <a:t>0</a:t>
+                      </a:r>
+                    </a:p>
+                  </a:txBody>
+                  <a:tcPr anchor="ctr"/>
+                </a:tc>
+                <a:tc>
+                  <a:txBody>
+                    <a:bodyPr/>
+                    <a:lstStyle/>
+                    <a:p>
+                      <a:pPr algn="ctr"/>
+                      <a:r>
+                        <a:rPr lang="en-IN" sz="1600" dirty="0"/>
+                        <a:t>1</a:t>
+                      </a:r>
+                    </a:p>
+                  </a:txBody>
+                  <a:tcPr anchor="ctr"/>
+                </a:tc>
+                <a:tc>
+                  <a:txBody>
+                    <a:bodyPr/>
+                    <a:lstStyle/>
+                    <a:p>
+                      <a:pPr algn="ctr"/>
+                      <a:r>
+                        <a:rPr lang="en-IN" sz="1600" dirty="0"/>
+                        <a:t>0</a:t>
+                      </a:r>
+                    </a:p>
+                  </a:txBody>
+                  <a:tcPr anchor="ctr"/>
+                </a:tc>
+                <a:tc>
+                  <a:txBody>
+                    <a:bodyPr/>
+                    <a:lstStyle/>
+                    <a:p>
+                      <a:pPr algn="ctr"/>
+                      <a:r>
+                        <a:rPr lang="en-IN" sz="1600" dirty="0"/>
+                        <a:t>1</a:t>
+                      </a:r>
+                    </a:p>
+                  </a:txBody>
+                  <a:tcPr anchor="ctr"/>
+                </a:tc>
+                <a:tc>
+                  <a:txBody>
+                    <a:bodyPr/>
+                    <a:lstStyle/>
+                    <a:p>
+                      <a:pPr algn="ctr"/>
+                      <a:r>
+                        <a:rPr lang="en-IN" sz="1600" dirty="0"/>
+                        <a:t>0</a:t>
+                      </a:r>
+                    </a:p>
+                  </a:txBody>
+                  <a:tcPr anchor="ctr"/>
+                </a:tc>
+                <a:extLst>
+                  <a:ext uri="{0D108BD9-81ED-4DB2-BD59-A6C34878D82A}">
+                    <a16:rowId xmlns:a16="http://schemas.microsoft.com/office/drawing/2014/main" val="3942807443"/>
+                  </a:ext>
+                </a:extLst>
+              </a:tr>
+              <a:tr h="165702">
+                <a:tc>
+                  <a:txBody>
+                    <a:bodyPr/>
+                    <a:lstStyle/>
+                    <a:p>
+                      <a:pPr algn="ctr"/>
+                      <a:r>
+                        <a:rPr lang="en-IN" sz="1600" dirty="0"/>
+                        <a:t>“on”</a:t>
+                      </a:r>
+                    </a:p>
+                  </a:txBody>
+                  <a:tcPr anchor="ctr"/>
+                </a:tc>
+                <a:tc>
+                  <a:txBody>
+                    <a:bodyPr/>
+                    <a:lstStyle/>
+                    <a:p>
+                      <a:pPr algn="ctr"/>
+                      <a:r>
+                        <a:rPr lang="en-IN" sz="1600" dirty="0"/>
+                        <a:t>1</a:t>
+                      </a:r>
+                    </a:p>
+                  </a:txBody>
+                  <a:tcPr anchor="ctr"/>
+                </a:tc>
+                <a:tc>
+                  <a:txBody>
+                    <a:bodyPr/>
+                    <a:lstStyle/>
+                    <a:p>
+                      <a:pPr algn="ctr"/>
+                      <a:r>
+                        <a:rPr lang="en-IN" sz="1600" dirty="0"/>
+                        <a:t>0</a:t>
+                      </a:r>
+                    </a:p>
+                  </a:txBody>
+                  <a:tcPr anchor="ctr"/>
+                </a:tc>
+                <a:tc>
+                  <a:txBody>
+                    <a:bodyPr/>
+                    <a:lstStyle/>
+                    <a:p>
+                      <a:pPr algn="ctr"/>
+                      <a:r>
+                        <a:rPr lang="en-IN" sz="1600" dirty="0"/>
+                        <a:t>1</a:t>
+                      </a:r>
+                    </a:p>
+                  </a:txBody>
+                  <a:tcPr anchor="ctr"/>
+                </a:tc>
+                <a:tc>
+                  <a:txBody>
+                    <a:bodyPr/>
+                    <a:lstStyle/>
+                    <a:p>
+                      <a:pPr algn="ctr"/>
+                      <a:r>
+                        <a:rPr lang="en-IN" sz="1600" dirty="0"/>
+                        <a:t>0</a:t>
+                      </a:r>
+                    </a:p>
+                  </a:txBody>
+                  <a:tcPr anchor="ctr"/>
+                </a:tc>
+                <a:tc>
+                  <a:txBody>
+                    <a:bodyPr/>
+                    <a:lstStyle/>
+                    <a:p>
+                      <a:pPr algn="ctr"/>
+                      <a:r>
+                        <a:rPr lang="en-IN" sz="1600" dirty="0"/>
+                        <a:t>0</a:t>
+                      </a:r>
+                    </a:p>
+                  </a:txBody>
+                  <a:tcPr anchor="ctr"/>
+                </a:tc>
+                <a:extLst>
+                  <a:ext uri="{0D108BD9-81ED-4DB2-BD59-A6C34878D82A}">
+                    <a16:rowId xmlns:a16="http://schemas.microsoft.com/office/drawing/2014/main" val="1314220991"/>
+                  </a:ext>
+                </a:extLst>
+              </a:tr>
+              <a:tr h="165702">
+                <a:tc>
+                  <a:txBody>
+                    <a:bodyPr/>
+                    <a:lstStyle/>
+                    <a:p>
+                      <a:pPr algn="ctr"/>
+                      <a:r>
+                        <a:rPr lang="en-IN" sz="1600" dirty="0"/>
+                        <a:t>“mat”</a:t>
+                      </a:r>
+                    </a:p>
+                  </a:txBody>
+                  <a:tcPr anchor="ctr"/>
+                </a:tc>
+                <a:tc>
+                  <a:txBody>
+                    <a:bodyPr/>
+                    <a:lstStyle/>
+                    <a:p>
+                      <a:pPr algn="ctr"/>
+                      <a:r>
+                        <a:rPr lang="en-IN" sz="1600" dirty="0"/>
+                        <a:t>1</a:t>
+                      </a:r>
+                    </a:p>
+                  </a:txBody>
+                  <a:tcPr anchor="ctr"/>
+                </a:tc>
+                <a:tc>
+                  <a:txBody>
+                    <a:bodyPr/>
+                    <a:lstStyle/>
+                    <a:p>
+                      <a:pPr algn="ctr"/>
+                      <a:r>
+                        <a:rPr lang="en-IN" sz="1600" dirty="0"/>
+                        <a:t>0</a:t>
+                      </a:r>
+                    </a:p>
+                  </a:txBody>
+                  <a:tcPr anchor="ctr"/>
+                </a:tc>
+                <a:tc>
+                  <a:txBody>
+                    <a:bodyPr/>
+                    <a:lstStyle/>
+                    <a:p>
+                      <a:pPr algn="ctr"/>
+                      <a:r>
+                        <a:rPr lang="en-IN" sz="1600" dirty="0"/>
+                        <a:t>0</a:t>
+                      </a:r>
+                    </a:p>
+                  </a:txBody>
+                  <a:tcPr anchor="ctr"/>
+                </a:tc>
+                <a:tc>
+                  <a:txBody>
+                    <a:bodyPr/>
+                    <a:lstStyle/>
+                    <a:p>
+                      <a:pPr algn="ctr"/>
+                      <a:r>
+                        <a:rPr lang="en-IN" sz="1600" dirty="0"/>
+                        <a:t>0</a:t>
+                      </a:r>
+                    </a:p>
+                  </a:txBody>
+                  <a:tcPr anchor="ctr"/>
+                </a:tc>
+                <a:tc>
+                  <a:txBody>
+                    <a:bodyPr/>
+                    <a:lstStyle/>
+                    <a:p>
+                      <a:pPr algn="ctr"/>
+                      <a:r>
+                        <a:rPr lang="en-IN" sz="1600" dirty="0"/>
+                        <a:t>0</a:t>
+                      </a:r>
+                    </a:p>
+                  </a:txBody>
+                  <a:tcPr anchor="ctr"/>
+                </a:tc>
+                <a:extLst>
+                  <a:ext uri="{0D108BD9-81ED-4DB2-BD59-A6C34878D82A}">
+                    <a16:rowId xmlns:a16="http://schemas.microsoft.com/office/drawing/2014/main" val="2799734191"/>
+                  </a:ext>
+                </a:extLst>
+              </a:tr>
+            </a:tbl>
+          </a:graphicData>
+        </a:graphic>
+      </p:graphicFrame>
+      <p:sp>
+        <p:nvSpPr>
+          <p:cNvPr id="8" name="TextBox 7">
+            <a:extLst>
+              <a:ext uri="{FF2B5EF4-FFF2-40B4-BE49-F238E27FC236}">
+                <a16:creationId xmlns:a16="http://schemas.microsoft.com/office/drawing/2014/main" id="{FA61114D-D3FC-4884-80F9-86AD98153890}"/>
+              </a:ext>
+            </a:extLst>
+          </p:cNvPr>
+          <p:cNvSpPr txBox="1"/>
+          <p:nvPr/>
+        </p:nvSpPr>
+        <p:spPr>
+          <a:xfrm>
+            <a:off x="7553739" y="136525"/>
+            <a:ext cx="184731" cy="369332"/>
+          </a:xfrm>
+          <a:prstGeom prst="rect">
+            <a:avLst/>
+          </a:prstGeom>
+          <a:noFill/>
+        </p:spPr>
+        <p:txBody>
+          <a:bodyPr wrap="none" rtlCol="0">
+            <a:spAutoFit/>
+          </a:bodyPr>
+          <a:lstStyle/>
+          <a:p>
+            <a:pPr algn="just"/>
+            <a:endParaRPr lang="en-IN" dirty="0"/>
+          </a:p>
+        </p:txBody>
+      </p:sp>
+    </p:spTree>
+    <p:extLst>
+      <p:ext uri="{BB962C8B-B14F-4D97-AF65-F5344CB8AC3E}">
+        <p14:creationId xmlns:p14="http://schemas.microsoft.com/office/powerpoint/2010/main" val="4193493783"/>
+      </p:ext>
+    </p:extLst>
+  </p:cSld>
+  <p:clrMapOvr>
+    <a:masterClrMapping/>
+  </p:clrMapOvr>
+</p:sld>
+</file>
+
+<file path=ppt/slides/slide26.xml><?xml version="1.0" encoding="utf-8"?>
+<p:sld xmlns:a="http://schemas.openxmlformats.org/drawingml/2006/main" xmlns:r="http://schemas.openxmlformats.org/officeDocument/2006/relationships" xmlns:p="http://schemas.openxmlformats.org/presentationml/2006/main">
+  <p:cSld>
+    <p:spTree>
+      <p:nvGrpSpPr>
+        <p:cNvPr id="1" name=""/>
+        <p:cNvGrpSpPr/>
+        <p:nvPr/>
+      </p:nvGrpSpPr>
+      <p:grpSpPr>
+        <a:xfrm>
+          <a:off x="0" y="0"/>
+          <a:ext cx="0" cy="0"/>
+          <a:chOff x="0" y="0"/>
+          <a:chExt cx="0" cy="0"/>
+        </a:xfrm>
+      </p:grpSpPr>
+      <p:sp>
+        <p:nvSpPr>
+          <p:cNvPr id="2" name="Title 1">
+            <a:extLst>
+              <a:ext uri="{FF2B5EF4-FFF2-40B4-BE49-F238E27FC236}">
+                <a16:creationId xmlns:a16="http://schemas.microsoft.com/office/drawing/2014/main" id="{9F53C0E6-5CA5-48E1-B370-E678425399F4}"/>
+              </a:ext>
+            </a:extLst>
+          </p:cNvPr>
+          <p:cNvSpPr>
+            <a:spLocks noGrp="1"/>
+          </p:cNvSpPr>
+          <p:nvPr>
+            <p:ph type="title"/>
+          </p:nvPr>
+        </p:nvSpPr>
+        <p:spPr>
+          <a:xfrm>
+            <a:off x="838200" y="365125"/>
+            <a:ext cx="10515600" cy="827571"/>
+          </a:xfrm>
+        </p:spPr>
+        <p:txBody>
+          <a:bodyPr/>
+          <a:lstStyle/>
+          <a:p>
+            <a:r>
+              <a:rPr lang="en-IN" dirty="0"/>
+              <a:t>Training &amp; Neural Networks Specific</a:t>
+            </a:r>
+          </a:p>
+        </p:txBody>
+      </p:sp>
+      <p:sp>
+        <p:nvSpPr>
+          <p:cNvPr id="3" name="Content Placeholder 2">
+            <a:extLst>
+              <a:ext uri="{FF2B5EF4-FFF2-40B4-BE49-F238E27FC236}">
+                <a16:creationId xmlns:a16="http://schemas.microsoft.com/office/drawing/2014/main" id="{F0A4581A-26B3-40E7-A945-90C4D9B58292}"/>
+              </a:ext>
+            </a:extLst>
+          </p:cNvPr>
+          <p:cNvSpPr>
+            <a:spLocks noGrp="1"/>
+          </p:cNvSpPr>
+          <p:nvPr>
+            <p:ph idx="1"/>
+          </p:nvPr>
+        </p:nvSpPr>
+        <p:spPr>
+          <a:xfrm>
+            <a:off x="838200" y="1192696"/>
+            <a:ext cx="10515600" cy="4984267"/>
+          </a:xfrm>
+        </p:spPr>
+        <p:txBody>
+          <a:bodyPr>
+            <a:normAutofit/>
+          </a:bodyPr>
+          <a:lstStyle/>
+          <a:p>
+            <a:pPr algn="just">
+              <a:lnSpc>
+                <a:spcPct val="100000"/>
+              </a:lnSpc>
+              <a:spcBef>
+                <a:spcPts val="0"/>
+              </a:spcBef>
+              <a:buFont typeface="Wingdings" panose="05000000000000000000" pitchFamily="2" charset="2"/>
+              <a:buChar char="Ø"/>
+            </a:pPr>
+            <a:r>
+              <a:rPr lang="en-IN" sz="2000" dirty="0"/>
+              <a:t>Neural Network Framework: </a:t>
+            </a:r>
+            <a:r>
+              <a:rPr lang="en-IN" sz="2000" dirty="0" err="1"/>
+              <a:t>Keras</a:t>
+            </a:r>
+            <a:r>
+              <a:rPr lang="en-IN" sz="2000" dirty="0"/>
+              <a:t> (version: 2.4.3)</a:t>
+            </a:r>
+          </a:p>
+          <a:p>
+            <a:pPr algn="just">
+              <a:lnSpc>
+                <a:spcPct val="100000"/>
+              </a:lnSpc>
+              <a:spcBef>
+                <a:spcPts val="0"/>
+              </a:spcBef>
+              <a:buFont typeface="Wingdings" panose="05000000000000000000" pitchFamily="2" charset="2"/>
+              <a:buChar char="Ø"/>
+            </a:pPr>
+            <a:endParaRPr lang="en-IN" sz="2000" dirty="0"/>
+          </a:p>
+          <a:p>
+            <a:pPr algn="just">
+              <a:lnSpc>
+                <a:spcPct val="100000"/>
+              </a:lnSpc>
+              <a:spcBef>
+                <a:spcPts val="0"/>
+              </a:spcBef>
+              <a:buFont typeface="Wingdings" panose="05000000000000000000" pitchFamily="2" charset="2"/>
+              <a:buChar char="Ø"/>
+            </a:pPr>
+            <a:endParaRPr lang="en-IN" sz="2000" dirty="0"/>
+          </a:p>
+          <a:p>
+            <a:pPr algn="just">
+              <a:lnSpc>
+                <a:spcPct val="100000"/>
+              </a:lnSpc>
+              <a:spcBef>
+                <a:spcPts val="0"/>
+              </a:spcBef>
+              <a:buFont typeface="Wingdings" panose="05000000000000000000" pitchFamily="2" charset="2"/>
+              <a:buChar char="Ø"/>
+            </a:pPr>
+            <a:r>
+              <a:rPr lang="en-IN" sz="2000" dirty="0"/>
+              <a:t>Pre-trained models used: 	1. InceptionV3		2. </a:t>
+            </a:r>
+            <a:r>
+              <a:rPr lang="en-IN" sz="2000" dirty="0" err="1"/>
+              <a:t>GloVe</a:t>
+            </a:r>
+            <a:endParaRPr lang="en-IN" sz="2000" dirty="0"/>
+          </a:p>
+          <a:p>
+            <a:pPr algn="just">
+              <a:lnSpc>
+                <a:spcPct val="100000"/>
+              </a:lnSpc>
+              <a:spcBef>
+                <a:spcPts val="0"/>
+              </a:spcBef>
+              <a:buFont typeface="Wingdings" panose="05000000000000000000" pitchFamily="2" charset="2"/>
+              <a:buChar char="Ø"/>
+            </a:pPr>
+            <a:r>
+              <a:rPr lang="en-IN" sz="2000" dirty="0"/>
+              <a:t>It is clear from the previous tables (X and Y) that the data is time-series based where sequence matters a lot (as it builds context of captions, every next word is dependent on the current word), thus RNN with LSTM (Long Short Term Memory) cells is used here.</a:t>
+            </a:r>
+          </a:p>
+          <a:p>
+            <a:pPr algn="just">
+              <a:lnSpc>
+                <a:spcPct val="100000"/>
+              </a:lnSpc>
+              <a:spcBef>
+                <a:spcPts val="0"/>
+              </a:spcBef>
+              <a:buFont typeface="Wingdings" panose="05000000000000000000" pitchFamily="2" charset="2"/>
+              <a:buChar char="Ø"/>
+            </a:pPr>
+            <a:r>
+              <a:rPr lang="en-IN" sz="2000" dirty="0"/>
+              <a:t>As it is said earlier that the classical Encoder-Decoder solution is implemented here. Following is the architecture of this solution:</a:t>
+            </a:r>
+          </a:p>
+        </p:txBody>
+      </p:sp>
+      <p:sp>
+        <p:nvSpPr>
+          <p:cNvPr id="4" name="Footer Placeholder 3">
+            <a:extLst>
+              <a:ext uri="{FF2B5EF4-FFF2-40B4-BE49-F238E27FC236}">
+                <a16:creationId xmlns:a16="http://schemas.microsoft.com/office/drawing/2014/main" id="{540972A1-4BB3-4D04-B4DF-C76BA9B5CAD8}"/>
+              </a:ext>
+            </a:extLst>
+          </p:cNvPr>
+          <p:cNvSpPr>
+            <a:spLocks noGrp="1"/>
+          </p:cNvSpPr>
+          <p:nvPr>
+            <p:ph type="ftr" sz="quarter" idx="11"/>
+          </p:nvPr>
+        </p:nvSpPr>
+        <p:spPr/>
+        <p:txBody>
+          <a:bodyPr/>
+          <a:lstStyle/>
+          <a:p>
+            <a:r>
+              <a:rPr lang="en-US"/>
+              <a:t>Sanjay Singh | san.singhsanjay@gmail.com</a:t>
+            </a:r>
+            <a:endParaRPr lang="en-IN"/>
+          </a:p>
+        </p:txBody>
+      </p:sp>
+      <p:sp>
+        <p:nvSpPr>
+          <p:cNvPr id="5" name="Slide Number Placeholder 4">
+            <a:extLst>
+              <a:ext uri="{FF2B5EF4-FFF2-40B4-BE49-F238E27FC236}">
+                <a16:creationId xmlns:a16="http://schemas.microsoft.com/office/drawing/2014/main" id="{23B5C741-F1AB-463E-B229-974B2924B065}"/>
+              </a:ext>
+            </a:extLst>
+          </p:cNvPr>
+          <p:cNvSpPr>
+            <a:spLocks noGrp="1"/>
+          </p:cNvSpPr>
+          <p:nvPr>
+            <p:ph type="sldNum" sz="quarter" idx="12"/>
+          </p:nvPr>
+        </p:nvSpPr>
+        <p:spPr/>
+        <p:txBody>
+          <a:bodyPr/>
+          <a:lstStyle/>
+          <a:p>
+            <a:fld id="{EC53106F-9B43-4B1F-BCB9-D94FA7734D96}" type="slidenum">
+              <a:rPr lang="en-IN" smtClean="0"/>
+              <a:t>26</a:t>
             </a:fld>
             <a:endParaRPr lang="en-IN"/>
           </a:p>
@@ -19898,234 +21533,234 @@
           </a:p>
         </p:txBody>
       </p:sp>
+      <p:graphicFrame>
+        <p:nvGraphicFramePr>
+          <p:cNvPr id="6" name="Table 7">
+            <a:extLst>
+              <a:ext uri="{FF2B5EF4-FFF2-40B4-BE49-F238E27FC236}">
+                <a16:creationId xmlns:a16="http://schemas.microsoft.com/office/drawing/2014/main" id="{96F9D78C-9CE6-4E8B-8138-21F7DC5A3D47}"/>
+              </a:ext>
+            </a:extLst>
+          </p:cNvPr>
+          <p:cNvGraphicFramePr>
+            <a:graphicFrameLocks noGrp="1"/>
+          </p:cNvGraphicFramePr>
+          <p:nvPr>
+            <p:extLst>
+              <p:ext uri="{D42A27DB-BD31-4B8C-83A1-F6EECF244321}">
+                <p14:modId xmlns:p14="http://schemas.microsoft.com/office/powerpoint/2010/main" val="2697512033"/>
+              </p:ext>
+            </p:extLst>
+          </p:nvPr>
+        </p:nvGraphicFramePr>
+        <p:xfrm>
+          <a:off x="849032" y="1449663"/>
+          <a:ext cx="10478264" cy="792480"/>
+        </p:xfrm>
+        <a:graphic>
+          <a:graphicData uri="http://schemas.openxmlformats.org/drawingml/2006/table">
+            <a:tbl>
+              <a:tblPr bandRow="1">
+                <a:tableStyleId>{5C22544A-7EE6-4342-B048-85BDC9FD1C3A}</a:tableStyleId>
+              </a:tblPr>
+              <a:tblGrid>
+                <a:gridCol w="3616139">
+                  <a:extLst>
+                    <a:ext uri="{9D8B030D-6E8A-4147-A177-3AD203B41FA5}">
+                      <a16:colId xmlns:a16="http://schemas.microsoft.com/office/drawing/2014/main" val="343336883"/>
+                    </a:ext>
+                  </a:extLst>
+                </a:gridCol>
+                <a:gridCol w="6862125">
+                  <a:extLst>
+                    <a:ext uri="{9D8B030D-6E8A-4147-A177-3AD203B41FA5}">
+                      <a16:colId xmlns:a16="http://schemas.microsoft.com/office/drawing/2014/main" val="1847998"/>
+                    </a:ext>
+                  </a:extLst>
+                </a:gridCol>
+              </a:tblGrid>
+              <a:tr h="370840">
+                <a:tc>
+                  <a:txBody>
+                    <a:bodyPr/>
+                    <a:lstStyle/>
+                    <a:p>
+                      <a:pPr marL="285750" indent="-285750">
+                        <a:buFont typeface="Wingdings" panose="05000000000000000000" pitchFamily="2" charset="2"/>
+                        <a:buChar char="Ø"/>
+                      </a:pPr>
+                      <a:r>
+                        <a:rPr lang="en-IN" sz="2000" dirty="0" err="1"/>
+                        <a:t>Epchs</a:t>
+                      </a:r>
+                      <a:r>
+                        <a:rPr lang="en-IN" sz="2000" dirty="0"/>
+                        <a:t>: 20</a:t>
+                      </a:r>
+                    </a:p>
+                  </a:txBody>
+                  <a:tcPr>
+                    <a:lnL w="12700" cmpd="sng">
+                      <a:noFill/>
+                    </a:lnL>
+                    <a:lnR w="12700" cmpd="sng">
+                      <a:noFill/>
+                    </a:lnR>
+                    <a:lnT w="12700" cmpd="sng">
+                      <a:noFill/>
+                    </a:lnT>
+                    <a:lnB w="12700" cmpd="sng">
+                      <a:noFill/>
+                    </a:lnB>
+                    <a:lnTlToBr w="12700" cmpd="sng">
+                      <a:noFill/>
+                      <a:prstDash val="solid"/>
+                    </a:lnTlToBr>
+                    <a:lnBlToTr w="12700" cmpd="sng">
+                      <a:noFill/>
+                      <a:prstDash val="solid"/>
+                    </a:lnBlToTr>
+                    <a:noFill/>
+                  </a:tcPr>
+                </a:tc>
+                <a:tc>
+                  <a:txBody>
+                    <a:bodyPr/>
+                    <a:lstStyle/>
+                    <a:p>
+                      <a:pPr marL="285750" indent="-285750">
+                        <a:buFont typeface="Wingdings" panose="05000000000000000000" pitchFamily="2" charset="2"/>
+                        <a:buChar char="Ø"/>
+                      </a:pPr>
+                      <a:r>
+                        <a:rPr lang="en-IN" sz="2000" dirty="0"/>
+                        <a:t>Number of images (with 5 captions)  per batch: 3</a:t>
+                      </a:r>
+                    </a:p>
+                  </a:txBody>
+                  <a:tcPr>
+                    <a:lnL w="12700" cmpd="sng">
+                      <a:noFill/>
+                    </a:lnL>
+                    <a:lnR w="12700" cmpd="sng">
+                      <a:noFill/>
+                    </a:lnR>
+                    <a:lnT w="12700" cmpd="sng">
+                      <a:noFill/>
+                    </a:lnT>
+                    <a:lnB w="12700" cmpd="sng">
+                      <a:noFill/>
+                    </a:lnB>
+                    <a:lnTlToBr w="12700" cmpd="sng">
+                      <a:noFill/>
+                      <a:prstDash val="solid"/>
+                    </a:lnTlToBr>
+                    <a:lnBlToTr w="12700" cmpd="sng">
+                      <a:noFill/>
+                      <a:prstDash val="solid"/>
+                    </a:lnBlToTr>
+                    <a:noFill/>
+                  </a:tcPr>
+                </a:tc>
+                <a:extLst>
+                  <a:ext uri="{0D108BD9-81ED-4DB2-BD59-A6C34878D82A}">
+                    <a16:rowId xmlns:a16="http://schemas.microsoft.com/office/drawing/2014/main" val="3841246588"/>
+                  </a:ext>
+                </a:extLst>
+              </a:tr>
+              <a:tr h="370840">
+                <a:tc>
+                  <a:txBody>
+                    <a:bodyPr/>
+                    <a:lstStyle/>
+                    <a:p>
+                      <a:pPr marL="285750" indent="-285750">
+                        <a:buFont typeface="Wingdings" panose="05000000000000000000" pitchFamily="2" charset="2"/>
+                        <a:buChar char="Ø"/>
+                      </a:pPr>
+                      <a:r>
+                        <a:rPr lang="en-IN" sz="2000" dirty="0"/>
+                        <a:t>Loss Function:</a:t>
+                      </a:r>
+                    </a:p>
+                  </a:txBody>
+                  <a:tcPr>
+                    <a:lnL w="12700" cmpd="sng">
+                      <a:noFill/>
+                    </a:lnL>
+                    <a:lnR w="12700" cmpd="sng">
+                      <a:noFill/>
+                    </a:lnR>
+                    <a:lnT w="12700" cmpd="sng">
+                      <a:noFill/>
+                    </a:lnT>
+                    <a:lnB w="12700" cmpd="sng">
+                      <a:noFill/>
+                    </a:lnB>
+                    <a:lnTlToBr w="12700" cmpd="sng">
+                      <a:noFill/>
+                      <a:prstDash val="solid"/>
+                    </a:lnTlToBr>
+                    <a:lnBlToTr w="12700" cmpd="sng">
+                      <a:noFill/>
+                      <a:prstDash val="solid"/>
+                    </a:lnBlToTr>
+                    <a:noFill/>
+                  </a:tcPr>
+                </a:tc>
+                <a:tc>
+                  <a:txBody>
+                    <a:bodyPr/>
+                    <a:lstStyle/>
+                    <a:p>
+                      <a:pPr marL="285750" indent="-285750">
+                        <a:buFont typeface="Wingdings" panose="05000000000000000000" pitchFamily="2" charset="2"/>
+                        <a:buChar char="Ø"/>
+                      </a:pPr>
+                      <a:r>
+                        <a:rPr lang="en-IN" sz="2000" dirty="0"/>
+                        <a:t>Optimization Function: Adam</a:t>
+                      </a:r>
+                    </a:p>
+                  </a:txBody>
+                  <a:tcPr>
+                    <a:lnL w="12700" cmpd="sng">
+                      <a:noFill/>
+                    </a:lnL>
+                    <a:lnR w="12700" cmpd="sng">
+                      <a:noFill/>
+                    </a:lnR>
+                    <a:lnT w="12700" cmpd="sng">
+                      <a:noFill/>
+                    </a:lnT>
+                    <a:lnB w="12700" cmpd="sng">
+                      <a:noFill/>
+                    </a:lnB>
+                    <a:lnTlToBr w="12700" cmpd="sng">
+                      <a:noFill/>
+                      <a:prstDash val="solid"/>
+                    </a:lnTlToBr>
+                    <a:lnBlToTr w="12700" cmpd="sng">
+                      <a:noFill/>
+                      <a:prstDash val="solid"/>
+                    </a:lnBlToTr>
+                    <a:noFill/>
+                  </a:tcPr>
+                </a:tc>
+                <a:extLst>
+                  <a:ext uri="{0D108BD9-81ED-4DB2-BD59-A6C34878D82A}">
+                    <a16:rowId xmlns:a16="http://schemas.microsoft.com/office/drawing/2014/main" val="529798467"/>
+                  </a:ext>
+                </a:extLst>
+              </a:tr>
+            </a:tbl>
+          </a:graphicData>
+        </a:graphic>
+      </p:graphicFrame>
     </p:spTree>
     <p:extLst>
       <p:ext uri="{BB962C8B-B14F-4D97-AF65-F5344CB8AC3E}">
         <p14:creationId xmlns:p14="http://schemas.microsoft.com/office/powerpoint/2010/main" val="4120158791"/>
-      </p:ext>
-    </p:extLst>
-  </p:cSld>
-  <p:clrMapOvr>
-    <a:masterClrMapping/>
-  </p:clrMapOvr>
-</p:sld>
-</file>
-
-<file path=ppt/slides/slide26.xml><?xml version="1.0" encoding="utf-8"?>
-<p:sld xmlns:a="http://schemas.openxmlformats.org/drawingml/2006/main" xmlns:r="http://schemas.openxmlformats.org/officeDocument/2006/relationships" xmlns:p="http://schemas.openxmlformats.org/presentationml/2006/main">
-  <p:cSld>
-    <p:spTree>
-      <p:nvGrpSpPr>
-        <p:cNvPr id="1" name=""/>
-        <p:cNvGrpSpPr/>
-        <p:nvPr/>
-      </p:nvGrpSpPr>
-      <p:grpSpPr>
-        <a:xfrm>
-          <a:off x="0" y="0"/>
-          <a:ext cx="0" cy="0"/>
-          <a:chOff x="0" y="0"/>
-          <a:chExt cx="0" cy="0"/>
-        </a:xfrm>
-      </p:grpSpPr>
-      <p:sp>
-        <p:nvSpPr>
-          <p:cNvPr id="2" name="Title 1">
-            <a:extLst>
-              <a:ext uri="{FF2B5EF4-FFF2-40B4-BE49-F238E27FC236}">
-                <a16:creationId xmlns:a16="http://schemas.microsoft.com/office/drawing/2014/main" id="{9F53C0E6-5CA5-48E1-B370-E678425399F4}"/>
-              </a:ext>
-            </a:extLst>
-          </p:cNvPr>
-          <p:cNvSpPr>
-            <a:spLocks noGrp="1"/>
-          </p:cNvSpPr>
-          <p:nvPr>
-            <p:ph type="title"/>
-          </p:nvPr>
-        </p:nvSpPr>
-        <p:spPr>
-          <a:xfrm>
-            <a:off x="838200" y="365125"/>
-            <a:ext cx="10515600" cy="827571"/>
-          </a:xfrm>
-        </p:spPr>
-        <p:txBody>
-          <a:bodyPr/>
-          <a:lstStyle/>
-          <a:p>
-            <a:r>
-              <a:rPr lang="en-IN" dirty="0"/>
-              <a:t>Neural Networks Specific…</a:t>
-            </a:r>
-          </a:p>
-        </p:txBody>
-      </p:sp>
-      <p:sp>
-        <p:nvSpPr>
-          <p:cNvPr id="3" name="Content Placeholder 2">
-            <a:extLst>
-              <a:ext uri="{FF2B5EF4-FFF2-40B4-BE49-F238E27FC236}">
-                <a16:creationId xmlns:a16="http://schemas.microsoft.com/office/drawing/2014/main" id="{F0A4581A-26B3-40E7-A945-90C4D9B58292}"/>
-              </a:ext>
-            </a:extLst>
-          </p:cNvPr>
-          <p:cNvSpPr>
-            <a:spLocks noGrp="1"/>
-          </p:cNvSpPr>
-          <p:nvPr>
-            <p:ph idx="1"/>
-          </p:nvPr>
-        </p:nvSpPr>
-        <p:spPr>
-          <a:xfrm>
-            <a:off x="838200" y="1192696"/>
-            <a:ext cx="10515600" cy="4984267"/>
-          </a:xfrm>
-        </p:spPr>
-        <p:txBody>
-          <a:bodyPr>
-            <a:normAutofit/>
-          </a:bodyPr>
-          <a:lstStyle/>
-          <a:p>
-            <a:pPr algn="just">
-              <a:lnSpc>
-                <a:spcPct val="100000"/>
-              </a:lnSpc>
-              <a:spcBef>
-                <a:spcPts val="0"/>
-              </a:spcBef>
-              <a:buFont typeface="Wingdings" panose="05000000000000000000" pitchFamily="2" charset="2"/>
-              <a:buChar char="Ø"/>
-            </a:pPr>
-            <a:r>
-              <a:rPr lang="en-IN" sz="2000" dirty="0"/>
-              <a:t>Add neural network code</a:t>
-            </a:r>
-          </a:p>
-          <a:p>
-            <a:pPr algn="just">
-              <a:lnSpc>
-                <a:spcPct val="100000"/>
-              </a:lnSpc>
-              <a:spcBef>
-                <a:spcPts val="0"/>
-              </a:spcBef>
-              <a:buFont typeface="Wingdings" panose="05000000000000000000" pitchFamily="2" charset="2"/>
-              <a:buChar char="Ø"/>
-            </a:pPr>
-            <a:r>
-              <a:rPr lang="en-IN" sz="2000" dirty="0"/>
-              <a:t>Add line loading </a:t>
-            </a:r>
-            <a:r>
-              <a:rPr lang="en-IN" sz="2000" dirty="0" err="1"/>
-              <a:t>embedding_matrix</a:t>
-            </a:r>
-            <a:r>
-              <a:rPr lang="en-IN" sz="2000" dirty="0"/>
-              <a:t> in network</a:t>
-            </a:r>
-          </a:p>
-          <a:p>
-            <a:pPr algn="just">
-              <a:lnSpc>
-                <a:spcPct val="100000"/>
-              </a:lnSpc>
-              <a:spcBef>
-                <a:spcPts val="0"/>
-              </a:spcBef>
-              <a:buFont typeface="Wingdings" panose="05000000000000000000" pitchFamily="2" charset="2"/>
-              <a:buChar char="Ø"/>
-            </a:pPr>
-            <a:r>
-              <a:rPr lang="en-IN" sz="2000" dirty="0"/>
-              <a:t>Explanation of network including what embedding matrix is doing as weights in network and how it is contributing (all </a:t>
-            </a:r>
-            <a:r>
-              <a:rPr lang="en-IN" sz="2000"/>
-              <a:t>at mathematical level)</a:t>
-            </a:r>
-            <a:endParaRPr lang="en-IN" sz="2000" dirty="0"/>
-          </a:p>
-          <a:p>
-            <a:pPr algn="just">
-              <a:lnSpc>
-                <a:spcPct val="100000"/>
-              </a:lnSpc>
-              <a:spcBef>
-                <a:spcPts val="0"/>
-              </a:spcBef>
-              <a:buFont typeface="Wingdings" panose="05000000000000000000" pitchFamily="2" charset="2"/>
-              <a:buChar char="Ø"/>
-            </a:pPr>
-            <a:endParaRPr lang="en-IN" sz="2000" dirty="0"/>
-          </a:p>
-        </p:txBody>
-      </p:sp>
-      <p:sp>
-        <p:nvSpPr>
-          <p:cNvPr id="4" name="Footer Placeholder 3">
-            <a:extLst>
-              <a:ext uri="{FF2B5EF4-FFF2-40B4-BE49-F238E27FC236}">
-                <a16:creationId xmlns:a16="http://schemas.microsoft.com/office/drawing/2014/main" id="{540972A1-4BB3-4D04-B4DF-C76BA9B5CAD8}"/>
-              </a:ext>
-            </a:extLst>
-          </p:cNvPr>
-          <p:cNvSpPr>
-            <a:spLocks noGrp="1"/>
-          </p:cNvSpPr>
-          <p:nvPr>
-            <p:ph type="ftr" sz="quarter" idx="11"/>
-          </p:nvPr>
-        </p:nvSpPr>
-        <p:spPr/>
-        <p:txBody>
-          <a:bodyPr/>
-          <a:lstStyle/>
-          <a:p>
-            <a:r>
-              <a:rPr lang="en-US"/>
-              <a:t>Sanjay Singh | san.singhsanjay@gmail.com</a:t>
-            </a:r>
-            <a:endParaRPr lang="en-IN"/>
-          </a:p>
-        </p:txBody>
-      </p:sp>
-      <p:sp>
-        <p:nvSpPr>
-          <p:cNvPr id="5" name="Slide Number Placeholder 4">
-            <a:extLst>
-              <a:ext uri="{FF2B5EF4-FFF2-40B4-BE49-F238E27FC236}">
-                <a16:creationId xmlns:a16="http://schemas.microsoft.com/office/drawing/2014/main" id="{23B5C741-F1AB-463E-B229-974B2924B065}"/>
-              </a:ext>
-            </a:extLst>
-          </p:cNvPr>
-          <p:cNvSpPr>
-            <a:spLocks noGrp="1"/>
-          </p:cNvSpPr>
-          <p:nvPr>
-            <p:ph type="sldNum" sz="quarter" idx="12"/>
-          </p:nvPr>
-        </p:nvSpPr>
-        <p:spPr/>
-        <p:txBody>
-          <a:bodyPr/>
-          <a:lstStyle/>
-          <a:p>
-            <a:fld id="{EC53106F-9B43-4B1F-BCB9-D94FA7734D96}" type="slidenum">
-              <a:rPr lang="en-IN" smtClean="0"/>
-              <a:t>26</a:t>
-            </a:fld>
-            <a:endParaRPr lang="en-IN"/>
-          </a:p>
-        </p:txBody>
-      </p:sp>
-    </p:spTree>
-    <p:extLst>
-      <p:ext uri="{BB962C8B-B14F-4D97-AF65-F5344CB8AC3E}">
-        <p14:creationId xmlns:p14="http://schemas.microsoft.com/office/powerpoint/2010/main" val="559195933"/>
       </p:ext>
     </p:extLst>
   </p:cSld>
@@ -20180,7 +21815,7 @@
           <a:p>
             <a:r>
               <a:rPr lang="en-IN" dirty="0"/>
-              <a:t>Template</a:t>
+              <a:t>Training &amp; Neural Networks Specific…</a:t>
             </a:r>
           </a:p>
         </p:txBody>
@@ -20225,8 +21860,200 @@
             </a:pPr>
             <a:r>
               <a:rPr lang="en-IN" sz="2000" dirty="0"/>
-              <a:t>Template</a:t>
-            </a:r>
+              <a:t>Following is the code of neural network used here:</a:t>
+            </a:r>
+          </a:p>
+          <a:p>
+            <a:pPr algn="just">
+              <a:lnSpc>
+                <a:spcPct val="100000"/>
+              </a:lnSpc>
+              <a:spcBef>
+                <a:spcPts val="0"/>
+              </a:spcBef>
+              <a:buFont typeface="Wingdings" panose="05000000000000000000" pitchFamily="2" charset="2"/>
+              <a:buChar char="Ø"/>
+            </a:pPr>
+            <a:endParaRPr lang="en-IN" sz="2000" dirty="0"/>
+          </a:p>
+          <a:p>
+            <a:pPr algn="just">
+              <a:lnSpc>
+                <a:spcPct val="100000"/>
+              </a:lnSpc>
+              <a:spcBef>
+                <a:spcPts val="0"/>
+              </a:spcBef>
+              <a:buFont typeface="Wingdings" panose="05000000000000000000" pitchFamily="2" charset="2"/>
+              <a:buChar char="Ø"/>
+            </a:pPr>
+            <a:endParaRPr lang="en-IN" sz="2000" dirty="0"/>
+          </a:p>
+          <a:p>
+            <a:pPr algn="just">
+              <a:lnSpc>
+                <a:spcPct val="100000"/>
+              </a:lnSpc>
+              <a:spcBef>
+                <a:spcPts val="0"/>
+              </a:spcBef>
+              <a:buFont typeface="Wingdings" panose="05000000000000000000" pitchFamily="2" charset="2"/>
+              <a:buChar char="Ø"/>
+            </a:pPr>
+            <a:endParaRPr lang="en-IN" sz="2000" dirty="0"/>
+          </a:p>
+          <a:p>
+            <a:pPr algn="just">
+              <a:lnSpc>
+                <a:spcPct val="100000"/>
+              </a:lnSpc>
+              <a:spcBef>
+                <a:spcPts val="0"/>
+              </a:spcBef>
+              <a:buFont typeface="Wingdings" panose="05000000000000000000" pitchFamily="2" charset="2"/>
+              <a:buChar char="Ø"/>
+            </a:pPr>
+            <a:endParaRPr lang="en-IN" sz="2000" dirty="0"/>
+          </a:p>
+          <a:p>
+            <a:pPr algn="just">
+              <a:lnSpc>
+                <a:spcPct val="100000"/>
+              </a:lnSpc>
+              <a:spcBef>
+                <a:spcPts val="0"/>
+              </a:spcBef>
+              <a:buFont typeface="Wingdings" panose="05000000000000000000" pitchFamily="2" charset="2"/>
+              <a:buChar char="Ø"/>
+            </a:pPr>
+            <a:endParaRPr lang="en-IN" sz="2000" dirty="0"/>
+          </a:p>
+          <a:p>
+            <a:pPr algn="just">
+              <a:lnSpc>
+                <a:spcPct val="100000"/>
+              </a:lnSpc>
+              <a:spcBef>
+                <a:spcPts val="0"/>
+              </a:spcBef>
+              <a:buFont typeface="Wingdings" panose="05000000000000000000" pitchFamily="2" charset="2"/>
+              <a:buChar char="Ø"/>
+            </a:pPr>
+            <a:endParaRPr lang="en-IN" sz="2000" dirty="0"/>
+          </a:p>
+          <a:p>
+            <a:pPr algn="just">
+              <a:lnSpc>
+                <a:spcPct val="100000"/>
+              </a:lnSpc>
+              <a:spcBef>
+                <a:spcPts val="0"/>
+              </a:spcBef>
+              <a:buFont typeface="Wingdings" panose="05000000000000000000" pitchFamily="2" charset="2"/>
+              <a:buChar char="Ø"/>
+            </a:pPr>
+            <a:endParaRPr lang="en-IN" sz="2000" dirty="0"/>
+          </a:p>
+          <a:p>
+            <a:pPr algn="just">
+              <a:lnSpc>
+                <a:spcPct val="100000"/>
+              </a:lnSpc>
+              <a:spcBef>
+                <a:spcPts val="0"/>
+              </a:spcBef>
+              <a:buFont typeface="Wingdings" panose="05000000000000000000" pitchFamily="2" charset="2"/>
+              <a:buChar char="Ø"/>
+            </a:pPr>
+            <a:endParaRPr lang="en-IN" sz="2000" dirty="0"/>
+          </a:p>
+          <a:p>
+            <a:pPr algn="just">
+              <a:lnSpc>
+                <a:spcPct val="100000"/>
+              </a:lnSpc>
+              <a:spcBef>
+                <a:spcPts val="0"/>
+              </a:spcBef>
+              <a:buFont typeface="Wingdings" panose="05000000000000000000" pitchFamily="2" charset="2"/>
+              <a:buChar char="Ø"/>
+            </a:pPr>
+            <a:endParaRPr lang="en-IN" sz="2000" dirty="0"/>
+          </a:p>
+          <a:p>
+            <a:pPr algn="just">
+              <a:lnSpc>
+                <a:spcPct val="100000"/>
+              </a:lnSpc>
+              <a:spcBef>
+                <a:spcPts val="0"/>
+              </a:spcBef>
+              <a:buFont typeface="Wingdings" panose="05000000000000000000" pitchFamily="2" charset="2"/>
+              <a:buChar char="Ø"/>
+            </a:pPr>
+            <a:endParaRPr lang="en-IN" sz="2000" dirty="0"/>
+          </a:p>
+          <a:p>
+            <a:pPr algn="just">
+              <a:lnSpc>
+                <a:spcPct val="100000"/>
+              </a:lnSpc>
+              <a:spcBef>
+                <a:spcPts val="0"/>
+              </a:spcBef>
+              <a:buFont typeface="Wingdings" panose="05000000000000000000" pitchFamily="2" charset="2"/>
+              <a:buChar char="Ø"/>
+            </a:pPr>
+            <a:endParaRPr lang="en-IN" sz="2000" dirty="0"/>
+          </a:p>
+          <a:p>
+            <a:pPr algn="just">
+              <a:lnSpc>
+                <a:spcPct val="100000"/>
+              </a:lnSpc>
+              <a:spcBef>
+                <a:spcPts val="0"/>
+              </a:spcBef>
+              <a:buFont typeface="Wingdings" panose="05000000000000000000" pitchFamily="2" charset="2"/>
+              <a:buChar char="Ø"/>
+            </a:pPr>
+            <a:endParaRPr lang="en-IN" sz="2000" dirty="0"/>
+          </a:p>
+          <a:p>
+            <a:pPr algn="just">
+              <a:lnSpc>
+                <a:spcPct val="100000"/>
+              </a:lnSpc>
+              <a:spcBef>
+                <a:spcPts val="0"/>
+              </a:spcBef>
+              <a:buFont typeface="Wingdings" panose="05000000000000000000" pitchFamily="2" charset="2"/>
+              <a:buChar char="Ø"/>
+            </a:pPr>
+            <a:r>
+              <a:rPr lang="en-IN" sz="2000" dirty="0"/>
+              <a:t>“</a:t>
+            </a:r>
+            <a:r>
+              <a:rPr lang="en-IN" sz="2000" dirty="0" err="1"/>
+              <a:t>embedding_matrix</a:t>
+            </a:r>
+            <a:r>
+              <a:rPr lang="en-IN" sz="2000" dirty="0"/>
+              <a:t>” created in 5.vi. under “Scripts Execution Flow” is used here as weights:</a:t>
+            </a:r>
+          </a:p>
+          <a:p>
+            <a:pPr marL="0" indent="0" algn="just">
+              <a:lnSpc>
+                <a:spcPct val="100000"/>
+              </a:lnSpc>
+              <a:spcBef>
+                <a:spcPts val="0"/>
+              </a:spcBef>
+              <a:buNone/>
+            </a:pPr>
+            <a:endParaRPr lang="en-IN" sz="2000" dirty="0"/>
           </a:p>
         </p:txBody>
       </p:sp>
@@ -20288,10 +22115,1565 @@
           </a:p>
         </p:txBody>
       </p:sp>
+      <p:graphicFrame>
+        <p:nvGraphicFramePr>
+          <p:cNvPr id="6" name="Table 6">
+            <a:extLst>
+              <a:ext uri="{FF2B5EF4-FFF2-40B4-BE49-F238E27FC236}">
+                <a16:creationId xmlns:a16="http://schemas.microsoft.com/office/drawing/2014/main" id="{A3F1691A-8B2D-4A44-AE82-EFC7DA8C4460}"/>
+              </a:ext>
+            </a:extLst>
+          </p:cNvPr>
+          <p:cNvGraphicFramePr>
+            <a:graphicFrameLocks noGrp="1"/>
+          </p:cNvGraphicFramePr>
+          <p:nvPr>
+            <p:extLst>
+              <p:ext uri="{D42A27DB-BD31-4B8C-83A1-F6EECF244321}">
+                <p14:modId xmlns:p14="http://schemas.microsoft.com/office/powerpoint/2010/main" val="3228248974"/>
+              </p:ext>
+            </p:extLst>
+          </p:nvPr>
+        </p:nvGraphicFramePr>
+        <p:xfrm>
+          <a:off x="1144104" y="1541301"/>
+          <a:ext cx="10209696" cy="3688080"/>
+        </p:xfrm>
+        <a:graphic>
+          <a:graphicData uri="http://schemas.openxmlformats.org/drawingml/2006/table">
+            <a:tbl>
+              <a:tblPr bandRow="1">
+                <a:tableStyleId>{5C22544A-7EE6-4342-B048-85BDC9FD1C3A}</a:tableStyleId>
+              </a:tblPr>
+              <a:tblGrid>
+                <a:gridCol w="697948">
+                  <a:extLst>
+                    <a:ext uri="{9D8B030D-6E8A-4147-A177-3AD203B41FA5}">
+                      <a16:colId xmlns:a16="http://schemas.microsoft.com/office/drawing/2014/main" val="1162103489"/>
+                    </a:ext>
+                  </a:extLst>
+                </a:gridCol>
+                <a:gridCol w="9511748">
+                  <a:extLst>
+                    <a:ext uri="{9D8B030D-6E8A-4147-A177-3AD203B41FA5}">
+                      <a16:colId xmlns:a16="http://schemas.microsoft.com/office/drawing/2014/main" val="1404304497"/>
+                    </a:ext>
+                  </a:extLst>
+                </a:gridCol>
+              </a:tblGrid>
+              <a:tr h="229738">
+                <a:tc>
+                  <a:txBody>
+                    <a:bodyPr/>
+                    <a:lstStyle/>
+                    <a:p>
+                      <a:pPr algn="ctr"/>
+                      <a:r>
+                        <a:rPr lang="en-IN" sz="1600" dirty="0">
+                          <a:solidFill>
+                            <a:schemeClr val="accent1"/>
+                          </a:solidFill>
+                        </a:rPr>
+                        <a:t>1</a:t>
+                      </a:r>
+                    </a:p>
+                  </a:txBody>
+                  <a:tcPr anchor="ctr">
+                    <a:lnL w="12700" cmpd="sng">
+                      <a:noFill/>
+                    </a:lnL>
+                    <a:lnR w="12700" cmpd="sng">
+                      <a:noFill/>
+                    </a:lnR>
+                    <a:lnT w="12700" cmpd="sng">
+                      <a:noFill/>
+                    </a:lnT>
+                    <a:lnB w="12700" cmpd="sng">
+                      <a:noFill/>
+                    </a:lnB>
+                    <a:lnTlToBr w="12700" cmpd="sng">
+                      <a:noFill/>
+                      <a:prstDash val="solid"/>
+                    </a:lnTlToBr>
+                    <a:lnBlToTr w="12700" cmpd="sng">
+                      <a:noFill/>
+                      <a:prstDash val="solid"/>
+                    </a:lnBlToTr>
+                    <a:solidFill>
+                      <a:schemeClr val="tx2"/>
+                    </a:solidFill>
+                  </a:tcPr>
+                </a:tc>
+                <a:tc>
+                  <a:txBody>
+                    <a:bodyPr/>
+                    <a:lstStyle/>
+                    <a:p>
+                      <a:pPr algn="l"/>
+                      <a:r>
+                        <a:rPr lang="en-IN" sz="1600" i="1" dirty="0">
+                          <a:solidFill>
+                            <a:schemeClr val="bg1"/>
+                          </a:solidFill>
+                        </a:rPr>
+                        <a:t>inputs1 = Input(shape=(2048,))</a:t>
+                      </a:r>
+                    </a:p>
+                  </a:txBody>
+                  <a:tcPr anchor="ctr">
+                    <a:lnL w="12700" cmpd="sng">
+                      <a:noFill/>
+                    </a:lnL>
+                    <a:lnR w="12700" cmpd="sng">
+                      <a:noFill/>
+                    </a:lnR>
+                    <a:lnT w="12700" cmpd="sng">
+                      <a:noFill/>
+                    </a:lnT>
+                    <a:lnB w="12700" cmpd="sng">
+                      <a:noFill/>
+                    </a:lnB>
+                    <a:lnTlToBr w="12700" cmpd="sng">
+                      <a:noFill/>
+                      <a:prstDash val="solid"/>
+                    </a:lnTlToBr>
+                    <a:lnBlToTr w="12700" cmpd="sng">
+                      <a:noFill/>
+                      <a:prstDash val="solid"/>
+                    </a:lnBlToTr>
+                    <a:solidFill>
+                      <a:schemeClr val="tx2"/>
+                    </a:solidFill>
+                  </a:tcPr>
+                </a:tc>
+                <a:extLst>
+                  <a:ext uri="{0D108BD9-81ED-4DB2-BD59-A6C34878D82A}">
+                    <a16:rowId xmlns:a16="http://schemas.microsoft.com/office/drawing/2014/main" val="2808972098"/>
+                  </a:ext>
+                </a:extLst>
+              </a:tr>
+              <a:tr h="229738">
+                <a:tc>
+                  <a:txBody>
+                    <a:bodyPr/>
+                    <a:lstStyle/>
+                    <a:p>
+                      <a:pPr algn="ctr"/>
+                      <a:r>
+                        <a:rPr lang="en-IN" sz="1600" dirty="0">
+                          <a:solidFill>
+                            <a:schemeClr val="accent1"/>
+                          </a:solidFill>
+                        </a:rPr>
+                        <a:t>2</a:t>
+                      </a:r>
+                    </a:p>
+                  </a:txBody>
+                  <a:tcPr anchor="ctr">
+                    <a:lnL w="12700" cmpd="sng">
+                      <a:noFill/>
+                    </a:lnL>
+                    <a:lnR w="12700" cmpd="sng">
+                      <a:noFill/>
+                    </a:lnR>
+                    <a:lnT w="12700" cmpd="sng">
+                      <a:noFill/>
+                    </a:lnT>
+                    <a:lnB w="12700" cmpd="sng">
+                      <a:noFill/>
+                    </a:lnB>
+                    <a:lnTlToBr w="12700" cmpd="sng">
+                      <a:noFill/>
+                      <a:prstDash val="solid"/>
+                    </a:lnTlToBr>
+                    <a:lnBlToTr w="12700" cmpd="sng">
+                      <a:noFill/>
+                      <a:prstDash val="solid"/>
+                    </a:lnBlToTr>
+                    <a:solidFill>
+                      <a:schemeClr val="tx2"/>
+                    </a:solidFill>
+                  </a:tcPr>
+                </a:tc>
+                <a:tc>
+                  <a:txBody>
+                    <a:bodyPr/>
+                    <a:lstStyle/>
+                    <a:p>
+                      <a:pPr algn="l"/>
+                      <a:r>
+                        <a:rPr lang="en-IN" sz="1600" i="1" dirty="0">
+                          <a:solidFill>
+                            <a:schemeClr val="bg1"/>
+                          </a:solidFill>
+                        </a:rPr>
+                        <a:t>fe1 = Dropout(0.5)(inputs1)</a:t>
+                      </a:r>
+                    </a:p>
+                  </a:txBody>
+                  <a:tcPr anchor="ctr">
+                    <a:lnL w="12700" cmpd="sng">
+                      <a:noFill/>
+                    </a:lnL>
+                    <a:lnR w="12700" cmpd="sng">
+                      <a:noFill/>
+                    </a:lnR>
+                    <a:lnT w="12700" cmpd="sng">
+                      <a:noFill/>
+                    </a:lnT>
+                    <a:lnB w="12700" cmpd="sng">
+                      <a:noFill/>
+                    </a:lnB>
+                    <a:lnTlToBr w="12700" cmpd="sng">
+                      <a:noFill/>
+                      <a:prstDash val="solid"/>
+                    </a:lnTlToBr>
+                    <a:lnBlToTr w="12700" cmpd="sng">
+                      <a:noFill/>
+                      <a:prstDash val="solid"/>
+                    </a:lnBlToTr>
+                    <a:solidFill>
+                      <a:schemeClr val="tx2"/>
+                    </a:solidFill>
+                  </a:tcPr>
+                </a:tc>
+                <a:extLst>
+                  <a:ext uri="{0D108BD9-81ED-4DB2-BD59-A6C34878D82A}">
+                    <a16:rowId xmlns:a16="http://schemas.microsoft.com/office/drawing/2014/main" val="3567420632"/>
+                  </a:ext>
+                </a:extLst>
+              </a:tr>
+              <a:tr h="229738">
+                <a:tc>
+                  <a:txBody>
+                    <a:bodyPr/>
+                    <a:lstStyle/>
+                    <a:p>
+                      <a:pPr algn="ctr"/>
+                      <a:r>
+                        <a:rPr lang="en-IN" sz="1600" dirty="0">
+                          <a:solidFill>
+                            <a:schemeClr val="accent1"/>
+                          </a:solidFill>
+                        </a:rPr>
+                        <a:t>3</a:t>
+                      </a:r>
+                    </a:p>
+                  </a:txBody>
+                  <a:tcPr anchor="ctr">
+                    <a:lnL w="12700" cmpd="sng">
+                      <a:noFill/>
+                    </a:lnL>
+                    <a:lnR w="12700" cmpd="sng">
+                      <a:noFill/>
+                    </a:lnR>
+                    <a:lnT w="12700" cmpd="sng">
+                      <a:noFill/>
+                    </a:lnT>
+                    <a:lnB w="12700" cmpd="sng">
+                      <a:noFill/>
+                    </a:lnB>
+                    <a:lnTlToBr w="12700" cmpd="sng">
+                      <a:noFill/>
+                      <a:prstDash val="solid"/>
+                    </a:lnTlToBr>
+                    <a:lnBlToTr w="12700" cmpd="sng">
+                      <a:noFill/>
+                      <a:prstDash val="solid"/>
+                    </a:lnBlToTr>
+                    <a:solidFill>
+                      <a:schemeClr val="tx2"/>
+                    </a:solidFill>
+                  </a:tcPr>
+                </a:tc>
+                <a:tc>
+                  <a:txBody>
+                    <a:bodyPr/>
+                    <a:lstStyle/>
+                    <a:p>
+                      <a:pPr algn="l"/>
+                      <a:r>
+                        <a:rPr lang="en-IN" sz="1600" i="1" dirty="0">
+                          <a:solidFill>
+                            <a:schemeClr val="bg1"/>
+                          </a:solidFill>
+                        </a:rPr>
+                        <a:t>fe2 = Dense(256, activation=‘</a:t>
+                      </a:r>
+                      <a:r>
+                        <a:rPr lang="en-IN" sz="1600" i="1" dirty="0" err="1">
+                          <a:solidFill>
+                            <a:schemeClr val="bg1"/>
+                          </a:solidFill>
+                        </a:rPr>
+                        <a:t>relu</a:t>
+                      </a:r>
+                      <a:r>
+                        <a:rPr lang="en-IN" sz="1600" i="1" dirty="0">
+                          <a:solidFill>
+                            <a:schemeClr val="bg1"/>
+                          </a:solidFill>
+                        </a:rPr>
+                        <a:t>’)(fe1)</a:t>
+                      </a:r>
+                    </a:p>
+                  </a:txBody>
+                  <a:tcPr anchor="ctr">
+                    <a:lnL w="12700" cmpd="sng">
+                      <a:noFill/>
+                    </a:lnL>
+                    <a:lnR w="12700" cmpd="sng">
+                      <a:noFill/>
+                    </a:lnR>
+                    <a:lnT w="12700" cmpd="sng">
+                      <a:noFill/>
+                    </a:lnT>
+                    <a:lnB w="12700" cmpd="sng">
+                      <a:noFill/>
+                    </a:lnB>
+                    <a:lnTlToBr w="12700" cmpd="sng">
+                      <a:noFill/>
+                      <a:prstDash val="solid"/>
+                    </a:lnTlToBr>
+                    <a:lnBlToTr w="12700" cmpd="sng">
+                      <a:noFill/>
+                      <a:prstDash val="solid"/>
+                    </a:lnBlToTr>
+                    <a:solidFill>
+                      <a:schemeClr val="tx2"/>
+                    </a:solidFill>
+                  </a:tcPr>
+                </a:tc>
+                <a:extLst>
+                  <a:ext uri="{0D108BD9-81ED-4DB2-BD59-A6C34878D82A}">
+                    <a16:rowId xmlns:a16="http://schemas.microsoft.com/office/drawing/2014/main" val="836116413"/>
+                  </a:ext>
+                </a:extLst>
+              </a:tr>
+              <a:tr h="229738">
+                <a:tc>
+                  <a:txBody>
+                    <a:bodyPr/>
+                    <a:lstStyle/>
+                    <a:p>
+                      <a:pPr algn="ctr"/>
+                      <a:r>
+                        <a:rPr lang="en-IN" sz="1600" dirty="0">
+                          <a:solidFill>
+                            <a:schemeClr val="accent1"/>
+                          </a:solidFill>
+                        </a:rPr>
+                        <a:t>4</a:t>
+                      </a:r>
+                    </a:p>
+                  </a:txBody>
+                  <a:tcPr anchor="ctr">
+                    <a:lnL w="12700" cmpd="sng">
+                      <a:noFill/>
+                    </a:lnL>
+                    <a:lnR w="12700" cmpd="sng">
+                      <a:noFill/>
+                    </a:lnR>
+                    <a:lnT w="12700" cmpd="sng">
+                      <a:noFill/>
+                    </a:lnT>
+                    <a:lnB w="12700" cmpd="sng">
+                      <a:noFill/>
+                    </a:lnB>
+                    <a:lnTlToBr w="12700" cmpd="sng">
+                      <a:noFill/>
+                      <a:prstDash val="solid"/>
+                    </a:lnTlToBr>
+                    <a:lnBlToTr w="12700" cmpd="sng">
+                      <a:noFill/>
+                      <a:prstDash val="solid"/>
+                    </a:lnBlToTr>
+                    <a:solidFill>
+                      <a:schemeClr val="tx2"/>
+                    </a:solidFill>
+                  </a:tcPr>
+                </a:tc>
+                <a:tc>
+                  <a:txBody>
+                    <a:bodyPr/>
+                    <a:lstStyle/>
+                    <a:p>
+                      <a:pPr algn="l"/>
+                      <a:r>
+                        <a:rPr lang="en-IN" sz="1600" i="1" dirty="0">
+                          <a:solidFill>
+                            <a:schemeClr val="bg1"/>
+                          </a:solidFill>
+                        </a:rPr>
+                        <a:t>inputs2 = Input(shape=(</a:t>
+                      </a:r>
+                      <a:r>
+                        <a:rPr lang="en-IN" sz="1600" i="1" dirty="0" err="1">
+                          <a:solidFill>
+                            <a:schemeClr val="bg1"/>
+                          </a:solidFill>
+                        </a:rPr>
+                        <a:t>max_caption_length</a:t>
+                      </a:r>
+                      <a:r>
+                        <a:rPr lang="en-IN" sz="1600" i="1" dirty="0">
+                          <a:solidFill>
+                            <a:schemeClr val="bg1"/>
+                          </a:solidFill>
+                        </a:rPr>
+                        <a:t>,))</a:t>
+                      </a:r>
+                    </a:p>
+                  </a:txBody>
+                  <a:tcPr anchor="ctr">
+                    <a:lnL w="12700" cmpd="sng">
+                      <a:noFill/>
+                    </a:lnL>
+                    <a:lnR w="12700" cmpd="sng">
+                      <a:noFill/>
+                    </a:lnR>
+                    <a:lnT w="12700" cmpd="sng">
+                      <a:noFill/>
+                    </a:lnT>
+                    <a:lnB w="12700" cmpd="sng">
+                      <a:noFill/>
+                    </a:lnB>
+                    <a:lnTlToBr w="12700" cmpd="sng">
+                      <a:noFill/>
+                      <a:prstDash val="solid"/>
+                    </a:lnTlToBr>
+                    <a:lnBlToTr w="12700" cmpd="sng">
+                      <a:noFill/>
+                      <a:prstDash val="solid"/>
+                    </a:lnBlToTr>
+                    <a:solidFill>
+                      <a:schemeClr val="tx2"/>
+                    </a:solidFill>
+                  </a:tcPr>
+                </a:tc>
+                <a:extLst>
+                  <a:ext uri="{0D108BD9-81ED-4DB2-BD59-A6C34878D82A}">
+                    <a16:rowId xmlns:a16="http://schemas.microsoft.com/office/drawing/2014/main" val="2969834672"/>
+                  </a:ext>
+                </a:extLst>
+              </a:tr>
+              <a:tr h="229738">
+                <a:tc>
+                  <a:txBody>
+                    <a:bodyPr/>
+                    <a:lstStyle/>
+                    <a:p>
+                      <a:pPr algn="ctr"/>
+                      <a:r>
+                        <a:rPr lang="en-IN" sz="1600" dirty="0">
+                          <a:solidFill>
+                            <a:schemeClr val="accent1"/>
+                          </a:solidFill>
+                        </a:rPr>
+                        <a:t>5</a:t>
+                      </a:r>
+                    </a:p>
+                  </a:txBody>
+                  <a:tcPr anchor="ctr">
+                    <a:lnL w="12700" cmpd="sng">
+                      <a:noFill/>
+                    </a:lnL>
+                    <a:lnR w="12700" cmpd="sng">
+                      <a:noFill/>
+                    </a:lnR>
+                    <a:lnT w="12700" cmpd="sng">
+                      <a:noFill/>
+                    </a:lnT>
+                    <a:lnB w="12700" cmpd="sng">
+                      <a:noFill/>
+                    </a:lnB>
+                    <a:lnTlToBr w="12700" cmpd="sng">
+                      <a:noFill/>
+                      <a:prstDash val="solid"/>
+                    </a:lnTlToBr>
+                    <a:lnBlToTr w="12700" cmpd="sng">
+                      <a:noFill/>
+                      <a:prstDash val="solid"/>
+                    </a:lnBlToTr>
+                    <a:solidFill>
+                      <a:schemeClr val="tx2"/>
+                    </a:solidFill>
+                  </a:tcPr>
+                </a:tc>
+                <a:tc>
+                  <a:txBody>
+                    <a:bodyPr/>
+                    <a:lstStyle/>
+                    <a:p>
+                      <a:pPr marL="0" marR="0" lvl="0" indent="0" algn="l" defTabSz="914400" rtl="0" eaLnBrk="1" fontAlgn="auto" latinLnBrk="0" hangingPunct="1">
+                        <a:lnSpc>
+                          <a:spcPct val="100000"/>
+                        </a:lnSpc>
+                        <a:spcBef>
+                          <a:spcPts val="0"/>
+                        </a:spcBef>
+                        <a:spcAft>
+                          <a:spcPts val="0"/>
+                        </a:spcAft>
+                        <a:buClrTx/>
+                        <a:buSzTx/>
+                        <a:buFontTx/>
+                        <a:buNone/>
+                        <a:tabLst/>
+                        <a:defRPr/>
+                      </a:pPr>
+                      <a:r>
+                        <a:rPr lang="en-IN" sz="1600" i="1" dirty="0">
+                          <a:solidFill>
+                            <a:schemeClr val="bg1"/>
+                          </a:solidFill>
+                        </a:rPr>
+                        <a:t>se1 = Embedding(</a:t>
+                      </a:r>
+                      <a:r>
+                        <a:rPr lang="en-IN" sz="1600" i="1" dirty="0" err="1">
+                          <a:solidFill>
+                            <a:schemeClr val="bg1"/>
+                          </a:solidFill>
+                        </a:rPr>
+                        <a:t>vocab_size</a:t>
+                      </a:r>
+                      <a:r>
+                        <a:rPr lang="en-IN" sz="1600" i="1" dirty="0">
+                          <a:solidFill>
+                            <a:schemeClr val="bg1"/>
+                          </a:solidFill>
+                        </a:rPr>
+                        <a:t>, EMBEDDING_DIM, </a:t>
+                      </a:r>
+                      <a:r>
+                        <a:rPr lang="en-IN" sz="1600" i="1" dirty="0" err="1">
+                          <a:solidFill>
+                            <a:schemeClr val="bg1"/>
+                          </a:solidFill>
+                        </a:rPr>
+                        <a:t>mask_zero</a:t>
+                      </a:r>
+                      <a:r>
+                        <a:rPr lang="en-IN" sz="1600" i="1" dirty="0">
+                          <a:solidFill>
+                            <a:schemeClr val="bg1"/>
+                          </a:solidFill>
+                        </a:rPr>
+                        <a:t>=True)(inputs2) # EMBEDDING_DIM=200</a:t>
+                      </a:r>
+                    </a:p>
+                  </a:txBody>
+                  <a:tcPr anchor="ctr">
+                    <a:lnL w="12700" cmpd="sng">
+                      <a:noFill/>
+                    </a:lnL>
+                    <a:lnR w="12700" cmpd="sng">
+                      <a:noFill/>
+                    </a:lnR>
+                    <a:lnT w="12700" cmpd="sng">
+                      <a:noFill/>
+                    </a:lnT>
+                    <a:lnB w="12700" cmpd="sng">
+                      <a:noFill/>
+                    </a:lnB>
+                    <a:lnTlToBr w="12700" cmpd="sng">
+                      <a:noFill/>
+                      <a:prstDash val="solid"/>
+                    </a:lnTlToBr>
+                    <a:lnBlToTr w="12700" cmpd="sng">
+                      <a:noFill/>
+                      <a:prstDash val="solid"/>
+                    </a:lnBlToTr>
+                    <a:solidFill>
+                      <a:schemeClr val="tx2"/>
+                    </a:solidFill>
+                  </a:tcPr>
+                </a:tc>
+                <a:extLst>
+                  <a:ext uri="{0D108BD9-81ED-4DB2-BD59-A6C34878D82A}">
+                    <a16:rowId xmlns:a16="http://schemas.microsoft.com/office/drawing/2014/main" val="1656653220"/>
+                  </a:ext>
+                </a:extLst>
+              </a:tr>
+              <a:tr h="229738">
+                <a:tc>
+                  <a:txBody>
+                    <a:bodyPr/>
+                    <a:lstStyle/>
+                    <a:p>
+                      <a:pPr algn="ctr"/>
+                      <a:r>
+                        <a:rPr lang="en-IN" sz="1600" dirty="0">
+                          <a:solidFill>
+                            <a:schemeClr val="accent1"/>
+                          </a:solidFill>
+                        </a:rPr>
+                        <a:t>6</a:t>
+                      </a:r>
+                    </a:p>
+                  </a:txBody>
+                  <a:tcPr anchor="ctr">
+                    <a:lnL w="12700" cmpd="sng">
+                      <a:noFill/>
+                    </a:lnL>
+                    <a:lnR w="12700" cmpd="sng">
+                      <a:noFill/>
+                    </a:lnR>
+                    <a:lnT w="12700" cmpd="sng">
+                      <a:noFill/>
+                    </a:lnT>
+                    <a:lnB w="12700" cmpd="sng">
+                      <a:noFill/>
+                    </a:lnB>
+                    <a:lnTlToBr w="12700" cmpd="sng">
+                      <a:noFill/>
+                      <a:prstDash val="solid"/>
+                    </a:lnTlToBr>
+                    <a:lnBlToTr w="12700" cmpd="sng">
+                      <a:noFill/>
+                      <a:prstDash val="solid"/>
+                    </a:lnBlToTr>
+                    <a:solidFill>
+                      <a:schemeClr val="tx2"/>
+                    </a:solidFill>
+                  </a:tcPr>
+                </a:tc>
+                <a:tc>
+                  <a:txBody>
+                    <a:bodyPr/>
+                    <a:lstStyle/>
+                    <a:p>
+                      <a:pPr marL="0" marR="0" lvl="0" indent="0" algn="l" defTabSz="914400" rtl="0" eaLnBrk="1" fontAlgn="auto" latinLnBrk="0" hangingPunct="1">
+                        <a:lnSpc>
+                          <a:spcPct val="100000"/>
+                        </a:lnSpc>
+                        <a:spcBef>
+                          <a:spcPts val="0"/>
+                        </a:spcBef>
+                        <a:spcAft>
+                          <a:spcPts val="0"/>
+                        </a:spcAft>
+                        <a:buClrTx/>
+                        <a:buSzTx/>
+                        <a:buFontTx/>
+                        <a:buNone/>
+                        <a:tabLst/>
+                        <a:defRPr/>
+                      </a:pPr>
+                      <a:r>
+                        <a:rPr lang="en-IN" sz="1600" i="1" dirty="0">
+                          <a:solidFill>
+                            <a:schemeClr val="bg1"/>
+                          </a:solidFill>
+                        </a:rPr>
+                        <a:t>se2 = Dropout(0.5)(se1)</a:t>
+                      </a:r>
+                    </a:p>
+                  </a:txBody>
+                  <a:tcPr anchor="ctr">
+                    <a:lnL w="12700" cmpd="sng">
+                      <a:noFill/>
+                    </a:lnL>
+                    <a:lnR w="12700" cmpd="sng">
+                      <a:noFill/>
+                    </a:lnR>
+                    <a:lnT w="12700" cmpd="sng">
+                      <a:noFill/>
+                    </a:lnT>
+                    <a:lnB w="12700" cmpd="sng">
+                      <a:noFill/>
+                    </a:lnB>
+                    <a:lnTlToBr w="12700" cmpd="sng">
+                      <a:noFill/>
+                      <a:prstDash val="solid"/>
+                    </a:lnTlToBr>
+                    <a:lnBlToTr w="12700" cmpd="sng">
+                      <a:noFill/>
+                      <a:prstDash val="solid"/>
+                    </a:lnBlToTr>
+                    <a:solidFill>
+                      <a:schemeClr val="tx2"/>
+                    </a:solidFill>
+                  </a:tcPr>
+                </a:tc>
+                <a:extLst>
+                  <a:ext uri="{0D108BD9-81ED-4DB2-BD59-A6C34878D82A}">
+                    <a16:rowId xmlns:a16="http://schemas.microsoft.com/office/drawing/2014/main" val="2452347896"/>
+                  </a:ext>
+                </a:extLst>
+              </a:tr>
+              <a:tr h="229738">
+                <a:tc>
+                  <a:txBody>
+                    <a:bodyPr/>
+                    <a:lstStyle/>
+                    <a:p>
+                      <a:pPr algn="ctr"/>
+                      <a:r>
+                        <a:rPr lang="en-IN" sz="1600" dirty="0">
+                          <a:solidFill>
+                            <a:schemeClr val="accent1"/>
+                          </a:solidFill>
+                        </a:rPr>
+                        <a:t>7</a:t>
+                      </a:r>
+                    </a:p>
+                  </a:txBody>
+                  <a:tcPr anchor="ctr">
+                    <a:lnL w="12700" cmpd="sng">
+                      <a:noFill/>
+                    </a:lnL>
+                    <a:lnR w="12700" cmpd="sng">
+                      <a:noFill/>
+                    </a:lnR>
+                    <a:lnT w="12700" cmpd="sng">
+                      <a:noFill/>
+                    </a:lnT>
+                    <a:lnB w="12700" cmpd="sng">
+                      <a:noFill/>
+                    </a:lnB>
+                    <a:lnTlToBr w="12700" cmpd="sng">
+                      <a:noFill/>
+                      <a:prstDash val="solid"/>
+                    </a:lnTlToBr>
+                    <a:lnBlToTr w="12700" cmpd="sng">
+                      <a:noFill/>
+                      <a:prstDash val="solid"/>
+                    </a:lnBlToTr>
+                    <a:solidFill>
+                      <a:schemeClr val="tx2"/>
+                    </a:solidFill>
+                  </a:tcPr>
+                </a:tc>
+                <a:tc>
+                  <a:txBody>
+                    <a:bodyPr/>
+                    <a:lstStyle/>
+                    <a:p>
+                      <a:pPr marL="0" marR="0" lvl="0" indent="0" algn="l" defTabSz="914400" rtl="0" eaLnBrk="1" fontAlgn="auto" latinLnBrk="0" hangingPunct="1">
+                        <a:lnSpc>
+                          <a:spcPct val="100000"/>
+                        </a:lnSpc>
+                        <a:spcBef>
+                          <a:spcPts val="0"/>
+                        </a:spcBef>
+                        <a:spcAft>
+                          <a:spcPts val="0"/>
+                        </a:spcAft>
+                        <a:buClrTx/>
+                        <a:buSzTx/>
+                        <a:buFontTx/>
+                        <a:buNone/>
+                        <a:tabLst/>
+                        <a:defRPr/>
+                      </a:pPr>
+                      <a:r>
+                        <a:rPr lang="en-IN" sz="1600" i="1" dirty="0">
+                          <a:solidFill>
+                            <a:schemeClr val="bg1"/>
+                          </a:solidFill>
+                        </a:rPr>
+                        <a:t>se3 = LSTM(256)(se2)</a:t>
+                      </a:r>
+                    </a:p>
+                  </a:txBody>
+                  <a:tcPr anchor="ctr">
+                    <a:lnL w="12700" cmpd="sng">
+                      <a:noFill/>
+                    </a:lnL>
+                    <a:lnR w="12700" cmpd="sng">
+                      <a:noFill/>
+                    </a:lnR>
+                    <a:lnT w="12700" cmpd="sng">
+                      <a:noFill/>
+                    </a:lnT>
+                    <a:lnB w="12700" cmpd="sng">
+                      <a:noFill/>
+                    </a:lnB>
+                    <a:lnTlToBr w="12700" cmpd="sng">
+                      <a:noFill/>
+                      <a:prstDash val="solid"/>
+                    </a:lnTlToBr>
+                    <a:lnBlToTr w="12700" cmpd="sng">
+                      <a:noFill/>
+                      <a:prstDash val="solid"/>
+                    </a:lnBlToTr>
+                    <a:solidFill>
+                      <a:schemeClr val="tx2"/>
+                    </a:solidFill>
+                  </a:tcPr>
+                </a:tc>
+                <a:extLst>
+                  <a:ext uri="{0D108BD9-81ED-4DB2-BD59-A6C34878D82A}">
+                    <a16:rowId xmlns:a16="http://schemas.microsoft.com/office/drawing/2014/main" val="3414279275"/>
+                  </a:ext>
+                </a:extLst>
+              </a:tr>
+              <a:tr h="229738">
+                <a:tc>
+                  <a:txBody>
+                    <a:bodyPr/>
+                    <a:lstStyle/>
+                    <a:p>
+                      <a:pPr algn="ctr"/>
+                      <a:r>
+                        <a:rPr lang="en-IN" sz="1600" dirty="0">
+                          <a:solidFill>
+                            <a:schemeClr val="accent1"/>
+                          </a:solidFill>
+                        </a:rPr>
+                        <a:t>7</a:t>
+                      </a:r>
+                    </a:p>
+                  </a:txBody>
+                  <a:tcPr anchor="ctr">
+                    <a:lnL w="12700" cmpd="sng">
+                      <a:noFill/>
+                    </a:lnL>
+                    <a:lnR w="12700" cmpd="sng">
+                      <a:noFill/>
+                    </a:lnR>
+                    <a:lnT w="12700" cmpd="sng">
+                      <a:noFill/>
+                    </a:lnT>
+                    <a:lnB w="12700" cmpd="sng">
+                      <a:noFill/>
+                    </a:lnB>
+                    <a:lnTlToBr w="12700" cmpd="sng">
+                      <a:noFill/>
+                      <a:prstDash val="solid"/>
+                    </a:lnTlToBr>
+                    <a:lnBlToTr w="12700" cmpd="sng">
+                      <a:noFill/>
+                      <a:prstDash val="solid"/>
+                    </a:lnBlToTr>
+                    <a:solidFill>
+                      <a:schemeClr val="tx2"/>
+                    </a:solidFill>
+                  </a:tcPr>
+                </a:tc>
+                <a:tc>
+                  <a:txBody>
+                    <a:bodyPr/>
+                    <a:lstStyle/>
+                    <a:p>
+                      <a:pPr marL="0" marR="0" lvl="0" indent="0" algn="l" defTabSz="914400" rtl="0" eaLnBrk="1" fontAlgn="auto" latinLnBrk="0" hangingPunct="1">
+                        <a:lnSpc>
+                          <a:spcPct val="100000"/>
+                        </a:lnSpc>
+                        <a:spcBef>
+                          <a:spcPts val="0"/>
+                        </a:spcBef>
+                        <a:spcAft>
+                          <a:spcPts val="0"/>
+                        </a:spcAft>
+                        <a:buClrTx/>
+                        <a:buSzTx/>
+                        <a:buFontTx/>
+                        <a:buNone/>
+                        <a:tabLst/>
+                        <a:defRPr/>
+                      </a:pPr>
+                      <a:r>
+                        <a:rPr lang="en-IN" sz="1600" i="1" dirty="0">
+                          <a:solidFill>
+                            <a:schemeClr val="bg1"/>
+                          </a:solidFill>
+                        </a:rPr>
+                        <a:t>decoder1 = add([fe2, se3])</a:t>
+                      </a:r>
+                    </a:p>
+                  </a:txBody>
+                  <a:tcPr anchor="ctr">
+                    <a:lnL w="12700" cmpd="sng">
+                      <a:noFill/>
+                    </a:lnL>
+                    <a:lnR w="12700" cmpd="sng">
+                      <a:noFill/>
+                    </a:lnR>
+                    <a:lnT w="12700" cmpd="sng">
+                      <a:noFill/>
+                    </a:lnT>
+                    <a:lnB w="12700" cmpd="sng">
+                      <a:noFill/>
+                    </a:lnB>
+                    <a:lnTlToBr w="12700" cmpd="sng">
+                      <a:noFill/>
+                      <a:prstDash val="solid"/>
+                    </a:lnTlToBr>
+                    <a:lnBlToTr w="12700" cmpd="sng">
+                      <a:noFill/>
+                      <a:prstDash val="solid"/>
+                    </a:lnBlToTr>
+                    <a:solidFill>
+                      <a:schemeClr val="tx2"/>
+                    </a:solidFill>
+                  </a:tcPr>
+                </a:tc>
+                <a:extLst>
+                  <a:ext uri="{0D108BD9-81ED-4DB2-BD59-A6C34878D82A}">
+                    <a16:rowId xmlns:a16="http://schemas.microsoft.com/office/drawing/2014/main" val="1358162665"/>
+                  </a:ext>
+                </a:extLst>
+              </a:tr>
+              <a:tr h="229738">
+                <a:tc>
+                  <a:txBody>
+                    <a:bodyPr/>
+                    <a:lstStyle/>
+                    <a:p>
+                      <a:pPr algn="ctr"/>
+                      <a:r>
+                        <a:rPr lang="en-IN" sz="1600" dirty="0">
+                          <a:solidFill>
+                            <a:schemeClr val="accent1"/>
+                          </a:solidFill>
+                        </a:rPr>
+                        <a:t>8</a:t>
+                      </a:r>
+                    </a:p>
+                  </a:txBody>
+                  <a:tcPr anchor="ctr">
+                    <a:lnL w="12700" cmpd="sng">
+                      <a:noFill/>
+                    </a:lnL>
+                    <a:lnR w="12700" cmpd="sng">
+                      <a:noFill/>
+                    </a:lnR>
+                    <a:lnT w="12700" cmpd="sng">
+                      <a:noFill/>
+                    </a:lnT>
+                    <a:lnB w="12700" cmpd="sng">
+                      <a:noFill/>
+                    </a:lnB>
+                    <a:lnTlToBr w="12700" cmpd="sng">
+                      <a:noFill/>
+                      <a:prstDash val="solid"/>
+                    </a:lnTlToBr>
+                    <a:lnBlToTr w="12700" cmpd="sng">
+                      <a:noFill/>
+                      <a:prstDash val="solid"/>
+                    </a:lnBlToTr>
+                    <a:solidFill>
+                      <a:schemeClr val="tx2"/>
+                    </a:solidFill>
+                  </a:tcPr>
+                </a:tc>
+                <a:tc>
+                  <a:txBody>
+                    <a:bodyPr/>
+                    <a:lstStyle/>
+                    <a:p>
+                      <a:pPr marL="0" marR="0" lvl="0" indent="0" algn="l" defTabSz="914400" rtl="0" eaLnBrk="1" fontAlgn="auto" latinLnBrk="0" hangingPunct="1">
+                        <a:lnSpc>
+                          <a:spcPct val="100000"/>
+                        </a:lnSpc>
+                        <a:spcBef>
+                          <a:spcPts val="0"/>
+                        </a:spcBef>
+                        <a:spcAft>
+                          <a:spcPts val="0"/>
+                        </a:spcAft>
+                        <a:buClrTx/>
+                        <a:buSzTx/>
+                        <a:buFontTx/>
+                        <a:buNone/>
+                        <a:tabLst/>
+                        <a:defRPr/>
+                      </a:pPr>
+                      <a:r>
+                        <a:rPr lang="en-IN" sz="1600" i="1" dirty="0">
+                          <a:solidFill>
+                            <a:schemeClr val="bg1"/>
+                          </a:solidFill>
+                        </a:rPr>
+                        <a:t>decoder2 = Dense(256, activation=‘</a:t>
+                      </a:r>
+                      <a:r>
+                        <a:rPr lang="en-IN" sz="1600" i="1" dirty="0" err="1">
+                          <a:solidFill>
+                            <a:schemeClr val="bg1"/>
+                          </a:solidFill>
+                        </a:rPr>
+                        <a:t>relu</a:t>
+                      </a:r>
+                      <a:r>
+                        <a:rPr lang="en-IN" sz="1600" i="1" dirty="0">
+                          <a:solidFill>
+                            <a:schemeClr val="bg1"/>
+                          </a:solidFill>
+                        </a:rPr>
+                        <a:t>’)(decoder1)</a:t>
+                      </a:r>
+                    </a:p>
+                  </a:txBody>
+                  <a:tcPr anchor="ctr">
+                    <a:lnL w="12700" cmpd="sng">
+                      <a:noFill/>
+                    </a:lnL>
+                    <a:lnR w="12700" cmpd="sng">
+                      <a:noFill/>
+                    </a:lnR>
+                    <a:lnT w="12700" cmpd="sng">
+                      <a:noFill/>
+                    </a:lnT>
+                    <a:lnB w="12700" cmpd="sng">
+                      <a:noFill/>
+                    </a:lnB>
+                    <a:lnTlToBr w="12700" cmpd="sng">
+                      <a:noFill/>
+                      <a:prstDash val="solid"/>
+                    </a:lnTlToBr>
+                    <a:lnBlToTr w="12700" cmpd="sng">
+                      <a:noFill/>
+                      <a:prstDash val="solid"/>
+                    </a:lnBlToTr>
+                    <a:solidFill>
+                      <a:schemeClr val="tx2"/>
+                    </a:solidFill>
+                  </a:tcPr>
+                </a:tc>
+                <a:extLst>
+                  <a:ext uri="{0D108BD9-81ED-4DB2-BD59-A6C34878D82A}">
+                    <a16:rowId xmlns:a16="http://schemas.microsoft.com/office/drawing/2014/main" val="2621379218"/>
+                  </a:ext>
+                </a:extLst>
+              </a:tr>
+              <a:tr h="229738">
+                <a:tc>
+                  <a:txBody>
+                    <a:bodyPr/>
+                    <a:lstStyle/>
+                    <a:p>
+                      <a:pPr algn="ctr"/>
+                      <a:r>
+                        <a:rPr lang="en-IN" sz="1600" dirty="0">
+                          <a:solidFill>
+                            <a:schemeClr val="accent1"/>
+                          </a:solidFill>
+                        </a:rPr>
+                        <a:t>9</a:t>
+                      </a:r>
+                    </a:p>
+                  </a:txBody>
+                  <a:tcPr anchor="ctr">
+                    <a:lnL w="12700" cmpd="sng">
+                      <a:noFill/>
+                    </a:lnL>
+                    <a:lnR w="12700" cmpd="sng">
+                      <a:noFill/>
+                    </a:lnR>
+                    <a:lnT w="12700" cmpd="sng">
+                      <a:noFill/>
+                    </a:lnT>
+                    <a:lnB w="12700" cmpd="sng">
+                      <a:noFill/>
+                    </a:lnB>
+                    <a:lnTlToBr w="12700" cmpd="sng">
+                      <a:noFill/>
+                      <a:prstDash val="solid"/>
+                    </a:lnTlToBr>
+                    <a:lnBlToTr w="12700" cmpd="sng">
+                      <a:noFill/>
+                      <a:prstDash val="solid"/>
+                    </a:lnBlToTr>
+                    <a:solidFill>
+                      <a:schemeClr val="tx2"/>
+                    </a:solidFill>
+                  </a:tcPr>
+                </a:tc>
+                <a:tc>
+                  <a:txBody>
+                    <a:bodyPr/>
+                    <a:lstStyle/>
+                    <a:p>
+                      <a:pPr marL="0" marR="0" lvl="0" indent="0" algn="l" defTabSz="914400" rtl="0" eaLnBrk="1" fontAlgn="auto" latinLnBrk="0" hangingPunct="1">
+                        <a:lnSpc>
+                          <a:spcPct val="100000"/>
+                        </a:lnSpc>
+                        <a:spcBef>
+                          <a:spcPts val="0"/>
+                        </a:spcBef>
+                        <a:spcAft>
+                          <a:spcPts val="0"/>
+                        </a:spcAft>
+                        <a:buClrTx/>
+                        <a:buSzTx/>
+                        <a:buFontTx/>
+                        <a:buNone/>
+                        <a:tabLst/>
+                        <a:defRPr/>
+                      </a:pPr>
+                      <a:r>
+                        <a:rPr lang="en-IN" sz="1600" i="1" dirty="0">
+                          <a:solidFill>
+                            <a:schemeClr val="bg1"/>
+                          </a:solidFill>
+                        </a:rPr>
+                        <a:t>outputs = Dense(</a:t>
+                      </a:r>
+                      <a:r>
+                        <a:rPr lang="en-IN" sz="1600" i="1" dirty="0" err="1">
+                          <a:solidFill>
+                            <a:schemeClr val="bg1"/>
+                          </a:solidFill>
+                        </a:rPr>
+                        <a:t>vocab_size</a:t>
+                      </a:r>
+                      <a:r>
+                        <a:rPr lang="en-IN" sz="1600" i="1" dirty="0">
+                          <a:solidFill>
+                            <a:schemeClr val="bg1"/>
+                          </a:solidFill>
+                        </a:rPr>
+                        <a:t>, activation=‘</a:t>
+                      </a:r>
+                      <a:r>
+                        <a:rPr lang="en-IN" sz="1600" i="1" dirty="0" err="1">
+                          <a:solidFill>
+                            <a:schemeClr val="bg1"/>
+                          </a:solidFill>
+                        </a:rPr>
+                        <a:t>softmax</a:t>
+                      </a:r>
+                      <a:r>
+                        <a:rPr lang="en-IN" sz="1600" i="1" dirty="0">
+                          <a:solidFill>
+                            <a:schemeClr val="bg1"/>
+                          </a:solidFill>
+                        </a:rPr>
+                        <a:t>’)(decoder2)</a:t>
+                      </a:r>
+                    </a:p>
+                  </a:txBody>
+                  <a:tcPr anchor="ctr">
+                    <a:lnL w="12700" cmpd="sng">
+                      <a:noFill/>
+                    </a:lnL>
+                    <a:lnR w="12700" cmpd="sng">
+                      <a:noFill/>
+                    </a:lnR>
+                    <a:lnT w="12700" cmpd="sng">
+                      <a:noFill/>
+                    </a:lnT>
+                    <a:lnB w="12700" cmpd="sng">
+                      <a:noFill/>
+                    </a:lnB>
+                    <a:lnTlToBr w="12700" cmpd="sng">
+                      <a:noFill/>
+                      <a:prstDash val="solid"/>
+                    </a:lnTlToBr>
+                    <a:lnBlToTr w="12700" cmpd="sng">
+                      <a:noFill/>
+                      <a:prstDash val="solid"/>
+                    </a:lnBlToTr>
+                    <a:solidFill>
+                      <a:schemeClr val="tx2"/>
+                    </a:solidFill>
+                  </a:tcPr>
+                </a:tc>
+                <a:extLst>
+                  <a:ext uri="{0D108BD9-81ED-4DB2-BD59-A6C34878D82A}">
+                    <a16:rowId xmlns:a16="http://schemas.microsoft.com/office/drawing/2014/main" val="1382211798"/>
+                  </a:ext>
+                </a:extLst>
+              </a:tr>
+              <a:tr h="229738">
+                <a:tc>
+                  <a:txBody>
+                    <a:bodyPr/>
+                    <a:lstStyle/>
+                    <a:p>
+                      <a:pPr algn="ctr"/>
+                      <a:r>
+                        <a:rPr lang="en-IN" sz="1600" dirty="0">
+                          <a:solidFill>
+                            <a:schemeClr val="accent1"/>
+                          </a:solidFill>
+                        </a:rPr>
+                        <a:t>10</a:t>
+                      </a:r>
+                    </a:p>
+                  </a:txBody>
+                  <a:tcPr anchor="ctr">
+                    <a:lnL w="12700" cmpd="sng">
+                      <a:noFill/>
+                    </a:lnL>
+                    <a:lnR w="12700" cmpd="sng">
+                      <a:noFill/>
+                    </a:lnR>
+                    <a:lnT w="12700" cmpd="sng">
+                      <a:noFill/>
+                    </a:lnT>
+                    <a:lnB w="12700" cmpd="sng">
+                      <a:noFill/>
+                    </a:lnB>
+                    <a:lnTlToBr w="12700" cmpd="sng">
+                      <a:noFill/>
+                      <a:prstDash val="solid"/>
+                    </a:lnTlToBr>
+                    <a:lnBlToTr w="12700" cmpd="sng">
+                      <a:noFill/>
+                      <a:prstDash val="solid"/>
+                    </a:lnBlToTr>
+                    <a:solidFill>
+                      <a:schemeClr val="tx2"/>
+                    </a:solidFill>
+                  </a:tcPr>
+                </a:tc>
+                <a:tc>
+                  <a:txBody>
+                    <a:bodyPr/>
+                    <a:lstStyle/>
+                    <a:p>
+                      <a:pPr marL="0" marR="0" lvl="0" indent="0" algn="l" defTabSz="914400" rtl="0" eaLnBrk="1" fontAlgn="auto" latinLnBrk="0" hangingPunct="1">
+                        <a:lnSpc>
+                          <a:spcPct val="100000"/>
+                        </a:lnSpc>
+                        <a:spcBef>
+                          <a:spcPts val="0"/>
+                        </a:spcBef>
+                        <a:spcAft>
+                          <a:spcPts val="0"/>
+                        </a:spcAft>
+                        <a:buClrTx/>
+                        <a:buSzTx/>
+                        <a:buFontTx/>
+                        <a:buNone/>
+                        <a:tabLst/>
+                        <a:defRPr/>
+                      </a:pPr>
+                      <a:r>
+                        <a:rPr lang="en-IN" sz="1600" i="1" dirty="0">
+                          <a:solidFill>
+                            <a:schemeClr val="bg1"/>
+                          </a:solidFill>
+                        </a:rPr>
+                        <a:t>model = Model(inputs=[inputs1, inputs2], outputs=outputs)</a:t>
+                      </a:r>
+                    </a:p>
+                  </a:txBody>
+                  <a:tcPr anchor="ctr">
+                    <a:lnL w="12700" cmpd="sng">
+                      <a:noFill/>
+                    </a:lnL>
+                    <a:lnR w="12700" cmpd="sng">
+                      <a:noFill/>
+                    </a:lnR>
+                    <a:lnT w="12700" cmpd="sng">
+                      <a:noFill/>
+                    </a:lnT>
+                    <a:lnB w="12700" cmpd="sng">
+                      <a:noFill/>
+                    </a:lnB>
+                    <a:lnTlToBr w="12700" cmpd="sng">
+                      <a:noFill/>
+                      <a:prstDash val="solid"/>
+                    </a:lnTlToBr>
+                    <a:lnBlToTr w="12700" cmpd="sng">
+                      <a:noFill/>
+                      <a:prstDash val="solid"/>
+                    </a:lnBlToTr>
+                    <a:solidFill>
+                      <a:schemeClr val="tx2"/>
+                    </a:solidFill>
+                  </a:tcPr>
+                </a:tc>
+                <a:extLst>
+                  <a:ext uri="{0D108BD9-81ED-4DB2-BD59-A6C34878D82A}">
+                    <a16:rowId xmlns:a16="http://schemas.microsoft.com/office/drawing/2014/main" val="3697084328"/>
+                  </a:ext>
+                </a:extLst>
+              </a:tr>
+            </a:tbl>
+          </a:graphicData>
+        </a:graphic>
+      </p:graphicFrame>
+      <p:graphicFrame>
+        <p:nvGraphicFramePr>
+          <p:cNvPr id="8" name="Table 8">
+            <a:extLst>
+              <a:ext uri="{FF2B5EF4-FFF2-40B4-BE49-F238E27FC236}">
+                <a16:creationId xmlns:a16="http://schemas.microsoft.com/office/drawing/2014/main" id="{123D2D9B-81AD-4CC5-897D-814333C9F26F}"/>
+              </a:ext>
+            </a:extLst>
+          </p:cNvPr>
+          <p:cNvGraphicFramePr>
+            <a:graphicFrameLocks noGrp="1"/>
+          </p:cNvGraphicFramePr>
+          <p:nvPr>
+            <p:extLst>
+              <p:ext uri="{D42A27DB-BD31-4B8C-83A1-F6EECF244321}">
+                <p14:modId xmlns:p14="http://schemas.microsoft.com/office/powerpoint/2010/main" val="2781371386"/>
+              </p:ext>
+            </p:extLst>
+          </p:nvPr>
+        </p:nvGraphicFramePr>
+        <p:xfrm>
+          <a:off x="1144103" y="5512923"/>
+          <a:ext cx="10209696" cy="741680"/>
+        </p:xfrm>
+        <a:graphic>
+          <a:graphicData uri="http://schemas.openxmlformats.org/drawingml/2006/table">
+            <a:tbl>
+              <a:tblPr bandRow="1">
+                <a:tableStyleId>{5C22544A-7EE6-4342-B048-85BDC9FD1C3A}</a:tableStyleId>
+              </a:tblPr>
+              <a:tblGrid>
+                <a:gridCol w="644940">
+                  <a:extLst>
+                    <a:ext uri="{9D8B030D-6E8A-4147-A177-3AD203B41FA5}">
+                      <a16:colId xmlns:a16="http://schemas.microsoft.com/office/drawing/2014/main" val="1219564251"/>
+                    </a:ext>
+                  </a:extLst>
+                </a:gridCol>
+                <a:gridCol w="9564756">
+                  <a:extLst>
+                    <a:ext uri="{9D8B030D-6E8A-4147-A177-3AD203B41FA5}">
+                      <a16:colId xmlns:a16="http://schemas.microsoft.com/office/drawing/2014/main" val="1977103877"/>
+                    </a:ext>
+                  </a:extLst>
+                </a:gridCol>
+              </a:tblGrid>
+              <a:tr h="370840">
+                <a:tc>
+                  <a:txBody>
+                    <a:bodyPr/>
+                    <a:lstStyle/>
+                    <a:p>
+                      <a:pPr algn="ctr"/>
+                      <a:r>
+                        <a:rPr lang="en-IN" sz="1600" i="1" dirty="0">
+                          <a:solidFill>
+                            <a:schemeClr val="accent1"/>
+                          </a:solidFill>
+                        </a:rPr>
+                        <a:t>1</a:t>
+                      </a:r>
+                    </a:p>
+                  </a:txBody>
+                  <a:tcPr anchor="ctr">
+                    <a:lnL w="12700" cmpd="sng">
+                      <a:noFill/>
+                    </a:lnL>
+                    <a:lnR w="12700" cmpd="sng">
+                      <a:noFill/>
+                    </a:lnR>
+                    <a:lnT w="12700" cmpd="sng">
+                      <a:noFill/>
+                    </a:lnT>
+                    <a:lnB w="12700" cmpd="sng">
+                      <a:noFill/>
+                    </a:lnB>
+                    <a:lnTlToBr w="12700" cmpd="sng">
+                      <a:noFill/>
+                      <a:prstDash val="solid"/>
+                    </a:lnTlToBr>
+                    <a:lnBlToTr w="12700" cmpd="sng">
+                      <a:noFill/>
+                      <a:prstDash val="solid"/>
+                    </a:lnBlToTr>
+                    <a:solidFill>
+                      <a:schemeClr val="tx2"/>
+                    </a:solidFill>
+                  </a:tcPr>
+                </a:tc>
+                <a:tc>
+                  <a:txBody>
+                    <a:bodyPr/>
+                    <a:lstStyle/>
+                    <a:p>
+                      <a:pPr algn="l"/>
+                      <a:r>
+                        <a:rPr lang="en-IN" sz="1600" i="1" dirty="0" err="1">
+                          <a:solidFill>
+                            <a:schemeClr val="bg1"/>
+                          </a:solidFill>
+                        </a:rPr>
+                        <a:t>model.layers</a:t>
+                      </a:r>
+                      <a:r>
+                        <a:rPr lang="en-IN" sz="1600" i="1" dirty="0">
+                          <a:solidFill>
+                            <a:schemeClr val="bg1"/>
+                          </a:solidFill>
+                        </a:rPr>
+                        <a:t>[2].</a:t>
+                      </a:r>
+                      <a:r>
+                        <a:rPr lang="en-IN" sz="1600" i="1" dirty="0" err="1">
+                          <a:solidFill>
+                            <a:schemeClr val="bg1"/>
+                          </a:solidFill>
+                        </a:rPr>
+                        <a:t>set_weights</a:t>
+                      </a:r>
+                      <a:r>
+                        <a:rPr lang="en-IN" sz="1600" i="1" dirty="0">
+                          <a:solidFill>
+                            <a:schemeClr val="bg1"/>
+                          </a:solidFill>
+                        </a:rPr>
+                        <a:t>([</a:t>
+                      </a:r>
+                      <a:r>
+                        <a:rPr lang="en-IN" sz="1600" i="1" dirty="0" err="1">
+                          <a:solidFill>
+                            <a:schemeClr val="bg1"/>
+                          </a:solidFill>
+                        </a:rPr>
+                        <a:t>embedding_matrix</a:t>
+                      </a:r>
+                      <a:r>
+                        <a:rPr lang="en-IN" sz="1600" i="1" dirty="0">
+                          <a:solidFill>
+                            <a:schemeClr val="bg1"/>
+                          </a:solidFill>
+                        </a:rPr>
+                        <a:t>])</a:t>
+                      </a:r>
+                    </a:p>
+                  </a:txBody>
+                  <a:tcPr anchor="ctr">
+                    <a:lnL w="12700" cmpd="sng">
+                      <a:noFill/>
+                    </a:lnL>
+                    <a:lnR w="12700" cmpd="sng">
+                      <a:noFill/>
+                    </a:lnR>
+                    <a:lnT w="12700" cmpd="sng">
+                      <a:noFill/>
+                    </a:lnT>
+                    <a:lnB w="12700" cmpd="sng">
+                      <a:noFill/>
+                    </a:lnB>
+                    <a:lnTlToBr w="12700" cmpd="sng">
+                      <a:noFill/>
+                      <a:prstDash val="solid"/>
+                    </a:lnTlToBr>
+                    <a:lnBlToTr w="12700" cmpd="sng">
+                      <a:noFill/>
+                      <a:prstDash val="solid"/>
+                    </a:lnBlToTr>
+                    <a:solidFill>
+                      <a:schemeClr val="tx2"/>
+                    </a:solidFill>
+                  </a:tcPr>
+                </a:tc>
+                <a:extLst>
+                  <a:ext uri="{0D108BD9-81ED-4DB2-BD59-A6C34878D82A}">
+                    <a16:rowId xmlns:a16="http://schemas.microsoft.com/office/drawing/2014/main" val="4165908067"/>
+                  </a:ext>
+                </a:extLst>
+              </a:tr>
+              <a:tr h="370840">
+                <a:tc>
+                  <a:txBody>
+                    <a:bodyPr/>
+                    <a:lstStyle/>
+                    <a:p>
+                      <a:pPr algn="ctr"/>
+                      <a:r>
+                        <a:rPr lang="en-IN" sz="1600" i="1" dirty="0">
+                          <a:solidFill>
+                            <a:schemeClr val="accent1"/>
+                          </a:solidFill>
+                        </a:rPr>
+                        <a:t>2</a:t>
+                      </a:r>
+                    </a:p>
+                  </a:txBody>
+                  <a:tcPr anchor="ctr">
+                    <a:lnL w="12700" cmpd="sng">
+                      <a:noFill/>
+                    </a:lnL>
+                    <a:lnR w="12700" cmpd="sng">
+                      <a:noFill/>
+                    </a:lnR>
+                    <a:lnT w="12700" cmpd="sng">
+                      <a:noFill/>
+                    </a:lnT>
+                    <a:lnB w="12700" cmpd="sng">
+                      <a:noFill/>
+                    </a:lnB>
+                    <a:lnTlToBr w="12700" cmpd="sng">
+                      <a:noFill/>
+                      <a:prstDash val="solid"/>
+                    </a:lnTlToBr>
+                    <a:lnBlToTr w="12700" cmpd="sng">
+                      <a:noFill/>
+                      <a:prstDash val="solid"/>
+                    </a:lnBlToTr>
+                    <a:solidFill>
+                      <a:schemeClr val="tx2"/>
+                    </a:solidFill>
+                  </a:tcPr>
+                </a:tc>
+                <a:tc>
+                  <a:txBody>
+                    <a:bodyPr/>
+                    <a:lstStyle/>
+                    <a:p>
+                      <a:pPr algn="l"/>
+                      <a:r>
+                        <a:rPr lang="en-IN" sz="1600" i="1" dirty="0" err="1">
+                          <a:solidFill>
+                            <a:schemeClr val="bg1"/>
+                          </a:solidFill>
+                        </a:rPr>
+                        <a:t>model.layers</a:t>
+                      </a:r>
+                      <a:r>
+                        <a:rPr lang="en-IN" sz="1600" i="1" dirty="0">
+                          <a:solidFill>
+                            <a:schemeClr val="bg1"/>
+                          </a:solidFill>
+                        </a:rPr>
+                        <a:t>[2].trainable = False</a:t>
+                      </a:r>
+                    </a:p>
+                  </a:txBody>
+                  <a:tcPr anchor="ctr">
+                    <a:lnL w="12700" cmpd="sng">
+                      <a:noFill/>
+                    </a:lnL>
+                    <a:lnR w="12700" cmpd="sng">
+                      <a:noFill/>
+                    </a:lnR>
+                    <a:lnT w="12700" cmpd="sng">
+                      <a:noFill/>
+                    </a:lnT>
+                    <a:lnB w="12700" cmpd="sng">
+                      <a:noFill/>
+                    </a:lnB>
+                    <a:lnTlToBr w="12700" cmpd="sng">
+                      <a:noFill/>
+                      <a:prstDash val="solid"/>
+                    </a:lnTlToBr>
+                    <a:lnBlToTr w="12700" cmpd="sng">
+                      <a:noFill/>
+                      <a:prstDash val="solid"/>
+                    </a:lnBlToTr>
+                    <a:solidFill>
+                      <a:schemeClr val="tx2"/>
+                    </a:solidFill>
+                  </a:tcPr>
+                </a:tc>
+                <a:extLst>
+                  <a:ext uri="{0D108BD9-81ED-4DB2-BD59-A6C34878D82A}">
+                    <a16:rowId xmlns:a16="http://schemas.microsoft.com/office/drawing/2014/main" val="3137430908"/>
+                  </a:ext>
+                </a:extLst>
+              </a:tr>
+            </a:tbl>
+          </a:graphicData>
+        </a:graphic>
+      </p:graphicFrame>
     </p:spTree>
     <p:extLst>
       <p:ext uri="{BB962C8B-B14F-4D97-AF65-F5344CB8AC3E}">
-        <p14:creationId xmlns:p14="http://schemas.microsoft.com/office/powerpoint/2010/main" val="3288925108"/>
+        <p14:creationId xmlns:p14="http://schemas.microsoft.com/office/powerpoint/2010/main" val="559195933"/>
       </p:ext>
     </p:extLst>
   </p:cSld>
@@ -20320,45 +23702,88 @@
       </p:grpSpPr>
       <p:sp>
         <p:nvSpPr>
-          <p:cNvPr id="2" name="TextBox 1">
+          <p:cNvPr id="2" name="Title 1">
             <a:extLst>
               <a:ext uri="{FF2B5EF4-FFF2-40B4-BE49-F238E27FC236}">
-                <a16:creationId xmlns:a16="http://schemas.microsoft.com/office/drawing/2014/main" id="{55FF0394-BE0D-4E73-AB74-CAA9CAD678A5}"/>
+                <a16:creationId xmlns:a16="http://schemas.microsoft.com/office/drawing/2014/main" id="{9F53C0E6-5CA5-48E1-B370-E678425399F4}"/>
               </a:ext>
             </a:extLst>
           </p:cNvPr>
-          <p:cNvSpPr txBox="1"/>
-          <p:nvPr/>
+          <p:cNvSpPr>
+            <a:spLocks noGrp="1"/>
+          </p:cNvSpPr>
+          <p:nvPr>
+            <p:ph type="title"/>
+          </p:nvPr>
         </p:nvSpPr>
         <p:spPr>
           <a:xfrm>
-            <a:off x="4510053" y="2951946"/>
-            <a:ext cx="3171894" cy="954107"/>
+            <a:off x="838200" y="365125"/>
+            <a:ext cx="10515600" cy="827571"/>
           </a:xfrm>
-          <a:prstGeom prst="rect">
-            <a:avLst/>
-          </a:prstGeom>
-          <a:noFill/>
         </p:spPr>
         <p:txBody>
-          <a:bodyPr wrap="none" rtlCol="0">
-            <a:spAutoFit/>
-          </a:bodyPr>
+          <a:bodyPr/>
           <a:lstStyle/>
           <a:p>
             <a:r>
-              <a:rPr lang="en-IN" sz="5600" dirty="0"/>
-              <a:t>Thank You</a:t>
+              <a:rPr lang="en-IN" dirty="0"/>
+              <a:t>Training &amp; Neural Networks Specific…</a:t>
             </a:r>
           </a:p>
         </p:txBody>
       </p:sp>
       <p:sp>
         <p:nvSpPr>
-          <p:cNvPr id="3" name="Footer Placeholder 2">
+          <p:cNvPr id="3" name="Content Placeholder 2">
             <a:extLst>
               <a:ext uri="{FF2B5EF4-FFF2-40B4-BE49-F238E27FC236}">
-                <a16:creationId xmlns:a16="http://schemas.microsoft.com/office/drawing/2014/main" id="{B10B3E08-E062-4DBA-9E4C-84B030193A6F}"/>
+                <a16:creationId xmlns:a16="http://schemas.microsoft.com/office/drawing/2014/main" id="{F0A4581A-26B3-40E7-A945-90C4D9B58292}"/>
+              </a:ext>
+            </a:extLst>
+          </p:cNvPr>
+          <p:cNvSpPr>
+            <a:spLocks noGrp="1"/>
+          </p:cNvSpPr>
+          <p:nvPr>
+            <p:ph idx="1"/>
+          </p:nvPr>
+        </p:nvSpPr>
+        <p:spPr>
+          <a:xfrm>
+            <a:off x="838200" y="1205948"/>
+            <a:ext cx="10515600" cy="4984267"/>
+          </a:xfrm>
+        </p:spPr>
+        <p:txBody>
+          <a:bodyPr>
+            <a:normAutofit/>
+          </a:bodyPr>
+          <a:lstStyle/>
+          <a:p>
+            <a:pPr algn="just">
+              <a:lnSpc>
+                <a:spcPct val="100000"/>
+              </a:lnSpc>
+              <a:spcBef>
+                <a:spcPts val="0"/>
+              </a:spcBef>
+              <a:buFont typeface="Wingdings" panose="05000000000000000000" pitchFamily="2" charset="2"/>
+              <a:buChar char="Ø"/>
+            </a:pPr>
+            <a:r>
+              <a:rPr lang="en-IN" sz="2000" dirty="0"/>
+              <a:t>Following is the summary of this model:</a:t>
+            </a:r>
+          </a:p>
+        </p:txBody>
+      </p:sp>
+      <p:sp>
+        <p:nvSpPr>
+          <p:cNvPr id="4" name="Footer Placeholder 3">
+            <a:extLst>
+              <a:ext uri="{FF2B5EF4-FFF2-40B4-BE49-F238E27FC236}">
+                <a16:creationId xmlns:a16="http://schemas.microsoft.com/office/drawing/2014/main" id="{540972A1-4BB3-4D04-B4DF-C76BA9B5CAD8}"/>
               </a:ext>
             </a:extLst>
           </p:cNvPr>
@@ -20384,10 +23809,10 @@
       </p:sp>
       <p:sp>
         <p:nvSpPr>
-          <p:cNvPr id="4" name="Slide Number Placeholder 3">
+          <p:cNvPr id="5" name="Slide Number Placeholder 4">
             <a:extLst>
               <a:ext uri="{FF2B5EF4-FFF2-40B4-BE49-F238E27FC236}">
-                <a16:creationId xmlns:a16="http://schemas.microsoft.com/office/drawing/2014/main" id="{AB5D1752-A6EE-4332-87E5-C5378F033BA1}"/>
+                <a16:creationId xmlns:a16="http://schemas.microsoft.com/office/drawing/2014/main" id="{23B5C741-F1AB-463E-B229-974B2924B065}"/>
               </a:ext>
             </a:extLst>
           </p:cNvPr>
@@ -20411,10 +23836,547 @@
           </a:p>
         </p:txBody>
       </p:sp>
+      <p:pic>
+        <p:nvPicPr>
+          <p:cNvPr id="7" name="Picture 6">
+            <a:extLst>
+              <a:ext uri="{FF2B5EF4-FFF2-40B4-BE49-F238E27FC236}">
+                <a16:creationId xmlns:a16="http://schemas.microsoft.com/office/drawing/2014/main" id="{673CC656-0F93-4E6D-8891-D773305E53DF}"/>
+              </a:ext>
+            </a:extLst>
+          </p:cNvPr>
+          <p:cNvPicPr>
+            <a:picLocks noChangeAspect="1"/>
+          </p:cNvPicPr>
+          <p:nvPr/>
+        </p:nvPicPr>
+        <p:blipFill>
+          <a:blip r:embed="rId2">
+            <a:extLst>
+              <a:ext uri="{28A0092B-C50C-407E-A947-70E740481C1C}">
+                <a14:useLocalDpi xmlns:a14="http://schemas.microsoft.com/office/drawing/2010/main" val="0"/>
+              </a:ext>
+            </a:extLst>
+          </a:blip>
+          <a:stretch>
+            <a:fillRect/>
+          </a:stretch>
+        </p:blipFill>
+        <p:spPr>
+          <a:xfrm>
+            <a:off x="1192074" y="1605916"/>
+            <a:ext cx="9701213" cy="4750433"/>
+          </a:xfrm>
+          <a:prstGeom prst="rect">
+            <a:avLst/>
+          </a:prstGeom>
+        </p:spPr>
+      </p:pic>
     </p:spTree>
     <p:extLst>
       <p:ext uri="{BB962C8B-B14F-4D97-AF65-F5344CB8AC3E}">
-        <p14:creationId xmlns:p14="http://schemas.microsoft.com/office/powerpoint/2010/main" val="2292554802"/>
+        <p14:creationId xmlns:p14="http://schemas.microsoft.com/office/powerpoint/2010/main" val="3288925108"/>
+      </p:ext>
+    </p:extLst>
+  </p:cSld>
+  <p:clrMapOvr>
+    <a:masterClrMapping/>
+  </p:clrMapOvr>
+</p:sld>
+</file>
+
+<file path=ppt/slides/slide29.xml><?xml version="1.0" encoding="utf-8"?>
+<p:sld xmlns:a="http://schemas.openxmlformats.org/drawingml/2006/main" xmlns:r="http://schemas.openxmlformats.org/officeDocument/2006/relationships" xmlns:p="http://schemas.openxmlformats.org/presentationml/2006/main">
+  <p:cSld>
+    <p:spTree>
+      <p:nvGrpSpPr>
+        <p:cNvPr id="1" name=""/>
+        <p:cNvGrpSpPr/>
+        <p:nvPr/>
+      </p:nvGrpSpPr>
+      <p:grpSpPr>
+        <a:xfrm>
+          <a:off x="0" y="0"/>
+          <a:ext cx="0" cy="0"/>
+          <a:chOff x="0" y="0"/>
+          <a:chExt cx="0" cy="0"/>
+        </a:xfrm>
+      </p:grpSpPr>
+      <p:sp>
+        <p:nvSpPr>
+          <p:cNvPr id="2" name="Title 1">
+            <a:extLst>
+              <a:ext uri="{FF2B5EF4-FFF2-40B4-BE49-F238E27FC236}">
+                <a16:creationId xmlns:a16="http://schemas.microsoft.com/office/drawing/2014/main" id="{9F53C0E6-5CA5-48E1-B370-E678425399F4}"/>
+              </a:ext>
+            </a:extLst>
+          </p:cNvPr>
+          <p:cNvSpPr>
+            <a:spLocks noGrp="1"/>
+          </p:cNvSpPr>
+          <p:nvPr>
+            <p:ph type="title"/>
+          </p:nvPr>
+        </p:nvSpPr>
+        <p:spPr>
+          <a:xfrm>
+            <a:off x="838200" y="365125"/>
+            <a:ext cx="10515600" cy="827571"/>
+          </a:xfrm>
+        </p:spPr>
+        <p:txBody>
+          <a:bodyPr/>
+          <a:lstStyle/>
+          <a:p>
+            <a:r>
+              <a:rPr lang="en-IN" dirty="0"/>
+              <a:t>Training &amp; Neural Networks Specific…</a:t>
+            </a:r>
+          </a:p>
+        </p:txBody>
+      </p:sp>
+      <p:sp>
+        <p:nvSpPr>
+          <p:cNvPr id="3" name="Content Placeholder 2">
+            <a:extLst>
+              <a:ext uri="{FF2B5EF4-FFF2-40B4-BE49-F238E27FC236}">
+                <a16:creationId xmlns:a16="http://schemas.microsoft.com/office/drawing/2014/main" id="{F0A4581A-26B3-40E7-A945-90C4D9B58292}"/>
+              </a:ext>
+            </a:extLst>
+          </p:cNvPr>
+          <p:cNvSpPr>
+            <a:spLocks noGrp="1"/>
+          </p:cNvSpPr>
+          <p:nvPr>
+            <p:ph idx="1"/>
+          </p:nvPr>
+        </p:nvSpPr>
+        <p:spPr>
+          <a:xfrm>
+            <a:off x="838200" y="1192696"/>
+            <a:ext cx="10515600" cy="4984267"/>
+          </a:xfrm>
+        </p:spPr>
+        <p:txBody>
+          <a:bodyPr>
+            <a:normAutofit lnSpcReduction="10000"/>
+          </a:bodyPr>
+          <a:lstStyle/>
+          <a:p>
+            <a:pPr algn="just">
+              <a:lnSpc>
+                <a:spcPct val="100000"/>
+              </a:lnSpc>
+              <a:spcBef>
+                <a:spcPts val="0"/>
+              </a:spcBef>
+              <a:buFont typeface="Wingdings" panose="05000000000000000000" pitchFamily="2" charset="2"/>
+              <a:buChar char="Ø"/>
+            </a:pPr>
+            <a:r>
+              <a:rPr lang="en-IN" sz="2000" dirty="0"/>
+              <a:t>In the previous neural network code, there is an “Embedding” layer in which we have loaded the </a:t>
+            </a:r>
+            <a:r>
+              <a:rPr lang="en-IN" sz="2000" dirty="0" err="1"/>
+              <a:t>embedding_matrix</a:t>
+            </a:r>
+            <a:r>
+              <a:rPr lang="en-IN" sz="2000" dirty="0"/>
+              <a:t> which has </a:t>
+            </a:r>
+            <a:r>
+              <a:rPr lang="en-IN" sz="2000" dirty="0" err="1"/>
+              <a:t>GloVe</a:t>
+            </a:r>
+            <a:r>
+              <a:rPr lang="en-IN" sz="2000" dirty="0"/>
+              <a:t> bottleneck features (200 dimensional) of all words in our vocabulary.txt file. Following is the purpose of “Embedding” layer:</a:t>
+            </a:r>
+          </a:p>
+          <a:p>
+            <a:pPr lvl="1" algn="just">
+              <a:lnSpc>
+                <a:spcPct val="100000"/>
+              </a:lnSpc>
+              <a:spcBef>
+                <a:spcPts val="0"/>
+              </a:spcBef>
+              <a:buFont typeface="Wingdings" panose="05000000000000000000" pitchFamily="2" charset="2"/>
+              <a:buChar char="§"/>
+            </a:pPr>
+            <a:r>
+              <a:rPr lang="en-IN" sz="1800" dirty="0"/>
+              <a:t>Embedding Layer is one of the available layers in </a:t>
+            </a:r>
+            <a:r>
+              <a:rPr lang="en-IN" sz="1800" dirty="0" err="1"/>
+              <a:t>Keras</a:t>
+            </a:r>
+            <a:r>
+              <a:rPr lang="en-IN" sz="1800" dirty="0"/>
+              <a:t>.</a:t>
+            </a:r>
+          </a:p>
+          <a:p>
+            <a:pPr lvl="1" algn="just">
+              <a:lnSpc>
+                <a:spcPct val="100000"/>
+              </a:lnSpc>
+              <a:spcBef>
+                <a:spcPts val="0"/>
+              </a:spcBef>
+              <a:buFont typeface="Wingdings" panose="05000000000000000000" pitchFamily="2" charset="2"/>
+              <a:buChar char="§"/>
+            </a:pPr>
+            <a:r>
+              <a:rPr lang="en-IN" sz="1800" dirty="0"/>
+              <a:t>This layer is mainly useful in Natural Language Processing (NLP), and thus in Natural Language Generation (NLG).</a:t>
+            </a:r>
+          </a:p>
+          <a:p>
+            <a:pPr lvl="1" algn="just">
+              <a:lnSpc>
+                <a:spcPct val="100000"/>
+              </a:lnSpc>
+              <a:spcBef>
+                <a:spcPts val="0"/>
+              </a:spcBef>
+              <a:buFont typeface="Wingdings" panose="05000000000000000000" pitchFamily="2" charset="2"/>
+              <a:buChar char="§"/>
+            </a:pPr>
+            <a:r>
+              <a:rPr lang="en-IN" sz="1800" dirty="0"/>
+              <a:t>In NLP (or NLG), one can use pre-trained word embeddings such as </a:t>
+            </a:r>
+            <a:r>
+              <a:rPr lang="en-IN" sz="1800" dirty="0" err="1"/>
+              <a:t>GloVe</a:t>
+            </a:r>
+            <a:r>
+              <a:rPr lang="en-IN" sz="1800" dirty="0"/>
+              <a:t>. Alternatively, one can also train our own embeddings using </a:t>
+            </a:r>
+            <a:r>
+              <a:rPr lang="en-IN" sz="1800" dirty="0" err="1"/>
+              <a:t>Keras</a:t>
+            </a:r>
+            <a:r>
+              <a:rPr lang="en-IN" sz="1800" dirty="0"/>
+              <a:t> embedding layer.</a:t>
+            </a:r>
+          </a:p>
+          <a:p>
+            <a:pPr lvl="1" algn="just">
+              <a:lnSpc>
+                <a:spcPct val="100000"/>
+              </a:lnSpc>
+              <a:spcBef>
+                <a:spcPts val="0"/>
+              </a:spcBef>
+              <a:buFont typeface="Wingdings" panose="05000000000000000000" pitchFamily="2" charset="2"/>
+              <a:buChar char="§"/>
+            </a:pPr>
+            <a:r>
+              <a:rPr lang="en-IN" sz="1800" dirty="0"/>
+              <a:t>Word Embeddings can be thought of as an alternate to one-hot encoding along with dimensionality reduction.</a:t>
+            </a:r>
+          </a:p>
+          <a:p>
+            <a:pPr lvl="1" algn="just">
+              <a:lnSpc>
+                <a:spcPct val="100000"/>
+              </a:lnSpc>
+              <a:spcBef>
+                <a:spcPts val="0"/>
+              </a:spcBef>
+              <a:buFont typeface="Wingdings" panose="05000000000000000000" pitchFamily="2" charset="2"/>
+              <a:buChar char="§"/>
+            </a:pPr>
+            <a:r>
+              <a:rPr lang="en-IN" sz="1800" dirty="0"/>
+              <a:t>As we know that while dealing with textual data, we need to convert it into numbers before feeding into any machine learning model. This can be simply done by considering each word as a class (or category) and transforming every word into one-hot vectors). Thus, if we have 10,000 words in our vocabulary (i.e., 10,000 unique words, then a matrix of 10,000 x 10,000 will form where each row will have only one “1” and rest are zero. Following are the two issues with this approach:</a:t>
+            </a:r>
+          </a:p>
+          <a:p>
+            <a:pPr marL="1257300" lvl="2" indent="-342900" algn="just">
+              <a:lnSpc>
+                <a:spcPct val="100000"/>
+              </a:lnSpc>
+              <a:spcBef>
+                <a:spcPts val="0"/>
+              </a:spcBef>
+              <a:buFont typeface="+mj-lt"/>
+              <a:buAutoNum type="arabicPeriod"/>
+            </a:pPr>
+            <a:r>
+              <a:rPr lang="en-IN" sz="1800" dirty="0"/>
+              <a:t>This will require a lot of storage space.</a:t>
+            </a:r>
+          </a:p>
+          <a:p>
+            <a:pPr marL="1257300" lvl="2" indent="-342900" algn="just">
+              <a:lnSpc>
+                <a:spcPct val="100000"/>
+              </a:lnSpc>
+              <a:spcBef>
+                <a:spcPts val="0"/>
+              </a:spcBef>
+              <a:buFont typeface="+mj-lt"/>
+              <a:buAutoNum type="arabicPeriod"/>
+            </a:pPr>
+            <a:r>
+              <a:rPr lang="en-IN" sz="1800" dirty="0"/>
+              <a:t>This will reduce model’s efficiency as there will not be any mathematical justification for such representation</a:t>
+            </a:r>
+            <a:endParaRPr lang="en-IN" sz="2000" dirty="0"/>
+          </a:p>
+          <a:p>
+            <a:pPr algn="just">
+              <a:lnSpc>
+                <a:spcPct val="100000"/>
+              </a:lnSpc>
+              <a:spcBef>
+                <a:spcPts val="0"/>
+              </a:spcBef>
+              <a:buFont typeface="Wingdings" panose="05000000000000000000" pitchFamily="2" charset="2"/>
+              <a:buChar char="Ø"/>
+            </a:pPr>
+            <a:endParaRPr lang="en-IN" sz="2000" dirty="0"/>
+          </a:p>
+          <a:p>
+            <a:pPr algn="just">
+              <a:lnSpc>
+                <a:spcPct val="100000"/>
+              </a:lnSpc>
+              <a:spcBef>
+                <a:spcPts val="0"/>
+              </a:spcBef>
+              <a:buFont typeface="Wingdings" panose="05000000000000000000" pitchFamily="2" charset="2"/>
+              <a:buChar char="Ø"/>
+            </a:pPr>
+            <a:endParaRPr lang="en-IN" sz="2000" dirty="0"/>
+          </a:p>
+          <a:p>
+            <a:pPr algn="just">
+              <a:lnSpc>
+                <a:spcPct val="100000"/>
+              </a:lnSpc>
+              <a:spcBef>
+                <a:spcPts val="0"/>
+              </a:spcBef>
+              <a:buFont typeface="Wingdings" panose="05000000000000000000" pitchFamily="2" charset="2"/>
+              <a:buChar char="Ø"/>
+            </a:pPr>
+            <a:endParaRPr lang="en-IN" sz="2000" dirty="0"/>
+          </a:p>
+          <a:p>
+            <a:pPr algn="just">
+              <a:lnSpc>
+                <a:spcPct val="100000"/>
+              </a:lnSpc>
+              <a:spcBef>
+                <a:spcPts val="0"/>
+              </a:spcBef>
+              <a:buFont typeface="Wingdings" panose="05000000000000000000" pitchFamily="2" charset="2"/>
+              <a:buChar char="Ø"/>
+            </a:pPr>
+            <a:endParaRPr lang="en-IN" sz="2000" dirty="0"/>
+          </a:p>
+          <a:p>
+            <a:pPr algn="just">
+              <a:lnSpc>
+                <a:spcPct val="100000"/>
+              </a:lnSpc>
+              <a:spcBef>
+                <a:spcPts val="0"/>
+              </a:spcBef>
+              <a:buFont typeface="Wingdings" panose="05000000000000000000" pitchFamily="2" charset="2"/>
+              <a:buChar char="Ø"/>
+            </a:pPr>
+            <a:endParaRPr lang="en-IN" sz="2000" dirty="0"/>
+          </a:p>
+          <a:p>
+            <a:pPr algn="just">
+              <a:lnSpc>
+                <a:spcPct val="100000"/>
+              </a:lnSpc>
+              <a:spcBef>
+                <a:spcPts val="0"/>
+              </a:spcBef>
+              <a:buFont typeface="Wingdings" panose="05000000000000000000" pitchFamily="2" charset="2"/>
+              <a:buChar char="Ø"/>
+            </a:pPr>
+            <a:endParaRPr lang="en-IN" sz="2000" dirty="0"/>
+          </a:p>
+          <a:p>
+            <a:pPr algn="just">
+              <a:lnSpc>
+                <a:spcPct val="100000"/>
+              </a:lnSpc>
+              <a:spcBef>
+                <a:spcPts val="0"/>
+              </a:spcBef>
+              <a:buFont typeface="Wingdings" panose="05000000000000000000" pitchFamily="2" charset="2"/>
+              <a:buChar char="Ø"/>
+            </a:pPr>
+            <a:endParaRPr lang="en-IN" sz="2000" dirty="0"/>
+          </a:p>
+          <a:p>
+            <a:pPr algn="just">
+              <a:lnSpc>
+                <a:spcPct val="100000"/>
+              </a:lnSpc>
+              <a:spcBef>
+                <a:spcPts val="0"/>
+              </a:spcBef>
+              <a:buFont typeface="Wingdings" panose="05000000000000000000" pitchFamily="2" charset="2"/>
+              <a:buChar char="Ø"/>
+            </a:pPr>
+            <a:endParaRPr lang="en-IN" sz="2000" dirty="0"/>
+          </a:p>
+          <a:p>
+            <a:pPr algn="just">
+              <a:lnSpc>
+                <a:spcPct val="100000"/>
+              </a:lnSpc>
+              <a:spcBef>
+                <a:spcPts val="0"/>
+              </a:spcBef>
+              <a:buFont typeface="Wingdings" panose="05000000000000000000" pitchFamily="2" charset="2"/>
+              <a:buChar char="Ø"/>
+            </a:pPr>
+            <a:endParaRPr lang="en-IN" sz="2000" dirty="0"/>
+          </a:p>
+          <a:p>
+            <a:pPr algn="just">
+              <a:lnSpc>
+                <a:spcPct val="100000"/>
+              </a:lnSpc>
+              <a:spcBef>
+                <a:spcPts val="0"/>
+              </a:spcBef>
+              <a:buFont typeface="Wingdings" panose="05000000000000000000" pitchFamily="2" charset="2"/>
+              <a:buChar char="Ø"/>
+            </a:pPr>
+            <a:endParaRPr lang="en-IN" sz="2000" dirty="0"/>
+          </a:p>
+          <a:p>
+            <a:pPr algn="just">
+              <a:lnSpc>
+                <a:spcPct val="100000"/>
+              </a:lnSpc>
+              <a:spcBef>
+                <a:spcPts val="0"/>
+              </a:spcBef>
+              <a:buFont typeface="Wingdings" panose="05000000000000000000" pitchFamily="2" charset="2"/>
+              <a:buChar char="Ø"/>
+            </a:pPr>
+            <a:endParaRPr lang="en-IN" sz="2000" dirty="0"/>
+          </a:p>
+          <a:p>
+            <a:pPr algn="just">
+              <a:lnSpc>
+                <a:spcPct val="100000"/>
+              </a:lnSpc>
+              <a:spcBef>
+                <a:spcPts val="0"/>
+              </a:spcBef>
+              <a:buFont typeface="Wingdings" panose="05000000000000000000" pitchFamily="2" charset="2"/>
+              <a:buChar char="Ø"/>
+            </a:pPr>
+            <a:endParaRPr lang="en-IN" sz="2000" dirty="0"/>
+          </a:p>
+          <a:p>
+            <a:pPr algn="just">
+              <a:lnSpc>
+                <a:spcPct val="100000"/>
+              </a:lnSpc>
+              <a:spcBef>
+                <a:spcPts val="0"/>
+              </a:spcBef>
+              <a:buFont typeface="Wingdings" panose="05000000000000000000" pitchFamily="2" charset="2"/>
+              <a:buChar char="Ø"/>
+            </a:pPr>
+            <a:endParaRPr lang="en-IN" sz="2000" dirty="0"/>
+          </a:p>
+          <a:p>
+            <a:pPr algn="just">
+              <a:lnSpc>
+                <a:spcPct val="100000"/>
+              </a:lnSpc>
+              <a:spcBef>
+                <a:spcPts val="0"/>
+              </a:spcBef>
+              <a:buFont typeface="Wingdings" panose="05000000000000000000" pitchFamily="2" charset="2"/>
+              <a:buChar char="Ø"/>
+            </a:pPr>
+            <a:endParaRPr lang="en-IN" sz="2000" dirty="0"/>
+          </a:p>
+        </p:txBody>
+      </p:sp>
+      <p:sp>
+        <p:nvSpPr>
+          <p:cNvPr id="4" name="Footer Placeholder 3">
+            <a:extLst>
+              <a:ext uri="{FF2B5EF4-FFF2-40B4-BE49-F238E27FC236}">
+                <a16:creationId xmlns:a16="http://schemas.microsoft.com/office/drawing/2014/main" id="{540972A1-4BB3-4D04-B4DF-C76BA9B5CAD8}"/>
+              </a:ext>
+            </a:extLst>
+          </p:cNvPr>
+          <p:cNvSpPr>
+            <a:spLocks noGrp="1"/>
+          </p:cNvSpPr>
+          <p:nvPr>
+            <p:ph type="ftr" sz="quarter" idx="11"/>
+          </p:nvPr>
+        </p:nvSpPr>
+        <p:spPr/>
+        <p:txBody>
+          <a:bodyPr/>
+          <a:lstStyle/>
+          <a:p>
+            <a:r>
+              <a:rPr lang="en-US"/>
+              <a:t>Sanjay Singh | san.singhsanjay@gmail.com</a:t>
+            </a:r>
+            <a:endParaRPr lang="en-IN"/>
+          </a:p>
+        </p:txBody>
+      </p:sp>
+      <p:sp>
+        <p:nvSpPr>
+          <p:cNvPr id="5" name="Slide Number Placeholder 4">
+            <a:extLst>
+              <a:ext uri="{FF2B5EF4-FFF2-40B4-BE49-F238E27FC236}">
+                <a16:creationId xmlns:a16="http://schemas.microsoft.com/office/drawing/2014/main" id="{23B5C741-F1AB-463E-B229-974B2924B065}"/>
+              </a:ext>
+            </a:extLst>
+          </p:cNvPr>
+          <p:cNvSpPr>
+            <a:spLocks noGrp="1"/>
+          </p:cNvSpPr>
+          <p:nvPr>
+            <p:ph type="sldNum" sz="quarter" idx="12"/>
+          </p:nvPr>
+        </p:nvSpPr>
+        <p:spPr/>
+        <p:txBody>
+          <a:bodyPr/>
+          <a:lstStyle/>
+          <a:p>
+            <a:fld id="{EC53106F-9B43-4B1F-BCB9-D94FA7734D96}" type="slidenum">
+              <a:rPr lang="en-IN" smtClean="0"/>
+              <a:t>29</a:t>
+            </a:fld>
+            <a:endParaRPr lang="en-IN"/>
+          </a:p>
+        </p:txBody>
+      </p:sp>
+    </p:spTree>
+    <p:extLst>
+      <p:ext uri="{BB962C8B-B14F-4D97-AF65-F5344CB8AC3E}">
+        <p14:creationId xmlns:p14="http://schemas.microsoft.com/office/powerpoint/2010/main" val="1537332895"/>
       </p:ext>
     </p:extLst>
   </p:cSld>
@@ -20822,6 +24784,506 @@
     <p:extLst>
       <p:ext uri="{BB962C8B-B14F-4D97-AF65-F5344CB8AC3E}">
         <p14:creationId xmlns:p14="http://schemas.microsoft.com/office/powerpoint/2010/main" val="1514643214"/>
+      </p:ext>
+    </p:extLst>
+  </p:cSld>
+  <p:clrMapOvr>
+    <a:masterClrMapping/>
+  </p:clrMapOvr>
+</p:sld>
+</file>
+
+<file path=ppt/slides/slide30.xml><?xml version="1.0" encoding="utf-8"?>
+<p:sld xmlns:a="http://schemas.openxmlformats.org/drawingml/2006/main" xmlns:r="http://schemas.openxmlformats.org/officeDocument/2006/relationships" xmlns:p="http://schemas.openxmlformats.org/presentationml/2006/main">
+  <p:cSld>
+    <p:spTree>
+      <p:nvGrpSpPr>
+        <p:cNvPr id="1" name=""/>
+        <p:cNvGrpSpPr/>
+        <p:nvPr/>
+      </p:nvGrpSpPr>
+      <p:grpSpPr>
+        <a:xfrm>
+          <a:off x="0" y="0"/>
+          <a:ext cx="0" cy="0"/>
+          <a:chOff x="0" y="0"/>
+          <a:chExt cx="0" cy="0"/>
+        </a:xfrm>
+      </p:grpSpPr>
+      <p:sp>
+        <p:nvSpPr>
+          <p:cNvPr id="2" name="Title 1">
+            <a:extLst>
+              <a:ext uri="{FF2B5EF4-FFF2-40B4-BE49-F238E27FC236}">
+                <a16:creationId xmlns:a16="http://schemas.microsoft.com/office/drawing/2014/main" id="{9F53C0E6-5CA5-48E1-B370-E678425399F4}"/>
+              </a:ext>
+            </a:extLst>
+          </p:cNvPr>
+          <p:cNvSpPr>
+            <a:spLocks noGrp="1"/>
+          </p:cNvSpPr>
+          <p:nvPr>
+            <p:ph type="title"/>
+          </p:nvPr>
+        </p:nvSpPr>
+        <p:spPr>
+          <a:xfrm>
+            <a:off x="838200" y="365125"/>
+            <a:ext cx="10515600" cy="827571"/>
+          </a:xfrm>
+        </p:spPr>
+        <p:txBody>
+          <a:bodyPr/>
+          <a:lstStyle/>
+          <a:p>
+            <a:r>
+              <a:rPr lang="en-IN" dirty="0"/>
+              <a:t>Training &amp; Neural Networks Specific…</a:t>
+            </a:r>
+          </a:p>
+        </p:txBody>
+      </p:sp>
+      <p:sp>
+        <p:nvSpPr>
+          <p:cNvPr id="3" name="Content Placeholder 2">
+            <a:extLst>
+              <a:ext uri="{FF2B5EF4-FFF2-40B4-BE49-F238E27FC236}">
+                <a16:creationId xmlns:a16="http://schemas.microsoft.com/office/drawing/2014/main" id="{F0A4581A-26B3-40E7-A945-90C4D9B58292}"/>
+              </a:ext>
+            </a:extLst>
+          </p:cNvPr>
+          <p:cNvSpPr>
+            <a:spLocks noGrp="1"/>
+          </p:cNvSpPr>
+          <p:nvPr>
+            <p:ph idx="1"/>
+          </p:nvPr>
+        </p:nvSpPr>
+        <p:spPr>
+          <a:xfrm>
+            <a:off x="838200" y="1192696"/>
+            <a:ext cx="10515600" cy="4984267"/>
+          </a:xfrm>
+        </p:spPr>
+        <p:txBody>
+          <a:bodyPr>
+            <a:normAutofit/>
+          </a:bodyPr>
+          <a:lstStyle/>
+          <a:p>
+            <a:pPr lvl="1" algn="just">
+              <a:lnSpc>
+                <a:spcPct val="100000"/>
+              </a:lnSpc>
+              <a:spcBef>
+                <a:spcPts val="0"/>
+              </a:spcBef>
+              <a:buFont typeface="Wingdings" panose="05000000000000000000" pitchFamily="2" charset="2"/>
+              <a:buChar char="§"/>
+            </a:pPr>
+            <a:r>
+              <a:rPr lang="en-IN" sz="1800" dirty="0"/>
+              <a:t>Embedding layer enables us to convert each word into a fixed length vector of defined size (reduced dimension).</a:t>
+            </a:r>
+          </a:p>
+          <a:p>
+            <a:pPr lvl="1" algn="just">
+              <a:lnSpc>
+                <a:spcPct val="100000"/>
+              </a:lnSpc>
+              <a:spcBef>
+                <a:spcPts val="0"/>
+              </a:spcBef>
+              <a:buFont typeface="Wingdings" panose="05000000000000000000" pitchFamily="2" charset="2"/>
+              <a:buChar char="§"/>
+            </a:pPr>
+            <a:r>
+              <a:rPr lang="en-IN" sz="1800" dirty="0"/>
+              <a:t>The resultant vector have real values instead of just 0s and 1s.</a:t>
+            </a:r>
+          </a:p>
+          <a:p>
+            <a:pPr lvl="1" algn="just">
+              <a:lnSpc>
+                <a:spcPct val="100000"/>
+              </a:lnSpc>
+              <a:spcBef>
+                <a:spcPts val="0"/>
+              </a:spcBef>
+              <a:buFont typeface="Wingdings" panose="05000000000000000000" pitchFamily="2" charset="2"/>
+              <a:buChar char="§"/>
+            </a:pPr>
+            <a:r>
+              <a:rPr lang="en-IN" sz="1800" dirty="0"/>
+              <a:t>This way “Embedding” layer works like a lookup table. The words (or their indices) are the keys in this table while the dense word vectors are the values.</a:t>
+            </a:r>
+          </a:p>
+          <a:p>
+            <a:pPr lvl="1" algn="just">
+              <a:lnSpc>
+                <a:spcPct val="100000"/>
+              </a:lnSpc>
+              <a:spcBef>
+                <a:spcPts val="0"/>
+              </a:spcBef>
+              <a:buFont typeface="Wingdings" panose="05000000000000000000" pitchFamily="2" charset="2"/>
+              <a:buChar char="§"/>
+            </a:pPr>
+            <a:endParaRPr lang="en-IN" sz="1800" dirty="0"/>
+          </a:p>
+        </p:txBody>
+      </p:sp>
+      <p:sp>
+        <p:nvSpPr>
+          <p:cNvPr id="4" name="Footer Placeholder 3">
+            <a:extLst>
+              <a:ext uri="{FF2B5EF4-FFF2-40B4-BE49-F238E27FC236}">
+                <a16:creationId xmlns:a16="http://schemas.microsoft.com/office/drawing/2014/main" id="{540972A1-4BB3-4D04-B4DF-C76BA9B5CAD8}"/>
+              </a:ext>
+            </a:extLst>
+          </p:cNvPr>
+          <p:cNvSpPr>
+            <a:spLocks noGrp="1"/>
+          </p:cNvSpPr>
+          <p:nvPr>
+            <p:ph type="ftr" sz="quarter" idx="11"/>
+          </p:nvPr>
+        </p:nvSpPr>
+        <p:spPr/>
+        <p:txBody>
+          <a:bodyPr/>
+          <a:lstStyle/>
+          <a:p>
+            <a:r>
+              <a:rPr lang="en-US"/>
+              <a:t>Sanjay Singh | san.singhsanjay@gmail.com</a:t>
+            </a:r>
+            <a:endParaRPr lang="en-IN"/>
+          </a:p>
+        </p:txBody>
+      </p:sp>
+      <p:sp>
+        <p:nvSpPr>
+          <p:cNvPr id="5" name="Slide Number Placeholder 4">
+            <a:extLst>
+              <a:ext uri="{FF2B5EF4-FFF2-40B4-BE49-F238E27FC236}">
+                <a16:creationId xmlns:a16="http://schemas.microsoft.com/office/drawing/2014/main" id="{23B5C741-F1AB-463E-B229-974B2924B065}"/>
+              </a:ext>
+            </a:extLst>
+          </p:cNvPr>
+          <p:cNvSpPr>
+            <a:spLocks noGrp="1"/>
+          </p:cNvSpPr>
+          <p:nvPr>
+            <p:ph type="sldNum" sz="quarter" idx="12"/>
+          </p:nvPr>
+        </p:nvSpPr>
+        <p:spPr/>
+        <p:txBody>
+          <a:bodyPr/>
+          <a:lstStyle/>
+          <a:p>
+            <a:fld id="{EC53106F-9B43-4B1F-BCB9-D94FA7734D96}" type="slidenum">
+              <a:rPr lang="en-IN" smtClean="0"/>
+              <a:t>30</a:t>
+            </a:fld>
+            <a:endParaRPr lang="en-IN"/>
+          </a:p>
+        </p:txBody>
+      </p:sp>
+    </p:spTree>
+    <p:extLst>
+      <p:ext uri="{BB962C8B-B14F-4D97-AF65-F5344CB8AC3E}">
+        <p14:creationId xmlns:p14="http://schemas.microsoft.com/office/powerpoint/2010/main" val="194348221"/>
+      </p:ext>
+    </p:extLst>
+  </p:cSld>
+  <p:clrMapOvr>
+    <a:masterClrMapping/>
+  </p:clrMapOvr>
+</p:sld>
+</file>
+
+<file path=ppt/slides/slide31.xml><?xml version="1.0" encoding="utf-8"?>
+<p:sld xmlns:a="http://schemas.openxmlformats.org/drawingml/2006/main" xmlns:r="http://schemas.openxmlformats.org/officeDocument/2006/relationships" xmlns:p="http://schemas.openxmlformats.org/presentationml/2006/main">
+  <p:cSld>
+    <p:spTree>
+      <p:nvGrpSpPr>
+        <p:cNvPr id="1" name=""/>
+        <p:cNvGrpSpPr/>
+        <p:nvPr/>
+      </p:nvGrpSpPr>
+      <p:grpSpPr>
+        <a:xfrm>
+          <a:off x="0" y="0"/>
+          <a:ext cx="0" cy="0"/>
+          <a:chOff x="0" y="0"/>
+          <a:chExt cx="0" cy="0"/>
+        </a:xfrm>
+      </p:grpSpPr>
+      <p:sp>
+        <p:nvSpPr>
+          <p:cNvPr id="2" name="Title 1">
+            <a:extLst>
+              <a:ext uri="{FF2B5EF4-FFF2-40B4-BE49-F238E27FC236}">
+                <a16:creationId xmlns:a16="http://schemas.microsoft.com/office/drawing/2014/main" id="{9F53C0E6-5CA5-48E1-B370-E678425399F4}"/>
+              </a:ext>
+            </a:extLst>
+          </p:cNvPr>
+          <p:cNvSpPr>
+            <a:spLocks noGrp="1"/>
+          </p:cNvSpPr>
+          <p:nvPr>
+            <p:ph type="title"/>
+          </p:nvPr>
+        </p:nvSpPr>
+        <p:spPr>
+          <a:xfrm>
+            <a:off x="838200" y="365125"/>
+            <a:ext cx="10515600" cy="827571"/>
+          </a:xfrm>
+        </p:spPr>
+        <p:txBody>
+          <a:bodyPr/>
+          <a:lstStyle/>
+          <a:p>
+            <a:r>
+              <a:rPr lang="en-IN" dirty="0"/>
+              <a:t>Template</a:t>
+            </a:r>
+          </a:p>
+        </p:txBody>
+      </p:sp>
+      <p:sp>
+        <p:nvSpPr>
+          <p:cNvPr id="3" name="Content Placeholder 2">
+            <a:extLst>
+              <a:ext uri="{FF2B5EF4-FFF2-40B4-BE49-F238E27FC236}">
+                <a16:creationId xmlns:a16="http://schemas.microsoft.com/office/drawing/2014/main" id="{F0A4581A-26B3-40E7-A945-90C4D9B58292}"/>
+              </a:ext>
+            </a:extLst>
+          </p:cNvPr>
+          <p:cNvSpPr>
+            <a:spLocks noGrp="1"/>
+          </p:cNvSpPr>
+          <p:nvPr>
+            <p:ph idx="1"/>
+          </p:nvPr>
+        </p:nvSpPr>
+        <p:spPr>
+          <a:xfrm>
+            <a:off x="838200" y="1192696"/>
+            <a:ext cx="10515600" cy="4984267"/>
+          </a:xfrm>
+        </p:spPr>
+        <p:txBody>
+          <a:bodyPr>
+            <a:normAutofit/>
+          </a:bodyPr>
+          <a:lstStyle/>
+          <a:p>
+            <a:pPr algn="just">
+              <a:lnSpc>
+                <a:spcPct val="100000"/>
+              </a:lnSpc>
+              <a:spcBef>
+                <a:spcPts val="0"/>
+              </a:spcBef>
+              <a:buFont typeface="Wingdings" panose="05000000000000000000" pitchFamily="2" charset="2"/>
+              <a:buChar char="Ø"/>
+            </a:pPr>
+            <a:r>
+              <a:rPr lang="en-IN" sz="2000" dirty="0"/>
+              <a:t>Template</a:t>
+            </a:r>
+          </a:p>
+        </p:txBody>
+      </p:sp>
+      <p:sp>
+        <p:nvSpPr>
+          <p:cNvPr id="4" name="Footer Placeholder 3">
+            <a:extLst>
+              <a:ext uri="{FF2B5EF4-FFF2-40B4-BE49-F238E27FC236}">
+                <a16:creationId xmlns:a16="http://schemas.microsoft.com/office/drawing/2014/main" id="{540972A1-4BB3-4D04-B4DF-C76BA9B5CAD8}"/>
+              </a:ext>
+            </a:extLst>
+          </p:cNvPr>
+          <p:cNvSpPr>
+            <a:spLocks noGrp="1"/>
+          </p:cNvSpPr>
+          <p:nvPr>
+            <p:ph type="ftr" sz="quarter" idx="11"/>
+          </p:nvPr>
+        </p:nvSpPr>
+        <p:spPr/>
+        <p:txBody>
+          <a:bodyPr/>
+          <a:lstStyle/>
+          <a:p>
+            <a:r>
+              <a:rPr lang="en-US"/>
+              <a:t>Sanjay Singh | san.singhsanjay@gmail.com</a:t>
+            </a:r>
+            <a:endParaRPr lang="en-IN"/>
+          </a:p>
+        </p:txBody>
+      </p:sp>
+      <p:sp>
+        <p:nvSpPr>
+          <p:cNvPr id="5" name="Slide Number Placeholder 4">
+            <a:extLst>
+              <a:ext uri="{FF2B5EF4-FFF2-40B4-BE49-F238E27FC236}">
+                <a16:creationId xmlns:a16="http://schemas.microsoft.com/office/drawing/2014/main" id="{23B5C741-F1AB-463E-B229-974B2924B065}"/>
+              </a:ext>
+            </a:extLst>
+          </p:cNvPr>
+          <p:cNvSpPr>
+            <a:spLocks noGrp="1"/>
+          </p:cNvSpPr>
+          <p:nvPr>
+            <p:ph type="sldNum" sz="quarter" idx="12"/>
+          </p:nvPr>
+        </p:nvSpPr>
+        <p:spPr/>
+        <p:txBody>
+          <a:bodyPr/>
+          <a:lstStyle/>
+          <a:p>
+            <a:fld id="{EC53106F-9B43-4B1F-BCB9-D94FA7734D96}" type="slidenum">
+              <a:rPr lang="en-IN" smtClean="0"/>
+              <a:t>31</a:t>
+            </a:fld>
+            <a:endParaRPr lang="en-IN"/>
+          </a:p>
+        </p:txBody>
+      </p:sp>
+    </p:spTree>
+    <p:extLst>
+      <p:ext uri="{BB962C8B-B14F-4D97-AF65-F5344CB8AC3E}">
+        <p14:creationId xmlns:p14="http://schemas.microsoft.com/office/powerpoint/2010/main" val="3740900600"/>
+      </p:ext>
+    </p:extLst>
+  </p:cSld>
+  <p:clrMapOvr>
+    <a:masterClrMapping/>
+  </p:clrMapOvr>
+</p:sld>
+</file>
+
+<file path=ppt/slides/slide32.xml><?xml version="1.0" encoding="utf-8"?>
+<p:sld xmlns:a="http://schemas.openxmlformats.org/drawingml/2006/main" xmlns:r="http://schemas.openxmlformats.org/officeDocument/2006/relationships" xmlns:p="http://schemas.openxmlformats.org/presentationml/2006/main">
+  <p:cSld>
+    <p:spTree>
+      <p:nvGrpSpPr>
+        <p:cNvPr id="1" name=""/>
+        <p:cNvGrpSpPr/>
+        <p:nvPr/>
+      </p:nvGrpSpPr>
+      <p:grpSpPr>
+        <a:xfrm>
+          <a:off x="0" y="0"/>
+          <a:ext cx="0" cy="0"/>
+          <a:chOff x="0" y="0"/>
+          <a:chExt cx="0" cy="0"/>
+        </a:xfrm>
+      </p:grpSpPr>
+      <p:sp>
+        <p:nvSpPr>
+          <p:cNvPr id="2" name="TextBox 1">
+            <a:extLst>
+              <a:ext uri="{FF2B5EF4-FFF2-40B4-BE49-F238E27FC236}">
+                <a16:creationId xmlns:a16="http://schemas.microsoft.com/office/drawing/2014/main" id="{55FF0394-BE0D-4E73-AB74-CAA9CAD678A5}"/>
+              </a:ext>
+            </a:extLst>
+          </p:cNvPr>
+          <p:cNvSpPr txBox="1"/>
+          <p:nvPr/>
+        </p:nvSpPr>
+        <p:spPr>
+          <a:xfrm>
+            <a:off x="4510053" y="2951946"/>
+            <a:ext cx="3171894" cy="954107"/>
+          </a:xfrm>
+          <a:prstGeom prst="rect">
+            <a:avLst/>
+          </a:prstGeom>
+          <a:noFill/>
+        </p:spPr>
+        <p:txBody>
+          <a:bodyPr wrap="none" rtlCol="0">
+            <a:spAutoFit/>
+          </a:bodyPr>
+          <a:lstStyle/>
+          <a:p>
+            <a:r>
+              <a:rPr lang="en-IN" sz="5600" dirty="0"/>
+              <a:t>Thank You</a:t>
+            </a:r>
+          </a:p>
+        </p:txBody>
+      </p:sp>
+      <p:sp>
+        <p:nvSpPr>
+          <p:cNvPr id="3" name="Footer Placeholder 2">
+            <a:extLst>
+              <a:ext uri="{FF2B5EF4-FFF2-40B4-BE49-F238E27FC236}">
+                <a16:creationId xmlns:a16="http://schemas.microsoft.com/office/drawing/2014/main" id="{B10B3E08-E062-4DBA-9E4C-84B030193A6F}"/>
+              </a:ext>
+            </a:extLst>
+          </p:cNvPr>
+          <p:cNvSpPr>
+            <a:spLocks noGrp="1"/>
+          </p:cNvSpPr>
+          <p:nvPr>
+            <p:ph type="ftr" sz="quarter" idx="11"/>
+          </p:nvPr>
+        </p:nvSpPr>
+        <p:spPr/>
+        <p:txBody>
+          <a:bodyPr/>
+          <a:lstStyle/>
+          <a:p>
+            <a:r>
+              <a:rPr lang="en-US"/>
+              <a:t>Sanjay Singh | san.singhsanjay@gmail.com</a:t>
+            </a:r>
+            <a:endParaRPr lang="en-IN"/>
+          </a:p>
+        </p:txBody>
+      </p:sp>
+      <p:sp>
+        <p:nvSpPr>
+          <p:cNvPr id="4" name="Slide Number Placeholder 3">
+            <a:extLst>
+              <a:ext uri="{FF2B5EF4-FFF2-40B4-BE49-F238E27FC236}">
+                <a16:creationId xmlns:a16="http://schemas.microsoft.com/office/drawing/2014/main" id="{AB5D1752-A6EE-4332-87E5-C5378F033BA1}"/>
+              </a:ext>
+            </a:extLst>
+          </p:cNvPr>
+          <p:cNvSpPr>
+            <a:spLocks noGrp="1"/>
+          </p:cNvSpPr>
+          <p:nvPr>
+            <p:ph type="sldNum" sz="quarter" idx="12"/>
+          </p:nvPr>
+        </p:nvSpPr>
+        <p:spPr/>
+        <p:txBody>
+          <a:bodyPr/>
+          <a:lstStyle/>
+          <a:p>
+            <a:fld id="{EC53106F-9B43-4B1F-BCB9-D94FA7734D96}" type="slidenum">
+              <a:rPr lang="en-IN" smtClean="0"/>
+              <a:t>32</a:t>
+            </a:fld>
+            <a:endParaRPr lang="en-IN"/>
+          </a:p>
+        </p:txBody>
+      </p:sp>
+    </p:spTree>
+    <p:extLst>
+      <p:ext uri="{BB962C8B-B14F-4D97-AF65-F5344CB8AC3E}">
+        <p14:creationId xmlns:p14="http://schemas.microsoft.com/office/powerpoint/2010/main" val="2292554802"/>
       </p:ext>
     </p:extLst>
   </p:cSld>

--- a/readme.pptx
+++ b/readme.pptx
@@ -12564,7 +12564,7 @@
             </a:pPr>
             <a:r>
               <a:rPr lang="en-IN" sz="1900" dirty="0"/>
-              <a:t>All files mentioned above are generated in previous steps except “glove.6B.200d.txt”. It is a pre-trained model from NLP (Natural Language Processing). We will discuss in detail about this model in the upcoming slides.</a:t>
+              <a:t>All files mentioned above are generated in previous steps except “glove.6B.200d.txt”. It is a pre-trained model from NLP (Natural Language Processing) that we will discuss later.</a:t>
             </a:r>
           </a:p>
           <a:p>
@@ -12612,7 +12612,7 @@
             </a:r>
             <a:r>
               <a:rPr lang="en-IN" sz="1900" dirty="0"/>
-              <a:t>” (i.e., word-to-index). This dictionary type variable has all words of our cleaned captions as key and their line index (starting from 0) in vocabulary.txt as value. This variable (i.e., “</a:t>
+              <a:t>” (i.e., word-to-index). This dictionary type variable has all words of our cleaned captions as key and their line indices (from 0) in vocabulary.txt as value. This variable (i.e., “</a:t>
             </a:r>
             <a:r>
               <a:rPr lang="en-IN" sz="1900" dirty="0" err="1"/>
@@ -12644,7 +12644,15 @@
             </a:r>
             <a:r>
               <a:rPr lang="en-IN" sz="1900" dirty="0"/>
-              <a:t>”. This variable is also of dictionary type but has line index (from 0) as key and word as value. This variable will be helpful during inference.</a:t>
+              <a:t>”. This variable is also of dictionary type but has </a:t>
+            </a:r>
+            <a:r>
+              <a:rPr lang="en-IN" sz="1900"/>
+              <a:t>line indices </a:t>
+            </a:r>
+            <a:r>
+              <a:rPr lang="en-IN" sz="1900" dirty="0"/>
+              <a:t>(from 0) as key and word as value. This variable will be helpful during inference.</a:t>
             </a:r>
           </a:p>
           <a:p>

--- a/readme.pptx
+++ b/readme.pptx
@@ -5,7 +5,7 @@
     <p:sldMasterId id="2147483648" r:id="rId1"/>
   </p:sldMasterIdLst>
   <p:notesMasterIdLst>
-    <p:notesMasterId r:id="rId34"/>
+    <p:notesMasterId r:id="rId40"/>
   </p:notesMasterIdLst>
   <p:sldIdLst>
     <p:sldId id="256" r:id="rId2"/>
@@ -31,15 +31,21 @@
     <p:sldId id="278" r:id="rId22"/>
     <p:sldId id="279" r:id="rId23"/>
     <p:sldId id="280" r:id="rId24"/>
-    <p:sldId id="284" r:id="rId25"/>
-    <p:sldId id="289" r:id="rId26"/>
-    <p:sldId id="282" r:id="rId27"/>
-    <p:sldId id="283" r:id="rId28"/>
-    <p:sldId id="285" r:id="rId29"/>
-    <p:sldId id="287" r:id="rId30"/>
-    <p:sldId id="288" r:id="rId31"/>
-    <p:sldId id="290" r:id="rId32"/>
-    <p:sldId id="258" r:id="rId33"/>
+    <p:sldId id="290" r:id="rId25"/>
+    <p:sldId id="284" r:id="rId26"/>
+    <p:sldId id="289" r:id="rId27"/>
+    <p:sldId id="282" r:id="rId28"/>
+    <p:sldId id="283" r:id="rId29"/>
+    <p:sldId id="285" r:id="rId30"/>
+    <p:sldId id="287" r:id="rId31"/>
+    <p:sldId id="288" r:id="rId32"/>
+    <p:sldId id="291" r:id="rId33"/>
+    <p:sldId id="292" r:id="rId34"/>
+    <p:sldId id="293" r:id="rId35"/>
+    <p:sldId id="294" r:id="rId36"/>
+    <p:sldId id="295" r:id="rId37"/>
+    <p:sldId id="296" r:id="rId38"/>
+    <p:sldId id="258" r:id="rId39"/>
   </p:sldIdLst>
   <p:sldSz cx="12192000" cy="6858000"/>
   <p:notesSz cx="6858000" cy="9144000"/>
@@ -228,7 +234,7 @@
           <a:p>
             <a:fld id="{3EBE19CC-9519-4C5F-A78F-AFC3EB8C266D}" type="datetimeFigureOut">
               <a:rPr lang="en-IN" smtClean="0"/>
-              <a:t>10-05-2021</a:t>
+              <a:t>12-05-2021</a:t>
             </a:fld>
             <a:endParaRPr lang="en-IN"/>
           </a:p>
@@ -645,7 +651,7 @@
           <a:p>
             <a:fld id="{95B38DEA-F89A-499A-81D4-0F17E13A0F54}" type="datetime1">
               <a:rPr lang="en-IN" smtClean="0"/>
-              <a:t>10-05-2021</a:t>
+              <a:t>12-05-2021</a:t>
             </a:fld>
             <a:endParaRPr lang="en-IN"/>
           </a:p>
@@ -849,7 +855,7 @@
           <a:p>
             <a:fld id="{52CB48DB-8752-4EC9-AEF1-132D60C612E3}" type="datetime1">
               <a:rPr lang="en-IN" smtClean="0"/>
-              <a:t>10-05-2021</a:t>
+              <a:t>12-05-2021</a:t>
             </a:fld>
             <a:endParaRPr lang="en-IN"/>
           </a:p>
@@ -1063,7 +1069,7 @@
           <a:p>
             <a:fld id="{20E4919B-0840-418F-81E8-D1EAC9FB2BFE}" type="datetime1">
               <a:rPr lang="en-IN" smtClean="0"/>
-              <a:t>10-05-2021</a:t>
+              <a:t>12-05-2021</a:t>
             </a:fld>
             <a:endParaRPr lang="en-IN"/>
           </a:p>
@@ -1267,7 +1273,7 @@
           <a:p>
             <a:fld id="{14A56409-1144-459D-8580-EF29D8BAED4A}" type="datetime1">
               <a:rPr lang="en-IN" smtClean="0"/>
-              <a:t>10-05-2021</a:t>
+              <a:t>12-05-2021</a:t>
             </a:fld>
             <a:endParaRPr lang="en-IN"/>
           </a:p>
@@ -1547,7 +1553,7 @@
           <a:p>
             <a:fld id="{67926871-090A-4D31-A9C1-76DEC3805894}" type="datetime1">
               <a:rPr lang="en-IN" smtClean="0"/>
-              <a:t>10-05-2021</a:t>
+              <a:t>12-05-2021</a:t>
             </a:fld>
             <a:endParaRPr lang="en-IN"/>
           </a:p>
@@ -1819,7 +1825,7 @@
           <a:p>
             <a:fld id="{7F9657E2-E3D3-4B4C-9FD7-7329F62A123B}" type="datetime1">
               <a:rPr lang="en-IN" smtClean="0"/>
-              <a:t>10-05-2021</a:t>
+              <a:t>12-05-2021</a:t>
             </a:fld>
             <a:endParaRPr lang="en-IN"/>
           </a:p>
@@ -2238,7 +2244,7 @@
           <a:p>
             <a:fld id="{664F21D5-2AAA-408A-910B-555FC11A1CF7}" type="datetime1">
               <a:rPr lang="en-IN" smtClean="0"/>
-              <a:t>10-05-2021</a:t>
+              <a:t>12-05-2021</a:t>
             </a:fld>
             <a:endParaRPr lang="en-IN"/>
           </a:p>
@@ -2384,7 +2390,7 @@
           <a:p>
             <a:fld id="{F356A824-9512-4355-9382-9A341080930D}" type="datetime1">
               <a:rPr lang="en-IN" smtClean="0"/>
-              <a:t>10-05-2021</a:t>
+              <a:t>12-05-2021</a:t>
             </a:fld>
             <a:endParaRPr lang="en-IN"/>
           </a:p>
@@ -2501,7 +2507,7 @@
           <a:p>
             <a:fld id="{61D5D980-7089-4CCA-A615-7CE5DE2E0A24}" type="datetime1">
               <a:rPr lang="en-IN" smtClean="0"/>
-              <a:t>10-05-2021</a:t>
+              <a:t>12-05-2021</a:t>
             </a:fld>
             <a:endParaRPr lang="en-IN"/>
           </a:p>
@@ -2818,7 +2824,7 @@
           <a:p>
             <a:fld id="{BCBBCC49-34F1-4143-A247-5BD173D4A05B}" type="datetime1">
               <a:rPr lang="en-IN" smtClean="0"/>
-              <a:t>10-05-2021</a:t>
+              <a:t>12-05-2021</a:t>
             </a:fld>
             <a:endParaRPr lang="en-IN"/>
           </a:p>
@@ -3111,7 +3117,7 @@
           <a:p>
             <a:fld id="{2D62E49B-383D-4FEF-83E3-8391B88BD48A}" type="datetime1">
               <a:rPr lang="en-IN" smtClean="0"/>
-              <a:t>10-05-2021</a:t>
+              <a:t>12-05-2021</a:t>
             </a:fld>
             <a:endParaRPr lang="en-IN"/>
           </a:p>
@@ -3358,7 +3364,7 @@
           <a:p>
             <a:fld id="{95403040-39FF-48B5-9AA8-D98B49EA5B67}" type="datetime1">
               <a:rPr lang="en-IN" smtClean="0"/>
-              <a:t>10-05-2021</a:t>
+              <a:t>12-05-2021</a:t>
             </a:fld>
             <a:endParaRPr lang="en-IN"/>
           </a:p>
@@ -6663,14 +6669,14 @@
           <p:nvPr>
             <p:extLst>
               <p:ext uri="{D42A27DB-BD31-4B8C-83A1-F6EECF244321}">
-                <p14:modId xmlns:p14="http://schemas.microsoft.com/office/powerpoint/2010/main" val="1695059468"/>
+                <p14:modId xmlns:p14="http://schemas.microsoft.com/office/powerpoint/2010/main" val="1603973714"/>
               </p:ext>
             </p:extLst>
           </p:nvPr>
         </p:nvGraphicFramePr>
         <p:xfrm>
-          <a:off x="1369390" y="5435283"/>
-          <a:ext cx="9984409" cy="741680"/>
+          <a:off x="1369390" y="5263007"/>
+          <a:ext cx="9984409" cy="1112520"/>
         </p:xfrm>
         <a:graphic>
           <a:graphicData uri="http://schemas.openxmlformats.org/drawingml/2006/table">
@@ -6909,7 +6915,15 @@
                             <a:schemeClr val="bg1"/>
                           </a:solidFill>
                         </a:rPr>
-                        <a:t>(reference, candidate)</a:t>
+                        <a:t>(reference, candidate) </a:t>
+                      </a:r>
+                      <a:r>
+                        <a:rPr lang="en-IN" sz="1800" i="1" dirty="0">
+                          <a:solidFill>
+                            <a:schemeClr val="accent2"/>
+                          </a:solidFill>
+                        </a:rPr>
+                        <a:t># for one reference text</a:t>
                       </a:r>
                     </a:p>
                   </a:txBody>
@@ -6942,6 +6956,145 @@
                 <a:extLst>
                   <a:ext uri="{0D108BD9-81ED-4DB2-BD59-A6C34878D82A}">
                     <a16:rowId xmlns:a16="http://schemas.microsoft.com/office/drawing/2014/main" val="292879483"/>
+                  </a:ext>
+                </a:extLst>
+              </a:tr>
+              <a:tr h="370840">
+                <a:tc>
+                  <a:txBody>
+                    <a:bodyPr/>
+                    <a:lstStyle/>
+                    <a:p>
+                      <a:pPr algn="ctr"/>
+                      <a:r>
+                        <a:rPr lang="en-IN" i="1" dirty="0">
+                          <a:solidFill>
+                            <a:schemeClr val="accent1"/>
+                          </a:solidFill>
+                        </a:rPr>
+                        <a:t>3</a:t>
+                      </a:r>
+                    </a:p>
+                  </a:txBody>
+                  <a:tcPr>
+                    <a:lnL w="12700" cmpd="sng">
+                      <a:noFill/>
+                    </a:lnL>
+                    <a:lnR w="12700" cmpd="sng">
+                      <a:noFill/>
+                    </a:lnR>
+                    <a:lnT w="12700" cmpd="sng">
+                      <a:noFill/>
+                    </a:lnT>
+                    <a:lnB w="12700" cmpd="sng">
+                      <a:noFill/>
+                    </a:lnB>
+                    <a:lnTlToBr w="12700" cmpd="sng">
+                      <a:noFill/>
+                      <a:prstDash val="solid"/>
+                    </a:lnTlToBr>
+                    <a:lnBlToTr w="12700" cmpd="sng">
+                      <a:noFill/>
+                      <a:prstDash val="solid"/>
+                    </a:lnBlToTr>
+                    <a:solidFill>
+                      <a:schemeClr val="tx2"/>
+                    </a:solidFill>
+                  </a:tcPr>
+                </a:tc>
+                <a:tc>
+                  <a:txBody>
+                    <a:bodyPr/>
+                    <a:lstStyle/>
+                    <a:p>
+                      <a:pPr marL="0" marR="0" lvl="0" indent="0" algn="l" defTabSz="914400" rtl="0" eaLnBrk="1" fontAlgn="auto" latinLnBrk="0" hangingPunct="1">
+                        <a:lnSpc>
+                          <a:spcPct val="100000"/>
+                        </a:lnSpc>
+                        <a:spcBef>
+                          <a:spcPts val="0"/>
+                        </a:spcBef>
+                        <a:spcAft>
+                          <a:spcPts val="0"/>
+                        </a:spcAft>
+                        <a:buClrTx/>
+                        <a:buSzTx/>
+                        <a:buFontTx/>
+                        <a:buNone/>
+                        <a:tabLst/>
+                        <a:defRPr/>
+                      </a:pPr>
+                      <a:r>
+                        <a:rPr lang="en-IN" sz="1800" i="1" dirty="0" err="1">
+                          <a:solidFill>
+                            <a:schemeClr val="bg1"/>
+                          </a:solidFill>
+                        </a:rPr>
+                        <a:t>bleu_sc</a:t>
+                      </a:r>
+                      <a:r>
+                        <a:rPr lang="en-IN" sz="1800" i="1" dirty="0">
+                          <a:solidFill>
+                            <a:schemeClr val="bg1"/>
+                          </a:solidFill>
+                        </a:rPr>
+                        <a:t> = </a:t>
+                      </a:r>
+                      <a:r>
+                        <a:rPr lang="en-IN" sz="1800" i="1" dirty="0" err="1">
+                          <a:solidFill>
+                            <a:schemeClr val="bg1"/>
+                          </a:solidFill>
+                        </a:rPr>
+                        <a:t>bleu.corpus_bleu</a:t>
+                      </a:r>
+                      <a:r>
+                        <a:rPr lang="en-IN" sz="1800" i="1" dirty="0">
+                          <a:solidFill>
+                            <a:schemeClr val="bg1"/>
+                          </a:solidFill>
+                        </a:rPr>
+                        <a:t>(reference, candidate) </a:t>
+                      </a:r>
+                      <a:r>
+                        <a:rPr lang="en-IN" sz="1800" i="1" dirty="0">
+                          <a:solidFill>
+                            <a:schemeClr val="accent2"/>
+                          </a:solidFill>
+                        </a:rPr>
+                        <a:t># for multiple reference text</a:t>
+                      </a:r>
+                    </a:p>
+                  </a:txBody>
+                  <a:tcPr>
+                    <a:lnL w="12700" cmpd="sng">
+                      <a:noFill/>
+                    </a:lnL>
+                    <a:lnR w="12700" cmpd="sng">
+                      <a:noFill/>
+                    </a:lnR>
+                    <a:lnT w="12700" cmpd="sng">
+                      <a:noFill/>
+                    </a:lnT>
+                    <a:lnB w="12700" cmpd="sng">
+                      <a:noFill/>
+                    </a:lnB>
+                    <a:lnTlToBr w="12700" cmpd="sng">
+                      <a:noFill/>
+                      <a:prstDash val="solid"/>
+                    </a:lnTlToBr>
+                    <a:lnBlToTr w="12700" cmpd="sng">
+                      <a:noFill/>
+                      <a:prstDash val="solid"/>
+                    </a:lnBlToTr>
+                    <a:solidFill>
+                      <a:schemeClr val="tx2"/>
+                    </a:solidFill>
+                  </a:tcPr>
+                </a:tc>
+                <a:extLst>
+                  <a:ext uri="{0D108BD9-81ED-4DB2-BD59-A6C34878D82A}">
+                    <a16:rowId xmlns:a16="http://schemas.microsoft.com/office/drawing/2014/main" val="3295560409"/>
                   </a:ext>
                 </a:extLst>
               </a:tr>
@@ -19309,7 +19462,7 @@
         <p:spPr>
           <a:xfrm>
             <a:off x="838200" y="5437025"/>
-            <a:ext cx="10515596" cy="646331"/>
+            <a:ext cx="10515596" cy="923330"/>
           </a:xfrm>
           <a:prstGeom prst="rect">
             <a:avLst/>
@@ -19334,6 +19487,13 @@
             <a:r>
               <a:rPr lang="en-IN" dirty="0"/>
               <a:t>” generates data for a particular number of images at a time (to prevent Memory Overflow error) in the above manner and pass it to the neural network for training.</a:t>
+            </a:r>
+          </a:p>
+          <a:p>
+            <a:pPr algn="just"/>
+            <a:r>
+              <a:rPr lang="en-IN" dirty="0"/>
+              <a:t>After completion of training, script will save model in “output” directory.</a:t>
             </a:r>
           </a:p>
         </p:txBody>
@@ -19396,7 +19556,7 @@
           <a:p>
             <a:r>
               <a:rPr lang="en-IN" dirty="0"/>
-              <a:t>Pre-Trained Models</a:t>
+              <a:t>Scripts Execution Flow</a:t>
             </a:r>
           </a:p>
         </p:txBody>
@@ -19429,22 +19589,6 @@
           </a:bodyPr>
           <a:lstStyle/>
           <a:p>
-            <a:pPr algn="just">
-              <a:lnSpc>
-                <a:spcPct val="100000"/>
-              </a:lnSpc>
-              <a:spcBef>
-                <a:spcPts val="0"/>
-              </a:spcBef>
-              <a:buFont typeface="Wingdings" panose="05000000000000000000" pitchFamily="2" charset="2"/>
-              <a:buChar char="Ø"/>
-            </a:pPr>
-            <a:r>
-              <a:rPr lang="en-IN" sz="2000" dirty="0"/>
-              <a:t>We are using two pre-trained models in this project:</a:t>
-            </a:r>
-          </a:p>
-          <a:p>
             <a:pPr marL="800100" lvl="1" indent="-342900" algn="just">
               <a:lnSpc>
                 <a:spcPct val="100000"/>
@@ -19453,15 +19597,15 @@
                 <a:spcPts val="0"/>
               </a:spcBef>
               <a:buFont typeface="+mj-lt"/>
-              <a:buAutoNum type="arabicPeriod"/>
+              <a:buAutoNum type="arabicPeriod" startAt="6"/>
             </a:pPr>
             <a:r>
               <a:rPr lang="en-IN" sz="1800" dirty="0"/>
-              <a:t>InceptionV3: To generate bottleneck features for images.</a:t>
-            </a:r>
-          </a:p>
-          <a:p>
-            <a:pPr marL="800100" lvl="1" indent="-342900" algn="just">
+              <a:t>After successful completion of training, one can use the saved model by any of the following scripts:</a:t>
+            </a:r>
+          </a:p>
+          <a:p>
+            <a:pPr marL="1314450" lvl="2" indent="-400050" algn="just">
               <a:lnSpc>
                 <a:spcPct val="100000"/>
               </a:lnSpc>
@@ -19469,31 +19613,67 @@
                 <a:spcPts val="0"/>
               </a:spcBef>
               <a:buFont typeface="+mj-lt"/>
-              <a:buAutoNum type="arabicPeriod"/>
+              <a:buAutoNum type="romanLcPeriod"/>
             </a:pPr>
             <a:r>
+              <a:rPr lang="en-IN" sz="1800" dirty="0"/>
+              <a:t>Script “scripts/</a:t>
+            </a:r>
+            <a:r>
               <a:rPr lang="en-IN" sz="1800" dirty="0" err="1"/>
-              <a:t>GloVe</a:t>
+              <a:t>inference_one_image_GColab.ipynb</a:t>
             </a:r>
             <a:r>
               <a:rPr lang="en-IN" sz="1800" dirty="0"/>
-              <a:t>: To generate word embeddings for captions.</a:t>
-            </a:r>
-          </a:p>
-          <a:p>
-            <a:pPr algn="just">
+              <a:t>” to get caption of one image at a time. User has to keep the test image in a “</a:t>
+            </a:r>
+            <a:r>
+              <a:rPr lang="en-IN" sz="1800" dirty="0" err="1"/>
+              <a:t>single_test_image</a:t>
+            </a:r>
+            <a:r>
+              <a:rPr lang="en-IN" sz="1800" dirty="0"/>
+              <a:t>” directory, and enter its name when script ask.</a:t>
+            </a:r>
+          </a:p>
+          <a:p>
+            <a:pPr marL="1314450" lvl="2" indent="-400050" algn="just">
               <a:lnSpc>
                 <a:spcPct val="100000"/>
               </a:lnSpc>
               <a:spcBef>
                 <a:spcPts val="0"/>
               </a:spcBef>
-              <a:buFont typeface="Wingdings" panose="05000000000000000000" pitchFamily="2" charset="2"/>
-              <a:buChar char="Ø"/>
+              <a:buFont typeface="+mj-lt"/>
+              <a:buAutoNum type="romanLcPeriod"/>
             </a:pPr>
             <a:r>
-              <a:rPr lang="en-IN" sz="2200" dirty="0"/>
-              <a:t>Inception V3:</a:t>
+              <a:rPr lang="en-IN" sz="1800" dirty="0"/>
+              <a:t>Script “scripts/</a:t>
+            </a:r>
+            <a:r>
+              <a:rPr lang="en-IN" sz="1800" dirty="0" err="1"/>
+              <a:t>inference_test_images_GColab.ipynb</a:t>
+            </a:r>
+            <a:r>
+              <a:rPr lang="en-IN" sz="1800" dirty="0"/>
+              <a:t>” to get captions generated (or predicted) by trained model for all images saved under “</a:t>
+            </a:r>
+            <a:r>
+              <a:rPr lang="en-IN" sz="1800" dirty="0" err="1"/>
+              <a:t>test_image</a:t>
+            </a:r>
+            <a:r>
+              <a:rPr lang="en-IN" sz="1800" dirty="0"/>
+              <a:t>” directory. This script will save all those generated (or predicted) captions in a .txt file under “output/</a:t>
+            </a:r>
+            <a:r>
+              <a:rPr lang="en-IN" sz="1800" dirty="0" err="1"/>
+              <a:t>test_image_generated_captions</a:t>
+            </a:r>
+            <a:r>
+              <a:rPr lang="en-IN" sz="1800" dirty="0"/>
+              <a:t>/” directory.</a:t>
             </a:r>
           </a:p>
         </p:txBody>
@@ -19551,6 +19731,224 @@
             <a:fld id="{EC53106F-9B43-4B1F-BCB9-D94FA7734D96}" type="slidenum">
               <a:rPr lang="en-IN" smtClean="0"/>
               <a:t>24</a:t>
+            </a:fld>
+            <a:endParaRPr lang="en-IN"/>
+          </a:p>
+        </p:txBody>
+      </p:sp>
+    </p:spTree>
+    <p:extLst>
+      <p:ext uri="{BB962C8B-B14F-4D97-AF65-F5344CB8AC3E}">
+        <p14:creationId xmlns:p14="http://schemas.microsoft.com/office/powerpoint/2010/main" val="3740900600"/>
+      </p:ext>
+    </p:extLst>
+  </p:cSld>
+  <p:clrMapOvr>
+    <a:masterClrMapping/>
+  </p:clrMapOvr>
+</p:sld>
+</file>
+
+<file path=ppt/slides/slide25.xml><?xml version="1.0" encoding="utf-8"?>
+<p:sld xmlns:a="http://schemas.openxmlformats.org/drawingml/2006/main" xmlns:r="http://schemas.openxmlformats.org/officeDocument/2006/relationships" xmlns:p="http://schemas.openxmlformats.org/presentationml/2006/main">
+  <p:cSld>
+    <p:spTree>
+      <p:nvGrpSpPr>
+        <p:cNvPr id="1" name=""/>
+        <p:cNvGrpSpPr/>
+        <p:nvPr/>
+      </p:nvGrpSpPr>
+      <p:grpSpPr>
+        <a:xfrm>
+          <a:off x="0" y="0"/>
+          <a:ext cx="0" cy="0"/>
+          <a:chOff x="0" y="0"/>
+          <a:chExt cx="0" cy="0"/>
+        </a:xfrm>
+      </p:grpSpPr>
+      <p:sp>
+        <p:nvSpPr>
+          <p:cNvPr id="2" name="Title 1">
+            <a:extLst>
+              <a:ext uri="{FF2B5EF4-FFF2-40B4-BE49-F238E27FC236}">
+                <a16:creationId xmlns:a16="http://schemas.microsoft.com/office/drawing/2014/main" id="{9F53C0E6-5CA5-48E1-B370-E678425399F4}"/>
+              </a:ext>
+            </a:extLst>
+          </p:cNvPr>
+          <p:cNvSpPr>
+            <a:spLocks noGrp="1"/>
+          </p:cNvSpPr>
+          <p:nvPr>
+            <p:ph type="title"/>
+          </p:nvPr>
+        </p:nvSpPr>
+        <p:spPr>
+          <a:xfrm>
+            <a:off x="838200" y="365125"/>
+            <a:ext cx="10515600" cy="827571"/>
+          </a:xfrm>
+        </p:spPr>
+        <p:txBody>
+          <a:bodyPr/>
+          <a:lstStyle/>
+          <a:p>
+            <a:r>
+              <a:rPr lang="en-IN" dirty="0"/>
+              <a:t>Pre-Trained Models</a:t>
+            </a:r>
+          </a:p>
+        </p:txBody>
+      </p:sp>
+      <p:sp>
+        <p:nvSpPr>
+          <p:cNvPr id="3" name="Content Placeholder 2">
+            <a:extLst>
+              <a:ext uri="{FF2B5EF4-FFF2-40B4-BE49-F238E27FC236}">
+                <a16:creationId xmlns:a16="http://schemas.microsoft.com/office/drawing/2014/main" id="{F0A4581A-26B3-40E7-A945-90C4D9B58292}"/>
+              </a:ext>
+            </a:extLst>
+          </p:cNvPr>
+          <p:cNvSpPr>
+            <a:spLocks noGrp="1"/>
+          </p:cNvSpPr>
+          <p:nvPr>
+            <p:ph idx="1"/>
+          </p:nvPr>
+        </p:nvSpPr>
+        <p:spPr>
+          <a:xfrm>
+            <a:off x="838200" y="1192696"/>
+            <a:ext cx="10515600" cy="4984267"/>
+          </a:xfrm>
+        </p:spPr>
+        <p:txBody>
+          <a:bodyPr>
+            <a:normAutofit/>
+          </a:bodyPr>
+          <a:lstStyle/>
+          <a:p>
+            <a:pPr algn="just">
+              <a:lnSpc>
+                <a:spcPct val="100000"/>
+              </a:lnSpc>
+              <a:spcBef>
+                <a:spcPts val="0"/>
+              </a:spcBef>
+              <a:buFont typeface="Wingdings" panose="05000000000000000000" pitchFamily="2" charset="2"/>
+              <a:buChar char="Ø"/>
+            </a:pPr>
+            <a:r>
+              <a:rPr lang="en-IN" sz="2000" dirty="0"/>
+              <a:t>We are using two pre-trained models in this project:</a:t>
+            </a:r>
+          </a:p>
+          <a:p>
+            <a:pPr marL="800100" lvl="1" indent="-342900" algn="just">
+              <a:lnSpc>
+                <a:spcPct val="100000"/>
+              </a:lnSpc>
+              <a:spcBef>
+                <a:spcPts val="0"/>
+              </a:spcBef>
+              <a:buFont typeface="+mj-lt"/>
+              <a:buAutoNum type="arabicPeriod"/>
+            </a:pPr>
+            <a:r>
+              <a:rPr lang="en-IN" sz="1800" dirty="0"/>
+              <a:t>InceptionV3: To generate bottleneck features for images.</a:t>
+            </a:r>
+          </a:p>
+          <a:p>
+            <a:pPr marL="800100" lvl="1" indent="-342900" algn="just">
+              <a:lnSpc>
+                <a:spcPct val="100000"/>
+              </a:lnSpc>
+              <a:spcBef>
+                <a:spcPts val="0"/>
+              </a:spcBef>
+              <a:buFont typeface="+mj-lt"/>
+              <a:buAutoNum type="arabicPeriod"/>
+            </a:pPr>
+            <a:r>
+              <a:rPr lang="en-IN" sz="1800" dirty="0" err="1"/>
+              <a:t>GloVe</a:t>
+            </a:r>
+            <a:r>
+              <a:rPr lang="en-IN" sz="1800" dirty="0"/>
+              <a:t>: To generate word embeddings for captions.</a:t>
+            </a:r>
+          </a:p>
+          <a:p>
+            <a:pPr algn="just">
+              <a:lnSpc>
+                <a:spcPct val="100000"/>
+              </a:lnSpc>
+              <a:spcBef>
+                <a:spcPts val="0"/>
+              </a:spcBef>
+              <a:buFont typeface="Wingdings" panose="05000000000000000000" pitchFamily="2" charset="2"/>
+              <a:buChar char="Ø"/>
+            </a:pPr>
+            <a:r>
+              <a:rPr lang="en-IN" sz="2200" dirty="0"/>
+              <a:t>Inception V3:</a:t>
+            </a:r>
+          </a:p>
+        </p:txBody>
+      </p:sp>
+      <p:sp>
+        <p:nvSpPr>
+          <p:cNvPr id="4" name="Footer Placeholder 3">
+            <a:extLst>
+              <a:ext uri="{FF2B5EF4-FFF2-40B4-BE49-F238E27FC236}">
+                <a16:creationId xmlns:a16="http://schemas.microsoft.com/office/drawing/2014/main" id="{540972A1-4BB3-4D04-B4DF-C76BA9B5CAD8}"/>
+              </a:ext>
+            </a:extLst>
+          </p:cNvPr>
+          <p:cNvSpPr>
+            <a:spLocks noGrp="1"/>
+          </p:cNvSpPr>
+          <p:nvPr>
+            <p:ph type="ftr" sz="quarter" idx="11"/>
+          </p:nvPr>
+        </p:nvSpPr>
+        <p:spPr/>
+        <p:txBody>
+          <a:bodyPr/>
+          <a:lstStyle/>
+          <a:p>
+            <a:r>
+              <a:rPr lang="en-US"/>
+              <a:t>Sanjay Singh | san.singhsanjay@gmail.com</a:t>
+            </a:r>
+            <a:endParaRPr lang="en-IN"/>
+          </a:p>
+        </p:txBody>
+      </p:sp>
+      <p:sp>
+        <p:nvSpPr>
+          <p:cNvPr id="5" name="Slide Number Placeholder 4">
+            <a:extLst>
+              <a:ext uri="{FF2B5EF4-FFF2-40B4-BE49-F238E27FC236}">
+                <a16:creationId xmlns:a16="http://schemas.microsoft.com/office/drawing/2014/main" id="{23B5C741-F1AB-463E-B229-974B2924B065}"/>
+              </a:ext>
+            </a:extLst>
+          </p:cNvPr>
+          <p:cNvSpPr>
+            <a:spLocks noGrp="1"/>
+          </p:cNvSpPr>
+          <p:nvPr>
+            <p:ph type="sldNum" sz="quarter" idx="12"/>
+          </p:nvPr>
+        </p:nvSpPr>
+        <p:spPr/>
+        <p:txBody>
+          <a:bodyPr/>
+          <a:lstStyle/>
+          <a:p>
+            <a:fld id="{EC53106F-9B43-4B1F-BCB9-D94FA7734D96}" type="slidenum">
+              <a:rPr lang="en-IN" smtClean="0"/>
+              <a:t>25</a:t>
             </a:fld>
             <a:endParaRPr lang="en-IN"/>
           </a:p>
@@ -19605,7 +20003,7 @@
 </p:sld>
 </file>
 
-<file path=ppt/slides/slide25.xml><?xml version="1.0" encoding="utf-8"?>
+<file path=ppt/slides/slide26.xml><?xml version="1.0" encoding="utf-8"?>
 <p:sld xmlns:a="http://schemas.openxmlformats.org/drawingml/2006/main" xmlns:r="http://schemas.openxmlformats.org/officeDocument/2006/relationships" xmlns:p="http://schemas.openxmlformats.org/presentationml/2006/main">
   <p:cSld>
     <p:spTree>
@@ -19927,7 +20325,7 @@
           <a:p>
             <a:fld id="{EC53106F-9B43-4B1F-BCB9-D94FA7734D96}" type="slidenum">
               <a:rPr lang="en-IN" smtClean="0"/>
-              <a:t>25</a:t>
+              <a:t>26</a:t>
             </a:fld>
             <a:endParaRPr lang="en-IN"/>
           </a:p>
@@ -20600,7 +20998,7 @@
 </p:sld>
 </file>
 
-<file path=ppt/slides/slide26.xml><?xml version="1.0" encoding="utf-8"?>
+<file path=ppt/slides/slide27.xml><?xml version="1.0" encoding="utf-8"?>
 <p:sld xmlns:a="http://schemas.openxmlformats.org/drawingml/2006/main" xmlns:r="http://schemas.openxmlformats.org/officeDocument/2006/relationships" xmlns:p="http://schemas.openxmlformats.org/presentationml/2006/main">
   <p:cSld>
     <p:spTree>
@@ -20834,7 +21232,7 @@
           <a:p>
             <a:fld id="{EC53106F-9B43-4B1F-BCB9-D94FA7734D96}" type="slidenum">
               <a:rPr lang="en-IN" smtClean="0"/>
-              <a:t>26</a:t>
+              <a:t>27</a:t>
             </a:fld>
             <a:endParaRPr lang="en-IN"/>
           </a:p>
@@ -21556,7 +21954,7 @@
           <p:nvPr>
             <p:extLst>
               <p:ext uri="{D42A27DB-BD31-4B8C-83A1-F6EECF244321}">
-                <p14:modId xmlns:p14="http://schemas.microsoft.com/office/powerpoint/2010/main" val="2697512033"/>
+                <p14:modId xmlns:p14="http://schemas.microsoft.com/office/powerpoint/2010/main" val="1861672157"/>
               </p:ext>
             </p:extLst>
           </p:nvPr>
@@ -21572,14 +21970,14 @@
                 <a:tableStyleId>{5C22544A-7EE6-4342-B048-85BDC9FD1C3A}</a:tableStyleId>
               </a:tblPr>
               <a:tblGrid>
-                <a:gridCol w="3616139">
+                <a:gridCol w="4915664">
                   <a:extLst>
                     <a:ext uri="{9D8B030D-6E8A-4147-A177-3AD203B41FA5}">
                       <a16:colId xmlns:a16="http://schemas.microsoft.com/office/drawing/2014/main" val="343336883"/>
                     </a:ext>
                   </a:extLst>
                 </a:gridCol>
-                <a:gridCol w="6862125">
+                <a:gridCol w="5562600">
                   <a:extLst>
                     <a:ext uri="{9D8B030D-6E8A-4147-A177-3AD203B41FA5}">
                       <a16:colId xmlns:a16="http://schemas.microsoft.com/office/drawing/2014/main" val="1847998"/>
@@ -21688,7 +22086,15 @@
                       </a:pPr>
                       <a:r>
                         <a:rPr lang="en-IN" sz="2000" dirty="0"/>
-                        <a:t>Loss Function:</a:t>
+                        <a:t>Loss Function: “</a:t>
+                      </a:r>
+                      <a:r>
+                        <a:rPr lang="en-IN" sz="2000" dirty="0" err="1"/>
+                        <a:t>categorical_crossentropy</a:t>
+                      </a:r>
+                      <a:r>
+                        <a:rPr lang="en-IN" sz="2000" dirty="0"/>
+                        <a:t>”</a:t>
                       </a:r>
                     </a:p>
                   </a:txBody>
@@ -21778,7 +22184,7 @@
 </p:sld>
 </file>
 
-<file path=ppt/slides/slide27.xml><?xml version="1.0" encoding="utf-8"?>
+<file path=ppt/slides/slide28.xml><?xml version="1.0" encoding="utf-8"?>
 <p:sld xmlns:a="http://schemas.openxmlformats.org/drawingml/2006/main" xmlns:r="http://schemas.openxmlformats.org/officeDocument/2006/relationships" xmlns:p="http://schemas.openxmlformats.org/presentationml/2006/main">
   <p:cSld>
     <p:spTree>
@@ -22117,7 +22523,7 @@
           <a:p>
             <a:fld id="{EC53106F-9B43-4B1F-BCB9-D94FA7734D96}" type="slidenum">
               <a:rPr lang="en-IN" smtClean="0"/>
-              <a:t>27</a:t>
+              <a:t>28</a:t>
             </a:fld>
             <a:endParaRPr lang="en-IN"/>
           </a:p>
@@ -23691,7 +24097,7 @@
 </p:sld>
 </file>
 
-<file path=ppt/slides/slide28.xml><?xml version="1.0" encoding="utf-8"?>
+<file path=ppt/slides/slide29.xml><?xml version="1.0" encoding="utf-8"?>
 <p:sld xmlns:a="http://schemas.openxmlformats.org/drawingml/2006/main" xmlns:r="http://schemas.openxmlformats.org/officeDocument/2006/relationships" xmlns:p="http://schemas.openxmlformats.org/presentationml/2006/main">
   <p:cSld>
     <p:spTree>
@@ -23838,7 +24244,7 @@
           <a:p>
             <a:fld id="{EC53106F-9B43-4B1F-BCB9-D94FA7734D96}" type="slidenum">
               <a:rPr lang="en-IN" smtClean="0"/>
-              <a:t>28</a:t>
+              <a:t>29</a:t>
             </a:fld>
             <a:endParaRPr lang="en-IN"/>
           </a:p>
@@ -23884,507 +24290,6 @@
     <p:extLst>
       <p:ext uri="{BB962C8B-B14F-4D97-AF65-F5344CB8AC3E}">
         <p14:creationId xmlns:p14="http://schemas.microsoft.com/office/powerpoint/2010/main" val="3288925108"/>
-      </p:ext>
-    </p:extLst>
-  </p:cSld>
-  <p:clrMapOvr>
-    <a:masterClrMapping/>
-  </p:clrMapOvr>
-</p:sld>
-</file>
-
-<file path=ppt/slides/slide29.xml><?xml version="1.0" encoding="utf-8"?>
-<p:sld xmlns:a="http://schemas.openxmlformats.org/drawingml/2006/main" xmlns:r="http://schemas.openxmlformats.org/officeDocument/2006/relationships" xmlns:p="http://schemas.openxmlformats.org/presentationml/2006/main">
-  <p:cSld>
-    <p:spTree>
-      <p:nvGrpSpPr>
-        <p:cNvPr id="1" name=""/>
-        <p:cNvGrpSpPr/>
-        <p:nvPr/>
-      </p:nvGrpSpPr>
-      <p:grpSpPr>
-        <a:xfrm>
-          <a:off x="0" y="0"/>
-          <a:ext cx="0" cy="0"/>
-          <a:chOff x="0" y="0"/>
-          <a:chExt cx="0" cy="0"/>
-        </a:xfrm>
-      </p:grpSpPr>
-      <p:sp>
-        <p:nvSpPr>
-          <p:cNvPr id="2" name="Title 1">
-            <a:extLst>
-              <a:ext uri="{FF2B5EF4-FFF2-40B4-BE49-F238E27FC236}">
-                <a16:creationId xmlns:a16="http://schemas.microsoft.com/office/drawing/2014/main" id="{9F53C0E6-5CA5-48E1-B370-E678425399F4}"/>
-              </a:ext>
-            </a:extLst>
-          </p:cNvPr>
-          <p:cNvSpPr>
-            <a:spLocks noGrp="1"/>
-          </p:cNvSpPr>
-          <p:nvPr>
-            <p:ph type="title"/>
-          </p:nvPr>
-        </p:nvSpPr>
-        <p:spPr>
-          <a:xfrm>
-            <a:off x="838200" y="365125"/>
-            <a:ext cx="10515600" cy="827571"/>
-          </a:xfrm>
-        </p:spPr>
-        <p:txBody>
-          <a:bodyPr/>
-          <a:lstStyle/>
-          <a:p>
-            <a:r>
-              <a:rPr lang="en-IN" dirty="0"/>
-              <a:t>Training &amp; Neural Networks Specific…</a:t>
-            </a:r>
-          </a:p>
-        </p:txBody>
-      </p:sp>
-      <p:sp>
-        <p:nvSpPr>
-          <p:cNvPr id="3" name="Content Placeholder 2">
-            <a:extLst>
-              <a:ext uri="{FF2B5EF4-FFF2-40B4-BE49-F238E27FC236}">
-                <a16:creationId xmlns:a16="http://schemas.microsoft.com/office/drawing/2014/main" id="{F0A4581A-26B3-40E7-A945-90C4D9B58292}"/>
-              </a:ext>
-            </a:extLst>
-          </p:cNvPr>
-          <p:cNvSpPr>
-            <a:spLocks noGrp="1"/>
-          </p:cNvSpPr>
-          <p:nvPr>
-            <p:ph idx="1"/>
-          </p:nvPr>
-        </p:nvSpPr>
-        <p:spPr>
-          <a:xfrm>
-            <a:off x="838200" y="1192696"/>
-            <a:ext cx="10515600" cy="4984267"/>
-          </a:xfrm>
-        </p:spPr>
-        <p:txBody>
-          <a:bodyPr>
-            <a:normAutofit lnSpcReduction="10000"/>
-          </a:bodyPr>
-          <a:lstStyle/>
-          <a:p>
-            <a:pPr algn="just">
-              <a:lnSpc>
-                <a:spcPct val="100000"/>
-              </a:lnSpc>
-              <a:spcBef>
-                <a:spcPts val="0"/>
-              </a:spcBef>
-              <a:buFont typeface="Wingdings" panose="05000000000000000000" pitchFamily="2" charset="2"/>
-              <a:buChar char="Ø"/>
-            </a:pPr>
-            <a:r>
-              <a:rPr lang="en-IN" sz="2000" dirty="0"/>
-              <a:t>In the previous neural network code, there is an “Embedding” layer in which we have loaded the </a:t>
-            </a:r>
-            <a:r>
-              <a:rPr lang="en-IN" sz="2000" dirty="0" err="1"/>
-              <a:t>embedding_matrix</a:t>
-            </a:r>
-            <a:r>
-              <a:rPr lang="en-IN" sz="2000" dirty="0"/>
-              <a:t> which has </a:t>
-            </a:r>
-            <a:r>
-              <a:rPr lang="en-IN" sz="2000" dirty="0" err="1"/>
-              <a:t>GloVe</a:t>
-            </a:r>
-            <a:r>
-              <a:rPr lang="en-IN" sz="2000" dirty="0"/>
-              <a:t> bottleneck features (200 dimensional) of all words in our vocabulary.txt file. Following is the purpose of “Embedding” layer:</a:t>
-            </a:r>
-          </a:p>
-          <a:p>
-            <a:pPr lvl="1" algn="just">
-              <a:lnSpc>
-                <a:spcPct val="100000"/>
-              </a:lnSpc>
-              <a:spcBef>
-                <a:spcPts val="0"/>
-              </a:spcBef>
-              <a:buFont typeface="Wingdings" panose="05000000000000000000" pitchFamily="2" charset="2"/>
-              <a:buChar char="§"/>
-            </a:pPr>
-            <a:r>
-              <a:rPr lang="en-IN" sz="1800" dirty="0"/>
-              <a:t>Embedding Layer is one of the available layers in </a:t>
-            </a:r>
-            <a:r>
-              <a:rPr lang="en-IN" sz="1800" dirty="0" err="1"/>
-              <a:t>Keras</a:t>
-            </a:r>
-            <a:r>
-              <a:rPr lang="en-IN" sz="1800" dirty="0"/>
-              <a:t>.</a:t>
-            </a:r>
-          </a:p>
-          <a:p>
-            <a:pPr lvl="1" algn="just">
-              <a:lnSpc>
-                <a:spcPct val="100000"/>
-              </a:lnSpc>
-              <a:spcBef>
-                <a:spcPts val="0"/>
-              </a:spcBef>
-              <a:buFont typeface="Wingdings" panose="05000000000000000000" pitchFamily="2" charset="2"/>
-              <a:buChar char="§"/>
-            </a:pPr>
-            <a:r>
-              <a:rPr lang="en-IN" sz="1800" dirty="0"/>
-              <a:t>This layer is mainly useful in Natural Language Processing (NLP), and thus in Natural Language Generation (NLG).</a:t>
-            </a:r>
-          </a:p>
-          <a:p>
-            <a:pPr lvl="1" algn="just">
-              <a:lnSpc>
-                <a:spcPct val="100000"/>
-              </a:lnSpc>
-              <a:spcBef>
-                <a:spcPts val="0"/>
-              </a:spcBef>
-              <a:buFont typeface="Wingdings" panose="05000000000000000000" pitchFamily="2" charset="2"/>
-              <a:buChar char="§"/>
-            </a:pPr>
-            <a:r>
-              <a:rPr lang="en-IN" sz="1800" dirty="0"/>
-              <a:t>In NLP (or NLG), one can use pre-trained word embeddings such as </a:t>
-            </a:r>
-            <a:r>
-              <a:rPr lang="en-IN" sz="1800" dirty="0" err="1"/>
-              <a:t>GloVe</a:t>
-            </a:r>
-            <a:r>
-              <a:rPr lang="en-IN" sz="1800" dirty="0"/>
-              <a:t>. Alternatively, one can also train our own embeddings using </a:t>
-            </a:r>
-            <a:r>
-              <a:rPr lang="en-IN" sz="1800" dirty="0" err="1"/>
-              <a:t>Keras</a:t>
-            </a:r>
-            <a:r>
-              <a:rPr lang="en-IN" sz="1800" dirty="0"/>
-              <a:t> embedding layer.</a:t>
-            </a:r>
-          </a:p>
-          <a:p>
-            <a:pPr lvl="1" algn="just">
-              <a:lnSpc>
-                <a:spcPct val="100000"/>
-              </a:lnSpc>
-              <a:spcBef>
-                <a:spcPts val="0"/>
-              </a:spcBef>
-              <a:buFont typeface="Wingdings" panose="05000000000000000000" pitchFamily="2" charset="2"/>
-              <a:buChar char="§"/>
-            </a:pPr>
-            <a:r>
-              <a:rPr lang="en-IN" sz="1800" dirty="0"/>
-              <a:t>Word Embeddings can be thought of as an alternate to one-hot encoding along with dimensionality reduction.</a:t>
-            </a:r>
-          </a:p>
-          <a:p>
-            <a:pPr lvl="1" algn="just">
-              <a:lnSpc>
-                <a:spcPct val="100000"/>
-              </a:lnSpc>
-              <a:spcBef>
-                <a:spcPts val="0"/>
-              </a:spcBef>
-              <a:buFont typeface="Wingdings" panose="05000000000000000000" pitchFamily="2" charset="2"/>
-              <a:buChar char="§"/>
-            </a:pPr>
-            <a:r>
-              <a:rPr lang="en-IN" sz="1800" dirty="0"/>
-              <a:t>As we know that while dealing with textual data, we need to convert it into numbers before feeding into any machine learning model. This can be simply done by considering each word as a class (or category) and transforming every word into one-hot vectors). Thus, if we have 10,000 words in our vocabulary (i.e., 10,000 unique words, then a matrix of 10,000 x 10,000 will form where each row will have only one “1” and rest are zero. Following are the two issues with this approach:</a:t>
-            </a:r>
-          </a:p>
-          <a:p>
-            <a:pPr marL="1257300" lvl="2" indent="-342900" algn="just">
-              <a:lnSpc>
-                <a:spcPct val="100000"/>
-              </a:lnSpc>
-              <a:spcBef>
-                <a:spcPts val="0"/>
-              </a:spcBef>
-              <a:buFont typeface="+mj-lt"/>
-              <a:buAutoNum type="arabicPeriod"/>
-            </a:pPr>
-            <a:r>
-              <a:rPr lang="en-IN" sz="1800" dirty="0"/>
-              <a:t>This will require a lot of storage space.</a:t>
-            </a:r>
-          </a:p>
-          <a:p>
-            <a:pPr marL="1257300" lvl="2" indent="-342900" algn="just">
-              <a:lnSpc>
-                <a:spcPct val="100000"/>
-              </a:lnSpc>
-              <a:spcBef>
-                <a:spcPts val="0"/>
-              </a:spcBef>
-              <a:buFont typeface="+mj-lt"/>
-              <a:buAutoNum type="arabicPeriod"/>
-            </a:pPr>
-            <a:r>
-              <a:rPr lang="en-IN" sz="1800" dirty="0"/>
-              <a:t>This will reduce model’s efficiency as there will not be any mathematical justification for such representation</a:t>
-            </a:r>
-            <a:endParaRPr lang="en-IN" sz="2000" dirty="0"/>
-          </a:p>
-          <a:p>
-            <a:pPr algn="just">
-              <a:lnSpc>
-                <a:spcPct val="100000"/>
-              </a:lnSpc>
-              <a:spcBef>
-                <a:spcPts val="0"/>
-              </a:spcBef>
-              <a:buFont typeface="Wingdings" panose="05000000000000000000" pitchFamily="2" charset="2"/>
-              <a:buChar char="Ø"/>
-            </a:pPr>
-            <a:endParaRPr lang="en-IN" sz="2000" dirty="0"/>
-          </a:p>
-          <a:p>
-            <a:pPr algn="just">
-              <a:lnSpc>
-                <a:spcPct val="100000"/>
-              </a:lnSpc>
-              <a:spcBef>
-                <a:spcPts val="0"/>
-              </a:spcBef>
-              <a:buFont typeface="Wingdings" panose="05000000000000000000" pitchFamily="2" charset="2"/>
-              <a:buChar char="Ø"/>
-            </a:pPr>
-            <a:endParaRPr lang="en-IN" sz="2000" dirty="0"/>
-          </a:p>
-          <a:p>
-            <a:pPr algn="just">
-              <a:lnSpc>
-                <a:spcPct val="100000"/>
-              </a:lnSpc>
-              <a:spcBef>
-                <a:spcPts val="0"/>
-              </a:spcBef>
-              <a:buFont typeface="Wingdings" panose="05000000000000000000" pitchFamily="2" charset="2"/>
-              <a:buChar char="Ø"/>
-            </a:pPr>
-            <a:endParaRPr lang="en-IN" sz="2000" dirty="0"/>
-          </a:p>
-          <a:p>
-            <a:pPr algn="just">
-              <a:lnSpc>
-                <a:spcPct val="100000"/>
-              </a:lnSpc>
-              <a:spcBef>
-                <a:spcPts val="0"/>
-              </a:spcBef>
-              <a:buFont typeface="Wingdings" panose="05000000000000000000" pitchFamily="2" charset="2"/>
-              <a:buChar char="Ø"/>
-            </a:pPr>
-            <a:endParaRPr lang="en-IN" sz="2000" dirty="0"/>
-          </a:p>
-          <a:p>
-            <a:pPr algn="just">
-              <a:lnSpc>
-                <a:spcPct val="100000"/>
-              </a:lnSpc>
-              <a:spcBef>
-                <a:spcPts val="0"/>
-              </a:spcBef>
-              <a:buFont typeface="Wingdings" panose="05000000000000000000" pitchFamily="2" charset="2"/>
-              <a:buChar char="Ø"/>
-            </a:pPr>
-            <a:endParaRPr lang="en-IN" sz="2000" dirty="0"/>
-          </a:p>
-          <a:p>
-            <a:pPr algn="just">
-              <a:lnSpc>
-                <a:spcPct val="100000"/>
-              </a:lnSpc>
-              <a:spcBef>
-                <a:spcPts val="0"/>
-              </a:spcBef>
-              <a:buFont typeface="Wingdings" panose="05000000000000000000" pitchFamily="2" charset="2"/>
-              <a:buChar char="Ø"/>
-            </a:pPr>
-            <a:endParaRPr lang="en-IN" sz="2000" dirty="0"/>
-          </a:p>
-          <a:p>
-            <a:pPr algn="just">
-              <a:lnSpc>
-                <a:spcPct val="100000"/>
-              </a:lnSpc>
-              <a:spcBef>
-                <a:spcPts val="0"/>
-              </a:spcBef>
-              <a:buFont typeface="Wingdings" panose="05000000000000000000" pitchFamily="2" charset="2"/>
-              <a:buChar char="Ø"/>
-            </a:pPr>
-            <a:endParaRPr lang="en-IN" sz="2000" dirty="0"/>
-          </a:p>
-          <a:p>
-            <a:pPr algn="just">
-              <a:lnSpc>
-                <a:spcPct val="100000"/>
-              </a:lnSpc>
-              <a:spcBef>
-                <a:spcPts val="0"/>
-              </a:spcBef>
-              <a:buFont typeface="Wingdings" panose="05000000000000000000" pitchFamily="2" charset="2"/>
-              <a:buChar char="Ø"/>
-            </a:pPr>
-            <a:endParaRPr lang="en-IN" sz="2000" dirty="0"/>
-          </a:p>
-          <a:p>
-            <a:pPr algn="just">
-              <a:lnSpc>
-                <a:spcPct val="100000"/>
-              </a:lnSpc>
-              <a:spcBef>
-                <a:spcPts val="0"/>
-              </a:spcBef>
-              <a:buFont typeface="Wingdings" panose="05000000000000000000" pitchFamily="2" charset="2"/>
-              <a:buChar char="Ø"/>
-            </a:pPr>
-            <a:endParaRPr lang="en-IN" sz="2000" dirty="0"/>
-          </a:p>
-          <a:p>
-            <a:pPr algn="just">
-              <a:lnSpc>
-                <a:spcPct val="100000"/>
-              </a:lnSpc>
-              <a:spcBef>
-                <a:spcPts val="0"/>
-              </a:spcBef>
-              <a:buFont typeface="Wingdings" panose="05000000000000000000" pitchFamily="2" charset="2"/>
-              <a:buChar char="Ø"/>
-            </a:pPr>
-            <a:endParaRPr lang="en-IN" sz="2000" dirty="0"/>
-          </a:p>
-          <a:p>
-            <a:pPr algn="just">
-              <a:lnSpc>
-                <a:spcPct val="100000"/>
-              </a:lnSpc>
-              <a:spcBef>
-                <a:spcPts val="0"/>
-              </a:spcBef>
-              <a:buFont typeface="Wingdings" panose="05000000000000000000" pitchFamily="2" charset="2"/>
-              <a:buChar char="Ø"/>
-            </a:pPr>
-            <a:endParaRPr lang="en-IN" sz="2000" dirty="0"/>
-          </a:p>
-          <a:p>
-            <a:pPr algn="just">
-              <a:lnSpc>
-                <a:spcPct val="100000"/>
-              </a:lnSpc>
-              <a:spcBef>
-                <a:spcPts val="0"/>
-              </a:spcBef>
-              <a:buFont typeface="Wingdings" panose="05000000000000000000" pitchFamily="2" charset="2"/>
-              <a:buChar char="Ø"/>
-            </a:pPr>
-            <a:endParaRPr lang="en-IN" sz="2000" dirty="0"/>
-          </a:p>
-          <a:p>
-            <a:pPr algn="just">
-              <a:lnSpc>
-                <a:spcPct val="100000"/>
-              </a:lnSpc>
-              <a:spcBef>
-                <a:spcPts val="0"/>
-              </a:spcBef>
-              <a:buFont typeface="Wingdings" panose="05000000000000000000" pitchFamily="2" charset="2"/>
-              <a:buChar char="Ø"/>
-            </a:pPr>
-            <a:endParaRPr lang="en-IN" sz="2000" dirty="0"/>
-          </a:p>
-          <a:p>
-            <a:pPr algn="just">
-              <a:lnSpc>
-                <a:spcPct val="100000"/>
-              </a:lnSpc>
-              <a:spcBef>
-                <a:spcPts val="0"/>
-              </a:spcBef>
-              <a:buFont typeface="Wingdings" panose="05000000000000000000" pitchFamily="2" charset="2"/>
-              <a:buChar char="Ø"/>
-            </a:pPr>
-            <a:endParaRPr lang="en-IN" sz="2000" dirty="0"/>
-          </a:p>
-        </p:txBody>
-      </p:sp>
-      <p:sp>
-        <p:nvSpPr>
-          <p:cNvPr id="4" name="Footer Placeholder 3">
-            <a:extLst>
-              <a:ext uri="{FF2B5EF4-FFF2-40B4-BE49-F238E27FC236}">
-                <a16:creationId xmlns:a16="http://schemas.microsoft.com/office/drawing/2014/main" id="{540972A1-4BB3-4D04-B4DF-C76BA9B5CAD8}"/>
-              </a:ext>
-            </a:extLst>
-          </p:cNvPr>
-          <p:cNvSpPr>
-            <a:spLocks noGrp="1"/>
-          </p:cNvSpPr>
-          <p:nvPr>
-            <p:ph type="ftr" sz="quarter" idx="11"/>
-          </p:nvPr>
-        </p:nvSpPr>
-        <p:spPr/>
-        <p:txBody>
-          <a:bodyPr/>
-          <a:lstStyle/>
-          <a:p>
-            <a:r>
-              <a:rPr lang="en-US"/>
-              <a:t>Sanjay Singh | san.singhsanjay@gmail.com</a:t>
-            </a:r>
-            <a:endParaRPr lang="en-IN"/>
-          </a:p>
-        </p:txBody>
-      </p:sp>
-      <p:sp>
-        <p:nvSpPr>
-          <p:cNvPr id="5" name="Slide Number Placeholder 4">
-            <a:extLst>
-              <a:ext uri="{FF2B5EF4-FFF2-40B4-BE49-F238E27FC236}">
-                <a16:creationId xmlns:a16="http://schemas.microsoft.com/office/drawing/2014/main" id="{23B5C741-F1AB-463E-B229-974B2924B065}"/>
-              </a:ext>
-            </a:extLst>
-          </p:cNvPr>
-          <p:cNvSpPr>
-            <a:spLocks noGrp="1"/>
-          </p:cNvSpPr>
-          <p:nvPr>
-            <p:ph type="sldNum" sz="quarter" idx="12"/>
-          </p:nvPr>
-        </p:nvSpPr>
-        <p:spPr/>
-        <p:txBody>
-          <a:bodyPr/>
-          <a:lstStyle/>
-          <a:p>
-            <a:fld id="{EC53106F-9B43-4B1F-BCB9-D94FA7734D96}" type="slidenum">
-              <a:rPr lang="en-IN" smtClean="0"/>
-              <a:t>29</a:t>
-            </a:fld>
-            <a:endParaRPr lang="en-IN"/>
-          </a:p>
-        </p:txBody>
-      </p:sp>
-    </p:spTree>
-    <p:extLst>
-      <p:ext uri="{BB962C8B-B14F-4D97-AF65-F5344CB8AC3E}">
-        <p14:creationId xmlns:p14="http://schemas.microsoft.com/office/powerpoint/2010/main" val="1537332895"/>
       </p:ext>
     </p:extLst>
   </p:cSld>
@@ -24875,9 +24780,41 @@
         </p:spPr>
         <p:txBody>
           <a:bodyPr>
-            <a:normAutofit/>
+            <a:normAutofit lnSpcReduction="10000"/>
           </a:bodyPr>
           <a:lstStyle/>
+          <a:p>
+            <a:pPr algn="just">
+              <a:lnSpc>
+                <a:spcPct val="100000"/>
+              </a:lnSpc>
+              <a:spcBef>
+                <a:spcPts val="0"/>
+              </a:spcBef>
+              <a:buFont typeface="Wingdings" panose="05000000000000000000" pitchFamily="2" charset="2"/>
+              <a:buChar char="Ø"/>
+            </a:pPr>
+            <a:r>
+              <a:rPr lang="en-IN" sz="2000" dirty="0"/>
+              <a:t>In the previous neural network code, there is an “Embedding” layer in which we have loaded the </a:t>
+            </a:r>
+            <a:r>
+              <a:rPr lang="en-IN" sz="2000" dirty="0" err="1"/>
+              <a:t>embedding_matrix</a:t>
+            </a:r>
+            <a:r>
+              <a:rPr lang="en-IN" sz="2000" dirty="0"/>
+              <a:t> which has </a:t>
+            </a:r>
+            <a:r>
+              <a:rPr lang="en-IN" sz="2000" dirty="0" err="1"/>
+              <a:t>GloVe</a:t>
+            </a:r>
+            <a:r>
+              <a:rPr lang="en-IN" sz="2000" dirty="0"/>
+              <a:t> bottleneck features (200 dimensional) of all words in our vocabulary.txt file. Following is the purpose of “Embedding” layer:</a:t>
+            </a:r>
+          </a:p>
           <a:p>
             <a:pPr lvl="1" algn="just">
               <a:lnSpc>
@@ -24891,7 +24828,15 @@
             </a:pPr>
             <a:r>
               <a:rPr lang="en-IN" sz="1800" dirty="0"/>
-              <a:t>Embedding layer enables us to convert each word into a fixed length vector of defined size (reduced dimension).</a:t>
+              <a:t>Embedding Layer is one of the available layers in </a:t>
+            </a:r>
+            <a:r>
+              <a:rPr lang="en-IN" sz="1800" dirty="0" err="1"/>
+              <a:t>Keras</a:t>
+            </a:r>
+            <a:r>
+              <a:rPr lang="en-IN" sz="1800" dirty="0"/>
+              <a:t>.</a:t>
             </a:r>
           </a:p>
           <a:p>
@@ -24907,7 +24852,7 @@
             </a:pPr>
             <a:r>
               <a:rPr lang="en-IN" sz="1800" dirty="0"/>
-              <a:t>The resultant vector have real values instead of just 0s and 1s.</a:t>
+              <a:t>This layer is mainly useful in Natural Language Processing (NLP), and thus in Natural Language Generation (NLG).</a:t>
             </a:r>
           </a:p>
           <a:p>
@@ -24923,7 +24868,23 @@
             </a:pPr>
             <a:r>
               <a:rPr lang="en-IN" sz="1800" dirty="0"/>
-              <a:t>This way “Embedding” layer works like a lookup table. The words (or their indices) are the keys in this table while the dense word vectors are the values.</a:t>
+              <a:t>In NLP (or NLG), one can use pre-trained word embeddings such as </a:t>
+            </a:r>
+            <a:r>
+              <a:rPr lang="en-IN" sz="1800" dirty="0" err="1"/>
+              <a:t>GloVe</a:t>
+            </a:r>
+            <a:r>
+              <a:rPr lang="en-IN" sz="1800" dirty="0"/>
+              <a:t>. Alternatively, one can also train our own embeddings using </a:t>
+            </a:r>
+            <a:r>
+              <a:rPr lang="en-IN" sz="1800" dirty="0" err="1"/>
+              <a:t>Keras</a:t>
+            </a:r>
+            <a:r>
+              <a:rPr lang="en-IN" sz="1800" dirty="0"/>
+              <a:t> embedding layer.</a:t>
             </a:r>
           </a:p>
           <a:p>
@@ -24937,7 +24898,241 @@
               <a:buFont typeface="Wingdings" panose="05000000000000000000" pitchFamily="2" charset="2"/>
               <a:buChar char="§"/>
             </a:pPr>
-            <a:endParaRPr lang="en-IN" sz="1800" dirty="0"/>
+            <a:r>
+              <a:rPr lang="en-IN" sz="1800" dirty="0"/>
+              <a:t>Word Embeddings can be thought of as an alternate to one-hot encoding along with dimensionality reduction.</a:t>
+            </a:r>
+          </a:p>
+          <a:p>
+            <a:pPr lvl="1" algn="just">
+              <a:lnSpc>
+                <a:spcPct val="100000"/>
+              </a:lnSpc>
+              <a:spcBef>
+                <a:spcPts val="0"/>
+              </a:spcBef>
+              <a:buFont typeface="Wingdings" panose="05000000000000000000" pitchFamily="2" charset="2"/>
+              <a:buChar char="§"/>
+            </a:pPr>
+            <a:r>
+              <a:rPr lang="en-IN" sz="1800" dirty="0"/>
+              <a:t>As we know that while dealing with textual data, we need to convert it into numbers before feeding into any machine learning model. This can be simply done by considering each word as a class (or category) and transforming every word into one-hot vectors). Thus, if we have 10,000 words in our vocabulary (i.e., 10,000 unique words, then a matrix of 10,000 x 10,000 will form where each row will have only one “1” and rest are zero. Following are the two issues with this approach:</a:t>
+            </a:r>
+          </a:p>
+          <a:p>
+            <a:pPr marL="1257300" lvl="2" indent="-342900" algn="just">
+              <a:lnSpc>
+                <a:spcPct val="100000"/>
+              </a:lnSpc>
+              <a:spcBef>
+                <a:spcPts val="0"/>
+              </a:spcBef>
+              <a:buFont typeface="+mj-lt"/>
+              <a:buAutoNum type="arabicPeriod"/>
+            </a:pPr>
+            <a:r>
+              <a:rPr lang="en-IN" sz="1800" dirty="0"/>
+              <a:t>This will require a lot of storage space.</a:t>
+            </a:r>
+          </a:p>
+          <a:p>
+            <a:pPr marL="1257300" lvl="2" indent="-342900" algn="just">
+              <a:lnSpc>
+                <a:spcPct val="100000"/>
+              </a:lnSpc>
+              <a:spcBef>
+                <a:spcPts val="0"/>
+              </a:spcBef>
+              <a:buFont typeface="+mj-lt"/>
+              <a:buAutoNum type="arabicPeriod"/>
+            </a:pPr>
+            <a:r>
+              <a:rPr lang="en-IN" sz="1800" dirty="0"/>
+              <a:t>This will reduce model’s efficiency as there will not be any mathematical justification for such representation</a:t>
+            </a:r>
+            <a:endParaRPr lang="en-IN" sz="2000" dirty="0"/>
+          </a:p>
+          <a:p>
+            <a:pPr algn="just">
+              <a:lnSpc>
+                <a:spcPct val="100000"/>
+              </a:lnSpc>
+              <a:spcBef>
+                <a:spcPts val="0"/>
+              </a:spcBef>
+              <a:buFont typeface="Wingdings" panose="05000000000000000000" pitchFamily="2" charset="2"/>
+              <a:buChar char="Ø"/>
+            </a:pPr>
+            <a:endParaRPr lang="en-IN" sz="2000" dirty="0"/>
+          </a:p>
+          <a:p>
+            <a:pPr algn="just">
+              <a:lnSpc>
+                <a:spcPct val="100000"/>
+              </a:lnSpc>
+              <a:spcBef>
+                <a:spcPts val="0"/>
+              </a:spcBef>
+              <a:buFont typeface="Wingdings" panose="05000000000000000000" pitchFamily="2" charset="2"/>
+              <a:buChar char="Ø"/>
+            </a:pPr>
+            <a:endParaRPr lang="en-IN" sz="2000" dirty="0"/>
+          </a:p>
+          <a:p>
+            <a:pPr algn="just">
+              <a:lnSpc>
+                <a:spcPct val="100000"/>
+              </a:lnSpc>
+              <a:spcBef>
+                <a:spcPts val="0"/>
+              </a:spcBef>
+              <a:buFont typeface="Wingdings" panose="05000000000000000000" pitchFamily="2" charset="2"/>
+              <a:buChar char="Ø"/>
+            </a:pPr>
+            <a:endParaRPr lang="en-IN" sz="2000" dirty="0"/>
+          </a:p>
+          <a:p>
+            <a:pPr algn="just">
+              <a:lnSpc>
+                <a:spcPct val="100000"/>
+              </a:lnSpc>
+              <a:spcBef>
+                <a:spcPts val="0"/>
+              </a:spcBef>
+              <a:buFont typeface="Wingdings" panose="05000000000000000000" pitchFamily="2" charset="2"/>
+              <a:buChar char="Ø"/>
+            </a:pPr>
+            <a:endParaRPr lang="en-IN" sz="2000" dirty="0"/>
+          </a:p>
+          <a:p>
+            <a:pPr algn="just">
+              <a:lnSpc>
+                <a:spcPct val="100000"/>
+              </a:lnSpc>
+              <a:spcBef>
+                <a:spcPts val="0"/>
+              </a:spcBef>
+              <a:buFont typeface="Wingdings" panose="05000000000000000000" pitchFamily="2" charset="2"/>
+              <a:buChar char="Ø"/>
+            </a:pPr>
+            <a:endParaRPr lang="en-IN" sz="2000" dirty="0"/>
+          </a:p>
+          <a:p>
+            <a:pPr algn="just">
+              <a:lnSpc>
+                <a:spcPct val="100000"/>
+              </a:lnSpc>
+              <a:spcBef>
+                <a:spcPts val="0"/>
+              </a:spcBef>
+              <a:buFont typeface="Wingdings" panose="05000000000000000000" pitchFamily="2" charset="2"/>
+              <a:buChar char="Ø"/>
+            </a:pPr>
+            <a:endParaRPr lang="en-IN" sz="2000" dirty="0"/>
+          </a:p>
+          <a:p>
+            <a:pPr algn="just">
+              <a:lnSpc>
+                <a:spcPct val="100000"/>
+              </a:lnSpc>
+              <a:spcBef>
+                <a:spcPts val="0"/>
+              </a:spcBef>
+              <a:buFont typeface="Wingdings" panose="05000000000000000000" pitchFamily="2" charset="2"/>
+              <a:buChar char="Ø"/>
+            </a:pPr>
+            <a:endParaRPr lang="en-IN" sz="2000" dirty="0"/>
+          </a:p>
+          <a:p>
+            <a:pPr algn="just">
+              <a:lnSpc>
+                <a:spcPct val="100000"/>
+              </a:lnSpc>
+              <a:spcBef>
+                <a:spcPts val="0"/>
+              </a:spcBef>
+              <a:buFont typeface="Wingdings" panose="05000000000000000000" pitchFamily="2" charset="2"/>
+              <a:buChar char="Ø"/>
+            </a:pPr>
+            <a:endParaRPr lang="en-IN" sz="2000" dirty="0"/>
+          </a:p>
+          <a:p>
+            <a:pPr algn="just">
+              <a:lnSpc>
+                <a:spcPct val="100000"/>
+              </a:lnSpc>
+              <a:spcBef>
+                <a:spcPts val="0"/>
+              </a:spcBef>
+              <a:buFont typeface="Wingdings" panose="05000000000000000000" pitchFamily="2" charset="2"/>
+              <a:buChar char="Ø"/>
+            </a:pPr>
+            <a:endParaRPr lang="en-IN" sz="2000" dirty="0"/>
+          </a:p>
+          <a:p>
+            <a:pPr algn="just">
+              <a:lnSpc>
+                <a:spcPct val="100000"/>
+              </a:lnSpc>
+              <a:spcBef>
+                <a:spcPts val="0"/>
+              </a:spcBef>
+              <a:buFont typeface="Wingdings" panose="05000000000000000000" pitchFamily="2" charset="2"/>
+              <a:buChar char="Ø"/>
+            </a:pPr>
+            <a:endParaRPr lang="en-IN" sz="2000" dirty="0"/>
+          </a:p>
+          <a:p>
+            <a:pPr algn="just">
+              <a:lnSpc>
+                <a:spcPct val="100000"/>
+              </a:lnSpc>
+              <a:spcBef>
+                <a:spcPts val="0"/>
+              </a:spcBef>
+              <a:buFont typeface="Wingdings" panose="05000000000000000000" pitchFamily="2" charset="2"/>
+              <a:buChar char="Ø"/>
+            </a:pPr>
+            <a:endParaRPr lang="en-IN" sz="2000" dirty="0"/>
+          </a:p>
+          <a:p>
+            <a:pPr algn="just">
+              <a:lnSpc>
+                <a:spcPct val="100000"/>
+              </a:lnSpc>
+              <a:spcBef>
+                <a:spcPts val="0"/>
+              </a:spcBef>
+              <a:buFont typeface="Wingdings" panose="05000000000000000000" pitchFamily="2" charset="2"/>
+              <a:buChar char="Ø"/>
+            </a:pPr>
+            <a:endParaRPr lang="en-IN" sz="2000" dirty="0"/>
+          </a:p>
+          <a:p>
+            <a:pPr algn="just">
+              <a:lnSpc>
+                <a:spcPct val="100000"/>
+              </a:lnSpc>
+              <a:spcBef>
+                <a:spcPts val="0"/>
+              </a:spcBef>
+              <a:buFont typeface="Wingdings" panose="05000000000000000000" pitchFamily="2" charset="2"/>
+              <a:buChar char="Ø"/>
+            </a:pPr>
+            <a:endParaRPr lang="en-IN" sz="2000" dirty="0"/>
+          </a:p>
+          <a:p>
+            <a:pPr algn="just">
+              <a:lnSpc>
+                <a:spcPct val="100000"/>
+              </a:lnSpc>
+              <a:spcBef>
+                <a:spcPts val="0"/>
+              </a:spcBef>
+              <a:buFont typeface="Wingdings" panose="05000000000000000000" pitchFamily="2" charset="2"/>
+              <a:buChar char="Ø"/>
+            </a:pPr>
+            <a:endParaRPr lang="en-IN" sz="2000" dirty="0"/>
           </a:p>
         </p:txBody>
       </p:sp>
@@ -25002,7 +25197,7 @@
     </p:spTree>
     <p:extLst>
       <p:ext uri="{BB962C8B-B14F-4D97-AF65-F5344CB8AC3E}">
-        <p14:creationId xmlns:p14="http://schemas.microsoft.com/office/powerpoint/2010/main" val="194348221"/>
+        <p14:creationId xmlns:p14="http://schemas.microsoft.com/office/powerpoint/2010/main" val="1537332895"/>
       </p:ext>
     </p:extLst>
   </p:cSld>
@@ -25057,7 +25252,7 @@
           <a:p>
             <a:r>
               <a:rPr lang="en-IN" dirty="0"/>
-              <a:t>Template</a:t>
+              <a:t>Training &amp; Neural Networks Specific…</a:t>
             </a:r>
           </a:p>
         </p:txBody>
@@ -25090,7 +25285,7 @@
           </a:bodyPr>
           <a:lstStyle/>
           <a:p>
-            <a:pPr algn="just">
+            <a:pPr lvl="1" algn="just">
               <a:lnSpc>
                 <a:spcPct val="100000"/>
               </a:lnSpc>
@@ -25098,12 +25293,57 @@
                 <a:spcPts val="0"/>
               </a:spcBef>
               <a:buFont typeface="Wingdings" panose="05000000000000000000" pitchFamily="2" charset="2"/>
-              <a:buChar char="Ø"/>
+              <a:buChar char="§"/>
             </a:pPr>
             <a:r>
-              <a:rPr lang="en-IN" sz="2000" dirty="0"/>
-              <a:t>Template</a:t>
-            </a:r>
+              <a:rPr lang="en-IN" sz="1800" dirty="0"/>
+              <a:t>Embedding layer enables us to convert each word into a fixed length vector of defined size (reduced dimension).</a:t>
+            </a:r>
+          </a:p>
+          <a:p>
+            <a:pPr lvl="1" algn="just">
+              <a:lnSpc>
+                <a:spcPct val="100000"/>
+              </a:lnSpc>
+              <a:spcBef>
+                <a:spcPts val="0"/>
+              </a:spcBef>
+              <a:buFont typeface="Wingdings" panose="05000000000000000000" pitchFamily="2" charset="2"/>
+              <a:buChar char="§"/>
+            </a:pPr>
+            <a:r>
+              <a:rPr lang="en-IN" sz="1800" dirty="0"/>
+              <a:t>The resultant vector have real values instead of just 0s and 1s.</a:t>
+            </a:r>
+          </a:p>
+          <a:p>
+            <a:pPr lvl="1" algn="just">
+              <a:lnSpc>
+                <a:spcPct val="100000"/>
+              </a:lnSpc>
+              <a:spcBef>
+                <a:spcPts val="0"/>
+              </a:spcBef>
+              <a:buFont typeface="Wingdings" panose="05000000000000000000" pitchFamily="2" charset="2"/>
+              <a:buChar char="§"/>
+            </a:pPr>
+            <a:r>
+              <a:rPr lang="en-IN" sz="1800" dirty="0"/>
+              <a:t>This way “Embedding” layer works like a lookup table. The words (or their indices) are the keys in this table while the dense word vectors are the values.</a:t>
+            </a:r>
+          </a:p>
+          <a:p>
+            <a:pPr lvl="1" algn="just">
+              <a:lnSpc>
+                <a:spcPct val="100000"/>
+              </a:lnSpc>
+              <a:spcBef>
+                <a:spcPts val="0"/>
+              </a:spcBef>
+              <a:buFont typeface="Wingdings" panose="05000000000000000000" pitchFamily="2" charset="2"/>
+              <a:buChar char="§"/>
+            </a:pPr>
+            <a:endParaRPr lang="en-IN" sz="1800" dirty="0"/>
           </a:p>
         </p:txBody>
       </p:sp>
@@ -25168,7 +25408,7 @@
     </p:spTree>
     <p:extLst>
       <p:ext uri="{BB962C8B-B14F-4D97-AF65-F5344CB8AC3E}">
-        <p14:creationId xmlns:p14="http://schemas.microsoft.com/office/powerpoint/2010/main" val="3740900600"/>
+        <p14:creationId xmlns:p14="http://schemas.microsoft.com/office/powerpoint/2010/main" val="194348221"/>
       </p:ext>
     </p:extLst>
   </p:cSld>
@@ -25179,6 +25419,1633 @@
 </file>
 
 <file path=ppt/slides/slide32.xml><?xml version="1.0" encoding="utf-8"?>
+<p:sld xmlns:a="http://schemas.openxmlformats.org/drawingml/2006/main" xmlns:r="http://schemas.openxmlformats.org/officeDocument/2006/relationships" xmlns:p="http://schemas.openxmlformats.org/presentationml/2006/main">
+  <p:cSld>
+    <p:spTree>
+      <p:nvGrpSpPr>
+        <p:cNvPr id="1" name=""/>
+        <p:cNvGrpSpPr/>
+        <p:nvPr/>
+      </p:nvGrpSpPr>
+      <p:grpSpPr>
+        <a:xfrm>
+          <a:off x="0" y="0"/>
+          <a:ext cx="0" cy="0"/>
+          <a:chOff x="0" y="0"/>
+          <a:chExt cx="0" cy="0"/>
+        </a:xfrm>
+      </p:grpSpPr>
+      <p:sp>
+        <p:nvSpPr>
+          <p:cNvPr id="2" name="Title 1">
+            <a:extLst>
+              <a:ext uri="{FF2B5EF4-FFF2-40B4-BE49-F238E27FC236}">
+                <a16:creationId xmlns:a16="http://schemas.microsoft.com/office/drawing/2014/main" id="{9F53C0E6-5CA5-48E1-B370-E678425399F4}"/>
+              </a:ext>
+            </a:extLst>
+          </p:cNvPr>
+          <p:cNvSpPr>
+            <a:spLocks noGrp="1"/>
+          </p:cNvSpPr>
+          <p:nvPr>
+            <p:ph type="title"/>
+          </p:nvPr>
+        </p:nvSpPr>
+        <p:spPr>
+          <a:xfrm>
+            <a:off x="838200" y="365125"/>
+            <a:ext cx="10515600" cy="827571"/>
+          </a:xfrm>
+        </p:spPr>
+        <p:txBody>
+          <a:bodyPr/>
+          <a:lstStyle/>
+          <a:p>
+            <a:r>
+              <a:rPr lang="en-IN" dirty="0"/>
+              <a:t>Result</a:t>
+            </a:r>
+          </a:p>
+        </p:txBody>
+      </p:sp>
+      <p:sp>
+        <p:nvSpPr>
+          <p:cNvPr id="3" name="Content Placeholder 2">
+            <a:extLst>
+              <a:ext uri="{FF2B5EF4-FFF2-40B4-BE49-F238E27FC236}">
+                <a16:creationId xmlns:a16="http://schemas.microsoft.com/office/drawing/2014/main" id="{F0A4581A-26B3-40E7-A945-90C4D9B58292}"/>
+              </a:ext>
+            </a:extLst>
+          </p:cNvPr>
+          <p:cNvSpPr>
+            <a:spLocks noGrp="1"/>
+          </p:cNvSpPr>
+          <p:nvPr>
+            <p:ph idx="1"/>
+          </p:nvPr>
+        </p:nvSpPr>
+        <p:spPr>
+          <a:xfrm>
+            <a:off x="838200" y="1192696"/>
+            <a:ext cx="10515600" cy="4984267"/>
+          </a:xfrm>
+        </p:spPr>
+        <p:txBody>
+          <a:bodyPr>
+            <a:normAutofit/>
+          </a:bodyPr>
+          <a:lstStyle/>
+          <a:p>
+            <a:pPr algn="just">
+              <a:lnSpc>
+                <a:spcPct val="100000"/>
+              </a:lnSpc>
+              <a:spcBef>
+                <a:spcPts val="0"/>
+              </a:spcBef>
+              <a:buFont typeface="Wingdings" panose="05000000000000000000" pitchFamily="2" charset="2"/>
+              <a:buChar char="Ø"/>
+            </a:pPr>
+            <a:r>
+              <a:rPr lang="en-IN" sz="2000" dirty="0"/>
+              <a:t>Following are some results obtained from model:</a:t>
+            </a:r>
+          </a:p>
+        </p:txBody>
+      </p:sp>
+      <p:sp>
+        <p:nvSpPr>
+          <p:cNvPr id="4" name="Footer Placeholder 3">
+            <a:extLst>
+              <a:ext uri="{FF2B5EF4-FFF2-40B4-BE49-F238E27FC236}">
+                <a16:creationId xmlns:a16="http://schemas.microsoft.com/office/drawing/2014/main" id="{540972A1-4BB3-4D04-B4DF-C76BA9B5CAD8}"/>
+              </a:ext>
+            </a:extLst>
+          </p:cNvPr>
+          <p:cNvSpPr>
+            <a:spLocks noGrp="1"/>
+          </p:cNvSpPr>
+          <p:nvPr>
+            <p:ph type="ftr" sz="quarter" idx="11"/>
+          </p:nvPr>
+        </p:nvSpPr>
+        <p:spPr/>
+        <p:txBody>
+          <a:bodyPr/>
+          <a:lstStyle/>
+          <a:p>
+            <a:r>
+              <a:rPr lang="en-US"/>
+              <a:t>Sanjay Singh | san.singhsanjay@gmail.com</a:t>
+            </a:r>
+            <a:endParaRPr lang="en-IN"/>
+          </a:p>
+        </p:txBody>
+      </p:sp>
+      <p:sp>
+        <p:nvSpPr>
+          <p:cNvPr id="5" name="Slide Number Placeholder 4">
+            <a:extLst>
+              <a:ext uri="{FF2B5EF4-FFF2-40B4-BE49-F238E27FC236}">
+                <a16:creationId xmlns:a16="http://schemas.microsoft.com/office/drawing/2014/main" id="{23B5C741-F1AB-463E-B229-974B2924B065}"/>
+              </a:ext>
+            </a:extLst>
+          </p:cNvPr>
+          <p:cNvSpPr>
+            <a:spLocks noGrp="1"/>
+          </p:cNvSpPr>
+          <p:nvPr>
+            <p:ph type="sldNum" sz="quarter" idx="12"/>
+          </p:nvPr>
+        </p:nvSpPr>
+        <p:spPr/>
+        <p:txBody>
+          <a:bodyPr/>
+          <a:lstStyle/>
+          <a:p>
+            <a:fld id="{EC53106F-9B43-4B1F-BCB9-D94FA7734D96}" type="slidenum">
+              <a:rPr lang="en-IN" smtClean="0"/>
+              <a:t>32</a:t>
+            </a:fld>
+            <a:endParaRPr lang="en-IN"/>
+          </a:p>
+        </p:txBody>
+      </p:sp>
+      <p:pic>
+        <p:nvPicPr>
+          <p:cNvPr id="7" name="Picture 6">
+            <a:extLst>
+              <a:ext uri="{FF2B5EF4-FFF2-40B4-BE49-F238E27FC236}">
+                <a16:creationId xmlns:a16="http://schemas.microsoft.com/office/drawing/2014/main" id="{A69F92CE-D8BB-4F8F-BED3-BE4B00B6FDCF}"/>
+              </a:ext>
+            </a:extLst>
+          </p:cNvPr>
+          <p:cNvPicPr>
+            <a:picLocks noChangeAspect="1"/>
+          </p:cNvPicPr>
+          <p:nvPr/>
+        </p:nvPicPr>
+        <p:blipFill>
+          <a:blip r:embed="rId2">
+            <a:extLst>
+              <a:ext uri="{28A0092B-C50C-407E-A947-70E740481C1C}">
+                <a14:useLocalDpi xmlns:a14="http://schemas.microsoft.com/office/drawing/2010/main" val="0"/>
+              </a:ext>
+            </a:extLst>
+          </a:blip>
+          <a:stretch>
+            <a:fillRect/>
+          </a:stretch>
+        </p:blipFill>
+        <p:spPr>
+          <a:xfrm>
+            <a:off x="1198218" y="1629914"/>
+            <a:ext cx="2978138" cy="2054915"/>
+          </a:xfrm>
+          <a:prstGeom prst="rect">
+            <a:avLst/>
+          </a:prstGeom>
+        </p:spPr>
+      </p:pic>
+      <p:pic>
+        <p:nvPicPr>
+          <p:cNvPr id="11" name="Picture 10" descr="A picture containing person, wall, indoor, child&#10;&#10;Description automatically generated">
+            <a:extLst>
+              <a:ext uri="{FF2B5EF4-FFF2-40B4-BE49-F238E27FC236}">
+                <a16:creationId xmlns:a16="http://schemas.microsoft.com/office/drawing/2014/main" id="{E85BACB2-A5BB-474E-A39E-7419AFD7E1B7}"/>
+              </a:ext>
+            </a:extLst>
+          </p:cNvPr>
+          <p:cNvPicPr>
+            <a:picLocks noChangeAspect="1"/>
+          </p:cNvPicPr>
+          <p:nvPr/>
+        </p:nvPicPr>
+        <p:blipFill>
+          <a:blip r:embed="rId3">
+            <a:extLst>
+              <a:ext uri="{28A0092B-C50C-407E-A947-70E740481C1C}">
+                <a14:useLocalDpi xmlns:a14="http://schemas.microsoft.com/office/drawing/2010/main" val="0"/>
+              </a:ext>
+            </a:extLst>
+          </a:blip>
+          <a:stretch>
+            <a:fillRect/>
+          </a:stretch>
+        </p:blipFill>
+        <p:spPr>
+          <a:xfrm>
+            <a:off x="1198218" y="4122047"/>
+            <a:ext cx="2978138" cy="2054915"/>
+          </a:xfrm>
+          <a:prstGeom prst="rect">
+            <a:avLst/>
+          </a:prstGeom>
+        </p:spPr>
+      </p:pic>
+      <p:sp>
+        <p:nvSpPr>
+          <p:cNvPr id="18" name="TextBox 17">
+            <a:extLst>
+              <a:ext uri="{FF2B5EF4-FFF2-40B4-BE49-F238E27FC236}">
+                <a16:creationId xmlns:a16="http://schemas.microsoft.com/office/drawing/2014/main" id="{3FEC41C2-3C84-4FD0-B6FD-AE2D345AF0FC}"/>
+              </a:ext>
+            </a:extLst>
+          </p:cNvPr>
+          <p:cNvSpPr txBox="1"/>
+          <p:nvPr/>
+        </p:nvSpPr>
+        <p:spPr>
+          <a:xfrm>
+            <a:off x="4176356" y="2195706"/>
+            <a:ext cx="7347045" cy="923330"/>
+          </a:xfrm>
+          <a:prstGeom prst="rect">
+            <a:avLst/>
+          </a:prstGeom>
+          <a:noFill/>
+        </p:spPr>
+        <p:txBody>
+          <a:bodyPr wrap="square" rtlCol="0">
+            <a:spAutoFit/>
+          </a:bodyPr>
+          <a:lstStyle/>
+          <a:p>
+            <a:pPr algn="just"/>
+            <a:r>
+              <a:rPr lang="en-US" dirty="0"/>
+              <a:t>woman </a:t>
+            </a:r>
+            <a:r>
+              <a:rPr lang="en-US" dirty="0" err="1"/>
+              <a:t>woman</a:t>
+            </a:r>
+            <a:r>
+              <a:rPr lang="en-US" dirty="0"/>
+              <a:t> </a:t>
+            </a:r>
+            <a:r>
+              <a:rPr lang="en-US" dirty="0" err="1"/>
+              <a:t>woman</a:t>
+            </a:r>
+            <a:r>
+              <a:rPr lang="en-US" dirty="0"/>
+              <a:t> </a:t>
+            </a:r>
+            <a:r>
+              <a:rPr lang="en-US" dirty="0" err="1"/>
+              <a:t>woman</a:t>
+            </a:r>
+            <a:r>
+              <a:rPr lang="en-US" dirty="0"/>
+              <a:t> </a:t>
+            </a:r>
+            <a:r>
+              <a:rPr lang="en-US" dirty="0" err="1"/>
+              <a:t>woman</a:t>
+            </a:r>
+            <a:r>
+              <a:rPr lang="en-US" dirty="0"/>
+              <a:t> </a:t>
+            </a:r>
+            <a:r>
+              <a:rPr lang="en-US" dirty="0" err="1"/>
+              <a:t>woman</a:t>
+            </a:r>
+            <a:r>
+              <a:rPr lang="en-US" dirty="0"/>
+              <a:t> </a:t>
+            </a:r>
+            <a:r>
+              <a:rPr lang="en-US" dirty="0" err="1"/>
+              <a:t>woman</a:t>
+            </a:r>
+            <a:r>
+              <a:rPr lang="en-US" dirty="0"/>
+              <a:t> </a:t>
+            </a:r>
+            <a:r>
+              <a:rPr lang="en-US" dirty="0" err="1"/>
+              <a:t>woman</a:t>
+            </a:r>
+            <a:r>
+              <a:rPr lang="en-US" dirty="0"/>
+              <a:t> </a:t>
+            </a:r>
+            <a:r>
+              <a:rPr lang="en-US" dirty="0" err="1"/>
+              <a:t>woman</a:t>
+            </a:r>
+            <a:r>
+              <a:rPr lang="en-US" dirty="0"/>
+              <a:t> </a:t>
+            </a:r>
+            <a:r>
+              <a:rPr lang="en-US" dirty="0" err="1"/>
+              <a:t>woman</a:t>
+            </a:r>
+            <a:r>
+              <a:rPr lang="en-US" dirty="0"/>
+              <a:t> </a:t>
+            </a:r>
+            <a:r>
+              <a:rPr lang="en-US" dirty="0" err="1"/>
+              <a:t>woman</a:t>
+            </a:r>
+            <a:r>
+              <a:rPr lang="en-US" dirty="0"/>
+              <a:t> </a:t>
+            </a:r>
+            <a:r>
+              <a:rPr lang="en-US" dirty="0" err="1"/>
+              <a:t>woman</a:t>
+            </a:r>
+            <a:r>
+              <a:rPr lang="en-US" dirty="0"/>
+              <a:t> </a:t>
+            </a:r>
+            <a:r>
+              <a:rPr lang="en-US" dirty="0" err="1"/>
+              <a:t>woman</a:t>
+            </a:r>
+            <a:r>
+              <a:rPr lang="en-US" dirty="0"/>
+              <a:t> </a:t>
+            </a:r>
+            <a:r>
+              <a:rPr lang="en-US" dirty="0" err="1"/>
+              <a:t>woman</a:t>
+            </a:r>
+            <a:r>
+              <a:rPr lang="en-US" dirty="0"/>
+              <a:t> </a:t>
+            </a:r>
+            <a:r>
+              <a:rPr lang="en-US" dirty="0" err="1"/>
+              <a:t>woman</a:t>
+            </a:r>
+            <a:r>
+              <a:rPr lang="en-US" dirty="0"/>
+              <a:t> </a:t>
+            </a:r>
+            <a:r>
+              <a:rPr lang="en-US" dirty="0" err="1"/>
+              <a:t>woman</a:t>
+            </a:r>
+            <a:r>
+              <a:rPr lang="en-US" dirty="0"/>
+              <a:t> </a:t>
+            </a:r>
+            <a:r>
+              <a:rPr lang="en-US" dirty="0" err="1"/>
+              <a:t>woman</a:t>
+            </a:r>
+            <a:r>
+              <a:rPr lang="en-US" dirty="0"/>
+              <a:t> </a:t>
+            </a:r>
+            <a:r>
+              <a:rPr lang="en-US" dirty="0" err="1"/>
+              <a:t>woman</a:t>
+            </a:r>
+            <a:r>
+              <a:rPr lang="en-US" dirty="0"/>
+              <a:t> </a:t>
+            </a:r>
+            <a:r>
+              <a:rPr lang="en-US" dirty="0" err="1"/>
+              <a:t>woman</a:t>
+            </a:r>
+            <a:r>
+              <a:rPr lang="en-US" dirty="0"/>
+              <a:t> </a:t>
+            </a:r>
+            <a:r>
+              <a:rPr lang="en-US" dirty="0" err="1"/>
+              <a:t>woman</a:t>
+            </a:r>
+            <a:r>
+              <a:rPr lang="en-US" dirty="0"/>
+              <a:t> </a:t>
+            </a:r>
+            <a:r>
+              <a:rPr lang="en-US" dirty="0" err="1"/>
+              <a:t>woman</a:t>
+            </a:r>
+            <a:r>
+              <a:rPr lang="en-US" dirty="0"/>
+              <a:t> </a:t>
+            </a:r>
+            <a:r>
+              <a:rPr lang="en-US" dirty="0" err="1"/>
+              <a:t>woman</a:t>
+            </a:r>
+            <a:r>
+              <a:rPr lang="en-US" dirty="0"/>
+              <a:t> </a:t>
+            </a:r>
+            <a:r>
+              <a:rPr lang="en-US" dirty="0" err="1"/>
+              <a:t>woman</a:t>
+            </a:r>
+            <a:r>
+              <a:rPr lang="en-US" dirty="0"/>
+              <a:t> </a:t>
+            </a:r>
+            <a:r>
+              <a:rPr lang="en-US" dirty="0" err="1"/>
+              <a:t>woman</a:t>
+            </a:r>
+            <a:r>
+              <a:rPr lang="en-US" dirty="0"/>
+              <a:t> </a:t>
+            </a:r>
+            <a:r>
+              <a:rPr lang="en-US" dirty="0" err="1"/>
+              <a:t>woman</a:t>
+            </a:r>
+            <a:r>
+              <a:rPr lang="en-US" dirty="0"/>
+              <a:t> </a:t>
+            </a:r>
+            <a:r>
+              <a:rPr lang="en-US" dirty="0" err="1"/>
+              <a:t>woman</a:t>
+            </a:r>
+            <a:r>
+              <a:rPr lang="en-US" dirty="0"/>
+              <a:t> </a:t>
+            </a:r>
+            <a:r>
+              <a:rPr lang="en-US" dirty="0" err="1"/>
+              <a:t>woman</a:t>
+            </a:r>
+            <a:endParaRPr lang="en-IN" dirty="0"/>
+          </a:p>
+        </p:txBody>
+      </p:sp>
+      <p:sp>
+        <p:nvSpPr>
+          <p:cNvPr id="19" name="TextBox 18">
+            <a:extLst>
+              <a:ext uri="{FF2B5EF4-FFF2-40B4-BE49-F238E27FC236}">
+                <a16:creationId xmlns:a16="http://schemas.microsoft.com/office/drawing/2014/main" id="{9D506DFE-D00D-462C-89D8-9F7ECAB1A062}"/>
+              </a:ext>
+            </a:extLst>
+          </p:cNvPr>
+          <p:cNvSpPr txBox="1"/>
+          <p:nvPr/>
+        </p:nvSpPr>
+        <p:spPr>
+          <a:xfrm>
+            <a:off x="4176355" y="4964837"/>
+            <a:ext cx="7347045" cy="369332"/>
+          </a:xfrm>
+          <a:prstGeom prst="rect">
+            <a:avLst/>
+          </a:prstGeom>
+          <a:noFill/>
+        </p:spPr>
+        <p:txBody>
+          <a:bodyPr wrap="square" rtlCol="0">
+            <a:spAutoFit/>
+          </a:bodyPr>
+          <a:lstStyle/>
+          <a:p>
+            <a:pPr algn="just"/>
+            <a:r>
+              <a:rPr lang="en-US" dirty="0"/>
+              <a:t>little girl in pajamas is playing with little boy in blue shirt</a:t>
+            </a:r>
+            <a:endParaRPr lang="en-IN" dirty="0"/>
+          </a:p>
+        </p:txBody>
+      </p:sp>
+    </p:spTree>
+    <p:extLst>
+      <p:ext uri="{BB962C8B-B14F-4D97-AF65-F5344CB8AC3E}">
+        <p14:creationId xmlns:p14="http://schemas.microsoft.com/office/powerpoint/2010/main" val="1889944044"/>
+      </p:ext>
+    </p:extLst>
+  </p:cSld>
+  <p:clrMapOvr>
+    <a:masterClrMapping/>
+  </p:clrMapOvr>
+</p:sld>
+</file>
+
+<file path=ppt/slides/slide33.xml><?xml version="1.0" encoding="utf-8"?>
+<p:sld xmlns:a="http://schemas.openxmlformats.org/drawingml/2006/main" xmlns:r="http://schemas.openxmlformats.org/officeDocument/2006/relationships" xmlns:p="http://schemas.openxmlformats.org/presentationml/2006/main">
+  <p:cSld>
+    <p:spTree>
+      <p:nvGrpSpPr>
+        <p:cNvPr id="1" name=""/>
+        <p:cNvGrpSpPr/>
+        <p:nvPr/>
+      </p:nvGrpSpPr>
+      <p:grpSpPr>
+        <a:xfrm>
+          <a:off x="0" y="0"/>
+          <a:ext cx="0" cy="0"/>
+          <a:chOff x="0" y="0"/>
+          <a:chExt cx="0" cy="0"/>
+        </a:xfrm>
+      </p:grpSpPr>
+      <p:sp>
+        <p:nvSpPr>
+          <p:cNvPr id="2" name="Title 1">
+            <a:extLst>
+              <a:ext uri="{FF2B5EF4-FFF2-40B4-BE49-F238E27FC236}">
+                <a16:creationId xmlns:a16="http://schemas.microsoft.com/office/drawing/2014/main" id="{9F53C0E6-5CA5-48E1-B370-E678425399F4}"/>
+              </a:ext>
+            </a:extLst>
+          </p:cNvPr>
+          <p:cNvSpPr>
+            <a:spLocks noGrp="1"/>
+          </p:cNvSpPr>
+          <p:nvPr>
+            <p:ph type="title"/>
+          </p:nvPr>
+        </p:nvSpPr>
+        <p:spPr>
+          <a:xfrm>
+            <a:off x="838200" y="365125"/>
+            <a:ext cx="10515600" cy="827571"/>
+          </a:xfrm>
+        </p:spPr>
+        <p:txBody>
+          <a:bodyPr/>
+          <a:lstStyle/>
+          <a:p>
+            <a:r>
+              <a:rPr lang="en-IN" dirty="0"/>
+              <a:t>Result…</a:t>
+            </a:r>
+          </a:p>
+        </p:txBody>
+      </p:sp>
+      <p:pic>
+        <p:nvPicPr>
+          <p:cNvPr id="7" name="Content Placeholder 6" descr="A picture containing building, outdoor, harp&#10;&#10;Description automatically generated">
+            <a:extLst>
+              <a:ext uri="{FF2B5EF4-FFF2-40B4-BE49-F238E27FC236}">
+                <a16:creationId xmlns:a16="http://schemas.microsoft.com/office/drawing/2014/main" id="{071422BC-1756-4A99-A340-F876519AC6DC}"/>
+              </a:ext>
+            </a:extLst>
+          </p:cNvPr>
+          <p:cNvPicPr>
+            <a:picLocks noGrp="1" noChangeAspect="1"/>
+          </p:cNvPicPr>
+          <p:nvPr>
+            <p:ph idx="1"/>
+          </p:nvPr>
+        </p:nvPicPr>
+        <p:blipFill>
+          <a:blip r:embed="rId2">
+            <a:extLst>
+              <a:ext uri="{28A0092B-C50C-407E-A947-70E740481C1C}">
+                <a14:useLocalDpi xmlns:a14="http://schemas.microsoft.com/office/drawing/2010/main" val="0"/>
+              </a:ext>
+            </a:extLst>
+          </a:blip>
+          <a:stretch>
+            <a:fillRect/>
+          </a:stretch>
+        </p:blipFill>
+        <p:spPr>
+          <a:xfrm>
+            <a:off x="838201" y="4121911"/>
+            <a:ext cx="3354338" cy="2234439"/>
+          </a:xfrm>
+        </p:spPr>
+      </p:pic>
+      <p:sp>
+        <p:nvSpPr>
+          <p:cNvPr id="4" name="Footer Placeholder 3">
+            <a:extLst>
+              <a:ext uri="{FF2B5EF4-FFF2-40B4-BE49-F238E27FC236}">
+                <a16:creationId xmlns:a16="http://schemas.microsoft.com/office/drawing/2014/main" id="{540972A1-4BB3-4D04-B4DF-C76BA9B5CAD8}"/>
+              </a:ext>
+            </a:extLst>
+          </p:cNvPr>
+          <p:cNvSpPr>
+            <a:spLocks noGrp="1"/>
+          </p:cNvSpPr>
+          <p:nvPr>
+            <p:ph type="ftr" sz="quarter" idx="11"/>
+          </p:nvPr>
+        </p:nvSpPr>
+        <p:spPr/>
+        <p:txBody>
+          <a:bodyPr/>
+          <a:lstStyle/>
+          <a:p>
+            <a:r>
+              <a:rPr lang="en-US"/>
+              <a:t>Sanjay Singh | san.singhsanjay@gmail.com</a:t>
+            </a:r>
+            <a:endParaRPr lang="en-IN"/>
+          </a:p>
+        </p:txBody>
+      </p:sp>
+      <p:sp>
+        <p:nvSpPr>
+          <p:cNvPr id="5" name="Slide Number Placeholder 4">
+            <a:extLst>
+              <a:ext uri="{FF2B5EF4-FFF2-40B4-BE49-F238E27FC236}">
+                <a16:creationId xmlns:a16="http://schemas.microsoft.com/office/drawing/2014/main" id="{23B5C741-F1AB-463E-B229-974B2924B065}"/>
+              </a:ext>
+            </a:extLst>
+          </p:cNvPr>
+          <p:cNvSpPr>
+            <a:spLocks noGrp="1"/>
+          </p:cNvSpPr>
+          <p:nvPr>
+            <p:ph type="sldNum" sz="quarter" idx="12"/>
+          </p:nvPr>
+        </p:nvSpPr>
+        <p:spPr/>
+        <p:txBody>
+          <a:bodyPr/>
+          <a:lstStyle/>
+          <a:p>
+            <a:fld id="{EC53106F-9B43-4B1F-BCB9-D94FA7734D96}" type="slidenum">
+              <a:rPr lang="en-IN" smtClean="0"/>
+              <a:t>33</a:t>
+            </a:fld>
+            <a:endParaRPr lang="en-IN"/>
+          </a:p>
+        </p:txBody>
+      </p:sp>
+      <p:pic>
+        <p:nvPicPr>
+          <p:cNvPr id="9" name="Picture 8">
+            <a:extLst>
+              <a:ext uri="{FF2B5EF4-FFF2-40B4-BE49-F238E27FC236}">
+                <a16:creationId xmlns:a16="http://schemas.microsoft.com/office/drawing/2014/main" id="{C665D5C7-EC65-483C-9EE9-FC1A29BA45F9}"/>
+              </a:ext>
+            </a:extLst>
+          </p:cNvPr>
+          <p:cNvPicPr>
+            <a:picLocks noChangeAspect="1"/>
+          </p:cNvPicPr>
+          <p:nvPr/>
+        </p:nvPicPr>
+        <p:blipFill>
+          <a:blip r:embed="rId3">
+            <a:extLst>
+              <a:ext uri="{28A0092B-C50C-407E-A947-70E740481C1C}">
+                <a14:useLocalDpi xmlns:a14="http://schemas.microsoft.com/office/drawing/2010/main" val="0"/>
+              </a:ext>
+            </a:extLst>
+          </a:blip>
+          <a:stretch>
+            <a:fillRect/>
+          </a:stretch>
+        </p:blipFill>
+        <p:spPr>
+          <a:xfrm>
+            <a:off x="838200" y="1298713"/>
+            <a:ext cx="3354339" cy="2234440"/>
+          </a:xfrm>
+          <a:prstGeom prst="rect">
+            <a:avLst/>
+          </a:prstGeom>
+        </p:spPr>
+      </p:pic>
+      <p:sp>
+        <p:nvSpPr>
+          <p:cNvPr id="10" name="TextBox 9">
+            <a:extLst>
+              <a:ext uri="{FF2B5EF4-FFF2-40B4-BE49-F238E27FC236}">
+                <a16:creationId xmlns:a16="http://schemas.microsoft.com/office/drawing/2014/main" id="{B8D32FAB-7CB5-4038-A21C-2294BE6A3393}"/>
+              </a:ext>
+            </a:extLst>
+          </p:cNvPr>
+          <p:cNvSpPr txBox="1"/>
+          <p:nvPr/>
+        </p:nvSpPr>
+        <p:spPr>
+          <a:xfrm>
+            <a:off x="4192539" y="1954268"/>
+            <a:ext cx="7161261" cy="923330"/>
+          </a:xfrm>
+          <a:prstGeom prst="rect">
+            <a:avLst/>
+          </a:prstGeom>
+          <a:noFill/>
+        </p:spPr>
+        <p:txBody>
+          <a:bodyPr wrap="square" rtlCol="0">
+            <a:spAutoFit/>
+          </a:bodyPr>
+          <a:lstStyle/>
+          <a:p>
+            <a:pPr algn="just"/>
+            <a:r>
+              <a:rPr lang="en-US" dirty="0"/>
+              <a:t>man in blue shirt and blue jeans is sitting on the sidewalk next to woman </a:t>
+            </a:r>
+            <a:r>
+              <a:rPr lang="en-US" dirty="0" err="1"/>
+              <a:t>woman</a:t>
+            </a:r>
+            <a:r>
+              <a:rPr lang="en-US" dirty="0"/>
+              <a:t> </a:t>
+            </a:r>
+            <a:r>
+              <a:rPr lang="en-US" dirty="0" err="1"/>
+              <a:t>woman</a:t>
+            </a:r>
+            <a:r>
+              <a:rPr lang="en-US" dirty="0"/>
+              <a:t> </a:t>
+            </a:r>
+            <a:r>
+              <a:rPr lang="en-US" dirty="0" err="1"/>
+              <a:t>woman</a:t>
+            </a:r>
+            <a:r>
+              <a:rPr lang="en-US" dirty="0"/>
+              <a:t> </a:t>
+            </a:r>
+            <a:r>
+              <a:rPr lang="en-US" dirty="0" err="1"/>
+              <a:t>woman</a:t>
+            </a:r>
+            <a:r>
+              <a:rPr lang="en-US" dirty="0"/>
+              <a:t> </a:t>
+            </a:r>
+            <a:r>
+              <a:rPr lang="en-US" dirty="0" err="1"/>
+              <a:t>woman</a:t>
+            </a:r>
+            <a:r>
+              <a:rPr lang="en-US" dirty="0"/>
+              <a:t> </a:t>
+            </a:r>
+            <a:r>
+              <a:rPr lang="en-US" dirty="0" err="1"/>
+              <a:t>woman</a:t>
+            </a:r>
+            <a:r>
+              <a:rPr lang="en-US" dirty="0"/>
+              <a:t> </a:t>
+            </a:r>
+            <a:r>
+              <a:rPr lang="en-US" dirty="0" err="1"/>
+              <a:t>woman</a:t>
+            </a:r>
+            <a:r>
+              <a:rPr lang="en-US" dirty="0"/>
+              <a:t> </a:t>
+            </a:r>
+            <a:r>
+              <a:rPr lang="en-US" dirty="0" err="1"/>
+              <a:t>woman</a:t>
+            </a:r>
+            <a:r>
+              <a:rPr lang="en-US" dirty="0"/>
+              <a:t> </a:t>
+            </a:r>
+            <a:r>
+              <a:rPr lang="en-US" dirty="0" err="1"/>
+              <a:t>woman</a:t>
+            </a:r>
+            <a:r>
+              <a:rPr lang="en-US" dirty="0"/>
+              <a:t> </a:t>
+            </a:r>
+            <a:r>
+              <a:rPr lang="en-US" dirty="0" err="1"/>
+              <a:t>woman</a:t>
+            </a:r>
+            <a:r>
+              <a:rPr lang="en-US" dirty="0"/>
+              <a:t> </a:t>
+            </a:r>
+            <a:r>
+              <a:rPr lang="en-US" dirty="0" err="1"/>
+              <a:t>woman</a:t>
+            </a:r>
+            <a:r>
+              <a:rPr lang="en-US" dirty="0"/>
+              <a:t> </a:t>
+            </a:r>
+            <a:r>
+              <a:rPr lang="en-US" dirty="0" err="1"/>
+              <a:t>woman</a:t>
+            </a:r>
+            <a:endParaRPr lang="en-IN" dirty="0"/>
+          </a:p>
+        </p:txBody>
+      </p:sp>
+      <p:sp>
+        <p:nvSpPr>
+          <p:cNvPr id="11" name="TextBox 10">
+            <a:extLst>
+              <a:ext uri="{FF2B5EF4-FFF2-40B4-BE49-F238E27FC236}">
+                <a16:creationId xmlns:a16="http://schemas.microsoft.com/office/drawing/2014/main" id="{8075A81C-67B3-4C54-AEB6-BB5EB0B41157}"/>
+              </a:ext>
+            </a:extLst>
+          </p:cNvPr>
+          <p:cNvSpPr txBox="1"/>
+          <p:nvPr/>
+        </p:nvSpPr>
+        <p:spPr>
+          <a:xfrm>
+            <a:off x="4192539" y="5030516"/>
+            <a:ext cx="7161261" cy="369332"/>
+          </a:xfrm>
+          <a:prstGeom prst="rect">
+            <a:avLst/>
+          </a:prstGeom>
+          <a:noFill/>
+        </p:spPr>
+        <p:txBody>
+          <a:bodyPr wrap="square" rtlCol="0">
+            <a:spAutoFit/>
+          </a:bodyPr>
+          <a:lstStyle/>
+          <a:p>
+            <a:pPr algn="just"/>
+            <a:r>
+              <a:rPr lang="en-US" dirty="0"/>
+              <a:t>boy in blue shirt is jumping on his skateboard</a:t>
+            </a:r>
+            <a:endParaRPr lang="en-IN" dirty="0"/>
+          </a:p>
+        </p:txBody>
+      </p:sp>
+    </p:spTree>
+    <p:extLst>
+      <p:ext uri="{BB962C8B-B14F-4D97-AF65-F5344CB8AC3E}">
+        <p14:creationId xmlns:p14="http://schemas.microsoft.com/office/powerpoint/2010/main" val="3511114320"/>
+      </p:ext>
+    </p:extLst>
+  </p:cSld>
+  <p:clrMapOvr>
+    <a:masterClrMapping/>
+  </p:clrMapOvr>
+</p:sld>
+</file>
+
+<file path=ppt/slides/slide34.xml><?xml version="1.0" encoding="utf-8"?>
+<p:sld xmlns:a="http://schemas.openxmlformats.org/drawingml/2006/main" xmlns:r="http://schemas.openxmlformats.org/officeDocument/2006/relationships" xmlns:p="http://schemas.openxmlformats.org/presentationml/2006/main">
+  <p:cSld>
+    <p:spTree>
+      <p:nvGrpSpPr>
+        <p:cNvPr id="1" name=""/>
+        <p:cNvGrpSpPr/>
+        <p:nvPr/>
+      </p:nvGrpSpPr>
+      <p:grpSpPr>
+        <a:xfrm>
+          <a:off x="0" y="0"/>
+          <a:ext cx="0" cy="0"/>
+          <a:chOff x="0" y="0"/>
+          <a:chExt cx="0" cy="0"/>
+        </a:xfrm>
+      </p:grpSpPr>
+      <p:sp>
+        <p:nvSpPr>
+          <p:cNvPr id="2" name="Title 1">
+            <a:extLst>
+              <a:ext uri="{FF2B5EF4-FFF2-40B4-BE49-F238E27FC236}">
+                <a16:creationId xmlns:a16="http://schemas.microsoft.com/office/drawing/2014/main" id="{9F53C0E6-5CA5-48E1-B370-E678425399F4}"/>
+              </a:ext>
+            </a:extLst>
+          </p:cNvPr>
+          <p:cNvSpPr>
+            <a:spLocks noGrp="1"/>
+          </p:cNvSpPr>
+          <p:nvPr>
+            <p:ph type="title"/>
+          </p:nvPr>
+        </p:nvSpPr>
+        <p:spPr>
+          <a:xfrm>
+            <a:off x="838200" y="365125"/>
+            <a:ext cx="10515600" cy="827571"/>
+          </a:xfrm>
+        </p:spPr>
+        <p:txBody>
+          <a:bodyPr/>
+          <a:lstStyle/>
+          <a:p>
+            <a:r>
+              <a:rPr lang="en-IN" dirty="0"/>
+              <a:t>Result…</a:t>
+            </a:r>
+          </a:p>
+        </p:txBody>
+      </p:sp>
+      <p:sp>
+        <p:nvSpPr>
+          <p:cNvPr id="3" name="Content Placeholder 2">
+            <a:extLst>
+              <a:ext uri="{FF2B5EF4-FFF2-40B4-BE49-F238E27FC236}">
+                <a16:creationId xmlns:a16="http://schemas.microsoft.com/office/drawing/2014/main" id="{F0A4581A-26B3-40E7-A945-90C4D9B58292}"/>
+              </a:ext>
+            </a:extLst>
+          </p:cNvPr>
+          <p:cNvSpPr>
+            <a:spLocks noGrp="1"/>
+          </p:cNvSpPr>
+          <p:nvPr>
+            <p:ph idx="1"/>
+          </p:nvPr>
+        </p:nvSpPr>
+        <p:spPr>
+          <a:xfrm>
+            <a:off x="838200" y="1192696"/>
+            <a:ext cx="10515600" cy="4984267"/>
+          </a:xfrm>
+        </p:spPr>
+        <p:txBody>
+          <a:bodyPr>
+            <a:normAutofit/>
+          </a:bodyPr>
+          <a:lstStyle/>
+          <a:p>
+            <a:pPr algn="just">
+              <a:lnSpc>
+                <a:spcPct val="100000"/>
+              </a:lnSpc>
+              <a:spcBef>
+                <a:spcPts val="0"/>
+              </a:spcBef>
+              <a:buFont typeface="Wingdings" panose="05000000000000000000" pitchFamily="2" charset="2"/>
+              <a:buChar char="Ø"/>
+            </a:pPr>
+            <a:r>
+              <a:rPr lang="en-IN" sz="2000" dirty="0"/>
+              <a:t>Trained model is tested on images marked for validation. There were 1,091 images with 5 captions for each image. Model generated a caption for each image. Since, it has become a kind of document where each reference has five texts, thus corpus bleu is used to measure the performance. Corpus BLEU Score obtained is: 0.06536756465955354</a:t>
+            </a:r>
+          </a:p>
+          <a:p>
+            <a:pPr marL="0" indent="0" algn="just">
+              <a:lnSpc>
+                <a:spcPct val="100000"/>
+              </a:lnSpc>
+              <a:spcBef>
+                <a:spcPts val="0"/>
+              </a:spcBef>
+              <a:buNone/>
+            </a:pPr>
+            <a:endParaRPr lang="en-IN" sz="2000" dirty="0"/>
+          </a:p>
+        </p:txBody>
+      </p:sp>
+      <p:sp>
+        <p:nvSpPr>
+          <p:cNvPr id="4" name="Footer Placeholder 3">
+            <a:extLst>
+              <a:ext uri="{FF2B5EF4-FFF2-40B4-BE49-F238E27FC236}">
+                <a16:creationId xmlns:a16="http://schemas.microsoft.com/office/drawing/2014/main" id="{540972A1-4BB3-4D04-B4DF-C76BA9B5CAD8}"/>
+              </a:ext>
+            </a:extLst>
+          </p:cNvPr>
+          <p:cNvSpPr>
+            <a:spLocks noGrp="1"/>
+          </p:cNvSpPr>
+          <p:nvPr>
+            <p:ph type="ftr" sz="quarter" idx="11"/>
+          </p:nvPr>
+        </p:nvSpPr>
+        <p:spPr/>
+        <p:txBody>
+          <a:bodyPr/>
+          <a:lstStyle/>
+          <a:p>
+            <a:r>
+              <a:rPr lang="en-US"/>
+              <a:t>Sanjay Singh | san.singhsanjay@gmail.com</a:t>
+            </a:r>
+            <a:endParaRPr lang="en-IN"/>
+          </a:p>
+        </p:txBody>
+      </p:sp>
+      <p:sp>
+        <p:nvSpPr>
+          <p:cNvPr id="5" name="Slide Number Placeholder 4">
+            <a:extLst>
+              <a:ext uri="{FF2B5EF4-FFF2-40B4-BE49-F238E27FC236}">
+                <a16:creationId xmlns:a16="http://schemas.microsoft.com/office/drawing/2014/main" id="{23B5C741-F1AB-463E-B229-974B2924B065}"/>
+              </a:ext>
+            </a:extLst>
+          </p:cNvPr>
+          <p:cNvSpPr>
+            <a:spLocks noGrp="1"/>
+          </p:cNvSpPr>
+          <p:nvPr>
+            <p:ph type="sldNum" sz="quarter" idx="12"/>
+          </p:nvPr>
+        </p:nvSpPr>
+        <p:spPr/>
+        <p:txBody>
+          <a:bodyPr/>
+          <a:lstStyle/>
+          <a:p>
+            <a:fld id="{EC53106F-9B43-4B1F-BCB9-D94FA7734D96}" type="slidenum">
+              <a:rPr lang="en-IN" smtClean="0"/>
+              <a:t>34</a:t>
+            </a:fld>
+            <a:endParaRPr lang="en-IN"/>
+          </a:p>
+        </p:txBody>
+      </p:sp>
+    </p:spTree>
+    <p:extLst>
+      <p:ext uri="{BB962C8B-B14F-4D97-AF65-F5344CB8AC3E}">
+        <p14:creationId xmlns:p14="http://schemas.microsoft.com/office/powerpoint/2010/main" val="1146316479"/>
+      </p:ext>
+    </p:extLst>
+  </p:cSld>
+  <p:clrMapOvr>
+    <a:masterClrMapping/>
+  </p:clrMapOvr>
+</p:sld>
+</file>
+
+<file path=ppt/slides/slide35.xml><?xml version="1.0" encoding="utf-8"?>
+<p:sld xmlns:a="http://schemas.openxmlformats.org/drawingml/2006/main" xmlns:r="http://schemas.openxmlformats.org/officeDocument/2006/relationships" xmlns:p="http://schemas.openxmlformats.org/presentationml/2006/main">
+  <p:cSld>
+    <p:spTree>
+      <p:nvGrpSpPr>
+        <p:cNvPr id="1" name=""/>
+        <p:cNvGrpSpPr/>
+        <p:nvPr/>
+      </p:nvGrpSpPr>
+      <p:grpSpPr>
+        <a:xfrm>
+          <a:off x="0" y="0"/>
+          <a:ext cx="0" cy="0"/>
+          <a:chOff x="0" y="0"/>
+          <a:chExt cx="0" cy="0"/>
+        </a:xfrm>
+      </p:grpSpPr>
+      <p:sp>
+        <p:nvSpPr>
+          <p:cNvPr id="2" name="Title 1">
+            <a:extLst>
+              <a:ext uri="{FF2B5EF4-FFF2-40B4-BE49-F238E27FC236}">
+                <a16:creationId xmlns:a16="http://schemas.microsoft.com/office/drawing/2014/main" id="{9F53C0E6-5CA5-48E1-B370-E678425399F4}"/>
+              </a:ext>
+            </a:extLst>
+          </p:cNvPr>
+          <p:cNvSpPr>
+            <a:spLocks noGrp="1"/>
+          </p:cNvSpPr>
+          <p:nvPr>
+            <p:ph type="title"/>
+          </p:nvPr>
+        </p:nvSpPr>
+        <p:spPr>
+          <a:xfrm>
+            <a:off x="838200" y="365125"/>
+            <a:ext cx="10515600" cy="827571"/>
+          </a:xfrm>
+        </p:spPr>
+        <p:txBody>
+          <a:bodyPr/>
+          <a:lstStyle/>
+          <a:p>
+            <a:r>
+              <a:rPr lang="en-IN" dirty="0"/>
+              <a:t>Conclusion</a:t>
+            </a:r>
+          </a:p>
+        </p:txBody>
+      </p:sp>
+      <p:sp>
+        <p:nvSpPr>
+          <p:cNvPr id="3" name="Content Placeholder 2">
+            <a:extLst>
+              <a:ext uri="{FF2B5EF4-FFF2-40B4-BE49-F238E27FC236}">
+                <a16:creationId xmlns:a16="http://schemas.microsoft.com/office/drawing/2014/main" id="{F0A4581A-26B3-40E7-A945-90C4D9B58292}"/>
+              </a:ext>
+            </a:extLst>
+          </p:cNvPr>
+          <p:cNvSpPr>
+            <a:spLocks noGrp="1"/>
+          </p:cNvSpPr>
+          <p:nvPr>
+            <p:ph idx="1"/>
+          </p:nvPr>
+        </p:nvSpPr>
+        <p:spPr>
+          <a:xfrm>
+            <a:off x="838200" y="1192696"/>
+            <a:ext cx="10515600" cy="4984267"/>
+          </a:xfrm>
+        </p:spPr>
+        <p:txBody>
+          <a:bodyPr>
+            <a:normAutofit/>
+          </a:bodyPr>
+          <a:lstStyle/>
+          <a:p>
+            <a:pPr algn="just">
+              <a:lnSpc>
+                <a:spcPct val="100000"/>
+              </a:lnSpc>
+              <a:spcBef>
+                <a:spcPts val="0"/>
+              </a:spcBef>
+              <a:buFont typeface="Wingdings" panose="05000000000000000000" pitchFamily="2" charset="2"/>
+              <a:buChar char="Ø"/>
+            </a:pPr>
+            <a:r>
+              <a:rPr lang="en-IN" sz="2000" dirty="0"/>
+              <a:t>Model is predicting (or generating) “woman” many times because “0” was padded in each train caption to make its length equal to “</a:t>
+            </a:r>
+            <a:r>
+              <a:rPr lang="en-IN" sz="2000" dirty="0" err="1"/>
+              <a:t>max_caption_length</a:t>
+            </a:r>
+            <a:r>
+              <a:rPr lang="en-IN" sz="2000" dirty="0"/>
+              <a:t>”. We added “0” with thought that it means nothing, however in our vocabulary (vocabulary.txt), indexing has started from zero and the word at 0</a:t>
+            </a:r>
+            <a:r>
+              <a:rPr lang="en-IN" sz="2000" baseline="30000" dirty="0"/>
+              <a:t>th</a:t>
+            </a:r>
+            <a:r>
+              <a:rPr lang="en-IN" sz="2000" dirty="0"/>
+              <a:t> index is “woman”. Thus, for all those images where model is not getting anything, it is generating 0 as output and since “woman” is at 0</a:t>
+            </a:r>
+            <a:r>
+              <a:rPr lang="en-IN" sz="2000" baseline="30000" dirty="0"/>
+              <a:t>th</a:t>
+            </a:r>
+            <a:r>
+              <a:rPr lang="en-IN" sz="2000" dirty="0"/>
+              <a:t> index, therefore we are getting “woman” several times in some predictions.</a:t>
+            </a:r>
+          </a:p>
+          <a:p>
+            <a:pPr algn="just">
+              <a:lnSpc>
+                <a:spcPct val="100000"/>
+              </a:lnSpc>
+              <a:spcBef>
+                <a:spcPts val="0"/>
+              </a:spcBef>
+              <a:buFont typeface="Wingdings" panose="05000000000000000000" pitchFamily="2" charset="2"/>
+              <a:buChar char="Ø"/>
+            </a:pPr>
+            <a:r>
+              <a:rPr lang="en-IN" sz="2000" dirty="0"/>
+              <a:t>Since model is trained for less number of epochs and also on insufficient data, thus the BLEU Score is quite less on validation images. However, if we see model’s performance on a single image, then it seems that the model has learnt something during training and it verifies the technique used here for Image Captioning.</a:t>
+            </a:r>
+          </a:p>
+          <a:p>
+            <a:pPr algn="just">
+              <a:lnSpc>
+                <a:spcPct val="100000"/>
+              </a:lnSpc>
+              <a:spcBef>
+                <a:spcPts val="0"/>
+              </a:spcBef>
+              <a:buFont typeface="Wingdings" panose="05000000000000000000" pitchFamily="2" charset="2"/>
+              <a:buChar char="Ø"/>
+            </a:pPr>
+            <a:endParaRPr lang="en-IN" sz="2000" dirty="0"/>
+          </a:p>
+        </p:txBody>
+      </p:sp>
+      <p:sp>
+        <p:nvSpPr>
+          <p:cNvPr id="4" name="Footer Placeholder 3">
+            <a:extLst>
+              <a:ext uri="{FF2B5EF4-FFF2-40B4-BE49-F238E27FC236}">
+                <a16:creationId xmlns:a16="http://schemas.microsoft.com/office/drawing/2014/main" id="{540972A1-4BB3-4D04-B4DF-C76BA9B5CAD8}"/>
+              </a:ext>
+            </a:extLst>
+          </p:cNvPr>
+          <p:cNvSpPr>
+            <a:spLocks noGrp="1"/>
+          </p:cNvSpPr>
+          <p:nvPr>
+            <p:ph type="ftr" sz="quarter" idx="11"/>
+          </p:nvPr>
+        </p:nvSpPr>
+        <p:spPr/>
+        <p:txBody>
+          <a:bodyPr/>
+          <a:lstStyle/>
+          <a:p>
+            <a:r>
+              <a:rPr lang="en-US"/>
+              <a:t>Sanjay Singh | san.singhsanjay@gmail.com</a:t>
+            </a:r>
+            <a:endParaRPr lang="en-IN"/>
+          </a:p>
+        </p:txBody>
+      </p:sp>
+      <p:sp>
+        <p:nvSpPr>
+          <p:cNvPr id="5" name="Slide Number Placeholder 4">
+            <a:extLst>
+              <a:ext uri="{FF2B5EF4-FFF2-40B4-BE49-F238E27FC236}">
+                <a16:creationId xmlns:a16="http://schemas.microsoft.com/office/drawing/2014/main" id="{23B5C741-F1AB-463E-B229-974B2924B065}"/>
+              </a:ext>
+            </a:extLst>
+          </p:cNvPr>
+          <p:cNvSpPr>
+            <a:spLocks noGrp="1"/>
+          </p:cNvSpPr>
+          <p:nvPr>
+            <p:ph type="sldNum" sz="quarter" idx="12"/>
+          </p:nvPr>
+        </p:nvSpPr>
+        <p:spPr/>
+        <p:txBody>
+          <a:bodyPr/>
+          <a:lstStyle/>
+          <a:p>
+            <a:fld id="{EC53106F-9B43-4B1F-BCB9-D94FA7734D96}" type="slidenum">
+              <a:rPr lang="en-IN" smtClean="0"/>
+              <a:t>35</a:t>
+            </a:fld>
+            <a:endParaRPr lang="en-IN"/>
+          </a:p>
+        </p:txBody>
+      </p:sp>
+    </p:spTree>
+    <p:extLst>
+      <p:ext uri="{BB962C8B-B14F-4D97-AF65-F5344CB8AC3E}">
+        <p14:creationId xmlns:p14="http://schemas.microsoft.com/office/powerpoint/2010/main" val="1138918450"/>
+      </p:ext>
+    </p:extLst>
+  </p:cSld>
+  <p:clrMapOvr>
+    <a:masterClrMapping/>
+  </p:clrMapOvr>
+</p:sld>
+</file>
+
+<file path=ppt/slides/slide36.xml><?xml version="1.0" encoding="utf-8"?>
+<p:sld xmlns:a="http://schemas.openxmlformats.org/drawingml/2006/main" xmlns:r="http://schemas.openxmlformats.org/officeDocument/2006/relationships" xmlns:p="http://schemas.openxmlformats.org/presentationml/2006/main">
+  <p:cSld>
+    <p:spTree>
+      <p:nvGrpSpPr>
+        <p:cNvPr id="1" name=""/>
+        <p:cNvGrpSpPr/>
+        <p:nvPr/>
+      </p:nvGrpSpPr>
+      <p:grpSpPr>
+        <a:xfrm>
+          <a:off x="0" y="0"/>
+          <a:ext cx="0" cy="0"/>
+          <a:chOff x="0" y="0"/>
+          <a:chExt cx="0" cy="0"/>
+        </a:xfrm>
+      </p:grpSpPr>
+      <p:sp>
+        <p:nvSpPr>
+          <p:cNvPr id="2" name="Title 1">
+            <a:extLst>
+              <a:ext uri="{FF2B5EF4-FFF2-40B4-BE49-F238E27FC236}">
+                <a16:creationId xmlns:a16="http://schemas.microsoft.com/office/drawing/2014/main" id="{9F53C0E6-5CA5-48E1-B370-E678425399F4}"/>
+              </a:ext>
+            </a:extLst>
+          </p:cNvPr>
+          <p:cNvSpPr>
+            <a:spLocks noGrp="1"/>
+          </p:cNvSpPr>
+          <p:nvPr>
+            <p:ph type="title"/>
+          </p:nvPr>
+        </p:nvSpPr>
+        <p:spPr>
+          <a:xfrm>
+            <a:off x="838200" y="365125"/>
+            <a:ext cx="10515600" cy="827571"/>
+          </a:xfrm>
+        </p:spPr>
+        <p:txBody>
+          <a:bodyPr/>
+          <a:lstStyle/>
+          <a:p>
+            <a:r>
+              <a:rPr lang="en-IN" dirty="0"/>
+              <a:t>Future Work</a:t>
+            </a:r>
+          </a:p>
+        </p:txBody>
+      </p:sp>
+      <p:sp>
+        <p:nvSpPr>
+          <p:cNvPr id="3" name="Content Placeholder 2">
+            <a:extLst>
+              <a:ext uri="{FF2B5EF4-FFF2-40B4-BE49-F238E27FC236}">
+                <a16:creationId xmlns:a16="http://schemas.microsoft.com/office/drawing/2014/main" id="{F0A4581A-26B3-40E7-A945-90C4D9B58292}"/>
+              </a:ext>
+            </a:extLst>
+          </p:cNvPr>
+          <p:cNvSpPr>
+            <a:spLocks noGrp="1"/>
+          </p:cNvSpPr>
+          <p:nvPr>
+            <p:ph idx="1"/>
+          </p:nvPr>
+        </p:nvSpPr>
+        <p:spPr>
+          <a:xfrm>
+            <a:off x="838200" y="1192696"/>
+            <a:ext cx="10515600" cy="4984267"/>
+          </a:xfrm>
+        </p:spPr>
+        <p:txBody>
+          <a:bodyPr>
+            <a:normAutofit/>
+          </a:bodyPr>
+          <a:lstStyle/>
+          <a:p>
+            <a:pPr algn="just">
+              <a:lnSpc>
+                <a:spcPct val="100000"/>
+              </a:lnSpc>
+              <a:spcBef>
+                <a:spcPts val="0"/>
+              </a:spcBef>
+              <a:buFont typeface="Wingdings" panose="05000000000000000000" pitchFamily="2" charset="2"/>
+              <a:buChar char="Ø"/>
+            </a:pPr>
+            <a:r>
+              <a:rPr lang="en-IN" sz="2000" dirty="0"/>
+              <a:t>Remove the issue of many “woman” words in captions. This can be done by adding &lt;UNK&gt; (“unknown”) at 0</a:t>
+            </a:r>
+            <a:r>
+              <a:rPr lang="en-IN" sz="2000" baseline="30000" dirty="0"/>
+              <a:t>th</a:t>
+            </a:r>
+            <a:r>
+              <a:rPr lang="en-IN" sz="2000" dirty="0"/>
+              <a:t> index of vocabulary.</a:t>
+            </a:r>
+          </a:p>
+          <a:p>
+            <a:pPr algn="just">
+              <a:lnSpc>
+                <a:spcPct val="100000"/>
+              </a:lnSpc>
+              <a:spcBef>
+                <a:spcPts val="0"/>
+              </a:spcBef>
+              <a:buFont typeface="Wingdings" panose="05000000000000000000" pitchFamily="2" charset="2"/>
+              <a:buChar char="Ø"/>
+            </a:pPr>
+            <a:r>
+              <a:rPr lang="en-IN" sz="2000" dirty="0"/>
+              <a:t>Training on huge dataset, such MSCOCO, the largest open source dataset for Image Captioning, in order to improve BLEU Score of the model.</a:t>
+            </a:r>
+          </a:p>
+        </p:txBody>
+      </p:sp>
+      <p:sp>
+        <p:nvSpPr>
+          <p:cNvPr id="4" name="Footer Placeholder 3">
+            <a:extLst>
+              <a:ext uri="{FF2B5EF4-FFF2-40B4-BE49-F238E27FC236}">
+                <a16:creationId xmlns:a16="http://schemas.microsoft.com/office/drawing/2014/main" id="{540972A1-4BB3-4D04-B4DF-C76BA9B5CAD8}"/>
+              </a:ext>
+            </a:extLst>
+          </p:cNvPr>
+          <p:cNvSpPr>
+            <a:spLocks noGrp="1"/>
+          </p:cNvSpPr>
+          <p:nvPr>
+            <p:ph type="ftr" sz="quarter" idx="11"/>
+          </p:nvPr>
+        </p:nvSpPr>
+        <p:spPr/>
+        <p:txBody>
+          <a:bodyPr/>
+          <a:lstStyle/>
+          <a:p>
+            <a:r>
+              <a:rPr lang="en-US"/>
+              <a:t>Sanjay Singh | san.singhsanjay@gmail.com</a:t>
+            </a:r>
+            <a:endParaRPr lang="en-IN"/>
+          </a:p>
+        </p:txBody>
+      </p:sp>
+      <p:sp>
+        <p:nvSpPr>
+          <p:cNvPr id="5" name="Slide Number Placeholder 4">
+            <a:extLst>
+              <a:ext uri="{FF2B5EF4-FFF2-40B4-BE49-F238E27FC236}">
+                <a16:creationId xmlns:a16="http://schemas.microsoft.com/office/drawing/2014/main" id="{23B5C741-F1AB-463E-B229-974B2924B065}"/>
+              </a:ext>
+            </a:extLst>
+          </p:cNvPr>
+          <p:cNvSpPr>
+            <a:spLocks noGrp="1"/>
+          </p:cNvSpPr>
+          <p:nvPr>
+            <p:ph type="sldNum" sz="quarter" idx="12"/>
+          </p:nvPr>
+        </p:nvSpPr>
+        <p:spPr/>
+        <p:txBody>
+          <a:bodyPr/>
+          <a:lstStyle/>
+          <a:p>
+            <a:fld id="{EC53106F-9B43-4B1F-BCB9-D94FA7734D96}" type="slidenum">
+              <a:rPr lang="en-IN" smtClean="0"/>
+              <a:t>36</a:t>
+            </a:fld>
+            <a:endParaRPr lang="en-IN"/>
+          </a:p>
+        </p:txBody>
+      </p:sp>
+    </p:spTree>
+    <p:extLst>
+      <p:ext uri="{BB962C8B-B14F-4D97-AF65-F5344CB8AC3E}">
+        <p14:creationId xmlns:p14="http://schemas.microsoft.com/office/powerpoint/2010/main" val="1671603974"/>
+      </p:ext>
+    </p:extLst>
+  </p:cSld>
+  <p:clrMapOvr>
+    <a:masterClrMapping/>
+  </p:clrMapOvr>
+</p:sld>
+</file>
+
+<file path=ppt/slides/slide37.xml><?xml version="1.0" encoding="utf-8"?>
+<p:sld xmlns:a="http://schemas.openxmlformats.org/drawingml/2006/main" xmlns:r="http://schemas.openxmlformats.org/officeDocument/2006/relationships" xmlns:p="http://schemas.openxmlformats.org/presentationml/2006/main">
+  <p:cSld>
+    <p:spTree>
+      <p:nvGrpSpPr>
+        <p:cNvPr id="1" name=""/>
+        <p:cNvGrpSpPr/>
+        <p:nvPr/>
+      </p:nvGrpSpPr>
+      <p:grpSpPr>
+        <a:xfrm>
+          <a:off x="0" y="0"/>
+          <a:ext cx="0" cy="0"/>
+          <a:chOff x="0" y="0"/>
+          <a:chExt cx="0" cy="0"/>
+        </a:xfrm>
+      </p:grpSpPr>
+      <p:sp>
+        <p:nvSpPr>
+          <p:cNvPr id="2" name="Title 1">
+            <a:extLst>
+              <a:ext uri="{FF2B5EF4-FFF2-40B4-BE49-F238E27FC236}">
+                <a16:creationId xmlns:a16="http://schemas.microsoft.com/office/drawing/2014/main" id="{9F53C0E6-5CA5-48E1-B370-E678425399F4}"/>
+              </a:ext>
+            </a:extLst>
+          </p:cNvPr>
+          <p:cNvSpPr>
+            <a:spLocks noGrp="1"/>
+          </p:cNvSpPr>
+          <p:nvPr>
+            <p:ph type="title"/>
+          </p:nvPr>
+        </p:nvSpPr>
+        <p:spPr>
+          <a:xfrm>
+            <a:off x="838200" y="365125"/>
+            <a:ext cx="10515600" cy="827571"/>
+          </a:xfrm>
+        </p:spPr>
+        <p:txBody>
+          <a:bodyPr/>
+          <a:lstStyle/>
+          <a:p>
+            <a:r>
+              <a:rPr lang="en-IN" dirty="0"/>
+              <a:t>Template</a:t>
+            </a:r>
+          </a:p>
+        </p:txBody>
+      </p:sp>
+      <p:sp>
+        <p:nvSpPr>
+          <p:cNvPr id="3" name="Content Placeholder 2">
+            <a:extLst>
+              <a:ext uri="{FF2B5EF4-FFF2-40B4-BE49-F238E27FC236}">
+                <a16:creationId xmlns:a16="http://schemas.microsoft.com/office/drawing/2014/main" id="{F0A4581A-26B3-40E7-A945-90C4D9B58292}"/>
+              </a:ext>
+            </a:extLst>
+          </p:cNvPr>
+          <p:cNvSpPr>
+            <a:spLocks noGrp="1"/>
+          </p:cNvSpPr>
+          <p:nvPr>
+            <p:ph idx="1"/>
+          </p:nvPr>
+        </p:nvSpPr>
+        <p:spPr>
+          <a:xfrm>
+            <a:off x="838200" y="1192696"/>
+            <a:ext cx="10515600" cy="4984267"/>
+          </a:xfrm>
+        </p:spPr>
+        <p:txBody>
+          <a:bodyPr>
+            <a:normAutofit/>
+          </a:bodyPr>
+          <a:lstStyle/>
+          <a:p>
+            <a:pPr algn="just">
+              <a:lnSpc>
+                <a:spcPct val="100000"/>
+              </a:lnSpc>
+              <a:spcBef>
+                <a:spcPts val="0"/>
+              </a:spcBef>
+              <a:buFont typeface="Wingdings" panose="05000000000000000000" pitchFamily="2" charset="2"/>
+              <a:buChar char="Ø"/>
+            </a:pPr>
+            <a:r>
+              <a:rPr lang="en-IN" sz="2000" dirty="0"/>
+              <a:t>Template</a:t>
+            </a:r>
+          </a:p>
+        </p:txBody>
+      </p:sp>
+      <p:sp>
+        <p:nvSpPr>
+          <p:cNvPr id="4" name="Footer Placeholder 3">
+            <a:extLst>
+              <a:ext uri="{FF2B5EF4-FFF2-40B4-BE49-F238E27FC236}">
+                <a16:creationId xmlns:a16="http://schemas.microsoft.com/office/drawing/2014/main" id="{540972A1-4BB3-4D04-B4DF-C76BA9B5CAD8}"/>
+              </a:ext>
+            </a:extLst>
+          </p:cNvPr>
+          <p:cNvSpPr>
+            <a:spLocks noGrp="1"/>
+          </p:cNvSpPr>
+          <p:nvPr>
+            <p:ph type="ftr" sz="quarter" idx="11"/>
+          </p:nvPr>
+        </p:nvSpPr>
+        <p:spPr/>
+        <p:txBody>
+          <a:bodyPr/>
+          <a:lstStyle/>
+          <a:p>
+            <a:r>
+              <a:rPr lang="en-US"/>
+              <a:t>Sanjay Singh | san.singhsanjay@gmail.com</a:t>
+            </a:r>
+            <a:endParaRPr lang="en-IN"/>
+          </a:p>
+        </p:txBody>
+      </p:sp>
+      <p:sp>
+        <p:nvSpPr>
+          <p:cNvPr id="5" name="Slide Number Placeholder 4">
+            <a:extLst>
+              <a:ext uri="{FF2B5EF4-FFF2-40B4-BE49-F238E27FC236}">
+                <a16:creationId xmlns:a16="http://schemas.microsoft.com/office/drawing/2014/main" id="{23B5C741-F1AB-463E-B229-974B2924B065}"/>
+              </a:ext>
+            </a:extLst>
+          </p:cNvPr>
+          <p:cNvSpPr>
+            <a:spLocks noGrp="1"/>
+          </p:cNvSpPr>
+          <p:nvPr>
+            <p:ph type="sldNum" sz="quarter" idx="12"/>
+          </p:nvPr>
+        </p:nvSpPr>
+        <p:spPr/>
+        <p:txBody>
+          <a:bodyPr/>
+          <a:lstStyle/>
+          <a:p>
+            <a:fld id="{EC53106F-9B43-4B1F-BCB9-D94FA7734D96}" type="slidenum">
+              <a:rPr lang="en-IN" smtClean="0"/>
+              <a:t>37</a:t>
+            </a:fld>
+            <a:endParaRPr lang="en-IN"/>
+          </a:p>
+        </p:txBody>
+      </p:sp>
+    </p:spTree>
+    <p:extLst>
+      <p:ext uri="{BB962C8B-B14F-4D97-AF65-F5344CB8AC3E}">
+        <p14:creationId xmlns:p14="http://schemas.microsoft.com/office/powerpoint/2010/main" val="3797686262"/>
+      </p:ext>
+    </p:extLst>
+  </p:cSld>
+  <p:clrMapOvr>
+    <a:masterClrMapping/>
+  </p:clrMapOvr>
+</p:sld>
+</file>
+
+<file path=ppt/slides/slide38.xml><?xml version="1.0" encoding="utf-8"?>
 <p:sld xmlns:a="http://schemas.openxmlformats.org/drawingml/2006/main" xmlns:r="http://schemas.openxmlformats.org/officeDocument/2006/relationships" xmlns:p="http://schemas.openxmlformats.org/presentationml/2006/main">
   <p:cSld>
     <p:spTree>
@@ -25282,7 +27149,7 @@
           <a:p>
             <a:fld id="{EC53106F-9B43-4B1F-BCB9-D94FA7734D96}" type="slidenum">
               <a:rPr lang="en-IN" smtClean="0"/>
-              <a:t>32</a:t>
+              <a:t>38</a:t>
             </a:fld>
             <a:endParaRPr lang="en-IN"/>
           </a:p>

--- a/readme.pptx
+++ b/readme.pptx
@@ -146,7 +146,7 @@
   </p:defaultTextStyle>
   <p:extLst>
     <p:ext uri="{EFAFB233-063F-42B5-8137-9DF3F51BA10A}">
-      <p15:sldGuideLst xmlns:p15="http://schemas.microsoft.com/office/powerpoint/2012/main"/>
+      <p15:sldGuideLst xmlns:p15="http://schemas.microsoft.com/office/powerpoint/2012/main" xmlns=""/>
     </p:ext>
   </p:extLst>
 </p:presentation>
@@ -234,7 +234,7 @@
           <a:p>
             <a:fld id="{3EBE19CC-9519-4C5F-A78F-AFC3EB8C266D}" type="datetimeFigureOut">
               <a:rPr lang="en-IN" smtClean="0"/>
-              <a:t>12-05-2021</a:t>
+              <a:t>16-05-2021</a:t>
             </a:fld>
             <a:endParaRPr lang="en-IN"/>
           </a:p>
@@ -524,7 +524,7 @@
           <p:cNvPr id="2" name="Title 1">
             <a:extLst>
               <a:ext uri="{FF2B5EF4-FFF2-40B4-BE49-F238E27FC236}">
-                <a16:creationId xmlns:a16="http://schemas.microsoft.com/office/drawing/2014/main" id="{AD6677EC-8707-4820-BADA-C8D002623C77}"/>
+                <a16:creationId xmlns:a16="http://schemas.microsoft.com/office/drawing/2014/main" xmlns="" id="{AD6677EC-8707-4820-BADA-C8D002623C77}"/>
               </a:ext>
             </a:extLst>
           </p:cNvPr>
@@ -562,7 +562,7 @@
           <p:cNvPr id="3" name="Subtitle 2">
             <a:extLst>
               <a:ext uri="{FF2B5EF4-FFF2-40B4-BE49-F238E27FC236}">
-                <a16:creationId xmlns:a16="http://schemas.microsoft.com/office/drawing/2014/main" id="{254CA423-B559-4D4C-A990-FC9123A2D2E4}"/>
+                <a16:creationId xmlns:a16="http://schemas.microsoft.com/office/drawing/2014/main" xmlns="" id="{254CA423-B559-4D4C-A990-FC9123A2D2E4}"/>
               </a:ext>
             </a:extLst>
           </p:cNvPr>
@@ -633,7 +633,7 @@
           <p:cNvPr id="4" name="Date Placeholder 3">
             <a:extLst>
               <a:ext uri="{FF2B5EF4-FFF2-40B4-BE49-F238E27FC236}">
-                <a16:creationId xmlns:a16="http://schemas.microsoft.com/office/drawing/2014/main" id="{13ABF47C-6BE7-481F-AB05-B52FBC9877B2}"/>
+                <a16:creationId xmlns:a16="http://schemas.microsoft.com/office/drawing/2014/main" xmlns="" id="{13ABF47C-6BE7-481F-AB05-B52FBC9877B2}"/>
               </a:ext>
             </a:extLst>
           </p:cNvPr>
@@ -651,7 +651,7 @@
           <a:p>
             <a:fld id="{95B38DEA-F89A-499A-81D4-0F17E13A0F54}" type="datetime1">
               <a:rPr lang="en-IN" smtClean="0"/>
-              <a:t>12-05-2021</a:t>
+              <a:t>16-05-2021</a:t>
             </a:fld>
             <a:endParaRPr lang="en-IN"/>
           </a:p>
@@ -662,7 +662,7 @@
           <p:cNvPr id="5" name="Footer Placeholder 4">
             <a:extLst>
               <a:ext uri="{FF2B5EF4-FFF2-40B4-BE49-F238E27FC236}">
-                <a16:creationId xmlns:a16="http://schemas.microsoft.com/office/drawing/2014/main" id="{CDB0413F-8EF5-4D34-BD5B-3C522BCECAD9}"/>
+                <a16:creationId xmlns:a16="http://schemas.microsoft.com/office/drawing/2014/main" xmlns="" id="{CDB0413F-8EF5-4D34-BD5B-3C522BCECAD9}"/>
               </a:ext>
             </a:extLst>
           </p:cNvPr>
@@ -691,7 +691,7 @@
           <p:cNvPr id="6" name="Slide Number Placeholder 5">
             <a:extLst>
               <a:ext uri="{FF2B5EF4-FFF2-40B4-BE49-F238E27FC236}">
-                <a16:creationId xmlns:a16="http://schemas.microsoft.com/office/drawing/2014/main" id="{3F3B31F8-E781-4D49-A386-D0041E93058C}"/>
+                <a16:creationId xmlns:a16="http://schemas.microsoft.com/office/drawing/2014/main" xmlns="" id="{3F3B31F8-E781-4D49-A386-D0041E93058C}"/>
               </a:ext>
             </a:extLst>
           </p:cNvPr>
@@ -750,7 +750,7 @@
           <p:cNvPr id="2" name="Title 1">
             <a:extLst>
               <a:ext uri="{FF2B5EF4-FFF2-40B4-BE49-F238E27FC236}">
-                <a16:creationId xmlns:a16="http://schemas.microsoft.com/office/drawing/2014/main" id="{2213ED4C-2D41-4FDA-ACD9-CF186DD3C3CA}"/>
+                <a16:creationId xmlns:a16="http://schemas.microsoft.com/office/drawing/2014/main" xmlns="" id="{2213ED4C-2D41-4FDA-ACD9-CF186DD3C3CA}"/>
               </a:ext>
             </a:extLst>
           </p:cNvPr>
@@ -779,7 +779,7 @@
           <p:cNvPr id="3" name="Vertical Text Placeholder 2">
             <a:extLst>
               <a:ext uri="{FF2B5EF4-FFF2-40B4-BE49-F238E27FC236}">
-                <a16:creationId xmlns:a16="http://schemas.microsoft.com/office/drawing/2014/main" id="{8E0B6A18-318A-4D0E-8ED7-59987F342179}"/>
+                <a16:creationId xmlns:a16="http://schemas.microsoft.com/office/drawing/2014/main" xmlns="" id="{8E0B6A18-318A-4D0E-8ED7-59987F342179}"/>
               </a:ext>
             </a:extLst>
           </p:cNvPr>
@@ -837,7 +837,7 @@
           <p:cNvPr id="4" name="Date Placeholder 3">
             <a:extLst>
               <a:ext uri="{FF2B5EF4-FFF2-40B4-BE49-F238E27FC236}">
-                <a16:creationId xmlns:a16="http://schemas.microsoft.com/office/drawing/2014/main" id="{EB20B605-C292-4D14-8912-8251D314F350}"/>
+                <a16:creationId xmlns:a16="http://schemas.microsoft.com/office/drawing/2014/main" xmlns="" id="{EB20B605-C292-4D14-8912-8251D314F350}"/>
               </a:ext>
             </a:extLst>
           </p:cNvPr>
@@ -855,7 +855,7 @@
           <a:p>
             <a:fld id="{52CB48DB-8752-4EC9-AEF1-132D60C612E3}" type="datetime1">
               <a:rPr lang="en-IN" smtClean="0"/>
-              <a:t>12-05-2021</a:t>
+              <a:t>16-05-2021</a:t>
             </a:fld>
             <a:endParaRPr lang="en-IN"/>
           </a:p>
@@ -866,7 +866,7 @@
           <p:cNvPr id="5" name="Footer Placeholder 4">
             <a:extLst>
               <a:ext uri="{FF2B5EF4-FFF2-40B4-BE49-F238E27FC236}">
-                <a16:creationId xmlns:a16="http://schemas.microsoft.com/office/drawing/2014/main" id="{0D230557-72CD-41CF-A4E5-A9B64FF15213}"/>
+                <a16:creationId xmlns:a16="http://schemas.microsoft.com/office/drawing/2014/main" xmlns="" id="{0D230557-72CD-41CF-A4E5-A9B64FF15213}"/>
               </a:ext>
             </a:extLst>
           </p:cNvPr>
@@ -895,7 +895,7 @@
           <p:cNvPr id="6" name="Slide Number Placeholder 5">
             <a:extLst>
               <a:ext uri="{FF2B5EF4-FFF2-40B4-BE49-F238E27FC236}">
-                <a16:creationId xmlns:a16="http://schemas.microsoft.com/office/drawing/2014/main" id="{2FE1D16F-C026-46E0-A7C9-F83599048AE0}"/>
+                <a16:creationId xmlns:a16="http://schemas.microsoft.com/office/drawing/2014/main" xmlns="" id="{2FE1D16F-C026-46E0-A7C9-F83599048AE0}"/>
               </a:ext>
             </a:extLst>
           </p:cNvPr>
@@ -954,7 +954,7 @@
           <p:cNvPr id="2" name="Vertical Title 1">
             <a:extLst>
               <a:ext uri="{FF2B5EF4-FFF2-40B4-BE49-F238E27FC236}">
-                <a16:creationId xmlns:a16="http://schemas.microsoft.com/office/drawing/2014/main" id="{8469DE12-C071-4A7D-8AE5-91FA861BC220}"/>
+                <a16:creationId xmlns:a16="http://schemas.microsoft.com/office/drawing/2014/main" xmlns="" id="{8469DE12-C071-4A7D-8AE5-91FA861BC220}"/>
               </a:ext>
             </a:extLst>
           </p:cNvPr>
@@ -988,7 +988,7 @@
           <p:cNvPr id="3" name="Vertical Text Placeholder 2">
             <a:extLst>
               <a:ext uri="{FF2B5EF4-FFF2-40B4-BE49-F238E27FC236}">
-                <a16:creationId xmlns:a16="http://schemas.microsoft.com/office/drawing/2014/main" id="{358265D5-5610-4284-BF94-42B608C74901}"/>
+                <a16:creationId xmlns:a16="http://schemas.microsoft.com/office/drawing/2014/main" xmlns="" id="{358265D5-5610-4284-BF94-42B608C74901}"/>
               </a:ext>
             </a:extLst>
           </p:cNvPr>
@@ -1051,7 +1051,7 @@
           <p:cNvPr id="4" name="Date Placeholder 3">
             <a:extLst>
               <a:ext uri="{FF2B5EF4-FFF2-40B4-BE49-F238E27FC236}">
-                <a16:creationId xmlns:a16="http://schemas.microsoft.com/office/drawing/2014/main" id="{306AA223-7897-4BD9-A6D1-A15242652B24}"/>
+                <a16:creationId xmlns:a16="http://schemas.microsoft.com/office/drawing/2014/main" xmlns="" id="{306AA223-7897-4BD9-A6D1-A15242652B24}"/>
               </a:ext>
             </a:extLst>
           </p:cNvPr>
@@ -1069,7 +1069,7 @@
           <a:p>
             <a:fld id="{20E4919B-0840-418F-81E8-D1EAC9FB2BFE}" type="datetime1">
               <a:rPr lang="en-IN" smtClean="0"/>
-              <a:t>12-05-2021</a:t>
+              <a:t>16-05-2021</a:t>
             </a:fld>
             <a:endParaRPr lang="en-IN"/>
           </a:p>
@@ -1080,7 +1080,7 @@
           <p:cNvPr id="5" name="Footer Placeholder 4">
             <a:extLst>
               <a:ext uri="{FF2B5EF4-FFF2-40B4-BE49-F238E27FC236}">
-                <a16:creationId xmlns:a16="http://schemas.microsoft.com/office/drawing/2014/main" id="{449AFCD7-05C4-4EFD-9123-53F406BD522A}"/>
+                <a16:creationId xmlns:a16="http://schemas.microsoft.com/office/drawing/2014/main" xmlns="" id="{449AFCD7-05C4-4EFD-9123-53F406BD522A}"/>
               </a:ext>
             </a:extLst>
           </p:cNvPr>
@@ -1109,7 +1109,7 @@
           <p:cNvPr id="6" name="Slide Number Placeholder 5">
             <a:extLst>
               <a:ext uri="{FF2B5EF4-FFF2-40B4-BE49-F238E27FC236}">
-                <a16:creationId xmlns:a16="http://schemas.microsoft.com/office/drawing/2014/main" id="{0E1416BD-B766-4C6F-9275-FD4ACE1EE922}"/>
+                <a16:creationId xmlns:a16="http://schemas.microsoft.com/office/drawing/2014/main" xmlns="" id="{0E1416BD-B766-4C6F-9275-FD4ACE1EE922}"/>
               </a:ext>
             </a:extLst>
           </p:cNvPr>
@@ -1168,7 +1168,7 @@
           <p:cNvPr id="2" name="Title 1">
             <a:extLst>
               <a:ext uri="{FF2B5EF4-FFF2-40B4-BE49-F238E27FC236}">
-                <a16:creationId xmlns:a16="http://schemas.microsoft.com/office/drawing/2014/main" id="{A82538AA-70C7-403B-9DCD-1DCB5FC6C1D3}"/>
+                <a16:creationId xmlns:a16="http://schemas.microsoft.com/office/drawing/2014/main" xmlns="" id="{A82538AA-70C7-403B-9DCD-1DCB5FC6C1D3}"/>
               </a:ext>
             </a:extLst>
           </p:cNvPr>
@@ -1197,7 +1197,7 @@
           <p:cNvPr id="3" name="Content Placeholder 2">
             <a:extLst>
               <a:ext uri="{FF2B5EF4-FFF2-40B4-BE49-F238E27FC236}">
-                <a16:creationId xmlns:a16="http://schemas.microsoft.com/office/drawing/2014/main" id="{1821E538-2875-4884-8011-6C623ABE5F26}"/>
+                <a16:creationId xmlns:a16="http://schemas.microsoft.com/office/drawing/2014/main" xmlns="" id="{1821E538-2875-4884-8011-6C623ABE5F26}"/>
               </a:ext>
             </a:extLst>
           </p:cNvPr>
@@ -1255,7 +1255,7 @@
           <p:cNvPr id="4" name="Date Placeholder 3">
             <a:extLst>
               <a:ext uri="{FF2B5EF4-FFF2-40B4-BE49-F238E27FC236}">
-                <a16:creationId xmlns:a16="http://schemas.microsoft.com/office/drawing/2014/main" id="{7F1CCF97-3F8D-4BE3-B3F4-704CF465CA7B}"/>
+                <a16:creationId xmlns:a16="http://schemas.microsoft.com/office/drawing/2014/main" xmlns="" id="{7F1CCF97-3F8D-4BE3-B3F4-704CF465CA7B}"/>
               </a:ext>
             </a:extLst>
           </p:cNvPr>
@@ -1273,7 +1273,7 @@
           <a:p>
             <a:fld id="{14A56409-1144-459D-8580-EF29D8BAED4A}" type="datetime1">
               <a:rPr lang="en-IN" smtClean="0"/>
-              <a:t>12-05-2021</a:t>
+              <a:t>16-05-2021</a:t>
             </a:fld>
             <a:endParaRPr lang="en-IN"/>
           </a:p>
@@ -1284,7 +1284,7 @@
           <p:cNvPr id="5" name="Footer Placeholder 4">
             <a:extLst>
               <a:ext uri="{FF2B5EF4-FFF2-40B4-BE49-F238E27FC236}">
-                <a16:creationId xmlns:a16="http://schemas.microsoft.com/office/drawing/2014/main" id="{8FCA0885-0058-4DCE-B0D8-A392309ED5F6}"/>
+                <a16:creationId xmlns:a16="http://schemas.microsoft.com/office/drawing/2014/main" xmlns="" id="{8FCA0885-0058-4DCE-B0D8-A392309ED5F6}"/>
               </a:ext>
             </a:extLst>
           </p:cNvPr>
@@ -1313,7 +1313,7 @@
           <p:cNvPr id="6" name="Slide Number Placeholder 5">
             <a:extLst>
               <a:ext uri="{FF2B5EF4-FFF2-40B4-BE49-F238E27FC236}">
-                <a16:creationId xmlns:a16="http://schemas.microsoft.com/office/drawing/2014/main" id="{12630807-4DF9-41CF-8A31-3107A20D42A5}"/>
+                <a16:creationId xmlns:a16="http://schemas.microsoft.com/office/drawing/2014/main" xmlns="" id="{12630807-4DF9-41CF-8A31-3107A20D42A5}"/>
               </a:ext>
             </a:extLst>
           </p:cNvPr>
@@ -1372,7 +1372,7 @@
           <p:cNvPr id="2" name="Title 1">
             <a:extLst>
               <a:ext uri="{FF2B5EF4-FFF2-40B4-BE49-F238E27FC236}">
-                <a16:creationId xmlns:a16="http://schemas.microsoft.com/office/drawing/2014/main" id="{9CFEB71D-02FC-48B4-A779-ADFE40687401}"/>
+                <a16:creationId xmlns:a16="http://schemas.microsoft.com/office/drawing/2014/main" xmlns="" id="{9CFEB71D-02FC-48B4-A779-ADFE40687401}"/>
               </a:ext>
             </a:extLst>
           </p:cNvPr>
@@ -1410,7 +1410,7 @@
           <p:cNvPr id="3" name="Text Placeholder 2">
             <a:extLst>
               <a:ext uri="{FF2B5EF4-FFF2-40B4-BE49-F238E27FC236}">
-                <a16:creationId xmlns:a16="http://schemas.microsoft.com/office/drawing/2014/main" id="{A1083A76-206C-445B-88AB-6EA74EA88133}"/>
+                <a16:creationId xmlns:a16="http://schemas.microsoft.com/office/drawing/2014/main" xmlns="" id="{A1083A76-206C-445B-88AB-6EA74EA88133}"/>
               </a:ext>
             </a:extLst>
           </p:cNvPr>
@@ -1535,7 +1535,7 @@
           <p:cNvPr id="4" name="Date Placeholder 3">
             <a:extLst>
               <a:ext uri="{FF2B5EF4-FFF2-40B4-BE49-F238E27FC236}">
-                <a16:creationId xmlns:a16="http://schemas.microsoft.com/office/drawing/2014/main" id="{B948F319-72EC-4826-9DD2-EF3EA0136035}"/>
+                <a16:creationId xmlns:a16="http://schemas.microsoft.com/office/drawing/2014/main" xmlns="" id="{B948F319-72EC-4826-9DD2-EF3EA0136035}"/>
               </a:ext>
             </a:extLst>
           </p:cNvPr>
@@ -1553,7 +1553,7 @@
           <a:p>
             <a:fld id="{67926871-090A-4D31-A9C1-76DEC3805894}" type="datetime1">
               <a:rPr lang="en-IN" smtClean="0"/>
-              <a:t>12-05-2021</a:t>
+              <a:t>16-05-2021</a:t>
             </a:fld>
             <a:endParaRPr lang="en-IN"/>
           </a:p>
@@ -1564,7 +1564,7 @@
           <p:cNvPr id="5" name="Footer Placeholder 4">
             <a:extLst>
               <a:ext uri="{FF2B5EF4-FFF2-40B4-BE49-F238E27FC236}">
-                <a16:creationId xmlns:a16="http://schemas.microsoft.com/office/drawing/2014/main" id="{BABA8B88-7AB1-4668-B759-ED40AF13F292}"/>
+                <a16:creationId xmlns:a16="http://schemas.microsoft.com/office/drawing/2014/main" xmlns="" id="{BABA8B88-7AB1-4668-B759-ED40AF13F292}"/>
               </a:ext>
             </a:extLst>
           </p:cNvPr>
@@ -1593,7 +1593,7 @@
           <p:cNvPr id="6" name="Slide Number Placeholder 5">
             <a:extLst>
               <a:ext uri="{FF2B5EF4-FFF2-40B4-BE49-F238E27FC236}">
-                <a16:creationId xmlns:a16="http://schemas.microsoft.com/office/drawing/2014/main" id="{CCB6E71B-F180-4BD9-81AD-DA4B1CFA38B8}"/>
+                <a16:creationId xmlns:a16="http://schemas.microsoft.com/office/drawing/2014/main" xmlns="" id="{CCB6E71B-F180-4BD9-81AD-DA4B1CFA38B8}"/>
               </a:ext>
             </a:extLst>
           </p:cNvPr>
@@ -1652,7 +1652,7 @@
           <p:cNvPr id="2" name="Title 1">
             <a:extLst>
               <a:ext uri="{FF2B5EF4-FFF2-40B4-BE49-F238E27FC236}">
-                <a16:creationId xmlns:a16="http://schemas.microsoft.com/office/drawing/2014/main" id="{E47950D1-0BC5-4433-9307-0C1090AF42FD}"/>
+                <a16:creationId xmlns:a16="http://schemas.microsoft.com/office/drawing/2014/main" xmlns="" id="{E47950D1-0BC5-4433-9307-0C1090AF42FD}"/>
               </a:ext>
             </a:extLst>
           </p:cNvPr>
@@ -1681,7 +1681,7 @@
           <p:cNvPr id="3" name="Content Placeholder 2">
             <a:extLst>
               <a:ext uri="{FF2B5EF4-FFF2-40B4-BE49-F238E27FC236}">
-                <a16:creationId xmlns:a16="http://schemas.microsoft.com/office/drawing/2014/main" id="{9D7D2B18-603C-40A0-AAAC-676EE2654956}"/>
+                <a16:creationId xmlns:a16="http://schemas.microsoft.com/office/drawing/2014/main" xmlns="" id="{9D7D2B18-603C-40A0-AAAC-676EE2654956}"/>
               </a:ext>
             </a:extLst>
           </p:cNvPr>
@@ -1744,7 +1744,7 @@
           <p:cNvPr id="4" name="Content Placeholder 3">
             <a:extLst>
               <a:ext uri="{FF2B5EF4-FFF2-40B4-BE49-F238E27FC236}">
-                <a16:creationId xmlns:a16="http://schemas.microsoft.com/office/drawing/2014/main" id="{154421C5-CFEF-4155-AB5E-010A7A9A6686}"/>
+                <a16:creationId xmlns:a16="http://schemas.microsoft.com/office/drawing/2014/main" xmlns="" id="{154421C5-CFEF-4155-AB5E-010A7A9A6686}"/>
               </a:ext>
             </a:extLst>
           </p:cNvPr>
@@ -1807,7 +1807,7 @@
           <p:cNvPr id="5" name="Date Placeholder 4">
             <a:extLst>
               <a:ext uri="{FF2B5EF4-FFF2-40B4-BE49-F238E27FC236}">
-                <a16:creationId xmlns:a16="http://schemas.microsoft.com/office/drawing/2014/main" id="{9D14BCF1-40CD-4789-8B4C-1D20A8E3304C}"/>
+                <a16:creationId xmlns:a16="http://schemas.microsoft.com/office/drawing/2014/main" xmlns="" id="{9D14BCF1-40CD-4789-8B4C-1D20A8E3304C}"/>
               </a:ext>
             </a:extLst>
           </p:cNvPr>
@@ -1825,7 +1825,7 @@
           <a:p>
             <a:fld id="{7F9657E2-E3D3-4B4C-9FD7-7329F62A123B}" type="datetime1">
               <a:rPr lang="en-IN" smtClean="0"/>
-              <a:t>12-05-2021</a:t>
+              <a:t>16-05-2021</a:t>
             </a:fld>
             <a:endParaRPr lang="en-IN"/>
           </a:p>
@@ -1836,7 +1836,7 @@
           <p:cNvPr id="6" name="Footer Placeholder 5">
             <a:extLst>
               <a:ext uri="{FF2B5EF4-FFF2-40B4-BE49-F238E27FC236}">
-                <a16:creationId xmlns:a16="http://schemas.microsoft.com/office/drawing/2014/main" id="{E4922A8D-303B-4526-80C4-42AED2713A8B}"/>
+                <a16:creationId xmlns:a16="http://schemas.microsoft.com/office/drawing/2014/main" xmlns="" id="{E4922A8D-303B-4526-80C4-42AED2713A8B}"/>
               </a:ext>
             </a:extLst>
           </p:cNvPr>
@@ -1865,7 +1865,7 @@
           <p:cNvPr id="7" name="Slide Number Placeholder 6">
             <a:extLst>
               <a:ext uri="{FF2B5EF4-FFF2-40B4-BE49-F238E27FC236}">
-                <a16:creationId xmlns:a16="http://schemas.microsoft.com/office/drawing/2014/main" id="{E3C30F65-B743-42C4-8ABC-09B079346975}"/>
+                <a16:creationId xmlns:a16="http://schemas.microsoft.com/office/drawing/2014/main" xmlns="" id="{E3C30F65-B743-42C4-8ABC-09B079346975}"/>
               </a:ext>
             </a:extLst>
           </p:cNvPr>
@@ -1924,7 +1924,7 @@
           <p:cNvPr id="2" name="Title 1">
             <a:extLst>
               <a:ext uri="{FF2B5EF4-FFF2-40B4-BE49-F238E27FC236}">
-                <a16:creationId xmlns:a16="http://schemas.microsoft.com/office/drawing/2014/main" id="{41595C1A-15C2-48ED-B0F8-BAA935B81F5E}"/>
+                <a16:creationId xmlns:a16="http://schemas.microsoft.com/office/drawing/2014/main" xmlns="" id="{41595C1A-15C2-48ED-B0F8-BAA935B81F5E}"/>
               </a:ext>
             </a:extLst>
           </p:cNvPr>
@@ -1958,7 +1958,7 @@
           <p:cNvPr id="3" name="Text Placeholder 2">
             <a:extLst>
               <a:ext uri="{FF2B5EF4-FFF2-40B4-BE49-F238E27FC236}">
-                <a16:creationId xmlns:a16="http://schemas.microsoft.com/office/drawing/2014/main" id="{03F02048-7C2A-4B08-BF76-13F8E88F3C86}"/>
+                <a16:creationId xmlns:a16="http://schemas.microsoft.com/office/drawing/2014/main" xmlns="" id="{03F02048-7C2A-4B08-BF76-13F8E88F3C86}"/>
               </a:ext>
             </a:extLst>
           </p:cNvPr>
@@ -2029,7 +2029,7 @@
           <p:cNvPr id="4" name="Content Placeholder 3">
             <a:extLst>
               <a:ext uri="{FF2B5EF4-FFF2-40B4-BE49-F238E27FC236}">
-                <a16:creationId xmlns:a16="http://schemas.microsoft.com/office/drawing/2014/main" id="{5B11E60C-383E-4752-AAC7-4D0B3FA81780}"/>
+                <a16:creationId xmlns:a16="http://schemas.microsoft.com/office/drawing/2014/main" xmlns="" id="{5B11E60C-383E-4752-AAC7-4D0B3FA81780}"/>
               </a:ext>
             </a:extLst>
           </p:cNvPr>
@@ -2092,7 +2092,7 @@
           <p:cNvPr id="5" name="Text Placeholder 4">
             <a:extLst>
               <a:ext uri="{FF2B5EF4-FFF2-40B4-BE49-F238E27FC236}">
-                <a16:creationId xmlns:a16="http://schemas.microsoft.com/office/drawing/2014/main" id="{66B61BD6-6302-4813-867C-D0AAEEE20034}"/>
+                <a16:creationId xmlns:a16="http://schemas.microsoft.com/office/drawing/2014/main" xmlns="" id="{66B61BD6-6302-4813-867C-D0AAEEE20034}"/>
               </a:ext>
             </a:extLst>
           </p:cNvPr>
@@ -2163,7 +2163,7 @@
           <p:cNvPr id="6" name="Content Placeholder 5">
             <a:extLst>
               <a:ext uri="{FF2B5EF4-FFF2-40B4-BE49-F238E27FC236}">
-                <a16:creationId xmlns:a16="http://schemas.microsoft.com/office/drawing/2014/main" id="{2DF16956-D767-410D-AAFD-FBDA7772B667}"/>
+                <a16:creationId xmlns:a16="http://schemas.microsoft.com/office/drawing/2014/main" xmlns="" id="{2DF16956-D767-410D-AAFD-FBDA7772B667}"/>
               </a:ext>
             </a:extLst>
           </p:cNvPr>
@@ -2226,7 +2226,7 @@
           <p:cNvPr id="7" name="Date Placeholder 6">
             <a:extLst>
               <a:ext uri="{FF2B5EF4-FFF2-40B4-BE49-F238E27FC236}">
-                <a16:creationId xmlns:a16="http://schemas.microsoft.com/office/drawing/2014/main" id="{96D7FCDA-4AC0-4681-AE6C-03F9DBAEEE60}"/>
+                <a16:creationId xmlns:a16="http://schemas.microsoft.com/office/drawing/2014/main" xmlns="" id="{96D7FCDA-4AC0-4681-AE6C-03F9DBAEEE60}"/>
               </a:ext>
             </a:extLst>
           </p:cNvPr>
@@ -2244,7 +2244,7 @@
           <a:p>
             <a:fld id="{664F21D5-2AAA-408A-910B-555FC11A1CF7}" type="datetime1">
               <a:rPr lang="en-IN" smtClean="0"/>
-              <a:t>12-05-2021</a:t>
+              <a:t>16-05-2021</a:t>
             </a:fld>
             <a:endParaRPr lang="en-IN"/>
           </a:p>
@@ -2255,7 +2255,7 @@
           <p:cNvPr id="8" name="Footer Placeholder 7">
             <a:extLst>
               <a:ext uri="{FF2B5EF4-FFF2-40B4-BE49-F238E27FC236}">
-                <a16:creationId xmlns:a16="http://schemas.microsoft.com/office/drawing/2014/main" id="{3BD46444-BBA5-497F-AA32-5A16AAB20EA5}"/>
+                <a16:creationId xmlns:a16="http://schemas.microsoft.com/office/drawing/2014/main" xmlns="" id="{3BD46444-BBA5-497F-AA32-5A16AAB20EA5}"/>
               </a:ext>
             </a:extLst>
           </p:cNvPr>
@@ -2284,7 +2284,7 @@
           <p:cNvPr id="9" name="Slide Number Placeholder 8">
             <a:extLst>
               <a:ext uri="{FF2B5EF4-FFF2-40B4-BE49-F238E27FC236}">
-                <a16:creationId xmlns:a16="http://schemas.microsoft.com/office/drawing/2014/main" id="{5835D463-682D-4A5C-A63F-C5813E57712C}"/>
+                <a16:creationId xmlns:a16="http://schemas.microsoft.com/office/drawing/2014/main" xmlns="" id="{5835D463-682D-4A5C-A63F-C5813E57712C}"/>
               </a:ext>
             </a:extLst>
           </p:cNvPr>
@@ -2343,7 +2343,7 @@
           <p:cNvPr id="2" name="Title 1">
             <a:extLst>
               <a:ext uri="{FF2B5EF4-FFF2-40B4-BE49-F238E27FC236}">
-                <a16:creationId xmlns:a16="http://schemas.microsoft.com/office/drawing/2014/main" id="{18014203-0E89-4589-AC9B-7CBB8ACFEB0E}"/>
+                <a16:creationId xmlns:a16="http://schemas.microsoft.com/office/drawing/2014/main" xmlns="" id="{18014203-0E89-4589-AC9B-7CBB8ACFEB0E}"/>
               </a:ext>
             </a:extLst>
           </p:cNvPr>
@@ -2372,7 +2372,7 @@
           <p:cNvPr id="3" name="Date Placeholder 2">
             <a:extLst>
               <a:ext uri="{FF2B5EF4-FFF2-40B4-BE49-F238E27FC236}">
-                <a16:creationId xmlns:a16="http://schemas.microsoft.com/office/drawing/2014/main" id="{EA1A5BE8-6563-4A9B-A9DF-E921E64FDBCD}"/>
+                <a16:creationId xmlns:a16="http://schemas.microsoft.com/office/drawing/2014/main" xmlns="" id="{EA1A5BE8-6563-4A9B-A9DF-E921E64FDBCD}"/>
               </a:ext>
             </a:extLst>
           </p:cNvPr>
@@ -2390,7 +2390,7 @@
           <a:p>
             <a:fld id="{F356A824-9512-4355-9382-9A341080930D}" type="datetime1">
               <a:rPr lang="en-IN" smtClean="0"/>
-              <a:t>12-05-2021</a:t>
+              <a:t>16-05-2021</a:t>
             </a:fld>
             <a:endParaRPr lang="en-IN"/>
           </a:p>
@@ -2401,7 +2401,7 @@
           <p:cNvPr id="4" name="Footer Placeholder 3">
             <a:extLst>
               <a:ext uri="{FF2B5EF4-FFF2-40B4-BE49-F238E27FC236}">
-                <a16:creationId xmlns:a16="http://schemas.microsoft.com/office/drawing/2014/main" id="{9A1CE8E4-E1B6-4FCC-BE1D-B60BD1B1B01D}"/>
+                <a16:creationId xmlns:a16="http://schemas.microsoft.com/office/drawing/2014/main" xmlns="" id="{9A1CE8E4-E1B6-4FCC-BE1D-B60BD1B1B01D}"/>
               </a:ext>
             </a:extLst>
           </p:cNvPr>
@@ -2430,7 +2430,7 @@
           <p:cNvPr id="5" name="Slide Number Placeholder 4">
             <a:extLst>
               <a:ext uri="{FF2B5EF4-FFF2-40B4-BE49-F238E27FC236}">
-                <a16:creationId xmlns:a16="http://schemas.microsoft.com/office/drawing/2014/main" id="{5C17A080-59BF-4690-930A-E3838C1219EC}"/>
+                <a16:creationId xmlns:a16="http://schemas.microsoft.com/office/drawing/2014/main" xmlns="" id="{5C17A080-59BF-4690-930A-E3838C1219EC}"/>
               </a:ext>
             </a:extLst>
           </p:cNvPr>
@@ -2489,7 +2489,7 @@
           <p:cNvPr id="2" name="Date Placeholder 1">
             <a:extLst>
               <a:ext uri="{FF2B5EF4-FFF2-40B4-BE49-F238E27FC236}">
-                <a16:creationId xmlns:a16="http://schemas.microsoft.com/office/drawing/2014/main" id="{EEBC0457-3BA2-4C45-88B7-E219D4272972}"/>
+                <a16:creationId xmlns:a16="http://schemas.microsoft.com/office/drawing/2014/main" xmlns="" id="{EEBC0457-3BA2-4C45-88B7-E219D4272972}"/>
               </a:ext>
             </a:extLst>
           </p:cNvPr>
@@ -2507,7 +2507,7 @@
           <a:p>
             <a:fld id="{61D5D980-7089-4CCA-A615-7CE5DE2E0A24}" type="datetime1">
               <a:rPr lang="en-IN" smtClean="0"/>
-              <a:t>12-05-2021</a:t>
+              <a:t>16-05-2021</a:t>
             </a:fld>
             <a:endParaRPr lang="en-IN"/>
           </a:p>
@@ -2518,7 +2518,7 @@
           <p:cNvPr id="3" name="Footer Placeholder 2">
             <a:extLst>
               <a:ext uri="{FF2B5EF4-FFF2-40B4-BE49-F238E27FC236}">
-                <a16:creationId xmlns:a16="http://schemas.microsoft.com/office/drawing/2014/main" id="{3BDC4564-BA34-4AF2-87DE-426509FD1319}"/>
+                <a16:creationId xmlns:a16="http://schemas.microsoft.com/office/drawing/2014/main" xmlns="" id="{3BDC4564-BA34-4AF2-87DE-426509FD1319}"/>
               </a:ext>
             </a:extLst>
           </p:cNvPr>
@@ -2547,7 +2547,7 @@
           <p:cNvPr id="4" name="Slide Number Placeholder 3">
             <a:extLst>
               <a:ext uri="{FF2B5EF4-FFF2-40B4-BE49-F238E27FC236}">
-                <a16:creationId xmlns:a16="http://schemas.microsoft.com/office/drawing/2014/main" id="{6771982A-07E2-45C5-A479-D2B8CF937139}"/>
+                <a16:creationId xmlns:a16="http://schemas.microsoft.com/office/drawing/2014/main" xmlns="" id="{6771982A-07E2-45C5-A479-D2B8CF937139}"/>
               </a:ext>
             </a:extLst>
           </p:cNvPr>
@@ -2606,7 +2606,7 @@
           <p:cNvPr id="2" name="Title 1">
             <a:extLst>
               <a:ext uri="{FF2B5EF4-FFF2-40B4-BE49-F238E27FC236}">
-                <a16:creationId xmlns:a16="http://schemas.microsoft.com/office/drawing/2014/main" id="{C906415D-865A-4910-87F5-700C462242D4}"/>
+                <a16:creationId xmlns:a16="http://schemas.microsoft.com/office/drawing/2014/main" xmlns="" id="{C906415D-865A-4910-87F5-700C462242D4}"/>
               </a:ext>
             </a:extLst>
           </p:cNvPr>
@@ -2644,7 +2644,7 @@
           <p:cNvPr id="3" name="Content Placeholder 2">
             <a:extLst>
               <a:ext uri="{FF2B5EF4-FFF2-40B4-BE49-F238E27FC236}">
-                <a16:creationId xmlns:a16="http://schemas.microsoft.com/office/drawing/2014/main" id="{57825CFD-6151-4A9A-928C-5B14495EE293}"/>
+                <a16:creationId xmlns:a16="http://schemas.microsoft.com/office/drawing/2014/main" xmlns="" id="{57825CFD-6151-4A9A-928C-5B14495EE293}"/>
               </a:ext>
             </a:extLst>
           </p:cNvPr>
@@ -2735,7 +2735,7 @@
           <p:cNvPr id="4" name="Text Placeholder 3">
             <a:extLst>
               <a:ext uri="{FF2B5EF4-FFF2-40B4-BE49-F238E27FC236}">
-                <a16:creationId xmlns:a16="http://schemas.microsoft.com/office/drawing/2014/main" id="{2DD50256-14A9-4760-867F-54FFAC07EE4D}"/>
+                <a16:creationId xmlns:a16="http://schemas.microsoft.com/office/drawing/2014/main" xmlns="" id="{2DD50256-14A9-4760-867F-54FFAC07EE4D}"/>
               </a:ext>
             </a:extLst>
           </p:cNvPr>
@@ -2806,7 +2806,7 @@
           <p:cNvPr id="5" name="Date Placeholder 4">
             <a:extLst>
               <a:ext uri="{FF2B5EF4-FFF2-40B4-BE49-F238E27FC236}">
-                <a16:creationId xmlns:a16="http://schemas.microsoft.com/office/drawing/2014/main" id="{AD30F158-1CCF-4187-B626-F3C2F7B23D97}"/>
+                <a16:creationId xmlns:a16="http://schemas.microsoft.com/office/drawing/2014/main" xmlns="" id="{AD30F158-1CCF-4187-B626-F3C2F7B23D97}"/>
               </a:ext>
             </a:extLst>
           </p:cNvPr>
@@ -2824,7 +2824,7 @@
           <a:p>
             <a:fld id="{BCBBCC49-34F1-4143-A247-5BD173D4A05B}" type="datetime1">
               <a:rPr lang="en-IN" smtClean="0"/>
-              <a:t>12-05-2021</a:t>
+              <a:t>16-05-2021</a:t>
             </a:fld>
             <a:endParaRPr lang="en-IN"/>
           </a:p>
@@ -2835,7 +2835,7 @@
           <p:cNvPr id="6" name="Footer Placeholder 5">
             <a:extLst>
               <a:ext uri="{FF2B5EF4-FFF2-40B4-BE49-F238E27FC236}">
-                <a16:creationId xmlns:a16="http://schemas.microsoft.com/office/drawing/2014/main" id="{4512C3F2-F875-4CB4-9457-F9A1515D0EC7}"/>
+                <a16:creationId xmlns:a16="http://schemas.microsoft.com/office/drawing/2014/main" xmlns="" id="{4512C3F2-F875-4CB4-9457-F9A1515D0EC7}"/>
               </a:ext>
             </a:extLst>
           </p:cNvPr>
@@ -2864,7 +2864,7 @@
           <p:cNvPr id="7" name="Slide Number Placeholder 6">
             <a:extLst>
               <a:ext uri="{FF2B5EF4-FFF2-40B4-BE49-F238E27FC236}">
-                <a16:creationId xmlns:a16="http://schemas.microsoft.com/office/drawing/2014/main" id="{AA3CE853-B5FE-4227-AF0F-664B0F6ED8B7}"/>
+                <a16:creationId xmlns:a16="http://schemas.microsoft.com/office/drawing/2014/main" xmlns="" id="{AA3CE853-B5FE-4227-AF0F-664B0F6ED8B7}"/>
               </a:ext>
             </a:extLst>
           </p:cNvPr>
@@ -2923,7 +2923,7 @@
           <p:cNvPr id="2" name="Title 1">
             <a:extLst>
               <a:ext uri="{FF2B5EF4-FFF2-40B4-BE49-F238E27FC236}">
-                <a16:creationId xmlns:a16="http://schemas.microsoft.com/office/drawing/2014/main" id="{80D99D6D-E397-499B-80A1-FCCB8CD81661}"/>
+                <a16:creationId xmlns:a16="http://schemas.microsoft.com/office/drawing/2014/main" xmlns="" id="{80D99D6D-E397-499B-80A1-FCCB8CD81661}"/>
               </a:ext>
             </a:extLst>
           </p:cNvPr>
@@ -2961,7 +2961,7 @@
           <p:cNvPr id="3" name="Picture Placeholder 2">
             <a:extLst>
               <a:ext uri="{FF2B5EF4-FFF2-40B4-BE49-F238E27FC236}">
-                <a16:creationId xmlns:a16="http://schemas.microsoft.com/office/drawing/2014/main" id="{56722E0C-C01F-432B-9A07-4394593E69CC}"/>
+                <a16:creationId xmlns:a16="http://schemas.microsoft.com/office/drawing/2014/main" xmlns="" id="{56722E0C-C01F-432B-9A07-4394593E69CC}"/>
               </a:ext>
             </a:extLst>
           </p:cNvPr>
@@ -3028,7 +3028,7 @@
           <p:cNvPr id="4" name="Text Placeholder 3">
             <a:extLst>
               <a:ext uri="{FF2B5EF4-FFF2-40B4-BE49-F238E27FC236}">
-                <a16:creationId xmlns:a16="http://schemas.microsoft.com/office/drawing/2014/main" id="{EBA23BD5-F29F-48AE-A588-72C8B39B7160}"/>
+                <a16:creationId xmlns:a16="http://schemas.microsoft.com/office/drawing/2014/main" xmlns="" id="{EBA23BD5-F29F-48AE-A588-72C8B39B7160}"/>
               </a:ext>
             </a:extLst>
           </p:cNvPr>
@@ -3099,7 +3099,7 @@
           <p:cNvPr id="5" name="Date Placeholder 4">
             <a:extLst>
               <a:ext uri="{FF2B5EF4-FFF2-40B4-BE49-F238E27FC236}">
-                <a16:creationId xmlns:a16="http://schemas.microsoft.com/office/drawing/2014/main" id="{DB18EA2F-8D4B-4FFD-8168-B65B7F82DF86}"/>
+                <a16:creationId xmlns:a16="http://schemas.microsoft.com/office/drawing/2014/main" xmlns="" id="{DB18EA2F-8D4B-4FFD-8168-B65B7F82DF86}"/>
               </a:ext>
             </a:extLst>
           </p:cNvPr>
@@ -3117,7 +3117,7 @@
           <a:p>
             <a:fld id="{2D62E49B-383D-4FEF-83E3-8391B88BD48A}" type="datetime1">
               <a:rPr lang="en-IN" smtClean="0"/>
-              <a:t>12-05-2021</a:t>
+              <a:t>16-05-2021</a:t>
             </a:fld>
             <a:endParaRPr lang="en-IN"/>
           </a:p>
@@ -3128,7 +3128,7 @@
           <p:cNvPr id="6" name="Footer Placeholder 5">
             <a:extLst>
               <a:ext uri="{FF2B5EF4-FFF2-40B4-BE49-F238E27FC236}">
-                <a16:creationId xmlns:a16="http://schemas.microsoft.com/office/drawing/2014/main" id="{8AA3483C-4BE1-456C-A6A4-4239387D691F}"/>
+                <a16:creationId xmlns:a16="http://schemas.microsoft.com/office/drawing/2014/main" xmlns="" id="{8AA3483C-4BE1-456C-A6A4-4239387D691F}"/>
               </a:ext>
             </a:extLst>
           </p:cNvPr>
@@ -3157,7 +3157,7 @@
           <p:cNvPr id="7" name="Slide Number Placeholder 6">
             <a:extLst>
               <a:ext uri="{FF2B5EF4-FFF2-40B4-BE49-F238E27FC236}">
-                <a16:creationId xmlns:a16="http://schemas.microsoft.com/office/drawing/2014/main" id="{7C032B66-311F-43C3-A0AB-4512D5F17D69}"/>
+                <a16:creationId xmlns:a16="http://schemas.microsoft.com/office/drawing/2014/main" xmlns="" id="{7C032B66-311F-43C3-A0AB-4512D5F17D69}"/>
               </a:ext>
             </a:extLst>
           </p:cNvPr>
@@ -3221,7 +3221,7 @@
           <p:cNvPr id="2" name="Title Placeholder 1">
             <a:extLst>
               <a:ext uri="{FF2B5EF4-FFF2-40B4-BE49-F238E27FC236}">
-                <a16:creationId xmlns:a16="http://schemas.microsoft.com/office/drawing/2014/main" id="{1AE5B7F7-712F-49D6-9569-DF86C5A96A89}"/>
+                <a16:creationId xmlns:a16="http://schemas.microsoft.com/office/drawing/2014/main" xmlns="" id="{1AE5B7F7-712F-49D6-9569-DF86C5A96A89}"/>
               </a:ext>
             </a:extLst>
           </p:cNvPr>
@@ -3260,7 +3260,7 @@
           <p:cNvPr id="3" name="Text Placeholder 2">
             <a:extLst>
               <a:ext uri="{FF2B5EF4-FFF2-40B4-BE49-F238E27FC236}">
-                <a16:creationId xmlns:a16="http://schemas.microsoft.com/office/drawing/2014/main" id="{B9F23EA2-C30F-43FD-A4C2-02AE6A315DB8}"/>
+                <a16:creationId xmlns:a16="http://schemas.microsoft.com/office/drawing/2014/main" xmlns="" id="{B9F23EA2-C30F-43FD-A4C2-02AE6A315DB8}"/>
               </a:ext>
             </a:extLst>
           </p:cNvPr>
@@ -3328,7 +3328,7 @@
           <p:cNvPr id="4" name="Date Placeholder 3">
             <a:extLst>
               <a:ext uri="{FF2B5EF4-FFF2-40B4-BE49-F238E27FC236}">
-                <a16:creationId xmlns:a16="http://schemas.microsoft.com/office/drawing/2014/main" id="{52CE41F2-C832-43D8-B69F-F49E7AADEF6E}"/>
+                <a16:creationId xmlns:a16="http://schemas.microsoft.com/office/drawing/2014/main" xmlns="" id="{52CE41F2-C832-43D8-B69F-F49E7AADEF6E}"/>
               </a:ext>
             </a:extLst>
           </p:cNvPr>
@@ -3364,7 +3364,7 @@
           <a:p>
             <a:fld id="{95403040-39FF-48B5-9AA8-D98B49EA5B67}" type="datetime1">
               <a:rPr lang="en-IN" smtClean="0"/>
-              <a:t>12-05-2021</a:t>
+              <a:t>16-05-2021</a:t>
             </a:fld>
             <a:endParaRPr lang="en-IN"/>
           </a:p>
@@ -3375,7 +3375,7 @@
           <p:cNvPr id="5" name="Footer Placeholder 4">
             <a:extLst>
               <a:ext uri="{FF2B5EF4-FFF2-40B4-BE49-F238E27FC236}">
-                <a16:creationId xmlns:a16="http://schemas.microsoft.com/office/drawing/2014/main" id="{16C0C3F3-C749-4F32-9EA1-BDF5BCF5F2D1}"/>
+                <a16:creationId xmlns:a16="http://schemas.microsoft.com/office/drawing/2014/main" xmlns="" id="{16C0C3F3-C749-4F32-9EA1-BDF5BCF5F2D1}"/>
               </a:ext>
             </a:extLst>
           </p:cNvPr>
@@ -3422,7 +3422,7 @@
           <p:cNvPr id="6" name="Slide Number Placeholder 5">
             <a:extLst>
               <a:ext uri="{FF2B5EF4-FFF2-40B4-BE49-F238E27FC236}">
-                <a16:creationId xmlns:a16="http://schemas.microsoft.com/office/drawing/2014/main" id="{DF4FB91D-C6B8-421D-81EB-651EAD2A8364}"/>
+                <a16:creationId xmlns:a16="http://schemas.microsoft.com/office/drawing/2014/main" xmlns="" id="{DF4FB91D-C6B8-421D-81EB-651EAD2A8364}"/>
               </a:ext>
             </a:extLst>
           </p:cNvPr>
@@ -3791,7 +3791,7 @@
           <p:cNvPr id="2" name="Title 1">
             <a:extLst>
               <a:ext uri="{FF2B5EF4-FFF2-40B4-BE49-F238E27FC236}">
-                <a16:creationId xmlns:a16="http://schemas.microsoft.com/office/drawing/2014/main" id="{0B983FEF-B0DF-4375-9F52-1D18A58B79C9}"/>
+                <a16:creationId xmlns:a16="http://schemas.microsoft.com/office/drawing/2014/main" xmlns="" id="{0B983FEF-B0DF-4375-9F52-1D18A58B79C9}"/>
               </a:ext>
             </a:extLst>
           </p:cNvPr>
@@ -3826,7 +3826,7 @@
           <p:cNvPr id="3" name="Subtitle 2">
             <a:extLst>
               <a:ext uri="{FF2B5EF4-FFF2-40B4-BE49-F238E27FC236}">
-                <a16:creationId xmlns:a16="http://schemas.microsoft.com/office/drawing/2014/main" id="{1A2A60DB-2279-441D-8885-2771CB5128AF}"/>
+                <a16:creationId xmlns:a16="http://schemas.microsoft.com/office/drawing/2014/main" xmlns="" id="{1A2A60DB-2279-441D-8885-2771CB5128AF}"/>
               </a:ext>
             </a:extLst>
           </p:cNvPr>
@@ -3865,7 +3865,7 @@
           <p:cNvPr id="4" name="Footer Placeholder 3">
             <a:extLst>
               <a:ext uri="{FF2B5EF4-FFF2-40B4-BE49-F238E27FC236}">
-                <a16:creationId xmlns:a16="http://schemas.microsoft.com/office/drawing/2014/main" id="{2508C9A7-6855-4D15-8EB4-41AA058C5DD7}"/>
+                <a16:creationId xmlns:a16="http://schemas.microsoft.com/office/drawing/2014/main" xmlns="" id="{2508C9A7-6855-4D15-8EB4-41AA058C5DD7}"/>
               </a:ext>
             </a:extLst>
           </p:cNvPr>
@@ -3894,7 +3894,7 @@
           <p:cNvPr id="5" name="Slide Number Placeholder 4">
             <a:extLst>
               <a:ext uri="{FF2B5EF4-FFF2-40B4-BE49-F238E27FC236}">
-                <a16:creationId xmlns:a16="http://schemas.microsoft.com/office/drawing/2014/main" id="{00F6A3EF-20DA-497B-A31B-F0824C635938}"/>
+                <a16:creationId xmlns:a16="http://schemas.microsoft.com/office/drawing/2014/main" xmlns="" id="{00F6A3EF-20DA-497B-A31B-F0824C635938}"/>
               </a:ext>
             </a:extLst>
           </p:cNvPr>
@@ -3953,7 +3953,7 @@
           <p:cNvPr id="2" name="Title 1">
             <a:extLst>
               <a:ext uri="{FF2B5EF4-FFF2-40B4-BE49-F238E27FC236}">
-                <a16:creationId xmlns:a16="http://schemas.microsoft.com/office/drawing/2014/main" id="{9F53C0E6-5CA5-48E1-B370-E678425399F4}"/>
+                <a16:creationId xmlns:a16="http://schemas.microsoft.com/office/drawing/2014/main" xmlns="" id="{9F53C0E6-5CA5-48E1-B370-E678425399F4}"/>
               </a:ext>
             </a:extLst>
           </p:cNvPr>
@@ -3986,7 +3986,7 @@
           <p:cNvPr id="3" name="Content Placeholder 2">
             <a:extLst>
               <a:ext uri="{FF2B5EF4-FFF2-40B4-BE49-F238E27FC236}">
-                <a16:creationId xmlns:a16="http://schemas.microsoft.com/office/drawing/2014/main" id="{F0A4581A-26B3-40E7-A945-90C4D9B58292}"/>
+                <a16:creationId xmlns:a16="http://schemas.microsoft.com/office/drawing/2014/main" xmlns="" id="{F0A4581A-26B3-40E7-A945-90C4D9B58292}"/>
               </a:ext>
             </a:extLst>
           </p:cNvPr>
@@ -4195,7 +4195,7 @@
           <p:cNvPr id="4" name="Footer Placeholder 3">
             <a:extLst>
               <a:ext uri="{FF2B5EF4-FFF2-40B4-BE49-F238E27FC236}">
-                <a16:creationId xmlns:a16="http://schemas.microsoft.com/office/drawing/2014/main" id="{540972A1-4BB3-4D04-B4DF-C76BA9B5CAD8}"/>
+                <a16:creationId xmlns:a16="http://schemas.microsoft.com/office/drawing/2014/main" xmlns="" id="{540972A1-4BB3-4D04-B4DF-C76BA9B5CAD8}"/>
               </a:ext>
             </a:extLst>
           </p:cNvPr>
@@ -4224,7 +4224,7 @@
           <p:cNvPr id="5" name="Slide Number Placeholder 4">
             <a:extLst>
               <a:ext uri="{FF2B5EF4-FFF2-40B4-BE49-F238E27FC236}">
-                <a16:creationId xmlns:a16="http://schemas.microsoft.com/office/drawing/2014/main" id="{23B5C741-F1AB-463E-B229-974B2924B065}"/>
+                <a16:creationId xmlns:a16="http://schemas.microsoft.com/office/drawing/2014/main" xmlns="" id="{23B5C741-F1AB-463E-B229-974B2924B065}"/>
               </a:ext>
             </a:extLst>
           </p:cNvPr>
@@ -4255,7 +4255,7 @@
               <p:cNvPr id="6" name="TextBox 5">
                 <a:extLst>
                   <a:ext uri="{FF2B5EF4-FFF2-40B4-BE49-F238E27FC236}">
-                    <a16:creationId xmlns:a16="http://schemas.microsoft.com/office/drawing/2014/main" id="{3B7D199C-87B8-4A4A-8528-5D7137997D35}"/>
+                    <a16:creationId xmlns:a16="http://schemas.microsoft.com/office/drawing/2014/main" xmlns="" id="{3B7D199C-87B8-4A4A-8528-5D7137997D35}"/>
                   </a:ext>
                 </a:extLst>
               </p:cNvPr>
@@ -4337,7 +4337,7 @@
                         <m:fPr>
                           <m:ctrlPr>
                             <a:rPr lang="en-IN" i="1">
-                              <a:latin typeface="Cambria Math" panose="02040503050406030204" pitchFamily="18" charset="0"/>
+                              <a:latin typeface="Cambria Math"/>
                             </a:rPr>
                           </m:ctrlPr>
                         </m:fPr>
@@ -4429,7 +4429,7 @@
                         <m:fPr>
                           <m:ctrlPr>
                             <a:rPr lang="en-IN" i="1">
-                              <a:latin typeface="Cambria Math" panose="02040503050406030204" pitchFamily="18" charset="0"/>
+                              <a:latin typeface="Cambria Math"/>
                             </a:rPr>
                           </m:ctrlPr>
                         </m:fPr>
@@ -4516,7 +4516,7 @@
               <p:cNvPr id="7" name="TextBox 6">
                 <a:extLst>
                   <a:ext uri="{FF2B5EF4-FFF2-40B4-BE49-F238E27FC236}">
-                    <a16:creationId xmlns:a16="http://schemas.microsoft.com/office/drawing/2014/main" id="{A9E66421-BD90-4084-9F9B-6ABE27CAF5BD}"/>
+                    <a16:creationId xmlns:a16="http://schemas.microsoft.com/office/drawing/2014/main" xmlns="" id="{A9E66421-BD90-4084-9F9B-6ABE27CAF5BD}"/>
                   </a:ext>
                 </a:extLst>
               </p:cNvPr>
@@ -4622,7 +4622,7 @@
                         <m:fPr>
                           <m:ctrlPr>
                             <a:rPr lang="en-IN" i="1">
-                              <a:latin typeface="Cambria Math" panose="02040503050406030204" pitchFamily="18" charset="0"/>
+                              <a:latin typeface="Cambria Math"/>
                             </a:rPr>
                           </m:ctrlPr>
                         </m:fPr>
@@ -4738,7 +4738,7 @@
                         <m:fPr>
                           <m:ctrlPr>
                             <a:rPr lang="en-IN" i="1">
-                              <a:latin typeface="Cambria Math" panose="02040503050406030204" pitchFamily="18" charset="0"/>
+                              <a:latin typeface="Cambria Math"/>
                             </a:rPr>
                           </m:ctrlPr>
                         </m:fPr>
@@ -4837,7 +4837,7 @@
               <p:cNvPr id="8" name="TextBox 7">
                 <a:extLst>
                   <a:ext uri="{FF2B5EF4-FFF2-40B4-BE49-F238E27FC236}">
-                    <a16:creationId xmlns:a16="http://schemas.microsoft.com/office/drawing/2014/main" id="{1C685DB0-6F52-425A-A009-34864907B0A1}"/>
+                    <a16:creationId xmlns:a16="http://schemas.microsoft.com/office/drawing/2014/main" xmlns="" id="{1C685DB0-6F52-425A-A009-34864907B0A1}"/>
                   </a:ext>
                 </a:extLst>
               </p:cNvPr>
@@ -4919,7 +4919,7 @@
                         <m:fPr>
                           <m:ctrlPr>
                             <a:rPr lang="en-IN" i="1">
-                              <a:latin typeface="Cambria Math" panose="02040503050406030204" pitchFamily="18" charset="0"/>
+                              <a:latin typeface="Cambria Math"/>
                             </a:rPr>
                           </m:ctrlPr>
                         </m:fPr>
@@ -5011,7 +5011,7 @@
                         <m:fPr>
                           <m:ctrlPr>
                             <a:rPr lang="en-IN" i="1">
-                              <a:latin typeface="Cambria Math" panose="02040503050406030204" pitchFamily="18" charset="0"/>
+                              <a:latin typeface="Cambria Math"/>
                             </a:rPr>
                           </m:ctrlPr>
                         </m:fPr>
@@ -5110,7 +5110,7 @@
               <p:cNvPr id="9" name="TextBox 8">
                 <a:extLst>
                   <a:ext uri="{FF2B5EF4-FFF2-40B4-BE49-F238E27FC236}">
-                    <a16:creationId xmlns:a16="http://schemas.microsoft.com/office/drawing/2014/main" id="{3DAB24E0-EDF4-4C3C-8A39-C4846E7D141A}"/>
+                    <a16:creationId xmlns:a16="http://schemas.microsoft.com/office/drawing/2014/main" xmlns="" id="{3DAB24E0-EDF4-4C3C-8A39-C4846E7D141A}"/>
                   </a:ext>
                 </a:extLst>
               </p:cNvPr>
@@ -5216,7 +5216,7 @@
                         <m:fPr>
                           <m:ctrlPr>
                             <a:rPr lang="en-IN" i="1">
-                              <a:latin typeface="Cambria Math" panose="02040503050406030204" pitchFamily="18" charset="0"/>
+                              <a:latin typeface="Cambria Math"/>
                             </a:rPr>
                           </m:ctrlPr>
                         </m:fPr>
@@ -5332,7 +5332,7 @@
                         <m:fPr>
                           <m:ctrlPr>
                             <a:rPr lang="en-IN" i="1">
-                              <a:latin typeface="Cambria Math" panose="02040503050406030204" pitchFamily="18" charset="0"/>
+                              <a:latin typeface="Cambria Math"/>
                             </a:rPr>
                           </m:ctrlPr>
                         </m:fPr>
@@ -5459,7 +5459,7 @@
           <p:cNvPr id="2" name="Title 1">
             <a:extLst>
               <a:ext uri="{FF2B5EF4-FFF2-40B4-BE49-F238E27FC236}">
-                <a16:creationId xmlns:a16="http://schemas.microsoft.com/office/drawing/2014/main" id="{9F53C0E6-5CA5-48E1-B370-E678425399F4}"/>
+                <a16:creationId xmlns:a16="http://schemas.microsoft.com/office/drawing/2014/main" xmlns="" id="{9F53C0E6-5CA5-48E1-B370-E678425399F4}"/>
               </a:ext>
             </a:extLst>
           </p:cNvPr>
@@ -5494,7 +5494,7 @@
               <p:cNvPr id="3" name="Content Placeholder 2">
                 <a:extLst>
                   <a:ext uri="{FF2B5EF4-FFF2-40B4-BE49-F238E27FC236}">
-                    <a16:creationId xmlns:a16="http://schemas.microsoft.com/office/drawing/2014/main" id="{F0A4581A-26B3-40E7-A945-90C4D9B58292}"/>
+                    <a16:creationId xmlns:a16="http://schemas.microsoft.com/office/drawing/2014/main" xmlns="" id="{F0A4581A-26B3-40E7-A945-90C4D9B58292}"/>
                   </a:ext>
                 </a:extLst>
               </p:cNvPr>
@@ -5564,7 +5564,7 @@
                         <m:funcPr>
                           <m:ctrlPr>
                             <a:rPr lang="en-IN" sz="1900" b="0" i="1" smtClean="0">
-                              <a:latin typeface="Cambria Math" panose="02040503050406030204" pitchFamily="18" charset="0"/>
+                              <a:latin typeface="Cambria Math"/>
                             </a:rPr>
                           </m:ctrlPr>
                         </m:funcPr>
@@ -5584,7 +5584,7 @@
                             <m:dPr>
                               <m:ctrlPr>
                                 <a:rPr lang="en-IN" sz="1900" b="0" i="1" smtClean="0">
-                                  <a:latin typeface="Cambria Math" panose="02040503050406030204" pitchFamily="18" charset="0"/>
+                                  <a:latin typeface="Cambria Math"/>
                                 </a:rPr>
                               </m:ctrlPr>
                             </m:dPr>
@@ -5594,7 +5594,7 @@
                                   <m:chr m:val="∑"/>
                                   <m:ctrlPr>
                                     <a:rPr lang="en-IN" sz="1900" b="0" i="1" smtClean="0">
-                                      <a:latin typeface="Cambria Math" panose="02040503050406030204" pitchFamily="18" charset="0"/>
+                                      <a:latin typeface="Cambria Math"/>
                                     </a:rPr>
                                   </m:ctrlPr>
                                 </m:naryPr>
@@ -5628,7 +5628,7 @@
                                     <m:sSubPr>
                                       <m:ctrlPr>
                                         <a:rPr lang="en-IN" sz="1900" b="0" i="1" smtClean="0">
-                                          <a:latin typeface="Cambria Math" panose="02040503050406030204" pitchFamily="18" charset="0"/>
+                                          <a:latin typeface="Cambria Math"/>
                                         </a:rPr>
                                       </m:ctrlPr>
                                     </m:sSubPr>
@@ -5653,7 +5653,7 @@
                                     <m:funcPr>
                                       <m:ctrlPr>
                                         <a:rPr lang="en-IN" sz="1900" b="0" i="1" smtClean="0">
-                                          <a:latin typeface="Cambria Math" panose="02040503050406030204" pitchFamily="18" charset="0"/>
+                                          <a:latin typeface="Cambria Math"/>
                                         </a:rPr>
                                       </m:ctrlPr>
                                     </m:funcPr>
@@ -5673,7 +5673,7 @@
                                         <m:sSubPr>
                                           <m:ctrlPr>
                                             <a:rPr lang="en-IN" sz="1900" b="0" i="1" smtClean="0">
-                                              <a:latin typeface="Cambria Math" panose="02040503050406030204" pitchFamily="18" charset="0"/>
+                                              <a:latin typeface="Cambria Math"/>
                                             </a:rPr>
                                           </m:ctrlPr>
                                         </m:sSubPr>
@@ -5730,7 +5730,7 @@
                         <m:sSubPr>
                           <m:ctrlPr>
                             <a:rPr lang="en-IN" sz="1900" b="0" i="1" smtClean="0">
-                              <a:latin typeface="Cambria Math" panose="02040503050406030204" pitchFamily="18" charset="0"/>
+                              <a:latin typeface="Cambria Math"/>
                             </a:rPr>
                           </m:ctrlPr>
                         </m:sSubPr>
@@ -5761,7 +5761,7 @@
                         <m:fPr>
                           <m:ctrlPr>
                             <a:rPr lang="en-IN" sz="1900" i="1" smtClean="0">
-                              <a:latin typeface="Cambria Math" panose="02040503050406030204" pitchFamily="18" charset="0"/>
+                              <a:latin typeface="Cambria Math"/>
                             </a:rPr>
                           </m:ctrlPr>
                         </m:fPr>
@@ -5852,7 +5852,7 @@
                           <m:endChr m:val=""/>
                           <m:ctrlPr>
                             <a:rPr lang="en-IN" sz="1900" b="0" i="1" smtClean="0">
-                              <a:latin typeface="Cambria Math" panose="02040503050406030204" pitchFamily="18" charset="0"/>
+                              <a:latin typeface="Cambria Math"/>
                             </a:rPr>
                           </m:ctrlPr>
                         </m:dPr>
@@ -5861,7 +5861,7 @@
                             <m:eqArrPr>
                               <m:ctrlPr>
                                 <a:rPr lang="en-IN" sz="1900" b="0" i="1" smtClean="0">
-                                  <a:latin typeface="Cambria Math" panose="02040503050406030204" pitchFamily="18" charset="0"/>
+                                  <a:latin typeface="Cambria Math"/>
                                 </a:rPr>
                               </m:ctrlPr>
                             </m:eqArrPr>
@@ -5908,7 +5908,7 @@
                                 <m:funcPr>
                                   <m:ctrlPr>
                                     <a:rPr lang="en-IN" sz="1900" b="0" i="1" smtClean="0">
-                                      <a:latin typeface="Cambria Math" panose="02040503050406030204" pitchFamily="18" charset="0"/>
+                                      <a:latin typeface="Cambria Math"/>
                                     </a:rPr>
                                   </m:ctrlPr>
                                 </m:funcPr>
@@ -5928,7 +5928,7 @@
                                     <m:dPr>
                                       <m:ctrlPr>
                                         <a:rPr lang="en-IN" sz="1900" b="0" i="1" smtClean="0">
-                                          <a:latin typeface="Cambria Math" panose="02040503050406030204" pitchFamily="18" charset="0"/>
+                                          <a:latin typeface="Cambria Math"/>
                                         </a:rPr>
                                       </m:ctrlPr>
                                     </m:dPr>
@@ -5943,7 +5943,7 @@
                                         <m:fPr>
                                           <m:ctrlPr>
                                             <a:rPr lang="en-IN" sz="1900" b="0" i="1" smtClean="0">
-                                              <a:latin typeface="Cambria Math" panose="02040503050406030204" pitchFamily="18" charset="0"/>
+                                              <a:latin typeface="Cambria Math"/>
                                             </a:rPr>
                                           </m:ctrlPr>
                                         </m:fPr>
@@ -6053,7 +6053,7 @@
           <p:cNvPr id="4" name="Footer Placeholder 3">
             <a:extLst>
               <a:ext uri="{FF2B5EF4-FFF2-40B4-BE49-F238E27FC236}">
-                <a16:creationId xmlns:a16="http://schemas.microsoft.com/office/drawing/2014/main" id="{540972A1-4BB3-4D04-B4DF-C76BA9B5CAD8}"/>
+                <a16:creationId xmlns:a16="http://schemas.microsoft.com/office/drawing/2014/main" xmlns="" id="{540972A1-4BB3-4D04-B4DF-C76BA9B5CAD8}"/>
               </a:ext>
             </a:extLst>
           </p:cNvPr>
@@ -6082,7 +6082,7 @@
           <p:cNvPr id="5" name="Slide Number Placeholder 4">
             <a:extLst>
               <a:ext uri="{FF2B5EF4-FFF2-40B4-BE49-F238E27FC236}">
-                <a16:creationId xmlns:a16="http://schemas.microsoft.com/office/drawing/2014/main" id="{23B5C741-F1AB-463E-B229-974B2924B065}"/>
+                <a16:creationId xmlns:a16="http://schemas.microsoft.com/office/drawing/2014/main" xmlns="" id="{23B5C741-F1AB-463E-B229-974B2924B065}"/>
               </a:ext>
             </a:extLst>
           </p:cNvPr>
@@ -6141,7 +6141,7 @@
           <p:cNvPr id="2" name="Title 1">
             <a:extLst>
               <a:ext uri="{FF2B5EF4-FFF2-40B4-BE49-F238E27FC236}">
-                <a16:creationId xmlns:a16="http://schemas.microsoft.com/office/drawing/2014/main" id="{9F53C0E6-5CA5-48E1-B370-E678425399F4}"/>
+                <a16:creationId xmlns:a16="http://schemas.microsoft.com/office/drawing/2014/main" xmlns="" id="{9F53C0E6-5CA5-48E1-B370-E678425399F4}"/>
               </a:ext>
             </a:extLst>
           </p:cNvPr>
@@ -6176,7 +6176,7 @@
               <p:cNvPr id="3" name="Content Placeholder 2">
                 <a:extLst>
                   <a:ext uri="{FF2B5EF4-FFF2-40B4-BE49-F238E27FC236}">
-                    <a16:creationId xmlns:a16="http://schemas.microsoft.com/office/drawing/2014/main" id="{F0A4581A-26B3-40E7-A945-90C4D9B58292}"/>
+                    <a16:creationId xmlns:a16="http://schemas.microsoft.com/office/drawing/2014/main" xmlns="" id="{F0A4581A-26B3-40E7-A945-90C4D9B58292}"/>
                   </a:ext>
                 </a:extLst>
               </p:cNvPr>
@@ -6263,7 +6263,7 @@
                       <m:fPr>
                         <m:ctrlPr>
                           <a:rPr lang="en-IN" sz="2000" i="1" smtClean="0">
-                            <a:latin typeface="Cambria Math" panose="02040503050406030204" pitchFamily="18" charset="0"/>
+                            <a:latin typeface="Cambria Math"/>
                           </a:rPr>
                         </m:ctrlPr>
                       </m:fPr>
@@ -6362,7 +6362,7 @@
                         <m:dPr>
                           <m:ctrlPr>
                             <a:rPr lang="en-IN" sz="1800" b="0" i="1" smtClean="0">
-                              <a:latin typeface="Cambria Math" panose="02040503050406030204" pitchFamily="18" charset="0"/>
+                              <a:latin typeface="Cambria Math"/>
                             </a:rPr>
                           </m:ctrlPr>
                         </m:dPr>
@@ -6601,7 +6601,7 @@
           <p:cNvPr id="4" name="Footer Placeholder 3">
             <a:extLst>
               <a:ext uri="{FF2B5EF4-FFF2-40B4-BE49-F238E27FC236}">
-                <a16:creationId xmlns:a16="http://schemas.microsoft.com/office/drawing/2014/main" id="{540972A1-4BB3-4D04-B4DF-C76BA9B5CAD8}"/>
+                <a16:creationId xmlns:a16="http://schemas.microsoft.com/office/drawing/2014/main" xmlns="" id="{540972A1-4BB3-4D04-B4DF-C76BA9B5CAD8}"/>
               </a:ext>
             </a:extLst>
           </p:cNvPr>
@@ -6630,7 +6630,7 @@
           <p:cNvPr id="5" name="Slide Number Placeholder 4">
             <a:extLst>
               <a:ext uri="{FF2B5EF4-FFF2-40B4-BE49-F238E27FC236}">
-                <a16:creationId xmlns:a16="http://schemas.microsoft.com/office/drawing/2014/main" id="{23B5C741-F1AB-463E-B229-974B2924B065}"/>
+                <a16:creationId xmlns:a16="http://schemas.microsoft.com/office/drawing/2014/main" xmlns="" id="{23B5C741-F1AB-463E-B229-974B2924B065}"/>
               </a:ext>
             </a:extLst>
           </p:cNvPr>
@@ -6659,7 +6659,7 @@
           <p:cNvPr id="6" name="Table 6">
             <a:extLst>
               <a:ext uri="{FF2B5EF4-FFF2-40B4-BE49-F238E27FC236}">
-                <a16:creationId xmlns:a16="http://schemas.microsoft.com/office/drawing/2014/main" id="{08CE9452-00C6-4E2F-AF96-8DB070484659}"/>
+                <a16:creationId xmlns:a16="http://schemas.microsoft.com/office/drawing/2014/main" xmlns="" id="{08CE9452-00C6-4E2F-AF96-8DB070484659}"/>
               </a:ext>
             </a:extLst>
           </p:cNvPr>
@@ -6693,14 +6693,14 @@
                 <a:gridCol w="613173">
                   <a:extLst>
                     <a:ext uri="{9D8B030D-6E8A-4147-A177-3AD203B41FA5}">
-                      <a16:colId xmlns:a16="http://schemas.microsoft.com/office/drawing/2014/main" val="953926796"/>
+                      <a16:colId xmlns:a16="http://schemas.microsoft.com/office/drawing/2014/main" xmlns="" val="953926796"/>
                     </a:ext>
                   </a:extLst>
                 </a:gridCol>
                 <a:gridCol w="9371236">
                   <a:extLst>
                     <a:ext uri="{9D8B030D-6E8A-4147-A177-3AD203B41FA5}">
-                      <a16:colId xmlns:a16="http://schemas.microsoft.com/office/drawing/2014/main" val="319029335"/>
+                      <a16:colId xmlns:a16="http://schemas.microsoft.com/office/drawing/2014/main" xmlns="" val="319029335"/>
                     </a:ext>
                   </a:extLst>
                 </a:gridCol>
@@ -6816,7 +6816,7 @@
                 </a:tc>
                 <a:extLst>
                   <a:ext uri="{0D108BD9-81ED-4DB2-BD59-A6C34878D82A}">
-                    <a16:rowId xmlns:a16="http://schemas.microsoft.com/office/drawing/2014/main" val="3454209587"/>
+                    <a16:rowId xmlns:a16="http://schemas.microsoft.com/office/drawing/2014/main" xmlns="" val="3454209587"/>
                   </a:ext>
                 </a:extLst>
               </a:tr>
@@ -6955,7 +6955,7 @@
                 </a:tc>
                 <a:extLst>
                   <a:ext uri="{0D108BD9-81ED-4DB2-BD59-A6C34878D82A}">
-                    <a16:rowId xmlns:a16="http://schemas.microsoft.com/office/drawing/2014/main" val="292879483"/>
+                    <a16:rowId xmlns:a16="http://schemas.microsoft.com/office/drawing/2014/main" xmlns="" val="292879483"/>
                   </a:ext>
                 </a:extLst>
               </a:tr>
@@ -7094,7 +7094,7 @@
                 </a:tc>
                 <a:extLst>
                   <a:ext uri="{0D108BD9-81ED-4DB2-BD59-A6C34878D82A}">
-                    <a16:rowId xmlns:a16="http://schemas.microsoft.com/office/drawing/2014/main" val="3295560409"/>
+                    <a16:rowId xmlns:a16="http://schemas.microsoft.com/office/drawing/2014/main" xmlns="" val="3295560409"/>
                   </a:ext>
                 </a:extLst>
               </a:tr>
@@ -7137,7 +7137,7 @@
           <p:cNvPr id="2" name="Title 1">
             <a:extLst>
               <a:ext uri="{FF2B5EF4-FFF2-40B4-BE49-F238E27FC236}">
-                <a16:creationId xmlns:a16="http://schemas.microsoft.com/office/drawing/2014/main" id="{9F53C0E6-5CA5-48E1-B370-E678425399F4}"/>
+                <a16:creationId xmlns:a16="http://schemas.microsoft.com/office/drawing/2014/main" xmlns="" id="{9F53C0E6-5CA5-48E1-B370-E678425399F4}"/>
               </a:ext>
             </a:extLst>
           </p:cNvPr>
@@ -7170,7 +7170,7 @@
           <p:cNvPr id="3" name="Content Placeholder 2">
             <a:extLst>
               <a:ext uri="{FF2B5EF4-FFF2-40B4-BE49-F238E27FC236}">
-                <a16:creationId xmlns:a16="http://schemas.microsoft.com/office/drawing/2014/main" id="{F0A4581A-26B3-40E7-A945-90C4D9B58292}"/>
+                <a16:creationId xmlns:a16="http://schemas.microsoft.com/office/drawing/2014/main" xmlns="" id="{F0A4581A-26B3-40E7-A945-90C4D9B58292}"/>
               </a:ext>
             </a:extLst>
           </p:cNvPr>
@@ -7398,7 +7398,7 @@
           <p:cNvPr id="4" name="Footer Placeholder 3">
             <a:extLst>
               <a:ext uri="{FF2B5EF4-FFF2-40B4-BE49-F238E27FC236}">
-                <a16:creationId xmlns:a16="http://schemas.microsoft.com/office/drawing/2014/main" id="{540972A1-4BB3-4D04-B4DF-C76BA9B5CAD8}"/>
+                <a16:creationId xmlns:a16="http://schemas.microsoft.com/office/drawing/2014/main" xmlns="" id="{540972A1-4BB3-4D04-B4DF-C76BA9B5CAD8}"/>
               </a:ext>
             </a:extLst>
           </p:cNvPr>
@@ -7427,7 +7427,7 @@
           <p:cNvPr id="5" name="Slide Number Placeholder 4">
             <a:extLst>
               <a:ext uri="{FF2B5EF4-FFF2-40B4-BE49-F238E27FC236}">
-                <a16:creationId xmlns:a16="http://schemas.microsoft.com/office/drawing/2014/main" id="{23B5C741-F1AB-463E-B229-974B2924B065}"/>
+                <a16:creationId xmlns:a16="http://schemas.microsoft.com/office/drawing/2014/main" xmlns="" id="{23B5C741-F1AB-463E-B229-974B2924B065}"/>
               </a:ext>
             </a:extLst>
           </p:cNvPr>
@@ -7486,7 +7486,7 @@
           <p:cNvPr id="2" name="Title 1">
             <a:extLst>
               <a:ext uri="{FF2B5EF4-FFF2-40B4-BE49-F238E27FC236}">
-                <a16:creationId xmlns:a16="http://schemas.microsoft.com/office/drawing/2014/main" id="{9F53C0E6-5CA5-48E1-B370-E678425399F4}"/>
+                <a16:creationId xmlns:a16="http://schemas.microsoft.com/office/drawing/2014/main" xmlns="" id="{9F53C0E6-5CA5-48E1-B370-E678425399F4}"/>
               </a:ext>
             </a:extLst>
           </p:cNvPr>
@@ -7519,7 +7519,7 @@
           <p:cNvPr id="6" name="Table 6">
             <a:extLst>
               <a:ext uri="{FF2B5EF4-FFF2-40B4-BE49-F238E27FC236}">
-                <a16:creationId xmlns:a16="http://schemas.microsoft.com/office/drawing/2014/main" id="{705F427A-9AF8-4A7C-A89C-A285216FCFA6}"/>
+                <a16:creationId xmlns:a16="http://schemas.microsoft.com/office/drawing/2014/main" xmlns="" id="{705F427A-9AF8-4A7C-A89C-A285216FCFA6}"/>
               </a:ext>
             </a:extLst>
           </p:cNvPr>
@@ -7549,49 +7549,49 @@
                 <a:gridCol w="1502228">
                   <a:extLst>
                     <a:ext uri="{9D8B030D-6E8A-4147-A177-3AD203B41FA5}">
-                      <a16:colId xmlns:a16="http://schemas.microsoft.com/office/drawing/2014/main" val="1059776522"/>
+                      <a16:colId xmlns:a16="http://schemas.microsoft.com/office/drawing/2014/main" xmlns="" val="1059776522"/>
                     </a:ext>
                   </a:extLst>
                 </a:gridCol>
                 <a:gridCol w="1502228">
                   <a:extLst>
                     <a:ext uri="{9D8B030D-6E8A-4147-A177-3AD203B41FA5}">
-                      <a16:colId xmlns:a16="http://schemas.microsoft.com/office/drawing/2014/main" val="51405990"/>
+                      <a16:colId xmlns:a16="http://schemas.microsoft.com/office/drawing/2014/main" xmlns="" val="51405990"/>
                     </a:ext>
                   </a:extLst>
                 </a:gridCol>
                 <a:gridCol w="1502228">
                   <a:extLst>
                     <a:ext uri="{9D8B030D-6E8A-4147-A177-3AD203B41FA5}">
-                      <a16:colId xmlns:a16="http://schemas.microsoft.com/office/drawing/2014/main" val="499077790"/>
+                      <a16:colId xmlns:a16="http://schemas.microsoft.com/office/drawing/2014/main" xmlns="" val="499077790"/>
                     </a:ext>
                   </a:extLst>
                 </a:gridCol>
                 <a:gridCol w="1502228">
                   <a:extLst>
                     <a:ext uri="{9D8B030D-6E8A-4147-A177-3AD203B41FA5}">
-                      <a16:colId xmlns:a16="http://schemas.microsoft.com/office/drawing/2014/main" val="1741106222"/>
+                      <a16:colId xmlns:a16="http://schemas.microsoft.com/office/drawing/2014/main" xmlns="" val="1741106222"/>
                     </a:ext>
                   </a:extLst>
                 </a:gridCol>
                 <a:gridCol w="1502228">
                   <a:extLst>
                     <a:ext uri="{9D8B030D-6E8A-4147-A177-3AD203B41FA5}">
-                      <a16:colId xmlns:a16="http://schemas.microsoft.com/office/drawing/2014/main" val="2560605016"/>
+                      <a16:colId xmlns:a16="http://schemas.microsoft.com/office/drawing/2014/main" xmlns="" val="2560605016"/>
                     </a:ext>
                   </a:extLst>
                 </a:gridCol>
                 <a:gridCol w="1502228">
                   <a:extLst>
                     <a:ext uri="{9D8B030D-6E8A-4147-A177-3AD203B41FA5}">
-                      <a16:colId xmlns:a16="http://schemas.microsoft.com/office/drawing/2014/main" val="1149909260"/>
+                      <a16:colId xmlns:a16="http://schemas.microsoft.com/office/drawing/2014/main" xmlns="" val="1149909260"/>
                     </a:ext>
                   </a:extLst>
                 </a:gridCol>
                 <a:gridCol w="1502228">
                   <a:extLst>
                     <a:ext uri="{9D8B030D-6E8A-4147-A177-3AD203B41FA5}">
-                      <a16:colId xmlns:a16="http://schemas.microsoft.com/office/drawing/2014/main" val="2441742596"/>
+                      <a16:colId xmlns:a16="http://schemas.microsoft.com/office/drawing/2014/main" xmlns="" val="2441742596"/>
                     </a:ext>
                   </a:extLst>
                 </a:gridCol>
@@ -7697,7 +7697,7 @@
                 </a:tc>
                 <a:extLst>
                   <a:ext uri="{0D108BD9-81ED-4DB2-BD59-A6C34878D82A}">
-                    <a16:rowId xmlns:a16="http://schemas.microsoft.com/office/drawing/2014/main" val="2130431935"/>
+                    <a16:rowId xmlns:a16="http://schemas.microsoft.com/office/drawing/2014/main" xmlns="" val="2130431935"/>
                   </a:ext>
                 </a:extLst>
               </a:tr>
@@ -7802,7 +7802,7 @@
                 </a:tc>
                 <a:extLst>
                   <a:ext uri="{0D108BD9-81ED-4DB2-BD59-A6C34878D82A}">
-                    <a16:rowId xmlns:a16="http://schemas.microsoft.com/office/drawing/2014/main" val="248642347"/>
+                    <a16:rowId xmlns:a16="http://schemas.microsoft.com/office/drawing/2014/main" xmlns="" val="248642347"/>
                   </a:ext>
                 </a:extLst>
               </a:tr>
@@ -7907,7 +7907,7 @@
                 </a:tc>
                 <a:extLst>
                   <a:ext uri="{0D108BD9-81ED-4DB2-BD59-A6C34878D82A}">
-                    <a16:rowId xmlns:a16="http://schemas.microsoft.com/office/drawing/2014/main" val="1130119694"/>
+                    <a16:rowId xmlns:a16="http://schemas.microsoft.com/office/drawing/2014/main" xmlns="" val="1130119694"/>
                   </a:ext>
                 </a:extLst>
               </a:tr>
@@ -8012,7 +8012,7 @@
                 </a:tc>
                 <a:extLst>
                   <a:ext uri="{0D108BD9-81ED-4DB2-BD59-A6C34878D82A}">
-                    <a16:rowId xmlns:a16="http://schemas.microsoft.com/office/drawing/2014/main" val="1111558667"/>
+                    <a16:rowId xmlns:a16="http://schemas.microsoft.com/office/drawing/2014/main" xmlns="" val="1111558667"/>
                   </a:ext>
                 </a:extLst>
               </a:tr>
@@ -8117,7 +8117,7 @@
                 </a:tc>
                 <a:extLst>
                   <a:ext uri="{0D108BD9-81ED-4DB2-BD59-A6C34878D82A}">
-                    <a16:rowId xmlns:a16="http://schemas.microsoft.com/office/drawing/2014/main" val="390475499"/>
+                    <a16:rowId xmlns:a16="http://schemas.microsoft.com/office/drawing/2014/main" xmlns="" val="390475499"/>
                   </a:ext>
                 </a:extLst>
               </a:tr>
@@ -8222,7 +8222,7 @@
                 </a:tc>
                 <a:extLst>
                   <a:ext uri="{0D108BD9-81ED-4DB2-BD59-A6C34878D82A}">
-                    <a16:rowId xmlns:a16="http://schemas.microsoft.com/office/drawing/2014/main" val="756342863"/>
+                    <a16:rowId xmlns:a16="http://schemas.microsoft.com/office/drawing/2014/main" xmlns="" val="756342863"/>
                   </a:ext>
                 </a:extLst>
               </a:tr>
@@ -8327,7 +8327,7 @@
                 </a:tc>
                 <a:extLst>
                   <a:ext uri="{0D108BD9-81ED-4DB2-BD59-A6C34878D82A}">
-                    <a16:rowId xmlns:a16="http://schemas.microsoft.com/office/drawing/2014/main" val="319341810"/>
+                    <a16:rowId xmlns:a16="http://schemas.microsoft.com/office/drawing/2014/main" xmlns="" val="319341810"/>
                   </a:ext>
                 </a:extLst>
               </a:tr>
@@ -8432,7 +8432,7 @@
                 </a:tc>
                 <a:extLst>
                   <a:ext uri="{0D108BD9-81ED-4DB2-BD59-A6C34878D82A}">
-                    <a16:rowId xmlns:a16="http://schemas.microsoft.com/office/drawing/2014/main" val="2497939862"/>
+                    <a16:rowId xmlns:a16="http://schemas.microsoft.com/office/drawing/2014/main" xmlns="" val="2497939862"/>
                   </a:ext>
                 </a:extLst>
               </a:tr>
@@ -8537,7 +8537,7 @@
                 </a:tc>
                 <a:extLst>
                   <a:ext uri="{0D108BD9-81ED-4DB2-BD59-A6C34878D82A}">
-                    <a16:rowId xmlns:a16="http://schemas.microsoft.com/office/drawing/2014/main" val="2181185807"/>
+                    <a16:rowId xmlns:a16="http://schemas.microsoft.com/office/drawing/2014/main" xmlns="" val="2181185807"/>
                   </a:ext>
                 </a:extLst>
               </a:tr>
@@ -8642,7 +8642,7 @@
                 </a:tc>
                 <a:extLst>
                   <a:ext uri="{0D108BD9-81ED-4DB2-BD59-A6C34878D82A}">
-                    <a16:rowId xmlns:a16="http://schemas.microsoft.com/office/drawing/2014/main" val="3843312928"/>
+                    <a16:rowId xmlns:a16="http://schemas.microsoft.com/office/drawing/2014/main" xmlns="" val="3843312928"/>
                   </a:ext>
                 </a:extLst>
               </a:tr>
@@ -8747,7 +8747,7 @@
                 </a:tc>
                 <a:extLst>
                   <a:ext uri="{0D108BD9-81ED-4DB2-BD59-A6C34878D82A}">
-                    <a16:rowId xmlns:a16="http://schemas.microsoft.com/office/drawing/2014/main" val="204907763"/>
+                    <a16:rowId xmlns:a16="http://schemas.microsoft.com/office/drawing/2014/main" xmlns="" val="204907763"/>
                   </a:ext>
                 </a:extLst>
               </a:tr>
@@ -8852,7 +8852,7 @@
                 </a:tc>
                 <a:extLst>
                   <a:ext uri="{0D108BD9-81ED-4DB2-BD59-A6C34878D82A}">
-                    <a16:rowId xmlns:a16="http://schemas.microsoft.com/office/drawing/2014/main" val="194616918"/>
+                    <a16:rowId xmlns:a16="http://schemas.microsoft.com/office/drawing/2014/main" xmlns="" val="194616918"/>
                   </a:ext>
                 </a:extLst>
               </a:tr>
@@ -8957,7 +8957,7 @@
                 </a:tc>
                 <a:extLst>
                   <a:ext uri="{0D108BD9-81ED-4DB2-BD59-A6C34878D82A}">
-                    <a16:rowId xmlns:a16="http://schemas.microsoft.com/office/drawing/2014/main" val="2388109032"/>
+                    <a16:rowId xmlns:a16="http://schemas.microsoft.com/office/drawing/2014/main" xmlns="" val="2388109032"/>
                   </a:ext>
                 </a:extLst>
               </a:tr>
@@ -9062,7 +9062,7 @@
                 </a:tc>
                 <a:extLst>
                   <a:ext uri="{0D108BD9-81ED-4DB2-BD59-A6C34878D82A}">
-                    <a16:rowId xmlns:a16="http://schemas.microsoft.com/office/drawing/2014/main" val="297863002"/>
+                    <a16:rowId xmlns:a16="http://schemas.microsoft.com/office/drawing/2014/main" xmlns="" val="297863002"/>
                   </a:ext>
                 </a:extLst>
               </a:tr>
@@ -9167,7 +9167,7 @@
                 </a:tc>
                 <a:extLst>
                   <a:ext uri="{0D108BD9-81ED-4DB2-BD59-A6C34878D82A}">
-                    <a16:rowId xmlns:a16="http://schemas.microsoft.com/office/drawing/2014/main" val="4134358320"/>
+                    <a16:rowId xmlns:a16="http://schemas.microsoft.com/office/drawing/2014/main" xmlns="" val="4134358320"/>
                   </a:ext>
                 </a:extLst>
               </a:tr>
@@ -9272,7 +9272,7 @@
                 </a:tc>
                 <a:extLst>
                   <a:ext uri="{0D108BD9-81ED-4DB2-BD59-A6C34878D82A}">
-                    <a16:rowId xmlns:a16="http://schemas.microsoft.com/office/drawing/2014/main" val="435795987"/>
+                    <a16:rowId xmlns:a16="http://schemas.microsoft.com/office/drawing/2014/main" xmlns="" val="435795987"/>
                   </a:ext>
                 </a:extLst>
               </a:tr>
@@ -9377,7 +9377,7 @@
                 </a:tc>
                 <a:extLst>
                   <a:ext uri="{0D108BD9-81ED-4DB2-BD59-A6C34878D82A}">
-                    <a16:rowId xmlns:a16="http://schemas.microsoft.com/office/drawing/2014/main" val="2374723660"/>
+                    <a16:rowId xmlns:a16="http://schemas.microsoft.com/office/drawing/2014/main" xmlns="" val="2374723660"/>
                   </a:ext>
                 </a:extLst>
               </a:tr>
@@ -9495,7 +9495,7 @@
                 </a:tc>
                 <a:extLst>
                   <a:ext uri="{0D108BD9-81ED-4DB2-BD59-A6C34878D82A}">
-                    <a16:rowId xmlns:a16="http://schemas.microsoft.com/office/drawing/2014/main" val="3169493604"/>
+                    <a16:rowId xmlns:a16="http://schemas.microsoft.com/office/drawing/2014/main" xmlns="" val="3169493604"/>
                   </a:ext>
                 </a:extLst>
               </a:tr>
@@ -9508,7 +9508,7 @@
           <p:cNvPr id="4" name="Footer Placeholder 3">
             <a:extLst>
               <a:ext uri="{FF2B5EF4-FFF2-40B4-BE49-F238E27FC236}">
-                <a16:creationId xmlns:a16="http://schemas.microsoft.com/office/drawing/2014/main" id="{540972A1-4BB3-4D04-B4DF-C76BA9B5CAD8}"/>
+                <a16:creationId xmlns:a16="http://schemas.microsoft.com/office/drawing/2014/main" xmlns="" id="{540972A1-4BB3-4D04-B4DF-C76BA9B5CAD8}"/>
               </a:ext>
             </a:extLst>
           </p:cNvPr>
@@ -9537,7 +9537,7 @@
           <p:cNvPr id="5" name="Slide Number Placeholder 4">
             <a:extLst>
               <a:ext uri="{FF2B5EF4-FFF2-40B4-BE49-F238E27FC236}">
-                <a16:creationId xmlns:a16="http://schemas.microsoft.com/office/drawing/2014/main" id="{23B5C741-F1AB-463E-B229-974B2924B065}"/>
+                <a16:creationId xmlns:a16="http://schemas.microsoft.com/office/drawing/2014/main" xmlns="" id="{23B5C741-F1AB-463E-B229-974B2924B065}"/>
               </a:ext>
             </a:extLst>
           </p:cNvPr>
@@ -9596,7 +9596,7 @@
           <p:cNvPr id="2" name="Title 1">
             <a:extLst>
               <a:ext uri="{FF2B5EF4-FFF2-40B4-BE49-F238E27FC236}">
-                <a16:creationId xmlns:a16="http://schemas.microsoft.com/office/drawing/2014/main" id="{9F53C0E6-5CA5-48E1-B370-E678425399F4}"/>
+                <a16:creationId xmlns:a16="http://schemas.microsoft.com/office/drawing/2014/main" xmlns="" id="{9F53C0E6-5CA5-48E1-B370-E678425399F4}"/>
               </a:ext>
             </a:extLst>
           </p:cNvPr>
@@ -9631,7 +9631,7 @@
               <p:cNvPr id="3" name="Content Placeholder 2">
                 <a:extLst>
                   <a:ext uri="{FF2B5EF4-FFF2-40B4-BE49-F238E27FC236}">
-                    <a16:creationId xmlns:a16="http://schemas.microsoft.com/office/drawing/2014/main" id="{F0A4581A-26B3-40E7-A945-90C4D9B58292}"/>
+                    <a16:creationId xmlns:a16="http://schemas.microsoft.com/office/drawing/2014/main" xmlns="" id="{F0A4581A-26B3-40E7-A945-90C4D9B58292}"/>
                   </a:ext>
                 </a:extLst>
               </p:cNvPr>
@@ -9650,7 +9650,7 @@
             </p:spPr>
             <p:txBody>
               <a:bodyPr>
-                <a:normAutofit lnSpcReduction="10000"/>
+                <a:normAutofit/>
               </a:bodyPr>
               <a:lstStyle/>
               <a:p>
@@ -9700,7 +9700,7 @@
                         <m:sSubPr>
                           <m:ctrlPr>
                             <a:rPr lang="en-IN" sz="1800" i="1" smtClean="0">
-                              <a:latin typeface="Cambria Math" panose="02040503050406030204" pitchFamily="18" charset="0"/>
+                              <a:latin typeface="Cambria Math"/>
                             </a:rPr>
                           </m:ctrlPr>
                         </m:sSubPr>
@@ -9731,7 +9731,7 @@
                         <m:fPr>
                           <m:ctrlPr>
                             <a:rPr lang="en-IN" sz="1800" b="0" i="1" smtClean="0">
-                              <a:latin typeface="Cambria Math" panose="02040503050406030204" pitchFamily="18" charset="0"/>
+                              <a:latin typeface="Cambria Math"/>
                             </a:rPr>
                           </m:ctrlPr>
                         </m:fPr>
@@ -9874,7 +9874,7 @@
                           <m:endChr m:val=""/>
                           <m:ctrlPr>
                             <a:rPr lang="en-IN" sz="1800" b="0" i="1" smtClean="0">
-                              <a:latin typeface="Cambria Math" panose="02040503050406030204" pitchFamily="18" charset="0"/>
+                              <a:latin typeface="Cambria Math"/>
                             </a:rPr>
                           </m:ctrlPr>
                         </m:dPr>
@@ -9883,7 +9883,7 @@
                             <m:eqArrPr>
                               <m:ctrlPr>
                                 <a:rPr lang="en-IN" sz="1800" b="0" i="1" smtClean="0">
-                                  <a:latin typeface="Cambria Math" panose="02040503050406030204" pitchFamily="18" charset="0"/>
+                                  <a:latin typeface="Cambria Math"/>
                                 </a:rPr>
                               </m:ctrlPr>
                             </m:eqArrPr>
@@ -9936,7 +9936,7 @@
                                 <m:dPr>
                                   <m:ctrlPr>
                                     <a:rPr lang="en-IN" sz="1800" b="0" i="1" smtClean="0">
-                                      <a:latin typeface="Cambria Math" panose="02040503050406030204" pitchFamily="18" charset="0"/>
+                                      <a:latin typeface="Cambria Math"/>
                                     </a:rPr>
                                   </m:ctrlPr>
                                 </m:dPr>
@@ -9951,7 +9951,7 @@
                                     <m:fPr>
                                       <m:ctrlPr>
                                         <a:rPr lang="en-IN" sz="1800" b="0" i="1" smtClean="0">
-                                          <a:latin typeface="Cambria Math" panose="02040503050406030204" pitchFamily="18" charset="0"/>
+                                          <a:latin typeface="Cambria Math"/>
                                         </a:rPr>
                                       </m:ctrlPr>
                                     </m:fPr>
@@ -10078,7 +10078,7 @@
                         <m:dPr>
                           <m:ctrlPr>
                             <a:rPr lang="en-IN" sz="1800" b="0" i="1" smtClean="0">
-                              <a:latin typeface="Cambria Math" panose="02040503050406030204" pitchFamily="18" charset="0"/>
+                              <a:latin typeface="Cambria Math"/>
                             </a:rPr>
                           </m:ctrlPr>
                         </m:dPr>
@@ -10088,7 +10088,7 @@
                               <m:chr m:val="∑"/>
                               <m:ctrlPr>
                                 <a:rPr lang="en-IN" sz="1800" b="0" i="1" smtClean="0">
-                                  <a:latin typeface="Cambria Math" panose="02040503050406030204" pitchFamily="18" charset="0"/>
+                                  <a:latin typeface="Cambria Math"/>
                                 </a:rPr>
                               </m:ctrlPr>
                             </m:naryPr>
@@ -10122,7 +10122,7 @@
                                 <m:sSubPr>
                                   <m:ctrlPr>
                                     <a:rPr lang="en-IN" sz="1800" b="0" i="1" smtClean="0">
-                                      <a:latin typeface="Cambria Math" panose="02040503050406030204" pitchFamily="18" charset="0"/>
+                                      <a:latin typeface="Cambria Math"/>
                                     </a:rPr>
                                   </m:ctrlPr>
                                 </m:sSubPr>
@@ -10147,7 +10147,7 @@
                                 <m:funcPr>
                                   <m:ctrlPr>
                                     <a:rPr lang="en-IN" sz="1800" b="0" i="1" smtClean="0">
-                                      <a:latin typeface="Cambria Math" panose="02040503050406030204" pitchFamily="18" charset="0"/>
+                                      <a:latin typeface="Cambria Math"/>
                                     </a:rPr>
                                   </m:ctrlPr>
                                 </m:funcPr>
@@ -10167,7 +10167,7 @@
                                     <m:sSubPr>
                                       <m:ctrlPr>
                                         <a:rPr lang="en-IN" sz="1800" b="0" i="1" smtClean="0">
-                                          <a:latin typeface="Cambria Math" panose="02040503050406030204" pitchFamily="18" charset="0"/>
+                                          <a:latin typeface="Cambria Math"/>
                                         </a:rPr>
                                       </m:ctrlPr>
                                     </m:sSubPr>
@@ -10251,7 +10251,7 @@
                       <m:sSubPr>
                         <m:ctrlPr>
                           <a:rPr lang="en-IN" sz="1800" i="1" smtClean="0">
-                            <a:latin typeface="Cambria Math" panose="02040503050406030204" pitchFamily="18" charset="0"/>
+                            <a:latin typeface="Cambria Math"/>
                           </a:rPr>
                         </m:ctrlPr>
                       </m:sSubPr>
@@ -10282,7 +10282,7 @@
                       <m:fPr>
                         <m:ctrlPr>
                           <a:rPr lang="en-IN" sz="1800" b="0" i="1" smtClean="0">
-                            <a:latin typeface="Cambria Math" panose="02040503050406030204" pitchFamily="18" charset="0"/>
+                            <a:latin typeface="Cambria Math"/>
                           </a:rPr>
                         </m:ctrlPr>
                       </m:fPr>
@@ -10416,7 +10416,7 @@
           <p:cNvPr id="4" name="Footer Placeholder 3">
             <a:extLst>
               <a:ext uri="{FF2B5EF4-FFF2-40B4-BE49-F238E27FC236}">
-                <a16:creationId xmlns:a16="http://schemas.microsoft.com/office/drawing/2014/main" id="{540972A1-4BB3-4D04-B4DF-C76BA9B5CAD8}"/>
+                <a16:creationId xmlns:a16="http://schemas.microsoft.com/office/drawing/2014/main" xmlns="" id="{540972A1-4BB3-4D04-B4DF-C76BA9B5CAD8}"/>
               </a:ext>
             </a:extLst>
           </p:cNvPr>
@@ -10445,7 +10445,7 @@
           <p:cNvPr id="5" name="Slide Number Placeholder 4">
             <a:extLst>
               <a:ext uri="{FF2B5EF4-FFF2-40B4-BE49-F238E27FC236}">
-                <a16:creationId xmlns:a16="http://schemas.microsoft.com/office/drawing/2014/main" id="{23B5C741-F1AB-463E-B229-974B2924B065}"/>
+                <a16:creationId xmlns:a16="http://schemas.microsoft.com/office/drawing/2014/main" xmlns="" id="{23B5C741-F1AB-463E-B229-974B2924B065}"/>
               </a:ext>
             </a:extLst>
           </p:cNvPr>
@@ -10504,7 +10504,7 @@
           <p:cNvPr id="2" name="Title 1">
             <a:extLst>
               <a:ext uri="{FF2B5EF4-FFF2-40B4-BE49-F238E27FC236}">
-                <a16:creationId xmlns:a16="http://schemas.microsoft.com/office/drawing/2014/main" id="{9F53C0E6-5CA5-48E1-B370-E678425399F4}"/>
+                <a16:creationId xmlns:a16="http://schemas.microsoft.com/office/drawing/2014/main" xmlns="" id="{9F53C0E6-5CA5-48E1-B370-E678425399F4}"/>
               </a:ext>
             </a:extLst>
           </p:cNvPr>
@@ -10537,7 +10537,7 @@
           <p:cNvPr id="3" name="Content Placeholder 2">
             <a:extLst>
               <a:ext uri="{FF2B5EF4-FFF2-40B4-BE49-F238E27FC236}">
-                <a16:creationId xmlns:a16="http://schemas.microsoft.com/office/drawing/2014/main" id="{F0A4581A-26B3-40E7-A945-90C4D9B58292}"/>
+                <a16:creationId xmlns:a16="http://schemas.microsoft.com/office/drawing/2014/main" xmlns="" id="{F0A4581A-26B3-40E7-A945-90C4D9B58292}"/>
               </a:ext>
             </a:extLst>
           </p:cNvPr>
@@ -10642,7 +10642,7 @@
           <p:cNvPr id="4" name="Footer Placeholder 3">
             <a:extLst>
               <a:ext uri="{FF2B5EF4-FFF2-40B4-BE49-F238E27FC236}">
-                <a16:creationId xmlns:a16="http://schemas.microsoft.com/office/drawing/2014/main" id="{540972A1-4BB3-4D04-B4DF-C76BA9B5CAD8}"/>
+                <a16:creationId xmlns:a16="http://schemas.microsoft.com/office/drawing/2014/main" xmlns="" id="{540972A1-4BB3-4D04-B4DF-C76BA9B5CAD8}"/>
               </a:ext>
             </a:extLst>
           </p:cNvPr>
@@ -10671,7 +10671,7 @@
           <p:cNvPr id="5" name="Slide Number Placeholder 4">
             <a:extLst>
               <a:ext uri="{FF2B5EF4-FFF2-40B4-BE49-F238E27FC236}">
-                <a16:creationId xmlns:a16="http://schemas.microsoft.com/office/drawing/2014/main" id="{23B5C741-F1AB-463E-B229-974B2924B065}"/>
+                <a16:creationId xmlns:a16="http://schemas.microsoft.com/office/drawing/2014/main" xmlns="" id="{23B5C741-F1AB-463E-B229-974B2924B065}"/>
               </a:ext>
             </a:extLst>
           </p:cNvPr>
@@ -10700,7 +10700,7 @@
           <p:cNvPr id="7" name="Picture 6" descr="Chart, histogram&#10;&#10;Description automatically generated">
             <a:extLst>
               <a:ext uri="{FF2B5EF4-FFF2-40B4-BE49-F238E27FC236}">
-                <a16:creationId xmlns:a16="http://schemas.microsoft.com/office/drawing/2014/main" id="{C4C3E85A-6B66-4125-B46B-BE7517BF0EFB}"/>
+                <a16:creationId xmlns:a16="http://schemas.microsoft.com/office/drawing/2014/main" xmlns="" id="{C4C3E85A-6B66-4125-B46B-BE7517BF0EFB}"/>
               </a:ext>
             </a:extLst>
           </p:cNvPr>
@@ -10766,7 +10766,7 @@
           <p:cNvPr id="2" name="Title 1">
             <a:extLst>
               <a:ext uri="{FF2B5EF4-FFF2-40B4-BE49-F238E27FC236}">
-                <a16:creationId xmlns:a16="http://schemas.microsoft.com/office/drawing/2014/main" id="{9F53C0E6-5CA5-48E1-B370-E678425399F4}"/>
+                <a16:creationId xmlns:a16="http://schemas.microsoft.com/office/drawing/2014/main" xmlns="" id="{9F53C0E6-5CA5-48E1-B370-E678425399F4}"/>
               </a:ext>
             </a:extLst>
           </p:cNvPr>
@@ -10799,7 +10799,7 @@
           <p:cNvPr id="3" name="Content Placeholder 2">
             <a:extLst>
               <a:ext uri="{FF2B5EF4-FFF2-40B4-BE49-F238E27FC236}">
-                <a16:creationId xmlns:a16="http://schemas.microsoft.com/office/drawing/2014/main" id="{F0A4581A-26B3-40E7-A945-90C4D9B58292}"/>
+                <a16:creationId xmlns:a16="http://schemas.microsoft.com/office/drawing/2014/main" xmlns="" id="{F0A4581A-26B3-40E7-A945-90C4D9B58292}"/>
               </a:ext>
             </a:extLst>
           </p:cNvPr>
@@ -11004,7 +11004,7 @@
           <p:cNvPr id="4" name="Footer Placeholder 3">
             <a:extLst>
               <a:ext uri="{FF2B5EF4-FFF2-40B4-BE49-F238E27FC236}">
-                <a16:creationId xmlns:a16="http://schemas.microsoft.com/office/drawing/2014/main" id="{540972A1-4BB3-4D04-B4DF-C76BA9B5CAD8}"/>
+                <a16:creationId xmlns:a16="http://schemas.microsoft.com/office/drawing/2014/main" xmlns="" id="{540972A1-4BB3-4D04-B4DF-C76BA9B5CAD8}"/>
               </a:ext>
             </a:extLst>
           </p:cNvPr>
@@ -11033,7 +11033,7 @@
           <p:cNvPr id="5" name="Slide Number Placeholder 4">
             <a:extLst>
               <a:ext uri="{FF2B5EF4-FFF2-40B4-BE49-F238E27FC236}">
-                <a16:creationId xmlns:a16="http://schemas.microsoft.com/office/drawing/2014/main" id="{23B5C741-F1AB-463E-B229-974B2924B065}"/>
+                <a16:creationId xmlns:a16="http://schemas.microsoft.com/office/drawing/2014/main" xmlns="" id="{23B5C741-F1AB-463E-B229-974B2924B065}"/>
               </a:ext>
             </a:extLst>
           </p:cNvPr>
@@ -11092,7 +11092,7 @@
           <p:cNvPr id="2" name="Title 1">
             <a:extLst>
               <a:ext uri="{FF2B5EF4-FFF2-40B4-BE49-F238E27FC236}">
-                <a16:creationId xmlns:a16="http://schemas.microsoft.com/office/drawing/2014/main" id="{9F53C0E6-5CA5-48E1-B370-E678425399F4}"/>
+                <a16:creationId xmlns:a16="http://schemas.microsoft.com/office/drawing/2014/main" xmlns="" id="{9F53C0E6-5CA5-48E1-B370-E678425399F4}"/>
               </a:ext>
             </a:extLst>
           </p:cNvPr>
@@ -11125,7 +11125,7 @@
           <p:cNvPr id="3" name="Content Placeholder 2">
             <a:extLst>
               <a:ext uri="{FF2B5EF4-FFF2-40B4-BE49-F238E27FC236}">
-                <a16:creationId xmlns:a16="http://schemas.microsoft.com/office/drawing/2014/main" id="{F0A4581A-26B3-40E7-A945-90C4D9B58292}"/>
+                <a16:creationId xmlns:a16="http://schemas.microsoft.com/office/drawing/2014/main" xmlns="" id="{F0A4581A-26B3-40E7-A945-90C4D9B58292}"/>
               </a:ext>
             </a:extLst>
           </p:cNvPr>
@@ -11230,7 +11230,7 @@
           <p:cNvPr id="4" name="Footer Placeholder 3">
             <a:extLst>
               <a:ext uri="{FF2B5EF4-FFF2-40B4-BE49-F238E27FC236}">
-                <a16:creationId xmlns:a16="http://schemas.microsoft.com/office/drawing/2014/main" id="{540972A1-4BB3-4D04-B4DF-C76BA9B5CAD8}"/>
+                <a16:creationId xmlns:a16="http://schemas.microsoft.com/office/drawing/2014/main" xmlns="" id="{540972A1-4BB3-4D04-B4DF-C76BA9B5CAD8}"/>
               </a:ext>
             </a:extLst>
           </p:cNvPr>
@@ -11259,7 +11259,7 @@
           <p:cNvPr id="5" name="Slide Number Placeholder 4">
             <a:extLst>
               <a:ext uri="{FF2B5EF4-FFF2-40B4-BE49-F238E27FC236}">
-                <a16:creationId xmlns:a16="http://schemas.microsoft.com/office/drawing/2014/main" id="{23B5C741-F1AB-463E-B229-974B2924B065}"/>
+                <a16:creationId xmlns:a16="http://schemas.microsoft.com/office/drawing/2014/main" xmlns="" id="{23B5C741-F1AB-463E-B229-974B2924B065}"/>
               </a:ext>
             </a:extLst>
           </p:cNvPr>
@@ -11288,7 +11288,7 @@
           <p:cNvPr id="6" name="Table 6">
             <a:extLst>
               <a:ext uri="{FF2B5EF4-FFF2-40B4-BE49-F238E27FC236}">
-                <a16:creationId xmlns:a16="http://schemas.microsoft.com/office/drawing/2014/main" id="{3708404E-0465-4362-9C24-B7FC57AE2CB7}"/>
+                <a16:creationId xmlns:a16="http://schemas.microsoft.com/office/drawing/2014/main" xmlns="" id="{3708404E-0465-4362-9C24-B7FC57AE2CB7}"/>
               </a:ext>
             </a:extLst>
           </p:cNvPr>
@@ -11320,14 +11320,14 @@
                 <a:gridCol w="652698">
                   <a:extLst>
                     <a:ext uri="{9D8B030D-6E8A-4147-A177-3AD203B41FA5}">
-                      <a16:colId xmlns:a16="http://schemas.microsoft.com/office/drawing/2014/main" val="1025995593"/>
+                      <a16:colId xmlns:a16="http://schemas.microsoft.com/office/drawing/2014/main" xmlns="" val="1025995593"/>
                     </a:ext>
                   </a:extLst>
                 </a:gridCol>
                 <a:gridCol w="8729841">
                   <a:extLst>
                     <a:ext uri="{9D8B030D-6E8A-4147-A177-3AD203B41FA5}">
-                      <a16:colId xmlns:a16="http://schemas.microsoft.com/office/drawing/2014/main" val="3397351854"/>
+                      <a16:colId xmlns:a16="http://schemas.microsoft.com/office/drawing/2014/main" xmlns="" val="3397351854"/>
                     </a:ext>
                   </a:extLst>
                 </a:gridCol>
@@ -11434,7 +11434,7 @@
                 </a:tc>
                 <a:extLst>
                   <a:ext uri="{0D108BD9-81ED-4DB2-BD59-A6C34878D82A}">
-                    <a16:rowId xmlns:a16="http://schemas.microsoft.com/office/drawing/2014/main" val="2451917870"/>
+                    <a16:rowId xmlns:a16="http://schemas.microsoft.com/office/drawing/2014/main" xmlns="" val="2451917870"/>
                   </a:ext>
                 </a:extLst>
               </a:tr>
@@ -11556,7 +11556,7 @@
                 </a:tc>
                 <a:extLst>
                   <a:ext uri="{0D108BD9-81ED-4DB2-BD59-A6C34878D82A}">
-                    <a16:rowId xmlns:a16="http://schemas.microsoft.com/office/drawing/2014/main" val="2102430626"/>
+                    <a16:rowId xmlns:a16="http://schemas.microsoft.com/office/drawing/2014/main" xmlns="" val="2102430626"/>
                   </a:ext>
                 </a:extLst>
               </a:tr>
@@ -11695,7 +11695,7 @@
                 </a:tc>
                 <a:extLst>
                   <a:ext uri="{0D108BD9-81ED-4DB2-BD59-A6C34878D82A}">
-                    <a16:rowId xmlns:a16="http://schemas.microsoft.com/office/drawing/2014/main" val="2818840102"/>
+                    <a16:rowId xmlns:a16="http://schemas.microsoft.com/office/drawing/2014/main" xmlns="" val="2818840102"/>
                   </a:ext>
                 </a:extLst>
               </a:tr>
@@ -11834,7 +11834,7 @@
                 </a:tc>
                 <a:extLst>
                   <a:ext uri="{0D108BD9-81ED-4DB2-BD59-A6C34878D82A}">
-                    <a16:rowId xmlns:a16="http://schemas.microsoft.com/office/drawing/2014/main" val="1961751626"/>
+                    <a16:rowId xmlns:a16="http://schemas.microsoft.com/office/drawing/2014/main" xmlns="" val="1961751626"/>
                   </a:ext>
                 </a:extLst>
               </a:tr>
@@ -11973,7 +11973,7 @@
                 </a:tc>
                 <a:extLst>
                   <a:ext uri="{0D108BD9-81ED-4DB2-BD59-A6C34878D82A}">
-                    <a16:rowId xmlns:a16="http://schemas.microsoft.com/office/drawing/2014/main" val="1585524039"/>
+                    <a16:rowId xmlns:a16="http://schemas.microsoft.com/office/drawing/2014/main" xmlns="" val="1585524039"/>
                   </a:ext>
                 </a:extLst>
               </a:tr>
@@ -12112,7 +12112,7 @@
                 </a:tc>
                 <a:extLst>
                   <a:ext uri="{0D108BD9-81ED-4DB2-BD59-A6C34878D82A}">
-                    <a16:rowId xmlns:a16="http://schemas.microsoft.com/office/drawing/2014/main" val="323600723"/>
+                    <a16:rowId xmlns:a16="http://schemas.microsoft.com/office/drawing/2014/main" xmlns="" val="323600723"/>
                   </a:ext>
                 </a:extLst>
               </a:tr>
@@ -12251,7 +12251,7 @@
                 </a:tc>
                 <a:extLst>
                   <a:ext uri="{0D108BD9-81ED-4DB2-BD59-A6C34878D82A}">
-                    <a16:rowId xmlns:a16="http://schemas.microsoft.com/office/drawing/2014/main" val="3508601488"/>
+                    <a16:rowId xmlns:a16="http://schemas.microsoft.com/office/drawing/2014/main" xmlns="" val="3508601488"/>
                   </a:ext>
                 </a:extLst>
               </a:tr>
@@ -12389,7 +12389,7 @@
                 </a:tc>
                 <a:extLst>
                   <a:ext uri="{0D108BD9-81ED-4DB2-BD59-A6C34878D82A}">
-                    <a16:rowId xmlns:a16="http://schemas.microsoft.com/office/drawing/2014/main" val="500996964"/>
+                    <a16:rowId xmlns:a16="http://schemas.microsoft.com/office/drawing/2014/main" xmlns="" val="500996964"/>
                   </a:ext>
                 </a:extLst>
               </a:tr>
@@ -12503,7 +12503,7 @@
                 </a:tc>
                 <a:extLst>
                   <a:ext uri="{0D108BD9-81ED-4DB2-BD59-A6C34878D82A}">
-                    <a16:rowId xmlns:a16="http://schemas.microsoft.com/office/drawing/2014/main" val="2211773331"/>
+                    <a16:rowId xmlns:a16="http://schemas.microsoft.com/office/drawing/2014/main" xmlns="" val="2211773331"/>
                   </a:ext>
                 </a:extLst>
               </a:tr>
@@ -12546,7 +12546,7 @@
           <p:cNvPr id="2" name="Title 1">
             <a:extLst>
               <a:ext uri="{FF2B5EF4-FFF2-40B4-BE49-F238E27FC236}">
-                <a16:creationId xmlns:a16="http://schemas.microsoft.com/office/drawing/2014/main" id="{9F53C0E6-5CA5-48E1-B370-E678425399F4}"/>
+                <a16:creationId xmlns:a16="http://schemas.microsoft.com/office/drawing/2014/main" xmlns="" id="{9F53C0E6-5CA5-48E1-B370-E678425399F4}"/>
               </a:ext>
             </a:extLst>
           </p:cNvPr>
@@ -12579,7 +12579,7 @@
           <p:cNvPr id="3" name="Content Placeholder 2">
             <a:extLst>
               <a:ext uri="{FF2B5EF4-FFF2-40B4-BE49-F238E27FC236}">
-                <a16:creationId xmlns:a16="http://schemas.microsoft.com/office/drawing/2014/main" id="{F0A4581A-26B3-40E7-A945-90C4D9B58292}"/>
+                <a16:creationId xmlns:a16="http://schemas.microsoft.com/office/drawing/2014/main" xmlns="" id="{F0A4581A-26B3-40E7-A945-90C4D9B58292}"/>
               </a:ext>
             </a:extLst>
           </p:cNvPr>
@@ -12847,7 +12847,7 @@
           <p:cNvPr id="4" name="Footer Placeholder 3">
             <a:extLst>
               <a:ext uri="{FF2B5EF4-FFF2-40B4-BE49-F238E27FC236}">
-                <a16:creationId xmlns:a16="http://schemas.microsoft.com/office/drawing/2014/main" id="{540972A1-4BB3-4D04-B4DF-C76BA9B5CAD8}"/>
+                <a16:creationId xmlns:a16="http://schemas.microsoft.com/office/drawing/2014/main" xmlns="" id="{540972A1-4BB3-4D04-B4DF-C76BA9B5CAD8}"/>
               </a:ext>
             </a:extLst>
           </p:cNvPr>
@@ -12876,7 +12876,7 @@
           <p:cNvPr id="5" name="Slide Number Placeholder 4">
             <a:extLst>
               <a:ext uri="{FF2B5EF4-FFF2-40B4-BE49-F238E27FC236}">
-                <a16:creationId xmlns:a16="http://schemas.microsoft.com/office/drawing/2014/main" id="{23B5C741-F1AB-463E-B229-974B2924B065}"/>
+                <a16:creationId xmlns:a16="http://schemas.microsoft.com/office/drawing/2014/main" xmlns="" id="{23B5C741-F1AB-463E-B229-974B2924B065}"/>
               </a:ext>
             </a:extLst>
           </p:cNvPr>
@@ -12905,7 +12905,7 @@
           <p:cNvPr id="6" name="Table 6">
             <a:extLst>
               <a:ext uri="{FF2B5EF4-FFF2-40B4-BE49-F238E27FC236}">
-                <a16:creationId xmlns:a16="http://schemas.microsoft.com/office/drawing/2014/main" id="{B5A67E9F-258D-4488-8F85-5457E84D83EF}"/>
+                <a16:creationId xmlns:a16="http://schemas.microsoft.com/office/drawing/2014/main" xmlns="" id="{B5A67E9F-258D-4488-8F85-5457E84D83EF}"/>
               </a:ext>
             </a:extLst>
           </p:cNvPr>
@@ -12934,14 +12934,14 @@
                 <a:gridCol w="4755874">
                   <a:extLst>
                     <a:ext uri="{9D8B030D-6E8A-4147-A177-3AD203B41FA5}">
-                      <a16:colId xmlns:a16="http://schemas.microsoft.com/office/drawing/2014/main" val="736955682"/>
+                      <a16:colId xmlns:a16="http://schemas.microsoft.com/office/drawing/2014/main" xmlns="" val="736955682"/>
                     </a:ext>
                   </a:extLst>
                 </a:gridCol>
                 <a:gridCol w="4755874">
                   <a:extLst>
                     <a:ext uri="{9D8B030D-6E8A-4147-A177-3AD203B41FA5}">
-                      <a16:colId xmlns:a16="http://schemas.microsoft.com/office/drawing/2014/main" val="637564705"/>
+                      <a16:colId xmlns:a16="http://schemas.microsoft.com/office/drawing/2014/main" xmlns="" val="637564705"/>
                     </a:ext>
                   </a:extLst>
                 </a:gridCol>
@@ -13023,7 +13023,7 @@
                 </a:tc>
                 <a:extLst>
                   <a:ext uri="{0D108BD9-81ED-4DB2-BD59-A6C34878D82A}">
-                    <a16:rowId xmlns:a16="http://schemas.microsoft.com/office/drawing/2014/main" val="2936873272"/>
+                    <a16:rowId xmlns:a16="http://schemas.microsoft.com/office/drawing/2014/main" xmlns="" val="2936873272"/>
                   </a:ext>
                 </a:extLst>
               </a:tr>
@@ -13100,7 +13100,7 @@
                 </a:tc>
                 <a:extLst>
                   <a:ext uri="{0D108BD9-81ED-4DB2-BD59-A6C34878D82A}">
-                    <a16:rowId xmlns:a16="http://schemas.microsoft.com/office/drawing/2014/main" val="2051995317"/>
+                    <a16:rowId xmlns:a16="http://schemas.microsoft.com/office/drawing/2014/main" xmlns="" val="2051995317"/>
                   </a:ext>
                 </a:extLst>
               </a:tr>
@@ -13174,7 +13174,7 @@
                 </a:tc>
                 <a:extLst>
                   <a:ext uri="{0D108BD9-81ED-4DB2-BD59-A6C34878D82A}">
-                    <a16:rowId xmlns:a16="http://schemas.microsoft.com/office/drawing/2014/main" val="3808994494"/>
+                    <a16:rowId xmlns:a16="http://schemas.microsoft.com/office/drawing/2014/main" xmlns="" val="3808994494"/>
                   </a:ext>
                 </a:extLst>
               </a:tr>
@@ -13217,7 +13217,7 @@
           <p:cNvPr id="2" name="Title 1">
             <a:extLst>
               <a:ext uri="{FF2B5EF4-FFF2-40B4-BE49-F238E27FC236}">
-                <a16:creationId xmlns:a16="http://schemas.microsoft.com/office/drawing/2014/main" id="{9F53C0E6-5CA5-48E1-B370-E678425399F4}"/>
+                <a16:creationId xmlns:a16="http://schemas.microsoft.com/office/drawing/2014/main" xmlns="" id="{9F53C0E6-5CA5-48E1-B370-E678425399F4}"/>
               </a:ext>
             </a:extLst>
           </p:cNvPr>
@@ -13250,7 +13250,7 @@
           <p:cNvPr id="3" name="Content Placeholder 2">
             <a:extLst>
               <a:ext uri="{FF2B5EF4-FFF2-40B4-BE49-F238E27FC236}">
-                <a16:creationId xmlns:a16="http://schemas.microsoft.com/office/drawing/2014/main" id="{F0A4581A-26B3-40E7-A945-90C4D9B58292}"/>
+                <a16:creationId xmlns:a16="http://schemas.microsoft.com/office/drawing/2014/main" xmlns="" id="{F0A4581A-26B3-40E7-A945-90C4D9B58292}"/>
               </a:ext>
             </a:extLst>
           </p:cNvPr>
@@ -13395,7 +13395,7 @@
           <p:cNvPr id="5" name="Picture 4">
             <a:extLst>
               <a:ext uri="{FF2B5EF4-FFF2-40B4-BE49-F238E27FC236}">
-                <a16:creationId xmlns:a16="http://schemas.microsoft.com/office/drawing/2014/main" id="{7E47B480-A1F1-498C-A3D5-AA5E72134EDB}"/>
+                <a16:creationId xmlns:a16="http://schemas.microsoft.com/office/drawing/2014/main" xmlns="" id="{7E47B480-A1F1-498C-A3D5-AA5E72134EDB}"/>
               </a:ext>
             </a:extLst>
           </p:cNvPr>
@@ -13431,7 +13431,7 @@
           <p:cNvPr id="6" name="TextBox 5">
             <a:extLst>
               <a:ext uri="{FF2B5EF4-FFF2-40B4-BE49-F238E27FC236}">
-                <a16:creationId xmlns:a16="http://schemas.microsoft.com/office/drawing/2014/main" id="{6EA1B5B0-566F-495F-89A1-3DADA4C9C5D7}"/>
+                <a16:creationId xmlns:a16="http://schemas.microsoft.com/office/drawing/2014/main" xmlns="" id="{6EA1B5B0-566F-495F-89A1-3DADA4C9C5D7}"/>
               </a:ext>
             </a:extLst>
           </p:cNvPr>
@@ -13494,7 +13494,7 @@
           <p:cNvPr id="7" name="Footer Placeholder 6">
             <a:extLst>
               <a:ext uri="{FF2B5EF4-FFF2-40B4-BE49-F238E27FC236}">
-                <a16:creationId xmlns:a16="http://schemas.microsoft.com/office/drawing/2014/main" id="{40B3E9F5-CEA5-49AC-85C6-B8339B793AF9}"/>
+                <a16:creationId xmlns:a16="http://schemas.microsoft.com/office/drawing/2014/main" xmlns="" id="{40B3E9F5-CEA5-49AC-85C6-B8339B793AF9}"/>
               </a:ext>
             </a:extLst>
           </p:cNvPr>
@@ -13523,7 +13523,7 @@
           <p:cNvPr id="8" name="Slide Number Placeholder 7">
             <a:extLst>
               <a:ext uri="{FF2B5EF4-FFF2-40B4-BE49-F238E27FC236}">
-                <a16:creationId xmlns:a16="http://schemas.microsoft.com/office/drawing/2014/main" id="{8DD8198B-D92C-41F5-9CF3-3B55147EB73A}"/>
+                <a16:creationId xmlns:a16="http://schemas.microsoft.com/office/drawing/2014/main" xmlns="" id="{8DD8198B-D92C-41F5-9CF3-3B55147EB73A}"/>
               </a:ext>
             </a:extLst>
           </p:cNvPr>
@@ -13582,7 +13582,7 @@
           <p:cNvPr id="2" name="Title 1">
             <a:extLst>
               <a:ext uri="{FF2B5EF4-FFF2-40B4-BE49-F238E27FC236}">
-                <a16:creationId xmlns:a16="http://schemas.microsoft.com/office/drawing/2014/main" id="{9F53C0E6-5CA5-48E1-B370-E678425399F4}"/>
+                <a16:creationId xmlns:a16="http://schemas.microsoft.com/office/drawing/2014/main" xmlns="" id="{9F53C0E6-5CA5-48E1-B370-E678425399F4}"/>
               </a:ext>
             </a:extLst>
           </p:cNvPr>
@@ -13615,7 +13615,7 @@
           <p:cNvPr id="3" name="Content Placeholder 2">
             <a:extLst>
               <a:ext uri="{FF2B5EF4-FFF2-40B4-BE49-F238E27FC236}">
-                <a16:creationId xmlns:a16="http://schemas.microsoft.com/office/drawing/2014/main" id="{F0A4581A-26B3-40E7-A945-90C4D9B58292}"/>
+                <a16:creationId xmlns:a16="http://schemas.microsoft.com/office/drawing/2014/main" xmlns="" id="{F0A4581A-26B3-40E7-A945-90C4D9B58292}"/>
               </a:ext>
             </a:extLst>
           </p:cNvPr>
@@ -13855,7 +13855,7 @@
           <p:cNvPr id="4" name="Footer Placeholder 3">
             <a:extLst>
               <a:ext uri="{FF2B5EF4-FFF2-40B4-BE49-F238E27FC236}">
-                <a16:creationId xmlns:a16="http://schemas.microsoft.com/office/drawing/2014/main" id="{540972A1-4BB3-4D04-B4DF-C76BA9B5CAD8}"/>
+                <a16:creationId xmlns:a16="http://schemas.microsoft.com/office/drawing/2014/main" xmlns="" id="{540972A1-4BB3-4D04-B4DF-C76BA9B5CAD8}"/>
               </a:ext>
             </a:extLst>
           </p:cNvPr>
@@ -13884,7 +13884,7 @@
           <p:cNvPr id="5" name="Slide Number Placeholder 4">
             <a:extLst>
               <a:ext uri="{FF2B5EF4-FFF2-40B4-BE49-F238E27FC236}">
-                <a16:creationId xmlns:a16="http://schemas.microsoft.com/office/drawing/2014/main" id="{23B5C741-F1AB-463E-B229-974B2924B065}"/>
+                <a16:creationId xmlns:a16="http://schemas.microsoft.com/office/drawing/2014/main" xmlns="" id="{23B5C741-F1AB-463E-B229-974B2924B065}"/>
               </a:ext>
             </a:extLst>
           </p:cNvPr>
@@ -13943,7 +13943,7 @@
           <p:cNvPr id="2" name="Title 1">
             <a:extLst>
               <a:ext uri="{FF2B5EF4-FFF2-40B4-BE49-F238E27FC236}">
-                <a16:creationId xmlns:a16="http://schemas.microsoft.com/office/drawing/2014/main" id="{9F53C0E6-5CA5-48E1-B370-E678425399F4}"/>
+                <a16:creationId xmlns:a16="http://schemas.microsoft.com/office/drawing/2014/main" xmlns="" id="{9F53C0E6-5CA5-48E1-B370-E678425399F4}"/>
               </a:ext>
             </a:extLst>
           </p:cNvPr>
@@ -13976,7 +13976,7 @@
           <p:cNvPr id="3" name="Content Placeholder 2">
             <a:extLst>
               <a:ext uri="{FF2B5EF4-FFF2-40B4-BE49-F238E27FC236}">
-                <a16:creationId xmlns:a16="http://schemas.microsoft.com/office/drawing/2014/main" id="{F0A4581A-26B3-40E7-A945-90C4D9B58292}"/>
+                <a16:creationId xmlns:a16="http://schemas.microsoft.com/office/drawing/2014/main" xmlns="" id="{F0A4581A-26B3-40E7-A945-90C4D9B58292}"/>
               </a:ext>
             </a:extLst>
           </p:cNvPr>
@@ -14287,7 +14287,7 @@
           <p:cNvPr id="4" name="Footer Placeholder 3">
             <a:extLst>
               <a:ext uri="{FF2B5EF4-FFF2-40B4-BE49-F238E27FC236}">
-                <a16:creationId xmlns:a16="http://schemas.microsoft.com/office/drawing/2014/main" id="{540972A1-4BB3-4D04-B4DF-C76BA9B5CAD8}"/>
+                <a16:creationId xmlns:a16="http://schemas.microsoft.com/office/drawing/2014/main" xmlns="" id="{540972A1-4BB3-4D04-B4DF-C76BA9B5CAD8}"/>
               </a:ext>
             </a:extLst>
           </p:cNvPr>
@@ -14316,7 +14316,7 @@
           <p:cNvPr id="5" name="Slide Number Placeholder 4">
             <a:extLst>
               <a:ext uri="{FF2B5EF4-FFF2-40B4-BE49-F238E27FC236}">
-                <a16:creationId xmlns:a16="http://schemas.microsoft.com/office/drawing/2014/main" id="{23B5C741-F1AB-463E-B229-974B2924B065}"/>
+                <a16:creationId xmlns:a16="http://schemas.microsoft.com/office/drawing/2014/main" xmlns="" id="{23B5C741-F1AB-463E-B229-974B2924B065}"/>
               </a:ext>
             </a:extLst>
           </p:cNvPr>
@@ -14345,7 +14345,7 @@
           <p:cNvPr id="7" name="Table 7">
             <a:extLst>
               <a:ext uri="{FF2B5EF4-FFF2-40B4-BE49-F238E27FC236}">
-                <a16:creationId xmlns:a16="http://schemas.microsoft.com/office/drawing/2014/main" id="{C1D7B18B-F719-4FA1-8099-62547C038289}"/>
+                <a16:creationId xmlns:a16="http://schemas.microsoft.com/office/drawing/2014/main" xmlns="" id="{C1D7B18B-F719-4FA1-8099-62547C038289}"/>
               </a:ext>
             </a:extLst>
           </p:cNvPr>
@@ -14374,14 +14374,14 @@
                 <a:gridCol w="4926497">
                   <a:extLst>
                     <a:ext uri="{9D8B030D-6E8A-4147-A177-3AD203B41FA5}">
-                      <a16:colId xmlns:a16="http://schemas.microsoft.com/office/drawing/2014/main" val="3034872970"/>
+                      <a16:colId xmlns:a16="http://schemas.microsoft.com/office/drawing/2014/main" xmlns="" val="3034872970"/>
                     </a:ext>
                   </a:extLst>
                 </a:gridCol>
                 <a:gridCol w="4598504">
                   <a:extLst>
                     <a:ext uri="{9D8B030D-6E8A-4147-A177-3AD203B41FA5}">
-                      <a16:colId xmlns:a16="http://schemas.microsoft.com/office/drawing/2014/main" val="2251918797"/>
+                      <a16:colId xmlns:a16="http://schemas.microsoft.com/office/drawing/2014/main" xmlns="" val="2251918797"/>
                     </a:ext>
                   </a:extLst>
                 </a:gridCol>
@@ -14523,7 +14523,7 @@
                 </a:tc>
                 <a:extLst>
                   <a:ext uri="{0D108BD9-81ED-4DB2-BD59-A6C34878D82A}">
-                    <a16:rowId xmlns:a16="http://schemas.microsoft.com/office/drawing/2014/main" val="2753114079"/>
+                    <a16:rowId xmlns:a16="http://schemas.microsoft.com/office/drawing/2014/main" xmlns="" val="2753114079"/>
                   </a:ext>
                 </a:extLst>
               </a:tr>
@@ -14664,7 +14664,7 @@
                 </a:tc>
                 <a:extLst>
                   <a:ext uri="{0D108BD9-81ED-4DB2-BD59-A6C34878D82A}">
-                    <a16:rowId xmlns:a16="http://schemas.microsoft.com/office/drawing/2014/main" val="769681522"/>
+                    <a16:rowId xmlns:a16="http://schemas.microsoft.com/office/drawing/2014/main" xmlns="" val="769681522"/>
                   </a:ext>
                 </a:extLst>
               </a:tr>
@@ -14786,7 +14786,7 @@
                 </a:tc>
                 <a:extLst>
                   <a:ext uri="{0D108BD9-81ED-4DB2-BD59-A6C34878D82A}">
-                    <a16:rowId xmlns:a16="http://schemas.microsoft.com/office/drawing/2014/main" val="647956420"/>
+                    <a16:rowId xmlns:a16="http://schemas.microsoft.com/office/drawing/2014/main" xmlns="" val="647956420"/>
                   </a:ext>
                 </a:extLst>
               </a:tr>
@@ -14799,7 +14799,7 @@
           <p:cNvPr id="9" name="Picture 8">
             <a:extLst>
               <a:ext uri="{FF2B5EF4-FFF2-40B4-BE49-F238E27FC236}">
-                <a16:creationId xmlns:a16="http://schemas.microsoft.com/office/drawing/2014/main" id="{E31162F2-89B2-4922-87BE-A47BDDD25745}"/>
+                <a16:creationId xmlns:a16="http://schemas.microsoft.com/office/drawing/2014/main" xmlns="" id="{E31162F2-89B2-4922-87BE-A47BDDD25745}"/>
               </a:ext>
             </a:extLst>
           </p:cNvPr>
@@ -14809,7 +14809,7 @@
           <p:nvPr/>
         </p:nvPicPr>
         <p:blipFill>
-          <a:blip r:embed="rId2">
+          <a:blip r:embed="rId2" cstate="print">
             <a:extLst>
               <a:ext uri="{28A0092B-C50C-407E-A947-70E740481C1C}">
                 <a14:useLocalDpi xmlns:a14="http://schemas.microsoft.com/office/drawing/2010/main" val="0"/>
@@ -14835,7 +14835,7 @@
           <p:cNvPr id="11" name="Table 11">
             <a:extLst>
               <a:ext uri="{FF2B5EF4-FFF2-40B4-BE49-F238E27FC236}">
-                <a16:creationId xmlns:a16="http://schemas.microsoft.com/office/drawing/2014/main" id="{BA7FDF9A-CB5A-4C69-B5F1-19EF9D82EEEA}"/>
+                <a16:creationId xmlns:a16="http://schemas.microsoft.com/office/drawing/2014/main" xmlns="" id="{BA7FDF9A-CB5A-4C69-B5F1-19EF9D82EEEA}"/>
               </a:ext>
             </a:extLst>
           </p:cNvPr>
@@ -14864,35 +14864,35 @@
                 <a:gridCol w="2087097">
                   <a:extLst>
                     <a:ext uri="{9D8B030D-6E8A-4147-A177-3AD203B41FA5}">
-                      <a16:colId xmlns:a16="http://schemas.microsoft.com/office/drawing/2014/main" val="1625993285"/>
+                      <a16:colId xmlns:a16="http://schemas.microsoft.com/office/drawing/2014/main" xmlns="" val="1625993285"/>
                     </a:ext>
                   </a:extLst>
                 </a:gridCol>
                 <a:gridCol w="2087097">
                   <a:extLst>
                     <a:ext uri="{9D8B030D-6E8A-4147-A177-3AD203B41FA5}">
-                      <a16:colId xmlns:a16="http://schemas.microsoft.com/office/drawing/2014/main" val="2002752227"/>
+                      <a16:colId xmlns:a16="http://schemas.microsoft.com/office/drawing/2014/main" xmlns="" val="2002752227"/>
                     </a:ext>
                   </a:extLst>
                 </a:gridCol>
                 <a:gridCol w="2087097">
                   <a:extLst>
                     <a:ext uri="{9D8B030D-6E8A-4147-A177-3AD203B41FA5}">
-                      <a16:colId xmlns:a16="http://schemas.microsoft.com/office/drawing/2014/main" val="1168972226"/>
+                      <a16:colId xmlns:a16="http://schemas.microsoft.com/office/drawing/2014/main" xmlns="" val="1168972226"/>
                     </a:ext>
                   </a:extLst>
                 </a:gridCol>
                 <a:gridCol w="2087097">
                   <a:extLst>
                     <a:ext uri="{9D8B030D-6E8A-4147-A177-3AD203B41FA5}">
-                      <a16:colId xmlns:a16="http://schemas.microsoft.com/office/drawing/2014/main" val="873165184"/>
+                      <a16:colId xmlns:a16="http://schemas.microsoft.com/office/drawing/2014/main" xmlns="" val="873165184"/>
                     </a:ext>
                   </a:extLst>
                 </a:gridCol>
                 <a:gridCol w="2087097">
                   <a:extLst>
                     <a:ext uri="{9D8B030D-6E8A-4147-A177-3AD203B41FA5}">
-                      <a16:colId xmlns:a16="http://schemas.microsoft.com/office/drawing/2014/main" val="1596955192"/>
+                      <a16:colId xmlns:a16="http://schemas.microsoft.com/office/drawing/2014/main" xmlns="" val="1596955192"/>
                     </a:ext>
                   </a:extLst>
                 </a:gridCol>
@@ -15091,7 +15091,7 @@
                 </a:tc>
                 <a:extLst>
                   <a:ext uri="{0D108BD9-81ED-4DB2-BD59-A6C34878D82A}">
-                    <a16:rowId xmlns:a16="http://schemas.microsoft.com/office/drawing/2014/main" val="1555510216"/>
+                    <a16:rowId xmlns:a16="http://schemas.microsoft.com/office/drawing/2014/main" xmlns="" val="1555510216"/>
                   </a:ext>
                 </a:extLst>
               </a:tr>
@@ -15273,7 +15273,7 @@
                 </a:tc>
                 <a:extLst>
                   <a:ext uri="{0D108BD9-81ED-4DB2-BD59-A6C34878D82A}">
-                    <a16:rowId xmlns:a16="http://schemas.microsoft.com/office/drawing/2014/main" val="1834948506"/>
+                    <a16:rowId xmlns:a16="http://schemas.microsoft.com/office/drawing/2014/main" xmlns="" val="1834948506"/>
                   </a:ext>
                 </a:extLst>
               </a:tr>
@@ -15286,7 +15286,7 @@
           <p:cNvPr id="13" name="Table 13">
             <a:extLst>
               <a:ext uri="{FF2B5EF4-FFF2-40B4-BE49-F238E27FC236}">
-                <a16:creationId xmlns:a16="http://schemas.microsoft.com/office/drawing/2014/main" id="{9F3A6247-5AAB-4C2D-B420-5D14AF0155D6}"/>
+                <a16:creationId xmlns:a16="http://schemas.microsoft.com/office/drawing/2014/main" xmlns="" id="{9F3A6247-5AAB-4C2D-B420-5D14AF0155D6}"/>
               </a:ext>
             </a:extLst>
           </p:cNvPr>
@@ -15315,21 +15315,21 @@
                 <a:gridCol w="3505200">
                   <a:extLst>
                     <a:ext uri="{9D8B030D-6E8A-4147-A177-3AD203B41FA5}">
-                      <a16:colId xmlns:a16="http://schemas.microsoft.com/office/drawing/2014/main" val="764850448"/>
+                      <a16:colId xmlns:a16="http://schemas.microsoft.com/office/drawing/2014/main" xmlns="" val="764850448"/>
                     </a:ext>
                   </a:extLst>
                 </a:gridCol>
                 <a:gridCol w="3505200">
                   <a:extLst>
                     <a:ext uri="{9D8B030D-6E8A-4147-A177-3AD203B41FA5}">
-                      <a16:colId xmlns:a16="http://schemas.microsoft.com/office/drawing/2014/main" val="348465865"/>
+                      <a16:colId xmlns:a16="http://schemas.microsoft.com/office/drawing/2014/main" xmlns="" val="348465865"/>
                     </a:ext>
                   </a:extLst>
                 </a:gridCol>
                 <a:gridCol w="3505200">
                   <a:extLst>
                     <a:ext uri="{9D8B030D-6E8A-4147-A177-3AD203B41FA5}">
-                      <a16:colId xmlns:a16="http://schemas.microsoft.com/office/drawing/2014/main" val="1848297289"/>
+                      <a16:colId xmlns:a16="http://schemas.microsoft.com/office/drawing/2014/main" xmlns="" val="1848297289"/>
                     </a:ext>
                   </a:extLst>
                 </a:gridCol>
@@ -15442,7 +15442,7 @@
                 </a:tc>
                 <a:extLst>
                   <a:ext uri="{0D108BD9-81ED-4DB2-BD59-A6C34878D82A}">
-                    <a16:rowId xmlns:a16="http://schemas.microsoft.com/office/drawing/2014/main" val="1174627282"/>
+                    <a16:rowId xmlns:a16="http://schemas.microsoft.com/office/drawing/2014/main" xmlns="" val="1174627282"/>
                   </a:ext>
                 </a:extLst>
               </a:tr>
@@ -15551,7 +15551,7 @@
                 </a:tc>
                 <a:extLst>
                   <a:ext uri="{0D108BD9-81ED-4DB2-BD59-A6C34878D82A}">
-                    <a16:rowId xmlns:a16="http://schemas.microsoft.com/office/drawing/2014/main" val="256008200"/>
+                    <a16:rowId xmlns:a16="http://schemas.microsoft.com/office/drawing/2014/main" xmlns="" val="256008200"/>
                   </a:ext>
                 </a:extLst>
               </a:tr>
@@ -15594,7 +15594,7 @@
           <p:cNvPr id="2" name="Title 1">
             <a:extLst>
               <a:ext uri="{FF2B5EF4-FFF2-40B4-BE49-F238E27FC236}">
-                <a16:creationId xmlns:a16="http://schemas.microsoft.com/office/drawing/2014/main" id="{9F53C0E6-5CA5-48E1-B370-E678425399F4}"/>
+                <a16:creationId xmlns:a16="http://schemas.microsoft.com/office/drawing/2014/main" xmlns="" id="{9F53C0E6-5CA5-48E1-B370-E678425399F4}"/>
               </a:ext>
             </a:extLst>
           </p:cNvPr>
@@ -15627,7 +15627,7 @@
           <p:cNvPr id="3" name="Content Placeholder 2">
             <a:extLst>
               <a:ext uri="{FF2B5EF4-FFF2-40B4-BE49-F238E27FC236}">
-                <a16:creationId xmlns:a16="http://schemas.microsoft.com/office/drawing/2014/main" id="{F0A4581A-26B3-40E7-A945-90C4D9B58292}"/>
+                <a16:creationId xmlns:a16="http://schemas.microsoft.com/office/drawing/2014/main" xmlns="" id="{F0A4581A-26B3-40E7-A945-90C4D9B58292}"/>
               </a:ext>
             </a:extLst>
           </p:cNvPr>
@@ -15683,7 +15683,7 @@
           <p:cNvPr id="4" name="Footer Placeholder 3">
             <a:extLst>
               <a:ext uri="{FF2B5EF4-FFF2-40B4-BE49-F238E27FC236}">
-                <a16:creationId xmlns:a16="http://schemas.microsoft.com/office/drawing/2014/main" id="{540972A1-4BB3-4D04-B4DF-C76BA9B5CAD8}"/>
+                <a16:creationId xmlns:a16="http://schemas.microsoft.com/office/drawing/2014/main" xmlns="" id="{540972A1-4BB3-4D04-B4DF-C76BA9B5CAD8}"/>
               </a:ext>
             </a:extLst>
           </p:cNvPr>
@@ -15712,7 +15712,7 @@
           <p:cNvPr id="5" name="Slide Number Placeholder 4">
             <a:extLst>
               <a:ext uri="{FF2B5EF4-FFF2-40B4-BE49-F238E27FC236}">
-                <a16:creationId xmlns:a16="http://schemas.microsoft.com/office/drawing/2014/main" id="{23B5C741-F1AB-463E-B229-974B2924B065}"/>
+                <a16:creationId xmlns:a16="http://schemas.microsoft.com/office/drawing/2014/main" xmlns="" id="{23B5C741-F1AB-463E-B229-974B2924B065}"/>
               </a:ext>
             </a:extLst>
           </p:cNvPr>
@@ -15741,7 +15741,7 @@
           <p:cNvPr id="6" name="Table 6">
             <a:extLst>
               <a:ext uri="{FF2B5EF4-FFF2-40B4-BE49-F238E27FC236}">
-                <a16:creationId xmlns:a16="http://schemas.microsoft.com/office/drawing/2014/main" id="{C1E06144-0F57-4633-A8CE-E9F59E0D6DD7}"/>
+                <a16:creationId xmlns:a16="http://schemas.microsoft.com/office/drawing/2014/main" xmlns="" id="{C1E06144-0F57-4633-A8CE-E9F59E0D6DD7}"/>
               </a:ext>
             </a:extLst>
           </p:cNvPr>
@@ -15770,28 +15770,28 @@
                 <a:gridCol w="699052">
                   <a:extLst>
                     <a:ext uri="{9D8B030D-6E8A-4147-A177-3AD203B41FA5}">
-                      <a16:colId xmlns:a16="http://schemas.microsoft.com/office/drawing/2014/main" val="3249865570"/>
+                      <a16:colId xmlns:a16="http://schemas.microsoft.com/office/drawing/2014/main" xmlns="" val="3249865570"/>
                     </a:ext>
                   </a:extLst>
                 </a:gridCol>
                 <a:gridCol w="4041913">
                   <a:extLst>
                     <a:ext uri="{9D8B030D-6E8A-4147-A177-3AD203B41FA5}">
-                      <a16:colId xmlns:a16="http://schemas.microsoft.com/office/drawing/2014/main" val="371997466"/>
+                      <a16:colId xmlns:a16="http://schemas.microsoft.com/office/drawing/2014/main" xmlns="" val="371997466"/>
                     </a:ext>
                   </a:extLst>
                 </a:gridCol>
                 <a:gridCol w="3472070">
                   <a:extLst>
                     <a:ext uri="{9D8B030D-6E8A-4147-A177-3AD203B41FA5}">
-                      <a16:colId xmlns:a16="http://schemas.microsoft.com/office/drawing/2014/main" val="4110403680"/>
+                      <a16:colId xmlns:a16="http://schemas.microsoft.com/office/drawing/2014/main" xmlns="" val="4110403680"/>
                     </a:ext>
                   </a:extLst>
                 </a:gridCol>
                 <a:gridCol w="2302566">
                   <a:extLst>
                     <a:ext uri="{9D8B030D-6E8A-4147-A177-3AD203B41FA5}">
-                      <a16:colId xmlns:a16="http://schemas.microsoft.com/office/drawing/2014/main" val="619988004"/>
+                      <a16:colId xmlns:a16="http://schemas.microsoft.com/office/drawing/2014/main" xmlns="" val="619988004"/>
                     </a:ext>
                   </a:extLst>
                 </a:gridCol>
@@ -15859,7 +15859,7 @@
                 </a:tc>
                 <a:extLst>
                   <a:ext uri="{0D108BD9-81ED-4DB2-BD59-A6C34878D82A}">
-                    <a16:rowId xmlns:a16="http://schemas.microsoft.com/office/drawing/2014/main" val="1587460518"/>
+                    <a16:rowId xmlns:a16="http://schemas.microsoft.com/office/drawing/2014/main" xmlns="" val="1587460518"/>
                   </a:ext>
                 </a:extLst>
               </a:tr>
@@ -15963,7 +15963,7 @@
                 </a:tc>
                 <a:extLst>
                   <a:ext uri="{0D108BD9-81ED-4DB2-BD59-A6C34878D82A}">
-                    <a16:rowId xmlns:a16="http://schemas.microsoft.com/office/drawing/2014/main" val="1114464614"/>
+                    <a16:rowId xmlns:a16="http://schemas.microsoft.com/office/drawing/2014/main" xmlns="" val="1114464614"/>
                   </a:ext>
                 </a:extLst>
               </a:tr>
@@ -16100,7 +16100,7 @@
                 </a:tc>
                 <a:extLst>
                   <a:ext uri="{0D108BD9-81ED-4DB2-BD59-A6C34878D82A}">
-                    <a16:rowId xmlns:a16="http://schemas.microsoft.com/office/drawing/2014/main" val="1453760822"/>
+                    <a16:rowId xmlns:a16="http://schemas.microsoft.com/office/drawing/2014/main" xmlns="" val="1453760822"/>
                   </a:ext>
                 </a:extLst>
               </a:tr>
@@ -16237,7 +16237,7 @@
                 </a:tc>
                 <a:extLst>
                   <a:ext uri="{0D108BD9-81ED-4DB2-BD59-A6C34878D82A}">
-                    <a16:rowId xmlns:a16="http://schemas.microsoft.com/office/drawing/2014/main" val="1675485532"/>
+                    <a16:rowId xmlns:a16="http://schemas.microsoft.com/office/drawing/2014/main" xmlns="" val="1675485532"/>
                   </a:ext>
                 </a:extLst>
               </a:tr>
@@ -16382,7 +16382,7 @@
                 </a:tc>
                 <a:extLst>
                   <a:ext uri="{0D108BD9-81ED-4DB2-BD59-A6C34878D82A}">
-                    <a16:rowId xmlns:a16="http://schemas.microsoft.com/office/drawing/2014/main" val="3784564789"/>
+                    <a16:rowId xmlns:a16="http://schemas.microsoft.com/office/drawing/2014/main" xmlns="" val="3784564789"/>
                   </a:ext>
                 </a:extLst>
               </a:tr>
@@ -16519,7 +16519,7 @@
                 </a:tc>
                 <a:extLst>
                   <a:ext uri="{0D108BD9-81ED-4DB2-BD59-A6C34878D82A}">
-                    <a16:rowId xmlns:a16="http://schemas.microsoft.com/office/drawing/2014/main" val="1456887150"/>
+                    <a16:rowId xmlns:a16="http://schemas.microsoft.com/office/drawing/2014/main" xmlns="" val="1456887150"/>
                   </a:ext>
                 </a:extLst>
               </a:tr>
@@ -16656,7 +16656,7 @@
                 </a:tc>
                 <a:extLst>
                   <a:ext uri="{0D108BD9-81ED-4DB2-BD59-A6C34878D82A}">
-                    <a16:rowId xmlns:a16="http://schemas.microsoft.com/office/drawing/2014/main" val="1307625920"/>
+                    <a16:rowId xmlns:a16="http://schemas.microsoft.com/office/drawing/2014/main" xmlns="" val="1307625920"/>
                   </a:ext>
                 </a:extLst>
               </a:tr>
@@ -16793,7 +16793,7 @@
                 </a:tc>
                 <a:extLst>
                   <a:ext uri="{0D108BD9-81ED-4DB2-BD59-A6C34878D82A}">
-                    <a16:rowId xmlns:a16="http://schemas.microsoft.com/office/drawing/2014/main" val="3029769833"/>
+                    <a16:rowId xmlns:a16="http://schemas.microsoft.com/office/drawing/2014/main" xmlns="" val="3029769833"/>
                   </a:ext>
                 </a:extLst>
               </a:tr>
@@ -16938,7 +16938,7 @@
                 </a:tc>
                 <a:extLst>
                   <a:ext uri="{0D108BD9-81ED-4DB2-BD59-A6C34878D82A}">
-                    <a16:rowId xmlns:a16="http://schemas.microsoft.com/office/drawing/2014/main" val="4181254745"/>
+                    <a16:rowId xmlns:a16="http://schemas.microsoft.com/office/drawing/2014/main" xmlns="" val="4181254745"/>
                   </a:ext>
                 </a:extLst>
               </a:tr>
@@ -17075,7 +17075,7 @@
                 </a:tc>
                 <a:extLst>
                   <a:ext uri="{0D108BD9-81ED-4DB2-BD59-A6C34878D82A}">
-                    <a16:rowId xmlns:a16="http://schemas.microsoft.com/office/drawing/2014/main" val="2828916017"/>
+                    <a16:rowId xmlns:a16="http://schemas.microsoft.com/office/drawing/2014/main" xmlns="" val="2828916017"/>
                   </a:ext>
                 </a:extLst>
               </a:tr>
@@ -17212,7 +17212,7 @@
                 </a:tc>
                 <a:extLst>
                   <a:ext uri="{0D108BD9-81ED-4DB2-BD59-A6C34878D82A}">
-                    <a16:rowId xmlns:a16="http://schemas.microsoft.com/office/drawing/2014/main" val="45773675"/>
+                    <a16:rowId xmlns:a16="http://schemas.microsoft.com/office/drawing/2014/main" xmlns="" val="45773675"/>
                   </a:ext>
                 </a:extLst>
               </a:tr>
@@ -17349,7 +17349,7 @@
                 </a:tc>
                 <a:extLst>
                   <a:ext uri="{0D108BD9-81ED-4DB2-BD59-A6C34878D82A}">
-                    <a16:rowId xmlns:a16="http://schemas.microsoft.com/office/drawing/2014/main" val="4067745190"/>
+                    <a16:rowId xmlns:a16="http://schemas.microsoft.com/office/drawing/2014/main" xmlns="" val="4067745190"/>
                   </a:ext>
                 </a:extLst>
               </a:tr>
@@ -17486,7 +17486,7 @@
                 </a:tc>
                 <a:extLst>
                   <a:ext uri="{0D108BD9-81ED-4DB2-BD59-A6C34878D82A}">
-                    <a16:rowId xmlns:a16="http://schemas.microsoft.com/office/drawing/2014/main" val="705947826"/>
+                    <a16:rowId xmlns:a16="http://schemas.microsoft.com/office/drawing/2014/main" xmlns="" val="705947826"/>
                   </a:ext>
                 </a:extLst>
               </a:tr>
@@ -17529,7 +17529,7 @@
           <p:cNvPr id="2" name="Title 1">
             <a:extLst>
               <a:ext uri="{FF2B5EF4-FFF2-40B4-BE49-F238E27FC236}">
-                <a16:creationId xmlns:a16="http://schemas.microsoft.com/office/drawing/2014/main" id="{9F53C0E6-5CA5-48E1-B370-E678425399F4}"/>
+                <a16:creationId xmlns:a16="http://schemas.microsoft.com/office/drawing/2014/main" xmlns="" id="{9F53C0E6-5CA5-48E1-B370-E678425399F4}"/>
               </a:ext>
             </a:extLst>
           </p:cNvPr>
@@ -17562,7 +17562,7 @@
           <p:cNvPr id="6" name="Table 6">
             <a:extLst>
               <a:ext uri="{FF2B5EF4-FFF2-40B4-BE49-F238E27FC236}">
-                <a16:creationId xmlns:a16="http://schemas.microsoft.com/office/drawing/2014/main" id="{57899852-00E4-48D5-8493-D7C3F071DA03}"/>
+                <a16:creationId xmlns:a16="http://schemas.microsoft.com/office/drawing/2014/main" xmlns="" id="{57899852-00E4-48D5-8493-D7C3F071DA03}"/>
               </a:ext>
             </a:extLst>
           </p:cNvPr>
@@ -17592,28 +17592,28 @@
                 <a:gridCol w="659293">
                   <a:extLst>
                     <a:ext uri="{9D8B030D-6E8A-4147-A177-3AD203B41FA5}">
-                      <a16:colId xmlns:a16="http://schemas.microsoft.com/office/drawing/2014/main" val="3967142194"/>
+                      <a16:colId xmlns:a16="http://schemas.microsoft.com/office/drawing/2014/main" xmlns="" val="3967142194"/>
                     </a:ext>
                   </a:extLst>
                 </a:gridCol>
                 <a:gridCol w="4850295">
                   <a:extLst>
                     <a:ext uri="{9D8B030D-6E8A-4147-A177-3AD203B41FA5}">
-                      <a16:colId xmlns:a16="http://schemas.microsoft.com/office/drawing/2014/main" val="845744349"/>
+                      <a16:colId xmlns:a16="http://schemas.microsoft.com/office/drawing/2014/main" xmlns="" val="845744349"/>
                     </a:ext>
                   </a:extLst>
                 </a:gridCol>
                 <a:gridCol w="3286539">
                   <a:extLst>
                     <a:ext uri="{9D8B030D-6E8A-4147-A177-3AD203B41FA5}">
-                      <a16:colId xmlns:a16="http://schemas.microsoft.com/office/drawing/2014/main" val="3119492930"/>
+                      <a16:colId xmlns:a16="http://schemas.microsoft.com/office/drawing/2014/main" xmlns="" val="3119492930"/>
                     </a:ext>
                   </a:extLst>
                 </a:gridCol>
                 <a:gridCol w="1719469">
                   <a:extLst>
                     <a:ext uri="{9D8B030D-6E8A-4147-A177-3AD203B41FA5}">
-                      <a16:colId xmlns:a16="http://schemas.microsoft.com/office/drawing/2014/main" val="2461260376"/>
+                      <a16:colId xmlns:a16="http://schemas.microsoft.com/office/drawing/2014/main" xmlns="" val="2461260376"/>
                     </a:ext>
                   </a:extLst>
                 </a:gridCol>
@@ -17689,7 +17689,7 @@
                 </a:tc>
                 <a:extLst>
                   <a:ext uri="{0D108BD9-81ED-4DB2-BD59-A6C34878D82A}">
-                    <a16:rowId xmlns:a16="http://schemas.microsoft.com/office/drawing/2014/main" val="338402846"/>
+                    <a16:rowId xmlns:a16="http://schemas.microsoft.com/office/drawing/2014/main" xmlns="" val="338402846"/>
                   </a:ext>
                 </a:extLst>
               </a:tr>
@@ -17828,7 +17828,7 @@
                 </a:tc>
                 <a:extLst>
                   <a:ext uri="{0D108BD9-81ED-4DB2-BD59-A6C34878D82A}">
-                    <a16:rowId xmlns:a16="http://schemas.microsoft.com/office/drawing/2014/main" val="53499860"/>
+                    <a16:rowId xmlns:a16="http://schemas.microsoft.com/office/drawing/2014/main" xmlns="" val="53499860"/>
                   </a:ext>
                 </a:extLst>
               </a:tr>
@@ -17975,7 +17975,7 @@
                 </a:tc>
                 <a:extLst>
                   <a:ext uri="{0D108BD9-81ED-4DB2-BD59-A6C34878D82A}">
-                    <a16:rowId xmlns:a16="http://schemas.microsoft.com/office/drawing/2014/main" val="1809846653"/>
+                    <a16:rowId xmlns:a16="http://schemas.microsoft.com/office/drawing/2014/main" xmlns="" val="1809846653"/>
                   </a:ext>
                 </a:extLst>
               </a:tr>
@@ -18114,7 +18114,7 @@
                 </a:tc>
                 <a:extLst>
                   <a:ext uri="{0D108BD9-81ED-4DB2-BD59-A6C34878D82A}">
-                    <a16:rowId xmlns:a16="http://schemas.microsoft.com/office/drawing/2014/main" val="1274676589"/>
+                    <a16:rowId xmlns:a16="http://schemas.microsoft.com/office/drawing/2014/main" xmlns="" val="1274676589"/>
                   </a:ext>
                 </a:extLst>
               </a:tr>
@@ -18253,7 +18253,7 @@
                 </a:tc>
                 <a:extLst>
                   <a:ext uri="{0D108BD9-81ED-4DB2-BD59-A6C34878D82A}">
-                    <a16:rowId xmlns:a16="http://schemas.microsoft.com/office/drawing/2014/main" val="1630406459"/>
+                    <a16:rowId xmlns:a16="http://schemas.microsoft.com/office/drawing/2014/main" xmlns="" val="1630406459"/>
                   </a:ext>
                 </a:extLst>
               </a:tr>
@@ -18392,7 +18392,7 @@
                 </a:tc>
                 <a:extLst>
                   <a:ext uri="{0D108BD9-81ED-4DB2-BD59-A6C34878D82A}">
-                    <a16:rowId xmlns:a16="http://schemas.microsoft.com/office/drawing/2014/main" val="706789959"/>
+                    <a16:rowId xmlns:a16="http://schemas.microsoft.com/office/drawing/2014/main" xmlns="" val="706789959"/>
                   </a:ext>
                 </a:extLst>
               </a:tr>
@@ -18531,7 +18531,7 @@
                 </a:tc>
                 <a:extLst>
                   <a:ext uri="{0D108BD9-81ED-4DB2-BD59-A6C34878D82A}">
-                    <a16:rowId xmlns:a16="http://schemas.microsoft.com/office/drawing/2014/main" val="1355822850"/>
+                    <a16:rowId xmlns:a16="http://schemas.microsoft.com/office/drawing/2014/main" xmlns="" val="1355822850"/>
                   </a:ext>
                 </a:extLst>
               </a:tr>
@@ -18678,7 +18678,7 @@
                 </a:tc>
                 <a:extLst>
                   <a:ext uri="{0D108BD9-81ED-4DB2-BD59-A6C34878D82A}">
-                    <a16:rowId xmlns:a16="http://schemas.microsoft.com/office/drawing/2014/main" val="3995620060"/>
+                    <a16:rowId xmlns:a16="http://schemas.microsoft.com/office/drawing/2014/main" xmlns="" val="3995620060"/>
                   </a:ext>
                 </a:extLst>
               </a:tr>
@@ -18817,7 +18817,7 @@
                 </a:tc>
                 <a:extLst>
                   <a:ext uri="{0D108BD9-81ED-4DB2-BD59-A6C34878D82A}">
-                    <a16:rowId xmlns:a16="http://schemas.microsoft.com/office/drawing/2014/main" val="928072493"/>
+                    <a16:rowId xmlns:a16="http://schemas.microsoft.com/office/drawing/2014/main" xmlns="" val="928072493"/>
                   </a:ext>
                 </a:extLst>
               </a:tr>
@@ -18956,7 +18956,7 @@
                 </a:tc>
                 <a:extLst>
                   <a:ext uri="{0D108BD9-81ED-4DB2-BD59-A6C34878D82A}">
-                    <a16:rowId xmlns:a16="http://schemas.microsoft.com/office/drawing/2014/main" val="3507017606"/>
+                    <a16:rowId xmlns:a16="http://schemas.microsoft.com/office/drawing/2014/main" xmlns="" val="3507017606"/>
                   </a:ext>
                 </a:extLst>
               </a:tr>
@@ -19095,7 +19095,7 @@
                 </a:tc>
                 <a:extLst>
                   <a:ext uri="{0D108BD9-81ED-4DB2-BD59-A6C34878D82A}">
-                    <a16:rowId xmlns:a16="http://schemas.microsoft.com/office/drawing/2014/main" val="4140124172"/>
+                    <a16:rowId xmlns:a16="http://schemas.microsoft.com/office/drawing/2014/main" xmlns="" val="4140124172"/>
                   </a:ext>
                 </a:extLst>
               </a:tr>
@@ -19234,7 +19234,7 @@
                 </a:tc>
                 <a:extLst>
                   <a:ext uri="{0D108BD9-81ED-4DB2-BD59-A6C34878D82A}">
-                    <a16:rowId xmlns:a16="http://schemas.microsoft.com/office/drawing/2014/main" val="4284254439"/>
+                    <a16:rowId xmlns:a16="http://schemas.microsoft.com/office/drawing/2014/main" xmlns="" val="4284254439"/>
                   </a:ext>
                 </a:extLst>
               </a:tr>
@@ -19381,7 +19381,7 @@
                 </a:tc>
                 <a:extLst>
                   <a:ext uri="{0D108BD9-81ED-4DB2-BD59-A6C34878D82A}">
-                    <a16:rowId xmlns:a16="http://schemas.microsoft.com/office/drawing/2014/main" val="1615818627"/>
+                    <a16:rowId xmlns:a16="http://schemas.microsoft.com/office/drawing/2014/main" xmlns="" val="1615818627"/>
                   </a:ext>
                 </a:extLst>
               </a:tr>
@@ -19394,7 +19394,7 @@
           <p:cNvPr id="4" name="Footer Placeholder 3">
             <a:extLst>
               <a:ext uri="{FF2B5EF4-FFF2-40B4-BE49-F238E27FC236}">
-                <a16:creationId xmlns:a16="http://schemas.microsoft.com/office/drawing/2014/main" id="{540972A1-4BB3-4D04-B4DF-C76BA9B5CAD8}"/>
+                <a16:creationId xmlns:a16="http://schemas.microsoft.com/office/drawing/2014/main" xmlns="" id="{540972A1-4BB3-4D04-B4DF-C76BA9B5CAD8}"/>
               </a:ext>
             </a:extLst>
           </p:cNvPr>
@@ -19423,7 +19423,7 @@
           <p:cNvPr id="5" name="Slide Number Placeholder 4">
             <a:extLst>
               <a:ext uri="{FF2B5EF4-FFF2-40B4-BE49-F238E27FC236}">
-                <a16:creationId xmlns:a16="http://schemas.microsoft.com/office/drawing/2014/main" id="{23B5C741-F1AB-463E-B229-974B2924B065}"/>
+                <a16:creationId xmlns:a16="http://schemas.microsoft.com/office/drawing/2014/main" xmlns="" id="{23B5C741-F1AB-463E-B229-974B2924B065}"/>
               </a:ext>
             </a:extLst>
           </p:cNvPr>
@@ -19452,7 +19452,7 @@
           <p:cNvPr id="7" name="TextBox 6">
             <a:extLst>
               <a:ext uri="{FF2B5EF4-FFF2-40B4-BE49-F238E27FC236}">
-                <a16:creationId xmlns:a16="http://schemas.microsoft.com/office/drawing/2014/main" id="{D3EFAF3B-6ACA-4777-8366-4A6C243E7E2F}"/>
+                <a16:creationId xmlns:a16="http://schemas.microsoft.com/office/drawing/2014/main" xmlns="" id="{D3EFAF3B-6ACA-4777-8366-4A6C243E7E2F}"/>
               </a:ext>
             </a:extLst>
           </p:cNvPr>
@@ -19533,7 +19533,7 @@
           <p:cNvPr id="2" name="Title 1">
             <a:extLst>
               <a:ext uri="{FF2B5EF4-FFF2-40B4-BE49-F238E27FC236}">
-                <a16:creationId xmlns:a16="http://schemas.microsoft.com/office/drawing/2014/main" id="{9F53C0E6-5CA5-48E1-B370-E678425399F4}"/>
+                <a16:creationId xmlns:a16="http://schemas.microsoft.com/office/drawing/2014/main" xmlns="" id="{9F53C0E6-5CA5-48E1-B370-E678425399F4}"/>
               </a:ext>
             </a:extLst>
           </p:cNvPr>
@@ -19566,7 +19566,7 @@
           <p:cNvPr id="3" name="Content Placeholder 2">
             <a:extLst>
               <a:ext uri="{FF2B5EF4-FFF2-40B4-BE49-F238E27FC236}">
-                <a16:creationId xmlns:a16="http://schemas.microsoft.com/office/drawing/2014/main" id="{F0A4581A-26B3-40E7-A945-90C4D9B58292}"/>
+                <a16:creationId xmlns:a16="http://schemas.microsoft.com/office/drawing/2014/main" xmlns="" id="{F0A4581A-26B3-40E7-A945-90C4D9B58292}"/>
               </a:ext>
             </a:extLst>
           </p:cNvPr>
@@ -19683,7 +19683,7 @@
           <p:cNvPr id="4" name="Footer Placeholder 3">
             <a:extLst>
               <a:ext uri="{FF2B5EF4-FFF2-40B4-BE49-F238E27FC236}">
-                <a16:creationId xmlns:a16="http://schemas.microsoft.com/office/drawing/2014/main" id="{540972A1-4BB3-4D04-B4DF-C76BA9B5CAD8}"/>
+                <a16:creationId xmlns:a16="http://schemas.microsoft.com/office/drawing/2014/main" xmlns="" id="{540972A1-4BB3-4D04-B4DF-C76BA9B5CAD8}"/>
               </a:ext>
             </a:extLst>
           </p:cNvPr>
@@ -19712,7 +19712,7 @@
           <p:cNvPr id="5" name="Slide Number Placeholder 4">
             <a:extLst>
               <a:ext uri="{FF2B5EF4-FFF2-40B4-BE49-F238E27FC236}">
-                <a16:creationId xmlns:a16="http://schemas.microsoft.com/office/drawing/2014/main" id="{23B5C741-F1AB-463E-B229-974B2924B065}"/>
+                <a16:creationId xmlns:a16="http://schemas.microsoft.com/office/drawing/2014/main" xmlns="" id="{23B5C741-F1AB-463E-B229-974B2924B065}"/>
               </a:ext>
             </a:extLst>
           </p:cNvPr>
@@ -19771,7 +19771,7 @@
           <p:cNvPr id="2" name="Title 1">
             <a:extLst>
               <a:ext uri="{FF2B5EF4-FFF2-40B4-BE49-F238E27FC236}">
-                <a16:creationId xmlns:a16="http://schemas.microsoft.com/office/drawing/2014/main" id="{9F53C0E6-5CA5-48E1-B370-E678425399F4}"/>
+                <a16:creationId xmlns:a16="http://schemas.microsoft.com/office/drawing/2014/main" xmlns="" id="{9F53C0E6-5CA5-48E1-B370-E678425399F4}"/>
               </a:ext>
             </a:extLst>
           </p:cNvPr>
@@ -19804,7 +19804,7 @@
           <p:cNvPr id="3" name="Content Placeholder 2">
             <a:extLst>
               <a:ext uri="{FF2B5EF4-FFF2-40B4-BE49-F238E27FC236}">
-                <a16:creationId xmlns:a16="http://schemas.microsoft.com/office/drawing/2014/main" id="{F0A4581A-26B3-40E7-A945-90C4D9B58292}"/>
+                <a16:creationId xmlns:a16="http://schemas.microsoft.com/office/drawing/2014/main" xmlns="" id="{F0A4581A-26B3-40E7-A945-90C4D9B58292}"/>
               </a:ext>
             </a:extLst>
           </p:cNvPr>
@@ -19901,7 +19901,7 @@
           <p:cNvPr id="4" name="Footer Placeholder 3">
             <a:extLst>
               <a:ext uri="{FF2B5EF4-FFF2-40B4-BE49-F238E27FC236}">
-                <a16:creationId xmlns:a16="http://schemas.microsoft.com/office/drawing/2014/main" id="{540972A1-4BB3-4D04-B4DF-C76BA9B5CAD8}"/>
+                <a16:creationId xmlns:a16="http://schemas.microsoft.com/office/drawing/2014/main" xmlns="" id="{540972A1-4BB3-4D04-B4DF-C76BA9B5CAD8}"/>
               </a:ext>
             </a:extLst>
           </p:cNvPr>
@@ -19930,7 +19930,7 @@
           <p:cNvPr id="5" name="Slide Number Placeholder 4">
             <a:extLst>
               <a:ext uri="{FF2B5EF4-FFF2-40B4-BE49-F238E27FC236}">
-                <a16:creationId xmlns:a16="http://schemas.microsoft.com/office/drawing/2014/main" id="{23B5C741-F1AB-463E-B229-974B2924B065}"/>
+                <a16:creationId xmlns:a16="http://schemas.microsoft.com/office/drawing/2014/main" xmlns="" id="{23B5C741-F1AB-463E-B229-974B2924B065}"/>
               </a:ext>
             </a:extLst>
           </p:cNvPr>
@@ -19959,7 +19959,7 @@
           <p:cNvPr id="7" name="Picture 6" descr="Table&#10;&#10;Description automatically generated">
             <a:extLst>
               <a:ext uri="{FF2B5EF4-FFF2-40B4-BE49-F238E27FC236}">
-                <a16:creationId xmlns:a16="http://schemas.microsoft.com/office/drawing/2014/main" id="{1253A37B-2D79-4AD6-846F-6D1D987D327F}"/>
+                <a16:creationId xmlns:a16="http://schemas.microsoft.com/office/drawing/2014/main" xmlns="" id="{1253A37B-2D79-4AD6-846F-6D1D987D327F}"/>
               </a:ext>
             </a:extLst>
           </p:cNvPr>
@@ -20025,7 +20025,7 @@
           <p:cNvPr id="2" name="Title 1">
             <a:extLst>
               <a:ext uri="{FF2B5EF4-FFF2-40B4-BE49-F238E27FC236}">
-                <a16:creationId xmlns:a16="http://schemas.microsoft.com/office/drawing/2014/main" id="{9F53C0E6-5CA5-48E1-B370-E678425399F4}"/>
+                <a16:creationId xmlns:a16="http://schemas.microsoft.com/office/drawing/2014/main" xmlns="" id="{9F53C0E6-5CA5-48E1-B370-E678425399F4}"/>
               </a:ext>
             </a:extLst>
           </p:cNvPr>
@@ -20058,7 +20058,7 @@
           <p:cNvPr id="3" name="Content Placeholder 2">
             <a:extLst>
               <a:ext uri="{FF2B5EF4-FFF2-40B4-BE49-F238E27FC236}">
-                <a16:creationId xmlns:a16="http://schemas.microsoft.com/office/drawing/2014/main" id="{F0A4581A-26B3-40E7-A945-90C4D9B58292}"/>
+                <a16:creationId xmlns:a16="http://schemas.microsoft.com/office/drawing/2014/main" xmlns="" id="{F0A4581A-26B3-40E7-A945-90C4D9B58292}"/>
               </a:ext>
             </a:extLst>
           </p:cNvPr>
@@ -20278,7 +20278,7 @@
           <p:cNvPr id="4" name="Footer Placeholder 3">
             <a:extLst>
               <a:ext uri="{FF2B5EF4-FFF2-40B4-BE49-F238E27FC236}">
-                <a16:creationId xmlns:a16="http://schemas.microsoft.com/office/drawing/2014/main" id="{540972A1-4BB3-4D04-B4DF-C76BA9B5CAD8}"/>
+                <a16:creationId xmlns:a16="http://schemas.microsoft.com/office/drawing/2014/main" xmlns="" id="{540972A1-4BB3-4D04-B4DF-C76BA9B5CAD8}"/>
               </a:ext>
             </a:extLst>
           </p:cNvPr>
@@ -20307,7 +20307,7 @@
           <p:cNvPr id="5" name="Slide Number Placeholder 4">
             <a:extLst>
               <a:ext uri="{FF2B5EF4-FFF2-40B4-BE49-F238E27FC236}">
-                <a16:creationId xmlns:a16="http://schemas.microsoft.com/office/drawing/2014/main" id="{23B5C741-F1AB-463E-B229-974B2924B065}"/>
+                <a16:creationId xmlns:a16="http://schemas.microsoft.com/office/drawing/2014/main" xmlns="" id="{23B5C741-F1AB-463E-B229-974B2924B065}"/>
               </a:ext>
             </a:extLst>
           </p:cNvPr>
@@ -20336,7 +20336,7 @@
           <p:cNvPr id="7" name="Table 7">
             <a:extLst>
               <a:ext uri="{FF2B5EF4-FFF2-40B4-BE49-F238E27FC236}">
-                <a16:creationId xmlns:a16="http://schemas.microsoft.com/office/drawing/2014/main" id="{13889562-6D48-4151-A7F7-697C6BB79C94}"/>
+                <a16:creationId xmlns:a16="http://schemas.microsoft.com/office/drawing/2014/main" xmlns="" id="{13889562-6D48-4151-A7F7-697C6BB79C94}"/>
               </a:ext>
             </a:extLst>
           </p:cNvPr>
@@ -20365,42 +20365,42 @@
                 <a:gridCol w="895994">
                   <a:extLst>
                     <a:ext uri="{9D8B030D-6E8A-4147-A177-3AD203B41FA5}">
-                      <a16:colId xmlns:a16="http://schemas.microsoft.com/office/drawing/2014/main" val="3470491924"/>
+                      <a16:colId xmlns:a16="http://schemas.microsoft.com/office/drawing/2014/main" xmlns="" val="3470491924"/>
                     </a:ext>
                   </a:extLst>
                 </a:gridCol>
                 <a:gridCol w="895994">
                   <a:extLst>
                     <a:ext uri="{9D8B030D-6E8A-4147-A177-3AD203B41FA5}">
-                      <a16:colId xmlns:a16="http://schemas.microsoft.com/office/drawing/2014/main" val="2502966855"/>
+                      <a16:colId xmlns:a16="http://schemas.microsoft.com/office/drawing/2014/main" xmlns="" val="2502966855"/>
                     </a:ext>
                   </a:extLst>
                 </a:gridCol>
                 <a:gridCol w="895994">
                   <a:extLst>
                     <a:ext uri="{9D8B030D-6E8A-4147-A177-3AD203B41FA5}">
-                      <a16:colId xmlns:a16="http://schemas.microsoft.com/office/drawing/2014/main" val="1083158815"/>
+                      <a16:colId xmlns:a16="http://schemas.microsoft.com/office/drawing/2014/main" xmlns="" val="1083158815"/>
                     </a:ext>
                   </a:extLst>
                 </a:gridCol>
                 <a:gridCol w="895994">
                   <a:extLst>
                     <a:ext uri="{9D8B030D-6E8A-4147-A177-3AD203B41FA5}">
-                      <a16:colId xmlns:a16="http://schemas.microsoft.com/office/drawing/2014/main" val="4121210064"/>
+                      <a16:colId xmlns:a16="http://schemas.microsoft.com/office/drawing/2014/main" xmlns="" val="4121210064"/>
                     </a:ext>
                   </a:extLst>
                 </a:gridCol>
                 <a:gridCol w="895994">
                   <a:extLst>
                     <a:ext uri="{9D8B030D-6E8A-4147-A177-3AD203B41FA5}">
-                      <a16:colId xmlns:a16="http://schemas.microsoft.com/office/drawing/2014/main" val="141701959"/>
+                      <a16:colId xmlns:a16="http://schemas.microsoft.com/office/drawing/2014/main" xmlns="" val="141701959"/>
                     </a:ext>
                   </a:extLst>
                 </a:gridCol>
                 <a:gridCol w="895994">
                   <a:extLst>
                     <a:ext uri="{9D8B030D-6E8A-4147-A177-3AD203B41FA5}">
-                      <a16:colId xmlns:a16="http://schemas.microsoft.com/office/drawing/2014/main" val="3461793176"/>
+                      <a16:colId xmlns:a16="http://schemas.microsoft.com/office/drawing/2014/main" xmlns="" val="3461793176"/>
                     </a:ext>
                   </a:extLst>
                 </a:gridCol>
@@ -20489,7 +20489,7 @@
                 </a:tc>
                 <a:extLst>
                   <a:ext uri="{0D108BD9-81ED-4DB2-BD59-A6C34878D82A}">
-                    <a16:rowId xmlns:a16="http://schemas.microsoft.com/office/drawing/2014/main" val="2651531398"/>
+                    <a16:rowId xmlns:a16="http://schemas.microsoft.com/office/drawing/2014/main" xmlns="" val="2651531398"/>
                   </a:ext>
                 </a:extLst>
               </a:tr>
@@ -20580,7 +20580,7 @@
                 </a:tc>
                 <a:extLst>
                   <a:ext uri="{0D108BD9-81ED-4DB2-BD59-A6C34878D82A}">
-                    <a16:rowId xmlns:a16="http://schemas.microsoft.com/office/drawing/2014/main" val="3540775974"/>
+                    <a16:rowId xmlns:a16="http://schemas.microsoft.com/office/drawing/2014/main" xmlns="" val="3540775974"/>
                   </a:ext>
                 </a:extLst>
               </a:tr>
@@ -20671,7 +20671,7 @@
                 </a:tc>
                 <a:extLst>
                   <a:ext uri="{0D108BD9-81ED-4DB2-BD59-A6C34878D82A}">
-                    <a16:rowId xmlns:a16="http://schemas.microsoft.com/office/drawing/2014/main" val="2368716598"/>
+                    <a16:rowId xmlns:a16="http://schemas.microsoft.com/office/drawing/2014/main" xmlns="" val="2368716598"/>
                   </a:ext>
                 </a:extLst>
               </a:tr>
@@ -20762,7 +20762,7 @@
                 </a:tc>
                 <a:extLst>
                   <a:ext uri="{0D108BD9-81ED-4DB2-BD59-A6C34878D82A}">
-                    <a16:rowId xmlns:a16="http://schemas.microsoft.com/office/drawing/2014/main" val="3942807443"/>
+                    <a16:rowId xmlns:a16="http://schemas.microsoft.com/office/drawing/2014/main" xmlns="" val="3942807443"/>
                   </a:ext>
                 </a:extLst>
               </a:tr>
@@ -20853,7 +20853,7 @@
                 </a:tc>
                 <a:extLst>
                   <a:ext uri="{0D108BD9-81ED-4DB2-BD59-A6C34878D82A}">
-                    <a16:rowId xmlns:a16="http://schemas.microsoft.com/office/drawing/2014/main" val="1314220991"/>
+                    <a16:rowId xmlns:a16="http://schemas.microsoft.com/office/drawing/2014/main" xmlns="" val="1314220991"/>
                   </a:ext>
                 </a:extLst>
               </a:tr>
@@ -20944,7 +20944,7 @@
                 </a:tc>
                 <a:extLst>
                   <a:ext uri="{0D108BD9-81ED-4DB2-BD59-A6C34878D82A}">
-                    <a16:rowId xmlns:a16="http://schemas.microsoft.com/office/drawing/2014/main" val="2799734191"/>
+                    <a16:rowId xmlns:a16="http://schemas.microsoft.com/office/drawing/2014/main" xmlns="" val="2799734191"/>
                   </a:ext>
                 </a:extLst>
               </a:tr>
@@ -20957,7 +20957,7 @@
           <p:cNvPr id="8" name="TextBox 7">
             <a:extLst>
               <a:ext uri="{FF2B5EF4-FFF2-40B4-BE49-F238E27FC236}">
-                <a16:creationId xmlns:a16="http://schemas.microsoft.com/office/drawing/2014/main" id="{FA61114D-D3FC-4884-80F9-86AD98153890}"/>
+                <a16:creationId xmlns:a16="http://schemas.microsoft.com/office/drawing/2014/main" xmlns="" id="{FA61114D-D3FC-4884-80F9-86AD98153890}"/>
               </a:ext>
             </a:extLst>
           </p:cNvPr>
@@ -21020,7 +21020,7 @@
           <p:cNvPr id="2" name="Title 1">
             <a:extLst>
               <a:ext uri="{FF2B5EF4-FFF2-40B4-BE49-F238E27FC236}">
-                <a16:creationId xmlns:a16="http://schemas.microsoft.com/office/drawing/2014/main" id="{9F53C0E6-5CA5-48E1-B370-E678425399F4}"/>
+                <a16:creationId xmlns:a16="http://schemas.microsoft.com/office/drawing/2014/main" xmlns="" id="{9F53C0E6-5CA5-48E1-B370-E678425399F4}"/>
               </a:ext>
             </a:extLst>
           </p:cNvPr>
@@ -21053,7 +21053,7 @@
           <p:cNvPr id="3" name="Content Placeholder 2">
             <a:extLst>
               <a:ext uri="{FF2B5EF4-FFF2-40B4-BE49-F238E27FC236}">
-                <a16:creationId xmlns:a16="http://schemas.microsoft.com/office/drawing/2014/main" id="{F0A4581A-26B3-40E7-A945-90C4D9B58292}"/>
+                <a16:creationId xmlns:a16="http://schemas.microsoft.com/office/drawing/2014/main" xmlns="" id="{F0A4581A-26B3-40E7-A945-90C4D9B58292}"/>
               </a:ext>
             </a:extLst>
           </p:cNvPr>
@@ -21185,7 +21185,7 @@
           <p:cNvPr id="4" name="Footer Placeholder 3">
             <a:extLst>
               <a:ext uri="{FF2B5EF4-FFF2-40B4-BE49-F238E27FC236}">
-                <a16:creationId xmlns:a16="http://schemas.microsoft.com/office/drawing/2014/main" id="{540972A1-4BB3-4D04-B4DF-C76BA9B5CAD8}"/>
+                <a16:creationId xmlns:a16="http://schemas.microsoft.com/office/drawing/2014/main" xmlns="" id="{540972A1-4BB3-4D04-B4DF-C76BA9B5CAD8}"/>
               </a:ext>
             </a:extLst>
           </p:cNvPr>
@@ -21214,7 +21214,7 @@
           <p:cNvPr id="5" name="Slide Number Placeholder 4">
             <a:extLst>
               <a:ext uri="{FF2B5EF4-FFF2-40B4-BE49-F238E27FC236}">
-                <a16:creationId xmlns:a16="http://schemas.microsoft.com/office/drawing/2014/main" id="{23B5C741-F1AB-463E-B229-974B2924B065}"/>
+                <a16:creationId xmlns:a16="http://schemas.microsoft.com/office/drawing/2014/main" xmlns="" id="{23B5C741-F1AB-463E-B229-974B2924B065}"/>
               </a:ext>
             </a:extLst>
           </p:cNvPr>
@@ -21243,7 +21243,7 @@
           <p:cNvPr id="7" name="Picture 6" descr="A picture containing flower, plant&#10;&#10;Description automatically generated">
             <a:extLst>
               <a:ext uri="{FF2B5EF4-FFF2-40B4-BE49-F238E27FC236}">
-                <a16:creationId xmlns:a16="http://schemas.microsoft.com/office/drawing/2014/main" id="{E590613B-9711-44BB-88CD-E80C9F360942}"/>
+                <a16:creationId xmlns:a16="http://schemas.microsoft.com/office/drawing/2014/main" xmlns="" id="{E590613B-9711-44BB-88CD-E80C9F360942}"/>
               </a:ext>
             </a:extLst>
           </p:cNvPr>
@@ -21253,7 +21253,7 @@
           <p:nvPr/>
         </p:nvPicPr>
         <p:blipFill>
-          <a:blip r:embed="rId2">
+          <a:blip r:embed="rId2" cstate="print">
             <a:extLst>
               <a:ext uri="{28A0092B-C50C-407E-A947-70E740481C1C}">
                 <a14:useLocalDpi xmlns:a14="http://schemas.microsoft.com/office/drawing/2010/main" val="0"/>
@@ -21279,7 +21279,7 @@
           <p:cNvPr id="55" name="TextBox 54">
             <a:extLst>
               <a:ext uri="{FF2B5EF4-FFF2-40B4-BE49-F238E27FC236}">
-                <a16:creationId xmlns:a16="http://schemas.microsoft.com/office/drawing/2014/main" id="{ABC053D8-1D60-491C-8C05-8510DEC9846D}"/>
+                <a16:creationId xmlns:a16="http://schemas.microsoft.com/office/drawing/2014/main" xmlns="" id="{ABC053D8-1D60-491C-8C05-8510DEC9846D}"/>
               </a:ext>
             </a:extLst>
           </p:cNvPr>
@@ -21314,7 +21314,7 @@
           <p:cNvPr id="60" name="Rectangle: Rounded Corners 59">
             <a:extLst>
               <a:ext uri="{FF2B5EF4-FFF2-40B4-BE49-F238E27FC236}">
-                <a16:creationId xmlns:a16="http://schemas.microsoft.com/office/drawing/2014/main" id="{77262999-EA30-4547-BB0B-9605235117BD}"/>
+                <a16:creationId xmlns:a16="http://schemas.microsoft.com/office/drawing/2014/main" xmlns="" id="{77262999-EA30-4547-BB0B-9605235117BD}"/>
               </a:ext>
             </a:extLst>
           </p:cNvPr>
@@ -21361,7 +21361,7 @@
           <p:cNvPr id="61" name="Rectangle: Rounded Corners 60">
             <a:extLst>
               <a:ext uri="{FF2B5EF4-FFF2-40B4-BE49-F238E27FC236}">
-                <a16:creationId xmlns:a16="http://schemas.microsoft.com/office/drawing/2014/main" id="{0B5A71C4-686A-41F6-8026-EA717B20E47A}"/>
+                <a16:creationId xmlns:a16="http://schemas.microsoft.com/office/drawing/2014/main" xmlns="" id="{0B5A71C4-686A-41F6-8026-EA717B20E47A}"/>
               </a:ext>
             </a:extLst>
           </p:cNvPr>
@@ -21408,7 +21408,7 @@
           <p:cNvPr id="62" name="Cube 61">
             <a:extLst>
               <a:ext uri="{FF2B5EF4-FFF2-40B4-BE49-F238E27FC236}">
-                <a16:creationId xmlns:a16="http://schemas.microsoft.com/office/drawing/2014/main" id="{A50A7870-F043-458E-ADB3-CA407EC8C651}"/>
+                <a16:creationId xmlns:a16="http://schemas.microsoft.com/office/drawing/2014/main" xmlns="" id="{A50A7870-F043-458E-ADB3-CA407EC8C651}"/>
               </a:ext>
             </a:extLst>
           </p:cNvPr>
@@ -21457,7 +21457,7 @@
           <p:cNvPr id="64" name="Straight Arrow Connector 63">
             <a:extLst>
               <a:ext uri="{FF2B5EF4-FFF2-40B4-BE49-F238E27FC236}">
-                <a16:creationId xmlns:a16="http://schemas.microsoft.com/office/drawing/2014/main" id="{9AAE4B16-278D-4463-98E3-CEC20EB645D6}"/>
+                <a16:creationId xmlns:a16="http://schemas.microsoft.com/office/drawing/2014/main" xmlns="" id="{9AAE4B16-278D-4463-98E3-CEC20EB645D6}"/>
               </a:ext>
             </a:extLst>
           </p:cNvPr>
@@ -21498,7 +21498,7 @@
           <p:cNvPr id="65" name="Oval 64">
             <a:extLst>
               <a:ext uri="{FF2B5EF4-FFF2-40B4-BE49-F238E27FC236}">
-                <a16:creationId xmlns:a16="http://schemas.microsoft.com/office/drawing/2014/main" id="{69B63072-9CAF-4C4D-9D55-18A9DA12FF78}"/>
+                <a16:creationId xmlns:a16="http://schemas.microsoft.com/office/drawing/2014/main" xmlns="" id="{69B63072-9CAF-4C4D-9D55-18A9DA12FF78}"/>
               </a:ext>
             </a:extLst>
           </p:cNvPr>
@@ -21545,7 +21545,7 @@
           <p:cNvPr id="67" name="Straight Arrow Connector 66">
             <a:extLst>
               <a:ext uri="{FF2B5EF4-FFF2-40B4-BE49-F238E27FC236}">
-                <a16:creationId xmlns:a16="http://schemas.microsoft.com/office/drawing/2014/main" id="{6FE0B3CA-BF63-4224-BB40-A60BA0CB3186}"/>
+                <a16:creationId xmlns:a16="http://schemas.microsoft.com/office/drawing/2014/main" xmlns="" id="{6FE0B3CA-BF63-4224-BB40-A60BA0CB3186}"/>
               </a:ext>
             </a:extLst>
           </p:cNvPr>
@@ -21586,7 +21586,7 @@
           <p:cNvPr id="68" name="Flowchart: Connector 67">
             <a:extLst>
               <a:ext uri="{FF2B5EF4-FFF2-40B4-BE49-F238E27FC236}">
-                <a16:creationId xmlns:a16="http://schemas.microsoft.com/office/drawing/2014/main" id="{52A4764B-AC85-461E-81C1-7E0DEFD128F9}"/>
+                <a16:creationId xmlns:a16="http://schemas.microsoft.com/office/drawing/2014/main" xmlns="" id="{52A4764B-AC85-461E-81C1-7E0DEFD128F9}"/>
               </a:ext>
             </a:extLst>
           </p:cNvPr>
@@ -21635,7 +21635,7 @@
           <p:cNvPr id="70" name="Straight Arrow Connector 69">
             <a:extLst>
               <a:ext uri="{FF2B5EF4-FFF2-40B4-BE49-F238E27FC236}">
-                <a16:creationId xmlns:a16="http://schemas.microsoft.com/office/drawing/2014/main" id="{9A524E1E-B8FA-49AD-A180-E17FB7703810}"/>
+                <a16:creationId xmlns:a16="http://schemas.microsoft.com/office/drawing/2014/main" xmlns="" id="{9A524E1E-B8FA-49AD-A180-E17FB7703810}"/>
               </a:ext>
             </a:extLst>
           </p:cNvPr>
@@ -21677,7 +21677,7 @@
           <p:cNvPr id="72" name="Straight Arrow Connector 71">
             <a:extLst>
               <a:ext uri="{FF2B5EF4-FFF2-40B4-BE49-F238E27FC236}">
-                <a16:creationId xmlns:a16="http://schemas.microsoft.com/office/drawing/2014/main" id="{41EED0A4-8D29-4A17-8402-C86AB5466503}"/>
+                <a16:creationId xmlns:a16="http://schemas.microsoft.com/office/drawing/2014/main" xmlns="" id="{41EED0A4-8D29-4A17-8402-C86AB5466503}"/>
               </a:ext>
             </a:extLst>
           </p:cNvPr>
@@ -21719,7 +21719,7 @@
           <p:cNvPr id="73" name="Rectangle 72">
             <a:extLst>
               <a:ext uri="{FF2B5EF4-FFF2-40B4-BE49-F238E27FC236}">
-                <a16:creationId xmlns:a16="http://schemas.microsoft.com/office/drawing/2014/main" id="{20B855DC-6E11-4F0F-B419-483C77840FB2}"/>
+                <a16:creationId xmlns:a16="http://schemas.microsoft.com/office/drawing/2014/main" xmlns="" id="{20B855DC-6E11-4F0F-B419-483C77840FB2}"/>
               </a:ext>
             </a:extLst>
           </p:cNvPr>
@@ -21778,7 +21778,7 @@
           <p:cNvPr id="75" name="Straight Arrow Connector 74">
             <a:extLst>
               <a:ext uri="{FF2B5EF4-FFF2-40B4-BE49-F238E27FC236}">
-                <a16:creationId xmlns:a16="http://schemas.microsoft.com/office/drawing/2014/main" id="{B308EC2E-A589-41CD-8D54-0886B5E9C26E}"/>
+                <a16:creationId xmlns:a16="http://schemas.microsoft.com/office/drawing/2014/main" xmlns="" id="{B308EC2E-A589-41CD-8D54-0886B5E9C26E}"/>
               </a:ext>
             </a:extLst>
           </p:cNvPr>
@@ -21820,7 +21820,7 @@
           <p:cNvPr id="87" name="Straight Arrow Connector 86">
             <a:extLst>
               <a:ext uri="{FF2B5EF4-FFF2-40B4-BE49-F238E27FC236}">
-                <a16:creationId xmlns:a16="http://schemas.microsoft.com/office/drawing/2014/main" id="{0F3E3441-B224-4F9D-A90B-48CA8F2DF3D1}"/>
+                <a16:creationId xmlns:a16="http://schemas.microsoft.com/office/drawing/2014/main" xmlns="" id="{0F3E3441-B224-4F9D-A90B-48CA8F2DF3D1}"/>
               </a:ext>
             </a:extLst>
           </p:cNvPr>
@@ -21861,7 +21861,7 @@
           <p:cNvPr id="90" name="Oval 89">
             <a:extLst>
               <a:ext uri="{FF2B5EF4-FFF2-40B4-BE49-F238E27FC236}">
-                <a16:creationId xmlns:a16="http://schemas.microsoft.com/office/drawing/2014/main" id="{AB3B930A-2C71-4545-8622-114E3E812C90}"/>
+                <a16:creationId xmlns:a16="http://schemas.microsoft.com/office/drawing/2014/main" xmlns="" id="{AB3B930A-2C71-4545-8622-114E3E812C90}"/>
               </a:ext>
             </a:extLst>
           </p:cNvPr>
@@ -21908,7 +21908,7 @@
           <p:cNvPr id="91" name="TextBox 90">
             <a:extLst>
               <a:ext uri="{FF2B5EF4-FFF2-40B4-BE49-F238E27FC236}">
-                <a16:creationId xmlns:a16="http://schemas.microsoft.com/office/drawing/2014/main" id="{6CDE4D12-2455-480E-A996-1006C85A1C98}"/>
+                <a16:creationId xmlns:a16="http://schemas.microsoft.com/office/drawing/2014/main" xmlns="" id="{6CDE4D12-2455-480E-A996-1006C85A1C98}"/>
               </a:ext>
             </a:extLst>
           </p:cNvPr>
@@ -21944,7 +21944,7 @@
           <p:cNvPr id="6" name="Table 7">
             <a:extLst>
               <a:ext uri="{FF2B5EF4-FFF2-40B4-BE49-F238E27FC236}">
-                <a16:creationId xmlns:a16="http://schemas.microsoft.com/office/drawing/2014/main" id="{96F9D78C-9CE6-4E8B-8138-21F7DC5A3D47}"/>
+                <a16:creationId xmlns:a16="http://schemas.microsoft.com/office/drawing/2014/main" xmlns="" id="{96F9D78C-9CE6-4E8B-8138-21F7DC5A3D47}"/>
               </a:ext>
             </a:extLst>
           </p:cNvPr>
@@ -21973,14 +21973,14 @@
                 <a:gridCol w="4915664">
                   <a:extLst>
                     <a:ext uri="{9D8B030D-6E8A-4147-A177-3AD203B41FA5}">
-                      <a16:colId xmlns:a16="http://schemas.microsoft.com/office/drawing/2014/main" val="343336883"/>
+                      <a16:colId xmlns:a16="http://schemas.microsoft.com/office/drawing/2014/main" xmlns="" val="343336883"/>
                     </a:ext>
                   </a:extLst>
                 </a:gridCol>
                 <a:gridCol w="5562600">
                   <a:extLst>
                     <a:ext uri="{9D8B030D-6E8A-4147-A177-3AD203B41FA5}">
-                      <a16:colId xmlns:a16="http://schemas.microsoft.com/office/drawing/2014/main" val="1847998"/>
+                      <a16:colId xmlns:a16="http://schemas.microsoft.com/office/drawing/2014/main" xmlns="" val="1847998"/>
                     </a:ext>
                   </a:extLst>
                 </a:gridCol>
@@ -22070,7 +22070,7 @@
                 </a:tc>
                 <a:extLst>
                   <a:ext uri="{0D108BD9-81ED-4DB2-BD59-A6C34878D82A}">
-                    <a16:rowId xmlns:a16="http://schemas.microsoft.com/office/drawing/2014/main" val="3841246588"/>
+                    <a16:rowId xmlns:a16="http://schemas.microsoft.com/office/drawing/2014/main" xmlns="" val="3841246588"/>
                   </a:ext>
                 </a:extLst>
               </a:tr>
@@ -22163,7 +22163,7 @@
                 </a:tc>
                 <a:extLst>
                   <a:ext uri="{0D108BD9-81ED-4DB2-BD59-A6C34878D82A}">
-                    <a16:rowId xmlns:a16="http://schemas.microsoft.com/office/drawing/2014/main" val="529798467"/>
+                    <a16:rowId xmlns:a16="http://schemas.microsoft.com/office/drawing/2014/main" xmlns="" val="529798467"/>
                   </a:ext>
                 </a:extLst>
               </a:tr>
@@ -22206,7 +22206,7 @@
           <p:cNvPr id="2" name="Title 1">
             <a:extLst>
               <a:ext uri="{FF2B5EF4-FFF2-40B4-BE49-F238E27FC236}">
-                <a16:creationId xmlns:a16="http://schemas.microsoft.com/office/drawing/2014/main" id="{9F53C0E6-5CA5-48E1-B370-E678425399F4}"/>
+                <a16:creationId xmlns:a16="http://schemas.microsoft.com/office/drawing/2014/main" xmlns="" id="{9F53C0E6-5CA5-48E1-B370-E678425399F4}"/>
               </a:ext>
             </a:extLst>
           </p:cNvPr>
@@ -22239,7 +22239,7 @@
           <p:cNvPr id="3" name="Content Placeholder 2">
             <a:extLst>
               <a:ext uri="{FF2B5EF4-FFF2-40B4-BE49-F238E27FC236}">
-                <a16:creationId xmlns:a16="http://schemas.microsoft.com/office/drawing/2014/main" id="{F0A4581A-26B3-40E7-A945-90C4D9B58292}"/>
+                <a16:creationId xmlns:a16="http://schemas.microsoft.com/office/drawing/2014/main" xmlns="" id="{F0A4581A-26B3-40E7-A945-90C4D9B58292}"/>
               </a:ext>
             </a:extLst>
           </p:cNvPr>
@@ -22476,7 +22476,7 @@
           <p:cNvPr id="4" name="Footer Placeholder 3">
             <a:extLst>
               <a:ext uri="{FF2B5EF4-FFF2-40B4-BE49-F238E27FC236}">
-                <a16:creationId xmlns:a16="http://schemas.microsoft.com/office/drawing/2014/main" id="{540972A1-4BB3-4D04-B4DF-C76BA9B5CAD8}"/>
+                <a16:creationId xmlns:a16="http://schemas.microsoft.com/office/drawing/2014/main" xmlns="" id="{540972A1-4BB3-4D04-B4DF-C76BA9B5CAD8}"/>
               </a:ext>
             </a:extLst>
           </p:cNvPr>
@@ -22505,7 +22505,7 @@
           <p:cNvPr id="5" name="Slide Number Placeholder 4">
             <a:extLst>
               <a:ext uri="{FF2B5EF4-FFF2-40B4-BE49-F238E27FC236}">
-                <a16:creationId xmlns:a16="http://schemas.microsoft.com/office/drawing/2014/main" id="{23B5C741-F1AB-463E-B229-974B2924B065}"/>
+                <a16:creationId xmlns:a16="http://schemas.microsoft.com/office/drawing/2014/main" xmlns="" id="{23B5C741-F1AB-463E-B229-974B2924B065}"/>
               </a:ext>
             </a:extLst>
           </p:cNvPr>
@@ -22534,7 +22534,7 @@
           <p:cNvPr id="6" name="Table 6">
             <a:extLst>
               <a:ext uri="{FF2B5EF4-FFF2-40B4-BE49-F238E27FC236}">
-                <a16:creationId xmlns:a16="http://schemas.microsoft.com/office/drawing/2014/main" id="{A3F1691A-8B2D-4A44-AE82-EFC7DA8C4460}"/>
+                <a16:creationId xmlns:a16="http://schemas.microsoft.com/office/drawing/2014/main" xmlns="" id="{A3F1691A-8B2D-4A44-AE82-EFC7DA8C4460}"/>
               </a:ext>
             </a:extLst>
           </p:cNvPr>
@@ -22563,14 +22563,14 @@
                 <a:gridCol w="697948">
                   <a:extLst>
                     <a:ext uri="{9D8B030D-6E8A-4147-A177-3AD203B41FA5}">
-                      <a16:colId xmlns:a16="http://schemas.microsoft.com/office/drawing/2014/main" val="1162103489"/>
+                      <a16:colId xmlns:a16="http://schemas.microsoft.com/office/drawing/2014/main" xmlns="" val="1162103489"/>
                     </a:ext>
                   </a:extLst>
                 </a:gridCol>
                 <a:gridCol w="9511748">
                   <a:extLst>
                     <a:ext uri="{9D8B030D-6E8A-4147-A177-3AD203B41FA5}">
-                      <a16:colId xmlns:a16="http://schemas.microsoft.com/office/drawing/2014/main" val="1404304497"/>
+                      <a16:colId xmlns:a16="http://schemas.microsoft.com/office/drawing/2014/main" xmlns="" val="1404304497"/>
                     </a:ext>
                   </a:extLst>
                 </a:gridCol>
@@ -22662,7 +22662,7 @@
                 </a:tc>
                 <a:extLst>
                   <a:ext uri="{0D108BD9-81ED-4DB2-BD59-A6C34878D82A}">
-                    <a16:rowId xmlns:a16="http://schemas.microsoft.com/office/drawing/2014/main" val="2808972098"/>
+                    <a16:rowId xmlns:a16="http://schemas.microsoft.com/office/drawing/2014/main" xmlns="" val="2808972098"/>
                   </a:ext>
                 </a:extLst>
               </a:tr>
@@ -22753,7 +22753,7 @@
                 </a:tc>
                 <a:extLst>
                   <a:ext uri="{0D108BD9-81ED-4DB2-BD59-A6C34878D82A}">
-                    <a16:rowId xmlns:a16="http://schemas.microsoft.com/office/drawing/2014/main" val="3567420632"/>
+                    <a16:rowId xmlns:a16="http://schemas.microsoft.com/office/drawing/2014/main" xmlns="" val="3567420632"/>
                   </a:ext>
                 </a:extLst>
               </a:tr>
@@ -22860,7 +22860,7 @@
                 </a:tc>
                 <a:extLst>
                   <a:ext uri="{0D108BD9-81ED-4DB2-BD59-A6C34878D82A}">
-                    <a16:rowId xmlns:a16="http://schemas.microsoft.com/office/drawing/2014/main" val="836116413"/>
+                    <a16:rowId xmlns:a16="http://schemas.microsoft.com/office/drawing/2014/main" xmlns="" val="836116413"/>
                   </a:ext>
                 </a:extLst>
               </a:tr>
@@ -22967,7 +22967,7 @@
                 </a:tc>
                 <a:extLst>
                   <a:ext uri="{0D108BD9-81ED-4DB2-BD59-A6C34878D82A}">
-                    <a16:rowId xmlns:a16="http://schemas.microsoft.com/office/drawing/2014/main" val="2969834672"/>
+                    <a16:rowId xmlns:a16="http://schemas.microsoft.com/office/drawing/2014/main" xmlns="" val="2969834672"/>
                   </a:ext>
                 </a:extLst>
               </a:tr>
@@ -23106,7 +23106,7 @@
                 </a:tc>
                 <a:extLst>
                   <a:ext uri="{0D108BD9-81ED-4DB2-BD59-A6C34878D82A}">
-                    <a16:rowId xmlns:a16="http://schemas.microsoft.com/office/drawing/2014/main" val="1656653220"/>
+                    <a16:rowId xmlns:a16="http://schemas.microsoft.com/office/drawing/2014/main" xmlns="" val="1656653220"/>
                   </a:ext>
                 </a:extLst>
               </a:tr>
@@ -23213,7 +23213,7 @@
                 </a:tc>
                 <a:extLst>
                   <a:ext uri="{0D108BD9-81ED-4DB2-BD59-A6C34878D82A}">
-                    <a16:rowId xmlns:a16="http://schemas.microsoft.com/office/drawing/2014/main" val="2452347896"/>
+                    <a16:rowId xmlns:a16="http://schemas.microsoft.com/office/drawing/2014/main" xmlns="" val="2452347896"/>
                   </a:ext>
                 </a:extLst>
               </a:tr>
@@ -23320,7 +23320,7 @@
                 </a:tc>
                 <a:extLst>
                   <a:ext uri="{0D108BD9-81ED-4DB2-BD59-A6C34878D82A}">
-                    <a16:rowId xmlns:a16="http://schemas.microsoft.com/office/drawing/2014/main" val="3414279275"/>
+                    <a16:rowId xmlns:a16="http://schemas.microsoft.com/office/drawing/2014/main" xmlns="" val="3414279275"/>
                   </a:ext>
                 </a:extLst>
               </a:tr>
@@ -23427,7 +23427,7 @@
                 </a:tc>
                 <a:extLst>
                   <a:ext uri="{0D108BD9-81ED-4DB2-BD59-A6C34878D82A}">
-                    <a16:rowId xmlns:a16="http://schemas.microsoft.com/office/drawing/2014/main" val="1358162665"/>
+                    <a16:rowId xmlns:a16="http://schemas.microsoft.com/office/drawing/2014/main" xmlns="" val="1358162665"/>
                   </a:ext>
                 </a:extLst>
               </a:tr>
@@ -23550,7 +23550,7 @@
                 </a:tc>
                 <a:extLst>
                   <a:ext uri="{0D108BD9-81ED-4DB2-BD59-A6C34878D82A}">
-                    <a16:rowId xmlns:a16="http://schemas.microsoft.com/office/drawing/2014/main" val="2621379218"/>
+                    <a16:rowId xmlns:a16="http://schemas.microsoft.com/office/drawing/2014/main" xmlns="" val="2621379218"/>
                   </a:ext>
                 </a:extLst>
               </a:tr>
@@ -23689,7 +23689,7 @@
                 </a:tc>
                 <a:extLst>
                   <a:ext uri="{0D108BD9-81ED-4DB2-BD59-A6C34878D82A}">
-                    <a16:rowId xmlns:a16="http://schemas.microsoft.com/office/drawing/2014/main" val="1382211798"/>
+                    <a16:rowId xmlns:a16="http://schemas.microsoft.com/office/drawing/2014/main" xmlns="" val="1382211798"/>
                   </a:ext>
                 </a:extLst>
               </a:tr>
@@ -23796,7 +23796,7 @@
                 </a:tc>
                 <a:extLst>
                   <a:ext uri="{0D108BD9-81ED-4DB2-BD59-A6C34878D82A}">
-                    <a16:rowId xmlns:a16="http://schemas.microsoft.com/office/drawing/2014/main" val="3697084328"/>
+                    <a16:rowId xmlns:a16="http://schemas.microsoft.com/office/drawing/2014/main" xmlns="" val="3697084328"/>
                   </a:ext>
                 </a:extLst>
               </a:tr>
@@ -23809,7 +23809,7 @@
           <p:cNvPr id="8" name="Table 8">
             <a:extLst>
               <a:ext uri="{FF2B5EF4-FFF2-40B4-BE49-F238E27FC236}">
-                <a16:creationId xmlns:a16="http://schemas.microsoft.com/office/drawing/2014/main" id="{123D2D9B-81AD-4CC5-897D-814333C9F26F}"/>
+                <a16:creationId xmlns:a16="http://schemas.microsoft.com/office/drawing/2014/main" xmlns="" id="{123D2D9B-81AD-4CC5-897D-814333C9F26F}"/>
               </a:ext>
             </a:extLst>
           </p:cNvPr>
@@ -23838,14 +23838,14 @@
                 <a:gridCol w="644940">
                   <a:extLst>
                     <a:ext uri="{9D8B030D-6E8A-4147-A177-3AD203B41FA5}">
-                      <a16:colId xmlns:a16="http://schemas.microsoft.com/office/drawing/2014/main" val="1219564251"/>
+                      <a16:colId xmlns:a16="http://schemas.microsoft.com/office/drawing/2014/main" xmlns="" val="1219564251"/>
                     </a:ext>
                   </a:extLst>
                 </a:gridCol>
                 <a:gridCol w="9564756">
                   <a:extLst>
                     <a:ext uri="{9D8B030D-6E8A-4147-A177-3AD203B41FA5}">
-                      <a16:colId xmlns:a16="http://schemas.microsoft.com/office/drawing/2014/main" val="1977103877"/>
+                      <a16:colId xmlns:a16="http://schemas.microsoft.com/office/drawing/2014/main" xmlns="" val="1977103877"/>
                     </a:ext>
                   </a:extLst>
                 </a:gridCol>
@@ -23977,7 +23977,7 @@
                 </a:tc>
                 <a:extLst>
                   <a:ext uri="{0D108BD9-81ED-4DB2-BD59-A6C34878D82A}">
-                    <a16:rowId xmlns:a16="http://schemas.microsoft.com/office/drawing/2014/main" val="4165908067"/>
+                    <a16:rowId xmlns:a16="http://schemas.microsoft.com/office/drawing/2014/main" xmlns="" val="4165908067"/>
                   </a:ext>
                 </a:extLst>
               </a:tr>
@@ -24076,7 +24076,7 @@
                 </a:tc>
                 <a:extLst>
                   <a:ext uri="{0D108BD9-81ED-4DB2-BD59-A6C34878D82A}">
-                    <a16:rowId xmlns:a16="http://schemas.microsoft.com/office/drawing/2014/main" val="3137430908"/>
+                    <a16:rowId xmlns:a16="http://schemas.microsoft.com/office/drawing/2014/main" xmlns="" val="3137430908"/>
                   </a:ext>
                 </a:extLst>
               </a:tr>
@@ -24119,7 +24119,7 @@
           <p:cNvPr id="2" name="Title 1">
             <a:extLst>
               <a:ext uri="{FF2B5EF4-FFF2-40B4-BE49-F238E27FC236}">
-                <a16:creationId xmlns:a16="http://schemas.microsoft.com/office/drawing/2014/main" id="{9F53C0E6-5CA5-48E1-B370-E678425399F4}"/>
+                <a16:creationId xmlns:a16="http://schemas.microsoft.com/office/drawing/2014/main" xmlns="" id="{9F53C0E6-5CA5-48E1-B370-E678425399F4}"/>
               </a:ext>
             </a:extLst>
           </p:cNvPr>
@@ -24152,7 +24152,7 @@
           <p:cNvPr id="3" name="Content Placeholder 2">
             <a:extLst>
               <a:ext uri="{FF2B5EF4-FFF2-40B4-BE49-F238E27FC236}">
-                <a16:creationId xmlns:a16="http://schemas.microsoft.com/office/drawing/2014/main" id="{F0A4581A-26B3-40E7-A945-90C4D9B58292}"/>
+                <a16:creationId xmlns:a16="http://schemas.microsoft.com/office/drawing/2014/main" xmlns="" id="{F0A4581A-26B3-40E7-A945-90C4D9B58292}"/>
               </a:ext>
             </a:extLst>
           </p:cNvPr>
@@ -24197,7 +24197,7 @@
           <p:cNvPr id="4" name="Footer Placeholder 3">
             <a:extLst>
               <a:ext uri="{FF2B5EF4-FFF2-40B4-BE49-F238E27FC236}">
-                <a16:creationId xmlns:a16="http://schemas.microsoft.com/office/drawing/2014/main" id="{540972A1-4BB3-4D04-B4DF-C76BA9B5CAD8}"/>
+                <a16:creationId xmlns:a16="http://schemas.microsoft.com/office/drawing/2014/main" xmlns="" id="{540972A1-4BB3-4D04-B4DF-C76BA9B5CAD8}"/>
               </a:ext>
             </a:extLst>
           </p:cNvPr>
@@ -24226,7 +24226,7 @@
           <p:cNvPr id="5" name="Slide Number Placeholder 4">
             <a:extLst>
               <a:ext uri="{FF2B5EF4-FFF2-40B4-BE49-F238E27FC236}">
-                <a16:creationId xmlns:a16="http://schemas.microsoft.com/office/drawing/2014/main" id="{23B5C741-F1AB-463E-B229-974B2924B065}"/>
+                <a16:creationId xmlns:a16="http://schemas.microsoft.com/office/drawing/2014/main" xmlns="" id="{23B5C741-F1AB-463E-B229-974B2924B065}"/>
               </a:ext>
             </a:extLst>
           </p:cNvPr>
@@ -24255,7 +24255,7 @@
           <p:cNvPr id="7" name="Picture 6">
             <a:extLst>
               <a:ext uri="{FF2B5EF4-FFF2-40B4-BE49-F238E27FC236}">
-                <a16:creationId xmlns:a16="http://schemas.microsoft.com/office/drawing/2014/main" id="{673CC656-0F93-4E6D-8891-D773305E53DF}"/>
+                <a16:creationId xmlns:a16="http://schemas.microsoft.com/office/drawing/2014/main" xmlns="" id="{673CC656-0F93-4E6D-8891-D773305E53DF}"/>
               </a:ext>
             </a:extLst>
           </p:cNvPr>
@@ -24321,7 +24321,7 @@
           <p:cNvPr id="2" name="Title 1">
             <a:extLst>
               <a:ext uri="{FF2B5EF4-FFF2-40B4-BE49-F238E27FC236}">
-                <a16:creationId xmlns:a16="http://schemas.microsoft.com/office/drawing/2014/main" id="{9F53C0E6-5CA5-48E1-B370-E678425399F4}"/>
+                <a16:creationId xmlns:a16="http://schemas.microsoft.com/office/drawing/2014/main" xmlns="" id="{9F53C0E6-5CA5-48E1-B370-E678425399F4}"/>
               </a:ext>
             </a:extLst>
           </p:cNvPr>
@@ -24354,7 +24354,7 @@
           <p:cNvPr id="3" name="Content Placeholder 2">
             <a:extLst>
               <a:ext uri="{FF2B5EF4-FFF2-40B4-BE49-F238E27FC236}">
-                <a16:creationId xmlns:a16="http://schemas.microsoft.com/office/drawing/2014/main" id="{F0A4581A-26B3-40E7-A945-90C4D9B58292}"/>
+                <a16:creationId xmlns:a16="http://schemas.microsoft.com/office/drawing/2014/main" xmlns="" id="{F0A4581A-26B3-40E7-A945-90C4D9B58292}"/>
               </a:ext>
             </a:extLst>
           </p:cNvPr>
@@ -24424,7 +24424,7 @@
           <p:cNvPr id="5" name="Picture 4">
             <a:extLst>
               <a:ext uri="{FF2B5EF4-FFF2-40B4-BE49-F238E27FC236}">
-                <a16:creationId xmlns:a16="http://schemas.microsoft.com/office/drawing/2014/main" id="{542506C5-594F-4FC3-B982-7B2D2081C80A}"/>
+                <a16:creationId xmlns:a16="http://schemas.microsoft.com/office/drawing/2014/main" xmlns="" id="{542506C5-594F-4FC3-B982-7B2D2081C80A}"/>
               </a:ext>
             </a:extLst>
           </p:cNvPr>
@@ -24460,7 +24460,7 @@
           <p:cNvPr id="7" name="Picture 6" descr="A picture containing water, water sport, person, swimming&#10;&#10;Description automatically generated">
             <a:extLst>
               <a:ext uri="{FF2B5EF4-FFF2-40B4-BE49-F238E27FC236}">
-                <a16:creationId xmlns:a16="http://schemas.microsoft.com/office/drawing/2014/main" id="{ABD7B47D-412F-4992-9BE2-FAAB90A6BAAB}"/>
+                <a16:creationId xmlns:a16="http://schemas.microsoft.com/office/drawing/2014/main" xmlns="" id="{ABD7B47D-412F-4992-9BE2-FAAB90A6BAAB}"/>
               </a:ext>
             </a:extLst>
           </p:cNvPr>
@@ -24496,7 +24496,7 @@
           <p:cNvPr id="9" name="Picture 8">
             <a:extLst>
               <a:ext uri="{FF2B5EF4-FFF2-40B4-BE49-F238E27FC236}">
-                <a16:creationId xmlns:a16="http://schemas.microsoft.com/office/drawing/2014/main" id="{6130079B-30C8-49B7-B74B-5A068C293BFD}"/>
+                <a16:creationId xmlns:a16="http://schemas.microsoft.com/office/drawing/2014/main" xmlns="" id="{6130079B-30C8-49B7-B74B-5A068C293BFD}"/>
               </a:ext>
             </a:extLst>
           </p:cNvPr>
@@ -24532,7 +24532,7 @@
           <p:cNvPr id="11" name="Picture 10" descr="A picture containing grass, outdoor, dog, laying&#10;&#10;Description automatically generated">
             <a:extLst>
               <a:ext uri="{FF2B5EF4-FFF2-40B4-BE49-F238E27FC236}">
-                <a16:creationId xmlns:a16="http://schemas.microsoft.com/office/drawing/2014/main" id="{B79913C4-5023-4093-A009-858D9D59B49A}"/>
+                <a16:creationId xmlns:a16="http://schemas.microsoft.com/office/drawing/2014/main" xmlns="" id="{B79913C4-5023-4093-A009-858D9D59B49A}"/>
               </a:ext>
             </a:extLst>
           </p:cNvPr>
@@ -24568,7 +24568,7 @@
           <p:cNvPr id="13" name="Picture 12" descr="A picture containing water, sky, outdoor, boat&#10;&#10;Description automatically generated">
             <a:extLst>
               <a:ext uri="{FF2B5EF4-FFF2-40B4-BE49-F238E27FC236}">
-                <a16:creationId xmlns:a16="http://schemas.microsoft.com/office/drawing/2014/main" id="{B0637125-865D-425A-B7D3-A61F9B377DCF}"/>
+                <a16:creationId xmlns:a16="http://schemas.microsoft.com/office/drawing/2014/main" xmlns="" id="{B0637125-865D-425A-B7D3-A61F9B377DCF}"/>
               </a:ext>
             </a:extLst>
           </p:cNvPr>
@@ -24604,7 +24604,7 @@
           <p:cNvPr id="15" name="Picture 14" descr="A picture containing sky, skating, outdoor, person&#10;&#10;Description automatically generated">
             <a:extLst>
               <a:ext uri="{FF2B5EF4-FFF2-40B4-BE49-F238E27FC236}">
-                <a16:creationId xmlns:a16="http://schemas.microsoft.com/office/drawing/2014/main" id="{06B24696-E894-4ACA-A1DC-05A1C40010BA}"/>
+                <a16:creationId xmlns:a16="http://schemas.microsoft.com/office/drawing/2014/main" xmlns="" id="{06B24696-E894-4ACA-A1DC-05A1C40010BA}"/>
               </a:ext>
             </a:extLst>
           </p:cNvPr>
@@ -24640,7 +24640,7 @@
           <p:cNvPr id="16" name="Footer Placeholder 15">
             <a:extLst>
               <a:ext uri="{FF2B5EF4-FFF2-40B4-BE49-F238E27FC236}">
-                <a16:creationId xmlns:a16="http://schemas.microsoft.com/office/drawing/2014/main" id="{732C8F9E-F8B2-4651-BBCC-5E8DF86D3EDF}"/>
+                <a16:creationId xmlns:a16="http://schemas.microsoft.com/office/drawing/2014/main" xmlns="" id="{732C8F9E-F8B2-4651-BBCC-5E8DF86D3EDF}"/>
               </a:ext>
             </a:extLst>
           </p:cNvPr>
@@ -24669,7 +24669,7 @@
           <p:cNvPr id="17" name="Slide Number Placeholder 16">
             <a:extLst>
               <a:ext uri="{FF2B5EF4-FFF2-40B4-BE49-F238E27FC236}">
-                <a16:creationId xmlns:a16="http://schemas.microsoft.com/office/drawing/2014/main" id="{A890141F-F96D-4F04-9A91-C201B8C9334A}"/>
+                <a16:creationId xmlns:a16="http://schemas.microsoft.com/office/drawing/2014/main" xmlns="" id="{A890141F-F96D-4F04-9A91-C201B8C9334A}"/>
               </a:ext>
             </a:extLst>
           </p:cNvPr>
@@ -24728,7 +24728,7 @@
           <p:cNvPr id="2" name="Title 1">
             <a:extLst>
               <a:ext uri="{FF2B5EF4-FFF2-40B4-BE49-F238E27FC236}">
-                <a16:creationId xmlns:a16="http://schemas.microsoft.com/office/drawing/2014/main" id="{9F53C0E6-5CA5-48E1-B370-E678425399F4}"/>
+                <a16:creationId xmlns:a16="http://schemas.microsoft.com/office/drawing/2014/main" xmlns="" id="{9F53C0E6-5CA5-48E1-B370-E678425399F4}"/>
               </a:ext>
             </a:extLst>
           </p:cNvPr>
@@ -24761,7 +24761,7 @@
           <p:cNvPr id="3" name="Content Placeholder 2">
             <a:extLst>
               <a:ext uri="{FF2B5EF4-FFF2-40B4-BE49-F238E27FC236}">
-                <a16:creationId xmlns:a16="http://schemas.microsoft.com/office/drawing/2014/main" id="{F0A4581A-26B3-40E7-A945-90C4D9B58292}"/>
+                <a16:creationId xmlns:a16="http://schemas.microsoft.com/office/drawing/2014/main" xmlns="" id="{F0A4581A-26B3-40E7-A945-90C4D9B58292}"/>
               </a:ext>
             </a:extLst>
           </p:cNvPr>
@@ -25141,7 +25141,7 @@
           <p:cNvPr id="4" name="Footer Placeholder 3">
             <a:extLst>
               <a:ext uri="{FF2B5EF4-FFF2-40B4-BE49-F238E27FC236}">
-                <a16:creationId xmlns:a16="http://schemas.microsoft.com/office/drawing/2014/main" id="{540972A1-4BB3-4D04-B4DF-C76BA9B5CAD8}"/>
+                <a16:creationId xmlns:a16="http://schemas.microsoft.com/office/drawing/2014/main" xmlns="" id="{540972A1-4BB3-4D04-B4DF-C76BA9B5CAD8}"/>
               </a:ext>
             </a:extLst>
           </p:cNvPr>
@@ -25170,7 +25170,7 @@
           <p:cNvPr id="5" name="Slide Number Placeholder 4">
             <a:extLst>
               <a:ext uri="{FF2B5EF4-FFF2-40B4-BE49-F238E27FC236}">
-                <a16:creationId xmlns:a16="http://schemas.microsoft.com/office/drawing/2014/main" id="{23B5C741-F1AB-463E-B229-974B2924B065}"/>
+                <a16:creationId xmlns:a16="http://schemas.microsoft.com/office/drawing/2014/main" xmlns="" id="{23B5C741-F1AB-463E-B229-974B2924B065}"/>
               </a:ext>
             </a:extLst>
           </p:cNvPr>
@@ -25229,7 +25229,7 @@
           <p:cNvPr id="2" name="Title 1">
             <a:extLst>
               <a:ext uri="{FF2B5EF4-FFF2-40B4-BE49-F238E27FC236}">
-                <a16:creationId xmlns:a16="http://schemas.microsoft.com/office/drawing/2014/main" id="{9F53C0E6-5CA5-48E1-B370-E678425399F4}"/>
+                <a16:creationId xmlns:a16="http://schemas.microsoft.com/office/drawing/2014/main" xmlns="" id="{9F53C0E6-5CA5-48E1-B370-E678425399F4}"/>
               </a:ext>
             </a:extLst>
           </p:cNvPr>
@@ -25262,7 +25262,7 @@
           <p:cNvPr id="3" name="Content Placeholder 2">
             <a:extLst>
               <a:ext uri="{FF2B5EF4-FFF2-40B4-BE49-F238E27FC236}">
-                <a16:creationId xmlns:a16="http://schemas.microsoft.com/office/drawing/2014/main" id="{F0A4581A-26B3-40E7-A945-90C4D9B58292}"/>
+                <a16:creationId xmlns:a16="http://schemas.microsoft.com/office/drawing/2014/main" xmlns="" id="{F0A4581A-26B3-40E7-A945-90C4D9B58292}"/>
               </a:ext>
             </a:extLst>
           </p:cNvPr>
@@ -25352,7 +25352,7 @@
           <p:cNvPr id="4" name="Footer Placeholder 3">
             <a:extLst>
               <a:ext uri="{FF2B5EF4-FFF2-40B4-BE49-F238E27FC236}">
-                <a16:creationId xmlns:a16="http://schemas.microsoft.com/office/drawing/2014/main" id="{540972A1-4BB3-4D04-B4DF-C76BA9B5CAD8}"/>
+                <a16:creationId xmlns:a16="http://schemas.microsoft.com/office/drawing/2014/main" xmlns="" id="{540972A1-4BB3-4D04-B4DF-C76BA9B5CAD8}"/>
               </a:ext>
             </a:extLst>
           </p:cNvPr>
@@ -25381,7 +25381,7 @@
           <p:cNvPr id="5" name="Slide Number Placeholder 4">
             <a:extLst>
               <a:ext uri="{FF2B5EF4-FFF2-40B4-BE49-F238E27FC236}">
-                <a16:creationId xmlns:a16="http://schemas.microsoft.com/office/drawing/2014/main" id="{23B5C741-F1AB-463E-B229-974B2924B065}"/>
+                <a16:creationId xmlns:a16="http://schemas.microsoft.com/office/drawing/2014/main" xmlns="" id="{23B5C741-F1AB-463E-B229-974B2924B065}"/>
               </a:ext>
             </a:extLst>
           </p:cNvPr>
@@ -25440,7 +25440,7 @@
           <p:cNvPr id="2" name="Title 1">
             <a:extLst>
               <a:ext uri="{FF2B5EF4-FFF2-40B4-BE49-F238E27FC236}">
-                <a16:creationId xmlns:a16="http://schemas.microsoft.com/office/drawing/2014/main" id="{9F53C0E6-5CA5-48E1-B370-E678425399F4}"/>
+                <a16:creationId xmlns:a16="http://schemas.microsoft.com/office/drawing/2014/main" xmlns="" id="{9F53C0E6-5CA5-48E1-B370-E678425399F4}"/>
               </a:ext>
             </a:extLst>
           </p:cNvPr>
@@ -25473,7 +25473,7 @@
           <p:cNvPr id="3" name="Content Placeholder 2">
             <a:extLst>
               <a:ext uri="{FF2B5EF4-FFF2-40B4-BE49-F238E27FC236}">
-                <a16:creationId xmlns:a16="http://schemas.microsoft.com/office/drawing/2014/main" id="{F0A4581A-26B3-40E7-A945-90C4D9B58292}"/>
+                <a16:creationId xmlns:a16="http://schemas.microsoft.com/office/drawing/2014/main" xmlns="" id="{F0A4581A-26B3-40E7-A945-90C4D9B58292}"/>
               </a:ext>
             </a:extLst>
           </p:cNvPr>
@@ -25518,7 +25518,7 @@
           <p:cNvPr id="4" name="Footer Placeholder 3">
             <a:extLst>
               <a:ext uri="{FF2B5EF4-FFF2-40B4-BE49-F238E27FC236}">
-                <a16:creationId xmlns:a16="http://schemas.microsoft.com/office/drawing/2014/main" id="{540972A1-4BB3-4D04-B4DF-C76BA9B5CAD8}"/>
+                <a16:creationId xmlns:a16="http://schemas.microsoft.com/office/drawing/2014/main" xmlns="" id="{540972A1-4BB3-4D04-B4DF-C76BA9B5CAD8}"/>
               </a:ext>
             </a:extLst>
           </p:cNvPr>
@@ -25547,7 +25547,7 @@
           <p:cNvPr id="5" name="Slide Number Placeholder 4">
             <a:extLst>
               <a:ext uri="{FF2B5EF4-FFF2-40B4-BE49-F238E27FC236}">
-                <a16:creationId xmlns:a16="http://schemas.microsoft.com/office/drawing/2014/main" id="{23B5C741-F1AB-463E-B229-974B2924B065}"/>
+                <a16:creationId xmlns:a16="http://schemas.microsoft.com/office/drawing/2014/main" xmlns="" id="{23B5C741-F1AB-463E-B229-974B2924B065}"/>
               </a:ext>
             </a:extLst>
           </p:cNvPr>
@@ -25576,7 +25576,7 @@
           <p:cNvPr id="7" name="Picture 6">
             <a:extLst>
               <a:ext uri="{FF2B5EF4-FFF2-40B4-BE49-F238E27FC236}">
-                <a16:creationId xmlns:a16="http://schemas.microsoft.com/office/drawing/2014/main" id="{A69F92CE-D8BB-4F8F-BED3-BE4B00B6FDCF}"/>
+                <a16:creationId xmlns:a16="http://schemas.microsoft.com/office/drawing/2014/main" xmlns="" id="{A69F92CE-D8BB-4F8F-BED3-BE4B00B6FDCF}"/>
               </a:ext>
             </a:extLst>
           </p:cNvPr>
@@ -25612,7 +25612,7 @@
           <p:cNvPr id="11" name="Picture 10" descr="A picture containing person, wall, indoor, child&#10;&#10;Description automatically generated">
             <a:extLst>
               <a:ext uri="{FF2B5EF4-FFF2-40B4-BE49-F238E27FC236}">
-                <a16:creationId xmlns:a16="http://schemas.microsoft.com/office/drawing/2014/main" id="{E85BACB2-A5BB-474E-A39E-7419AFD7E1B7}"/>
+                <a16:creationId xmlns:a16="http://schemas.microsoft.com/office/drawing/2014/main" xmlns="" id="{E85BACB2-A5BB-474E-A39E-7419AFD7E1B7}"/>
               </a:ext>
             </a:extLst>
           </p:cNvPr>
@@ -25648,7 +25648,7 @@
           <p:cNvPr id="18" name="TextBox 17">
             <a:extLst>
               <a:ext uri="{FF2B5EF4-FFF2-40B4-BE49-F238E27FC236}">
-                <a16:creationId xmlns:a16="http://schemas.microsoft.com/office/drawing/2014/main" id="{3FEC41C2-3C84-4FD0-B6FD-AE2D345AF0FC}"/>
+                <a16:creationId xmlns:a16="http://schemas.microsoft.com/office/drawing/2014/main" xmlns="" id="{3FEC41C2-3C84-4FD0-B6FD-AE2D345AF0FC}"/>
               </a:ext>
             </a:extLst>
           </p:cNvPr>
@@ -25889,7 +25889,7 @@
           <p:cNvPr id="19" name="TextBox 18">
             <a:extLst>
               <a:ext uri="{FF2B5EF4-FFF2-40B4-BE49-F238E27FC236}">
-                <a16:creationId xmlns:a16="http://schemas.microsoft.com/office/drawing/2014/main" id="{9D506DFE-D00D-462C-89D8-9F7ECAB1A062}"/>
+                <a16:creationId xmlns:a16="http://schemas.microsoft.com/office/drawing/2014/main" xmlns="" id="{9D506DFE-D00D-462C-89D8-9F7ECAB1A062}"/>
               </a:ext>
             </a:extLst>
           </p:cNvPr>
@@ -25956,7 +25956,7 @@
           <p:cNvPr id="2" name="Title 1">
             <a:extLst>
               <a:ext uri="{FF2B5EF4-FFF2-40B4-BE49-F238E27FC236}">
-                <a16:creationId xmlns:a16="http://schemas.microsoft.com/office/drawing/2014/main" id="{9F53C0E6-5CA5-48E1-B370-E678425399F4}"/>
+                <a16:creationId xmlns:a16="http://schemas.microsoft.com/office/drawing/2014/main" xmlns="" id="{9F53C0E6-5CA5-48E1-B370-E678425399F4}"/>
               </a:ext>
             </a:extLst>
           </p:cNvPr>
@@ -25989,7 +25989,7 @@
           <p:cNvPr id="7" name="Content Placeholder 6" descr="A picture containing building, outdoor, harp&#10;&#10;Description automatically generated">
             <a:extLst>
               <a:ext uri="{FF2B5EF4-FFF2-40B4-BE49-F238E27FC236}">
-                <a16:creationId xmlns:a16="http://schemas.microsoft.com/office/drawing/2014/main" id="{071422BC-1756-4A99-A340-F876519AC6DC}"/>
+                <a16:creationId xmlns:a16="http://schemas.microsoft.com/office/drawing/2014/main" xmlns="" id="{071422BC-1756-4A99-A340-F876519AC6DC}"/>
               </a:ext>
             </a:extLst>
           </p:cNvPr>
@@ -26024,7 +26024,7 @@
           <p:cNvPr id="4" name="Footer Placeholder 3">
             <a:extLst>
               <a:ext uri="{FF2B5EF4-FFF2-40B4-BE49-F238E27FC236}">
-                <a16:creationId xmlns:a16="http://schemas.microsoft.com/office/drawing/2014/main" id="{540972A1-4BB3-4D04-B4DF-C76BA9B5CAD8}"/>
+                <a16:creationId xmlns:a16="http://schemas.microsoft.com/office/drawing/2014/main" xmlns="" id="{540972A1-4BB3-4D04-B4DF-C76BA9B5CAD8}"/>
               </a:ext>
             </a:extLst>
           </p:cNvPr>
@@ -26053,7 +26053,7 @@
           <p:cNvPr id="5" name="Slide Number Placeholder 4">
             <a:extLst>
               <a:ext uri="{FF2B5EF4-FFF2-40B4-BE49-F238E27FC236}">
-                <a16:creationId xmlns:a16="http://schemas.microsoft.com/office/drawing/2014/main" id="{23B5C741-F1AB-463E-B229-974B2924B065}"/>
+                <a16:creationId xmlns:a16="http://schemas.microsoft.com/office/drawing/2014/main" xmlns="" id="{23B5C741-F1AB-463E-B229-974B2924B065}"/>
               </a:ext>
             </a:extLst>
           </p:cNvPr>
@@ -26082,7 +26082,7 @@
           <p:cNvPr id="9" name="Picture 8">
             <a:extLst>
               <a:ext uri="{FF2B5EF4-FFF2-40B4-BE49-F238E27FC236}">
-                <a16:creationId xmlns:a16="http://schemas.microsoft.com/office/drawing/2014/main" id="{C665D5C7-EC65-483C-9EE9-FC1A29BA45F9}"/>
+                <a16:creationId xmlns:a16="http://schemas.microsoft.com/office/drawing/2014/main" xmlns="" id="{C665D5C7-EC65-483C-9EE9-FC1A29BA45F9}"/>
               </a:ext>
             </a:extLst>
           </p:cNvPr>
@@ -26118,7 +26118,7 @@
           <p:cNvPr id="10" name="TextBox 9">
             <a:extLst>
               <a:ext uri="{FF2B5EF4-FFF2-40B4-BE49-F238E27FC236}">
-                <a16:creationId xmlns:a16="http://schemas.microsoft.com/office/drawing/2014/main" id="{B8D32FAB-7CB5-4038-A21C-2294BE6A3393}"/>
+                <a16:creationId xmlns:a16="http://schemas.microsoft.com/office/drawing/2014/main" xmlns="" id="{B8D32FAB-7CB5-4038-A21C-2294BE6A3393}"/>
               </a:ext>
             </a:extLst>
           </p:cNvPr>
@@ -26247,7 +26247,7 @@
           <p:cNvPr id="11" name="TextBox 10">
             <a:extLst>
               <a:ext uri="{FF2B5EF4-FFF2-40B4-BE49-F238E27FC236}">
-                <a16:creationId xmlns:a16="http://schemas.microsoft.com/office/drawing/2014/main" id="{8075A81C-67B3-4C54-AEB6-BB5EB0B41157}"/>
+                <a16:creationId xmlns:a16="http://schemas.microsoft.com/office/drawing/2014/main" xmlns="" id="{8075A81C-67B3-4C54-AEB6-BB5EB0B41157}"/>
               </a:ext>
             </a:extLst>
           </p:cNvPr>
@@ -26314,7 +26314,7 @@
           <p:cNvPr id="2" name="Title 1">
             <a:extLst>
               <a:ext uri="{FF2B5EF4-FFF2-40B4-BE49-F238E27FC236}">
-                <a16:creationId xmlns:a16="http://schemas.microsoft.com/office/drawing/2014/main" id="{9F53C0E6-5CA5-48E1-B370-E678425399F4}"/>
+                <a16:creationId xmlns:a16="http://schemas.microsoft.com/office/drawing/2014/main" xmlns="" id="{9F53C0E6-5CA5-48E1-B370-E678425399F4}"/>
               </a:ext>
             </a:extLst>
           </p:cNvPr>
@@ -26347,7 +26347,7 @@
           <p:cNvPr id="3" name="Content Placeholder 2">
             <a:extLst>
               <a:ext uri="{FF2B5EF4-FFF2-40B4-BE49-F238E27FC236}">
-                <a16:creationId xmlns:a16="http://schemas.microsoft.com/office/drawing/2014/main" id="{F0A4581A-26B3-40E7-A945-90C4D9B58292}"/>
+                <a16:creationId xmlns:a16="http://schemas.microsoft.com/office/drawing/2014/main" xmlns="" id="{F0A4581A-26B3-40E7-A945-90C4D9B58292}"/>
               </a:ext>
             </a:extLst>
           </p:cNvPr>
@@ -26404,7 +26404,7 @@
           <p:cNvPr id="4" name="Footer Placeholder 3">
             <a:extLst>
               <a:ext uri="{FF2B5EF4-FFF2-40B4-BE49-F238E27FC236}">
-                <a16:creationId xmlns:a16="http://schemas.microsoft.com/office/drawing/2014/main" id="{540972A1-4BB3-4D04-B4DF-C76BA9B5CAD8}"/>
+                <a16:creationId xmlns:a16="http://schemas.microsoft.com/office/drawing/2014/main" xmlns="" id="{540972A1-4BB3-4D04-B4DF-C76BA9B5CAD8}"/>
               </a:ext>
             </a:extLst>
           </p:cNvPr>
@@ -26433,7 +26433,7 @@
           <p:cNvPr id="5" name="Slide Number Placeholder 4">
             <a:extLst>
               <a:ext uri="{FF2B5EF4-FFF2-40B4-BE49-F238E27FC236}">
-                <a16:creationId xmlns:a16="http://schemas.microsoft.com/office/drawing/2014/main" id="{23B5C741-F1AB-463E-B229-974B2924B065}"/>
+                <a16:creationId xmlns:a16="http://schemas.microsoft.com/office/drawing/2014/main" xmlns="" id="{23B5C741-F1AB-463E-B229-974B2924B065}"/>
               </a:ext>
             </a:extLst>
           </p:cNvPr>
@@ -26492,7 +26492,7 @@
           <p:cNvPr id="2" name="Title 1">
             <a:extLst>
               <a:ext uri="{FF2B5EF4-FFF2-40B4-BE49-F238E27FC236}">
-                <a16:creationId xmlns:a16="http://schemas.microsoft.com/office/drawing/2014/main" id="{9F53C0E6-5CA5-48E1-B370-E678425399F4}"/>
+                <a16:creationId xmlns:a16="http://schemas.microsoft.com/office/drawing/2014/main" xmlns="" id="{9F53C0E6-5CA5-48E1-B370-E678425399F4}"/>
               </a:ext>
             </a:extLst>
           </p:cNvPr>
@@ -26525,7 +26525,7 @@
           <p:cNvPr id="3" name="Content Placeholder 2">
             <a:extLst>
               <a:ext uri="{FF2B5EF4-FFF2-40B4-BE49-F238E27FC236}">
-                <a16:creationId xmlns:a16="http://schemas.microsoft.com/office/drawing/2014/main" id="{F0A4581A-26B3-40E7-A945-90C4D9B58292}"/>
+                <a16:creationId xmlns:a16="http://schemas.microsoft.com/office/drawing/2014/main" xmlns="" id="{F0A4581A-26B3-40E7-A945-90C4D9B58292}"/>
               </a:ext>
             </a:extLst>
           </p:cNvPr>
@@ -26623,7 +26623,7 @@
           <p:cNvPr id="4" name="Footer Placeholder 3">
             <a:extLst>
               <a:ext uri="{FF2B5EF4-FFF2-40B4-BE49-F238E27FC236}">
-                <a16:creationId xmlns:a16="http://schemas.microsoft.com/office/drawing/2014/main" id="{540972A1-4BB3-4D04-B4DF-C76BA9B5CAD8}"/>
+                <a16:creationId xmlns:a16="http://schemas.microsoft.com/office/drawing/2014/main" xmlns="" id="{540972A1-4BB3-4D04-B4DF-C76BA9B5CAD8}"/>
               </a:ext>
             </a:extLst>
           </p:cNvPr>
@@ -26652,7 +26652,7 @@
           <p:cNvPr id="5" name="Slide Number Placeholder 4">
             <a:extLst>
               <a:ext uri="{FF2B5EF4-FFF2-40B4-BE49-F238E27FC236}">
-                <a16:creationId xmlns:a16="http://schemas.microsoft.com/office/drawing/2014/main" id="{23B5C741-F1AB-463E-B229-974B2924B065}"/>
+                <a16:creationId xmlns:a16="http://schemas.microsoft.com/office/drawing/2014/main" xmlns="" id="{23B5C741-F1AB-463E-B229-974B2924B065}"/>
               </a:ext>
             </a:extLst>
           </p:cNvPr>
@@ -26711,7 +26711,7 @@
           <p:cNvPr id="2" name="Title 1">
             <a:extLst>
               <a:ext uri="{FF2B5EF4-FFF2-40B4-BE49-F238E27FC236}">
-                <a16:creationId xmlns:a16="http://schemas.microsoft.com/office/drawing/2014/main" id="{9F53C0E6-5CA5-48E1-B370-E678425399F4}"/>
+                <a16:creationId xmlns:a16="http://schemas.microsoft.com/office/drawing/2014/main" xmlns="" id="{9F53C0E6-5CA5-48E1-B370-E678425399F4}"/>
               </a:ext>
             </a:extLst>
           </p:cNvPr>
@@ -26744,7 +26744,7 @@
           <p:cNvPr id="3" name="Content Placeholder 2">
             <a:extLst>
               <a:ext uri="{FF2B5EF4-FFF2-40B4-BE49-F238E27FC236}">
-                <a16:creationId xmlns:a16="http://schemas.microsoft.com/office/drawing/2014/main" id="{F0A4581A-26B3-40E7-A945-90C4D9B58292}"/>
+                <a16:creationId xmlns:a16="http://schemas.microsoft.com/office/drawing/2014/main" xmlns="" id="{F0A4581A-26B3-40E7-A945-90C4D9B58292}"/>
               </a:ext>
             </a:extLst>
           </p:cNvPr>
@@ -26803,8 +26803,59 @@
             </a:pPr>
             <a:r>
               <a:rPr lang="en-IN" sz="2000" dirty="0"/>
-              <a:t>Training on huge dataset, such MSCOCO, the largest open source dataset for Image Captioning, in order to improve BLEU Score of the model.</a:t>
-            </a:r>
+              <a:t>Training on huge dataset, such MSCOCO, the largest open source dataset for Image Captioning, in order to improve BLEU Score of the model</a:t>
+            </a:r>
+            <a:r>
+              <a:rPr lang="en-IN" sz="2000" dirty="0" smtClean="0"/>
+              <a:t>.</a:t>
+            </a:r>
+          </a:p>
+          <a:p>
+            <a:pPr algn="just">
+              <a:lnSpc>
+                <a:spcPct val="100000"/>
+              </a:lnSpc>
+              <a:spcBef>
+                <a:spcPts val="0"/>
+              </a:spcBef>
+              <a:buFont typeface="Wingdings" panose="05000000000000000000" pitchFamily="2" charset="2"/>
+              <a:buChar char="Ø"/>
+            </a:pPr>
+            <a:r>
+              <a:rPr lang="en-IN" sz="2000" dirty="0" smtClean="0"/>
+              <a:t>Following is the drawbacks of Classical Encoder/Decoder approach for Image Captioning:</a:t>
+            </a:r>
+          </a:p>
+          <a:p>
+            <a:pPr marL="914400" lvl="2" indent="0" algn="just">
+              <a:lnSpc>
+                <a:spcPct val="100000"/>
+              </a:lnSpc>
+              <a:spcBef>
+                <a:spcPts val="0"/>
+              </a:spcBef>
+              <a:buNone/>
+            </a:pPr>
+            <a:r>
+              <a:rPr lang="en-IN" dirty="0" smtClean="0"/>
+              <a:t>Since each word of the caption would be defining a part of the image, thus by considering the whole representation of image to generate the next word of caption which will be describing a part of image would not be efficient, especially for long captions or descriptions.</a:t>
+            </a:r>
+          </a:p>
+          <a:p>
+            <a:pPr marL="457200" lvl="1" indent="0" algn="just">
+              <a:lnSpc>
+                <a:spcPct val="100000"/>
+              </a:lnSpc>
+              <a:spcBef>
+                <a:spcPts val="0"/>
+              </a:spcBef>
+              <a:buNone/>
+            </a:pPr>
+            <a:r>
+              <a:rPr lang="en-IN" sz="2000" dirty="0" smtClean="0"/>
+              <a:t>That’s the point where we need an advanced technique, i.e., Attention Mechanism (or Visual Attention Mechanism).</a:t>
+            </a:r>
+            <a:endParaRPr lang="en-IN" sz="2000" dirty="0"/>
           </a:p>
         </p:txBody>
       </p:sp>
@@ -26813,7 +26864,7 @@
           <p:cNvPr id="4" name="Footer Placeholder 3">
             <a:extLst>
               <a:ext uri="{FF2B5EF4-FFF2-40B4-BE49-F238E27FC236}">
-                <a16:creationId xmlns:a16="http://schemas.microsoft.com/office/drawing/2014/main" id="{540972A1-4BB3-4D04-B4DF-C76BA9B5CAD8}"/>
+                <a16:creationId xmlns:a16="http://schemas.microsoft.com/office/drawing/2014/main" xmlns="" id="{540972A1-4BB3-4D04-B4DF-C76BA9B5CAD8}"/>
               </a:ext>
             </a:extLst>
           </p:cNvPr>
@@ -26842,7 +26893,7 @@
           <p:cNvPr id="5" name="Slide Number Placeholder 4">
             <a:extLst>
               <a:ext uri="{FF2B5EF4-FFF2-40B4-BE49-F238E27FC236}">
-                <a16:creationId xmlns:a16="http://schemas.microsoft.com/office/drawing/2014/main" id="{23B5C741-F1AB-463E-B229-974B2924B065}"/>
+                <a16:creationId xmlns:a16="http://schemas.microsoft.com/office/drawing/2014/main" xmlns="" id="{23B5C741-F1AB-463E-B229-974B2924B065}"/>
               </a:ext>
             </a:extLst>
           </p:cNvPr>
@@ -26901,7 +26952,7 @@
           <p:cNvPr id="2" name="Title 1">
             <a:extLst>
               <a:ext uri="{FF2B5EF4-FFF2-40B4-BE49-F238E27FC236}">
-                <a16:creationId xmlns:a16="http://schemas.microsoft.com/office/drawing/2014/main" id="{9F53C0E6-5CA5-48E1-B370-E678425399F4}"/>
+                <a16:creationId xmlns:a16="http://schemas.microsoft.com/office/drawing/2014/main" xmlns="" id="{9F53C0E6-5CA5-48E1-B370-E678425399F4}"/>
               </a:ext>
             </a:extLst>
           </p:cNvPr>
@@ -26934,7 +26985,7 @@
           <p:cNvPr id="3" name="Content Placeholder 2">
             <a:extLst>
               <a:ext uri="{FF2B5EF4-FFF2-40B4-BE49-F238E27FC236}">
-                <a16:creationId xmlns:a16="http://schemas.microsoft.com/office/drawing/2014/main" id="{F0A4581A-26B3-40E7-A945-90C4D9B58292}"/>
+                <a16:creationId xmlns:a16="http://schemas.microsoft.com/office/drawing/2014/main" xmlns="" id="{F0A4581A-26B3-40E7-A945-90C4D9B58292}"/>
               </a:ext>
             </a:extLst>
           </p:cNvPr>
@@ -26979,7 +27030,7 @@
           <p:cNvPr id="4" name="Footer Placeholder 3">
             <a:extLst>
               <a:ext uri="{FF2B5EF4-FFF2-40B4-BE49-F238E27FC236}">
-                <a16:creationId xmlns:a16="http://schemas.microsoft.com/office/drawing/2014/main" id="{540972A1-4BB3-4D04-B4DF-C76BA9B5CAD8}"/>
+                <a16:creationId xmlns:a16="http://schemas.microsoft.com/office/drawing/2014/main" xmlns="" id="{540972A1-4BB3-4D04-B4DF-C76BA9B5CAD8}"/>
               </a:ext>
             </a:extLst>
           </p:cNvPr>
@@ -27008,7 +27059,7 @@
           <p:cNvPr id="5" name="Slide Number Placeholder 4">
             <a:extLst>
               <a:ext uri="{FF2B5EF4-FFF2-40B4-BE49-F238E27FC236}">
-                <a16:creationId xmlns:a16="http://schemas.microsoft.com/office/drawing/2014/main" id="{23B5C741-F1AB-463E-B229-974B2924B065}"/>
+                <a16:creationId xmlns:a16="http://schemas.microsoft.com/office/drawing/2014/main" xmlns="" id="{23B5C741-F1AB-463E-B229-974B2924B065}"/>
               </a:ext>
             </a:extLst>
           </p:cNvPr>
@@ -27067,7 +27118,7 @@
           <p:cNvPr id="2" name="TextBox 1">
             <a:extLst>
               <a:ext uri="{FF2B5EF4-FFF2-40B4-BE49-F238E27FC236}">
-                <a16:creationId xmlns:a16="http://schemas.microsoft.com/office/drawing/2014/main" id="{55FF0394-BE0D-4E73-AB74-CAA9CAD678A5}"/>
+                <a16:creationId xmlns:a16="http://schemas.microsoft.com/office/drawing/2014/main" xmlns="" id="{55FF0394-BE0D-4E73-AB74-CAA9CAD678A5}"/>
               </a:ext>
             </a:extLst>
           </p:cNvPr>
@@ -27102,7 +27153,7 @@
           <p:cNvPr id="3" name="Footer Placeholder 2">
             <a:extLst>
               <a:ext uri="{FF2B5EF4-FFF2-40B4-BE49-F238E27FC236}">
-                <a16:creationId xmlns:a16="http://schemas.microsoft.com/office/drawing/2014/main" id="{B10B3E08-E062-4DBA-9E4C-84B030193A6F}"/>
+                <a16:creationId xmlns:a16="http://schemas.microsoft.com/office/drawing/2014/main" xmlns="" id="{B10B3E08-E062-4DBA-9E4C-84B030193A6F}"/>
               </a:ext>
             </a:extLst>
           </p:cNvPr>
@@ -27131,7 +27182,7 @@
           <p:cNvPr id="4" name="Slide Number Placeholder 3">
             <a:extLst>
               <a:ext uri="{FF2B5EF4-FFF2-40B4-BE49-F238E27FC236}">
-                <a16:creationId xmlns:a16="http://schemas.microsoft.com/office/drawing/2014/main" id="{AB5D1752-A6EE-4332-87E5-C5378F033BA1}"/>
+                <a16:creationId xmlns:a16="http://schemas.microsoft.com/office/drawing/2014/main" xmlns="" id="{AB5D1752-A6EE-4332-87E5-C5378F033BA1}"/>
               </a:ext>
             </a:extLst>
           </p:cNvPr>
@@ -27190,7 +27241,7 @@
           <p:cNvPr id="2" name="Title 1">
             <a:extLst>
               <a:ext uri="{FF2B5EF4-FFF2-40B4-BE49-F238E27FC236}">
-                <a16:creationId xmlns:a16="http://schemas.microsoft.com/office/drawing/2014/main" id="{9F53C0E6-5CA5-48E1-B370-E678425399F4}"/>
+                <a16:creationId xmlns:a16="http://schemas.microsoft.com/office/drawing/2014/main" xmlns="" id="{9F53C0E6-5CA5-48E1-B370-E678425399F4}"/>
               </a:ext>
             </a:extLst>
           </p:cNvPr>
@@ -27223,7 +27274,7 @@
           <p:cNvPr id="3" name="Content Placeholder 2">
             <a:extLst>
               <a:ext uri="{FF2B5EF4-FFF2-40B4-BE49-F238E27FC236}">
-                <a16:creationId xmlns:a16="http://schemas.microsoft.com/office/drawing/2014/main" id="{F0A4581A-26B3-40E7-A945-90C4D9B58292}"/>
+                <a16:creationId xmlns:a16="http://schemas.microsoft.com/office/drawing/2014/main" xmlns="" id="{F0A4581A-26B3-40E7-A945-90C4D9B58292}"/>
               </a:ext>
             </a:extLst>
           </p:cNvPr>
@@ -27345,7 +27396,7 @@
           <p:cNvPr id="4" name="Footer Placeholder 3">
             <a:extLst>
               <a:ext uri="{FF2B5EF4-FFF2-40B4-BE49-F238E27FC236}">
-                <a16:creationId xmlns:a16="http://schemas.microsoft.com/office/drawing/2014/main" id="{780A2A81-6CFC-4314-AE6C-461D31C0090B}"/>
+                <a16:creationId xmlns:a16="http://schemas.microsoft.com/office/drawing/2014/main" xmlns="" id="{780A2A81-6CFC-4314-AE6C-461D31C0090B}"/>
               </a:ext>
             </a:extLst>
           </p:cNvPr>
@@ -27374,7 +27425,7 @@
           <p:cNvPr id="5" name="Slide Number Placeholder 4">
             <a:extLst>
               <a:ext uri="{FF2B5EF4-FFF2-40B4-BE49-F238E27FC236}">
-                <a16:creationId xmlns:a16="http://schemas.microsoft.com/office/drawing/2014/main" id="{9E8E60AF-E24D-4DCD-9F0A-9E70670E60FF}"/>
+                <a16:creationId xmlns:a16="http://schemas.microsoft.com/office/drawing/2014/main" xmlns="" id="{9E8E60AF-E24D-4DCD-9F0A-9E70670E60FF}"/>
               </a:ext>
             </a:extLst>
           </p:cNvPr>
@@ -27433,7 +27484,7 @@
           <p:cNvPr id="2" name="Title 1">
             <a:extLst>
               <a:ext uri="{FF2B5EF4-FFF2-40B4-BE49-F238E27FC236}">
-                <a16:creationId xmlns:a16="http://schemas.microsoft.com/office/drawing/2014/main" id="{9F53C0E6-5CA5-48E1-B370-E678425399F4}"/>
+                <a16:creationId xmlns:a16="http://schemas.microsoft.com/office/drawing/2014/main" xmlns="" id="{9F53C0E6-5CA5-48E1-B370-E678425399F4}"/>
               </a:ext>
             </a:extLst>
           </p:cNvPr>
@@ -27466,7 +27517,7 @@
           <p:cNvPr id="3" name="Content Placeholder 2">
             <a:extLst>
               <a:ext uri="{FF2B5EF4-FFF2-40B4-BE49-F238E27FC236}">
-                <a16:creationId xmlns:a16="http://schemas.microsoft.com/office/drawing/2014/main" id="{F0A4581A-26B3-40E7-A945-90C4D9B58292}"/>
+                <a16:creationId xmlns:a16="http://schemas.microsoft.com/office/drawing/2014/main" xmlns="" id="{F0A4581A-26B3-40E7-A945-90C4D9B58292}"/>
               </a:ext>
             </a:extLst>
           </p:cNvPr>
@@ -27660,7 +27711,7 @@
           <p:cNvPr id="4" name="Footer Placeholder 3">
             <a:extLst>
               <a:ext uri="{FF2B5EF4-FFF2-40B4-BE49-F238E27FC236}">
-                <a16:creationId xmlns:a16="http://schemas.microsoft.com/office/drawing/2014/main" id="{C1F0C447-1F28-4C0D-AB8A-70ED6532C551}"/>
+                <a16:creationId xmlns:a16="http://schemas.microsoft.com/office/drawing/2014/main" xmlns="" id="{C1F0C447-1F28-4C0D-AB8A-70ED6532C551}"/>
               </a:ext>
             </a:extLst>
           </p:cNvPr>
@@ -27689,7 +27740,7 @@
           <p:cNvPr id="5" name="Slide Number Placeholder 4">
             <a:extLst>
               <a:ext uri="{FF2B5EF4-FFF2-40B4-BE49-F238E27FC236}">
-                <a16:creationId xmlns:a16="http://schemas.microsoft.com/office/drawing/2014/main" id="{D8A98920-A7D1-40AB-8422-7F76D9A74450}"/>
+                <a16:creationId xmlns:a16="http://schemas.microsoft.com/office/drawing/2014/main" xmlns="" id="{D8A98920-A7D1-40AB-8422-7F76D9A74450}"/>
               </a:ext>
             </a:extLst>
           </p:cNvPr>
@@ -27748,7 +27799,7 @@
           <p:cNvPr id="2" name="Title 1">
             <a:extLst>
               <a:ext uri="{FF2B5EF4-FFF2-40B4-BE49-F238E27FC236}">
-                <a16:creationId xmlns:a16="http://schemas.microsoft.com/office/drawing/2014/main" id="{9F53C0E6-5CA5-48E1-B370-E678425399F4}"/>
+                <a16:creationId xmlns:a16="http://schemas.microsoft.com/office/drawing/2014/main" xmlns="" id="{9F53C0E6-5CA5-48E1-B370-E678425399F4}"/>
               </a:ext>
             </a:extLst>
           </p:cNvPr>
@@ -27781,7 +27832,7 @@
           <p:cNvPr id="3" name="Content Placeholder 2">
             <a:extLst>
               <a:ext uri="{FF2B5EF4-FFF2-40B4-BE49-F238E27FC236}">
-                <a16:creationId xmlns:a16="http://schemas.microsoft.com/office/drawing/2014/main" id="{F0A4581A-26B3-40E7-A945-90C4D9B58292}"/>
+                <a16:creationId xmlns:a16="http://schemas.microsoft.com/office/drawing/2014/main" xmlns="" id="{F0A4581A-26B3-40E7-A945-90C4D9B58292}"/>
               </a:ext>
             </a:extLst>
           </p:cNvPr>
@@ -27938,7 +27989,7 @@
           <p:cNvPr id="4" name="Footer Placeholder 3">
             <a:extLst>
               <a:ext uri="{FF2B5EF4-FFF2-40B4-BE49-F238E27FC236}">
-                <a16:creationId xmlns:a16="http://schemas.microsoft.com/office/drawing/2014/main" id="{468DB02D-8EA4-498F-B683-EA0654CD2170}"/>
+                <a16:creationId xmlns:a16="http://schemas.microsoft.com/office/drawing/2014/main" xmlns="" id="{468DB02D-8EA4-498F-B683-EA0654CD2170}"/>
               </a:ext>
             </a:extLst>
           </p:cNvPr>
@@ -27967,7 +28018,7 @@
           <p:cNvPr id="5" name="Slide Number Placeholder 4">
             <a:extLst>
               <a:ext uri="{FF2B5EF4-FFF2-40B4-BE49-F238E27FC236}">
-                <a16:creationId xmlns:a16="http://schemas.microsoft.com/office/drawing/2014/main" id="{6D5A5A2A-7919-4717-A349-4EC0FC1119D4}"/>
+                <a16:creationId xmlns:a16="http://schemas.microsoft.com/office/drawing/2014/main" xmlns="" id="{6D5A5A2A-7919-4717-A349-4EC0FC1119D4}"/>
               </a:ext>
             </a:extLst>
           </p:cNvPr>
@@ -28026,7 +28077,7 @@
           <p:cNvPr id="2" name="Title 1">
             <a:extLst>
               <a:ext uri="{FF2B5EF4-FFF2-40B4-BE49-F238E27FC236}">
-                <a16:creationId xmlns:a16="http://schemas.microsoft.com/office/drawing/2014/main" id="{9F53C0E6-5CA5-48E1-B370-E678425399F4}"/>
+                <a16:creationId xmlns:a16="http://schemas.microsoft.com/office/drawing/2014/main" xmlns="" id="{9F53C0E6-5CA5-48E1-B370-E678425399F4}"/>
               </a:ext>
             </a:extLst>
           </p:cNvPr>
@@ -28059,7 +28110,7 @@
           <p:cNvPr id="3" name="Content Placeholder 2">
             <a:extLst>
               <a:ext uri="{FF2B5EF4-FFF2-40B4-BE49-F238E27FC236}">
-                <a16:creationId xmlns:a16="http://schemas.microsoft.com/office/drawing/2014/main" id="{F0A4581A-26B3-40E7-A945-90C4D9B58292}"/>
+                <a16:creationId xmlns:a16="http://schemas.microsoft.com/office/drawing/2014/main" xmlns="" id="{F0A4581A-26B3-40E7-A945-90C4D9B58292}"/>
               </a:ext>
             </a:extLst>
           </p:cNvPr>
@@ -28182,7 +28233,7 @@
           <p:cNvPr id="4" name="Footer Placeholder 3">
             <a:extLst>
               <a:ext uri="{FF2B5EF4-FFF2-40B4-BE49-F238E27FC236}">
-                <a16:creationId xmlns:a16="http://schemas.microsoft.com/office/drawing/2014/main" id="{B97B25CD-0BD4-4D74-9919-A088ED2230BC}"/>
+                <a16:creationId xmlns:a16="http://schemas.microsoft.com/office/drawing/2014/main" xmlns="" id="{B97B25CD-0BD4-4D74-9919-A088ED2230BC}"/>
               </a:ext>
             </a:extLst>
           </p:cNvPr>
@@ -28211,7 +28262,7 @@
           <p:cNvPr id="5" name="Slide Number Placeholder 4">
             <a:extLst>
               <a:ext uri="{FF2B5EF4-FFF2-40B4-BE49-F238E27FC236}">
-                <a16:creationId xmlns:a16="http://schemas.microsoft.com/office/drawing/2014/main" id="{26052105-53FA-4F13-AD4C-C4FE4A2E522F}"/>
+                <a16:creationId xmlns:a16="http://schemas.microsoft.com/office/drawing/2014/main" xmlns="" id="{26052105-53FA-4F13-AD4C-C4FE4A2E522F}"/>
               </a:ext>
             </a:extLst>
           </p:cNvPr>
@@ -28270,7 +28321,7 @@
           <p:cNvPr id="2" name="Title 1">
             <a:extLst>
               <a:ext uri="{FF2B5EF4-FFF2-40B4-BE49-F238E27FC236}">
-                <a16:creationId xmlns:a16="http://schemas.microsoft.com/office/drawing/2014/main" id="{9F53C0E6-5CA5-48E1-B370-E678425399F4}"/>
+                <a16:creationId xmlns:a16="http://schemas.microsoft.com/office/drawing/2014/main" xmlns="" id="{9F53C0E6-5CA5-48E1-B370-E678425399F4}"/>
               </a:ext>
             </a:extLst>
           </p:cNvPr>
@@ -28305,7 +28356,7 @@
               <p:cNvPr id="3" name="Content Placeholder 2">
                 <a:extLst>
                   <a:ext uri="{FF2B5EF4-FFF2-40B4-BE49-F238E27FC236}">
-                    <a16:creationId xmlns:a16="http://schemas.microsoft.com/office/drawing/2014/main" id="{F0A4581A-26B3-40E7-A945-90C4D9B58292}"/>
+                    <a16:creationId xmlns:a16="http://schemas.microsoft.com/office/drawing/2014/main" xmlns="" id="{F0A4581A-26B3-40E7-A945-90C4D9B58292}"/>
                   </a:ext>
                 </a:extLst>
               </p:cNvPr>
@@ -28501,7 +28552,7 @@
                         <m:fPr>
                           <m:ctrlPr>
                             <a:rPr lang="en-IN" sz="1800" i="1" smtClean="0">
-                              <a:latin typeface="Cambria Math" panose="02040503050406030204" pitchFamily="18" charset="0"/>
+                              <a:latin typeface="Cambria Math"/>
                             </a:rPr>
                           </m:ctrlPr>
                         </m:fPr>
@@ -28580,7 +28631,7 @@
                         <m:fPr>
                           <m:ctrlPr>
                             <a:rPr lang="en-IN" sz="1800" b="0" i="1" smtClean="0">
-                              <a:latin typeface="Cambria Math" panose="02040503050406030204" pitchFamily="18" charset="0"/>
+                              <a:latin typeface="Cambria Math"/>
                             </a:rPr>
                           </m:ctrlPr>
                         </m:fPr>
@@ -28746,7 +28797,7 @@
                         <m:dPr>
                           <m:ctrlPr>
                             <a:rPr lang="en-IN" sz="1800" b="0" i="1" smtClean="0">
-                              <a:latin typeface="Cambria Math" panose="02040503050406030204" pitchFamily="18" charset="0"/>
+                              <a:latin typeface="Cambria Math"/>
                             </a:rPr>
                           </m:ctrlPr>
                         </m:dPr>
@@ -28781,7 +28832,7 @@
                         <m:fPr>
                           <m:ctrlPr>
                             <a:rPr lang="en-IN" sz="1800" i="1" smtClean="0">
-                              <a:latin typeface="Cambria Math" panose="02040503050406030204" pitchFamily="18" charset="0"/>
+                              <a:latin typeface="Cambria Math"/>
                             </a:rPr>
                           </m:ctrlPr>
                         </m:fPr>
@@ -28860,7 +28911,7 @@
                         <m:fPr>
                           <m:ctrlPr>
                             <a:rPr lang="en-IN" sz="1800" b="0" i="1" smtClean="0">
-                              <a:latin typeface="Cambria Math" panose="02040503050406030204" pitchFamily="18" charset="0"/>
+                              <a:latin typeface="Cambria Math"/>
                             </a:rPr>
                           </m:ctrlPr>
                         </m:fPr>
@@ -29046,7 +29097,7 @@
           <p:cNvPr id="4" name="Footer Placeholder 3">
             <a:extLst>
               <a:ext uri="{FF2B5EF4-FFF2-40B4-BE49-F238E27FC236}">
-                <a16:creationId xmlns:a16="http://schemas.microsoft.com/office/drawing/2014/main" id="{540972A1-4BB3-4D04-B4DF-C76BA9B5CAD8}"/>
+                <a16:creationId xmlns:a16="http://schemas.microsoft.com/office/drawing/2014/main" xmlns="" id="{540972A1-4BB3-4D04-B4DF-C76BA9B5CAD8}"/>
               </a:ext>
             </a:extLst>
           </p:cNvPr>
@@ -29075,7 +29126,7 @@
           <p:cNvPr id="5" name="Slide Number Placeholder 4">
             <a:extLst>
               <a:ext uri="{FF2B5EF4-FFF2-40B4-BE49-F238E27FC236}">
-                <a16:creationId xmlns:a16="http://schemas.microsoft.com/office/drawing/2014/main" id="{23B5C741-F1AB-463E-B229-974B2924B065}"/>
+                <a16:creationId xmlns:a16="http://schemas.microsoft.com/office/drawing/2014/main" xmlns="" id="{23B5C741-F1AB-463E-B229-974B2924B065}"/>
               </a:ext>
             </a:extLst>
           </p:cNvPr>
@@ -29134,7 +29185,7 @@
           <p:cNvPr id="2" name="Title 1">
             <a:extLst>
               <a:ext uri="{FF2B5EF4-FFF2-40B4-BE49-F238E27FC236}">
-                <a16:creationId xmlns:a16="http://schemas.microsoft.com/office/drawing/2014/main" id="{9F53C0E6-5CA5-48E1-B370-E678425399F4}"/>
+                <a16:creationId xmlns:a16="http://schemas.microsoft.com/office/drawing/2014/main" xmlns="" id="{9F53C0E6-5CA5-48E1-B370-E678425399F4}"/>
               </a:ext>
             </a:extLst>
           </p:cNvPr>
@@ -29169,7 +29220,7 @@
               <p:cNvPr id="3" name="Content Placeholder 2">
                 <a:extLst>
                   <a:ext uri="{FF2B5EF4-FFF2-40B4-BE49-F238E27FC236}">
-                    <a16:creationId xmlns:a16="http://schemas.microsoft.com/office/drawing/2014/main" id="{F0A4581A-26B3-40E7-A945-90C4D9B58292}"/>
+                    <a16:creationId xmlns:a16="http://schemas.microsoft.com/office/drawing/2014/main" xmlns="" id="{F0A4581A-26B3-40E7-A945-90C4D9B58292}"/>
                   </a:ext>
                 </a:extLst>
               </p:cNvPr>
@@ -29255,7 +29306,7 @@
                         <m:fPr>
                           <m:ctrlPr>
                             <a:rPr lang="en-IN" sz="1800" i="1" smtClean="0">
-                              <a:latin typeface="Cambria Math" panose="02040503050406030204" pitchFamily="18" charset="0"/>
+                              <a:latin typeface="Cambria Math"/>
                             </a:rPr>
                           </m:ctrlPr>
                         </m:fPr>
@@ -29457,7 +29508,7 @@
                         <m:dPr>
                           <m:ctrlPr>
                             <a:rPr lang="en-IN" sz="1800" b="0" i="1" smtClean="0">
-                              <a:latin typeface="Cambria Math" panose="02040503050406030204" pitchFamily="18" charset="0"/>
+                              <a:latin typeface="Cambria Math"/>
                             </a:rPr>
                           </m:ctrlPr>
                         </m:dPr>
@@ -29492,7 +29543,7 @@
                         <m:fPr>
                           <m:ctrlPr>
                             <a:rPr lang="en-IN" sz="1800" i="1" smtClean="0">
-                              <a:latin typeface="Cambria Math" panose="02040503050406030204" pitchFamily="18" charset="0"/>
+                              <a:latin typeface="Cambria Math"/>
                             </a:rPr>
                           </m:ctrlPr>
                         </m:fPr>
@@ -29787,7 +29838,7 @@
           <p:cNvPr id="4" name="Footer Placeholder 3">
             <a:extLst>
               <a:ext uri="{FF2B5EF4-FFF2-40B4-BE49-F238E27FC236}">
-                <a16:creationId xmlns:a16="http://schemas.microsoft.com/office/drawing/2014/main" id="{540972A1-4BB3-4D04-B4DF-C76BA9B5CAD8}"/>
+                <a16:creationId xmlns:a16="http://schemas.microsoft.com/office/drawing/2014/main" xmlns="" id="{540972A1-4BB3-4D04-B4DF-C76BA9B5CAD8}"/>
               </a:ext>
             </a:extLst>
           </p:cNvPr>
@@ -29816,7 +29867,7 @@
           <p:cNvPr id="5" name="Slide Number Placeholder 4">
             <a:extLst>
               <a:ext uri="{FF2B5EF4-FFF2-40B4-BE49-F238E27FC236}">
-                <a16:creationId xmlns:a16="http://schemas.microsoft.com/office/drawing/2014/main" id="{23B5C741-F1AB-463E-B229-974B2924B065}"/>
+                <a16:creationId xmlns:a16="http://schemas.microsoft.com/office/drawing/2014/main" xmlns="" id="{23B5C741-F1AB-463E-B229-974B2924B065}"/>
               </a:ext>
             </a:extLst>
           </p:cNvPr>
@@ -29847,7 +29898,7 @@
               <p:cNvPr id="6" name="TextBox 5">
                 <a:extLst>
                   <a:ext uri="{FF2B5EF4-FFF2-40B4-BE49-F238E27FC236}">
-                    <a16:creationId xmlns:a16="http://schemas.microsoft.com/office/drawing/2014/main" id="{06515E04-E911-434E-B73D-C74090564F2D}"/>
+                    <a16:creationId xmlns:a16="http://schemas.microsoft.com/office/drawing/2014/main" xmlns="" id="{06515E04-E911-434E-B73D-C74090564F2D}"/>
                   </a:ext>
                 </a:extLst>
               </p:cNvPr>
@@ -29929,7 +29980,7 @@
                         <m:fPr>
                           <m:ctrlPr>
                             <a:rPr lang="en-IN" i="1">
-                              <a:latin typeface="Cambria Math" panose="02040503050406030204" pitchFamily="18" charset="0"/>
+                              <a:latin typeface="Cambria Math"/>
                             </a:rPr>
                           </m:ctrlPr>
                         </m:fPr>
@@ -29985,7 +30036,7 @@
                         <m:dPr>
                           <m:ctrlPr>
                             <a:rPr lang="en-IN" i="1">
-                              <a:latin typeface="Cambria Math" panose="02040503050406030204" pitchFamily="18" charset="0"/>
+                              <a:latin typeface="Cambria Math"/>
                             </a:rPr>
                           </m:ctrlPr>
                         </m:dPr>
@@ -30050,7 +30101,7 @@
                         <m:fPr>
                           <m:ctrlPr>
                             <a:rPr lang="en-IN" i="1">
-                              <a:latin typeface="Cambria Math" panose="02040503050406030204" pitchFamily="18" charset="0"/>
+                              <a:latin typeface="Cambria Math"/>
                             </a:rPr>
                           </m:ctrlPr>
                         </m:fPr>
@@ -30140,7 +30191,7 @@
               <p:cNvPr id="7" name="TextBox 6">
                 <a:extLst>
                   <a:ext uri="{FF2B5EF4-FFF2-40B4-BE49-F238E27FC236}">
-                    <a16:creationId xmlns:a16="http://schemas.microsoft.com/office/drawing/2014/main" id="{CA4377AD-0777-414C-BE82-54D482E0C00B}"/>
+                    <a16:creationId xmlns:a16="http://schemas.microsoft.com/office/drawing/2014/main" xmlns="" id="{CA4377AD-0777-414C-BE82-54D482E0C00B}"/>
                   </a:ext>
                 </a:extLst>
               </p:cNvPr>
@@ -30222,7 +30273,7 @@
                         <m:fPr>
                           <m:ctrlPr>
                             <a:rPr lang="en-IN" i="1">
-                              <a:latin typeface="Cambria Math" panose="02040503050406030204" pitchFamily="18" charset="0"/>
+                              <a:latin typeface="Cambria Math"/>
                             </a:rPr>
                           </m:ctrlPr>
                         </m:fPr>
@@ -30278,7 +30329,7 @@
                         <m:dPr>
                           <m:ctrlPr>
                             <a:rPr lang="en-IN" i="1">
-                              <a:latin typeface="Cambria Math" panose="02040503050406030204" pitchFamily="18" charset="0"/>
+                              <a:latin typeface="Cambria Math"/>
                             </a:rPr>
                           </m:ctrlPr>
                         </m:dPr>
@@ -30343,7 +30394,7 @@
                         <m:fPr>
                           <m:ctrlPr>
                             <a:rPr lang="en-IN" i="1">
-                              <a:latin typeface="Cambria Math" panose="02040503050406030204" pitchFamily="18" charset="0"/>
+                              <a:latin typeface="Cambria Math"/>
                             </a:rPr>
                           </m:ctrlPr>
                         </m:fPr>
@@ -30482,7 +30533,7 @@
     </a:clrScheme>
     <a:fontScheme name="Office">
       <a:majorFont>
-        <a:latin typeface="Calibri Light" panose="020F0302020204030204"/>
+        <a:latin typeface="Calibri Light"/>
         <a:ea typeface=""/>
         <a:cs typeface=""/>
         <a:font script="Jpan" typeface="游ゴシック Light"/>
@@ -30534,7 +30585,7 @@
         <a:font script="Tfng" typeface="Ebrima"/>
       </a:majorFont>
       <a:minorFont>
-        <a:latin typeface="Calibri" panose="020F0502020204030204"/>
+        <a:latin typeface="Calibri"/>
         <a:ea typeface=""/>
         <a:cs typeface=""/>
         <a:font script="Jpan" typeface="游ゴシック"/>
@@ -30728,7 +30779,7 @@
   <a:extraClrSchemeLst/>
   <a:extLst>
     <a:ext uri="{05A4C25C-085E-4340-85A3-A5531E510DB2}">
-      <thm15:themeFamily xmlns:thm15="http://schemas.microsoft.com/office/thememl/2012/main" name="Office Theme" id="{62F939B6-93AF-4DB8-9C6B-D6C7DFDC589F}" vid="{4A3C46E8-61CC-4603-A589-7422A47A8E4A}"/>
+      <thm15:themeFamily xmlns:thm15="http://schemas.microsoft.com/office/thememl/2012/main" xmlns="" name="Office Theme" id="{62F939B6-93AF-4DB8-9C6B-D6C7DFDC589F}" vid="{4A3C46E8-61CC-4603-A589-7422A47A8E4A}"/>
     </a:ext>
   </a:extLst>
 </a:theme>
@@ -30777,7 +30828,7 @@
     </a:clrScheme>
     <a:fontScheme name="Office">
       <a:majorFont>
-        <a:latin typeface="Calibri Light" panose="020F0302020204030204"/>
+        <a:latin typeface="Calibri Light"/>
         <a:ea typeface=""/>
         <a:cs typeface=""/>
         <a:font script="Jpan" typeface="游ゴシック Light"/>
@@ -30829,7 +30880,7 @@
         <a:font script="Tfng" typeface="Ebrima"/>
       </a:majorFont>
       <a:minorFont>
-        <a:latin typeface="Calibri" panose="020F0502020204030204"/>
+        <a:latin typeface="Calibri"/>
         <a:ea typeface=""/>
         <a:cs typeface=""/>
         <a:font script="Jpan" typeface="游ゴシック"/>
@@ -31023,7 +31074,7 @@
   <a:extraClrSchemeLst/>
   <a:extLst>
     <a:ext uri="{05A4C25C-085E-4340-85A3-A5531E510DB2}">
-      <thm15:themeFamily xmlns:thm15="http://schemas.microsoft.com/office/thememl/2012/main" name="Office Theme" id="{62F939B6-93AF-4DB8-9C6B-D6C7DFDC589F}" vid="{4A3C46E8-61CC-4603-A589-7422A47A8E4A}"/>
+      <thm15:themeFamily xmlns:thm15="http://schemas.microsoft.com/office/thememl/2012/main" xmlns="" name="Office Theme" id="{62F939B6-93AF-4DB8-9C6B-D6C7DFDC589F}" vid="{4A3C46E8-61CC-4603-A589-7422A47A8E4A}"/>
     </a:ext>
   </a:extLst>
 </a:theme>

--- a/readme.pptx
+++ b/readme.pptx
@@ -146,7 +146,7 @@
   </p:defaultTextStyle>
   <p:extLst>
     <p:ext uri="{EFAFB233-063F-42B5-8137-9DF3F51BA10A}">
-      <p15:sldGuideLst xmlns:p15="http://schemas.microsoft.com/office/powerpoint/2012/main" xmlns=""/>
+      <p15:sldGuideLst xmlns="" xmlns:p15="http://schemas.microsoft.com/office/powerpoint/2012/main"/>
     </p:ext>
   </p:extLst>
 </p:presentation>
@@ -234,7 +234,7 @@
           <a:p>
             <a:fld id="{3EBE19CC-9519-4C5F-A78F-AFC3EB8C266D}" type="datetimeFigureOut">
               <a:rPr lang="en-IN" smtClean="0"/>
-              <a:t>16-05-2021</a:t>
+              <a:t>19-05-2021</a:t>
             </a:fld>
             <a:endParaRPr lang="en-IN"/>
           </a:p>
@@ -524,7 +524,7 @@
           <p:cNvPr id="2" name="Title 1">
             <a:extLst>
               <a:ext uri="{FF2B5EF4-FFF2-40B4-BE49-F238E27FC236}">
-                <a16:creationId xmlns:a16="http://schemas.microsoft.com/office/drawing/2014/main" xmlns="" id="{AD6677EC-8707-4820-BADA-C8D002623C77}"/>
+                <a16:creationId xmlns="" xmlns:a16="http://schemas.microsoft.com/office/drawing/2014/main" id="{AD6677EC-8707-4820-BADA-C8D002623C77}"/>
               </a:ext>
             </a:extLst>
           </p:cNvPr>
@@ -562,7 +562,7 @@
           <p:cNvPr id="3" name="Subtitle 2">
             <a:extLst>
               <a:ext uri="{FF2B5EF4-FFF2-40B4-BE49-F238E27FC236}">
-                <a16:creationId xmlns:a16="http://schemas.microsoft.com/office/drawing/2014/main" xmlns="" id="{254CA423-B559-4D4C-A990-FC9123A2D2E4}"/>
+                <a16:creationId xmlns="" xmlns:a16="http://schemas.microsoft.com/office/drawing/2014/main" id="{254CA423-B559-4D4C-A990-FC9123A2D2E4}"/>
               </a:ext>
             </a:extLst>
           </p:cNvPr>
@@ -633,7 +633,7 @@
           <p:cNvPr id="4" name="Date Placeholder 3">
             <a:extLst>
               <a:ext uri="{FF2B5EF4-FFF2-40B4-BE49-F238E27FC236}">
-                <a16:creationId xmlns:a16="http://schemas.microsoft.com/office/drawing/2014/main" xmlns="" id="{13ABF47C-6BE7-481F-AB05-B52FBC9877B2}"/>
+                <a16:creationId xmlns="" xmlns:a16="http://schemas.microsoft.com/office/drawing/2014/main" id="{13ABF47C-6BE7-481F-AB05-B52FBC9877B2}"/>
               </a:ext>
             </a:extLst>
           </p:cNvPr>
@@ -651,7 +651,7 @@
           <a:p>
             <a:fld id="{95B38DEA-F89A-499A-81D4-0F17E13A0F54}" type="datetime1">
               <a:rPr lang="en-IN" smtClean="0"/>
-              <a:t>16-05-2021</a:t>
+              <a:t>19-05-2021</a:t>
             </a:fld>
             <a:endParaRPr lang="en-IN"/>
           </a:p>
@@ -662,7 +662,7 @@
           <p:cNvPr id="5" name="Footer Placeholder 4">
             <a:extLst>
               <a:ext uri="{FF2B5EF4-FFF2-40B4-BE49-F238E27FC236}">
-                <a16:creationId xmlns:a16="http://schemas.microsoft.com/office/drawing/2014/main" xmlns="" id="{CDB0413F-8EF5-4D34-BD5B-3C522BCECAD9}"/>
+                <a16:creationId xmlns="" xmlns:a16="http://schemas.microsoft.com/office/drawing/2014/main" id="{CDB0413F-8EF5-4D34-BD5B-3C522BCECAD9}"/>
               </a:ext>
             </a:extLst>
           </p:cNvPr>
@@ -691,7 +691,7 @@
           <p:cNvPr id="6" name="Slide Number Placeholder 5">
             <a:extLst>
               <a:ext uri="{FF2B5EF4-FFF2-40B4-BE49-F238E27FC236}">
-                <a16:creationId xmlns:a16="http://schemas.microsoft.com/office/drawing/2014/main" xmlns="" id="{3F3B31F8-E781-4D49-A386-D0041E93058C}"/>
+                <a16:creationId xmlns="" xmlns:a16="http://schemas.microsoft.com/office/drawing/2014/main" id="{3F3B31F8-E781-4D49-A386-D0041E93058C}"/>
               </a:ext>
             </a:extLst>
           </p:cNvPr>
@@ -750,7 +750,7 @@
           <p:cNvPr id="2" name="Title 1">
             <a:extLst>
               <a:ext uri="{FF2B5EF4-FFF2-40B4-BE49-F238E27FC236}">
-                <a16:creationId xmlns:a16="http://schemas.microsoft.com/office/drawing/2014/main" xmlns="" id="{2213ED4C-2D41-4FDA-ACD9-CF186DD3C3CA}"/>
+                <a16:creationId xmlns="" xmlns:a16="http://schemas.microsoft.com/office/drawing/2014/main" id="{2213ED4C-2D41-4FDA-ACD9-CF186DD3C3CA}"/>
               </a:ext>
             </a:extLst>
           </p:cNvPr>
@@ -779,7 +779,7 @@
           <p:cNvPr id="3" name="Vertical Text Placeholder 2">
             <a:extLst>
               <a:ext uri="{FF2B5EF4-FFF2-40B4-BE49-F238E27FC236}">
-                <a16:creationId xmlns:a16="http://schemas.microsoft.com/office/drawing/2014/main" xmlns="" id="{8E0B6A18-318A-4D0E-8ED7-59987F342179}"/>
+                <a16:creationId xmlns="" xmlns:a16="http://schemas.microsoft.com/office/drawing/2014/main" id="{8E0B6A18-318A-4D0E-8ED7-59987F342179}"/>
               </a:ext>
             </a:extLst>
           </p:cNvPr>
@@ -837,7 +837,7 @@
           <p:cNvPr id="4" name="Date Placeholder 3">
             <a:extLst>
               <a:ext uri="{FF2B5EF4-FFF2-40B4-BE49-F238E27FC236}">
-                <a16:creationId xmlns:a16="http://schemas.microsoft.com/office/drawing/2014/main" xmlns="" id="{EB20B605-C292-4D14-8912-8251D314F350}"/>
+                <a16:creationId xmlns="" xmlns:a16="http://schemas.microsoft.com/office/drawing/2014/main" id="{EB20B605-C292-4D14-8912-8251D314F350}"/>
               </a:ext>
             </a:extLst>
           </p:cNvPr>
@@ -855,7 +855,7 @@
           <a:p>
             <a:fld id="{52CB48DB-8752-4EC9-AEF1-132D60C612E3}" type="datetime1">
               <a:rPr lang="en-IN" smtClean="0"/>
-              <a:t>16-05-2021</a:t>
+              <a:t>19-05-2021</a:t>
             </a:fld>
             <a:endParaRPr lang="en-IN"/>
           </a:p>
@@ -866,7 +866,7 @@
           <p:cNvPr id="5" name="Footer Placeholder 4">
             <a:extLst>
               <a:ext uri="{FF2B5EF4-FFF2-40B4-BE49-F238E27FC236}">
-                <a16:creationId xmlns:a16="http://schemas.microsoft.com/office/drawing/2014/main" xmlns="" id="{0D230557-72CD-41CF-A4E5-A9B64FF15213}"/>
+                <a16:creationId xmlns="" xmlns:a16="http://schemas.microsoft.com/office/drawing/2014/main" id="{0D230557-72CD-41CF-A4E5-A9B64FF15213}"/>
               </a:ext>
             </a:extLst>
           </p:cNvPr>
@@ -895,7 +895,7 @@
           <p:cNvPr id="6" name="Slide Number Placeholder 5">
             <a:extLst>
               <a:ext uri="{FF2B5EF4-FFF2-40B4-BE49-F238E27FC236}">
-                <a16:creationId xmlns:a16="http://schemas.microsoft.com/office/drawing/2014/main" xmlns="" id="{2FE1D16F-C026-46E0-A7C9-F83599048AE0}"/>
+                <a16:creationId xmlns="" xmlns:a16="http://schemas.microsoft.com/office/drawing/2014/main" id="{2FE1D16F-C026-46E0-A7C9-F83599048AE0}"/>
               </a:ext>
             </a:extLst>
           </p:cNvPr>
@@ -954,7 +954,7 @@
           <p:cNvPr id="2" name="Vertical Title 1">
             <a:extLst>
               <a:ext uri="{FF2B5EF4-FFF2-40B4-BE49-F238E27FC236}">
-                <a16:creationId xmlns:a16="http://schemas.microsoft.com/office/drawing/2014/main" xmlns="" id="{8469DE12-C071-4A7D-8AE5-91FA861BC220}"/>
+                <a16:creationId xmlns="" xmlns:a16="http://schemas.microsoft.com/office/drawing/2014/main" id="{8469DE12-C071-4A7D-8AE5-91FA861BC220}"/>
               </a:ext>
             </a:extLst>
           </p:cNvPr>
@@ -988,7 +988,7 @@
           <p:cNvPr id="3" name="Vertical Text Placeholder 2">
             <a:extLst>
               <a:ext uri="{FF2B5EF4-FFF2-40B4-BE49-F238E27FC236}">
-                <a16:creationId xmlns:a16="http://schemas.microsoft.com/office/drawing/2014/main" xmlns="" id="{358265D5-5610-4284-BF94-42B608C74901}"/>
+                <a16:creationId xmlns="" xmlns:a16="http://schemas.microsoft.com/office/drawing/2014/main" id="{358265D5-5610-4284-BF94-42B608C74901}"/>
               </a:ext>
             </a:extLst>
           </p:cNvPr>
@@ -1051,7 +1051,7 @@
           <p:cNvPr id="4" name="Date Placeholder 3">
             <a:extLst>
               <a:ext uri="{FF2B5EF4-FFF2-40B4-BE49-F238E27FC236}">
-                <a16:creationId xmlns:a16="http://schemas.microsoft.com/office/drawing/2014/main" xmlns="" id="{306AA223-7897-4BD9-A6D1-A15242652B24}"/>
+                <a16:creationId xmlns="" xmlns:a16="http://schemas.microsoft.com/office/drawing/2014/main" id="{306AA223-7897-4BD9-A6D1-A15242652B24}"/>
               </a:ext>
             </a:extLst>
           </p:cNvPr>
@@ -1069,7 +1069,7 @@
           <a:p>
             <a:fld id="{20E4919B-0840-418F-81E8-D1EAC9FB2BFE}" type="datetime1">
               <a:rPr lang="en-IN" smtClean="0"/>
-              <a:t>16-05-2021</a:t>
+              <a:t>19-05-2021</a:t>
             </a:fld>
             <a:endParaRPr lang="en-IN"/>
           </a:p>
@@ -1080,7 +1080,7 @@
           <p:cNvPr id="5" name="Footer Placeholder 4">
             <a:extLst>
               <a:ext uri="{FF2B5EF4-FFF2-40B4-BE49-F238E27FC236}">
-                <a16:creationId xmlns:a16="http://schemas.microsoft.com/office/drawing/2014/main" xmlns="" id="{449AFCD7-05C4-4EFD-9123-53F406BD522A}"/>
+                <a16:creationId xmlns="" xmlns:a16="http://schemas.microsoft.com/office/drawing/2014/main" id="{449AFCD7-05C4-4EFD-9123-53F406BD522A}"/>
               </a:ext>
             </a:extLst>
           </p:cNvPr>
@@ -1109,7 +1109,7 @@
           <p:cNvPr id="6" name="Slide Number Placeholder 5">
             <a:extLst>
               <a:ext uri="{FF2B5EF4-FFF2-40B4-BE49-F238E27FC236}">
-                <a16:creationId xmlns:a16="http://schemas.microsoft.com/office/drawing/2014/main" xmlns="" id="{0E1416BD-B766-4C6F-9275-FD4ACE1EE922}"/>
+                <a16:creationId xmlns="" xmlns:a16="http://schemas.microsoft.com/office/drawing/2014/main" id="{0E1416BD-B766-4C6F-9275-FD4ACE1EE922}"/>
               </a:ext>
             </a:extLst>
           </p:cNvPr>
@@ -1168,7 +1168,7 @@
           <p:cNvPr id="2" name="Title 1">
             <a:extLst>
               <a:ext uri="{FF2B5EF4-FFF2-40B4-BE49-F238E27FC236}">
-                <a16:creationId xmlns:a16="http://schemas.microsoft.com/office/drawing/2014/main" xmlns="" id="{A82538AA-70C7-403B-9DCD-1DCB5FC6C1D3}"/>
+                <a16:creationId xmlns="" xmlns:a16="http://schemas.microsoft.com/office/drawing/2014/main" id="{A82538AA-70C7-403B-9DCD-1DCB5FC6C1D3}"/>
               </a:ext>
             </a:extLst>
           </p:cNvPr>
@@ -1197,7 +1197,7 @@
           <p:cNvPr id="3" name="Content Placeholder 2">
             <a:extLst>
               <a:ext uri="{FF2B5EF4-FFF2-40B4-BE49-F238E27FC236}">
-                <a16:creationId xmlns:a16="http://schemas.microsoft.com/office/drawing/2014/main" xmlns="" id="{1821E538-2875-4884-8011-6C623ABE5F26}"/>
+                <a16:creationId xmlns="" xmlns:a16="http://schemas.microsoft.com/office/drawing/2014/main" id="{1821E538-2875-4884-8011-6C623ABE5F26}"/>
               </a:ext>
             </a:extLst>
           </p:cNvPr>
@@ -1255,7 +1255,7 @@
           <p:cNvPr id="4" name="Date Placeholder 3">
             <a:extLst>
               <a:ext uri="{FF2B5EF4-FFF2-40B4-BE49-F238E27FC236}">
-                <a16:creationId xmlns:a16="http://schemas.microsoft.com/office/drawing/2014/main" xmlns="" id="{7F1CCF97-3F8D-4BE3-B3F4-704CF465CA7B}"/>
+                <a16:creationId xmlns="" xmlns:a16="http://schemas.microsoft.com/office/drawing/2014/main" id="{7F1CCF97-3F8D-4BE3-B3F4-704CF465CA7B}"/>
               </a:ext>
             </a:extLst>
           </p:cNvPr>
@@ -1273,7 +1273,7 @@
           <a:p>
             <a:fld id="{14A56409-1144-459D-8580-EF29D8BAED4A}" type="datetime1">
               <a:rPr lang="en-IN" smtClean="0"/>
-              <a:t>16-05-2021</a:t>
+              <a:t>19-05-2021</a:t>
             </a:fld>
             <a:endParaRPr lang="en-IN"/>
           </a:p>
@@ -1284,7 +1284,7 @@
           <p:cNvPr id="5" name="Footer Placeholder 4">
             <a:extLst>
               <a:ext uri="{FF2B5EF4-FFF2-40B4-BE49-F238E27FC236}">
-                <a16:creationId xmlns:a16="http://schemas.microsoft.com/office/drawing/2014/main" xmlns="" id="{8FCA0885-0058-4DCE-B0D8-A392309ED5F6}"/>
+                <a16:creationId xmlns="" xmlns:a16="http://schemas.microsoft.com/office/drawing/2014/main" id="{8FCA0885-0058-4DCE-B0D8-A392309ED5F6}"/>
               </a:ext>
             </a:extLst>
           </p:cNvPr>
@@ -1313,7 +1313,7 @@
           <p:cNvPr id="6" name="Slide Number Placeholder 5">
             <a:extLst>
               <a:ext uri="{FF2B5EF4-FFF2-40B4-BE49-F238E27FC236}">
-                <a16:creationId xmlns:a16="http://schemas.microsoft.com/office/drawing/2014/main" xmlns="" id="{12630807-4DF9-41CF-8A31-3107A20D42A5}"/>
+                <a16:creationId xmlns="" xmlns:a16="http://schemas.microsoft.com/office/drawing/2014/main" id="{12630807-4DF9-41CF-8A31-3107A20D42A5}"/>
               </a:ext>
             </a:extLst>
           </p:cNvPr>
@@ -1372,7 +1372,7 @@
           <p:cNvPr id="2" name="Title 1">
             <a:extLst>
               <a:ext uri="{FF2B5EF4-FFF2-40B4-BE49-F238E27FC236}">
-                <a16:creationId xmlns:a16="http://schemas.microsoft.com/office/drawing/2014/main" xmlns="" id="{9CFEB71D-02FC-48B4-A779-ADFE40687401}"/>
+                <a16:creationId xmlns="" xmlns:a16="http://schemas.microsoft.com/office/drawing/2014/main" id="{9CFEB71D-02FC-48B4-A779-ADFE40687401}"/>
               </a:ext>
             </a:extLst>
           </p:cNvPr>
@@ -1410,7 +1410,7 @@
           <p:cNvPr id="3" name="Text Placeholder 2">
             <a:extLst>
               <a:ext uri="{FF2B5EF4-FFF2-40B4-BE49-F238E27FC236}">
-                <a16:creationId xmlns:a16="http://schemas.microsoft.com/office/drawing/2014/main" xmlns="" id="{A1083A76-206C-445B-88AB-6EA74EA88133}"/>
+                <a16:creationId xmlns="" xmlns:a16="http://schemas.microsoft.com/office/drawing/2014/main" id="{A1083A76-206C-445B-88AB-6EA74EA88133}"/>
               </a:ext>
             </a:extLst>
           </p:cNvPr>
@@ -1535,7 +1535,7 @@
           <p:cNvPr id="4" name="Date Placeholder 3">
             <a:extLst>
               <a:ext uri="{FF2B5EF4-FFF2-40B4-BE49-F238E27FC236}">
-                <a16:creationId xmlns:a16="http://schemas.microsoft.com/office/drawing/2014/main" xmlns="" id="{B948F319-72EC-4826-9DD2-EF3EA0136035}"/>
+                <a16:creationId xmlns="" xmlns:a16="http://schemas.microsoft.com/office/drawing/2014/main" id="{B948F319-72EC-4826-9DD2-EF3EA0136035}"/>
               </a:ext>
             </a:extLst>
           </p:cNvPr>
@@ -1553,7 +1553,7 @@
           <a:p>
             <a:fld id="{67926871-090A-4D31-A9C1-76DEC3805894}" type="datetime1">
               <a:rPr lang="en-IN" smtClean="0"/>
-              <a:t>16-05-2021</a:t>
+              <a:t>19-05-2021</a:t>
             </a:fld>
             <a:endParaRPr lang="en-IN"/>
           </a:p>
@@ -1564,7 +1564,7 @@
           <p:cNvPr id="5" name="Footer Placeholder 4">
             <a:extLst>
               <a:ext uri="{FF2B5EF4-FFF2-40B4-BE49-F238E27FC236}">
-                <a16:creationId xmlns:a16="http://schemas.microsoft.com/office/drawing/2014/main" xmlns="" id="{BABA8B88-7AB1-4668-B759-ED40AF13F292}"/>
+                <a16:creationId xmlns="" xmlns:a16="http://schemas.microsoft.com/office/drawing/2014/main" id="{BABA8B88-7AB1-4668-B759-ED40AF13F292}"/>
               </a:ext>
             </a:extLst>
           </p:cNvPr>
@@ -1593,7 +1593,7 @@
           <p:cNvPr id="6" name="Slide Number Placeholder 5">
             <a:extLst>
               <a:ext uri="{FF2B5EF4-FFF2-40B4-BE49-F238E27FC236}">
-                <a16:creationId xmlns:a16="http://schemas.microsoft.com/office/drawing/2014/main" xmlns="" id="{CCB6E71B-F180-4BD9-81AD-DA4B1CFA38B8}"/>
+                <a16:creationId xmlns="" xmlns:a16="http://schemas.microsoft.com/office/drawing/2014/main" id="{CCB6E71B-F180-4BD9-81AD-DA4B1CFA38B8}"/>
               </a:ext>
             </a:extLst>
           </p:cNvPr>
@@ -1652,7 +1652,7 @@
           <p:cNvPr id="2" name="Title 1">
             <a:extLst>
               <a:ext uri="{FF2B5EF4-FFF2-40B4-BE49-F238E27FC236}">
-                <a16:creationId xmlns:a16="http://schemas.microsoft.com/office/drawing/2014/main" xmlns="" id="{E47950D1-0BC5-4433-9307-0C1090AF42FD}"/>
+                <a16:creationId xmlns="" xmlns:a16="http://schemas.microsoft.com/office/drawing/2014/main" id="{E47950D1-0BC5-4433-9307-0C1090AF42FD}"/>
               </a:ext>
             </a:extLst>
           </p:cNvPr>
@@ -1681,7 +1681,7 @@
           <p:cNvPr id="3" name="Content Placeholder 2">
             <a:extLst>
               <a:ext uri="{FF2B5EF4-FFF2-40B4-BE49-F238E27FC236}">
-                <a16:creationId xmlns:a16="http://schemas.microsoft.com/office/drawing/2014/main" xmlns="" id="{9D7D2B18-603C-40A0-AAAC-676EE2654956}"/>
+                <a16:creationId xmlns="" xmlns:a16="http://schemas.microsoft.com/office/drawing/2014/main" id="{9D7D2B18-603C-40A0-AAAC-676EE2654956}"/>
               </a:ext>
             </a:extLst>
           </p:cNvPr>
@@ -1744,7 +1744,7 @@
           <p:cNvPr id="4" name="Content Placeholder 3">
             <a:extLst>
               <a:ext uri="{FF2B5EF4-FFF2-40B4-BE49-F238E27FC236}">
-                <a16:creationId xmlns:a16="http://schemas.microsoft.com/office/drawing/2014/main" xmlns="" id="{154421C5-CFEF-4155-AB5E-010A7A9A6686}"/>
+                <a16:creationId xmlns="" xmlns:a16="http://schemas.microsoft.com/office/drawing/2014/main" id="{154421C5-CFEF-4155-AB5E-010A7A9A6686}"/>
               </a:ext>
             </a:extLst>
           </p:cNvPr>
@@ -1807,7 +1807,7 @@
           <p:cNvPr id="5" name="Date Placeholder 4">
             <a:extLst>
               <a:ext uri="{FF2B5EF4-FFF2-40B4-BE49-F238E27FC236}">
-                <a16:creationId xmlns:a16="http://schemas.microsoft.com/office/drawing/2014/main" xmlns="" id="{9D14BCF1-40CD-4789-8B4C-1D20A8E3304C}"/>
+                <a16:creationId xmlns="" xmlns:a16="http://schemas.microsoft.com/office/drawing/2014/main" id="{9D14BCF1-40CD-4789-8B4C-1D20A8E3304C}"/>
               </a:ext>
             </a:extLst>
           </p:cNvPr>
@@ -1825,7 +1825,7 @@
           <a:p>
             <a:fld id="{7F9657E2-E3D3-4B4C-9FD7-7329F62A123B}" type="datetime1">
               <a:rPr lang="en-IN" smtClean="0"/>
-              <a:t>16-05-2021</a:t>
+              <a:t>19-05-2021</a:t>
             </a:fld>
             <a:endParaRPr lang="en-IN"/>
           </a:p>
@@ -1836,7 +1836,7 @@
           <p:cNvPr id="6" name="Footer Placeholder 5">
             <a:extLst>
               <a:ext uri="{FF2B5EF4-FFF2-40B4-BE49-F238E27FC236}">
-                <a16:creationId xmlns:a16="http://schemas.microsoft.com/office/drawing/2014/main" xmlns="" id="{E4922A8D-303B-4526-80C4-42AED2713A8B}"/>
+                <a16:creationId xmlns="" xmlns:a16="http://schemas.microsoft.com/office/drawing/2014/main" id="{E4922A8D-303B-4526-80C4-42AED2713A8B}"/>
               </a:ext>
             </a:extLst>
           </p:cNvPr>
@@ -1865,7 +1865,7 @@
           <p:cNvPr id="7" name="Slide Number Placeholder 6">
             <a:extLst>
               <a:ext uri="{FF2B5EF4-FFF2-40B4-BE49-F238E27FC236}">
-                <a16:creationId xmlns:a16="http://schemas.microsoft.com/office/drawing/2014/main" xmlns="" id="{E3C30F65-B743-42C4-8ABC-09B079346975}"/>
+                <a16:creationId xmlns="" xmlns:a16="http://schemas.microsoft.com/office/drawing/2014/main" id="{E3C30F65-B743-42C4-8ABC-09B079346975}"/>
               </a:ext>
             </a:extLst>
           </p:cNvPr>
@@ -1924,7 +1924,7 @@
           <p:cNvPr id="2" name="Title 1">
             <a:extLst>
               <a:ext uri="{FF2B5EF4-FFF2-40B4-BE49-F238E27FC236}">
-                <a16:creationId xmlns:a16="http://schemas.microsoft.com/office/drawing/2014/main" xmlns="" id="{41595C1A-15C2-48ED-B0F8-BAA935B81F5E}"/>
+                <a16:creationId xmlns="" xmlns:a16="http://schemas.microsoft.com/office/drawing/2014/main" id="{41595C1A-15C2-48ED-B0F8-BAA935B81F5E}"/>
               </a:ext>
             </a:extLst>
           </p:cNvPr>
@@ -1958,7 +1958,7 @@
           <p:cNvPr id="3" name="Text Placeholder 2">
             <a:extLst>
               <a:ext uri="{FF2B5EF4-FFF2-40B4-BE49-F238E27FC236}">
-                <a16:creationId xmlns:a16="http://schemas.microsoft.com/office/drawing/2014/main" xmlns="" id="{03F02048-7C2A-4B08-BF76-13F8E88F3C86}"/>
+                <a16:creationId xmlns="" xmlns:a16="http://schemas.microsoft.com/office/drawing/2014/main" id="{03F02048-7C2A-4B08-BF76-13F8E88F3C86}"/>
               </a:ext>
             </a:extLst>
           </p:cNvPr>
@@ -2029,7 +2029,7 @@
           <p:cNvPr id="4" name="Content Placeholder 3">
             <a:extLst>
               <a:ext uri="{FF2B5EF4-FFF2-40B4-BE49-F238E27FC236}">
-                <a16:creationId xmlns:a16="http://schemas.microsoft.com/office/drawing/2014/main" xmlns="" id="{5B11E60C-383E-4752-AAC7-4D0B3FA81780}"/>
+                <a16:creationId xmlns="" xmlns:a16="http://schemas.microsoft.com/office/drawing/2014/main" id="{5B11E60C-383E-4752-AAC7-4D0B3FA81780}"/>
               </a:ext>
             </a:extLst>
           </p:cNvPr>
@@ -2092,7 +2092,7 @@
           <p:cNvPr id="5" name="Text Placeholder 4">
             <a:extLst>
               <a:ext uri="{FF2B5EF4-FFF2-40B4-BE49-F238E27FC236}">
-                <a16:creationId xmlns:a16="http://schemas.microsoft.com/office/drawing/2014/main" xmlns="" id="{66B61BD6-6302-4813-867C-D0AAEEE20034}"/>
+                <a16:creationId xmlns="" xmlns:a16="http://schemas.microsoft.com/office/drawing/2014/main" id="{66B61BD6-6302-4813-867C-D0AAEEE20034}"/>
               </a:ext>
             </a:extLst>
           </p:cNvPr>
@@ -2163,7 +2163,7 @@
           <p:cNvPr id="6" name="Content Placeholder 5">
             <a:extLst>
               <a:ext uri="{FF2B5EF4-FFF2-40B4-BE49-F238E27FC236}">
-                <a16:creationId xmlns:a16="http://schemas.microsoft.com/office/drawing/2014/main" xmlns="" id="{2DF16956-D767-410D-AAFD-FBDA7772B667}"/>
+                <a16:creationId xmlns="" xmlns:a16="http://schemas.microsoft.com/office/drawing/2014/main" id="{2DF16956-D767-410D-AAFD-FBDA7772B667}"/>
               </a:ext>
             </a:extLst>
           </p:cNvPr>
@@ -2226,7 +2226,7 @@
           <p:cNvPr id="7" name="Date Placeholder 6">
             <a:extLst>
               <a:ext uri="{FF2B5EF4-FFF2-40B4-BE49-F238E27FC236}">
-                <a16:creationId xmlns:a16="http://schemas.microsoft.com/office/drawing/2014/main" xmlns="" id="{96D7FCDA-4AC0-4681-AE6C-03F9DBAEEE60}"/>
+                <a16:creationId xmlns="" xmlns:a16="http://schemas.microsoft.com/office/drawing/2014/main" id="{96D7FCDA-4AC0-4681-AE6C-03F9DBAEEE60}"/>
               </a:ext>
             </a:extLst>
           </p:cNvPr>
@@ -2244,7 +2244,7 @@
           <a:p>
             <a:fld id="{664F21D5-2AAA-408A-910B-555FC11A1CF7}" type="datetime1">
               <a:rPr lang="en-IN" smtClean="0"/>
-              <a:t>16-05-2021</a:t>
+              <a:t>19-05-2021</a:t>
             </a:fld>
             <a:endParaRPr lang="en-IN"/>
           </a:p>
@@ -2255,7 +2255,7 @@
           <p:cNvPr id="8" name="Footer Placeholder 7">
             <a:extLst>
               <a:ext uri="{FF2B5EF4-FFF2-40B4-BE49-F238E27FC236}">
-                <a16:creationId xmlns:a16="http://schemas.microsoft.com/office/drawing/2014/main" xmlns="" id="{3BD46444-BBA5-497F-AA32-5A16AAB20EA5}"/>
+                <a16:creationId xmlns="" xmlns:a16="http://schemas.microsoft.com/office/drawing/2014/main" id="{3BD46444-BBA5-497F-AA32-5A16AAB20EA5}"/>
               </a:ext>
             </a:extLst>
           </p:cNvPr>
@@ -2284,7 +2284,7 @@
           <p:cNvPr id="9" name="Slide Number Placeholder 8">
             <a:extLst>
               <a:ext uri="{FF2B5EF4-FFF2-40B4-BE49-F238E27FC236}">
-                <a16:creationId xmlns:a16="http://schemas.microsoft.com/office/drawing/2014/main" xmlns="" id="{5835D463-682D-4A5C-A63F-C5813E57712C}"/>
+                <a16:creationId xmlns="" xmlns:a16="http://schemas.microsoft.com/office/drawing/2014/main" id="{5835D463-682D-4A5C-A63F-C5813E57712C}"/>
               </a:ext>
             </a:extLst>
           </p:cNvPr>
@@ -2343,7 +2343,7 @@
           <p:cNvPr id="2" name="Title 1">
             <a:extLst>
               <a:ext uri="{FF2B5EF4-FFF2-40B4-BE49-F238E27FC236}">
-                <a16:creationId xmlns:a16="http://schemas.microsoft.com/office/drawing/2014/main" xmlns="" id="{18014203-0E89-4589-AC9B-7CBB8ACFEB0E}"/>
+                <a16:creationId xmlns="" xmlns:a16="http://schemas.microsoft.com/office/drawing/2014/main" id="{18014203-0E89-4589-AC9B-7CBB8ACFEB0E}"/>
               </a:ext>
             </a:extLst>
           </p:cNvPr>
@@ -2372,7 +2372,7 @@
           <p:cNvPr id="3" name="Date Placeholder 2">
             <a:extLst>
               <a:ext uri="{FF2B5EF4-FFF2-40B4-BE49-F238E27FC236}">
-                <a16:creationId xmlns:a16="http://schemas.microsoft.com/office/drawing/2014/main" xmlns="" id="{EA1A5BE8-6563-4A9B-A9DF-E921E64FDBCD}"/>
+                <a16:creationId xmlns="" xmlns:a16="http://schemas.microsoft.com/office/drawing/2014/main" id="{EA1A5BE8-6563-4A9B-A9DF-E921E64FDBCD}"/>
               </a:ext>
             </a:extLst>
           </p:cNvPr>
@@ -2390,7 +2390,7 @@
           <a:p>
             <a:fld id="{F356A824-9512-4355-9382-9A341080930D}" type="datetime1">
               <a:rPr lang="en-IN" smtClean="0"/>
-              <a:t>16-05-2021</a:t>
+              <a:t>19-05-2021</a:t>
             </a:fld>
             <a:endParaRPr lang="en-IN"/>
           </a:p>
@@ -2401,7 +2401,7 @@
           <p:cNvPr id="4" name="Footer Placeholder 3">
             <a:extLst>
               <a:ext uri="{FF2B5EF4-FFF2-40B4-BE49-F238E27FC236}">
-                <a16:creationId xmlns:a16="http://schemas.microsoft.com/office/drawing/2014/main" xmlns="" id="{9A1CE8E4-E1B6-4FCC-BE1D-B60BD1B1B01D}"/>
+                <a16:creationId xmlns="" xmlns:a16="http://schemas.microsoft.com/office/drawing/2014/main" id="{9A1CE8E4-E1B6-4FCC-BE1D-B60BD1B1B01D}"/>
               </a:ext>
             </a:extLst>
           </p:cNvPr>
@@ -2430,7 +2430,7 @@
           <p:cNvPr id="5" name="Slide Number Placeholder 4">
             <a:extLst>
               <a:ext uri="{FF2B5EF4-FFF2-40B4-BE49-F238E27FC236}">
-                <a16:creationId xmlns:a16="http://schemas.microsoft.com/office/drawing/2014/main" xmlns="" id="{5C17A080-59BF-4690-930A-E3838C1219EC}"/>
+                <a16:creationId xmlns="" xmlns:a16="http://schemas.microsoft.com/office/drawing/2014/main" id="{5C17A080-59BF-4690-930A-E3838C1219EC}"/>
               </a:ext>
             </a:extLst>
           </p:cNvPr>
@@ -2489,7 +2489,7 @@
           <p:cNvPr id="2" name="Date Placeholder 1">
             <a:extLst>
               <a:ext uri="{FF2B5EF4-FFF2-40B4-BE49-F238E27FC236}">
-                <a16:creationId xmlns:a16="http://schemas.microsoft.com/office/drawing/2014/main" xmlns="" id="{EEBC0457-3BA2-4C45-88B7-E219D4272972}"/>
+                <a16:creationId xmlns="" xmlns:a16="http://schemas.microsoft.com/office/drawing/2014/main" id="{EEBC0457-3BA2-4C45-88B7-E219D4272972}"/>
               </a:ext>
             </a:extLst>
           </p:cNvPr>
@@ -2507,7 +2507,7 @@
           <a:p>
             <a:fld id="{61D5D980-7089-4CCA-A615-7CE5DE2E0A24}" type="datetime1">
               <a:rPr lang="en-IN" smtClean="0"/>
-              <a:t>16-05-2021</a:t>
+              <a:t>19-05-2021</a:t>
             </a:fld>
             <a:endParaRPr lang="en-IN"/>
           </a:p>
@@ -2518,7 +2518,7 @@
           <p:cNvPr id="3" name="Footer Placeholder 2">
             <a:extLst>
               <a:ext uri="{FF2B5EF4-FFF2-40B4-BE49-F238E27FC236}">
-                <a16:creationId xmlns:a16="http://schemas.microsoft.com/office/drawing/2014/main" xmlns="" id="{3BDC4564-BA34-4AF2-87DE-426509FD1319}"/>
+                <a16:creationId xmlns="" xmlns:a16="http://schemas.microsoft.com/office/drawing/2014/main" id="{3BDC4564-BA34-4AF2-87DE-426509FD1319}"/>
               </a:ext>
             </a:extLst>
           </p:cNvPr>
@@ -2547,7 +2547,7 @@
           <p:cNvPr id="4" name="Slide Number Placeholder 3">
             <a:extLst>
               <a:ext uri="{FF2B5EF4-FFF2-40B4-BE49-F238E27FC236}">
-                <a16:creationId xmlns:a16="http://schemas.microsoft.com/office/drawing/2014/main" xmlns="" id="{6771982A-07E2-45C5-A479-D2B8CF937139}"/>
+                <a16:creationId xmlns="" xmlns:a16="http://schemas.microsoft.com/office/drawing/2014/main" id="{6771982A-07E2-45C5-A479-D2B8CF937139}"/>
               </a:ext>
             </a:extLst>
           </p:cNvPr>
@@ -2606,7 +2606,7 @@
           <p:cNvPr id="2" name="Title 1">
             <a:extLst>
               <a:ext uri="{FF2B5EF4-FFF2-40B4-BE49-F238E27FC236}">
-                <a16:creationId xmlns:a16="http://schemas.microsoft.com/office/drawing/2014/main" xmlns="" id="{C906415D-865A-4910-87F5-700C462242D4}"/>
+                <a16:creationId xmlns="" xmlns:a16="http://schemas.microsoft.com/office/drawing/2014/main" id="{C906415D-865A-4910-87F5-700C462242D4}"/>
               </a:ext>
             </a:extLst>
           </p:cNvPr>
@@ -2644,7 +2644,7 @@
           <p:cNvPr id="3" name="Content Placeholder 2">
             <a:extLst>
               <a:ext uri="{FF2B5EF4-FFF2-40B4-BE49-F238E27FC236}">
-                <a16:creationId xmlns:a16="http://schemas.microsoft.com/office/drawing/2014/main" xmlns="" id="{57825CFD-6151-4A9A-928C-5B14495EE293}"/>
+                <a16:creationId xmlns="" xmlns:a16="http://schemas.microsoft.com/office/drawing/2014/main" id="{57825CFD-6151-4A9A-928C-5B14495EE293}"/>
               </a:ext>
             </a:extLst>
           </p:cNvPr>
@@ -2735,7 +2735,7 @@
           <p:cNvPr id="4" name="Text Placeholder 3">
             <a:extLst>
               <a:ext uri="{FF2B5EF4-FFF2-40B4-BE49-F238E27FC236}">
-                <a16:creationId xmlns:a16="http://schemas.microsoft.com/office/drawing/2014/main" xmlns="" id="{2DD50256-14A9-4760-867F-54FFAC07EE4D}"/>
+                <a16:creationId xmlns="" xmlns:a16="http://schemas.microsoft.com/office/drawing/2014/main" id="{2DD50256-14A9-4760-867F-54FFAC07EE4D}"/>
               </a:ext>
             </a:extLst>
           </p:cNvPr>
@@ -2806,7 +2806,7 @@
           <p:cNvPr id="5" name="Date Placeholder 4">
             <a:extLst>
               <a:ext uri="{FF2B5EF4-FFF2-40B4-BE49-F238E27FC236}">
-                <a16:creationId xmlns:a16="http://schemas.microsoft.com/office/drawing/2014/main" xmlns="" id="{AD30F158-1CCF-4187-B626-F3C2F7B23D97}"/>
+                <a16:creationId xmlns="" xmlns:a16="http://schemas.microsoft.com/office/drawing/2014/main" id="{AD30F158-1CCF-4187-B626-F3C2F7B23D97}"/>
               </a:ext>
             </a:extLst>
           </p:cNvPr>
@@ -2824,7 +2824,7 @@
           <a:p>
             <a:fld id="{BCBBCC49-34F1-4143-A247-5BD173D4A05B}" type="datetime1">
               <a:rPr lang="en-IN" smtClean="0"/>
-              <a:t>16-05-2021</a:t>
+              <a:t>19-05-2021</a:t>
             </a:fld>
             <a:endParaRPr lang="en-IN"/>
           </a:p>
@@ -2835,7 +2835,7 @@
           <p:cNvPr id="6" name="Footer Placeholder 5">
             <a:extLst>
               <a:ext uri="{FF2B5EF4-FFF2-40B4-BE49-F238E27FC236}">
-                <a16:creationId xmlns:a16="http://schemas.microsoft.com/office/drawing/2014/main" xmlns="" id="{4512C3F2-F875-4CB4-9457-F9A1515D0EC7}"/>
+                <a16:creationId xmlns="" xmlns:a16="http://schemas.microsoft.com/office/drawing/2014/main" id="{4512C3F2-F875-4CB4-9457-F9A1515D0EC7}"/>
               </a:ext>
             </a:extLst>
           </p:cNvPr>
@@ -2864,7 +2864,7 @@
           <p:cNvPr id="7" name="Slide Number Placeholder 6">
             <a:extLst>
               <a:ext uri="{FF2B5EF4-FFF2-40B4-BE49-F238E27FC236}">
-                <a16:creationId xmlns:a16="http://schemas.microsoft.com/office/drawing/2014/main" xmlns="" id="{AA3CE853-B5FE-4227-AF0F-664B0F6ED8B7}"/>
+                <a16:creationId xmlns="" xmlns:a16="http://schemas.microsoft.com/office/drawing/2014/main" id="{AA3CE853-B5FE-4227-AF0F-664B0F6ED8B7}"/>
               </a:ext>
             </a:extLst>
           </p:cNvPr>
@@ -2923,7 +2923,7 @@
           <p:cNvPr id="2" name="Title 1">
             <a:extLst>
               <a:ext uri="{FF2B5EF4-FFF2-40B4-BE49-F238E27FC236}">
-                <a16:creationId xmlns:a16="http://schemas.microsoft.com/office/drawing/2014/main" xmlns="" id="{80D99D6D-E397-499B-80A1-FCCB8CD81661}"/>
+                <a16:creationId xmlns="" xmlns:a16="http://schemas.microsoft.com/office/drawing/2014/main" id="{80D99D6D-E397-499B-80A1-FCCB8CD81661}"/>
               </a:ext>
             </a:extLst>
           </p:cNvPr>
@@ -2961,7 +2961,7 @@
           <p:cNvPr id="3" name="Picture Placeholder 2">
             <a:extLst>
               <a:ext uri="{FF2B5EF4-FFF2-40B4-BE49-F238E27FC236}">
-                <a16:creationId xmlns:a16="http://schemas.microsoft.com/office/drawing/2014/main" xmlns="" id="{56722E0C-C01F-432B-9A07-4394593E69CC}"/>
+                <a16:creationId xmlns="" xmlns:a16="http://schemas.microsoft.com/office/drawing/2014/main" id="{56722E0C-C01F-432B-9A07-4394593E69CC}"/>
               </a:ext>
             </a:extLst>
           </p:cNvPr>
@@ -3028,7 +3028,7 @@
           <p:cNvPr id="4" name="Text Placeholder 3">
             <a:extLst>
               <a:ext uri="{FF2B5EF4-FFF2-40B4-BE49-F238E27FC236}">
-                <a16:creationId xmlns:a16="http://schemas.microsoft.com/office/drawing/2014/main" xmlns="" id="{EBA23BD5-F29F-48AE-A588-72C8B39B7160}"/>
+                <a16:creationId xmlns="" xmlns:a16="http://schemas.microsoft.com/office/drawing/2014/main" id="{EBA23BD5-F29F-48AE-A588-72C8B39B7160}"/>
               </a:ext>
             </a:extLst>
           </p:cNvPr>
@@ -3099,7 +3099,7 @@
           <p:cNvPr id="5" name="Date Placeholder 4">
             <a:extLst>
               <a:ext uri="{FF2B5EF4-FFF2-40B4-BE49-F238E27FC236}">
-                <a16:creationId xmlns:a16="http://schemas.microsoft.com/office/drawing/2014/main" xmlns="" id="{DB18EA2F-8D4B-4FFD-8168-B65B7F82DF86}"/>
+                <a16:creationId xmlns="" xmlns:a16="http://schemas.microsoft.com/office/drawing/2014/main" id="{DB18EA2F-8D4B-4FFD-8168-B65B7F82DF86}"/>
               </a:ext>
             </a:extLst>
           </p:cNvPr>
@@ -3117,7 +3117,7 @@
           <a:p>
             <a:fld id="{2D62E49B-383D-4FEF-83E3-8391B88BD48A}" type="datetime1">
               <a:rPr lang="en-IN" smtClean="0"/>
-              <a:t>16-05-2021</a:t>
+              <a:t>19-05-2021</a:t>
             </a:fld>
             <a:endParaRPr lang="en-IN"/>
           </a:p>
@@ -3128,7 +3128,7 @@
           <p:cNvPr id="6" name="Footer Placeholder 5">
             <a:extLst>
               <a:ext uri="{FF2B5EF4-FFF2-40B4-BE49-F238E27FC236}">
-                <a16:creationId xmlns:a16="http://schemas.microsoft.com/office/drawing/2014/main" xmlns="" id="{8AA3483C-4BE1-456C-A6A4-4239387D691F}"/>
+                <a16:creationId xmlns="" xmlns:a16="http://schemas.microsoft.com/office/drawing/2014/main" id="{8AA3483C-4BE1-456C-A6A4-4239387D691F}"/>
               </a:ext>
             </a:extLst>
           </p:cNvPr>
@@ -3157,7 +3157,7 @@
           <p:cNvPr id="7" name="Slide Number Placeholder 6">
             <a:extLst>
               <a:ext uri="{FF2B5EF4-FFF2-40B4-BE49-F238E27FC236}">
-                <a16:creationId xmlns:a16="http://schemas.microsoft.com/office/drawing/2014/main" xmlns="" id="{7C032B66-311F-43C3-A0AB-4512D5F17D69}"/>
+                <a16:creationId xmlns="" xmlns:a16="http://schemas.microsoft.com/office/drawing/2014/main" id="{7C032B66-311F-43C3-A0AB-4512D5F17D69}"/>
               </a:ext>
             </a:extLst>
           </p:cNvPr>
@@ -3221,7 +3221,7 @@
           <p:cNvPr id="2" name="Title Placeholder 1">
             <a:extLst>
               <a:ext uri="{FF2B5EF4-FFF2-40B4-BE49-F238E27FC236}">
-                <a16:creationId xmlns:a16="http://schemas.microsoft.com/office/drawing/2014/main" xmlns="" id="{1AE5B7F7-712F-49D6-9569-DF86C5A96A89}"/>
+                <a16:creationId xmlns="" xmlns:a16="http://schemas.microsoft.com/office/drawing/2014/main" id="{1AE5B7F7-712F-49D6-9569-DF86C5A96A89}"/>
               </a:ext>
             </a:extLst>
           </p:cNvPr>
@@ -3260,7 +3260,7 @@
           <p:cNvPr id="3" name="Text Placeholder 2">
             <a:extLst>
               <a:ext uri="{FF2B5EF4-FFF2-40B4-BE49-F238E27FC236}">
-                <a16:creationId xmlns:a16="http://schemas.microsoft.com/office/drawing/2014/main" xmlns="" id="{B9F23EA2-C30F-43FD-A4C2-02AE6A315DB8}"/>
+                <a16:creationId xmlns="" xmlns:a16="http://schemas.microsoft.com/office/drawing/2014/main" id="{B9F23EA2-C30F-43FD-A4C2-02AE6A315DB8}"/>
               </a:ext>
             </a:extLst>
           </p:cNvPr>
@@ -3328,7 +3328,7 @@
           <p:cNvPr id="4" name="Date Placeholder 3">
             <a:extLst>
               <a:ext uri="{FF2B5EF4-FFF2-40B4-BE49-F238E27FC236}">
-                <a16:creationId xmlns:a16="http://schemas.microsoft.com/office/drawing/2014/main" xmlns="" id="{52CE41F2-C832-43D8-B69F-F49E7AADEF6E}"/>
+                <a16:creationId xmlns="" xmlns:a16="http://schemas.microsoft.com/office/drawing/2014/main" id="{52CE41F2-C832-43D8-B69F-F49E7AADEF6E}"/>
               </a:ext>
             </a:extLst>
           </p:cNvPr>
@@ -3364,7 +3364,7 @@
           <a:p>
             <a:fld id="{95403040-39FF-48B5-9AA8-D98B49EA5B67}" type="datetime1">
               <a:rPr lang="en-IN" smtClean="0"/>
-              <a:t>16-05-2021</a:t>
+              <a:t>19-05-2021</a:t>
             </a:fld>
             <a:endParaRPr lang="en-IN"/>
           </a:p>
@@ -3375,7 +3375,7 @@
           <p:cNvPr id="5" name="Footer Placeholder 4">
             <a:extLst>
               <a:ext uri="{FF2B5EF4-FFF2-40B4-BE49-F238E27FC236}">
-                <a16:creationId xmlns:a16="http://schemas.microsoft.com/office/drawing/2014/main" xmlns="" id="{16C0C3F3-C749-4F32-9EA1-BDF5BCF5F2D1}"/>
+                <a16:creationId xmlns="" xmlns:a16="http://schemas.microsoft.com/office/drawing/2014/main" id="{16C0C3F3-C749-4F32-9EA1-BDF5BCF5F2D1}"/>
               </a:ext>
             </a:extLst>
           </p:cNvPr>
@@ -3422,7 +3422,7 @@
           <p:cNvPr id="6" name="Slide Number Placeholder 5">
             <a:extLst>
               <a:ext uri="{FF2B5EF4-FFF2-40B4-BE49-F238E27FC236}">
-                <a16:creationId xmlns:a16="http://schemas.microsoft.com/office/drawing/2014/main" xmlns="" id="{DF4FB91D-C6B8-421D-81EB-651EAD2A8364}"/>
+                <a16:creationId xmlns="" xmlns:a16="http://schemas.microsoft.com/office/drawing/2014/main" id="{DF4FB91D-C6B8-421D-81EB-651EAD2A8364}"/>
               </a:ext>
             </a:extLst>
           </p:cNvPr>
@@ -3791,7 +3791,7 @@
           <p:cNvPr id="2" name="Title 1">
             <a:extLst>
               <a:ext uri="{FF2B5EF4-FFF2-40B4-BE49-F238E27FC236}">
-                <a16:creationId xmlns:a16="http://schemas.microsoft.com/office/drawing/2014/main" xmlns="" id="{0B983FEF-B0DF-4375-9F52-1D18A58B79C9}"/>
+                <a16:creationId xmlns="" xmlns:a16="http://schemas.microsoft.com/office/drawing/2014/main" id="{0B983FEF-B0DF-4375-9F52-1D18A58B79C9}"/>
               </a:ext>
             </a:extLst>
           </p:cNvPr>
@@ -3826,7 +3826,7 @@
           <p:cNvPr id="3" name="Subtitle 2">
             <a:extLst>
               <a:ext uri="{FF2B5EF4-FFF2-40B4-BE49-F238E27FC236}">
-                <a16:creationId xmlns:a16="http://schemas.microsoft.com/office/drawing/2014/main" xmlns="" id="{1A2A60DB-2279-441D-8885-2771CB5128AF}"/>
+                <a16:creationId xmlns="" xmlns:a16="http://schemas.microsoft.com/office/drawing/2014/main" id="{1A2A60DB-2279-441D-8885-2771CB5128AF}"/>
               </a:ext>
             </a:extLst>
           </p:cNvPr>
@@ -3865,7 +3865,7 @@
           <p:cNvPr id="4" name="Footer Placeholder 3">
             <a:extLst>
               <a:ext uri="{FF2B5EF4-FFF2-40B4-BE49-F238E27FC236}">
-                <a16:creationId xmlns:a16="http://schemas.microsoft.com/office/drawing/2014/main" xmlns="" id="{2508C9A7-6855-4D15-8EB4-41AA058C5DD7}"/>
+                <a16:creationId xmlns="" xmlns:a16="http://schemas.microsoft.com/office/drawing/2014/main" id="{2508C9A7-6855-4D15-8EB4-41AA058C5DD7}"/>
               </a:ext>
             </a:extLst>
           </p:cNvPr>
@@ -3894,7 +3894,7 @@
           <p:cNvPr id="5" name="Slide Number Placeholder 4">
             <a:extLst>
               <a:ext uri="{FF2B5EF4-FFF2-40B4-BE49-F238E27FC236}">
-                <a16:creationId xmlns:a16="http://schemas.microsoft.com/office/drawing/2014/main" xmlns="" id="{00F6A3EF-20DA-497B-A31B-F0824C635938}"/>
+                <a16:creationId xmlns="" xmlns:a16="http://schemas.microsoft.com/office/drawing/2014/main" id="{00F6A3EF-20DA-497B-A31B-F0824C635938}"/>
               </a:ext>
             </a:extLst>
           </p:cNvPr>
@@ -3953,7 +3953,7 @@
           <p:cNvPr id="2" name="Title 1">
             <a:extLst>
               <a:ext uri="{FF2B5EF4-FFF2-40B4-BE49-F238E27FC236}">
-                <a16:creationId xmlns:a16="http://schemas.microsoft.com/office/drawing/2014/main" xmlns="" id="{9F53C0E6-5CA5-48E1-B370-E678425399F4}"/>
+                <a16:creationId xmlns="" xmlns:a16="http://schemas.microsoft.com/office/drawing/2014/main" id="{9F53C0E6-5CA5-48E1-B370-E678425399F4}"/>
               </a:ext>
             </a:extLst>
           </p:cNvPr>
@@ -3986,7 +3986,7 @@
           <p:cNvPr id="3" name="Content Placeholder 2">
             <a:extLst>
               <a:ext uri="{FF2B5EF4-FFF2-40B4-BE49-F238E27FC236}">
-                <a16:creationId xmlns:a16="http://schemas.microsoft.com/office/drawing/2014/main" xmlns="" id="{F0A4581A-26B3-40E7-A945-90C4D9B58292}"/>
+                <a16:creationId xmlns="" xmlns:a16="http://schemas.microsoft.com/office/drawing/2014/main" id="{F0A4581A-26B3-40E7-A945-90C4D9B58292}"/>
               </a:ext>
             </a:extLst>
           </p:cNvPr>
@@ -4195,7 +4195,7 @@
           <p:cNvPr id="4" name="Footer Placeholder 3">
             <a:extLst>
               <a:ext uri="{FF2B5EF4-FFF2-40B4-BE49-F238E27FC236}">
-                <a16:creationId xmlns:a16="http://schemas.microsoft.com/office/drawing/2014/main" xmlns="" id="{540972A1-4BB3-4D04-B4DF-C76BA9B5CAD8}"/>
+                <a16:creationId xmlns="" xmlns:a16="http://schemas.microsoft.com/office/drawing/2014/main" id="{540972A1-4BB3-4D04-B4DF-C76BA9B5CAD8}"/>
               </a:ext>
             </a:extLst>
           </p:cNvPr>
@@ -4224,7 +4224,7 @@
           <p:cNvPr id="5" name="Slide Number Placeholder 4">
             <a:extLst>
               <a:ext uri="{FF2B5EF4-FFF2-40B4-BE49-F238E27FC236}">
-                <a16:creationId xmlns:a16="http://schemas.microsoft.com/office/drawing/2014/main" xmlns="" id="{23B5C741-F1AB-463E-B229-974B2924B065}"/>
+                <a16:creationId xmlns="" xmlns:a16="http://schemas.microsoft.com/office/drawing/2014/main" id="{23B5C741-F1AB-463E-B229-974B2924B065}"/>
               </a:ext>
             </a:extLst>
           </p:cNvPr>
@@ -4255,7 +4255,7 @@
               <p:cNvPr id="6" name="TextBox 5">
                 <a:extLst>
                   <a:ext uri="{FF2B5EF4-FFF2-40B4-BE49-F238E27FC236}">
-                    <a16:creationId xmlns:a16="http://schemas.microsoft.com/office/drawing/2014/main" xmlns="" id="{3B7D199C-87B8-4A4A-8528-5D7137997D35}"/>
+                    <a16:creationId xmlns="" xmlns:a16="http://schemas.microsoft.com/office/drawing/2014/main" id="{3B7D199C-87B8-4A4A-8528-5D7137997D35}"/>
                   </a:ext>
                 </a:extLst>
               </p:cNvPr>
@@ -4516,7 +4516,7 @@
               <p:cNvPr id="7" name="TextBox 6">
                 <a:extLst>
                   <a:ext uri="{FF2B5EF4-FFF2-40B4-BE49-F238E27FC236}">
-                    <a16:creationId xmlns:a16="http://schemas.microsoft.com/office/drawing/2014/main" xmlns="" id="{A9E66421-BD90-4084-9F9B-6ABE27CAF5BD}"/>
+                    <a16:creationId xmlns="" xmlns:a16="http://schemas.microsoft.com/office/drawing/2014/main" id="{A9E66421-BD90-4084-9F9B-6ABE27CAF5BD}"/>
                   </a:ext>
                 </a:extLst>
               </p:cNvPr>
@@ -4837,7 +4837,7 @@
               <p:cNvPr id="8" name="TextBox 7">
                 <a:extLst>
                   <a:ext uri="{FF2B5EF4-FFF2-40B4-BE49-F238E27FC236}">
-                    <a16:creationId xmlns:a16="http://schemas.microsoft.com/office/drawing/2014/main" xmlns="" id="{1C685DB0-6F52-425A-A009-34864907B0A1}"/>
+                    <a16:creationId xmlns="" xmlns:a16="http://schemas.microsoft.com/office/drawing/2014/main" id="{1C685DB0-6F52-425A-A009-34864907B0A1}"/>
                   </a:ext>
                 </a:extLst>
               </p:cNvPr>
@@ -5110,7 +5110,7 @@
               <p:cNvPr id="9" name="TextBox 8">
                 <a:extLst>
                   <a:ext uri="{FF2B5EF4-FFF2-40B4-BE49-F238E27FC236}">
-                    <a16:creationId xmlns:a16="http://schemas.microsoft.com/office/drawing/2014/main" xmlns="" id="{3DAB24E0-EDF4-4C3C-8A39-C4846E7D141A}"/>
+                    <a16:creationId xmlns="" xmlns:a16="http://schemas.microsoft.com/office/drawing/2014/main" id="{3DAB24E0-EDF4-4C3C-8A39-C4846E7D141A}"/>
                   </a:ext>
                 </a:extLst>
               </p:cNvPr>
@@ -5459,7 +5459,7 @@
           <p:cNvPr id="2" name="Title 1">
             <a:extLst>
               <a:ext uri="{FF2B5EF4-FFF2-40B4-BE49-F238E27FC236}">
-                <a16:creationId xmlns:a16="http://schemas.microsoft.com/office/drawing/2014/main" xmlns="" id="{9F53C0E6-5CA5-48E1-B370-E678425399F4}"/>
+                <a16:creationId xmlns="" xmlns:a16="http://schemas.microsoft.com/office/drawing/2014/main" id="{9F53C0E6-5CA5-48E1-B370-E678425399F4}"/>
               </a:ext>
             </a:extLst>
           </p:cNvPr>
@@ -5494,7 +5494,7 @@
               <p:cNvPr id="3" name="Content Placeholder 2">
                 <a:extLst>
                   <a:ext uri="{FF2B5EF4-FFF2-40B4-BE49-F238E27FC236}">
-                    <a16:creationId xmlns:a16="http://schemas.microsoft.com/office/drawing/2014/main" xmlns="" id="{F0A4581A-26B3-40E7-A945-90C4D9B58292}"/>
+                    <a16:creationId xmlns="" xmlns:a16="http://schemas.microsoft.com/office/drawing/2014/main" id="{F0A4581A-26B3-40E7-A945-90C4D9B58292}"/>
                   </a:ext>
                 </a:extLst>
               </p:cNvPr>
@@ -6053,7 +6053,7 @@
           <p:cNvPr id="4" name="Footer Placeholder 3">
             <a:extLst>
               <a:ext uri="{FF2B5EF4-FFF2-40B4-BE49-F238E27FC236}">
-                <a16:creationId xmlns:a16="http://schemas.microsoft.com/office/drawing/2014/main" xmlns="" id="{540972A1-4BB3-4D04-B4DF-C76BA9B5CAD8}"/>
+                <a16:creationId xmlns="" xmlns:a16="http://schemas.microsoft.com/office/drawing/2014/main" id="{540972A1-4BB3-4D04-B4DF-C76BA9B5CAD8}"/>
               </a:ext>
             </a:extLst>
           </p:cNvPr>
@@ -6082,7 +6082,7 @@
           <p:cNvPr id="5" name="Slide Number Placeholder 4">
             <a:extLst>
               <a:ext uri="{FF2B5EF4-FFF2-40B4-BE49-F238E27FC236}">
-                <a16:creationId xmlns:a16="http://schemas.microsoft.com/office/drawing/2014/main" xmlns="" id="{23B5C741-F1AB-463E-B229-974B2924B065}"/>
+                <a16:creationId xmlns="" xmlns:a16="http://schemas.microsoft.com/office/drawing/2014/main" id="{23B5C741-F1AB-463E-B229-974B2924B065}"/>
               </a:ext>
             </a:extLst>
           </p:cNvPr>
@@ -6141,7 +6141,7 @@
           <p:cNvPr id="2" name="Title 1">
             <a:extLst>
               <a:ext uri="{FF2B5EF4-FFF2-40B4-BE49-F238E27FC236}">
-                <a16:creationId xmlns:a16="http://schemas.microsoft.com/office/drawing/2014/main" xmlns="" id="{9F53C0E6-5CA5-48E1-B370-E678425399F4}"/>
+                <a16:creationId xmlns="" xmlns:a16="http://schemas.microsoft.com/office/drawing/2014/main" id="{9F53C0E6-5CA5-48E1-B370-E678425399F4}"/>
               </a:ext>
             </a:extLst>
           </p:cNvPr>
@@ -6176,7 +6176,7 @@
               <p:cNvPr id="3" name="Content Placeholder 2">
                 <a:extLst>
                   <a:ext uri="{FF2B5EF4-FFF2-40B4-BE49-F238E27FC236}">
-                    <a16:creationId xmlns:a16="http://schemas.microsoft.com/office/drawing/2014/main" xmlns="" id="{F0A4581A-26B3-40E7-A945-90C4D9B58292}"/>
+                    <a16:creationId xmlns="" xmlns:a16="http://schemas.microsoft.com/office/drawing/2014/main" id="{F0A4581A-26B3-40E7-A945-90C4D9B58292}"/>
                   </a:ext>
                 </a:extLst>
               </p:cNvPr>
@@ -6601,7 +6601,7 @@
           <p:cNvPr id="4" name="Footer Placeholder 3">
             <a:extLst>
               <a:ext uri="{FF2B5EF4-FFF2-40B4-BE49-F238E27FC236}">
-                <a16:creationId xmlns:a16="http://schemas.microsoft.com/office/drawing/2014/main" xmlns="" id="{540972A1-4BB3-4D04-B4DF-C76BA9B5CAD8}"/>
+                <a16:creationId xmlns="" xmlns:a16="http://schemas.microsoft.com/office/drawing/2014/main" id="{540972A1-4BB3-4D04-B4DF-C76BA9B5CAD8}"/>
               </a:ext>
             </a:extLst>
           </p:cNvPr>
@@ -6630,7 +6630,7 @@
           <p:cNvPr id="5" name="Slide Number Placeholder 4">
             <a:extLst>
               <a:ext uri="{FF2B5EF4-FFF2-40B4-BE49-F238E27FC236}">
-                <a16:creationId xmlns:a16="http://schemas.microsoft.com/office/drawing/2014/main" xmlns="" id="{23B5C741-F1AB-463E-B229-974B2924B065}"/>
+                <a16:creationId xmlns="" xmlns:a16="http://schemas.microsoft.com/office/drawing/2014/main" id="{23B5C741-F1AB-463E-B229-974B2924B065}"/>
               </a:ext>
             </a:extLst>
           </p:cNvPr>
@@ -6659,7 +6659,7 @@
           <p:cNvPr id="6" name="Table 6">
             <a:extLst>
               <a:ext uri="{FF2B5EF4-FFF2-40B4-BE49-F238E27FC236}">
-                <a16:creationId xmlns:a16="http://schemas.microsoft.com/office/drawing/2014/main" xmlns="" id="{08CE9452-00C6-4E2F-AF96-8DB070484659}"/>
+                <a16:creationId xmlns="" xmlns:a16="http://schemas.microsoft.com/office/drawing/2014/main" id="{08CE9452-00C6-4E2F-AF96-8DB070484659}"/>
               </a:ext>
             </a:extLst>
           </p:cNvPr>
@@ -6693,14 +6693,14 @@
                 <a:gridCol w="613173">
                   <a:extLst>
                     <a:ext uri="{9D8B030D-6E8A-4147-A177-3AD203B41FA5}">
-                      <a16:colId xmlns:a16="http://schemas.microsoft.com/office/drawing/2014/main" xmlns="" val="953926796"/>
+                      <a16:colId xmlns="" xmlns:a16="http://schemas.microsoft.com/office/drawing/2014/main" val="953926796"/>
                     </a:ext>
                   </a:extLst>
                 </a:gridCol>
                 <a:gridCol w="9371236">
                   <a:extLst>
                     <a:ext uri="{9D8B030D-6E8A-4147-A177-3AD203B41FA5}">
-                      <a16:colId xmlns:a16="http://schemas.microsoft.com/office/drawing/2014/main" xmlns="" val="319029335"/>
+                      <a16:colId xmlns="" xmlns:a16="http://schemas.microsoft.com/office/drawing/2014/main" val="319029335"/>
                     </a:ext>
                   </a:extLst>
                 </a:gridCol>
@@ -6816,7 +6816,7 @@
                 </a:tc>
                 <a:extLst>
                   <a:ext uri="{0D108BD9-81ED-4DB2-BD59-A6C34878D82A}">
-                    <a16:rowId xmlns:a16="http://schemas.microsoft.com/office/drawing/2014/main" xmlns="" val="3454209587"/>
+                    <a16:rowId xmlns="" xmlns:a16="http://schemas.microsoft.com/office/drawing/2014/main" val="3454209587"/>
                   </a:ext>
                 </a:extLst>
               </a:tr>
@@ -6955,7 +6955,7 @@
                 </a:tc>
                 <a:extLst>
                   <a:ext uri="{0D108BD9-81ED-4DB2-BD59-A6C34878D82A}">
-                    <a16:rowId xmlns:a16="http://schemas.microsoft.com/office/drawing/2014/main" xmlns="" val="292879483"/>
+                    <a16:rowId xmlns="" xmlns:a16="http://schemas.microsoft.com/office/drawing/2014/main" val="292879483"/>
                   </a:ext>
                 </a:extLst>
               </a:tr>
@@ -7094,7 +7094,7 @@
                 </a:tc>
                 <a:extLst>
                   <a:ext uri="{0D108BD9-81ED-4DB2-BD59-A6C34878D82A}">
-                    <a16:rowId xmlns:a16="http://schemas.microsoft.com/office/drawing/2014/main" xmlns="" val="3295560409"/>
+                    <a16:rowId xmlns="" xmlns:a16="http://schemas.microsoft.com/office/drawing/2014/main" val="3295560409"/>
                   </a:ext>
                 </a:extLst>
               </a:tr>
@@ -7137,7 +7137,7 @@
           <p:cNvPr id="2" name="Title 1">
             <a:extLst>
               <a:ext uri="{FF2B5EF4-FFF2-40B4-BE49-F238E27FC236}">
-                <a16:creationId xmlns:a16="http://schemas.microsoft.com/office/drawing/2014/main" xmlns="" id="{9F53C0E6-5CA5-48E1-B370-E678425399F4}"/>
+                <a16:creationId xmlns="" xmlns:a16="http://schemas.microsoft.com/office/drawing/2014/main" id="{9F53C0E6-5CA5-48E1-B370-E678425399F4}"/>
               </a:ext>
             </a:extLst>
           </p:cNvPr>
@@ -7170,7 +7170,7 @@
           <p:cNvPr id="3" name="Content Placeholder 2">
             <a:extLst>
               <a:ext uri="{FF2B5EF4-FFF2-40B4-BE49-F238E27FC236}">
-                <a16:creationId xmlns:a16="http://schemas.microsoft.com/office/drawing/2014/main" xmlns="" id="{F0A4581A-26B3-40E7-A945-90C4D9B58292}"/>
+                <a16:creationId xmlns="" xmlns:a16="http://schemas.microsoft.com/office/drawing/2014/main" id="{F0A4581A-26B3-40E7-A945-90C4D9B58292}"/>
               </a:ext>
             </a:extLst>
           </p:cNvPr>
@@ -7398,7 +7398,7 @@
           <p:cNvPr id="4" name="Footer Placeholder 3">
             <a:extLst>
               <a:ext uri="{FF2B5EF4-FFF2-40B4-BE49-F238E27FC236}">
-                <a16:creationId xmlns:a16="http://schemas.microsoft.com/office/drawing/2014/main" xmlns="" id="{540972A1-4BB3-4D04-B4DF-C76BA9B5CAD8}"/>
+                <a16:creationId xmlns="" xmlns:a16="http://schemas.microsoft.com/office/drawing/2014/main" id="{540972A1-4BB3-4D04-B4DF-C76BA9B5CAD8}"/>
               </a:ext>
             </a:extLst>
           </p:cNvPr>
@@ -7427,7 +7427,7 @@
           <p:cNvPr id="5" name="Slide Number Placeholder 4">
             <a:extLst>
               <a:ext uri="{FF2B5EF4-FFF2-40B4-BE49-F238E27FC236}">
-                <a16:creationId xmlns:a16="http://schemas.microsoft.com/office/drawing/2014/main" xmlns="" id="{23B5C741-F1AB-463E-B229-974B2924B065}"/>
+                <a16:creationId xmlns="" xmlns:a16="http://schemas.microsoft.com/office/drawing/2014/main" id="{23B5C741-F1AB-463E-B229-974B2924B065}"/>
               </a:ext>
             </a:extLst>
           </p:cNvPr>
@@ -7486,7 +7486,7 @@
           <p:cNvPr id="2" name="Title 1">
             <a:extLst>
               <a:ext uri="{FF2B5EF4-FFF2-40B4-BE49-F238E27FC236}">
-                <a16:creationId xmlns:a16="http://schemas.microsoft.com/office/drawing/2014/main" xmlns="" id="{9F53C0E6-5CA5-48E1-B370-E678425399F4}"/>
+                <a16:creationId xmlns="" xmlns:a16="http://schemas.microsoft.com/office/drawing/2014/main" id="{9F53C0E6-5CA5-48E1-B370-E678425399F4}"/>
               </a:ext>
             </a:extLst>
           </p:cNvPr>
@@ -7519,7 +7519,7 @@
           <p:cNvPr id="6" name="Table 6">
             <a:extLst>
               <a:ext uri="{FF2B5EF4-FFF2-40B4-BE49-F238E27FC236}">
-                <a16:creationId xmlns:a16="http://schemas.microsoft.com/office/drawing/2014/main" xmlns="" id="{705F427A-9AF8-4A7C-A89C-A285216FCFA6}"/>
+                <a16:creationId xmlns="" xmlns:a16="http://schemas.microsoft.com/office/drawing/2014/main" id="{705F427A-9AF8-4A7C-A89C-A285216FCFA6}"/>
               </a:ext>
             </a:extLst>
           </p:cNvPr>
@@ -7549,49 +7549,49 @@
                 <a:gridCol w="1502228">
                   <a:extLst>
                     <a:ext uri="{9D8B030D-6E8A-4147-A177-3AD203B41FA5}">
-                      <a16:colId xmlns:a16="http://schemas.microsoft.com/office/drawing/2014/main" xmlns="" val="1059776522"/>
+                      <a16:colId xmlns="" xmlns:a16="http://schemas.microsoft.com/office/drawing/2014/main" val="1059776522"/>
                     </a:ext>
                   </a:extLst>
                 </a:gridCol>
                 <a:gridCol w="1502228">
                   <a:extLst>
                     <a:ext uri="{9D8B030D-6E8A-4147-A177-3AD203B41FA5}">
-                      <a16:colId xmlns:a16="http://schemas.microsoft.com/office/drawing/2014/main" xmlns="" val="51405990"/>
+                      <a16:colId xmlns="" xmlns:a16="http://schemas.microsoft.com/office/drawing/2014/main" val="51405990"/>
                     </a:ext>
                   </a:extLst>
                 </a:gridCol>
                 <a:gridCol w="1502228">
                   <a:extLst>
                     <a:ext uri="{9D8B030D-6E8A-4147-A177-3AD203B41FA5}">
-                      <a16:colId xmlns:a16="http://schemas.microsoft.com/office/drawing/2014/main" xmlns="" val="499077790"/>
+                      <a16:colId xmlns="" xmlns:a16="http://schemas.microsoft.com/office/drawing/2014/main" val="499077790"/>
                     </a:ext>
                   </a:extLst>
                 </a:gridCol>
                 <a:gridCol w="1502228">
                   <a:extLst>
                     <a:ext uri="{9D8B030D-6E8A-4147-A177-3AD203B41FA5}">
-                      <a16:colId xmlns:a16="http://schemas.microsoft.com/office/drawing/2014/main" xmlns="" val="1741106222"/>
+                      <a16:colId xmlns="" xmlns:a16="http://schemas.microsoft.com/office/drawing/2014/main" val="1741106222"/>
                     </a:ext>
                   </a:extLst>
                 </a:gridCol>
                 <a:gridCol w="1502228">
                   <a:extLst>
                     <a:ext uri="{9D8B030D-6E8A-4147-A177-3AD203B41FA5}">
-                      <a16:colId xmlns:a16="http://schemas.microsoft.com/office/drawing/2014/main" xmlns="" val="2560605016"/>
+                      <a16:colId xmlns="" xmlns:a16="http://schemas.microsoft.com/office/drawing/2014/main" val="2560605016"/>
                     </a:ext>
                   </a:extLst>
                 </a:gridCol>
                 <a:gridCol w="1502228">
                   <a:extLst>
                     <a:ext uri="{9D8B030D-6E8A-4147-A177-3AD203B41FA5}">
-                      <a16:colId xmlns:a16="http://schemas.microsoft.com/office/drawing/2014/main" xmlns="" val="1149909260"/>
+                      <a16:colId xmlns="" xmlns:a16="http://schemas.microsoft.com/office/drawing/2014/main" val="1149909260"/>
                     </a:ext>
                   </a:extLst>
                 </a:gridCol>
                 <a:gridCol w="1502228">
                   <a:extLst>
                     <a:ext uri="{9D8B030D-6E8A-4147-A177-3AD203B41FA5}">
-                      <a16:colId xmlns:a16="http://schemas.microsoft.com/office/drawing/2014/main" xmlns="" val="2441742596"/>
+                      <a16:colId xmlns="" xmlns:a16="http://schemas.microsoft.com/office/drawing/2014/main" val="2441742596"/>
                     </a:ext>
                   </a:extLst>
                 </a:gridCol>
@@ -7697,7 +7697,7 @@
                 </a:tc>
                 <a:extLst>
                   <a:ext uri="{0D108BD9-81ED-4DB2-BD59-A6C34878D82A}">
-                    <a16:rowId xmlns:a16="http://schemas.microsoft.com/office/drawing/2014/main" xmlns="" val="2130431935"/>
+                    <a16:rowId xmlns="" xmlns:a16="http://schemas.microsoft.com/office/drawing/2014/main" val="2130431935"/>
                   </a:ext>
                 </a:extLst>
               </a:tr>
@@ -7802,7 +7802,7 @@
                 </a:tc>
                 <a:extLst>
                   <a:ext uri="{0D108BD9-81ED-4DB2-BD59-A6C34878D82A}">
-                    <a16:rowId xmlns:a16="http://schemas.microsoft.com/office/drawing/2014/main" xmlns="" val="248642347"/>
+                    <a16:rowId xmlns="" xmlns:a16="http://schemas.microsoft.com/office/drawing/2014/main" val="248642347"/>
                   </a:ext>
                 </a:extLst>
               </a:tr>
@@ -7907,7 +7907,7 @@
                 </a:tc>
                 <a:extLst>
                   <a:ext uri="{0D108BD9-81ED-4DB2-BD59-A6C34878D82A}">
-                    <a16:rowId xmlns:a16="http://schemas.microsoft.com/office/drawing/2014/main" xmlns="" val="1130119694"/>
+                    <a16:rowId xmlns="" xmlns:a16="http://schemas.microsoft.com/office/drawing/2014/main" val="1130119694"/>
                   </a:ext>
                 </a:extLst>
               </a:tr>
@@ -8012,7 +8012,7 @@
                 </a:tc>
                 <a:extLst>
                   <a:ext uri="{0D108BD9-81ED-4DB2-BD59-A6C34878D82A}">
-                    <a16:rowId xmlns:a16="http://schemas.microsoft.com/office/drawing/2014/main" xmlns="" val="1111558667"/>
+                    <a16:rowId xmlns="" xmlns:a16="http://schemas.microsoft.com/office/drawing/2014/main" val="1111558667"/>
                   </a:ext>
                 </a:extLst>
               </a:tr>
@@ -8117,7 +8117,7 @@
                 </a:tc>
                 <a:extLst>
                   <a:ext uri="{0D108BD9-81ED-4DB2-BD59-A6C34878D82A}">
-                    <a16:rowId xmlns:a16="http://schemas.microsoft.com/office/drawing/2014/main" xmlns="" val="390475499"/>
+                    <a16:rowId xmlns="" xmlns:a16="http://schemas.microsoft.com/office/drawing/2014/main" val="390475499"/>
                   </a:ext>
                 </a:extLst>
               </a:tr>
@@ -8222,7 +8222,7 @@
                 </a:tc>
                 <a:extLst>
                   <a:ext uri="{0D108BD9-81ED-4DB2-BD59-A6C34878D82A}">
-                    <a16:rowId xmlns:a16="http://schemas.microsoft.com/office/drawing/2014/main" xmlns="" val="756342863"/>
+                    <a16:rowId xmlns="" xmlns:a16="http://schemas.microsoft.com/office/drawing/2014/main" val="756342863"/>
                   </a:ext>
                 </a:extLst>
               </a:tr>
@@ -8327,7 +8327,7 @@
                 </a:tc>
                 <a:extLst>
                   <a:ext uri="{0D108BD9-81ED-4DB2-BD59-A6C34878D82A}">
-                    <a16:rowId xmlns:a16="http://schemas.microsoft.com/office/drawing/2014/main" xmlns="" val="319341810"/>
+                    <a16:rowId xmlns="" xmlns:a16="http://schemas.microsoft.com/office/drawing/2014/main" val="319341810"/>
                   </a:ext>
                 </a:extLst>
               </a:tr>
@@ -8432,7 +8432,7 @@
                 </a:tc>
                 <a:extLst>
                   <a:ext uri="{0D108BD9-81ED-4DB2-BD59-A6C34878D82A}">
-                    <a16:rowId xmlns:a16="http://schemas.microsoft.com/office/drawing/2014/main" xmlns="" val="2497939862"/>
+                    <a16:rowId xmlns="" xmlns:a16="http://schemas.microsoft.com/office/drawing/2014/main" val="2497939862"/>
                   </a:ext>
                 </a:extLst>
               </a:tr>
@@ -8537,7 +8537,7 @@
                 </a:tc>
                 <a:extLst>
                   <a:ext uri="{0D108BD9-81ED-4DB2-BD59-A6C34878D82A}">
-                    <a16:rowId xmlns:a16="http://schemas.microsoft.com/office/drawing/2014/main" xmlns="" val="2181185807"/>
+                    <a16:rowId xmlns="" xmlns:a16="http://schemas.microsoft.com/office/drawing/2014/main" val="2181185807"/>
                   </a:ext>
                 </a:extLst>
               </a:tr>
@@ -8642,7 +8642,7 @@
                 </a:tc>
                 <a:extLst>
                   <a:ext uri="{0D108BD9-81ED-4DB2-BD59-A6C34878D82A}">
-                    <a16:rowId xmlns:a16="http://schemas.microsoft.com/office/drawing/2014/main" xmlns="" val="3843312928"/>
+                    <a16:rowId xmlns="" xmlns:a16="http://schemas.microsoft.com/office/drawing/2014/main" val="3843312928"/>
                   </a:ext>
                 </a:extLst>
               </a:tr>
@@ -8747,7 +8747,7 @@
                 </a:tc>
                 <a:extLst>
                   <a:ext uri="{0D108BD9-81ED-4DB2-BD59-A6C34878D82A}">
-                    <a16:rowId xmlns:a16="http://schemas.microsoft.com/office/drawing/2014/main" xmlns="" val="204907763"/>
+                    <a16:rowId xmlns="" xmlns:a16="http://schemas.microsoft.com/office/drawing/2014/main" val="204907763"/>
                   </a:ext>
                 </a:extLst>
               </a:tr>
@@ -8852,7 +8852,7 @@
                 </a:tc>
                 <a:extLst>
                   <a:ext uri="{0D108BD9-81ED-4DB2-BD59-A6C34878D82A}">
-                    <a16:rowId xmlns:a16="http://schemas.microsoft.com/office/drawing/2014/main" xmlns="" val="194616918"/>
+                    <a16:rowId xmlns="" xmlns:a16="http://schemas.microsoft.com/office/drawing/2014/main" val="194616918"/>
                   </a:ext>
                 </a:extLst>
               </a:tr>
@@ -8957,7 +8957,7 @@
                 </a:tc>
                 <a:extLst>
                   <a:ext uri="{0D108BD9-81ED-4DB2-BD59-A6C34878D82A}">
-                    <a16:rowId xmlns:a16="http://schemas.microsoft.com/office/drawing/2014/main" xmlns="" val="2388109032"/>
+                    <a16:rowId xmlns="" xmlns:a16="http://schemas.microsoft.com/office/drawing/2014/main" val="2388109032"/>
                   </a:ext>
                 </a:extLst>
               </a:tr>
@@ -9062,7 +9062,7 @@
                 </a:tc>
                 <a:extLst>
                   <a:ext uri="{0D108BD9-81ED-4DB2-BD59-A6C34878D82A}">
-                    <a16:rowId xmlns:a16="http://schemas.microsoft.com/office/drawing/2014/main" xmlns="" val="297863002"/>
+                    <a16:rowId xmlns="" xmlns:a16="http://schemas.microsoft.com/office/drawing/2014/main" val="297863002"/>
                   </a:ext>
                 </a:extLst>
               </a:tr>
@@ -9167,7 +9167,7 @@
                 </a:tc>
                 <a:extLst>
                   <a:ext uri="{0D108BD9-81ED-4DB2-BD59-A6C34878D82A}">
-                    <a16:rowId xmlns:a16="http://schemas.microsoft.com/office/drawing/2014/main" xmlns="" val="4134358320"/>
+                    <a16:rowId xmlns="" xmlns:a16="http://schemas.microsoft.com/office/drawing/2014/main" val="4134358320"/>
                   </a:ext>
                 </a:extLst>
               </a:tr>
@@ -9272,7 +9272,7 @@
                 </a:tc>
                 <a:extLst>
                   <a:ext uri="{0D108BD9-81ED-4DB2-BD59-A6C34878D82A}">
-                    <a16:rowId xmlns:a16="http://schemas.microsoft.com/office/drawing/2014/main" xmlns="" val="435795987"/>
+                    <a16:rowId xmlns="" xmlns:a16="http://schemas.microsoft.com/office/drawing/2014/main" val="435795987"/>
                   </a:ext>
                 </a:extLst>
               </a:tr>
@@ -9377,7 +9377,7 @@
                 </a:tc>
                 <a:extLst>
                   <a:ext uri="{0D108BD9-81ED-4DB2-BD59-A6C34878D82A}">
-                    <a16:rowId xmlns:a16="http://schemas.microsoft.com/office/drawing/2014/main" xmlns="" val="2374723660"/>
+                    <a16:rowId xmlns="" xmlns:a16="http://schemas.microsoft.com/office/drawing/2014/main" val="2374723660"/>
                   </a:ext>
                 </a:extLst>
               </a:tr>
@@ -9495,7 +9495,7 @@
                 </a:tc>
                 <a:extLst>
                   <a:ext uri="{0D108BD9-81ED-4DB2-BD59-A6C34878D82A}">
-                    <a16:rowId xmlns:a16="http://schemas.microsoft.com/office/drawing/2014/main" xmlns="" val="3169493604"/>
+                    <a16:rowId xmlns="" xmlns:a16="http://schemas.microsoft.com/office/drawing/2014/main" val="3169493604"/>
                   </a:ext>
                 </a:extLst>
               </a:tr>
@@ -9508,7 +9508,7 @@
           <p:cNvPr id="4" name="Footer Placeholder 3">
             <a:extLst>
               <a:ext uri="{FF2B5EF4-FFF2-40B4-BE49-F238E27FC236}">
-                <a16:creationId xmlns:a16="http://schemas.microsoft.com/office/drawing/2014/main" xmlns="" id="{540972A1-4BB3-4D04-B4DF-C76BA9B5CAD8}"/>
+                <a16:creationId xmlns="" xmlns:a16="http://schemas.microsoft.com/office/drawing/2014/main" id="{540972A1-4BB3-4D04-B4DF-C76BA9B5CAD8}"/>
               </a:ext>
             </a:extLst>
           </p:cNvPr>
@@ -9537,7 +9537,7 @@
           <p:cNvPr id="5" name="Slide Number Placeholder 4">
             <a:extLst>
               <a:ext uri="{FF2B5EF4-FFF2-40B4-BE49-F238E27FC236}">
-                <a16:creationId xmlns:a16="http://schemas.microsoft.com/office/drawing/2014/main" xmlns="" id="{23B5C741-F1AB-463E-B229-974B2924B065}"/>
+                <a16:creationId xmlns="" xmlns:a16="http://schemas.microsoft.com/office/drawing/2014/main" id="{23B5C741-F1AB-463E-B229-974B2924B065}"/>
               </a:ext>
             </a:extLst>
           </p:cNvPr>
@@ -9596,7 +9596,7 @@
           <p:cNvPr id="2" name="Title 1">
             <a:extLst>
               <a:ext uri="{FF2B5EF4-FFF2-40B4-BE49-F238E27FC236}">
-                <a16:creationId xmlns:a16="http://schemas.microsoft.com/office/drawing/2014/main" xmlns="" id="{9F53C0E6-5CA5-48E1-B370-E678425399F4}"/>
+                <a16:creationId xmlns="" xmlns:a16="http://schemas.microsoft.com/office/drawing/2014/main" id="{9F53C0E6-5CA5-48E1-B370-E678425399F4}"/>
               </a:ext>
             </a:extLst>
           </p:cNvPr>
@@ -9631,7 +9631,7 @@
               <p:cNvPr id="3" name="Content Placeholder 2">
                 <a:extLst>
                   <a:ext uri="{FF2B5EF4-FFF2-40B4-BE49-F238E27FC236}">
-                    <a16:creationId xmlns:a16="http://schemas.microsoft.com/office/drawing/2014/main" xmlns="" id="{F0A4581A-26B3-40E7-A945-90C4D9B58292}"/>
+                    <a16:creationId xmlns="" xmlns:a16="http://schemas.microsoft.com/office/drawing/2014/main" id="{F0A4581A-26B3-40E7-A945-90C4D9B58292}"/>
                   </a:ext>
                 </a:extLst>
               </p:cNvPr>
@@ -10416,7 +10416,7 @@
           <p:cNvPr id="4" name="Footer Placeholder 3">
             <a:extLst>
               <a:ext uri="{FF2B5EF4-FFF2-40B4-BE49-F238E27FC236}">
-                <a16:creationId xmlns:a16="http://schemas.microsoft.com/office/drawing/2014/main" xmlns="" id="{540972A1-4BB3-4D04-B4DF-C76BA9B5CAD8}"/>
+                <a16:creationId xmlns="" xmlns:a16="http://schemas.microsoft.com/office/drawing/2014/main" id="{540972A1-4BB3-4D04-B4DF-C76BA9B5CAD8}"/>
               </a:ext>
             </a:extLst>
           </p:cNvPr>
@@ -10445,7 +10445,7 @@
           <p:cNvPr id="5" name="Slide Number Placeholder 4">
             <a:extLst>
               <a:ext uri="{FF2B5EF4-FFF2-40B4-BE49-F238E27FC236}">
-                <a16:creationId xmlns:a16="http://schemas.microsoft.com/office/drawing/2014/main" xmlns="" id="{23B5C741-F1AB-463E-B229-974B2924B065}"/>
+                <a16:creationId xmlns="" xmlns:a16="http://schemas.microsoft.com/office/drawing/2014/main" id="{23B5C741-F1AB-463E-B229-974B2924B065}"/>
               </a:ext>
             </a:extLst>
           </p:cNvPr>
@@ -10479,6 +10479,13 @@
   <p:clrMapOvr>
     <a:masterClrMapping/>
   </p:clrMapOvr>
+  <p:timing>
+    <p:tnLst>
+      <p:par>
+        <p:cTn id="1" dur="indefinite" restart="never" nodeType="tmRoot"/>
+      </p:par>
+    </p:tnLst>
+  </p:timing>
 </p:sld>
 </file>
 
@@ -10504,7 +10511,7 @@
           <p:cNvPr id="2" name="Title 1">
             <a:extLst>
               <a:ext uri="{FF2B5EF4-FFF2-40B4-BE49-F238E27FC236}">
-                <a16:creationId xmlns:a16="http://schemas.microsoft.com/office/drawing/2014/main" xmlns="" id="{9F53C0E6-5CA5-48E1-B370-E678425399F4}"/>
+                <a16:creationId xmlns="" xmlns:a16="http://schemas.microsoft.com/office/drawing/2014/main" id="{9F53C0E6-5CA5-48E1-B370-E678425399F4}"/>
               </a:ext>
             </a:extLst>
           </p:cNvPr>
@@ -10537,7 +10544,7 @@
           <p:cNvPr id="3" name="Content Placeholder 2">
             <a:extLst>
               <a:ext uri="{FF2B5EF4-FFF2-40B4-BE49-F238E27FC236}">
-                <a16:creationId xmlns:a16="http://schemas.microsoft.com/office/drawing/2014/main" xmlns="" id="{F0A4581A-26B3-40E7-A945-90C4D9B58292}"/>
+                <a16:creationId xmlns="" xmlns:a16="http://schemas.microsoft.com/office/drawing/2014/main" id="{F0A4581A-26B3-40E7-A945-90C4D9B58292}"/>
               </a:ext>
             </a:extLst>
           </p:cNvPr>
@@ -10642,7 +10649,7 @@
           <p:cNvPr id="4" name="Footer Placeholder 3">
             <a:extLst>
               <a:ext uri="{FF2B5EF4-FFF2-40B4-BE49-F238E27FC236}">
-                <a16:creationId xmlns:a16="http://schemas.microsoft.com/office/drawing/2014/main" xmlns="" id="{540972A1-4BB3-4D04-B4DF-C76BA9B5CAD8}"/>
+                <a16:creationId xmlns="" xmlns:a16="http://schemas.microsoft.com/office/drawing/2014/main" id="{540972A1-4BB3-4D04-B4DF-C76BA9B5CAD8}"/>
               </a:ext>
             </a:extLst>
           </p:cNvPr>
@@ -10671,7 +10678,7 @@
           <p:cNvPr id="5" name="Slide Number Placeholder 4">
             <a:extLst>
               <a:ext uri="{FF2B5EF4-FFF2-40B4-BE49-F238E27FC236}">
-                <a16:creationId xmlns:a16="http://schemas.microsoft.com/office/drawing/2014/main" xmlns="" id="{23B5C741-F1AB-463E-B229-974B2924B065}"/>
+                <a16:creationId xmlns="" xmlns:a16="http://schemas.microsoft.com/office/drawing/2014/main" id="{23B5C741-F1AB-463E-B229-974B2924B065}"/>
               </a:ext>
             </a:extLst>
           </p:cNvPr>
@@ -10697,15 +10704,9 @@
       </p:sp>
       <p:pic>
         <p:nvPicPr>
-          <p:cNvPr id="7" name="Picture 6" descr="Chart, histogram&#10;&#10;Description automatically generated">
-            <a:extLst>
-              <a:ext uri="{FF2B5EF4-FFF2-40B4-BE49-F238E27FC236}">
-                <a16:creationId xmlns:a16="http://schemas.microsoft.com/office/drawing/2014/main" xmlns="" id="{C4C3E85A-6B66-4125-B46B-BE7517BF0EFB}"/>
-              </a:ext>
-            </a:extLst>
-          </p:cNvPr>
+          <p:cNvPr id="1026" name="Picture 2" descr="Z:\no_of_imgs_in_original_train_val_test.png"/>
           <p:cNvPicPr>
-            <a:picLocks noChangeAspect="1"/>
+            <a:picLocks noChangeAspect="1" noChangeArrowheads="1"/>
           </p:cNvPicPr>
           <p:nvPr/>
         </p:nvPicPr>
@@ -10717,18 +10718,29 @@
               </a:ext>
             </a:extLst>
           </a:blip>
+          <a:srcRect/>
           <a:stretch>
             <a:fillRect/>
           </a:stretch>
         </p:blipFill>
-        <p:spPr>
+        <p:spPr bwMode="auto">
           <a:xfrm>
-            <a:off x="3238500" y="3443914"/>
-            <a:ext cx="5097117" cy="2912436"/>
+            <a:off x="3215640" y="3489959"/>
+            <a:ext cx="5601945" cy="2925445"/>
           </a:xfrm>
           <a:prstGeom prst="rect">
             <a:avLst/>
           </a:prstGeom>
+          <a:noFill/>
+          <a:extLst>
+            <a:ext uri="{909E8E84-426E-40DD-AFC4-6F175D3DCCD1}">
+              <a14:hiddenFill xmlns:a14="http://schemas.microsoft.com/office/drawing/2010/main">
+                <a:solidFill>
+                  <a:srgbClr val="FFFFFF"/>
+                </a:solidFill>
+              </a14:hiddenFill>
+            </a:ext>
+          </a:extLst>
         </p:spPr>
       </p:pic>
     </p:spTree>
@@ -10741,6 +10753,13 @@
   <p:clrMapOvr>
     <a:masterClrMapping/>
   </p:clrMapOvr>
+  <p:timing>
+    <p:tnLst>
+      <p:par>
+        <p:cTn id="1" dur="indefinite" restart="never" nodeType="tmRoot"/>
+      </p:par>
+    </p:tnLst>
+  </p:timing>
 </p:sld>
 </file>
 
@@ -10766,7 +10785,7 @@
           <p:cNvPr id="2" name="Title 1">
             <a:extLst>
               <a:ext uri="{FF2B5EF4-FFF2-40B4-BE49-F238E27FC236}">
-                <a16:creationId xmlns:a16="http://schemas.microsoft.com/office/drawing/2014/main" xmlns="" id="{9F53C0E6-5CA5-48E1-B370-E678425399F4}"/>
+                <a16:creationId xmlns="" xmlns:a16="http://schemas.microsoft.com/office/drawing/2014/main" id="{9F53C0E6-5CA5-48E1-B370-E678425399F4}"/>
               </a:ext>
             </a:extLst>
           </p:cNvPr>
@@ -10799,7 +10818,7 @@
           <p:cNvPr id="3" name="Content Placeholder 2">
             <a:extLst>
               <a:ext uri="{FF2B5EF4-FFF2-40B4-BE49-F238E27FC236}">
-                <a16:creationId xmlns:a16="http://schemas.microsoft.com/office/drawing/2014/main" xmlns="" id="{F0A4581A-26B3-40E7-A945-90C4D9B58292}"/>
+                <a16:creationId xmlns="" xmlns:a16="http://schemas.microsoft.com/office/drawing/2014/main" id="{F0A4581A-26B3-40E7-A945-90C4D9B58292}"/>
               </a:ext>
             </a:extLst>
           </p:cNvPr>
@@ -11004,7 +11023,7 @@
           <p:cNvPr id="4" name="Footer Placeholder 3">
             <a:extLst>
               <a:ext uri="{FF2B5EF4-FFF2-40B4-BE49-F238E27FC236}">
-                <a16:creationId xmlns:a16="http://schemas.microsoft.com/office/drawing/2014/main" xmlns="" id="{540972A1-4BB3-4D04-B4DF-C76BA9B5CAD8}"/>
+                <a16:creationId xmlns="" xmlns:a16="http://schemas.microsoft.com/office/drawing/2014/main" id="{540972A1-4BB3-4D04-B4DF-C76BA9B5CAD8}"/>
               </a:ext>
             </a:extLst>
           </p:cNvPr>
@@ -11033,7 +11052,7 @@
           <p:cNvPr id="5" name="Slide Number Placeholder 4">
             <a:extLst>
               <a:ext uri="{FF2B5EF4-FFF2-40B4-BE49-F238E27FC236}">
-                <a16:creationId xmlns:a16="http://schemas.microsoft.com/office/drawing/2014/main" xmlns="" id="{23B5C741-F1AB-463E-B229-974B2924B065}"/>
+                <a16:creationId xmlns="" xmlns:a16="http://schemas.microsoft.com/office/drawing/2014/main" id="{23B5C741-F1AB-463E-B229-974B2924B065}"/>
               </a:ext>
             </a:extLst>
           </p:cNvPr>
@@ -11067,6 +11086,13 @@
   <p:clrMapOvr>
     <a:masterClrMapping/>
   </p:clrMapOvr>
+  <p:timing>
+    <p:tnLst>
+      <p:par>
+        <p:cTn id="1" dur="indefinite" restart="never" nodeType="tmRoot"/>
+      </p:par>
+    </p:tnLst>
+  </p:timing>
 </p:sld>
 </file>
 
@@ -11092,7 +11118,7 @@
           <p:cNvPr id="2" name="Title 1">
             <a:extLst>
               <a:ext uri="{FF2B5EF4-FFF2-40B4-BE49-F238E27FC236}">
-                <a16:creationId xmlns:a16="http://schemas.microsoft.com/office/drawing/2014/main" xmlns="" id="{9F53C0E6-5CA5-48E1-B370-E678425399F4}"/>
+                <a16:creationId xmlns="" xmlns:a16="http://schemas.microsoft.com/office/drawing/2014/main" id="{9F53C0E6-5CA5-48E1-B370-E678425399F4}"/>
               </a:ext>
             </a:extLst>
           </p:cNvPr>
@@ -11125,7 +11151,7 @@
           <p:cNvPr id="3" name="Content Placeholder 2">
             <a:extLst>
               <a:ext uri="{FF2B5EF4-FFF2-40B4-BE49-F238E27FC236}">
-                <a16:creationId xmlns:a16="http://schemas.microsoft.com/office/drawing/2014/main" xmlns="" id="{F0A4581A-26B3-40E7-A945-90C4D9B58292}"/>
+                <a16:creationId xmlns="" xmlns:a16="http://schemas.microsoft.com/office/drawing/2014/main" id="{F0A4581A-26B3-40E7-A945-90C4D9B58292}"/>
               </a:ext>
             </a:extLst>
           </p:cNvPr>
@@ -11230,7 +11256,7 @@
           <p:cNvPr id="4" name="Footer Placeholder 3">
             <a:extLst>
               <a:ext uri="{FF2B5EF4-FFF2-40B4-BE49-F238E27FC236}">
-                <a16:creationId xmlns:a16="http://schemas.microsoft.com/office/drawing/2014/main" xmlns="" id="{540972A1-4BB3-4D04-B4DF-C76BA9B5CAD8}"/>
+                <a16:creationId xmlns="" xmlns:a16="http://schemas.microsoft.com/office/drawing/2014/main" id="{540972A1-4BB3-4D04-B4DF-C76BA9B5CAD8}"/>
               </a:ext>
             </a:extLst>
           </p:cNvPr>
@@ -11259,7 +11285,7 @@
           <p:cNvPr id="5" name="Slide Number Placeholder 4">
             <a:extLst>
               <a:ext uri="{FF2B5EF4-FFF2-40B4-BE49-F238E27FC236}">
-                <a16:creationId xmlns:a16="http://schemas.microsoft.com/office/drawing/2014/main" xmlns="" id="{23B5C741-F1AB-463E-B229-974B2924B065}"/>
+                <a16:creationId xmlns="" xmlns:a16="http://schemas.microsoft.com/office/drawing/2014/main" id="{23B5C741-F1AB-463E-B229-974B2924B065}"/>
               </a:ext>
             </a:extLst>
           </p:cNvPr>
@@ -11288,7 +11314,7 @@
           <p:cNvPr id="6" name="Table 6">
             <a:extLst>
               <a:ext uri="{FF2B5EF4-FFF2-40B4-BE49-F238E27FC236}">
-                <a16:creationId xmlns:a16="http://schemas.microsoft.com/office/drawing/2014/main" xmlns="" id="{3708404E-0465-4362-9C24-B7FC57AE2CB7}"/>
+                <a16:creationId xmlns="" xmlns:a16="http://schemas.microsoft.com/office/drawing/2014/main" id="{3708404E-0465-4362-9C24-B7FC57AE2CB7}"/>
               </a:ext>
             </a:extLst>
           </p:cNvPr>
@@ -11320,14 +11346,14 @@
                 <a:gridCol w="652698">
                   <a:extLst>
                     <a:ext uri="{9D8B030D-6E8A-4147-A177-3AD203B41FA5}">
-                      <a16:colId xmlns:a16="http://schemas.microsoft.com/office/drawing/2014/main" xmlns="" val="1025995593"/>
+                      <a16:colId xmlns="" xmlns:a16="http://schemas.microsoft.com/office/drawing/2014/main" val="1025995593"/>
                     </a:ext>
                   </a:extLst>
                 </a:gridCol>
                 <a:gridCol w="8729841">
                   <a:extLst>
                     <a:ext uri="{9D8B030D-6E8A-4147-A177-3AD203B41FA5}">
-                      <a16:colId xmlns:a16="http://schemas.microsoft.com/office/drawing/2014/main" xmlns="" val="3397351854"/>
+                      <a16:colId xmlns="" xmlns:a16="http://schemas.microsoft.com/office/drawing/2014/main" val="3397351854"/>
                     </a:ext>
                   </a:extLst>
                 </a:gridCol>
@@ -11434,7 +11460,7 @@
                 </a:tc>
                 <a:extLst>
                   <a:ext uri="{0D108BD9-81ED-4DB2-BD59-A6C34878D82A}">
-                    <a16:rowId xmlns:a16="http://schemas.microsoft.com/office/drawing/2014/main" xmlns="" val="2451917870"/>
+                    <a16:rowId xmlns="" xmlns:a16="http://schemas.microsoft.com/office/drawing/2014/main" val="2451917870"/>
                   </a:ext>
                 </a:extLst>
               </a:tr>
@@ -11556,7 +11582,7 @@
                 </a:tc>
                 <a:extLst>
                   <a:ext uri="{0D108BD9-81ED-4DB2-BD59-A6C34878D82A}">
-                    <a16:rowId xmlns:a16="http://schemas.microsoft.com/office/drawing/2014/main" xmlns="" val="2102430626"/>
+                    <a16:rowId xmlns="" xmlns:a16="http://schemas.microsoft.com/office/drawing/2014/main" val="2102430626"/>
                   </a:ext>
                 </a:extLst>
               </a:tr>
@@ -11695,7 +11721,7 @@
                 </a:tc>
                 <a:extLst>
                   <a:ext uri="{0D108BD9-81ED-4DB2-BD59-A6C34878D82A}">
-                    <a16:rowId xmlns:a16="http://schemas.microsoft.com/office/drawing/2014/main" xmlns="" val="2818840102"/>
+                    <a16:rowId xmlns="" xmlns:a16="http://schemas.microsoft.com/office/drawing/2014/main" val="2818840102"/>
                   </a:ext>
                 </a:extLst>
               </a:tr>
@@ -11834,7 +11860,7 @@
                 </a:tc>
                 <a:extLst>
                   <a:ext uri="{0D108BD9-81ED-4DB2-BD59-A6C34878D82A}">
-                    <a16:rowId xmlns:a16="http://schemas.microsoft.com/office/drawing/2014/main" xmlns="" val="1961751626"/>
+                    <a16:rowId xmlns="" xmlns:a16="http://schemas.microsoft.com/office/drawing/2014/main" val="1961751626"/>
                   </a:ext>
                 </a:extLst>
               </a:tr>
@@ -11973,7 +11999,7 @@
                 </a:tc>
                 <a:extLst>
                   <a:ext uri="{0D108BD9-81ED-4DB2-BD59-A6C34878D82A}">
-                    <a16:rowId xmlns:a16="http://schemas.microsoft.com/office/drawing/2014/main" xmlns="" val="1585524039"/>
+                    <a16:rowId xmlns="" xmlns:a16="http://schemas.microsoft.com/office/drawing/2014/main" val="1585524039"/>
                   </a:ext>
                 </a:extLst>
               </a:tr>
@@ -12112,7 +12138,7 @@
                 </a:tc>
                 <a:extLst>
                   <a:ext uri="{0D108BD9-81ED-4DB2-BD59-A6C34878D82A}">
-                    <a16:rowId xmlns:a16="http://schemas.microsoft.com/office/drawing/2014/main" xmlns="" val="323600723"/>
+                    <a16:rowId xmlns="" xmlns:a16="http://schemas.microsoft.com/office/drawing/2014/main" val="323600723"/>
                   </a:ext>
                 </a:extLst>
               </a:tr>
@@ -12251,7 +12277,7 @@
                 </a:tc>
                 <a:extLst>
                   <a:ext uri="{0D108BD9-81ED-4DB2-BD59-A6C34878D82A}">
-                    <a16:rowId xmlns:a16="http://schemas.microsoft.com/office/drawing/2014/main" xmlns="" val="3508601488"/>
+                    <a16:rowId xmlns="" xmlns:a16="http://schemas.microsoft.com/office/drawing/2014/main" val="3508601488"/>
                   </a:ext>
                 </a:extLst>
               </a:tr>
@@ -12389,7 +12415,7 @@
                 </a:tc>
                 <a:extLst>
                   <a:ext uri="{0D108BD9-81ED-4DB2-BD59-A6C34878D82A}">
-                    <a16:rowId xmlns:a16="http://schemas.microsoft.com/office/drawing/2014/main" xmlns="" val="500996964"/>
+                    <a16:rowId xmlns="" xmlns:a16="http://schemas.microsoft.com/office/drawing/2014/main" val="500996964"/>
                   </a:ext>
                 </a:extLst>
               </a:tr>
@@ -12503,7 +12529,7 @@
                 </a:tc>
                 <a:extLst>
                   <a:ext uri="{0D108BD9-81ED-4DB2-BD59-A6C34878D82A}">
-                    <a16:rowId xmlns:a16="http://schemas.microsoft.com/office/drawing/2014/main" xmlns="" val="2211773331"/>
+                    <a16:rowId xmlns="" xmlns:a16="http://schemas.microsoft.com/office/drawing/2014/main" val="2211773331"/>
                   </a:ext>
                 </a:extLst>
               </a:tr>
@@ -12521,6 +12547,13 @@
   <p:clrMapOvr>
     <a:masterClrMapping/>
   </p:clrMapOvr>
+  <p:timing>
+    <p:tnLst>
+      <p:par>
+        <p:cTn id="1" dur="indefinite" restart="never" nodeType="tmRoot"/>
+      </p:par>
+    </p:tnLst>
+  </p:timing>
 </p:sld>
 </file>
 
@@ -12546,7 +12579,7 @@
           <p:cNvPr id="2" name="Title 1">
             <a:extLst>
               <a:ext uri="{FF2B5EF4-FFF2-40B4-BE49-F238E27FC236}">
-                <a16:creationId xmlns:a16="http://schemas.microsoft.com/office/drawing/2014/main" xmlns="" id="{9F53C0E6-5CA5-48E1-B370-E678425399F4}"/>
+                <a16:creationId xmlns="" xmlns:a16="http://schemas.microsoft.com/office/drawing/2014/main" id="{9F53C0E6-5CA5-48E1-B370-E678425399F4}"/>
               </a:ext>
             </a:extLst>
           </p:cNvPr>
@@ -12579,7 +12612,7 @@
           <p:cNvPr id="3" name="Content Placeholder 2">
             <a:extLst>
               <a:ext uri="{FF2B5EF4-FFF2-40B4-BE49-F238E27FC236}">
-                <a16:creationId xmlns:a16="http://schemas.microsoft.com/office/drawing/2014/main" xmlns="" id="{F0A4581A-26B3-40E7-A945-90C4D9B58292}"/>
+                <a16:creationId xmlns="" xmlns:a16="http://schemas.microsoft.com/office/drawing/2014/main" id="{F0A4581A-26B3-40E7-A945-90C4D9B58292}"/>
               </a:ext>
             </a:extLst>
           </p:cNvPr>
@@ -12847,7 +12880,7 @@
           <p:cNvPr id="4" name="Footer Placeholder 3">
             <a:extLst>
               <a:ext uri="{FF2B5EF4-FFF2-40B4-BE49-F238E27FC236}">
-                <a16:creationId xmlns:a16="http://schemas.microsoft.com/office/drawing/2014/main" xmlns="" id="{540972A1-4BB3-4D04-B4DF-C76BA9B5CAD8}"/>
+                <a16:creationId xmlns="" xmlns:a16="http://schemas.microsoft.com/office/drawing/2014/main" id="{540972A1-4BB3-4D04-B4DF-C76BA9B5CAD8}"/>
               </a:ext>
             </a:extLst>
           </p:cNvPr>
@@ -12876,7 +12909,7 @@
           <p:cNvPr id="5" name="Slide Number Placeholder 4">
             <a:extLst>
               <a:ext uri="{FF2B5EF4-FFF2-40B4-BE49-F238E27FC236}">
-                <a16:creationId xmlns:a16="http://schemas.microsoft.com/office/drawing/2014/main" xmlns="" id="{23B5C741-F1AB-463E-B229-974B2924B065}"/>
+                <a16:creationId xmlns="" xmlns:a16="http://schemas.microsoft.com/office/drawing/2014/main" id="{23B5C741-F1AB-463E-B229-974B2924B065}"/>
               </a:ext>
             </a:extLst>
           </p:cNvPr>
@@ -12905,7 +12938,7 @@
           <p:cNvPr id="6" name="Table 6">
             <a:extLst>
               <a:ext uri="{FF2B5EF4-FFF2-40B4-BE49-F238E27FC236}">
-                <a16:creationId xmlns:a16="http://schemas.microsoft.com/office/drawing/2014/main" xmlns="" id="{B5A67E9F-258D-4488-8F85-5457E84D83EF}"/>
+                <a16:creationId xmlns="" xmlns:a16="http://schemas.microsoft.com/office/drawing/2014/main" id="{B5A67E9F-258D-4488-8F85-5457E84D83EF}"/>
               </a:ext>
             </a:extLst>
           </p:cNvPr>
@@ -12934,14 +12967,14 @@
                 <a:gridCol w="4755874">
                   <a:extLst>
                     <a:ext uri="{9D8B030D-6E8A-4147-A177-3AD203B41FA5}">
-                      <a16:colId xmlns:a16="http://schemas.microsoft.com/office/drawing/2014/main" xmlns="" val="736955682"/>
+                      <a16:colId xmlns="" xmlns:a16="http://schemas.microsoft.com/office/drawing/2014/main" val="736955682"/>
                     </a:ext>
                   </a:extLst>
                 </a:gridCol>
                 <a:gridCol w="4755874">
                   <a:extLst>
                     <a:ext uri="{9D8B030D-6E8A-4147-A177-3AD203B41FA5}">
-                      <a16:colId xmlns:a16="http://schemas.microsoft.com/office/drawing/2014/main" xmlns="" val="637564705"/>
+                      <a16:colId xmlns="" xmlns:a16="http://schemas.microsoft.com/office/drawing/2014/main" val="637564705"/>
                     </a:ext>
                   </a:extLst>
                 </a:gridCol>
@@ -13023,7 +13056,7 @@
                 </a:tc>
                 <a:extLst>
                   <a:ext uri="{0D108BD9-81ED-4DB2-BD59-A6C34878D82A}">
-                    <a16:rowId xmlns:a16="http://schemas.microsoft.com/office/drawing/2014/main" xmlns="" val="2936873272"/>
+                    <a16:rowId xmlns="" xmlns:a16="http://schemas.microsoft.com/office/drawing/2014/main" val="2936873272"/>
                   </a:ext>
                 </a:extLst>
               </a:tr>
@@ -13100,7 +13133,7 @@
                 </a:tc>
                 <a:extLst>
                   <a:ext uri="{0D108BD9-81ED-4DB2-BD59-A6C34878D82A}">
-                    <a16:rowId xmlns:a16="http://schemas.microsoft.com/office/drawing/2014/main" xmlns="" val="2051995317"/>
+                    <a16:rowId xmlns="" xmlns:a16="http://schemas.microsoft.com/office/drawing/2014/main" val="2051995317"/>
                   </a:ext>
                 </a:extLst>
               </a:tr>
@@ -13174,7 +13207,7 @@
                 </a:tc>
                 <a:extLst>
                   <a:ext uri="{0D108BD9-81ED-4DB2-BD59-A6C34878D82A}">
-                    <a16:rowId xmlns:a16="http://schemas.microsoft.com/office/drawing/2014/main" xmlns="" val="3808994494"/>
+                    <a16:rowId xmlns="" xmlns:a16="http://schemas.microsoft.com/office/drawing/2014/main" val="3808994494"/>
                   </a:ext>
                 </a:extLst>
               </a:tr>
@@ -13217,7 +13250,7 @@
           <p:cNvPr id="2" name="Title 1">
             <a:extLst>
               <a:ext uri="{FF2B5EF4-FFF2-40B4-BE49-F238E27FC236}">
-                <a16:creationId xmlns:a16="http://schemas.microsoft.com/office/drawing/2014/main" xmlns="" id="{9F53C0E6-5CA5-48E1-B370-E678425399F4}"/>
+                <a16:creationId xmlns="" xmlns:a16="http://schemas.microsoft.com/office/drawing/2014/main" id="{9F53C0E6-5CA5-48E1-B370-E678425399F4}"/>
               </a:ext>
             </a:extLst>
           </p:cNvPr>
@@ -13250,7 +13283,7 @@
           <p:cNvPr id="3" name="Content Placeholder 2">
             <a:extLst>
               <a:ext uri="{FF2B5EF4-FFF2-40B4-BE49-F238E27FC236}">
-                <a16:creationId xmlns:a16="http://schemas.microsoft.com/office/drawing/2014/main" xmlns="" id="{F0A4581A-26B3-40E7-A945-90C4D9B58292}"/>
+                <a16:creationId xmlns="" xmlns:a16="http://schemas.microsoft.com/office/drawing/2014/main" id="{F0A4581A-26B3-40E7-A945-90C4D9B58292}"/>
               </a:ext>
             </a:extLst>
           </p:cNvPr>
@@ -13395,7 +13428,7 @@
           <p:cNvPr id="5" name="Picture 4">
             <a:extLst>
               <a:ext uri="{FF2B5EF4-FFF2-40B4-BE49-F238E27FC236}">
-                <a16:creationId xmlns:a16="http://schemas.microsoft.com/office/drawing/2014/main" xmlns="" id="{7E47B480-A1F1-498C-A3D5-AA5E72134EDB}"/>
+                <a16:creationId xmlns="" xmlns:a16="http://schemas.microsoft.com/office/drawing/2014/main" id="{7E47B480-A1F1-498C-A3D5-AA5E72134EDB}"/>
               </a:ext>
             </a:extLst>
           </p:cNvPr>
@@ -13431,7 +13464,7 @@
           <p:cNvPr id="6" name="TextBox 5">
             <a:extLst>
               <a:ext uri="{FF2B5EF4-FFF2-40B4-BE49-F238E27FC236}">
-                <a16:creationId xmlns:a16="http://schemas.microsoft.com/office/drawing/2014/main" xmlns="" id="{6EA1B5B0-566F-495F-89A1-3DADA4C9C5D7}"/>
+                <a16:creationId xmlns="" xmlns:a16="http://schemas.microsoft.com/office/drawing/2014/main" id="{6EA1B5B0-566F-495F-89A1-3DADA4C9C5D7}"/>
               </a:ext>
             </a:extLst>
           </p:cNvPr>
@@ -13494,7 +13527,7 @@
           <p:cNvPr id="7" name="Footer Placeholder 6">
             <a:extLst>
               <a:ext uri="{FF2B5EF4-FFF2-40B4-BE49-F238E27FC236}">
-                <a16:creationId xmlns:a16="http://schemas.microsoft.com/office/drawing/2014/main" xmlns="" id="{40B3E9F5-CEA5-49AC-85C6-B8339B793AF9}"/>
+                <a16:creationId xmlns="" xmlns:a16="http://schemas.microsoft.com/office/drawing/2014/main" id="{40B3E9F5-CEA5-49AC-85C6-B8339B793AF9}"/>
               </a:ext>
             </a:extLst>
           </p:cNvPr>
@@ -13523,7 +13556,7 @@
           <p:cNvPr id="8" name="Slide Number Placeholder 7">
             <a:extLst>
               <a:ext uri="{FF2B5EF4-FFF2-40B4-BE49-F238E27FC236}">
-                <a16:creationId xmlns:a16="http://schemas.microsoft.com/office/drawing/2014/main" xmlns="" id="{8DD8198B-D92C-41F5-9CF3-3B55147EB73A}"/>
+                <a16:creationId xmlns="" xmlns:a16="http://schemas.microsoft.com/office/drawing/2014/main" id="{8DD8198B-D92C-41F5-9CF3-3B55147EB73A}"/>
               </a:ext>
             </a:extLst>
           </p:cNvPr>
@@ -13582,7 +13615,7 @@
           <p:cNvPr id="2" name="Title 1">
             <a:extLst>
               <a:ext uri="{FF2B5EF4-FFF2-40B4-BE49-F238E27FC236}">
-                <a16:creationId xmlns:a16="http://schemas.microsoft.com/office/drawing/2014/main" xmlns="" id="{9F53C0E6-5CA5-48E1-B370-E678425399F4}"/>
+                <a16:creationId xmlns="" xmlns:a16="http://schemas.microsoft.com/office/drawing/2014/main" id="{9F53C0E6-5CA5-48E1-B370-E678425399F4}"/>
               </a:ext>
             </a:extLst>
           </p:cNvPr>
@@ -13615,7 +13648,7 @@
           <p:cNvPr id="3" name="Content Placeholder 2">
             <a:extLst>
               <a:ext uri="{FF2B5EF4-FFF2-40B4-BE49-F238E27FC236}">
-                <a16:creationId xmlns:a16="http://schemas.microsoft.com/office/drawing/2014/main" xmlns="" id="{F0A4581A-26B3-40E7-A945-90C4D9B58292}"/>
+                <a16:creationId xmlns="" xmlns:a16="http://schemas.microsoft.com/office/drawing/2014/main" id="{F0A4581A-26B3-40E7-A945-90C4D9B58292}"/>
               </a:ext>
             </a:extLst>
           </p:cNvPr>
@@ -13855,7 +13888,7 @@
           <p:cNvPr id="4" name="Footer Placeholder 3">
             <a:extLst>
               <a:ext uri="{FF2B5EF4-FFF2-40B4-BE49-F238E27FC236}">
-                <a16:creationId xmlns:a16="http://schemas.microsoft.com/office/drawing/2014/main" xmlns="" id="{540972A1-4BB3-4D04-B4DF-C76BA9B5CAD8}"/>
+                <a16:creationId xmlns="" xmlns:a16="http://schemas.microsoft.com/office/drawing/2014/main" id="{540972A1-4BB3-4D04-B4DF-C76BA9B5CAD8}"/>
               </a:ext>
             </a:extLst>
           </p:cNvPr>
@@ -13884,7 +13917,7 @@
           <p:cNvPr id="5" name="Slide Number Placeholder 4">
             <a:extLst>
               <a:ext uri="{FF2B5EF4-FFF2-40B4-BE49-F238E27FC236}">
-                <a16:creationId xmlns:a16="http://schemas.microsoft.com/office/drawing/2014/main" xmlns="" id="{23B5C741-F1AB-463E-B229-974B2924B065}"/>
+                <a16:creationId xmlns="" xmlns:a16="http://schemas.microsoft.com/office/drawing/2014/main" id="{23B5C741-F1AB-463E-B229-974B2924B065}"/>
               </a:ext>
             </a:extLst>
           </p:cNvPr>
@@ -13943,7 +13976,7 @@
           <p:cNvPr id="2" name="Title 1">
             <a:extLst>
               <a:ext uri="{FF2B5EF4-FFF2-40B4-BE49-F238E27FC236}">
-                <a16:creationId xmlns:a16="http://schemas.microsoft.com/office/drawing/2014/main" xmlns="" id="{9F53C0E6-5CA5-48E1-B370-E678425399F4}"/>
+                <a16:creationId xmlns="" xmlns:a16="http://schemas.microsoft.com/office/drawing/2014/main" id="{9F53C0E6-5CA5-48E1-B370-E678425399F4}"/>
               </a:ext>
             </a:extLst>
           </p:cNvPr>
@@ -13976,7 +14009,7 @@
           <p:cNvPr id="3" name="Content Placeholder 2">
             <a:extLst>
               <a:ext uri="{FF2B5EF4-FFF2-40B4-BE49-F238E27FC236}">
-                <a16:creationId xmlns:a16="http://schemas.microsoft.com/office/drawing/2014/main" xmlns="" id="{F0A4581A-26B3-40E7-A945-90C4D9B58292}"/>
+                <a16:creationId xmlns="" xmlns:a16="http://schemas.microsoft.com/office/drawing/2014/main" id="{F0A4581A-26B3-40E7-A945-90C4D9B58292}"/>
               </a:ext>
             </a:extLst>
           </p:cNvPr>
@@ -14287,7 +14320,7 @@
           <p:cNvPr id="4" name="Footer Placeholder 3">
             <a:extLst>
               <a:ext uri="{FF2B5EF4-FFF2-40B4-BE49-F238E27FC236}">
-                <a16:creationId xmlns:a16="http://schemas.microsoft.com/office/drawing/2014/main" xmlns="" id="{540972A1-4BB3-4D04-B4DF-C76BA9B5CAD8}"/>
+                <a16:creationId xmlns="" xmlns:a16="http://schemas.microsoft.com/office/drawing/2014/main" id="{540972A1-4BB3-4D04-B4DF-C76BA9B5CAD8}"/>
               </a:ext>
             </a:extLst>
           </p:cNvPr>
@@ -14316,7 +14349,7 @@
           <p:cNvPr id="5" name="Slide Number Placeholder 4">
             <a:extLst>
               <a:ext uri="{FF2B5EF4-FFF2-40B4-BE49-F238E27FC236}">
-                <a16:creationId xmlns:a16="http://schemas.microsoft.com/office/drawing/2014/main" xmlns="" id="{23B5C741-F1AB-463E-B229-974B2924B065}"/>
+                <a16:creationId xmlns="" xmlns:a16="http://schemas.microsoft.com/office/drawing/2014/main" id="{23B5C741-F1AB-463E-B229-974B2924B065}"/>
               </a:ext>
             </a:extLst>
           </p:cNvPr>
@@ -14345,7 +14378,7 @@
           <p:cNvPr id="7" name="Table 7">
             <a:extLst>
               <a:ext uri="{FF2B5EF4-FFF2-40B4-BE49-F238E27FC236}">
-                <a16:creationId xmlns:a16="http://schemas.microsoft.com/office/drawing/2014/main" xmlns="" id="{C1D7B18B-F719-4FA1-8099-62547C038289}"/>
+                <a16:creationId xmlns="" xmlns:a16="http://schemas.microsoft.com/office/drawing/2014/main" id="{C1D7B18B-F719-4FA1-8099-62547C038289}"/>
               </a:ext>
             </a:extLst>
           </p:cNvPr>
@@ -14374,14 +14407,14 @@
                 <a:gridCol w="4926497">
                   <a:extLst>
                     <a:ext uri="{9D8B030D-6E8A-4147-A177-3AD203B41FA5}">
-                      <a16:colId xmlns:a16="http://schemas.microsoft.com/office/drawing/2014/main" xmlns="" val="3034872970"/>
+                      <a16:colId xmlns="" xmlns:a16="http://schemas.microsoft.com/office/drawing/2014/main" val="3034872970"/>
                     </a:ext>
                   </a:extLst>
                 </a:gridCol>
                 <a:gridCol w="4598504">
                   <a:extLst>
                     <a:ext uri="{9D8B030D-6E8A-4147-A177-3AD203B41FA5}">
-                      <a16:colId xmlns:a16="http://schemas.microsoft.com/office/drawing/2014/main" xmlns="" val="2251918797"/>
+                      <a16:colId xmlns="" xmlns:a16="http://schemas.microsoft.com/office/drawing/2014/main" val="2251918797"/>
                     </a:ext>
                   </a:extLst>
                 </a:gridCol>
@@ -14523,7 +14556,7 @@
                 </a:tc>
                 <a:extLst>
                   <a:ext uri="{0D108BD9-81ED-4DB2-BD59-A6C34878D82A}">
-                    <a16:rowId xmlns:a16="http://schemas.microsoft.com/office/drawing/2014/main" xmlns="" val="2753114079"/>
+                    <a16:rowId xmlns="" xmlns:a16="http://schemas.microsoft.com/office/drawing/2014/main" val="2753114079"/>
                   </a:ext>
                 </a:extLst>
               </a:tr>
@@ -14664,7 +14697,7 @@
                 </a:tc>
                 <a:extLst>
                   <a:ext uri="{0D108BD9-81ED-4DB2-BD59-A6C34878D82A}">
-                    <a16:rowId xmlns:a16="http://schemas.microsoft.com/office/drawing/2014/main" xmlns="" val="769681522"/>
+                    <a16:rowId xmlns="" xmlns:a16="http://schemas.microsoft.com/office/drawing/2014/main" val="769681522"/>
                   </a:ext>
                 </a:extLst>
               </a:tr>
@@ -14786,7 +14819,7 @@
                 </a:tc>
                 <a:extLst>
                   <a:ext uri="{0D108BD9-81ED-4DB2-BD59-A6C34878D82A}">
-                    <a16:rowId xmlns:a16="http://schemas.microsoft.com/office/drawing/2014/main" xmlns="" val="647956420"/>
+                    <a16:rowId xmlns="" xmlns:a16="http://schemas.microsoft.com/office/drawing/2014/main" val="647956420"/>
                   </a:ext>
                 </a:extLst>
               </a:tr>
@@ -14799,7 +14832,7 @@
           <p:cNvPr id="9" name="Picture 8">
             <a:extLst>
               <a:ext uri="{FF2B5EF4-FFF2-40B4-BE49-F238E27FC236}">
-                <a16:creationId xmlns:a16="http://schemas.microsoft.com/office/drawing/2014/main" xmlns="" id="{E31162F2-89B2-4922-87BE-A47BDDD25745}"/>
+                <a16:creationId xmlns="" xmlns:a16="http://schemas.microsoft.com/office/drawing/2014/main" id="{E31162F2-89B2-4922-87BE-A47BDDD25745}"/>
               </a:ext>
             </a:extLst>
           </p:cNvPr>
@@ -14835,7 +14868,7 @@
           <p:cNvPr id="11" name="Table 11">
             <a:extLst>
               <a:ext uri="{FF2B5EF4-FFF2-40B4-BE49-F238E27FC236}">
-                <a16:creationId xmlns:a16="http://schemas.microsoft.com/office/drawing/2014/main" xmlns="" id="{BA7FDF9A-CB5A-4C69-B5F1-19EF9D82EEEA}"/>
+                <a16:creationId xmlns="" xmlns:a16="http://schemas.microsoft.com/office/drawing/2014/main" id="{BA7FDF9A-CB5A-4C69-B5F1-19EF9D82EEEA}"/>
               </a:ext>
             </a:extLst>
           </p:cNvPr>
@@ -14864,35 +14897,35 @@
                 <a:gridCol w="2087097">
                   <a:extLst>
                     <a:ext uri="{9D8B030D-6E8A-4147-A177-3AD203B41FA5}">
-                      <a16:colId xmlns:a16="http://schemas.microsoft.com/office/drawing/2014/main" xmlns="" val="1625993285"/>
+                      <a16:colId xmlns="" xmlns:a16="http://schemas.microsoft.com/office/drawing/2014/main" val="1625993285"/>
                     </a:ext>
                   </a:extLst>
                 </a:gridCol>
                 <a:gridCol w="2087097">
                   <a:extLst>
                     <a:ext uri="{9D8B030D-6E8A-4147-A177-3AD203B41FA5}">
-                      <a16:colId xmlns:a16="http://schemas.microsoft.com/office/drawing/2014/main" xmlns="" val="2002752227"/>
+                      <a16:colId xmlns="" xmlns:a16="http://schemas.microsoft.com/office/drawing/2014/main" val="2002752227"/>
                     </a:ext>
                   </a:extLst>
                 </a:gridCol>
                 <a:gridCol w="2087097">
                   <a:extLst>
                     <a:ext uri="{9D8B030D-6E8A-4147-A177-3AD203B41FA5}">
-                      <a16:colId xmlns:a16="http://schemas.microsoft.com/office/drawing/2014/main" xmlns="" val="1168972226"/>
+                      <a16:colId xmlns="" xmlns:a16="http://schemas.microsoft.com/office/drawing/2014/main" val="1168972226"/>
                     </a:ext>
                   </a:extLst>
                 </a:gridCol>
                 <a:gridCol w="2087097">
                   <a:extLst>
                     <a:ext uri="{9D8B030D-6E8A-4147-A177-3AD203B41FA5}">
-                      <a16:colId xmlns:a16="http://schemas.microsoft.com/office/drawing/2014/main" xmlns="" val="873165184"/>
+                      <a16:colId xmlns="" xmlns:a16="http://schemas.microsoft.com/office/drawing/2014/main" val="873165184"/>
                     </a:ext>
                   </a:extLst>
                 </a:gridCol>
                 <a:gridCol w="2087097">
                   <a:extLst>
                     <a:ext uri="{9D8B030D-6E8A-4147-A177-3AD203B41FA5}">
-                      <a16:colId xmlns:a16="http://schemas.microsoft.com/office/drawing/2014/main" xmlns="" val="1596955192"/>
+                      <a16:colId xmlns="" xmlns:a16="http://schemas.microsoft.com/office/drawing/2014/main" val="1596955192"/>
                     </a:ext>
                   </a:extLst>
                 </a:gridCol>
@@ -15091,7 +15124,7 @@
                 </a:tc>
                 <a:extLst>
                   <a:ext uri="{0D108BD9-81ED-4DB2-BD59-A6C34878D82A}">
-                    <a16:rowId xmlns:a16="http://schemas.microsoft.com/office/drawing/2014/main" xmlns="" val="1555510216"/>
+                    <a16:rowId xmlns="" xmlns:a16="http://schemas.microsoft.com/office/drawing/2014/main" val="1555510216"/>
                   </a:ext>
                 </a:extLst>
               </a:tr>
@@ -15273,7 +15306,7 @@
                 </a:tc>
                 <a:extLst>
                   <a:ext uri="{0D108BD9-81ED-4DB2-BD59-A6C34878D82A}">
-                    <a16:rowId xmlns:a16="http://schemas.microsoft.com/office/drawing/2014/main" xmlns="" val="1834948506"/>
+                    <a16:rowId xmlns="" xmlns:a16="http://schemas.microsoft.com/office/drawing/2014/main" val="1834948506"/>
                   </a:ext>
                 </a:extLst>
               </a:tr>
@@ -15286,7 +15319,7 @@
           <p:cNvPr id="13" name="Table 13">
             <a:extLst>
               <a:ext uri="{FF2B5EF4-FFF2-40B4-BE49-F238E27FC236}">
-                <a16:creationId xmlns:a16="http://schemas.microsoft.com/office/drawing/2014/main" xmlns="" id="{9F3A6247-5AAB-4C2D-B420-5D14AF0155D6}"/>
+                <a16:creationId xmlns="" xmlns:a16="http://schemas.microsoft.com/office/drawing/2014/main" id="{9F3A6247-5AAB-4C2D-B420-5D14AF0155D6}"/>
               </a:ext>
             </a:extLst>
           </p:cNvPr>
@@ -15315,21 +15348,21 @@
                 <a:gridCol w="3505200">
                   <a:extLst>
                     <a:ext uri="{9D8B030D-6E8A-4147-A177-3AD203B41FA5}">
-                      <a16:colId xmlns:a16="http://schemas.microsoft.com/office/drawing/2014/main" xmlns="" val="764850448"/>
+                      <a16:colId xmlns="" xmlns:a16="http://schemas.microsoft.com/office/drawing/2014/main" val="764850448"/>
                     </a:ext>
                   </a:extLst>
                 </a:gridCol>
                 <a:gridCol w="3505200">
                   <a:extLst>
                     <a:ext uri="{9D8B030D-6E8A-4147-A177-3AD203B41FA5}">
-                      <a16:colId xmlns:a16="http://schemas.microsoft.com/office/drawing/2014/main" xmlns="" val="348465865"/>
+                      <a16:colId xmlns="" xmlns:a16="http://schemas.microsoft.com/office/drawing/2014/main" val="348465865"/>
                     </a:ext>
                   </a:extLst>
                 </a:gridCol>
                 <a:gridCol w="3505200">
                   <a:extLst>
                     <a:ext uri="{9D8B030D-6E8A-4147-A177-3AD203B41FA5}">
-                      <a16:colId xmlns:a16="http://schemas.microsoft.com/office/drawing/2014/main" xmlns="" val="1848297289"/>
+                      <a16:colId xmlns="" xmlns:a16="http://schemas.microsoft.com/office/drawing/2014/main" val="1848297289"/>
                     </a:ext>
                   </a:extLst>
                 </a:gridCol>
@@ -15442,7 +15475,7 @@
                 </a:tc>
                 <a:extLst>
                   <a:ext uri="{0D108BD9-81ED-4DB2-BD59-A6C34878D82A}">
-                    <a16:rowId xmlns:a16="http://schemas.microsoft.com/office/drawing/2014/main" xmlns="" val="1174627282"/>
+                    <a16:rowId xmlns="" xmlns:a16="http://schemas.microsoft.com/office/drawing/2014/main" val="1174627282"/>
                   </a:ext>
                 </a:extLst>
               </a:tr>
@@ -15551,7 +15584,7 @@
                 </a:tc>
                 <a:extLst>
                   <a:ext uri="{0D108BD9-81ED-4DB2-BD59-A6C34878D82A}">
-                    <a16:rowId xmlns:a16="http://schemas.microsoft.com/office/drawing/2014/main" xmlns="" val="256008200"/>
+                    <a16:rowId xmlns="" xmlns:a16="http://schemas.microsoft.com/office/drawing/2014/main" val="256008200"/>
                   </a:ext>
                 </a:extLst>
               </a:tr>
@@ -15594,7 +15627,7 @@
           <p:cNvPr id="2" name="Title 1">
             <a:extLst>
               <a:ext uri="{FF2B5EF4-FFF2-40B4-BE49-F238E27FC236}">
-                <a16:creationId xmlns:a16="http://schemas.microsoft.com/office/drawing/2014/main" xmlns="" id="{9F53C0E6-5CA5-48E1-B370-E678425399F4}"/>
+                <a16:creationId xmlns="" xmlns:a16="http://schemas.microsoft.com/office/drawing/2014/main" id="{9F53C0E6-5CA5-48E1-B370-E678425399F4}"/>
               </a:ext>
             </a:extLst>
           </p:cNvPr>
@@ -15627,7 +15660,7 @@
           <p:cNvPr id="3" name="Content Placeholder 2">
             <a:extLst>
               <a:ext uri="{FF2B5EF4-FFF2-40B4-BE49-F238E27FC236}">
-                <a16:creationId xmlns:a16="http://schemas.microsoft.com/office/drawing/2014/main" xmlns="" id="{F0A4581A-26B3-40E7-A945-90C4D9B58292}"/>
+                <a16:creationId xmlns="" xmlns:a16="http://schemas.microsoft.com/office/drawing/2014/main" id="{F0A4581A-26B3-40E7-A945-90C4D9B58292}"/>
               </a:ext>
             </a:extLst>
           </p:cNvPr>
@@ -15683,7 +15716,7 @@
           <p:cNvPr id="4" name="Footer Placeholder 3">
             <a:extLst>
               <a:ext uri="{FF2B5EF4-FFF2-40B4-BE49-F238E27FC236}">
-                <a16:creationId xmlns:a16="http://schemas.microsoft.com/office/drawing/2014/main" xmlns="" id="{540972A1-4BB3-4D04-B4DF-C76BA9B5CAD8}"/>
+                <a16:creationId xmlns="" xmlns:a16="http://schemas.microsoft.com/office/drawing/2014/main" id="{540972A1-4BB3-4D04-B4DF-C76BA9B5CAD8}"/>
               </a:ext>
             </a:extLst>
           </p:cNvPr>
@@ -15712,7 +15745,7 @@
           <p:cNvPr id="5" name="Slide Number Placeholder 4">
             <a:extLst>
               <a:ext uri="{FF2B5EF4-FFF2-40B4-BE49-F238E27FC236}">
-                <a16:creationId xmlns:a16="http://schemas.microsoft.com/office/drawing/2014/main" xmlns="" id="{23B5C741-F1AB-463E-B229-974B2924B065}"/>
+                <a16:creationId xmlns="" xmlns:a16="http://schemas.microsoft.com/office/drawing/2014/main" id="{23B5C741-F1AB-463E-B229-974B2924B065}"/>
               </a:ext>
             </a:extLst>
           </p:cNvPr>
@@ -15741,7 +15774,7 @@
           <p:cNvPr id="6" name="Table 6">
             <a:extLst>
               <a:ext uri="{FF2B5EF4-FFF2-40B4-BE49-F238E27FC236}">
-                <a16:creationId xmlns:a16="http://schemas.microsoft.com/office/drawing/2014/main" xmlns="" id="{C1E06144-0F57-4633-A8CE-E9F59E0D6DD7}"/>
+                <a16:creationId xmlns="" xmlns:a16="http://schemas.microsoft.com/office/drawing/2014/main" id="{C1E06144-0F57-4633-A8CE-E9F59E0D6DD7}"/>
               </a:ext>
             </a:extLst>
           </p:cNvPr>
@@ -15770,28 +15803,28 @@
                 <a:gridCol w="699052">
                   <a:extLst>
                     <a:ext uri="{9D8B030D-6E8A-4147-A177-3AD203B41FA5}">
-                      <a16:colId xmlns:a16="http://schemas.microsoft.com/office/drawing/2014/main" xmlns="" val="3249865570"/>
+                      <a16:colId xmlns="" xmlns:a16="http://schemas.microsoft.com/office/drawing/2014/main" val="3249865570"/>
                     </a:ext>
                   </a:extLst>
                 </a:gridCol>
                 <a:gridCol w="4041913">
                   <a:extLst>
                     <a:ext uri="{9D8B030D-6E8A-4147-A177-3AD203B41FA5}">
-                      <a16:colId xmlns:a16="http://schemas.microsoft.com/office/drawing/2014/main" xmlns="" val="371997466"/>
+                      <a16:colId xmlns="" xmlns:a16="http://schemas.microsoft.com/office/drawing/2014/main" val="371997466"/>
                     </a:ext>
                   </a:extLst>
                 </a:gridCol>
                 <a:gridCol w="3472070">
                   <a:extLst>
                     <a:ext uri="{9D8B030D-6E8A-4147-A177-3AD203B41FA5}">
-                      <a16:colId xmlns:a16="http://schemas.microsoft.com/office/drawing/2014/main" xmlns="" val="4110403680"/>
+                      <a16:colId xmlns="" xmlns:a16="http://schemas.microsoft.com/office/drawing/2014/main" val="4110403680"/>
                     </a:ext>
                   </a:extLst>
                 </a:gridCol>
                 <a:gridCol w="2302566">
                   <a:extLst>
                     <a:ext uri="{9D8B030D-6E8A-4147-A177-3AD203B41FA5}">
-                      <a16:colId xmlns:a16="http://schemas.microsoft.com/office/drawing/2014/main" xmlns="" val="619988004"/>
+                      <a16:colId xmlns="" xmlns:a16="http://schemas.microsoft.com/office/drawing/2014/main" val="619988004"/>
                     </a:ext>
                   </a:extLst>
                 </a:gridCol>
@@ -15859,7 +15892,7 @@
                 </a:tc>
                 <a:extLst>
                   <a:ext uri="{0D108BD9-81ED-4DB2-BD59-A6C34878D82A}">
-                    <a16:rowId xmlns:a16="http://schemas.microsoft.com/office/drawing/2014/main" xmlns="" val="1587460518"/>
+                    <a16:rowId xmlns="" xmlns:a16="http://schemas.microsoft.com/office/drawing/2014/main" val="1587460518"/>
                   </a:ext>
                 </a:extLst>
               </a:tr>
@@ -15963,7 +15996,7 @@
                 </a:tc>
                 <a:extLst>
                   <a:ext uri="{0D108BD9-81ED-4DB2-BD59-A6C34878D82A}">
-                    <a16:rowId xmlns:a16="http://schemas.microsoft.com/office/drawing/2014/main" xmlns="" val="1114464614"/>
+                    <a16:rowId xmlns="" xmlns:a16="http://schemas.microsoft.com/office/drawing/2014/main" val="1114464614"/>
                   </a:ext>
                 </a:extLst>
               </a:tr>
@@ -16100,7 +16133,7 @@
                 </a:tc>
                 <a:extLst>
                   <a:ext uri="{0D108BD9-81ED-4DB2-BD59-A6C34878D82A}">
-                    <a16:rowId xmlns:a16="http://schemas.microsoft.com/office/drawing/2014/main" xmlns="" val="1453760822"/>
+                    <a16:rowId xmlns="" xmlns:a16="http://schemas.microsoft.com/office/drawing/2014/main" val="1453760822"/>
                   </a:ext>
                 </a:extLst>
               </a:tr>
@@ -16237,7 +16270,7 @@
                 </a:tc>
                 <a:extLst>
                   <a:ext uri="{0D108BD9-81ED-4DB2-BD59-A6C34878D82A}">
-                    <a16:rowId xmlns:a16="http://schemas.microsoft.com/office/drawing/2014/main" xmlns="" val="1675485532"/>
+                    <a16:rowId xmlns="" xmlns:a16="http://schemas.microsoft.com/office/drawing/2014/main" val="1675485532"/>
                   </a:ext>
                 </a:extLst>
               </a:tr>
@@ -16382,7 +16415,7 @@
                 </a:tc>
                 <a:extLst>
                   <a:ext uri="{0D108BD9-81ED-4DB2-BD59-A6C34878D82A}">
-                    <a16:rowId xmlns:a16="http://schemas.microsoft.com/office/drawing/2014/main" xmlns="" val="3784564789"/>
+                    <a16:rowId xmlns="" xmlns:a16="http://schemas.microsoft.com/office/drawing/2014/main" val="3784564789"/>
                   </a:ext>
                 </a:extLst>
               </a:tr>
@@ -16519,7 +16552,7 @@
                 </a:tc>
                 <a:extLst>
                   <a:ext uri="{0D108BD9-81ED-4DB2-BD59-A6C34878D82A}">
-                    <a16:rowId xmlns:a16="http://schemas.microsoft.com/office/drawing/2014/main" xmlns="" val="1456887150"/>
+                    <a16:rowId xmlns="" xmlns:a16="http://schemas.microsoft.com/office/drawing/2014/main" val="1456887150"/>
                   </a:ext>
                 </a:extLst>
               </a:tr>
@@ -16656,7 +16689,7 @@
                 </a:tc>
                 <a:extLst>
                   <a:ext uri="{0D108BD9-81ED-4DB2-BD59-A6C34878D82A}">
-                    <a16:rowId xmlns:a16="http://schemas.microsoft.com/office/drawing/2014/main" xmlns="" val="1307625920"/>
+                    <a16:rowId xmlns="" xmlns:a16="http://schemas.microsoft.com/office/drawing/2014/main" val="1307625920"/>
                   </a:ext>
                 </a:extLst>
               </a:tr>
@@ -16793,7 +16826,7 @@
                 </a:tc>
                 <a:extLst>
                   <a:ext uri="{0D108BD9-81ED-4DB2-BD59-A6C34878D82A}">
-                    <a16:rowId xmlns:a16="http://schemas.microsoft.com/office/drawing/2014/main" xmlns="" val="3029769833"/>
+                    <a16:rowId xmlns="" xmlns:a16="http://schemas.microsoft.com/office/drawing/2014/main" val="3029769833"/>
                   </a:ext>
                 </a:extLst>
               </a:tr>
@@ -16938,7 +16971,7 @@
                 </a:tc>
                 <a:extLst>
                   <a:ext uri="{0D108BD9-81ED-4DB2-BD59-A6C34878D82A}">
-                    <a16:rowId xmlns:a16="http://schemas.microsoft.com/office/drawing/2014/main" xmlns="" val="4181254745"/>
+                    <a16:rowId xmlns="" xmlns:a16="http://schemas.microsoft.com/office/drawing/2014/main" val="4181254745"/>
                   </a:ext>
                 </a:extLst>
               </a:tr>
@@ -17075,7 +17108,7 @@
                 </a:tc>
                 <a:extLst>
                   <a:ext uri="{0D108BD9-81ED-4DB2-BD59-A6C34878D82A}">
-                    <a16:rowId xmlns:a16="http://schemas.microsoft.com/office/drawing/2014/main" xmlns="" val="2828916017"/>
+                    <a16:rowId xmlns="" xmlns:a16="http://schemas.microsoft.com/office/drawing/2014/main" val="2828916017"/>
                   </a:ext>
                 </a:extLst>
               </a:tr>
@@ -17212,7 +17245,7 @@
                 </a:tc>
                 <a:extLst>
                   <a:ext uri="{0D108BD9-81ED-4DB2-BD59-A6C34878D82A}">
-                    <a16:rowId xmlns:a16="http://schemas.microsoft.com/office/drawing/2014/main" xmlns="" val="45773675"/>
+                    <a16:rowId xmlns="" xmlns:a16="http://schemas.microsoft.com/office/drawing/2014/main" val="45773675"/>
                   </a:ext>
                 </a:extLst>
               </a:tr>
@@ -17349,7 +17382,7 @@
                 </a:tc>
                 <a:extLst>
                   <a:ext uri="{0D108BD9-81ED-4DB2-BD59-A6C34878D82A}">
-                    <a16:rowId xmlns:a16="http://schemas.microsoft.com/office/drawing/2014/main" xmlns="" val="4067745190"/>
+                    <a16:rowId xmlns="" xmlns:a16="http://schemas.microsoft.com/office/drawing/2014/main" val="4067745190"/>
                   </a:ext>
                 </a:extLst>
               </a:tr>
@@ -17486,7 +17519,7 @@
                 </a:tc>
                 <a:extLst>
                   <a:ext uri="{0D108BD9-81ED-4DB2-BD59-A6C34878D82A}">
-                    <a16:rowId xmlns:a16="http://schemas.microsoft.com/office/drawing/2014/main" xmlns="" val="705947826"/>
+                    <a16:rowId xmlns="" xmlns:a16="http://schemas.microsoft.com/office/drawing/2014/main" val="705947826"/>
                   </a:ext>
                 </a:extLst>
               </a:tr>
@@ -17529,7 +17562,7 @@
           <p:cNvPr id="2" name="Title 1">
             <a:extLst>
               <a:ext uri="{FF2B5EF4-FFF2-40B4-BE49-F238E27FC236}">
-                <a16:creationId xmlns:a16="http://schemas.microsoft.com/office/drawing/2014/main" xmlns="" id="{9F53C0E6-5CA5-48E1-B370-E678425399F4}"/>
+                <a16:creationId xmlns="" xmlns:a16="http://schemas.microsoft.com/office/drawing/2014/main" id="{9F53C0E6-5CA5-48E1-B370-E678425399F4}"/>
               </a:ext>
             </a:extLst>
           </p:cNvPr>
@@ -17562,7 +17595,7 @@
           <p:cNvPr id="6" name="Table 6">
             <a:extLst>
               <a:ext uri="{FF2B5EF4-FFF2-40B4-BE49-F238E27FC236}">
-                <a16:creationId xmlns:a16="http://schemas.microsoft.com/office/drawing/2014/main" xmlns="" id="{57899852-00E4-48D5-8493-D7C3F071DA03}"/>
+                <a16:creationId xmlns="" xmlns:a16="http://schemas.microsoft.com/office/drawing/2014/main" id="{57899852-00E4-48D5-8493-D7C3F071DA03}"/>
               </a:ext>
             </a:extLst>
           </p:cNvPr>
@@ -17592,28 +17625,28 @@
                 <a:gridCol w="659293">
                   <a:extLst>
                     <a:ext uri="{9D8B030D-6E8A-4147-A177-3AD203B41FA5}">
-                      <a16:colId xmlns:a16="http://schemas.microsoft.com/office/drawing/2014/main" xmlns="" val="3967142194"/>
+                      <a16:colId xmlns="" xmlns:a16="http://schemas.microsoft.com/office/drawing/2014/main" val="3967142194"/>
                     </a:ext>
                   </a:extLst>
                 </a:gridCol>
                 <a:gridCol w="4850295">
                   <a:extLst>
                     <a:ext uri="{9D8B030D-6E8A-4147-A177-3AD203B41FA5}">
-                      <a16:colId xmlns:a16="http://schemas.microsoft.com/office/drawing/2014/main" xmlns="" val="845744349"/>
+                      <a16:colId xmlns="" xmlns:a16="http://schemas.microsoft.com/office/drawing/2014/main" val="845744349"/>
                     </a:ext>
                   </a:extLst>
                 </a:gridCol>
                 <a:gridCol w="3286539">
                   <a:extLst>
                     <a:ext uri="{9D8B030D-6E8A-4147-A177-3AD203B41FA5}">
-                      <a16:colId xmlns:a16="http://schemas.microsoft.com/office/drawing/2014/main" xmlns="" val="3119492930"/>
+                      <a16:colId xmlns="" xmlns:a16="http://schemas.microsoft.com/office/drawing/2014/main" val="3119492930"/>
                     </a:ext>
                   </a:extLst>
                 </a:gridCol>
                 <a:gridCol w="1719469">
                   <a:extLst>
                     <a:ext uri="{9D8B030D-6E8A-4147-A177-3AD203B41FA5}">
-                      <a16:colId xmlns:a16="http://schemas.microsoft.com/office/drawing/2014/main" xmlns="" val="2461260376"/>
+                      <a16:colId xmlns="" xmlns:a16="http://schemas.microsoft.com/office/drawing/2014/main" val="2461260376"/>
                     </a:ext>
                   </a:extLst>
                 </a:gridCol>
@@ -17689,7 +17722,7 @@
                 </a:tc>
                 <a:extLst>
                   <a:ext uri="{0D108BD9-81ED-4DB2-BD59-A6C34878D82A}">
-                    <a16:rowId xmlns:a16="http://schemas.microsoft.com/office/drawing/2014/main" xmlns="" val="338402846"/>
+                    <a16:rowId xmlns="" xmlns:a16="http://schemas.microsoft.com/office/drawing/2014/main" val="338402846"/>
                   </a:ext>
                 </a:extLst>
               </a:tr>
@@ -17828,7 +17861,7 @@
                 </a:tc>
                 <a:extLst>
                   <a:ext uri="{0D108BD9-81ED-4DB2-BD59-A6C34878D82A}">
-                    <a16:rowId xmlns:a16="http://schemas.microsoft.com/office/drawing/2014/main" xmlns="" val="53499860"/>
+                    <a16:rowId xmlns="" xmlns:a16="http://schemas.microsoft.com/office/drawing/2014/main" val="53499860"/>
                   </a:ext>
                 </a:extLst>
               </a:tr>
@@ -17975,7 +18008,7 @@
                 </a:tc>
                 <a:extLst>
                   <a:ext uri="{0D108BD9-81ED-4DB2-BD59-A6C34878D82A}">
-                    <a16:rowId xmlns:a16="http://schemas.microsoft.com/office/drawing/2014/main" xmlns="" val="1809846653"/>
+                    <a16:rowId xmlns="" xmlns:a16="http://schemas.microsoft.com/office/drawing/2014/main" val="1809846653"/>
                   </a:ext>
                 </a:extLst>
               </a:tr>
@@ -18114,7 +18147,7 @@
                 </a:tc>
                 <a:extLst>
                   <a:ext uri="{0D108BD9-81ED-4DB2-BD59-A6C34878D82A}">
-                    <a16:rowId xmlns:a16="http://schemas.microsoft.com/office/drawing/2014/main" xmlns="" val="1274676589"/>
+                    <a16:rowId xmlns="" xmlns:a16="http://schemas.microsoft.com/office/drawing/2014/main" val="1274676589"/>
                   </a:ext>
                 </a:extLst>
               </a:tr>
@@ -18253,7 +18286,7 @@
                 </a:tc>
                 <a:extLst>
                   <a:ext uri="{0D108BD9-81ED-4DB2-BD59-A6C34878D82A}">
-                    <a16:rowId xmlns:a16="http://schemas.microsoft.com/office/drawing/2014/main" xmlns="" val="1630406459"/>
+                    <a16:rowId xmlns="" xmlns:a16="http://schemas.microsoft.com/office/drawing/2014/main" val="1630406459"/>
                   </a:ext>
                 </a:extLst>
               </a:tr>
@@ -18392,7 +18425,7 @@
                 </a:tc>
                 <a:extLst>
                   <a:ext uri="{0D108BD9-81ED-4DB2-BD59-A6C34878D82A}">
-                    <a16:rowId xmlns:a16="http://schemas.microsoft.com/office/drawing/2014/main" xmlns="" val="706789959"/>
+                    <a16:rowId xmlns="" xmlns:a16="http://schemas.microsoft.com/office/drawing/2014/main" val="706789959"/>
                   </a:ext>
                 </a:extLst>
               </a:tr>
@@ -18531,7 +18564,7 @@
                 </a:tc>
                 <a:extLst>
                   <a:ext uri="{0D108BD9-81ED-4DB2-BD59-A6C34878D82A}">
-                    <a16:rowId xmlns:a16="http://schemas.microsoft.com/office/drawing/2014/main" xmlns="" val="1355822850"/>
+                    <a16:rowId xmlns="" xmlns:a16="http://schemas.microsoft.com/office/drawing/2014/main" val="1355822850"/>
                   </a:ext>
                 </a:extLst>
               </a:tr>
@@ -18678,7 +18711,7 @@
                 </a:tc>
                 <a:extLst>
                   <a:ext uri="{0D108BD9-81ED-4DB2-BD59-A6C34878D82A}">
-                    <a16:rowId xmlns:a16="http://schemas.microsoft.com/office/drawing/2014/main" xmlns="" val="3995620060"/>
+                    <a16:rowId xmlns="" xmlns:a16="http://schemas.microsoft.com/office/drawing/2014/main" val="3995620060"/>
                   </a:ext>
                 </a:extLst>
               </a:tr>
@@ -18817,7 +18850,7 @@
                 </a:tc>
                 <a:extLst>
                   <a:ext uri="{0D108BD9-81ED-4DB2-BD59-A6C34878D82A}">
-                    <a16:rowId xmlns:a16="http://schemas.microsoft.com/office/drawing/2014/main" xmlns="" val="928072493"/>
+                    <a16:rowId xmlns="" xmlns:a16="http://schemas.microsoft.com/office/drawing/2014/main" val="928072493"/>
                   </a:ext>
                 </a:extLst>
               </a:tr>
@@ -18956,7 +18989,7 @@
                 </a:tc>
                 <a:extLst>
                   <a:ext uri="{0D108BD9-81ED-4DB2-BD59-A6C34878D82A}">
-                    <a16:rowId xmlns:a16="http://schemas.microsoft.com/office/drawing/2014/main" xmlns="" val="3507017606"/>
+                    <a16:rowId xmlns="" xmlns:a16="http://schemas.microsoft.com/office/drawing/2014/main" val="3507017606"/>
                   </a:ext>
                 </a:extLst>
               </a:tr>
@@ -19095,7 +19128,7 @@
                 </a:tc>
                 <a:extLst>
                   <a:ext uri="{0D108BD9-81ED-4DB2-BD59-A6C34878D82A}">
-                    <a16:rowId xmlns:a16="http://schemas.microsoft.com/office/drawing/2014/main" xmlns="" val="4140124172"/>
+                    <a16:rowId xmlns="" xmlns:a16="http://schemas.microsoft.com/office/drawing/2014/main" val="4140124172"/>
                   </a:ext>
                 </a:extLst>
               </a:tr>
@@ -19234,7 +19267,7 @@
                 </a:tc>
                 <a:extLst>
                   <a:ext uri="{0D108BD9-81ED-4DB2-BD59-A6C34878D82A}">
-                    <a16:rowId xmlns:a16="http://schemas.microsoft.com/office/drawing/2014/main" xmlns="" val="4284254439"/>
+                    <a16:rowId xmlns="" xmlns:a16="http://schemas.microsoft.com/office/drawing/2014/main" val="4284254439"/>
                   </a:ext>
                 </a:extLst>
               </a:tr>
@@ -19381,7 +19414,7 @@
                 </a:tc>
                 <a:extLst>
                   <a:ext uri="{0D108BD9-81ED-4DB2-BD59-A6C34878D82A}">
-                    <a16:rowId xmlns:a16="http://schemas.microsoft.com/office/drawing/2014/main" xmlns="" val="1615818627"/>
+                    <a16:rowId xmlns="" xmlns:a16="http://schemas.microsoft.com/office/drawing/2014/main" val="1615818627"/>
                   </a:ext>
                 </a:extLst>
               </a:tr>
@@ -19394,7 +19427,7 @@
           <p:cNvPr id="4" name="Footer Placeholder 3">
             <a:extLst>
               <a:ext uri="{FF2B5EF4-FFF2-40B4-BE49-F238E27FC236}">
-                <a16:creationId xmlns:a16="http://schemas.microsoft.com/office/drawing/2014/main" xmlns="" id="{540972A1-4BB3-4D04-B4DF-C76BA9B5CAD8}"/>
+                <a16:creationId xmlns="" xmlns:a16="http://schemas.microsoft.com/office/drawing/2014/main" id="{540972A1-4BB3-4D04-B4DF-C76BA9B5CAD8}"/>
               </a:ext>
             </a:extLst>
           </p:cNvPr>
@@ -19423,7 +19456,7 @@
           <p:cNvPr id="5" name="Slide Number Placeholder 4">
             <a:extLst>
               <a:ext uri="{FF2B5EF4-FFF2-40B4-BE49-F238E27FC236}">
-                <a16:creationId xmlns:a16="http://schemas.microsoft.com/office/drawing/2014/main" xmlns="" id="{23B5C741-F1AB-463E-B229-974B2924B065}"/>
+                <a16:creationId xmlns="" xmlns:a16="http://schemas.microsoft.com/office/drawing/2014/main" id="{23B5C741-F1AB-463E-B229-974B2924B065}"/>
               </a:ext>
             </a:extLst>
           </p:cNvPr>
@@ -19452,7 +19485,7 @@
           <p:cNvPr id="7" name="TextBox 6">
             <a:extLst>
               <a:ext uri="{FF2B5EF4-FFF2-40B4-BE49-F238E27FC236}">
-                <a16:creationId xmlns:a16="http://schemas.microsoft.com/office/drawing/2014/main" xmlns="" id="{D3EFAF3B-6ACA-4777-8366-4A6C243E7E2F}"/>
+                <a16:creationId xmlns="" xmlns:a16="http://schemas.microsoft.com/office/drawing/2014/main" id="{D3EFAF3B-6ACA-4777-8366-4A6C243E7E2F}"/>
               </a:ext>
             </a:extLst>
           </p:cNvPr>
@@ -19533,7 +19566,7 @@
           <p:cNvPr id="2" name="Title 1">
             <a:extLst>
               <a:ext uri="{FF2B5EF4-FFF2-40B4-BE49-F238E27FC236}">
-                <a16:creationId xmlns:a16="http://schemas.microsoft.com/office/drawing/2014/main" xmlns="" id="{9F53C0E6-5CA5-48E1-B370-E678425399F4}"/>
+                <a16:creationId xmlns="" xmlns:a16="http://schemas.microsoft.com/office/drawing/2014/main" id="{9F53C0E6-5CA5-48E1-B370-E678425399F4}"/>
               </a:ext>
             </a:extLst>
           </p:cNvPr>
@@ -19566,7 +19599,7 @@
           <p:cNvPr id="3" name="Content Placeholder 2">
             <a:extLst>
               <a:ext uri="{FF2B5EF4-FFF2-40B4-BE49-F238E27FC236}">
-                <a16:creationId xmlns:a16="http://schemas.microsoft.com/office/drawing/2014/main" xmlns="" id="{F0A4581A-26B3-40E7-A945-90C4D9B58292}"/>
+                <a16:creationId xmlns="" xmlns:a16="http://schemas.microsoft.com/office/drawing/2014/main" id="{F0A4581A-26B3-40E7-A945-90C4D9B58292}"/>
               </a:ext>
             </a:extLst>
           </p:cNvPr>
@@ -19683,7 +19716,7 @@
           <p:cNvPr id="4" name="Footer Placeholder 3">
             <a:extLst>
               <a:ext uri="{FF2B5EF4-FFF2-40B4-BE49-F238E27FC236}">
-                <a16:creationId xmlns:a16="http://schemas.microsoft.com/office/drawing/2014/main" xmlns="" id="{540972A1-4BB3-4D04-B4DF-C76BA9B5CAD8}"/>
+                <a16:creationId xmlns="" xmlns:a16="http://schemas.microsoft.com/office/drawing/2014/main" id="{540972A1-4BB3-4D04-B4DF-C76BA9B5CAD8}"/>
               </a:ext>
             </a:extLst>
           </p:cNvPr>
@@ -19712,7 +19745,7 @@
           <p:cNvPr id="5" name="Slide Number Placeholder 4">
             <a:extLst>
               <a:ext uri="{FF2B5EF4-FFF2-40B4-BE49-F238E27FC236}">
-                <a16:creationId xmlns:a16="http://schemas.microsoft.com/office/drawing/2014/main" xmlns="" id="{23B5C741-F1AB-463E-B229-974B2924B065}"/>
+                <a16:creationId xmlns="" xmlns:a16="http://schemas.microsoft.com/office/drawing/2014/main" id="{23B5C741-F1AB-463E-B229-974B2924B065}"/>
               </a:ext>
             </a:extLst>
           </p:cNvPr>
@@ -19771,7 +19804,7 @@
           <p:cNvPr id="2" name="Title 1">
             <a:extLst>
               <a:ext uri="{FF2B5EF4-FFF2-40B4-BE49-F238E27FC236}">
-                <a16:creationId xmlns:a16="http://schemas.microsoft.com/office/drawing/2014/main" xmlns="" id="{9F53C0E6-5CA5-48E1-B370-E678425399F4}"/>
+                <a16:creationId xmlns="" xmlns:a16="http://schemas.microsoft.com/office/drawing/2014/main" id="{9F53C0E6-5CA5-48E1-B370-E678425399F4}"/>
               </a:ext>
             </a:extLst>
           </p:cNvPr>
@@ -19804,7 +19837,7 @@
           <p:cNvPr id="3" name="Content Placeholder 2">
             <a:extLst>
               <a:ext uri="{FF2B5EF4-FFF2-40B4-BE49-F238E27FC236}">
-                <a16:creationId xmlns:a16="http://schemas.microsoft.com/office/drawing/2014/main" xmlns="" id="{F0A4581A-26B3-40E7-A945-90C4D9B58292}"/>
+                <a16:creationId xmlns="" xmlns:a16="http://schemas.microsoft.com/office/drawing/2014/main" id="{F0A4581A-26B3-40E7-A945-90C4D9B58292}"/>
               </a:ext>
             </a:extLst>
           </p:cNvPr>
@@ -19901,7 +19934,7 @@
           <p:cNvPr id="4" name="Footer Placeholder 3">
             <a:extLst>
               <a:ext uri="{FF2B5EF4-FFF2-40B4-BE49-F238E27FC236}">
-                <a16:creationId xmlns:a16="http://schemas.microsoft.com/office/drawing/2014/main" xmlns="" id="{540972A1-4BB3-4D04-B4DF-C76BA9B5CAD8}"/>
+                <a16:creationId xmlns="" xmlns:a16="http://schemas.microsoft.com/office/drawing/2014/main" id="{540972A1-4BB3-4D04-B4DF-C76BA9B5CAD8}"/>
               </a:ext>
             </a:extLst>
           </p:cNvPr>
@@ -19930,7 +19963,7 @@
           <p:cNvPr id="5" name="Slide Number Placeholder 4">
             <a:extLst>
               <a:ext uri="{FF2B5EF4-FFF2-40B4-BE49-F238E27FC236}">
-                <a16:creationId xmlns:a16="http://schemas.microsoft.com/office/drawing/2014/main" xmlns="" id="{23B5C741-F1AB-463E-B229-974B2924B065}"/>
+                <a16:creationId xmlns="" xmlns:a16="http://schemas.microsoft.com/office/drawing/2014/main" id="{23B5C741-F1AB-463E-B229-974B2924B065}"/>
               </a:ext>
             </a:extLst>
           </p:cNvPr>
@@ -19959,7 +19992,7 @@
           <p:cNvPr id="7" name="Picture 6" descr="Table&#10;&#10;Description automatically generated">
             <a:extLst>
               <a:ext uri="{FF2B5EF4-FFF2-40B4-BE49-F238E27FC236}">
-                <a16:creationId xmlns:a16="http://schemas.microsoft.com/office/drawing/2014/main" xmlns="" id="{1253A37B-2D79-4AD6-846F-6D1D987D327F}"/>
+                <a16:creationId xmlns="" xmlns:a16="http://schemas.microsoft.com/office/drawing/2014/main" id="{1253A37B-2D79-4AD6-846F-6D1D987D327F}"/>
               </a:ext>
             </a:extLst>
           </p:cNvPr>
@@ -20025,7 +20058,7 @@
           <p:cNvPr id="2" name="Title 1">
             <a:extLst>
               <a:ext uri="{FF2B5EF4-FFF2-40B4-BE49-F238E27FC236}">
-                <a16:creationId xmlns:a16="http://schemas.microsoft.com/office/drawing/2014/main" xmlns="" id="{9F53C0E6-5CA5-48E1-B370-E678425399F4}"/>
+                <a16:creationId xmlns="" xmlns:a16="http://schemas.microsoft.com/office/drawing/2014/main" id="{9F53C0E6-5CA5-48E1-B370-E678425399F4}"/>
               </a:ext>
             </a:extLst>
           </p:cNvPr>
@@ -20058,7 +20091,7 @@
           <p:cNvPr id="3" name="Content Placeholder 2">
             <a:extLst>
               <a:ext uri="{FF2B5EF4-FFF2-40B4-BE49-F238E27FC236}">
-                <a16:creationId xmlns:a16="http://schemas.microsoft.com/office/drawing/2014/main" xmlns="" id="{F0A4581A-26B3-40E7-A945-90C4D9B58292}"/>
+                <a16:creationId xmlns="" xmlns:a16="http://schemas.microsoft.com/office/drawing/2014/main" id="{F0A4581A-26B3-40E7-A945-90C4D9B58292}"/>
               </a:ext>
             </a:extLst>
           </p:cNvPr>
@@ -20278,7 +20311,7 @@
           <p:cNvPr id="4" name="Footer Placeholder 3">
             <a:extLst>
               <a:ext uri="{FF2B5EF4-FFF2-40B4-BE49-F238E27FC236}">
-                <a16:creationId xmlns:a16="http://schemas.microsoft.com/office/drawing/2014/main" xmlns="" id="{540972A1-4BB3-4D04-B4DF-C76BA9B5CAD8}"/>
+                <a16:creationId xmlns="" xmlns:a16="http://schemas.microsoft.com/office/drawing/2014/main" id="{540972A1-4BB3-4D04-B4DF-C76BA9B5CAD8}"/>
               </a:ext>
             </a:extLst>
           </p:cNvPr>
@@ -20307,7 +20340,7 @@
           <p:cNvPr id="5" name="Slide Number Placeholder 4">
             <a:extLst>
               <a:ext uri="{FF2B5EF4-FFF2-40B4-BE49-F238E27FC236}">
-                <a16:creationId xmlns:a16="http://schemas.microsoft.com/office/drawing/2014/main" xmlns="" id="{23B5C741-F1AB-463E-B229-974B2924B065}"/>
+                <a16:creationId xmlns="" xmlns:a16="http://schemas.microsoft.com/office/drawing/2014/main" id="{23B5C741-F1AB-463E-B229-974B2924B065}"/>
               </a:ext>
             </a:extLst>
           </p:cNvPr>
@@ -20336,7 +20369,7 @@
           <p:cNvPr id="7" name="Table 7">
             <a:extLst>
               <a:ext uri="{FF2B5EF4-FFF2-40B4-BE49-F238E27FC236}">
-                <a16:creationId xmlns:a16="http://schemas.microsoft.com/office/drawing/2014/main" xmlns="" id="{13889562-6D48-4151-A7F7-697C6BB79C94}"/>
+                <a16:creationId xmlns="" xmlns:a16="http://schemas.microsoft.com/office/drawing/2014/main" id="{13889562-6D48-4151-A7F7-697C6BB79C94}"/>
               </a:ext>
             </a:extLst>
           </p:cNvPr>
@@ -20365,42 +20398,42 @@
                 <a:gridCol w="895994">
                   <a:extLst>
                     <a:ext uri="{9D8B030D-6E8A-4147-A177-3AD203B41FA5}">
-                      <a16:colId xmlns:a16="http://schemas.microsoft.com/office/drawing/2014/main" xmlns="" val="3470491924"/>
+                      <a16:colId xmlns="" xmlns:a16="http://schemas.microsoft.com/office/drawing/2014/main" val="3470491924"/>
                     </a:ext>
                   </a:extLst>
                 </a:gridCol>
                 <a:gridCol w="895994">
                   <a:extLst>
                     <a:ext uri="{9D8B030D-6E8A-4147-A177-3AD203B41FA5}">
-                      <a16:colId xmlns:a16="http://schemas.microsoft.com/office/drawing/2014/main" xmlns="" val="2502966855"/>
+                      <a16:colId xmlns="" xmlns:a16="http://schemas.microsoft.com/office/drawing/2014/main" val="2502966855"/>
                     </a:ext>
                   </a:extLst>
                 </a:gridCol>
                 <a:gridCol w="895994">
                   <a:extLst>
                     <a:ext uri="{9D8B030D-6E8A-4147-A177-3AD203B41FA5}">
-                      <a16:colId xmlns:a16="http://schemas.microsoft.com/office/drawing/2014/main" xmlns="" val="1083158815"/>
+                      <a16:colId xmlns="" xmlns:a16="http://schemas.microsoft.com/office/drawing/2014/main" val="1083158815"/>
                     </a:ext>
                   </a:extLst>
                 </a:gridCol>
                 <a:gridCol w="895994">
                   <a:extLst>
                     <a:ext uri="{9D8B030D-6E8A-4147-A177-3AD203B41FA5}">
-                      <a16:colId xmlns:a16="http://schemas.microsoft.com/office/drawing/2014/main" xmlns="" val="4121210064"/>
+                      <a16:colId xmlns="" xmlns:a16="http://schemas.microsoft.com/office/drawing/2014/main" val="4121210064"/>
                     </a:ext>
                   </a:extLst>
                 </a:gridCol>
                 <a:gridCol w="895994">
                   <a:extLst>
                     <a:ext uri="{9D8B030D-6E8A-4147-A177-3AD203B41FA5}">
-                      <a16:colId xmlns:a16="http://schemas.microsoft.com/office/drawing/2014/main" xmlns="" val="141701959"/>
+                      <a16:colId xmlns="" xmlns:a16="http://schemas.microsoft.com/office/drawing/2014/main" val="141701959"/>
                     </a:ext>
                   </a:extLst>
                 </a:gridCol>
                 <a:gridCol w="895994">
                   <a:extLst>
                     <a:ext uri="{9D8B030D-6E8A-4147-A177-3AD203B41FA5}">
-                      <a16:colId xmlns:a16="http://schemas.microsoft.com/office/drawing/2014/main" xmlns="" val="3461793176"/>
+                      <a16:colId xmlns="" xmlns:a16="http://schemas.microsoft.com/office/drawing/2014/main" val="3461793176"/>
                     </a:ext>
                   </a:extLst>
                 </a:gridCol>
@@ -20489,7 +20522,7 @@
                 </a:tc>
                 <a:extLst>
                   <a:ext uri="{0D108BD9-81ED-4DB2-BD59-A6C34878D82A}">
-                    <a16:rowId xmlns:a16="http://schemas.microsoft.com/office/drawing/2014/main" xmlns="" val="2651531398"/>
+                    <a16:rowId xmlns="" xmlns:a16="http://schemas.microsoft.com/office/drawing/2014/main" val="2651531398"/>
                   </a:ext>
                 </a:extLst>
               </a:tr>
@@ -20580,7 +20613,7 @@
                 </a:tc>
                 <a:extLst>
                   <a:ext uri="{0D108BD9-81ED-4DB2-BD59-A6C34878D82A}">
-                    <a16:rowId xmlns:a16="http://schemas.microsoft.com/office/drawing/2014/main" xmlns="" val="3540775974"/>
+                    <a16:rowId xmlns="" xmlns:a16="http://schemas.microsoft.com/office/drawing/2014/main" val="3540775974"/>
                   </a:ext>
                 </a:extLst>
               </a:tr>
@@ -20671,7 +20704,7 @@
                 </a:tc>
                 <a:extLst>
                   <a:ext uri="{0D108BD9-81ED-4DB2-BD59-A6C34878D82A}">
-                    <a16:rowId xmlns:a16="http://schemas.microsoft.com/office/drawing/2014/main" xmlns="" val="2368716598"/>
+                    <a16:rowId xmlns="" xmlns:a16="http://schemas.microsoft.com/office/drawing/2014/main" val="2368716598"/>
                   </a:ext>
                 </a:extLst>
               </a:tr>
@@ -20762,7 +20795,7 @@
                 </a:tc>
                 <a:extLst>
                   <a:ext uri="{0D108BD9-81ED-4DB2-BD59-A6C34878D82A}">
-                    <a16:rowId xmlns:a16="http://schemas.microsoft.com/office/drawing/2014/main" xmlns="" val="3942807443"/>
+                    <a16:rowId xmlns="" xmlns:a16="http://schemas.microsoft.com/office/drawing/2014/main" val="3942807443"/>
                   </a:ext>
                 </a:extLst>
               </a:tr>
@@ -20853,7 +20886,7 @@
                 </a:tc>
                 <a:extLst>
                   <a:ext uri="{0D108BD9-81ED-4DB2-BD59-A6C34878D82A}">
-                    <a16:rowId xmlns:a16="http://schemas.microsoft.com/office/drawing/2014/main" xmlns="" val="1314220991"/>
+                    <a16:rowId xmlns="" xmlns:a16="http://schemas.microsoft.com/office/drawing/2014/main" val="1314220991"/>
                   </a:ext>
                 </a:extLst>
               </a:tr>
@@ -20944,7 +20977,7 @@
                 </a:tc>
                 <a:extLst>
                   <a:ext uri="{0D108BD9-81ED-4DB2-BD59-A6C34878D82A}">
-                    <a16:rowId xmlns:a16="http://schemas.microsoft.com/office/drawing/2014/main" xmlns="" val="2799734191"/>
+                    <a16:rowId xmlns="" xmlns:a16="http://schemas.microsoft.com/office/drawing/2014/main" val="2799734191"/>
                   </a:ext>
                 </a:extLst>
               </a:tr>
@@ -20957,7 +20990,7 @@
           <p:cNvPr id="8" name="TextBox 7">
             <a:extLst>
               <a:ext uri="{FF2B5EF4-FFF2-40B4-BE49-F238E27FC236}">
-                <a16:creationId xmlns:a16="http://schemas.microsoft.com/office/drawing/2014/main" xmlns="" id="{FA61114D-D3FC-4884-80F9-86AD98153890}"/>
+                <a16:creationId xmlns="" xmlns:a16="http://schemas.microsoft.com/office/drawing/2014/main" id="{FA61114D-D3FC-4884-80F9-86AD98153890}"/>
               </a:ext>
             </a:extLst>
           </p:cNvPr>
@@ -21020,7 +21053,7 @@
           <p:cNvPr id="2" name="Title 1">
             <a:extLst>
               <a:ext uri="{FF2B5EF4-FFF2-40B4-BE49-F238E27FC236}">
-                <a16:creationId xmlns:a16="http://schemas.microsoft.com/office/drawing/2014/main" xmlns="" id="{9F53C0E6-5CA5-48E1-B370-E678425399F4}"/>
+                <a16:creationId xmlns="" xmlns:a16="http://schemas.microsoft.com/office/drawing/2014/main" id="{9F53C0E6-5CA5-48E1-B370-E678425399F4}"/>
               </a:ext>
             </a:extLst>
           </p:cNvPr>
@@ -21053,7 +21086,7 @@
           <p:cNvPr id="3" name="Content Placeholder 2">
             <a:extLst>
               <a:ext uri="{FF2B5EF4-FFF2-40B4-BE49-F238E27FC236}">
-                <a16:creationId xmlns:a16="http://schemas.microsoft.com/office/drawing/2014/main" xmlns="" id="{F0A4581A-26B3-40E7-A945-90C4D9B58292}"/>
+                <a16:creationId xmlns="" xmlns:a16="http://schemas.microsoft.com/office/drawing/2014/main" id="{F0A4581A-26B3-40E7-A945-90C4D9B58292}"/>
               </a:ext>
             </a:extLst>
           </p:cNvPr>
@@ -21185,7 +21218,7 @@
           <p:cNvPr id="4" name="Footer Placeholder 3">
             <a:extLst>
               <a:ext uri="{FF2B5EF4-FFF2-40B4-BE49-F238E27FC236}">
-                <a16:creationId xmlns:a16="http://schemas.microsoft.com/office/drawing/2014/main" xmlns="" id="{540972A1-4BB3-4D04-B4DF-C76BA9B5CAD8}"/>
+                <a16:creationId xmlns="" xmlns:a16="http://schemas.microsoft.com/office/drawing/2014/main" id="{540972A1-4BB3-4D04-B4DF-C76BA9B5CAD8}"/>
               </a:ext>
             </a:extLst>
           </p:cNvPr>
@@ -21214,7 +21247,7 @@
           <p:cNvPr id="5" name="Slide Number Placeholder 4">
             <a:extLst>
               <a:ext uri="{FF2B5EF4-FFF2-40B4-BE49-F238E27FC236}">
-                <a16:creationId xmlns:a16="http://schemas.microsoft.com/office/drawing/2014/main" xmlns="" id="{23B5C741-F1AB-463E-B229-974B2924B065}"/>
+                <a16:creationId xmlns="" xmlns:a16="http://schemas.microsoft.com/office/drawing/2014/main" id="{23B5C741-F1AB-463E-B229-974B2924B065}"/>
               </a:ext>
             </a:extLst>
           </p:cNvPr>
@@ -21243,7 +21276,7 @@
           <p:cNvPr id="7" name="Picture 6" descr="A picture containing flower, plant&#10;&#10;Description automatically generated">
             <a:extLst>
               <a:ext uri="{FF2B5EF4-FFF2-40B4-BE49-F238E27FC236}">
-                <a16:creationId xmlns:a16="http://schemas.microsoft.com/office/drawing/2014/main" xmlns="" id="{E590613B-9711-44BB-88CD-E80C9F360942}"/>
+                <a16:creationId xmlns="" xmlns:a16="http://schemas.microsoft.com/office/drawing/2014/main" id="{E590613B-9711-44BB-88CD-E80C9F360942}"/>
               </a:ext>
             </a:extLst>
           </p:cNvPr>
@@ -21279,7 +21312,7 @@
           <p:cNvPr id="55" name="TextBox 54">
             <a:extLst>
               <a:ext uri="{FF2B5EF4-FFF2-40B4-BE49-F238E27FC236}">
-                <a16:creationId xmlns:a16="http://schemas.microsoft.com/office/drawing/2014/main" xmlns="" id="{ABC053D8-1D60-491C-8C05-8510DEC9846D}"/>
+                <a16:creationId xmlns="" xmlns:a16="http://schemas.microsoft.com/office/drawing/2014/main" id="{ABC053D8-1D60-491C-8C05-8510DEC9846D}"/>
               </a:ext>
             </a:extLst>
           </p:cNvPr>
@@ -21314,7 +21347,7 @@
           <p:cNvPr id="60" name="Rectangle: Rounded Corners 59">
             <a:extLst>
               <a:ext uri="{FF2B5EF4-FFF2-40B4-BE49-F238E27FC236}">
-                <a16:creationId xmlns:a16="http://schemas.microsoft.com/office/drawing/2014/main" xmlns="" id="{77262999-EA30-4547-BB0B-9605235117BD}"/>
+                <a16:creationId xmlns="" xmlns:a16="http://schemas.microsoft.com/office/drawing/2014/main" id="{77262999-EA30-4547-BB0B-9605235117BD}"/>
               </a:ext>
             </a:extLst>
           </p:cNvPr>
@@ -21361,7 +21394,7 @@
           <p:cNvPr id="61" name="Rectangle: Rounded Corners 60">
             <a:extLst>
               <a:ext uri="{FF2B5EF4-FFF2-40B4-BE49-F238E27FC236}">
-                <a16:creationId xmlns:a16="http://schemas.microsoft.com/office/drawing/2014/main" xmlns="" id="{0B5A71C4-686A-41F6-8026-EA717B20E47A}"/>
+                <a16:creationId xmlns="" xmlns:a16="http://schemas.microsoft.com/office/drawing/2014/main" id="{0B5A71C4-686A-41F6-8026-EA717B20E47A}"/>
               </a:ext>
             </a:extLst>
           </p:cNvPr>
@@ -21408,7 +21441,7 @@
           <p:cNvPr id="62" name="Cube 61">
             <a:extLst>
               <a:ext uri="{FF2B5EF4-FFF2-40B4-BE49-F238E27FC236}">
-                <a16:creationId xmlns:a16="http://schemas.microsoft.com/office/drawing/2014/main" xmlns="" id="{A50A7870-F043-458E-ADB3-CA407EC8C651}"/>
+                <a16:creationId xmlns="" xmlns:a16="http://schemas.microsoft.com/office/drawing/2014/main" id="{A50A7870-F043-458E-ADB3-CA407EC8C651}"/>
               </a:ext>
             </a:extLst>
           </p:cNvPr>
@@ -21457,7 +21490,7 @@
           <p:cNvPr id="64" name="Straight Arrow Connector 63">
             <a:extLst>
               <a:ext uri="{FF2B5EF4-FFF2-40B4-BE49-F238E27FC236}">
-                <a16:creationId xmlns:a16="http://schemas.microsoft.com/office/drawing/2014/main" xmlns="" id="{9AAE4B16-278D-4463-98E3-CEC20EB645D6}"/>
+                <a16:creationId xmlns="" xmlns:a16="http://schemas.microsoft.com/office/drawing/2014/main" id="{9AAE4B16-278D-4463-98E3-CEC20EB645D6}"/>
               </a:ext>
             </a:extLst>
           </p:cNvPr>
@@ -21498,7 +21531,7 @@
           <p:cNvPr id="65" name="Oval 64">
             <a:extLst>
               <a:ext uri="{FF2B5EF4-FFF2-40B4-BE49-F238E27FC236}">
-                <a16:creationId xmlns:a16="http://schemas.microsoft.com/office/drawing/2014/main" xmlns="" id="{69B63072-9CAF-4C4D-9D55-18A9DA12FF78}"/>
+                <a16:creationId xmlns="" xmlns:a16="http://schemas.microsoft.com/office/drawing/2014/main" id="{69B63072-9CAF-4C4D-9D55-18A9DA12FF78}"/>
               </a:ext>
             </a:extLst>
           </p:cNvPr>
@@ -21545,7 +21578,7 @@
           <p:cNvPr id="67" name="Straight Arrow Connector 66">
             <a:extLst>
               <a:ext uri="{FF2B5EF4-FFF2-40B4-BE49-F238E27FC236}">
-                <a16:creationId xmlns:a16="http://schemas.microsoft.com/office/drawing/2014/main" xmlns="" id="{6FE0B3CA-BF63-4224-BB40-A60BA0CB3186}"/>
+                <a16:creationId xmlns="" xmlns:a16="http://schemas.microsoft.com/office/drawing/2014/main" id="{6FE0B3CA-BF63-4224-BB40-A60BA0CB3186}"/>
               </a:ext>
             </a:extLst>
           </p:cNvPr>
@@ -21586,7 +21619,7 @@
           <p:cNvPr id="68" name="Flowchart: Connector 67">
             <a:extLst>
               <a:ext uri="{FF2B5EF4-FFF2-40B4-BE49-F238E27FC236}">
-                <a16:creationId xmlns:a16="http://schemas.microsoft.com/office/drawing/2014/main" xmlns="" id="{52A4764B-AC85-461E-81C1-7E0DEFD128F9}"/>
+                <a16:creationId xmlns="" xmlns:a16="http://schemas.microsoft.com/office/drawing/2014/main" id="{52A4764B-AC85-461E-81C1-7E0DEFD128F9}"/>
               </a:ext>
             </a:extLst>
           </p:cNvPr>
@@ -21635,7 +21668,7 @@
           <p:cNvPr id="70" name="Straight Arrow Connector 69">
             <a:extLst>
               <a:ext uri="{FF2B5EF4-FFF2-40B4-BE49-F238E27FC236}">
-                <a16:creationId xmlns:a16="http://schemas.microsoft.com/office/drawing/2014/main" xmlns="" id="{9A524E1E-B8FA-49AD-A180-E17FB7703810}"/>
+                <a16:creationId xmlns="" xmlns:a16="http://schemas.microsoft.com/office/drawing/2014/main" id="{9A524E1E-B8FA-49AD-A180-E17FB7703810}"/>
               </a:ext>
             </a:extLst>
           </p:cNvPr>
@@ -21677,7 +21710,7 @@
           <p:cNvPr id="72" name="Straight Arrow Connector 71">
             <a:extLst>
               <a:ext uri="{FF2B5EF4-FFF2-40B4-BE49-F238E27FC236}">
-                <a16:creationId xmlns:a16="http://schemas.microsoft.com/office/drawing/2014/main" xmlns="" id="{41EED0A4-8D29-4A17-8402-C86AB5466503}"/>
+                <a16:creationId xmlns="" xmlns:a16="http://schemas.microsoft.com/office/drawing/2014/main" id="{41EED0A4-8D29-4A17-8402-C86AB5466503}"/>
               </a:ext>
             </a:extLst>
           </p:cNvPr>
@@ -21719,7 +21752,7 @@
           <p:cNvPr id="73" name="Rectangle 72">
             <a:extLst>
               <a:ext uri="{FF2B5EF4-FFF2-40B4-BE49-F238E27FC236}">
-                <a16:creationId xmlns:a16="http://schemas.microsoft.com/office/drawing/2014/main" xmlns="" id="{20B855DC-6E11-4F0F-B419-483C77840FB2}"/>
+                <a16:creationId xmlns="" xmlns:a16="http://schemas.microsoft.com/office/drawing/2014/main" id="{20B855DC-6E11-4F0F-B419-483C77840FB2}"/>
               </a:ext>
             </a:extLst>
           </p:cNvPr>
@@ -21778,7 +21811,7 @@
           <p:cNvPr id="75" name="Straight Arrow Connector 74">
             <a:extLst>
               <a:ext uri="{FF2B5EF4-FFF2-40B4-BE49-F238E27FC236}">
-                <a16:creationId xmlns:a16="http://schemas.microsoft.com/office/drawing/2014/main" xmlns="" id="{B308EC2E-A589-41CD-8D54-0886B5E9C26E}"/>
+                <a16:creationId xmlns="" xmlns:a16="http://schemas.microsoft.com/office/drawing/2014/main" id="{B308EC2E-A589-41CD-8D54-0886B5E9C26E}"/>
               </a:ext>
             </a:extLst>
           </p:cNvPr>
@@ -21820,7 +21853,7 @@
           <p:cNvPr id="87" name="Straight Arrow Connector 86">
             <a:extLst>
               <a:ext uri="{FF2B5EF4-FFF2-40B4-BE49-F238E27FC236}">
-                <a16:creationId xmlns:a16="http://schemas.microsoft.com/office/drawing/2014/main" xmlns="" id="{0F3E3441-B224-4F9D-A90B-48CA8F2DF3D1}"/>
+                <a16:creationId xmlns="" xmlns:a16="http://schemas.microsoft.com/office/drawing/2014/main" id="{0F3E3441-B224-4F9D-A90B-48CA8F2DF3D1}"/>
               </a:ext>
             </a:extLst>
           </p:cNvPr>
@@ -21861,7 +21894,7 @@
           <p:cNvPr id="90" name="Oval 89">
             <a:extLst>
               <a:ext uri="{FF2B5EF4-FFF2-40B4-BE49-F238E27FC236}">
-                <a16:creationId xmlns:a16="http://schemas.microsoft.com/office/drawing/2014/main" xmlns="" id="{AB3B930A-2C71-4545-8622-114E3E812C90}"/>
+                <a16:creationId xmlns="" xmlns:a16="http://schemas.microsoft.com/office/drawing/2014/main" id="{AB3B930A-2C71-4545-8622-114E3E812C90}"/>
               </a:ext>
             </a:extLst>
           </p:cNvPr>
@@ -21908,7 +21941,7 @@
           <p:cNvPr id="91" name="TextBox 90">
             <a:extLst>
               <a:ext uri="{FF2B5EF4-FFF2-40B4-BE49-F238E27FC236}">
-                <a16:creationId xmlns:a16="http://schemas.microsoft.com/office/drawing/2014/main" xmlns="" id="{6CDE4D12-2455-480E-A996-1006C85A1C98}"/>
+                <a16:creationId xmlns="" xmlns:a16="http://schemas.microsoft.com/office/drawing/2014/main" id="{6CDE4D12-2455-480E-A996-1006C85A1C98}"/>
               </a:ext>
             </a:extLst>
           </p:cNvPr>
@@ -21944,7 +21977,7 @@
           <p:cNvPr id="6" name="Table 7">
             <a:extLst>
               <a:ext uri="{FF2B5EF4-FFF2-40B4-BE49-F238E27FC236}">
-                <a16:creationId xmlns:a16="http://schemas.microsoft.com/office/drawing/2014/main" xmlns="" id="{96F9D78C-9CE6-4E8B-8138-21F7DC5A3D47}"/>
+                <a16:creationId xmlns="" xmlns:a16="http://schemas.microsoft.com/office/drawing/2014/main" id="{96F9D78C-9CE6-4E8B-8138-21F7DC5A3D47}"/>
               </a:ext>
             </a:extLst>
           </p:cNvPr>
@@ -21973,14 +22006,14 @@
                 <a:gridCol w="4915664">
                   <a:extLst>
                     <a:ext uri="{9D8B030D-6E8A-4147-A177-3AD203B41FA5}">
-                      <a16:colId xmlns:a16="http://schemas.microsoft.com/office/drawing/2014/main" xmlns="" val="343336883"/>
+                      <a16:colId xmlns="" xmlns:a16="http://schemas.microsoft.com/office/drawing/2014/main" val="343336883"/>
                     </a:ext>
                   </a:extLst>
                 </a:gridCol>
                 <a:gridCol w="5562600">
                   <a:extLst>
                     <a:ext uri="{9D8B030D-6E8A-4147-A177-3AD203B41FA5}">
-                      <a16:colId xmlns:a16="http://schemas.microsoft.com/office/drawing/2014/main" xmlns="" val="1847998"/>
+                      <a16:colId xmlns="" xmlns:a16="http://schemas.microsoft.com/office/drawing/2014/main" val="1847998"/>
                     </a:ext>
                   </a:extLst>
                 </a:gridCol>
@@ -22070,7 +22103,7 @@
                 </a:tc>
                 <a:extLst>
                   <a:ext uri="{0D108BD9-81ED-4DB2-BD59-A6C34878D82A}">
-                    <a16:rowId xmlns:a16="http://schemas.microsoft.com/office/drawing/2014/main" xmlns="" val="3841246588"/>
+                    <a16:rowId xmlns="" xmlns:a16="http://schemas.microsoft.com/office/drawing/2014/main" val="3841246588"/>
                   </a:ext>
                 </a:extLst>
               </a:tr>
@@ -22163,7 +22196,7 @@
                 </a:tc>
                 <a:extLst>
                   <a:ext uri="{0D108BD9-81ED-4DB2-BD59-A6C34878D82A}">
-                    <a16:rowId xmlns:a16="http://schemas.microsoft.com/office/drawing/2014/main" xmlns="" val="529798467"/>
+                    <a16:rowId xmlns="" xmlns:a16="http://schemas.microsoft.com/office/drawing/2014/main" val="529798467"/>
                   </a:ext>
                 </a:extLst>
               </a:tr>
@@ -22206,7 +22239,7 @@
           <p:cNvPr id="2" name="Title 1">
             <a:extLst>
               <a:ext uri="{FF2B5EF4-FFF2-40B4-BE49-F238E27FC236}">
-                <a16:creationId xmlns:a16="http://schemas.microsoft.com/office/drawing/2014/main" xmlns="" id="{9F53C0E6-5CA5-48E1-B370-E678425399F4}"/>
+                <a16:creationId xmlns="" xmlns:a16="http://schemas.microsoft.com/office/drawing/2014/main" id="{9F53C0E6-5CA5-48E1-B370-E678425399F4}"/>
               </a:ext>
             </a:extLst>
           </p:cNvPr>
@@ -22239,7 +22272,7 @@
           <p:cNvPr id="3" name="Content Placeholder 2">
             <a:extLst>
               <a:ext uri="{FF2B5EF4-FFF2-40B4-BE49-F238E27FC236}">
-                <a16:creationId xmlns:a16="http://schemas.microsoft.com/office/drawing/2014/main" xmlns="" id="{F0A4581A-26B3-40E7-A945-90C4D9B58292}"/>
+                <a16:creationId xmlns="" xmlns:a16="http://schemas.microsoft.com/office/drawing/2014/main" id="{F0A4581A-26B3-40E7-A945-90C4D9B58292}"/>
               </a:ext>
             </a:extLst>
           </p:cNvPr>
@@ -22476,7 +22509,7 @@
           <p:cNvPr id="4" name="Footer Placeholder 3">
             <a:extLst>
               <a:ext uri="{FF2B5EF4-FFF2-40B4-BE49-F238E27FC236}">
-                <a16:creationId xmlns:a16="http://schemas.microsoft.com/office/drawing/2014/main" xmlns="" id="{540972A1-4BB3-4D04-B4DF-C76BA9B5CAD8}"/>
+                <a16:creationId xmlns="" xmlns:a16="http://schemas.microsoft.com/office/drawing/2014/main" id="{540972A1-4BB3-4D04-B4DF-C76BA9B5CAD8}"/>
               </a:ext>
             </a:extLst>
           </p:cNvPr>
@@ -22505,7 +22538,7 @@
           <p:cNvPr id="5" name="Slide Number Placeholder 4">
             <a:extLst>
               <a:ext uri="{FF2B5EF4-FFF2-40B4-BE49-F238E27FC236}">
-                <a16:creationId xmlns:a16="http://schemas.microsoft.com/office/drawing/2014/main" xmlns="" id="{23B5C741-F1AB-463E-B229-974B2924B065}"/>
+                <a16:creationId xmlns="" xmlns:a16="http://schemas.microsoft.com/office/drawing/2014/main" id="{23B5C741-F1AB-463E-B229-974B2924B065}"/>
               </a:ext>
             </a:extLst>
           </p:cNvPr>
@@ -22534,7 +22567,7 @@
           <p:cNvPr id="6" name="Table 6">
             <a:extLst>
               <a:ext uri="{FF2B5EF4-FFF2-40B4-BE49-F238E27FC236}">
-                <a16:creationId xmlns:a16="http://schemas.microsoft.com/office/drawing/2014/main" xmlns="" id="{A3F1691A-8B2D-4A44-AE82-EFC7DA8C4460}"/>
+                <a16:creationId xmlns="" xmlns:a16="http://schemas.microsoft.com/office/drawing/2014/main" id="{A3F1691A-8B2D-4A44-AE82-EFC7DA8C4460}"/>
               </a:ext>
             </a:extLst>
           </p:cNvPr>
@@ -22563,14 +22596,14 @@
                 <a:gridCol w="697948">
                   <a:extLst>
                     <a:ext uri="{9D8B030D-6E8A-4147-A177-3AD203B41FA5}">
-                      <a16:colId xmlns:a16="http://schemas.microsoft.com/office/drawing/2014/main" xmlns="" val="1162103489"/>
+                      <a16:colId xmlns="" xmlns:a16="http://schemas.microsoft.com/office/drawing/2014/main" val="1162103489"/>
                     </a:ext>
                   </a:extLst>
                 </a:gridCol>
                 <a:gridCol w="9511748">
                   <a:extLst>
                     <a:ext uri="{9D8B030D-6E8A-4147-A177-3AD203B41FA5}">
-                      <a16:colId xmlns:a16="http://schemas.microsoft.com/office/drawing/2014/main" xmlns="" val="1404304497"/>
+                      <a16:colId xmlns="" xmlns:a16="http://schemas.microsoft.com/office/drawing/2014/main" val="1404304497"/>
                     </a:ext>
                   </a:extLst>
                 </a:gridCol>
@@ -22662,7 +22695,7 @@
                 </a:tc>
                 <a:extLst>
                   <a:ext uri="{0D108BD9-81ED-4DB2-BD59-A6C34878D82A}">
-                    <a16:rowId xmlns:a16="http://schemas.microsoft.com/office/drawing/2014/main" xmlns="" val="2808972098"/>
+                    <a16:rowId xmlns="" xmlns:a16="http://schemas.microsoft.com/office/drawing/2014/main" val="2808972098"/>
                   </a:ext>
                 </a:extLst>
               </a:tr>
@@ -22753,7 +22786,7 @@
                 </a:tc>
                 <a:extLst>
                   <a:ext uri="{0D108BD9-81ED-4DB2-BD59-A6C34878D82A}">
-                    <a16:rowId xmlns:a16="http://schemas.microsoft.com/office/drawing/2014/main" xmlns="" val="3567420632"/>
+                    <a16:rowId xmlns="" xmlns:a16="http://schemas.microsoft.com/office/drawing/2014/main" val="3567420632"/>
                   </a:ext>
                 </a:extLst>
               </a:tr>
@@ -22860,7 +22893,7 @@
                 </a:tc>
                 <a:extLst>
                   <a:ext uri="{0D108BD9-81ED-4DB2-BD59-A6C34878D82A}">
-                    <a16:rowId xmlns:a16="http://schemas.microsoft.com/office/drawing/2014/main" xmlns="" val="836116413"/>
+                    <a16:rowId xmlns="" xmlns:a16="http://schemas.microsoft.com/office/drawing/2014/main" val="836116413"/>
                   </a:ext>
                 </a:extLst>
               </a:tr>
@@ -22967,7 +23000,7 @@
                 </a:tc>
                 <a:extLst>
                   <a:ext uri="{0D108BD9-81ED-4DB2-BD59-A6C34878D82A}">
-                    <a16:rowId xmlns:a16="http://schemas.microsoft.com/office/drawing/2014/main" xmlns="" val="2969834672"/>
+                    <a16:rowId xmlns="" xmlns:a16="http://schemas.microsoft.com/office/drawing/2014/main" val="2969834672"/>
                   </a:ext>
                 </a:extLst>
               </a:tr>
@@ -23106,7 +23139,7 @@
                 </a:tc>
                 <a:extLst>
                   <a:ext uri="{0D108BD9-81ED-4DB2-BD59-A6C34878D82A}">
-                    <a16:rowId xmlns:a16="http://schemas.microsoft.com/office/drawing/2014/main" xmlns="" val="1656653220"/>
+                    <a16:rowId xmlns="" xmlns:a16="http://schemas.microsoft.com/office/drawing/2014/main" val="1656653220"/>
                   </a:ext>
                 </a:extLst>
               </a:tr>
@@ -23213,7 +23246,7 @@
                 </a:tc>
                 <a:extLst>
                   <a:ext uri="{0D108BD9-81ED-4DB2-BD59-A6C34878D82A}">
-                    <a16:rowId xmlns:a16="http://schemas.microsoft.com/office/drawing/2014/main" xmlns="" val="2452347896"/>
+                    <a16:rowId xmlns="" xmlns:a16="http://schemas.microsoft.com/office/drawing/2014/main" val="2452347896"/>
                   </a:ext>
                 </a:extLst>
               </a:tr>
@@ -23320,7 +23353,7 @@
                 </a:tc>
                 <a:extLst>
                   <a:ext uri="{0D108BD9-81ED-4DB2-BD59-A6C34878D82A}">
-                    <a16:rowId xmlns:a16="http://schemas.microsoft.com/office/drawing/2014/main" xmlns="" val="3414279275"/>
+                    <a16:rowId xmlns="" xmlns:a16="http://schemas.microsoft.com/office/drawing/2014/main" val="3414279275"/>
                   </a:ext>
                 </a:extLst>
               </a:tr>
@@ -23427,7 +23460,7 @@
                 </a:tc>
                 <a:extLst>
                   <a:ext uri="{0D108BD9-81ED-4DB2-BD59-A6C34878D82A}">
-                    <a16:rowId xmlns:a16="http://schemas.microsoft.com/office/drawing/2014/main" xmlns="" val="1358162665"/>
+                    <a16:rowId xmlns="" xmlns:a16="http://schemas.microsoft.com/office/drawing/2014/main" val="1358162665"/>
                   </a:ext>
                 </a:extLst>
               </a:tr>
@@ -23550,7 +23583,7 @@
                 </a:tc>
                 <a:extLst>
                   <a:ext uri="{0D108BD9-81ED-4DB2-BD59-A6C34878D82A}">
-                    <a16:rowId xmlns:a16="http://schemas.microsoft.com/office/drawing/2014/main" xmlns="" val="2621379218"/>
+                    <a16:rowId xmlns="" xmlns:a16="http://schemas.microsoft.com/office/drawing/2014/main" val="2621379218"/>
                   </a:ext>
                 </a:extLst>
               </a:tr>
@@ -23689,7 +23722,7 @@
                 </a:tc>
                 <a:extLst>
                   <a:ext uri="{0D108BD9-81ED-4DB2-BD59-A6C34878D82A}">
-                    <a16:rowId xmlns:a16="http://schemas.microsoft.com/office/drawing/2014/main" xmlns="" val="1382211798"/>
+                    <a16:rowId xmlns="" xmlns:a16="http://schemas.microsoft.com/office/drawing/2014/main" val="1382211798"/>
                   </a:ext>
                 </a:extLst>
               </a:tr>
@@ -23796,7 +23829,7 @@
                 </a:tc>
                 <a:extLst>
                   <a:ext uri="{0D108BD9-81ED-4DB2-BD59-A6C34878D82A}">
-                    <a16:rowId xmlns:a16="http://schemas.microsoft.com/office/drawing/2014/main" xmlns="" val="3697084328"/>
+                    <a16:rowId xmlns="" xmlns:a16="http://schemas.microsoft.com/office/drawing/2014/main" val="3697084328"/>
                   </a:ext>
                 </a:extLst>
               </a:tr>
@@ -23809,7 +23842,7 @@
           <p:cNvPr id="8" name="Table 8">
             <a:extLst>
               <a:ext uri="{FF2B5EF4-FFF2-40B4-BE49-F238E27FC236}">
-                <a16:creationId xmlns:a16="http://schemas.microsoft.com/office/drawing/2014/main" xmlns="" id="{123D2D9B-81AD-4CC5-897D-814333C9F26F}"/>
+                <a16:creationId xmlns="" xmlns:a16="http://schemas.microsoft.com/office/drawing/2014/main" id="{123D2D9B-81AD-4CC5-897D-814333C9F26F}"/>
               </a:ext>
             </a:extLst>
           </p:cNvPr>
@@ -23838,14 +23871,14 @@
                 <a:gridCol w="644940">
                   <a:extLst>
                     <a:ext uri="{9D8B030D-6E8A-4147-A177-3AD203B41FA5}">
-                      <a16:colId xmlns:a16="http://schemas.microsoft.com/office/drawing/2014/main" xmlns="" val="1219564251"/>
+                      <a16:colId xmlns="" xmlns:a16="http://schemas.microsoft.com/office/drawing/2014/main" val="1219564251"/>
                     </a:ext>
                   </a:extLst>
                 </a:gridCol>
                 <a:gridCol w="9564756">
                   <a:extLst>
                     <a:ext uri="{9D8B030D-6E8A-4147-A177-3AD203B41FA5}">
-                      <a16:colId xmlns:a16="http://schemas.microsoft.com/office/drawing/2014/main" xmlns="" val="1977103877"/>
+                      <a16:colId xmlns="" xmlns:a16="http://schemas.microsoft.com/office/drawing/2014/main" val="1977103877"/>
                     </a:ext>
                   </a:extLst>
                 </a:gridCol>
@@ -23977,7 +24010,7 @@
                 </a:tc>
                 <a:extLst>
                   <a:ext uri="{0D108BD9-81ED-4DB2-BD59-A6C34878D82A}">
-                    <a16:rowId xmlns:a16="http://schemas.microsoft.com/office/drawing/2014/main" xmlns="" val="4165908067"/>
+                    <a16:rowId xmlns="" xmlns:a16="http://schemas.microsoft.com/office/drawing/2014/main" val="4165908067"/>
                   </a:ext>
                 </a:extLst>
               </a:tr>
@@ -24076,7 +24109,7 @@
                 </a:tc>
                 <a:extLst>
                   <a:ext uri="{0D108BD9-81ED-4DB2-BD59-A6C34878D82A}">
-                    <a16:rowId xmlns:a16="http://schemas.microsoft.com/office/drawing/2014/main" xmlns="" val="3137430908"/>
+                    <a16:rowId xmlns="" xmlns:a16="http://schemas.microsoft.com/office/drawing/2014/main" val="3137430908"/>
                   </a:ext>
                 </a:extLst>
               </a:tr>
@@ -24119,7 +24152,7 @@
           <p:cNvPr id="2" name="Title 1">
             <a:extLst>
               <a:ext uri="{FF2B5EF4-FFF2-40B4-BE49-F238E27FC236}">
-                <a16:creationId xmlns:a16="http://schemas.microsoft.com/office/drawing/2014/main" xmlns="" id="{9F53C0E6-5CA5-48E1-B370-E678425399F4}"/>
+                <a16:creationId xmlns="" xmlns:a16="http://schemas.microsoft.com/office/drawing/2014/main" id="{9F53C0E6-5CA5-48E1-B370-E678425399F4}"/>
               </a:ext>
             </a:extLst>
           </p:cNvPr>
@@ -24152,7 +24185,7 @@
           <p:cNvPr id="3" name="Content Placeholder 2">
             <a:extLst>
               <a:ext uri="{FF2B5EF4-FFF2-40B4-BE49-F238E27FC236}">
-                <a16:creationId xmlns:a16="http://schemas.microsoft.com/office/drawing/2014/main" xmlns="" id="{F0A4581A-26B3-40E7-A945-90C4D9B58292}"/>
+                <a16:creationId xmlns="" xmlns:a16="http://schemas.microsoft.com/office/drawing/2014/main" id="{F0A4581A-26B3-40E7-A945-90C4D9B58292}"/>
               </a:ext>
             </a:extLst>
           </p:cNvPr>
@@ -24197,7 +24230,7 @@
           <p:cNvPr id="4" name="Footer Placeholder 3">
             <a:extLst>
               <a:ext uri="{FF2B5EF4-FFF2-40B4-BE49-F238E27FC236}">
-                <a16:creationId xmlns:a16="http://schemas.microsoft.com/office/drawing/2014/main" xmlns="" id="{540972A1-4BB3-4D04-B4DF-C76BA9B5CAD8}"/>
+                <a16:creationId xmlns="" xmlns:a16="http://schemas.microsoft.com/office/drawing/2014/main" id="{540972A1-4BB3-4D04-B4DF-C76BA9B5CAD8}"/>
               </a:ext>
             </a:extLst>
           </p:cNvPr>
@@ -24226,7 +24259,7 @@
           <p:cNvPr id="5" name="Slide Number Placeholder 4">
             <a:extLst>
               <a:ext uri="{FF2B5EF4-FFF2-40B4-BE49-F238E27FC236}">
-                <a16:creationId xmlns:a16="http://schemas.microsoft.com/office/drawing/2014/main" xmlns="" id="{23B5C741-F1AB-463E-B229-974B2924B065}"/>
+                <a16:creationId xmlns="" xmlns:a16="http://schemas.microsoft.com/office/drawing/2014/main" id="{23B5C741-F1AB-463E-B229-974B2924B065}"/>
               </a:ext>
             </a:extLst>
           </p:cNvPr>
@@ -24255,7 +24288,7 @@
           <p:cNvPr id="7" name="Picture 6">
             <a:extLst>
               <a:ext uri="{FF2B5EF4-FFF2-40B4-BE49-F238E27FC236}">
-                <a16:creationId xmlns:a16="http://schemas.microsoft.com/office/drawing/2014/main" xmlns="" id="{673CC656-0F93-4E6D-8891-D773305E53DF}"/>
+                <a16:creationId xmlns="" xmlns:a16="http://schemas.microsoft.com/office/drawing/2014/main" id="{673CC656-0F93-4E6D-8891-D773305E53DF}"/>
               </a:ext>
             </a:extLst>
           </p:cNvPr>
@@ -24321,7 +24354,7 @@
           <p:cNvPr id="2" name="Title 1">
             <a:extLst>
               <a:ext uri="{FF2B5EF4-FFF2-40B4-BE49-F238E27FC236}">
-                <a16:creationId xmlns:a16="http://schemas.microsoft.com/office/drawing/2014/main" xmlns="" id="{9F53C0E6-5CA5-48E1-B370-E678425399F4}"/>
+                <a16:creationId xmlns="" xmlns:a16="http://schemas.microsoft.com/office/drawing/2014/main" id="{9F53C0E6-5CA5-48E1-B370-E678425399F4}"/>
               </a:ext>
             </a:extLst>
           </p:cNvPr>
@@ -24354,7 +24387,7 @@
           <p:cNvPr id="3" name="Content Placeholder 2">
             <a:extLst>
               <a:ext uri="{FF2B5EF4-FFF2-40B4-BE49-F238E27FC236}">
-                <a16:creationId xmlns:a16="http://schemas.microsoft.com/office/drawing/2014/main" xmlns="" id="{F0A4581A-26B3-40E7-A945-90C4D9B58292}"/>
+                <a16:creationId xmlns="" xmlns:a16="http://schemas.microsoft.com/office/drawing/2014/main" id="{F0A4581A-26B3-40E7-A945-90C4D9B58292}"/>
               </a:ext>
             </a:extLst>
           </p:cNvPr>
@@ -24424,7 +24457,7 @@
           <p:cNvPr id="5" name="Picture 4">
             <a:extLst>
               <a:ext uri="{FF2B5EF4-FFF2-40B4-BE49-F238E27FC236}">
-                <a16:creationId xmlns:a16="http://schemas.microsoft.com/office/drawing/2014/main" xmlns="" id="{542506C5-594F-4FC3-B982-7B2D2081C80A}"/>
+                <a16:creationId xmlns="" xmlns:a16="http://schemas.microsoft.com/office/drawing/2014/main" id="{542506C5-594F-4FC3-B982-7B2D2081C80A}"/>
               </a:ext>
             </a:extLst>
           </p:cNvPr>
@@ -24460,7 +24493,7 @@
           <p:cNvPr id="7" name="Picture 6" descr="A picture containing water, water sport, person, swimming&#10;&#10;Description automatically generated">
             <a:extLst>
               <a:ext uri="{FF2B5EF4-FFF2-40B4-BE49-F238E27FC236}">
-                <a16:creationId xmlns:a16="http://schemas.microsoft.com/office/drawing/2014/main" xmlns="" id="{ABD7B47D-412F-4992-9BE2-FAAB90A6BAAB}"/>
+                <a16:creationId xmlns="" xmlns:a16="http://schemas.microsoft.com/office/drawing/2014/main" id="{ABD7B47D-412F-4992-9BE2-FAAB90A6BAAB}"/>
               </a:ext>
             </a:extLst>
           </p:cNvPr>
@@ -24496,7 +24529,7 @@
           <p:cNvPr id="9" name="Picture 8">
             <a:extLst>
               <a:ext uri="{FF2B5EF4-FFF2-40B4-BE49-F238E27FC236}">
-                <a16:creationId xmlns:a16="http://schemas.microsoft.com/office/drawing/2014/main" xmlns="" id="{6130079B-30C8-49B7-B74B-5A068C293BFD}"/>
+                <a16:creationId xmlns="" xmlns:a16="http://schemas.microsoft.com/office/drawing/2014/main" id="{6130079B-30C8-49B7-B74B-5A068C293BFD}"/>
               </a:ext>
             </a:extLst>
           </p:cNvPr>
@@ -24532,7 +24565,7 @@
           <p:cNvPr id="11" name="Picture 10" descr="A picture containing grass, outdoor, dog, laying&#10;&#10;Description automatically generated">
             <a:extLst>
               <a:ext uri="{FF2B5EF4-FFF2-40B4-BE49-F238E27FC236}">
-                <a16:creationId xmlns:a16="http://schemas.microsoft.com/office/drawing/2014/main" xmlns="" id="{B79913C4-5023-4093-A009-858D9D59B49A}"/>
+                <a16:creationId xmlns="" xmlns:a16="http://schemas.microsoft.com/office/drawing/2014/main" id="{B79913C4-5023-4093-A009-858D9D59B49A}"/>
               </a:ext>
             </a:extLst>
           </p:cNvPr>
@@ -24568,7 +24601,7 @@
           <p:cNvPr id="13" name="Picture 12" descr="A picture containing water, sky, outdoor, boat&#10;&#10;Description automatically generated">
             <a:extLst>
               <a:ext uri="{FF2B5EF4-FFF2-40B4-BE49-F238E27FC236}">
-                <a16:creationId xmlns:a16="http://schemas.microsoft.com/office/drawing/2014/main" xmlns="" id="{B0637125-865D-425A-B7D3-A61F9B377DCF}"/>
+                <a16:creationId xmlns="" xmlns:a16="http://schemas.microsoft.com/office/drawing/2014/main" id="{B0637125-865D-425A-B7D3-A61F9B377DCF}"/>
               </a:ext>
             </a:extLst>
           </p:cNvPr>
@@ -24604,7 +24637,7 @@
           <p:cNvPr id="15" name="Picture 14" descr="A picture containing sky, skating, outdoor, person&#10;&#10;Description automatically generated">
             <a:extLst>
               <a:ext uri="{FF2B5EF4-FFF2-40B4-BE49-F238E27FC236}">
-                <a16:creationId xmlns:a16="http://schemas.microsoft.com/office/drawing/2014/main" xmlns="" id="{06B24696-E894-4ACA-A1DC-05A1C40010BA}"/>
+                <a16:creationId xmlns="" xmlns:a16="http://schemas.microsoft.com/office/drawing/2014/main" id="{06B24696-E894-4ACA-A1DC-05A1C40010BA}"/>
               </a:ext>
             </a:extLst>
           </p:cNvPr>
@@ -24640,7 +24673,7 @@
           <p:cNvPr id="16" name="Footer Placeholder 15">
             <a:extLst>
               <a:ext uri="{FF2B5EF4-FFF2-40B4-BE49-F238E27FC236}">
-                <a16:creationId xmlns:a16="http://schemas.microsoft.com/office/drawing/2014/main" xmlns="" id="{732C8F9E-F8B2-4651-BBCC-5E8DF86D3EDF}"/>
+                <a16:creationId xmlns="" xmlns:a16="http://schemas.microsoft.com/office/drawing/2014/main" id="{732C8F9E-F8B2-4651-BBCC-5E8DF86D3EDF}"/>
               </a:ext>
             </a:extLst>
           </p:cNvPr>
@@ -24669,7 +24702,7 @@
           <p:cNvPr id="17" name="Slide Number Placeholder 16">
             <a:extLst>
               <a:ext uri="{FF2B5EF4-FFF2-40B4-BE49-F238E27FC236}">
-                <a16:creationId xmlns:a16="http://schemas.microsoft.com/office/drawing/2014/main" xmlns="" id="{A890141F-F96D-4F04-9A91-C201B8C9334A}"/>
+                <a16:creationId xmlns="" xmlns:a16="http://schemas.microsoft.com/office/drawing/2014/main" id="{A890141F-F96D-4F04-9A91-C201B8C9334A}"/>
               </a:ext>
             </a:extLst>
           </p:cNvPr>
@@ -24728,7 +24761,7 @@
           <p:cNvPr id="2" name="Title 1">
             <a:extLst>
               <a:ext uri="{FF2B5EF4-FFF2-40B4-BE49-F238E27FC236}">
-                <a16:creationId xmlns:a16="http://schemas.microsoft.com/office/drawing/2014/main" xmlns="" id="{9F53C0E6-5CA5-48E1-B370-E678425399F4}"/>
+                <a16:creationId xmlns="" xmlns:a16="http://schemas.microsoft.com/office/drawing/2014/main" id="{9F53C0E6-5CA5-48E1-B370-E678425399F4}"/>
               </a:ext>
             </a:extLst>
           </p:cNvPr>
@@ -24761,7 +24794,7 @@
           <p:cNvPr id="3" name="Content Placeholder 2">
             <a:extLst>
               <a:ext uri="{FF2B5EF4-FFF2-40B4-BE49-F238E27FC236}">
-                <a16:creationId xmlns:a16="http://schemas.microsoft.com/office/drawing/2014/main" xmlns="" id="{F0A4581A-26B3-40E7-A945-90C4D9B58292}"/>
+                <a16:creationId xmlns="" xmlns:a16="http://schemas.microsoft.com/office/drawing/2014/main" id="{F0A4581A-26B3-40E7-A945-90C4D9B58292}"/>
               </a:ext>
             </a:extLst>
           </p:cNvPr>
@@ -25141,7 +25174,7 @@
           <p:cNvPr id="4" name="Footer Placeholder 3">
             <a:extLst>
               <a:ext uri="{FF2B5EF4-FFF2-40B4-BE49-F238E27FC236}">
-                <a16:creationId xmlns:a16="http://schemas.microsoft.com/office/drawing/2014/main" xmlns="" id="{540972A1-4BB3-4D04-B4DF-C76BA9B5CAD8}"/>
+                <a16:creationId xmlns="" xmlns:a16="http://schemas.microsoft.com/office/drawing/2014/main" id="{540972A1-4BB3-4D04-B4DF-C76BA9B5CAD8}"/>
               </a:ext>
             </a:extLst>
           </p:cNvPr>
@@ -25170,7 +25203,7 @@
           <p:cNvPr id="5" name="Slide Number Placeholder 4">
             <a:extLst>
               <a:ext uri="{FF2B5EF4-FFF2-40B4-BE49-F238E27FC236}">
-                <a16:creationId xmlns:a16="http://schemas.microsoft.com/office/drawing/2014/main" xmlns="" id="{23B5C741-F1AB-463E-B229-974B2924B065}"/>
+                <a16:creationId xmlns="" xmlns:a16="http://schemas.microsoft.com/office/drawing/2014/main" id="{23B5C741-F1AB-463E-B229-974B2924B065}"/>
               </a:ext>
             </a:extLst>
           </p:cNvPr>
@@ -25229,7 +25262,7 @@
           <p:cNvPr id="2" name="Title 1">
             <a:extLst>
               <a:ext uri="{FF2B5EF4-FFF2-40B4-BE49-F238E27FC236}">
-                <a16:creationId xmlns:a16="http://schemas.microsoft.com/office/drawing/2014/main" xmlns="" id="{9F53C0E6-5CA5-48E1-B370-E678425399F4}"/>
+                <a16:creationId xmlns="" xmlns:a16="http://schemas.microsoft.com/office/drawing/2014/main" id="{9F53C0E6-5CA5-48E1-B370-E678425399F4}"/>
               </a:ext>
             </a:extLst>
           </p:cNvPr>
@@ -25262,7 +25295,7 @@
           <p:cNvPr id="3" name="Content Placeholder 2">
             <a:extLst>
               <a:ext uri="{FF2B5EF4-FFF2-40B4-BE49-F238E27FC236}">
-                <a16:creationId xmlns:a16="http://schemas.microsoft.com/office/drawing/2014/main" xmlns="" id="{F0A4581A-26B3-40E7-A945-90C4D9B58292}"/>
+                <a16:creationId xmlns="" xmlns:a16="http://schemas.microsoft.com/office/drawing/2014/main" id="{F0A4581A-26B3-40E7-A945-90C4D9B58292}"/>
               </a:ext>
             </a:extLst>
           </p:cNvPr>
@@ -25352,7 +25385,7 @@
           <p:cNvPr id="4" name="Footer Placeholder 3">
             <a:extLst>
               <a:ext uri="{FF2B5EF4-FFF2-40B4-BE49-F238E27FC236}">
-                <a16:creationId xmlns:a16="http://schemas.microsoft.com/office/drawing/2014/main" xmlns="" id="{540972A1-4BB3-4D04-B4DF-C76BA9B5CAD8}"/>
+                <a16:creationId xmlns="" xmlns:a16="http://schemas.microsoft.com/office/drawing/2014/main" id="{540972A1-4BB3-4D04-B4DF-C76BA9B5CAD8}"/>
               </a:ext>
             </a:extLst>
           </p:cNvPr>
@@ -25381,7 +25414,7 @@
           <p:cNvPr id="5" name="Slide Number Placeholder 4">
             <a:extLst>
               <a:ext uri="{FF2B5EF4-FFF2-40B4-BE49-F238E27FC236}">
-                <a16:creationId xmlns:a16="http://schemas.microsoft.com/office/drawing/2014/main" xmlns="" id="{23B5C741-F1AB-463E-B229-974B2924B065}"/>
+                <a16:creationId xmlns="" xmlns:a16="http://schemas.microsoft.com/office/drawing/2014/main" id="{23B5C741-F1AB-463E-B229-974B2924B065}"/>
               </a:ext>
             </a:extLst>
           </p:cNvPr>
@@ -25440,7 +25473,7 @@
           <p:cNvPr id="2" name="Title 1">
             <a:extLst>
               <a:ext uri="{FF2B5EF4-FFF2-40B4-BE49-F238E27FC236}">
-                <a16:creationId xmlns:a16="http://schemas.microsoft.com/office/drawing/2014/main" xmlns="" id="{9F53C0E6-5CA5-48E1-B370-E678425399F4}"/>
+                <a16:creationId xmlns="" xmlns:a16="http://schemas.microsoft.com/office/drawing/2014/main" id="{9F53C0E6-5CA5-48E1-B370-E678425399F4}"/>
               </a:ext>
             </a:extLst>
           </p:cNvPr>
@@ -25473,7 +25506,7 @@
           <p:cNvPr id="3" name="Content Placeholder 2">
             <a:extLst>
               <a:ext uri="{FF2B5EF4-FFF2-40B4-BE49-F238E27FC236}">
-                <a16:creationId xmlns:a16="http://schemas.microsoft.com/office/drawing/2014/main" xmlns="" id="{F0A4581A-26B3-40E7-A945-90C4D9B58292}"/>
+                <a16:creationId xmlns="" xmlns:a16="http://schemas.microsoft.com/office/drawing/2014/main" id="{F0A4581A-26B3-40E7-A945-90C4D9B58292}"/>
               </a:ext>
             </a:extLst>
           </p:cNvPr>
@@ -25518,7 +25551,7 @@
           <p:cNvPr id="4" name="Footer Placeholder 3">
             <a:extLst>
               <a:ext uri="{FF2B5EF4-FFF2-40B4-BE49-F238E27FC236}">
-                <a16:creationId xmlns:a16="http://schemas.microsoft.com/office/drawing/2014/main" xmlns="" id="{540972A1-4BB3-4D04-B4DF-C76BA9B5CAD8}"/>
+                <a16:creationId xmlns="" xmlns:a16="http://schemas.microsoft.com/office/drawing/2014/main" id="{540972A1-4BB3-4D04-B4DF-C76BA9B5CAD8}"/>
               </a:ext>
             </a:extLst>
           </p:cNvPr>
@@ -25547,7 +25580,7 @@
           <p:cNvPr id="5" name="Slide Number Placeholder 4">
             <a:extLst>
               <a:ext uri="{FF2B5EF4-FFF2-40B4-BE49-F238E27FC236}">
-                <a16:creationId xmlns:a16="http://schemas.microsoft.com/office/drawing/2014/main" xmlns="" id="{23B5C741-F1AB-463E-B229-974B2924B065}"/>
+                <a16:creationId xmlns="" xmlns:a16="http://schemas.microsoft.com/office/drawing/2014/main" id="{23B5C741-F1AB-463E-B229-974B2924B065}"/>
               </a:ext>
             </a:extLst>
           </p:cNvPr>
@@ -25576,7 +25609,7 @@
           <p:cNvPr id="7" name="Picture 6">
             <a:extLst>
               <a:ext uri="{FF2B5EF4-FFF2-40B4-BE49-F238E27FC236}">
-                <a16:creationId xmlns:a16="http://schemas.microsoft.com/office/drawing/2014/main" xmlns="" id="{A69F92CE-D8BB-4F8F-BED3-BE4B00B6FDCF}"/>
+                <a16:creationId xmlns="" xmlns:a16="http://schemas.microsoft.com/office/drawing/2014/main" id="{A69F92CE-D8BB-4F8F-BED3-BE4B00B6FDCF}"/>
               </a:ext>
             </a:extLst>
           </p:cNvPr>
@@ -25612,7 +25645,7 @@
           <p:cNvPr id="11" name="Picture 10" descr="A picture containing person, wall, indoor, child&#10;&#10;Description automatically generated">
             <a:extLst>
               <a:ext uri="{FF2B5EF4-FFF2-40B4-BE49-F238E27FC236}">
-                <a16:creationId xmlns:a16="http://schemas.microsoft.com/office/drawing/2014/main" xmlns="" id="{E85BACB2-A5BB-474E-A39E-7419AFD7E1B7}"/>
+                <a16:creationId xmlns="" xmlns:a16="http://schemas.microsoft.com/office/drawing/2014/main" id="{E85BACB2-A5BB-474E-A39E-7419AFD7E1B7}"/>
               </a:ext>
             </a:extLst>
           </p:cNvPr>
@@ -25648,7 +25681,7 @@
           <p:cNvPr id="18" name="TextBox 17">
             <a:extLst>
               <a:ext uri="{FF2B5EF4-FFF2-40B4-BE49-F238E27FC236}">
-                <a16:creationId xmlns:a16="http://schemas.microsoft.com/office/drawing/2014/main" xmlns="" id="{3FEC41C2-3C84-4FD0-B6FD-AE2D345AF0FC}"/>
+                <a16:creationId xmlns="" xmlns:a16="http://schemas.microsoft.com/office/drawing/2014/main" id="{3FEC41C2-3C84-4FD0-B6FD-AE2D345AF0FC}"/>
               </a:ext>
             </a:extLst>
           </p:cNvPr>
@@ -25889,7 +25922,7 @@
           <p:cNvPr id="19" name="TextBox 18">
             <a:extLst>
               <a:ext uri="{FF2B5EF4-FFF2-40B4-BE49-F238E27FC236}">
-                <a16:creationId xmlns:a16="http://schemas.microsoft.com/office/drawing/2014/main" xmlns="" id="{9D506DFE-D00D-462C-89D8-9F7ECAB1A062}"/>
+                <a16:creationId xmlns="" xmlns:a16="http://schemas.microsoft.com/office/drawing/2014/main" id="{9D506DFE-D00D-462C-89D8-9F7ECAB1A062}"/>
               </a:ext>
             </a:extLst>
           </p:cNvPr>
@@ -25956,7 +25989,7 @@
           <p:cNvPr id="2" name="Title 1">
             <a:extLst>
               <a:ext uri="{FF2B5EF4-FFF2-40B4-BE49-F238E27FC236}">
-                <a16:creationId xmlns:a16="http://schemas.microsoft.com/office/drawing/2014/main" xmlns="" id="{9F53C0E6-5CA5-48E1-B370-E678425399F4}"/>
+                <a16:creationId xmlns="" xmlns:a16="http://schemas.microsoft.com/office/drawing/2014/main" id="{9F53C0E6-5CA5-48E1-B370-E678425399F4}"/>
               </a:ext>
             </a:extLst>
           </p:cNvPr>
@@ -25989,7 +26022,7 @@
           <p:cNvPr id="7" name="Content Placeholder 6" descr="A picture containing building, outdoor, harp&#10;&#10;Description automatically generated">
             <a:extLst>
               <a:ext uri="{FF2B5EF4-FFF2-40B4-BE49-F238E27FC236}">
-                <a16:creationId xmlns:a16="http://schemas.microsoft.com/office/drawing/2014/main" xmlns="" id="{071422BC-1756-4A99-A340-F876519AC6DC}"/>
+                <a16:creationId xmlns="" xmlns:a16="http://schemas.microsoft.com/office/drawing/2014/main" id="{071422BC-1756-4A99-A340-F876519AC6DC}"/>
               </a:ext>
             </a:extLst>
           </p:cNvPr>
@@ -26024,7 +26057,7 @@
           <p:cNvPr id="4" name="Footer Placeholder 3">
             <a:extLst>
               <a:ext uri="{FF2B5EF4-FFF2-40B4-BE49-F238E27FC236}">
-                <a16:creationId xmlns:a16="http://schemas.microsoft.com/office/drawing/2014/main" xmlns="" id="{540972A1-4BB3-4D04-B4DF-C76BA9B5CAD8}"/>
+                <a16:creationId xmlns="" xmlns:a16="http://schemas.microsoft.com/office/drawing/2014/main" id="{540972A1-4BB3-4D04-B4DF-C76BA9B5CAD8}"/>
               </a:ext>
             </a:extLst>
           </p:cNvPr>
@@ -26053,7 +26086,7 @@
           <p:cNvPr id="5" name="Slide Number Placeholder 4">
             <a:extLst>
               <a:ext uri="{FF2B5EF4-FFF2-40B4-BE49-F238E27FC236}">
-                <a16:creationId xmlns:a16="http://schemas.microsoft.com/office/drawing/2014/main" xmlns="" id="{23B5C741-F1AB-463E-B229-974B2924B065}"/>
+                <a16:creationId xmlns="" xmlns:a16="http://schemas.microsoft.com/office/drawing/2014/main" id="{23B5C741-F1AB-463E-B229-974B2924B065}"/>
               </a:ext>
             </a:extLst>
           </p:cNvPr>
@@ -26082,7 +26115,7 @@
           <p:cNvPr id="9" name="Picture 8">
             <a:extLst>
               <a:ext uri="{FF2B5EF4-FFF2-40B4-BE49-F238E27FC236}">
-                <a16:creationId xmlns:a16="http://schemas.microsoft.com/office/drawing/2014/main" xmlns="" id="{C665D5C7-EC65-483C-9EE9-FC1A29BA45F9}"/>
+                <a16:creationId xmlns="" xmlns:a16="http://schemas.microsoft.com/office/drawing/2014/main" id="{C665D5C7-EC65-483C-9EE9-FC1A29BA45F9}"/>
               </a:ext>
             </a:extLst>
           </p:cNvPr>
@@ -26118,7 +26151,7 @@
           <p:cNvPr id="10" name="TextBox 9">
             <a:extLst>
               <a:ext uri="{FF2B5EF4-FFF2-40B4-BE49-F238E27FC236}">
-                <a16:creationId xmlns:a16="http://schemas.microsoft.com/office/drawing/2014/main" xmlns="" id="{B8D32FAB-7CB5-4038-A21C-2294BE6A3393}"/>
+                <a16:creationId xmlns="" xmlns:a16="http://schemas.microsoft.com/office/drawing/2014/main" id="{B8D32FAB-7CB5-4038-A21C-2294BE6A3393}"/>
               </a:ext>
             </a:extLst>
           </p:cNvPr>
@@ -26247,7 +26280,7 @@
           <p:cNvPr id="11" name="TextBox 10">
             <a:extLst>
               <a:ext uri="{FF2B5EF4-FFF2-40B4-BE49-F238E27FC236}">
-                <a16:creationId xmlns:a16="http://schemas.microsoft.com/office/drawing/2014/main" xmlns="" id="{8075A81C-67B3-4C54-AEB6-BB5EB0B41157}"/>
+                <a16:creationId xmlns="" xmlns:a16="http://schemas.microsoft.com/office/drawing/2014/main" id="{8075A81C-67B3-4C54-AEB6-BB5EB0B41157}"/>
               </a:ext>
             </a:extLst>
           </p:cNvPr>
@@ -26314,7 +26347,7 @@
           <p:cNvPr id="2" name="Title 1">
             <a:extLst>
               <a:ext uri="{FF2B5EF4-FFF2-40B4-BE49-F238E27FC236}">
-                <a16:creationId xmlns:a16="http://schemas.microsoft.com/office/drawing/2014/main" xmlns="" id="{9F53C0E6-5CA5-48E1-B370-E678425399F4}"/>
+                <a16:creationId xmlns="" xmlns:a16="http://schemas.microsoft.com/office/drawing/2014/main" id="{9F53C0E6-5CA5-48E1-B370-E678425399F4}"/>
               </a:ext>
             </a:extLst>
           </p:cNvPr>
@@ -26347,7 +26380,7 @@
           <p:cNvPr id="3" name="Content Placeholder 2">
             <a:extLst>
               <a:ext uri="{FF2B5EF4-FFF2-40B4-BE49-F238E27FC236}">
-                <a16:creationId xmlns:a16="http://schemas.microsoft.com/office/drawing/2014/main" xmlns="" id="{F0A4581A-26B3-40E7-A945-90C4D9B58292}"/>
+                <a16:creationId xmlns="" xmlns:a16="http://schemas.microsoft.com/office/drawing/2014/main" id="{F0A4581A-26B3-40E7-A945-90C4D9B58292}"/>
               </a:ext>
             </a:extLst>
           </p:cNvPr>
@@ -26404,7 +26437,7 @@
           <p:cNvPr id="4" name="Footer Placeholder 3">
             <a:extLst>
               <a:ext uri="{FF2B5EF4-FFF2-40B4-BE49-F238E27FC236}">
-                <a16:creationId xmlns:a16="http://schemas.microsoft.com/office/drawing/2014/main" xmlns="" id="{540972A1-4BB3-4D04-B4DF-C76BA9B5CAD8}"/>
+                <a16:creationId xmlns="" xmlns:a16="http://schemas.microsoft.com/office/drawing/2014/main" id="{540972A1-4BB3-4D04-B4DF-C76BA9B5CAD8}"/>
               </a:ext>
             </a:extLst>
           </p:cNvPr>
@@ -26433,7 +26466,7 @@
           <p:cNvPr id="5" name="Slide Number Placeholder 4">
             <a:extLst>
               <a:ext uri="{FF2B5EF4-FFF2-40B4-BE49-F238E27FC236}">
-                <a16:creationId xmlns:a16="http://schemas.microsoft.com/office/drawing/2014/main" xmlns="" id="{23B5C741-F1AB-463E-B229-974B2924B065}"/>
+                <a16:creationId xmlns="" xmlns:a16="http://schemas.microsoft.com/office/drawing/2014/main" id="{23B5C741-F1AB-463E-B229-974B2924B065}"/>
               </a:ext>
             </a:extLst>
           </p:cNvPr>
@@ -26492,7 +26525,7 @@
           <p:cNvPr id="2" name="Title 1">
             <a:extLst>
               <a:ext uri="{FF2B5EF4-FFF2-40B4-BE49-F238E27FC236}">
-                <a16:creationId xmlns:a16="http://schemas.microsoft.com/office/drawing/2014/main" xmlns="" id="{9F53C0E6-5CA5-48E1-B370-E678425399F4}"/>
+                <a16:creationId xmlns="" xmlns:a16="http://schemas.microsoft.com/office/drawing/2014/main" id="{9F53C0E6-5CA5-48E1-B370-E678425399F4}"/>
               </a:ext>
             </a:extLst>
           </p:cNvPr>
@@ -26525,7 +26558,7 @@
           <p:cNvPr id="3" name="Content Placeholder 2">
             <a:extLst>
               <a:ext uri="{FF2B5EF4-FFF2-40B4-BE49-F238E27FC236}">
-                <a16:creationId xmlns:a16="http://schemas.microsoft.com/office/drawing/2014/main" xmlns="" id="{F0A4581A-26B3-40E7-A945-90C4D9B58292}"/>
+                <a16:creationId xmlns="" xmlns:a16="http://schemas.microsoft.com/office/drawing/2014/main" id="{F0A4581A-26B3-40E7-A945-90C4D9B58292}"/>
               </a:ext>
             </a:extLst>
           </p:cNvPr>
@@ -26623,7 +26656,7 @@
           <p:cNvPr id="4" name="Footer Placeholder 3">
             <a:extLst>
               <a:ext uri="{FF2B5EF4-FFF2-40B4-BE49-F238E27FC236}">
-                <a16:creationId xmlns:a16="http://schemas.microsoft.com/office/drawing/2014/main" xmlns="" id="{540972A1-4BB3-4D04-B4DF-C76BA9B5CAD8}"/>
+                <a16:creationId xmlns="" xmlns:a16="http://schemas.microsoft.com/office/drawing/2014/main" id="{540972A1-4BB3-4D04-B4DF-C76BA9B5CAD8}"/>
               </a:ext>
             </a:extLst>
           </p:cNvPr>
@@ -26652,7 +26685,7 @@
           <p:cNvPr id="5" name="Slide Number Placeholder 4">
             <a:extLst>
               <a:ext uri="{FF2B5EF4-FFF2-40B4-BE49-F238E27FC236}">
-                <a16:creationId xmlns:a16="http://schemas.microsoft.com/office/drawing/2014/main" xmlns="" id="{23B5C741-F1AB-463E-B229-974B2924B065}"/>
+                <a16:creationId xmlns="" xmlns:a16="http://schemas.microsoft.com/office/drawing/2014/main" id="{23B5C741-F1AB-463E-B229-974B2924B065}"/>
               </a:ext>
             </a:extLst>
           </p:cNvPr>
@@ -26711,7 +26744,7 @@
           <p:cNvPr id="2" name="Title 1">
             <a:extLst>
               <a:ext uri="{FF2B5EF4-FFF2-40B4-BE49-F238E27FC236}">
-                <a16:creationId xmlns:a16="http://schemas.microsoft.com/office/drawing/2014/main" xmlns="" id="{9F53C0E6-5CA5-48E1-B370-E678425399F4}"/>
+                <a16:creationId xmlns="" xmlns:a16="http://schemas.microsoft.com/office/drawing/2014/main" id="{9F53C0E6-5CA5-48E1-B370-E678425399F4}"/>
               </a:ext>
             </a:extLst>
           </p:cNvPr>
@@ -26744,7 +26777,7 @@
           <p:cNvPr id="3" name="Content Placeholder 2">
             <a:extLst>
               <a:ext uri="{FF2B5EF4-FFF2-40B4-BE49-F238E27FC236}">
-                <a16:creationId xmlns:a16="http://schemas.microsoft.com/office/drawing/2014/main" xmlns="" id="{F0A4581A-26B3-40E7-A945-90C4D9B58292}"/>
+                <a16:creationId xmlns="" xmlns:a16="http://schemas.microsoft.com/office/drawing/2014/main" id="{F0A4581A-26B3-40E7-A945-90C4D9B58292}"/>
               </a:ext>
             </a:extLst>
           </p:cNvPr>
@@ -26864,7 +26897,7 @@
           <p:cNvPr id="4" name="Footer Placeholder 3">
             <a:extLst>
               <a:ext uri="{FF2B5EF4-FFF2-40B4-BE49-F238E27FC236}">
-                <a16:creationId xmlns:a16="http://schemas.microsoft.com/office/drawing/2014/main" xmlns="" id="{540972A1-4BB3-4D04-B4DF-C76BA9B5CAD8}"/>
+                <a16:creationId xmlns="" xmlns:a16="http://schemas.microsoft.com/office/drawing/2014/main" id="{540972A1-4BB3-4D04-B4DF-C76BA9B5CAD8}"/>
               </a:ext>
             </a:extLst>
           </p:cNvPr>
@@ -26893,7 +26926,7 @@
           <p:cNvPr id="5" name="Slide Number Placeholder 4">
             <a:extLst>
               <a:ext uri="{FF2B5EF4-FFF2-40B4-BE49-F238E27FC236}">
-                <a16:creationId xmlns:a16="http://schemas.microsoft.com/office/drawing/2014/main" xmlns="" id="{23B5C741-F1AB-463E-B229-974B2924B065}"/>
+                <a16:creationId xmlns="" xmlns:a16="http://schemas.microsoft.com/office/drawing/2014/main" id="{23B5C741-F1AB-463E-B229-974B2924B065}"/>
               </a:ext>
             </a:extLst>
           </p:cNvPr>
@@ -26952,7 +26985,7 @@
           <p:cNvPr id="2" name="Title 1">
             <a:extLst>
               <a:ext uri="{FF2B5EF4-FFF2-40B4-BE49-F238E27FC236}">
-                <a16:creationId xmlns:a16="http://schemas.microsoft.com/office/drawing/2014/main" xmlns="" id="{9F53C0E6-5CA5-48E1-B370-E678425399F4}"/>
+                <a16:creationId xmlns="" xmlns:a16="http://schemas.microsoft.com/office/drawing/2014/main" id="{9F53C0E6-5CA5-48E1-B370-E678425399F4}"/>
               </a:ext>
             </a:extLst>
           </p:cNvPr>
@@ -26985,7 +27018,7 @@
           <p:cNvPr id="3" name="Content Placeholder 2">
             <a:extLst>
               <a:ext uri="{FF2B5EF4-FFF2-40B4-BE49-F238E27FC236}">
-                <a16:creationId xmlns:a16="http://schemas.microsoft.com/office/drawing/2014/main" xmlns="" id="{F0A4581A-26B3-40E7-A945-90C4D9B58292}"/>
+                <a16:creationId xmlns="" xmlns:a16="http://schemas.microsoft.com/office/drawing/2014/main" id="{F0A4581A-26B3-40E7-A945-90C4D9B58292}"/>
               </a:ext>
             </a:extLst>
           </p:cNvPr>
@@ -27030,7 +27063,7 @@
           <p:cNvPr id="4" name="Footer Placeholder 3">
             <a:extLst>
               <a:ext uri="{FF2B5EF4-FFF2-40B4-BE49-F238E27FC236}">
-                <a16:creationId xmlns:a16="http://schemas.microsoft.com/office/drawing/2014/main" xmlns="" id="{540972A1-4BB3-4D04-B4DF-C76BA9B5CAD8}"/>
+                <a16:creationId xmlns="" xmlns:a16="http://schemas.microsoft.com/office/drawing/2014/main" id="{540972A1-4BB3-4D04-B4DF-C76BA9B5CAD8}"/>
               </a:ext>
             </a:extLst>
           </p:cNvPr>
@@ -27059,7 +27092,7 @@
           <p:cNvPr id="5" name="Slide Number Placeholder 4">
             <a:extLst>
               <a:ext uri="{FF2B5EF4-FFF2-40B4-BE49-F238E27FC236}">
-                <a16:creationId xmlns:a16="http://schemas.microsoft.com/office/drawing/2014/main" xmlns="" id="{23B5C741-F1AB-463E-B229-974B2924B065}"/>
+                <a16:creationId xmlns="" xmlns:a16="http://schemas.microsoft.com/office/drawing/2014/main" id="{23B5C741-F1AB-463E-B229-974B2924B065}"/>
               </a:ext>
             </a:extLst>
           </p:cNvPr>
@@ -27118,7 +27151,7 @@
           <p:cNvPr id="2" name="TextBox 1">
             <a:extLst>
               <a:ext uri="{FF2B5EF4-FFF2-40B4-BE49-F238E27FC236}">
-                <a16:creationId xmlns:a16="http://schemas.microsoft.com/office/drawing/2014/main" xmlns="" id="{55FF0394-BE0D-4E73-AB74-CAA9CAD678A5}"/>
+                <a16:creationId xmlns="" xmlns:a16="http://schemas.microsoft.com/office/drawing/2014/main" id="{55FF0394-BE0D-4E73-AB74-CAA9CAD678A5}"/>
               </a:ext>
             </a:extLst>
           </p:cNvPr>
@@ -27153,7 +27186,7 @@
           <p:cNvPr id="3" name="Footer Placeholder 2">
             <a:extLst>
               <a:ext uri="{FF2B5EF4-FFF2-40B4-BE49-F238E27FC236}">
-                <a16:creationId xmlns:a16="http://schemas.microsoft.com/office/drawing/2014/main" xmlns="" id="{B10B3E08-E062-4DBA-9E4C-84B030193A6F}"/>
+                <a16:creationId xmlns="" xmlns:a16="http://schemas.microsoft.com/office/drawing/2014/main" id="{B10B3E08-E062-4DBA-9E4C-84B030193A6F}"/>
               </a:ext>
             </a:extLst>
           </p:cNvPr>
@@ -27182,7 +27215,7 @@
           <p:cNvPr id="4" name="Slide Number Placeholder 3">
             <a:extLst>
               <a:ext uri="{FF2B5EF4-FFF2-40B4-BE49-F238E27FC236}">
-                <a16:creationId xmlns:a16="http://schemas.microsoft.com/office/drawing/2014/main" xmlns="" id="{AB5D1752-A6EE-4332-87E5-C5378F033BA1}"/>
+                <a16:creationId xmlns="" xmlns:a16="http://schemas.microsoft.com/office/drawing/2014/main" id="{AB5D1752-A6EE-4332-87E5-C5378F033BA1}"/>
               </a:ext>
             </a:extLst>
           </p:cNvPr>
@@ -27241,7 +27274,7 @@
           <p:cNvPr id="2" name="Title 1">
             <a:extLst>
               <a:ext uri="{FF2B5EF4-FFF2-40B4-BE49-F238E27FC236}">
-                <a16:creationId xmlns:a16="http://schemas.microsoft.com/office/drawing/2014/main" xmlns="" id="{9F53C0E6-5CA5-48E1-B370-E678425399F4}"/>
+                <a16:creationId xmlns="" xmlns:a16="http://schemas.microsoft.com/office/drawing/2014/main" id="{9F53C0E6-5CA5-48E1-B370-E678425399F4}"/>
               </a:ext>
             </a:extLst>
           </p:cNvPr>
@@ -27274,7 +27307,7 @@
           <p:cNvPr id="3" name="Content Placeholder 2">
             <a:extLst>
               <a:ext uri="{FF2B5EF4-FFF2-40B4-BE49-F238E27FC236}">
-                <a16:creationId xmlns:a16="http://schemas.microsoft.com/office/drawing/2014/main" xmlns="" id="{F0A4581A-26B3-40E7-A945-90C4D9B58292}"/>
+                <a16:creationId xmlns="" xmlns:a16="http://schemas.microsoft.com/office/drawing/2014/main" id="{F0A4581A-26B3-40E7-A945-90C4D9B58292}"/>
               </a:ext>
             </a:extLst>
           </p:cNvPr>
@@ -27396,7 +27429,7 @@
           <p:cNvPr id="4" name="Footer Placeholder 3">
             <a:extLst>
               <a:ext uri="{FF2B5EF4-FFF2-40B4-BE49-F238E27FC236}">
-                <a16:creationId xmlns:a16="http://schemas.microsoft.com/office/drawing/2014/main" xmlns="" id="{780A2A81-6CFC-4314-AE6C-461D31C0090B}"/>
+                <a16:creationId xmlns="" xmlns:a16="http://schemas.microsoft.com/office/drawing/2014/main" id="{780A2A81-6CFC-4314-AE6C-461D31C0090B}"/>
               </a:ext>
             </a:extLst>
           </p:cNvPr>
@@ -27425,7 +27458,7 @@
           <p:cNvPr id="5" name="Slide Number Placeholder 4">
             <a:extLst>
               <a:ext uri="{FF2B5EF4-FFF2-40B4-BE49-F238E27FC236}">
-                <a16:creationId xmlns:a16="http://schemas.microsoft.com/office/drawing/2014/main" xmlns="" id="{9E8E60AF-E24D-4DCD-9F0A-9E70670E60FF}"/>
+                <a16:creationId xmlns="" xmlns:a16="http://schemas.microsoft.com/office/drawing/2014/main" id="{9E8E60AF-E24D-4DCD-9F0A-9E70670E60FF}"/>
               </a:ext>
             </a:extLst>
           </p:cNvPr>
@@ -27484,7 +27517,7 @@
           <p:cNvPr id="2" name="Title 1">
             <a:extLst>
               <a:ext uri="{FF2B5EF4-FFF2-40B4-BE49-F238E27FC236}">
-                <a16:creationId xmlns:a16="http://schemas.microsoft.com/office/drawing/2014/main" xmlns="" id="{9F53C0E6-5CA5-48E1-B370-E678425399F4}"/>
+                <a16:creationId xmlns="" xmlns:a16="http://schemas.microsoft.com/office/drawing/2014/main" id="{9F53C0E6-5CA5-48E1-B370-E678425399F4}"/>
               </a:ext>
             </a:extLst>
           </p:cNvPr>
@@ -27517,7 +27550,7 @@
           <p:cNvPr id="3" name="Content Placeholder 2">
             <a:extLst>
               <a:ext uri="{FF2B5EF4-FFF2-40B4-BE49-F238E27FC236}">
-                <a16:creationId xmlns:a16="http://schemas.microsoft.com/office/drawing/2014/main" xmlns="" id="{F0A4581A-26B3-40E7-A945-90C4D9B58292}"/>
+                <a16:creationId xmlns="" xmlns:a16="http://schemas.microsoft.com/office/drawing/2014/main" id="{F0A4581A-26B3-40E7-A945-90C4D9B58292}"/>
               </a:ext>
             </a:extLst>
           </p:cNvPr>
@@ -27711,7 +27744,7 @@
           <p:cNvPr id="4" name="Footer Placeholder 3">
             <a:extLst>
               <a:ext uri="{FF2B5EF4-FFF2-40B4-BE49-F238E27FC236}">
-                <a16:creationId xmlns:a16="http://schemas.microsoft.com/office/drawing/2014/main" xmlns="" id="{C1F0C447-1F28-4C0D-AB8A-70ED6532C551}"/>
+                <a16:creationId xmlns="" xmlns:a16="http://schemas.microsoft.com/office/drawing/2014/main" id="{C1F0C447-1F28-4C0D-AB8A-70ED6532C551}"/>
               </a:ext>
             </a:extLst>
           </p:cNvPr>
@@ -27740,7 +27773,7 @@
           <p:cNvPr id="5" name="Slide Number Placeholder 4">
             <a:extLst>
               <a:ext uri="{FF2B5EF4-FFF2-40B4-BE49-F238E27FC236}">
-                <a16:creationId xmlns:a16="http://schemas.microsoft.com/office/drawing/2014/main" xmlns="" id="{D8A98920-A7D1-40AB-8422-7F76D9A74450}"/>
+                <a16:creationId xmlns="" xmlns:a16="http://schemas.microsoft.com/office/drawing/2014/main" id="{D8A98920-A7D1-40AB-8422-7F76D9A74450}"/>
               </a:ext>
             </a:extLst>
           </p:cNvPr>
@@ -27799,7 +27832,7 @@
           <p:cNvPr id="2" name="Title 1">
             <a:extLst>
               <a:ext uri="{FF2B5EF4-FFF2-40B4-BE49-F238E27FC236}">
-                <a16:creationId xmlns:a16="http://schemas.microsoft.com/office/drawing/2014/main" xmlns="" id="{9F53C0E6-5CA5-48E1-B370-E678425399F4}"/>
+                <a16:creationId xmlns="" xmlns:a16="http://schemas.microsoft.com/office/drawing/2014/main" id="{9F53C0E6-5CA5-48E1-B370-E678425399F4}"/>
               </a:ext>
             </a:extLst>
           </p:cNvPr>
@@ -27832,7 +27865,7 @@
           <p:cNvPr id="3" name="Content Placeholder 2">
             <a:extLst>
               <a:ext uri="{FF2B5EF4-FFF2-40B4-BE49-F238E27FC236}">
-                <a16:creationId xmlns:a16="http://schemas.microsoft.com/office/drawing/2014/main" xmlns="" id="{F0A4581A-26B3-40E7-A945-90C4D9B58292}"/>
+                <a16:creationId xmlns="" xmlns:a16="http://schemas.microsoft.com/office/drawing/2014/main" id="{F0A4581A-26B3-40E7-A945-90C4D9B58292}"/>
               </a:ext>
             </a:extLst>
           </p:cNvPr>
@@ -27989,7 +28022,7 @@
           <p:cNvPr id="4" name="Footer Placeholder 3">
             <a:extLst>
               <a:ext uri="{FF2B5EF4-FFF2-40B4-BE49-F238E27FC236}">
-                <a16:creationId xmlns:a16="http://schemas.microsoft.com/office/drawing/2014/main" xmlns="" id="{468DB02D-8EA4-498F-B683-EA0654CD2170}"/>
+                <a16:creationId xmlns="" xmlns:a16="http://schemas.microsoft.com/office/drawing/2014/main" id="{468DB02D-8EA4-498F-B683-EA0654CD2170}"/>
               </a:ext>
             </a:extLst>
           </p:cNvPr>
@@ -28018,7 +28051,7 @@
           <p:cNvPr id="5" name="Slide Number Placeholder 4">
             <a:extLst>
               <a:ext uri="{FF2B5EF4-FFF2-40B4-BE49-F238E27FC236}">
-                <a16:creationId xmlns:a16="http://schemas.microsoft.com/office/drawing/2014/main" xmlns="" id="{6D5A5A2A-7919-4717-A349-4EC0FC1119D4}"/>
+                <a16:creationId xmlns="" xmlns:a16="http://schemas.microsoft.com/office/drawing/2014/main" id="{6D5A5A2A-7919-4717-A349-4EC0FC1119D4}"/>
               </a:ext>
             </a:extLst>
           </p:cNvPr>
@@ -28077,7 +28110,7 @@
           <p:cNvPr id="2" name="Title 1">
             <a:extLst>
               <a:ext uri="{FF2B5EF4-FFF2-40B4-BE49-F238E27FC236}">
-                <a16:creationId xmlns:a16="http://schemas.microsoft.com/office/drawing/2014/main" xmlns="" id="{9F53C0E6-5CA5-48E1-B370-E678425399F4}"/>
+                <a16:creationId xmlns="" xmlns:a16="http://schemas.microsoft.com/office/drawing/2014/main" id="{9F53C0E6-5CA5-48E1-B370-E678425399F4}"/>
               </a:ext>
             </a:extLst>
           </p:cNvPr>
@@ -28110,7 +28143,7 @@
           <p:cNvPr id="3" name="Content Placeholder 2">
             <a:extLst>
               <a:ext uri="{FF2B5EF4-FFF2-40B4-BE49-F238E27FC236}">
-                <a16:creationId xmlns:a16="http://schemas.microsoft.com/office/drawing/2014/main" xmlns="" id="{F0A4581A-26B3-40E7-A945-90C4D9B58292}"/>
+                <a16:creationId xmlns="" xmlns:a16="http://schemas.microsoft.com/office/drawing/2014/main" id="{F0A4581A-26B3-40E7-A945-90C4D9B58292}"/>
               </a:ext>
             </a:extLst>
           </p:cNvPr>
@@ -28233,7 +28266,7 @@
           <p:cNvPr id="4" name="Footer Placeholder 3">
             <a:extLst>
               <a:ext uri="{FF2B5EF4-FFF2-40B4-BE49-F238E27FC236}">
-                <a16:creationId xmlns:a16="http://schemas.microsoft.com/office/drawing/2014/main" xmlns="" id="{B97B25CD-0BD4-4D74-9919-A088ED2230BC}"/>
+                <a16:creationId xmlns="" xmlns:a16="http://schemas.microsoft.com/office/drawing/2014/main" id="{B97B25CD-0BD4-4D74-9919-A088ED2230BC}"/>
               </a:ext>
             </a:extLst>
           </p:cNvPr>
@@ -28262,7 +28295,7 @@
           <p:cNvPr id="5" name="Slide Number Placeholder 4">
             <a:extLst>
               <a:ext uri="{FF2B5EF4-FFF2-40B4-BE49-F238E27FC236}">
-                <a16:creationId xmlns:a16="http://schemas.microsoft.com/office/drawing/2014/main" xmlns="" id="{26052105-53FA-4F13-AD4C-C4FE4A2E522F}"/>
+                <a16:creationId xmlns="" xmlns:a16="http://schemas.microsoft.com/office/drawing/2014/main" id="{26052105-53FA-4F13-AD4C-C4FE4A2E522F}"/>
               </a:ext>
             </a:extLst>
           </p:cNvPr>
@@ -28321,7 +28354,7 @@
           <p:cNvPr id="2" name="Title 1">
             <a:extLst>
               <a:ext uri="{FF2B5EF4-FFF2-40B4-BE49-F238E27FC236}">
-                <a16:creationId xmlns:a16="http://schemas.microsoft.com/office/drawing/2014/main" xmlns="" id="{9F53C0E6-5CA5-48E1-B370-E678425399F4}"/>
+                <a16:creationId xmlns="" xmlns:a16="http://schemas.microsoft.com/office/drawing/2014/main" id="{9F53C0E6-5CA5-48E1-B370-E678425399F4}"/>
               </a:ext>
             </a:extLst>
           </p:cNvPr>
@@ -28356,7 +28389,7 @@
               <p:cNvPr id="3" name="Content Placeholder 2">
                 <a:extLst>
                   <a:ext uri="{FF2B5EF4-FFF2-40B4-BE49-F238E27FC236}">
-                    <a16:creationId xmlns:a16="http://schemas.microsoft.com/office/drawing/2014/main" xmlns="" id="{F0A4581A-26B3-40E7-A945-90C4D9B58292}"/>
+                    <a16:creationId xmlns="" xmlns:a16="http://schemas.microsoft.com/office/drawing/2014/main" id="{F0A4581A-26B3-40E7-A945-90C4D9B58292}"/>
                   </a:ext>
                 </a:extLst>
               </p:cNvPr>
@@ -29097,7 +29130,7 @@
           <p:cNvPr id="4" name="Footer Placeholder 3">
             <a:extLst>
               <a:ext uri="{FF2B5EF4-FFF2-40B4-BE49-F238E27FC236}">
-                <a16:creationId xmlns:a16="http://schemas.microsoft.com/office/drawing/2014/main" xmlns="" id="{540972A1-4BB3-4D04-B4DF-C76BA9B5CAD8}"/>
+                <a16:creationId xmlns="" xmlns:a16="http://schemas.microsoft.com/office/drawing/2014/main" id="{540972A1-4BB3-4D04-B4DF-C76BA9B5CAD8}"/>
               </a:ext>
             </a:extLst>
           </p:cNvPr>
@@ -29126,7 +29159,7 @@
           <p:cNvPr id="5" name="Slide Number Placeholder 4">
             <a:extLst>
               <a:ext uri="{FF2B5EF4-FFF2-40B4-BE49-F238E27FC236}">
-                <a16:creationId xmlns:a16="http://schemas.microsoft.com/office/drawing/2014/main" xmlns="" id="{23B5C741-F1AB-463E-B229-974B2924B065}"/>
+                <a16:creationId xmlns="" xmlns:a16="http://schemas.microsoft.com/office/drawing/2014/main" id="{23B5C741-F1AB-463E-B229-974B2924B065}"/>
               </a:ext>
             </a:extLst>
           </p:cNvPr>
@@ -29185,7 +29218,7 @@
           <p:cNvPr id="2" name="Title 1">
             <a:extLst>
               <a:ext uri="{FF2B5EF4-FFF2-40B4-BE49-F238E27FC236}">
-                <a16:creationId xmlns:a16="http://schemas.microsoft.com/office/drawing/2014/main" xmlns="" id="{9F53C0E6-5CA5-48E1-B370-E678425399F4}"/>
+                <a16:creationId xmlns="" xmlns:a16="http://schemas.microsoft.com/office/drawing/2014/main" id="{9F53C0E6-5CA5-48E1-B370-E678425399F4}"/>
               </a:ext>
             </a:extLst>
           </p:cNvPr>
@@ -29220,7 +29253,7 @@
               <p:cNvPr id="3" name="Content Placeholder 2">
                 <a:extLst>
                   <a:ext uri="{FF2B5EF4-FFF2-40B4-BE49-F238E27FC236}">
-                    <a16:creationId xmlns:a16="http://schemas.microsoft.com/office/drawing/2014/main" xmlns="" id="{F0A4581A-26B3-40E7-A945-90C4D9B58292}"/>
+                    <a16:creationId xmlns="" xmlns:a16="http://schemas.microsoft.com/office/drawing/2014/main" id="{F0A4581A-26B3-40E7-A945-90C4D9B58292}"/>
                   </a:ext>
                 </a:extLst>
               </p:cNvPr>
@@ -29838,7 +29871,7 @@
           <p:cNvPr id="4" name="Footer Placeholder 3">
             <a:extLst>
               <a:ext uri="{FF2B5EF4-FFF2-40B4-BE49-F238E27FC236}">
-                <a16:creationId xmlns:a16="http://schemas.microsoft.com/office/drawing/2014/main" xmlns="" id="{540972A1-4BB3-4D04-B4DF-C76BA9B5CAD8}"/>
+                <a16:creationId xmlns="" xmlns:a16="http://schemas.microsoft.com/office/drawing/2014/main" id="{540972A1-4BB3-4D04-B4DF-C76BA9B5CAD8}"/>
               </a:ext>
             </a:extLst>
           </p:cNvPr>
@@ -29867,7 +29900,7 @@
           <p:cNvPr id="5" name="Slide Number Placeholder 4">
             <a:extLst>
               <a:ext uri="{FF2B5EF4-FFF2-40B4-BE49-F238E27FC236}">
-                <a16:creationId xmlns:a16="http://schemas.microsoft.com/office/drawing/2014/main" xmlns="" id="{23B5C741-F1AB-463E-B229-974B2924B065}"/>
+                <a16:creationId xmlns="" xmlns:a16="http://schemas.microsoft.com/office/drawing/2014/main" id="{23B5C741-F1AB-463E-B229-974B2924B065}"/>
               </a:ext>
             </a:extLst>
           </p:cNvPr>
@@ -29898,7 +29931,7 @@
               <p:cNvPr id="6" name="TextBox 5">
                 <a:extLst>
                   <a:ext uri="{FF2B5EF4-FFF2-40B4-BE49-F238E27FC236}">
-                    <a16:creationId xmlns:a16="http://schemas.microsoft.com/office/drawing/2014/main" xmlns="" id="{06515E04-E911-434E-B73D-C74090564F2D}"/>
+                    <a16:creationId xmlns="" xmlns:a16="http://schemas.microsoft.com/office/drawing/2014/main" id="{06515E04-E911-434E-B73D-C74090564F2D}"/>
                   </a:ext>
                 </a:extLst>
               </p:cNvPr>
@@ -30191,7 +30224,7 @@
               <p:cNvPr id="7" name="TextBox 6">
                 <a:extLst>
                   <a:ext uri="{FF2B5EF4-FFF2-40B4-BE49-F238E27FC236}">
-                    <a16:creationId xmlns:a16="http://schemas.microsoft.com/office/drawing/2014/main" xmlns="" id="{CA4377AD-0777-414C-BE82-54D482E0C00B}"/>
+                    <a16:creationId xmlns="" xmlns:a16="http://schemas.microsoft.com/office/drawing/2014/main" id="{CA4377AD-0777-414C-BE82-54D482E0C00B}"/>
                   </a:ext>
                 </a:extLst>
               </p:cNvPr>
@@ -30779,7 +30812,7 @@
   <a:extraClrSchemeLst/>
   <a:extLst>
     <a:ext uri="{05A4C25C-085E-4340-85A3-A5531E510DB2}">
-      <thm15:themeFamily xmlns:thm15="http://schemas.microsoft.com/office/thememl/2012/main" xmlns="" name="Office Theme" id="{62F939B6-93AF-4DB8-9C6B-D6C7DFDC589F}" vid="{4A3C46E8-61CC-4603-A589-7422A47A8E4A}"/>
+      <thm15:themeFamily xmlns="" xmlns:thm15="http://schemas.microsoft.com/office/thememl/2012/main" name="Office Theme" id="{62F939B6-93AF-4DB8-9C6B-D6C7DFDC589F}" vid="{4A3C46E8-61CC-4603-A589-7422A47A8E4A}"/>
     </a:ext>
   </a:extLst>
 </a:theme>
@@ -31074,7 +31107,7 @@
   <a:extraClrSchemeLst/>
   <a:extLst>
     <a:ext uri="{05A4C25C-085E-4340-85A3-A5531E510DB2}">
-      <thm15:themeFamily xmlns:thm15="http://schemas.microsoft.com/office/thememl/2012/main" xmlns="" name="Office Theme" id="{62F939B6-93AF-4DB8-9C6B-D6C7DFDC589F}" vid="{4A3C46E8-61CC-4603-A589-7422A47A8E4A}"/>
+      <thm15:themeFamily xmlns="" xmlns:thm15="http://schemas.microsoft.com/office/thememl/2012/main" name="Office Theme" id="{62F939B6-93AF-4DB8-9C6B-D6C7DFDC589F}" vid="{4A3C46E8-61CC-4603-A589-7422A47A8E4A}"/>
     </a:ext>
   </a:extLst>
 </a:theme>

--- a/readme.pptx
+++ b/readme.pptx
@@ -5,7 +5,7 @@
     <p:sldMasterId id="2147483648" r:id="rId1"/>
   </p:sldMasterIdLst>
   <p:notesMasterIdLst>
-    <p:notesMasterId r:id="rId40"/>
+    <p:notesMasterId r:id="rId41"/>
   </p:notesMasterIdLst>
   <p:sldIdLst>
     <p:sldId id="256" r:id="rId2"/>
@@ -39,13 +39,14 @@
     <p:sldId id="285" r:id="rId30"/>
     <p:sldId id="287" r:id="rId31"/>
     <p:sldId id="288" r:id="rId32"/>
-    <p:sldId id="291" r:id="rId33"/>
-    <p:sldId id="292" r:id="rId34"/>
-    <p:sldId id="293" r:id="rId35"/>
-    <p:sldId id="294" r:id="rId36"/>
-    <p:sldId id="295" r:id="rId37"/>
-    <p:sldId id="296" r:id="rId38"/>
-    <p:sldId id="258" r:id="rId39"/>
+    <p:sldId id="296" r:id="rId33"/>
+    <p:sldId id="291" r:id="rId34"/>
+    <p:sldId id="292" r:id="rId35"/>
+    <p:sldId id="293" r:id="rId36"/>
+    <p:sldId id="294" r:id="rId37"/>
+    <p:sldId id="295" r:id="rId38"/>
+    <p:sldId id="297" r:id="rId39"/>
+    <p:sldId id="258" r:id="rId40"/>
   </p:sldIdLst>
   <p:sldSz cx="12192000" cy="6858000"/>
   <p:notesSz cx="6858000" cy="9144000"/>
@@ -234,7 +235,7 @@
           <a:p>
             <a:fld id="{3EBE19CC-9519-4C5F-A78F-AFC3EB8C266D}" type="datetimeFigureOut">
               <a:rPr lang="en-IN" smtClean="0"/>
-              <a:t>19-05-2021</a:t>
+              <a:t>25-05-2021</a:t>
             </a:fld>
             <a:endParaRPr lang="en-IN"/>
           </a:p>
@@ -651,7 +652,7 @@
           <a:p>
             <a:fld id="{95B38DEA-F89A-499A-81D4-0F17E13A0F54}" type="datetime1">
               <a:rPr lang="en-IN" smtClean="0"/>
-              <a:t>19-05-2021</a:t>
+              <a:t>25-05-2021</a:t>
             </a:fld>
             <a:endParaRPr lang="en-IN"/>
           </a:p>
@@ -855,7 +856,7 @@
           <a:p>
             <a:fld id="{52CB48DB-8752-4EC9-AEF1-132D60C612E3}" type="datetime1">
               <a:rPr lang="en-IN" smtClean="0"/>
-              <a:t>19-05-2021</a:t>
+              <a:t>25-05-2021</a:t>
             </a:fld>
             <a:endParaRPr lang="en-IN"/>
           </a:p>
@@ -1069,7 +1070,7 @@
           <a:p>
             <a:fld id="{20E4919B-0840-418F-81E8-D1EAC9FB2BFE}" type="datetime1">
               <a:rPr lang="en-IN" smtClean="0"/>
-              <a:t>19-05-2021</a:t>
+              <a:t>25-05-2021</a:t>
             </a:fld>
             <a:endParaRPr lang="en-IN"/>
           </a:p>
@@ -1273,7 +1274,7 @@
           <a:p>
             <a:fld id="{14A56409-1144-459D-8580-EF29D8BAED4A}" type="datetime1">
               <a:rPr lang="en-IN" smtClean="0"/>
-              <a:t>19-05-2021</a:t>
+              <a:t>25-05-2021</a:t>
             </a:fld>
             <a:endParaRPr lang="en-IN"/>
           </a:p>
@@ -1553,7 +1554,7 @@
           <a:p>
             <a:fld id="{67926871-090A-4D31-A9C1-76DEC3805894}" type="datetime1">
               <a:rPr lang="en-IN" smtClean="0"/>
-              <a:t>19-05-2021</a:t>
+              <a:t>25-05-2021</a:t>
             </a:fld>
             <a:endParaRPr lang="en-IN"/>
           </a:p>
@@ -1825,7 +1826,7 @@
           <a:p>
             <a:fld id="{7F9657E2-E3D3-4B4C-9FD7-7329F62A123B}" type="datetime1">
               <a:rPr lang="en-IN" smtClean="0"/>
-              <a:t>19-05-2021</a:t>
+              <a:t>25-05-2021</a:t>
             </a:fld>
             <a:endParaRPr lang="en-IN"/>
           </a:p>
@@ -2244,7 +2245,7 @@
           <a:p>
             <a:fld id="{664F21D5-2AAA-408A-910B-555FC11A1CF7}" type="datetime1">
               <a:rPr lang="en-IN" smtClean="0"/>
-              <a:t>19-05-2021</a:t>
+              <a:t>25-05-2021</a:t>
             </a:fld>
             <a:endParaRPr lang="en-IN"/>
           </a:p>
@@ -2390,7 +2391,7 @@
           <a:p>
             <a:fld id="{F356A824-9512-4355-9382-9A341080930D}" type="datetime1">
               <a:rPr lang="en-IN" smtClean="0"/>
-              <a:t>19-05-2021</a:t>
+              <a:t>25-05-2021</a:t>
             </a:fld>
             <a:endParaRPr lang="en-IN"/>
           </a:p>
@@ -2507,7 +2508,7 @@
           <a:p>
             <a:fld id="{61D5D980-7089-4CCA-A615-7CE5DE2E0A24}" type="datetime1">
               <a:rPr lang="en-IN" smtClean="0"/>
-              <a:t>19-05-2021</a:t>
+              <a:t>25-05-2021</a:t>
             </a:fld>
             <a:endParaRPr lang="en-IN"/>
           </a:p>
@@ -2824,7 +2825,7 @@
           <a:p>
             <a:fld id="{BCBBCC49-34F1-4143-A247-5BD173D4A05B}" type="datetime1">
               <a:rPr lang="en-IN" smtClean="0"/>
-              <a:t>19-05-2021</a:t>
+              <a:t>25-05-2021</a:t>
             </a:fld>
             <a:endParaRPr lang="en-IN"/>
           </a:p>
@@ -3117,7 +3118,7 @@
           <a:p>
             <a:fld id="{2D62E49B-383D-4FEF-83E3-8391B88BD48A}" type="datetime1">
               <a:rPr lang="en-IN" smtClean="0"/>
-              <a:t>19-05-2021</a:t>
+              <a:t>25-05-2021</a:t>
             </a:fld>
             <a:endParaRPr lang="en-IN"/>
           </a:p>
@@ -3364,7 +3365,7 @@
           <a:p>
             <a:fld id="{95403040-39FF-48B5-9AA8-D98B49EA5B67}" type="datetime1">
               <a:rPr lang="en-IN" smtClean="0"/>
-              <a:t>19-05-2021</a:t>
+              <a:t>25-05-2021</a:t>
             </a:fld>
             <a:endParaRPr lang="en-IN"/>
           </a:p>
@@ -3928,6 +3929,13 @@
   <p:clrMapOvr>
     <a:masterClrMapping/>
   </p:clrMapOvr>
+  <p:timing>
+    <p:tnLst>
+      <p:par>
+        <p:cTn id="1" dur="indefinite" restart="never" nodeType="tmRoot"/>
+      </p:par>
+    </p:tnLst>
+  </p:timing>
 </p:sld>
 </file>
 
@@ -5434,6 +5442,13 @@
   <p:clrMapOvr>
     <a:masterClrMapping/>
   </p:clrMapOvr>
+  <p:timing>
+    <p:tnLst>
+      <p:par>
+        <p:cTn id="1" dur="indefinite" restart="never" nodeType="tmRoot"/>
+      </p:par>
+    </p:tnLst>
+  </p:timing>
 </p:sld>
 </file>
 
@@ -6116,6 +6131,13 @@
   <p:clrMapOvr>
     <a:masterClrMapping/>
   </p:clrMapOvr>
+  <p:timing>
+    <p:tnLst>
+      <p:par>
+        <p:cTn id="1" dur="indefinite" restart="never" nodeType="tmRoot"/>
+      </p:par>
+    </p:tnLst>
+  </p:timing>
 </p:sld>
 </file>
 
@@ -7112,6 +7134,13 @@
   <p:clrMapOvr>
     <a:masterClrMapping/>
   </p:clrMapOvr>
+  <p:timing>
+    <p:tnLst>
+      <p:par>
+        <p:cTn id="1" dur="indefinite" restart="never" nodeType="tmRoot"/>
+      </p:par>
+    </p:tnLst>
+  </p:timing>
 </p:sld>
 </file>
 
@@ -7461,6 +7490,13 @@
   <p:clrMapOvr>
     <a:masterClrMapping/>
   </p:clrMapOvr>
+  <p:timing>
+    <p:tnLst>
+      <p:par>
+        <p:cTn id="1" dur="indefinite" restart="never" nodeType="tmRoot"/>
+      </p:par>
+    </p:tnLst>
+  </p:timing>
 </p:sld>
 </file>
 
@@ -9571,6 +9607,13 @@
   <p:clrMapOvr>
     <a:masterClrMapping/>
   </p:clrMapOvr>
+  <p:timing>
+    <p:tnLst>
+      <p:par>
+        <p:cTn id="1" dur="indefinite" restart="never" nodeType="tmRoot"/>
+      </p:par>
+    </p:tnLst>
+  </p:timing>
 </p:sld>
 </file>
 
@@ -13225,6 +13268,13 @@
   <p:clrMapOvr>
     <a:masterClrMapping/>
   </p:clrMapOvr>
+  <p:timing>
+    <p:tnLst>
+      <p:par>
+        <p:cTn id="1" dur="indefinite" restart="never" nodeType="tmRoot"/>
+      </p:par>
+    </p:tnLst>
+  </p:timing>
 </p:sld>
 </file>
 
@@ -13590,6 +13640,13 @@
   <p:clrMapOvr>
     <a:masterClrMapping/>
   </p:clrMapOvr>
+  <p:timing>
+    <p:tnLst>
+      <p:par>
+        <p:cTn id="1" dur="indefinite" restart="never" nodeType="tmRoot"/>
+      </p:par>
+    </p:tnLst>
+  </p:timing>
 </p:sld>
 </file>
 
@@ -13951,6 +14008,13 @@
   <p:clrMapOvr>
     <a:masterClrMapping/>
   </p:clrMapOvr>
+  <p:timing>
+    <p:tnLst>
+      <p:par>
+        <p:cTn id="1" dur="indefinite" restart="never" nodeType="tmRoot"/>
+      </p:par>
+    </p:tnLst>
+  </p:timing>
 </p:sld>
 </file>
 
@@ -15602,6 +15666,13 @@
   <p:clrMapOvr>
     <a:masterClrMapping/>
   </p:clrMapOvr>
+  <p:timing>
+    <p:tnLst>
+      <p:par>
+        <p:cTn id="1" dur="indefinite" restart="never" nodeType="tmRoot"/>
+      </p:par>
+    </p:tnLst>
+  </p:timing>
 </p:sld>
 </file>
 
@@ -17537,6 +17608,13 @@
   <p:clrMapOvr>
     <a:masterClrMapping/>
   </p:clrMapOvr>
+  <p:timing>
+    <p:tnLst>
+      <p:par>
+        <p:cTn id="1" dur="indefinite" restart="never" nodeType="tmRoot"/>
+      </p:par>
+    </p:tnLst>
+  </p:timing>
 </p:sld>
 </file>
 
@@ -19541,6 +19619,13 @@
   <p:clrMapOvr>
     <a:masterClrMapping/>
   </p:clrMapOvr>
+  <p:timing>
+    <p:tnLst>
+      <p:par>
+        <p:cTn id="1" dur="indefinite" restart="never" nodeType="tmRoot"/>
+      </p:par>
+    </p:tnLst>
+  </p:timing>
 </p:sld>
 </file>
 
@@ -19779,6 +19864,13 @@
   <p:clrMapOvr>
     <a:masterClrMapping/>
   </p:clrMapOvr>
+  <p:timing>
+    <p:tnLst>
+      <p:par>
+        <p:cTn id="1" dur="indefinite" restart="never" nodeType="tmRoot"/>
+      </p:par>
+    </p:tnLst>
+  </p:timing>
 </p:sld>
 </file>
 
@@ -20033,6 +20125,13 @@
   <p:clrMapOvr>
     <a:masterClrMapping/>
   </p:clrMapOvr>
+  <p:timing>
+    <p:tnLst>
+      <p:par>
+        <p:cTn id="1" dur="indefinite" restart="never" nodeType="tmRoot"/>
+      </p:par>
+    </p:tnLst>
+  </p:timing>
 </p:sld>
 </file>
 
@@ -21028,6 +21127,13 @@
   <p:clrMapOvr>
     <a:masterClrMapping/>
   </p:clrMapOvr>
+  <p:timing>
+    <p:tnLst>
+      <p:par>
+        <p:cTn id="1" dur="indefinite" restart="never" nodeType="tmRoot"/>
+      </p:par>
+    </p:tnLst>
+  </p:timing>
 </p:sld>
 </file>
 
@@ -22214,6 +22320,13 @@
   <p:clrMapOvr>
     <a:masterClrMapping/>
   </p:clrMapOvr>
+  <p:timing>
+    <p:tnLst>
+      <p:par>
+        <p:cTn id="1" dur="indefinite" restart="never" nodeType="tmRoot"/>
+      </p:par>
+    </p:tnLst>
+  </p:timing>
 </p:sld>
 </file>
 
@@ -24127,6 +24240,13 @@
   <p:clrMapOvr>
     <a:masterClrMapping/>
   </p:clrMapOvr>
+  <p:timing>
+    <p:tnLst>
+      <p:par>
+        <p:cTn id="1" dur="indefinite" restart="never" nodeType="tmRoot"/>
+      </p:par>
+    </p:tnLst>
+  </p:timing>
 </p:sld>
 </file>
 
@@ -24329,6 +24449,13 @@
   <p:clrMapOvr>
     <a:masterClrMapping/>
   </p:clrMapOvr>
+  <p:timing>
+    <p:tnLst>
+      <p:par>
+        <p:cTn id="1" dur="indefinite" restart="never" nodeType="tmRoot"/>
+      </p:par>
+    </p:tnLst>
+  </p:timing>
 </p:sld>
 </file>
 
@@ -24736,6 +24863,13 @@
   <p:clrMapOvr>
     <a:masterClrMapping/>
   </p:clrMapOvr>
+  <p:timing>
+    <p:tnLst>
+      <p:par>
+        <p:cTn id="1" dur="indefinite" restart="never" nodeType="tmRoot"/>
+      </p:par>
+    </p:tnLst>
+  </p:timing>
 </p:sld>
 </file>
 
@@ -25237,6 +25371,13 @@
   <p:clrMapOvr>
     <a:masterClrMapping/>
   </p:clrMapOvr>
+  <p:timing>
+    <p:tnLst>
+      <p:par>
+        <p:cTn id="1" dur="indefinite" restart="never" nodeType="tmRoot"/>
+      </p:par>
+    </p:tnLst>
+  </p:timing>
 </p:sld>
 </file>
 
@@ -25313,7 +25454,7 @@
           </a:xfrm>
         </p:spPr>
         <p:txBody>
-          <a:bodyPr>
+          <a:bodyPr anchor="ctr">
             <a:normAutofit/>
           </a:bodyPr>
           <a:lstStyle/>
@@ -25362,21 +25503,151 @@
             </a:pPr>
             <a:r>
               <a:rPr lang="en-IN" sz="1800" dirty="0"/>
-              <a:t>This way “Embedding” layer works like a lookup table. The words (or their indices) are the keys in this table while the dense word vectors are the values.</a:t>
-            </a:r>
-          </a:p>
-          <a:p>
-            <a:pPr lvl="1" algn="just">
+              <a:t>This way “Embedding” layer works like a lookup table. The words (or their indices) are the keys in this table while the dense word vectors are the values</a:t>
+            </a:r>
+            <a:r>
+              <a:rPr lang="en-IN" sz="1800" dirty="0" smtClean="0"/>
+              <a:t>.</a:t>
+            </a:r>
+          </a:p>
+          <a:p>
+            <a:pPr algn="just">
               <a:lnSpc>
                 <a:spcPct val="100000"/>
               </a:lnSpc>
               <a:spcBef>
                 <a:spcPts val="0"/>
               </a:spcBef>
-              <a:buFont typeface="Wingdings" panose="05000000000000000000" pitchFamily="2" charset="2"/>
-              <a:buChar char="§"/>
+              <a:buFont typeface="Wingdings" pitchFamily="2" charset="2"/>
+              <a:buChar char="Ø"/>
             </a:pPr>
-            <a:endParaRPr lang="en-IN" sz="1800" dirty="0"/>
+            <a:r>
+              <a:rPr lang="en-IN" sz="2000" dirty="0" smtClean="0"/>
+              <a:t>Model is trained on the following platform:</a:t>
+            </a:r>
+          </a:p>
+          <a:p>
+            <a:pPr marL="457200" lvl="1" indent="0" algn="just">
+              <a:lnSpc>
+                <a:spcPct val="100000"/>
+              </a:lnSpc>
+              <a:spcBef>
+                <a:spcPts val="0"/>
+              </a:spcBef>
+              <a:buNone/>
+            </a:pPr>
+            <a:r>
+              <a:rPr lang="en-IN" sz="1800" dirty="0"/>
+              <a:t>On an AMD E-series (E2-7110) CPU, it was taking enormously long time</a:t>
+            </a:r>
+            <a:r>
+              <a:rPr lang="en-IN" sz="1800" dirty="0" smtClean="0"/>
+              <a:t>.</a:t>
+            </a:r>
+          </a:p>
+          <a:p>
+            <a:pPr marL="457200" lvl="1" indent="0" algn="just">
+              <a:lnSpc>
+                <a:spcPct val="100000"/>
+              </a:lnSpc>
+              <a:spcBef>
+                <a:spcPts val="0"/>
+              </a:spcBef>
+              <a:buNone/>
+            </a:pPr>
+            <a:r>
+              <a:rPr lang="en-IN" sz="1800" dirty="0" smtClean="0"/>
+              <a:t>Thus, a popular GPU cloud service was used for training model: paperspace.com </a:t>
+            </a:r>
+          </a:p>
+          <a:p>
+            <a:pPr marL="457200" lvl="1" indent="0" algn="just">
+              <a:lnSpc>
+                <a:spcPct val="100000"/>
+              </a:lnSpc>
+              <a:spcBef>
+                <a:spcPts val="0"/>
+              </a:spcBef>
+              <a:buNone/>
+            </a:pPr>
+            <a:r>
+              <a:rPr lang="en-IN" sz="1800" dirty="0" smtClean="0"/>
+              <a:t>It is a paid service that charge USD 8 / month and provides 200 GB storage for a month.</a:t>
+            </a:r>
+          </a:p>
+          <a:p>
+            <a:pPr marL="457200" lvl="1" indent="0" algn="just">
+              <a:lnSpc>
+                <a:spcPct val="100000"/>
+              </a:lnSpc>
+              <a:spcBef>
+                <a:spcPts val="0"/>
+              </a:spcBef>
+              <a:buNone/>
+            </a:pPr>
+            <a:r>
+              <a:rPr lang="en-IN" sz="1800" dirty="0" smtClean="0"/>
+              <a:t>On top of that, paid GPU was used that charges USD 0.51 / hour. Following are the offerings of this paid GPU:</a:t>
+            </a:r>
+          </a:p>
+          <a:p>
+            <a:pPr marL="457200" lvl="1" indent="0" algn="just">
+              <a:lnSpc>
+                <a:spcPct val="100000"/>
+              </a:lnSpc>
+              <a:spcBef>
+                <a:spcPts val="0"/>
+              </a:spcBef>
+              <a:buNone/>
+            </a:pPr>
+            <a:r>
+              <a:rPr lang="en-IN" sz="1800" dirty="0" smtClean="0"/>
+              <a:t>	</a:t>
+            </a:r>
+            <a:r>
+              <a:rPr lang="en-IN" sz="1800" dirty="0" err="1" smtClean="0"/>
+              <a:t>Nvidia</a:t>
+            </a:r>
+            <a:r>
+              <a:rPr lang="en-IN" sz="1800" dirty="0" smtClean="0"/>
+              <a:t> </a:t>
+            </a:r>
+            <a:r>
+              <a:rPr lang="en-IN" sz="1800" dirty="0" err="1" smtClean="0"/>
+              <a:t>Quadro</a:t>
+            </a:r>
+            <a:r>
+              <a:rPr lang="en-IN" sz="1800" dirty="0" smtClean="0"/>
+              <a:t> P4000 GPU – 8 GB GPU Memory</a:t>
+            </a:r>
+          </a:p>
+          <a:p>
+            <a:pPr marL="457200" lvl="1" indent="0" algn="just">
+              <a:lnSpc>
+                <a:spcPct val="100000"/>
+              </a:lnSpc>
+              <a:spcBef>
+                <a:spcPts val="0"/>
+              </a:spcBef>
+              <a:buNone/>
+            </a:pPr>
+            <a:r>
+              <a:rPr lang="en-IN" sz="1800" dirty="0"/>
+              <a:t>	</a:t>
+            </a:r>
+            <a:r>
+              <a:rPr lang="en-IN" sz="1800" dirty="0" smtClean="0"/>
+              <a:t>8 </a:t>
+            </a:r>
+            <a:r>
+              <a:rPr lang="en-IN" sz="1800" dirty="0" err="1" smtClean="0"/>
+              <a:t>vCPU</a:t>
+            </a:r>
+            <a:r>
+              <a:rPr lang="en-IN" sz="1800" dirty="0" smtClean="0"/>
+              <a:t> – 30 GB RAM</a:t>
+            </a:r>
+            <a:endParaRPr lang="en-IN" sz="2000" dirty="0" smtClean="0"/>
           </a:p>
         </p:txBody>
       </p:sp>
@@ -25448,6 +25719,13 @@
   <p:clrMapOvr>
     <a:masterClrMapping/>
   </p:clrMapOvr>
+  <p:timing>
+    <p:tnLst>
+      <p:par>
+        <p:cTn id="1" dur="indefinite" restart="never" nodeType="tmRoot"/>
+      </p:par>
+    </p:tnLst>
+  </p:timing>
 </p:sld>
 </file>
 
@@ -25496,7 +25774,7 @@
           <a:p>
             <a:r>
               <a:rPr lang="en-IN" dirty="0"/>
-              <a:t>Result</a:t>
+              <a:t>Training &amp; Neural Networks Specific…</a:t>
             </a:r>
           </a:p>
         </p:txBody>
@@ -25540,9 +25818,10 @@
               <a:buChar char="Ø"/>
             </a:pPr>
             <a:r>
-              <a:rPr lang="en-IN" sz="2000" dirty="0"/>
-              <a:t>Following are some results obtained from model:</a:t>
-            </a:r>
+              <a:rPr lang="en-IN" sz="2000" dirty="0" smtClean="0"/>
+              <a:t>Following is the plot of training loss values:</a:t>
+            </a:r>
+            <a:endParaRPr lang="en-IN" sz="2000" dirty="0"/>
           </a:p>
         </p:txBody>
       </p:sp>
@@ -25599,6 +25878,220 @@
             <a:fld id="{EC53106F-9B43-4B1F-BCB9-D94FA7734D96}" type="slidenum">
               <a:rPr lang="en-IN" smtClean="0"/>
               <a:t>32</a:t>
+            </a:fld>
+            <a:endParaRPr lang="en-IN"/>
+          </a:p>
+        </p:txBody>
+      </p:sp>
+      <p:pic>
+        <p:nvPicPr>
+          <p:cNvPr id="1026" name="Picture 2" descr="Z:\train_loss_plot.png"/>
+          <p:cNvPicPr>
+            <a:picLocks noChangeAspect="1" noChangeArrowheads="1"/>
+          </p:cNvPicPr>
+          <p:nvPr/>
+        </p:nvPicPr>
+        <p:blipFill>
+          <a:blip r:embed="rId2">
+            <a:extLst>
+              <a:ext uri="{28A0092B-C50C-407E-A947-70E740481C1C}">
+                <a14:useLocalDpi xmlns:a14="http://schemas.microsoft.com/office/drawing/2010/main" val="0"/>
+              </a:ext>
+            </a:extLst>
+          </a:blip>
+          <a:srcRect/>
+          <a:stretch>
+            <a:fillRect/>
+          </a:stretch>
+        </p:blipFill>
+        <p:spPr bwMode="auto">
+          <a:xfrm>
+            <a:off x="1189038" y="1568768"/>
+            <a:ext cx="9966642" cy="4892992"/>
+          </a:xfrm>
+          <a:prstGeom prst="rect">
+            <a:avLst/>
+          </a:prstGeom>
+          <a:noFill/>
+          <a:extLst>
+            <a:ext uri="{909E8E84-426E-40DD-AFC4-6F175D3DCCD1}">
+              <a14:hiddenFill xmlns:a14="http://schemas.microsoft.com/office/drawing/2010/main">
+                <a:solidFill>
+                  <a:srgbClr val="FFFFFF"/>
+                </a:solidFill>
+              </a14:hiddenFill>
+            </a:ext>
+          </a:extLst>
+        </p:spPr>
+      </p:pic>
+    </p:spTree>
+    <p:extLst>
+      <p:ext uri="{BB962C8B-B14F-4D97-AF65-F5344CB8AC3E}">
+        <p14:creationId xmlns:p14="http://schemas.microsoft.com/office/powerpoint/2010/main" val="3797686262"/>
+      </p:ext>
+    </p:extLst>
+  </p:cSld>
+  <p:clrMapOvr>
+    <a:masterClrMapping/>
+  </p:clrMapOvr>
+  <p:timing>
+    <p:tnLst>
+      <p:par>
+        <p:cTn id="1" dur="indefinite" restart="never" nodeType="tmRoot"/>
+      </p:par>
+    </p:tnLst>
+  </p:timing>
+</p:sld>
+</file>
+
+<file path=ppt/slides/slide33.xml><?xml version="1.0" encoding="utf-8"?>
+<p:sld xmlns:a="http://schemas.openxmlformats.org/drawingml/2006/main" xmlns:r="http://schemas.openxmlformats.org/officeDocument/2006/relationships" xmlns:p="http://schemas.openxmlformats.org/presentationml/2006/main">
+  <p:cSld>
+    <p:spTree>
+      <p:nvGrpSpPr>
+        <p:cNvPr id="1" name=""/>
+        <p:cNvGrpSpPr/>
+        <p:nvPr/>
+      </p:nvGrpSpPr>
+      <p:grpSpPr>
+        <a:xfrm>
+          <a:off x="0" y="0"/>
+          <a:ext cx="0" cy="0"/>
+          <a:chOff x="0" y="0"/>
+          <a:chExt cx="0" cy="0"/>
+        </a:xfrm>
+      </p:grpSpPr>
+      <p:sp>
+        <p:nvSpPr>
+          <p:cNvPr id="2" name="Title 1">
+            <a:extLst>
+              <a:ext uri="{FF2B5EF4-FFF2-40B4-BE49-F238E27FC236}">
+                <a16:creationId xmlns="" xmlns:a16="http://schemas.microsoft.com/office/drawing/2014/main" id="{9F53C0E6-5CA5-48E1-B370-E678425399F4}"/>
+              </a:ext>
+            </a:extLst>
+          </p:cNvPr>
+          <p:cNvSpPr>
+            <a:spLocks noGrp="1"/>
+          </p:cNvSpPr>
+          <p:nvPr>
+            <p:ph type="title"/>
+          </p:nvPr>
+        </p:nvSpPr>
+        <p:spPr>
+          <a:xfrm>
+            <a:off x="838200" y="365125"/>
+            <a:ext cx="10515600" cy="827571"/>
+          </a:xfrm>
+        </p:spPr>
+        <p:txBody>
+          <a:bodyPr/>
+          <a:lstStyle/>
+          <a:p>
+            <a:r>
+              <a:rPr lang="en-IN" dirty="0"/>
+              <a:t>Result</a:t>
+            </a:r>
+          </a:p>
+        </p:txBody>
+      </p:sp>
+      <p:sp>
+        <p:nvSpPr>
+          <p:cNvPr id="3" name="Content Placeholder 2">
+            <a:extLst>
+              <a:ext uri="{FF2B5EF4-FFF2-40B4-BE49-F238E27FC236}">
+                <a16:creationId xmlns="" xmlns:a16="http://schemas.microsoft.com/office/drawing/2014/main" id="{F0A4581A-26B3-40E7-A945-90C4D9B58292}"/>
+              </a:ext>
+            </a:extLst>
+          </p:cNvPr>
+          <p:cNvSpPr>
+            <a:spLocks noGrp="1"/>
+          </p:cNvSpPr>
+          <p:nvPr>
+            <p:ph idx="1"/>
+          </p:nvPr>
+        </p:nvSpPr>
+        <p:spPr>
+          <a:xfrm>
+            <a:off x="838200" y="1192696"/>
+            <a:ext cx="10515600" cy="4984267"/>
+          </a:xfrm>
+        </p:spPr>
+        <p:txBody>
+          <a:bodyPr>
+            <a:normAutofit/>
+          </a:bodyPr>
+          <a:lstStyle/>
+          <a:p>
+            <a:pPr algn="just">
+              <a:lnSpc>
+                <a:spcPct val="100000"/>
+              </a:lnSpc>
+              <a:spcBef>
+                <a:spcPts val="0"/>
+              </a:spcBef>
+              <a:buFont typeface="Wingdings" panose="05000000000000000000" pitchFamily="2" charset="2"/>
+              <a:buChar char="Ø"/>
+            </a:pPr>
+            <a:r>
+              <a:rPr lang="en-IN" sz="2000" dirty="0"/>
+              <a:t>Following are some results obtained from model:</a:t>
+            </a:r>
+          </a:p>
+        </p:txBody>
+      </p:sp>
+      <p:sp>
+        <p:nvSpPr>
+          <p:cNvPr id="4" name="Footer Placeholder 3">
+            <a:extLst>
+              <a:ext uri="{FF2B5EF4-FFF2-40B4-BE49-F238E27FC236}">
+                <a16:creationId xmlns="" xmlns:a16="http://schemas.microsoft.com/office/drawing/2014/main" id="{540972A1-4BB3-4D04-B4DF-C76BA9B5CAD8}"/>
+              </a:ext>
+            </a:extLst>
+          </p:cNvPr>
+          <p:cNvSpPr>
+            <a:spLocks noGrp="1"/>
+          </p:cNvSpPr>
+          <p:nvPr>
+            <p:ph type="ftr" sz="quarter" idx="11"/>
+          </p:nvPr>
+        </p:nvSpPr>
+        <p:spPr/>
+        <p:txBody>
+          <a:bodyPr/>
+          <a:lstStyle/>
+          <a:p>
+            <a:r>
+              <a:rPr lang="en-US"/>
+              <a:t>Sanjay Singh | san.singhsanjay@gmail.com</a:t>
+            </a:r>
+            <a:endParaRPr lang="en-IN"/>
+          </a:p>
+        </p:txBody>
+      </p:sp>
+      <p:sp>
+        <p:nvSpPr>
+          <p:cNvPr id="5" name="Slide Number Placeholder 4">
+            <a:extLst>
+              <a:ext uri="{FF2B5EF4-FFF2-40B4-BE49-F238E27FC236}">
+                <a16:creationId xmlns="" xmlns:a16="http://schemas.microsoft.com/office/drawing/2014/main" id="{23B5C741-F1AB-463E-B229-974B2924B065}"/>
+              </a:ext>
+            </a:extLst>
+          </p:cNvPr>
+          <p:cNvSpPr>
+            <a:spLocks noGrp="1"/>
+          </p:cNvSpPr>
+          <p:nvPr>
+            <p:ph type="sldNum" sz="quarter" idx="12"/>
+          </p:nvPr>
+        </p:nvSpPr>
+        <p:spPr/>
+        <p:txBody>
+          <a:bodyPr/>
+          <a:lstStyle/>
+          <a:p>
+            <a:fld id="{EC53106F-9B43-4B1F-BCB9-D94FA7734D96}" type="slidenum">
+              <a:rPr lang="en-IN" smtClean="0"/>
+              <a:t>33</a:t>
             </a:fld>
             <a:endParaRPr lang="en-IN"/>
           </a:p>
@@ -25964,10 +26457,17 @@
   <p:clrMapOvr>
     <a:masterClrMapping/>
   </p:clrMapOvr>
+  <p:timing>
+    <p:tnLst>
+      <p:par>
+        <p:cTn id="1" dur="indefinite" restart="never" nodeType="tmRoot"/>
+      </p:par>
+    </p:tnLst>
+  </p:timing>
 </p:sld>
 </file>
 
-<file path=ppt/slides/slide33.xml><?xml version="1.0" encoding="utf-8"?>
+<file path=ppt/slides/slide34.xml><?xml version="1.0" encoding="utf-8"?>
 <p:sld xmlns:a="http://schemas.openxmlformats.org/drawingml/2006/main" xmlns:r="http://schemas.openxmlformats.org/officeDocument/2006/relationships" xmlns:p="http://schemas.openxmlformats.org/presentationml/2006/main">
   <p:cSld>
     <p:spTree>
@@ -26104,7 +26604,7 @@
           <a:p>
             <a:fld id="{EC53106F-9B43-4B1F-BCB9-D94FA7734D96}" type="slidenum">
               <a:rPr lang="en-IN" smtClean="0"/>
-              <a:t>33</a:t>
+              <a:t>34</a:t>
             </a:fld>
             <a:endParaRPr lang="en-IN"/>
           </a:p>
@@ -26322,184 +26822,13 @@
   <p:clrMapOvr>
     <a:masterClrMapping/>
   </p:clrMapOvr>
-</p:sld>
-</file>
-
-<file path=ppt/slides/slide34.xml><?xml version="1.0" encoding="utf-8"?>
-<p:sld xmlns:a="http://schemas.openxmlformats.org/drawingml/2006/main" xmlns:r="http://schemas.openxmlformats.org/officeDocument/2006/relationships" xmlns:p="http://schemas.openxmlformats.org/presentationml/2006/main">
-  <p:cSld>
-    <p:spTree>
-      <p:nvGrpSpPr>
-        <p:cNvPr id="1" name=""/>
-        <p:cNvGrpSpPr/>
-        <p:nvPr/>
-      </p:nvGrpSpPr>
-      <p:grpSpPr>
-        <a:xfrm>
-          <a:off x="0" y="0"/>
-          <a:ext cx="0" cy="0"/>
-          <a:chOff x="0" y="0"/>
-          <a:chExt cx="0" cy="0"/>
-        </a:xfrm>
-      </p:grpSpPr>
-      <p:sp>
-        <p:nvSpPr>
-          <p:cNvPr id="2" name="Title 1">
-            <a:extLst>
-              <a:ext uri="{FF2B5EF4-FFF2-40B4-BE49-F238E27FC236}">
-                <a16:creationId xmlns="" xmlns:a16="http://schemas.microsoft.com/office/drawing/2014/main" id="{9F53C0E6-5CA5-48E1-B370-E678425399F4}"/>
-              </a:ext>
-            </a:extLst>
-          </p:cNvPr>
-          <p:cNvSpPr>
-            <a:spLocks noGrp="1"/>
-          </p:cNvSpPr>
-          <p:nvPr>
-            <p:ph type="title"/>
-          </p:nvPr>
-        </p:nvSpPr>
-        <p:spPr>
-          <a:xfrm>
-            <a:off x="838200" y="365125"/>
-            <a:ext cx="10515600" cy="827571"/>
-          </a:xfrm>
-        </p:spPr>
-        <p:txBody>
-          <a:bodyPr/>
-          <a:lstStyle/>
-          <a:p>
-            <a:r>
-              <a:rPr lang="en-IN" dirty="0"/>
-              <a:t>Result…</a:t>
-            </a:r>
-          </a:p>
-        </p:txBody>
-      </p:sp>
-      <p:sp>
-        <p:nvSpPr>
-          <p:cNvPr id="3" name="Content Placeholder 2">
-            <a:extLst>
-              <a:ext uri="{FF2B5EF4-FFF2-40B4-BE49-F238E27FC236}">
-                <a16:creationId xmlns="" xmlns:a16="http://schemas.microsoft.com/office/drawing/2014/main" id="{F0A4581A-26B3-40E7-A945-90C4D9B58292}"/>
-              </a:ext>
-            </a:extLst>
-          </p:cNvPr>
-          <p:cNvSpPr>
-            <a:spLocks noGrp="1"/>
-          </p:cNvSpPr>
-          <p:nvPr>
-            <p:ph idx="1"/>
-          </p:nvPr>
-        </p:nvSpPr>
-        <p:spPr>
-          <a:xfrm>
-            <a:off x="838200" y="1192696"/>
-            <a:ext cx="10515600" cy="4984267"/>
-          </a:xfrm>
-        </p:spPr>
-        <p:txBody>
-          <a:bodyPr>
-            <a:normAutofit/>
-          </a:bodyPr>
-          <a:lstStyle/>
-          <a:p>
-            <a:pPr algn="just">
-              <a:lnSpc>
-                <a:spcPct val="100000"/>
-              </a:lnSpc>
-              <a:spcBef>
-                <a:spcPts val="0"/>
-              </a:spcBef>
-              <a:buFont typeface="Wingdings" panose="05000000000000000000" pitchFamily="2" charset="2"/>
-              <a:buChar char="Ø"/>
-            </a:pPr>
-            <a:r>
-              <a:rPr lang="en-IN" sz="2000" dirty="0"/>
-              <a:t>Trained model is tested on images marked for validation. There were 1,091 images with 5 captions for each image. Model generated a caption for each image. Since, it has become a kind of document where each reference has five texts, thus corpus bleu is used to measure the performance. Corpus BLEU Score obtained is: 0.06536756465955354</a:t>
-            </a:r>
-          </a:p>
-          <a:p>
-            <a:pPr marL="0" indent="0" algn="just">
-              <a:lnSpc>
-                <a:spcPct val="100000"/>
-              </a:lnSpc>
-              <a:spcBef>
-                <a:spcPts val="0"/>
-              </a:spcBef>
-              <a:buNone/>
-            </a:pPr>
-            <a:endParaRPr lang="en-IN" sz="2000" dirty="0"/>
-          </a:p>
-        </p:txBody>
-      </p:sp>
-      <p:sp>
-        <p:nvSpPr>
-          <p:cNvPr id="4" name="Footer Placeholder 3">
-            <a:extLst>
-              <a:ext uri="{FF2B5EF4-FFF2-40B4-BE49-F238E27FC236}">
-                <a16:creationId xmlns="" xmlns:a16="http://schemas.microsoft.com/office/drawing/2014/main" id="{540972A1-4BB3-4D04-B4DF-C76BA9B5CAD8}"/>
-              </a:ext>
-            </a:extLst>
-          </p:cNvPr>
-          <p:cNvSpPr>
-            <a:spLocks noGrp="1"/>
-          </p:cNvSpPr>
-          <p:nvPr>
-            <p:ph type="ftr" sz="quarter" idx="11"/>
-          </p:nvPr>
-        </p:nvSpPr>
-        <p:spPr/>
-        <p:txBody>
-          <a:bodyPr/>
-          <a:lstStyle/>
-          <a:p>
-            <a:r>
-              <a:rPr lang="en-US"/>
-              <a:t>Sanjay Singh | san.singhsanjay@gmail.com</a:t>
-            </a:r>
-            <a:endParaRPr lang="en-IN"/>
-          </a:p>
-        </p:txBody>
-      </p:sp>
-      <p:sp>
-        <p:nvSpPr>
-          <p:cNvPr id="5" name="Slide Number Placeholder 4">
-            <a:extLst>
-              <a:ext uri="{FF2B5EF4-FFF2-40B4-BE49-F238E27FC236}">
-                <a16:creationId xmlns="" xmlns:a16="http://schemas.microsoft.com/office/drawing/2014/main" id="{23B5C741-F1AB-463E-B229-974B2924B065}"/>
-              </a:ext>
-            </a:extLst>
-          </p:cNvPr>
-          <p:cNvSpPr>
-            <a:spLocks noGrp="1"/>
-          </p:cNvSpPr>
-          <p:nvPr>
-            <p:ph type="sldNum" sz="quarter" idx="12"/>
-          </p:nvPr>
-        </p:nvSpPr>
-        <p:spPr/>
-        <p:txBody>
-          <a:bodyPr/>
-          <a:lstStyle/>
-          <a:p>
-            <a:fld id="{EC53106F-9B43-4B1F-BCB9-D94FA7734D96}" type="slidenum">
-              <a:rPr lang="en-IN" smtClean="0"/>
-              <a:t>34</a:t>
-            </a:fld>
-            <a:endParaRPr lang="en-IN"/>
-          </a:p>
-        </p:txBody>
-      </p:sp>
-    </p:spTree>
-    <p:extLst>
-      <p:ext uri="{BB962C8B-B14F-4D97-AF65-F5344CB8AC3E}">
-        <p14:creationId xmlns:p14="http://schemas.microsoft.com/office/powerpoint/2010/main" val="1146316479"/>
-      </p:ext>
-    </p:extLst>
-  </p:cSld>
-  <p:clrMapOvr>
-    <a:masterClrMapping/>
-  </p:clrMapOvr>
+  <p:timing>
+    <p:tnLst>
+      <p:par>
+        <p:cTn id="1" dur="indefinite" restart="never" nodeType="tmRoot"/>
+      </p:par>
+    </p:tnLst>
+  </p:timing>
 </p:sld>
 </file>
 
@@ -26548,7 +26877,7 @@
           <a:p>
             <a:r>
               <a:rPr lang="en-IN" dirty="0"/>
-              <a:t>Conclusion</a:t>
+              <a:t>Result…</a:t>
             </a:r>
           </a:p>
         </p:txBody>
@@ -26593,59 +26922,18 @@
             </a:pPr>
             <a:r>
               <a:rPr lang="en-IN" sz="2000" dirty="0"/>
-              <a:t>Model is predicting (or generating) “woman” many times because “0” was padded in each train caption to make its length equal to “</a:t>
-            </a:r>
-            <a:r>
-              <a:rPr lang="en-IN" sz="2000" dirty="0" err="1"/>
-              <a:t>max_caption_length</a:t>
-            </a:r>
-            <a:r>
-              <a:rPr lang="en-IN" sz="2000" dirty="0"/>
-              <a:t>”. We added “0” with thought that it means nothing, however in our vocabulary (vocabulary.txt), indexing has started from zero and the word at 0</a:t>
-            </a:r>
-            <a:r>
-              <a:rPr lang="en-IN" sz="2000" baseline="30000" dirty="0"/>
-              <a:t>th</a:t>
-            </a:r>
-            <a:r>
-              <a:rPr lang="en-IN" sz="2000" dirty="0"/>
-              <a:t> index is “woman”. Thus, for all those images where model is not getting anything, it is generating 0 as output and since “woman” is at 0</a:t>
-            </a:r>
-            <a:r>
-              <a:rPr lang="en-IN" sz="2000" baseline="30000" dirty="0"/>
-              <a:t>th</a:t>
-            </a:r>
-            <a:r>
-              <a:rPr lang="en-IN" sz="2000" dirty="0"/>
-              <a:t> index, therefore we are getting “woman” several times in some predictions.</a:t>
-            </a:r>
-          </a:p>
-          <a:p>
-            <a:pPr algn="just">
+              <a:t>Trained model is tested on images marked for validation. There were 1,091 images with 5 captions for each image. Model generated a caption for each image. Since, it has become a kind of document where each reference has five texts, thus corpus bleu is used to measure the performance. Corpus BLEU Score obtained is: 0.06536756465955354</a:t>
+            </a:r>
+          </a:p>
+          <a:p>
+            <a:pPr marL="0" indent="0" algn="just">
               <a:lnSpc>
                 <a:spcPct val="100000"/>
               </a:lnSpc>
               <a:spcBef>
                 <a:spcPts val="0"/>
               </a:spcBef>
-              <a:buFont typeface="Wingdings" panose="05000000000000000000" pitchFamily="2" charset="2"/>
-              <a:buChar char="Ø"/>
-            </a:pPr>
-            <a:r>
-              <a:rPr lang="en-IN" sz="2000" dirty="0"/>
-              <a:t>Since model is trained for less number of epochs and also on insufficient data, thus the BLEU Score is quite less on validation images. However, if we see model’s performance on a single image, then it seems that the model has learnt something during training and it verifies the technique used here for Image Captioning.</a:t>
-            </a:r>
-          </a:p>
-          <a:p>
-            <a:pPr algn="just">
-              <a:lnSpc>
-                <a:spcPct val="100000"/>
-              </a:lnSpc>
-              <a:spcBef>
-                <a:spcPts val="0"/>
-              </a:spcBef>
-              <a:buFont typeface="Wingdings" panose="05000000000000000000" pitchFamily="2" charset="2"/>
-              <a:buChar char="Ø"/>
+              <a:buNone/>
             </a:pPr>
             <a:endParaRPr lang="en-IN" sz="2000" dirty="0"/>
           </a:p>
@@ -26712,13 +27000,20 @@
     </p:spTree>
     <p:extLst>
       <p:ext uri="{BB962C8B-B14F-4D97-AF65-F5344CB8AC3E}">
-        <p14:creationId xmlns:p14="http://schemas.microsoft.com/office/powerpoint/2010/main" val="1138918450"/>
+        <p14:creationId xmlns:p14="http://schemas.microsoft.com/office/powerpoint/2010/main" val="1146316479"/>
       </p:ext>
     </p:extLst>
   </p:cSld>
   <p:clrMapOvr>
     <a:masterClrMapping/>
   </p:clrMapOvr>
+  <p:timing>
+    <p:tnLst>
+      <p:par>
+        <p:cTn id="1" dur="indefinite" restart="never" nodeType="tmRoot"/>
+      </p:par>
+    </p:tnLst>
+  </p:timing>
 </p:sld>
 </file>
 
@@ -26767,7 +27062,7 @@
           <a:p>
             <a:r>
               <a:rPr lang="en-IN" dirty="0"/>
-              <a:t>Future Work</a:t>
+              <a:t>Conclusion</a:t>
             </a:r>
           </a:p>
         </p:txBody>
@@ -26812,7 +27107,15 @@
             </a:pPr>
             <a:r>
               <a:rPr lang="en-IN" sz="2000" dirty="0"/>
-              <a:t>Remove the issue of many “woman” words in captions. This can be done by adding &lt;UNK&gt; (“unknown”) at 0</a:t>
+              <a:t>Model is predicting (or generating) “woman” many times because “0” was padded in each train caption to make its length equal to “</a:t>
+            </a:r>
+            <a:r>
+              <a:rPr lang="en-IN" sz="2000" dirty="0" err="1"/>
+              <a:t>max_caption_length</a:t>
+            </a:r>
+            <a:r>
+              <a:rPr lang="en-IN" sz="2000" dirty="0"/>
+              <a:t>”. We added “0” with thought that it means nothing, however in our vocabulary (vocabulary.txt), indexing has started from zero and the word at 0</a:t>
             </a:r>
             <a:r>
               <a:rPr lang="en-IN" sz="2000" baseline="30000" dirty="0"/>
@@ -26820,7 +27123,15 @@
             </a:r>
             <a:r>
               <a:rPr lang="en-IN" sz="2000" dirty="0"/>
-              <a:t> index of vocabulary.</a:t>
+              <a:t> index is “woman”. Thus, for all those images where model is not getting anything, it is generating 0 as output and since “woman” is at 0</a:t>
+            </a:r>
+            <a:r>
+              <a:rPr lang="en-IN" sz="2000" baseline="30000" dirty="0"/>
+              <a:t>th</a:t>
+            </a:r>
+            <a:r>
+              <a:rPr lang="en-IN" sz="2000" dirty="0"/>
+              <a:t> index, therefore we are getting “woman” several times in some predictions.</a:t>
             </a:r>
           </a:p>
           <a:p>
@@ -26836,11 +27147,7 @@
             </a:pPr>
             <a:r>
               <a:rPr lang="en-IN" sz="2000" dirty="0"/>
-              <a:t>Training on huge dataset, such MSCOCO, the largest open source dataset for Image Captioning, in order to improve BLEU Score of the model</a:t>
-            </a:r>
-            <a:r>
-              <a:rPr lang="en-IN" sz="2000" dirty="0" smtClean="0"/>
-              <a:t>.</a:t>
+              <a:t>Since model is trained for less number of epochs and also on insufficient data, thus the BLEU Score is quite less on validation images. However, if we see model’s performance on a single image, then it seems that the model has learnt something during training and it verifies the technique used here for Image Captioning.</a:t>
             </a:r>
           </a:p>
           <a:p>
@@ -26854,40 +27161,6 @@
               <a:buFont typeface="Wingdings" panose="05000000000000000000" pitchFamily="2" charset="2"/>
               <a:buChar char="Ø"/>
             </a:pPr>
-            <a:r>
-              <a:rPr lang="en-IN" sz="2000" dirty="0" smtClean="0"/>
-              <a:t>Following is the drawbacks of Classical Encoder/Decoder approach for Image Captioning:</a:t>
-            </a:r>
-          </a:p>
-          <a:p>
-            <a:pPr marL="914400" lvl="2" indent="0" algn="just">
-              <a:lnSpc>
-                <a:spcPct val="100000"/>
-              </a:lnSpc>
-              <a:spcBef>
-                <a:spcPts val="0"/>
-              </a:spcBef>
-              <a:buNone/>
-            </a:pPr>
-            <a:r>
-              <a:rPr lang="en-IN" dirty="0" smtClean="0"/>
-              <a:t>Since each word of the caption would be defining a part of the image, thus by considering the whole representation of image to generate the next word of caption which will be describing a part of image would not be efficient, especially for long captions or descriptions.</a:t>
-            </a:r>
-          </a:p>
-          <a:p>
-            <a:pPr marL="457200" lvl="1" indent="0" algn="just">
-              <a:lnSpc>
-                <a:spcPct val="100000"/>
-              </a:lnSpc>
-              <a:spcBef>
-                <a:spcPts val="0"/>
-              </a:spcBef>
-              <a:buNone/>
-            </a:pPr>
-            <a:r>
-              <a:rPr lang="en-IN" sz="2000" dirty="0" smtClean="0"/>
-              <a:t>That’s the point where we need an advanced technique, i.e., Attention Mechanism (or Visual Attention Mechanism).</a:t>
-            </a:r>
             <a:endParaRPr lang="en-IN" sz="2000" dirty="0"/>
           </a:p>
         </p:txBody>
@@ -26953,13 +27226,20 @@
     </p:spTree>
     <p:extLst>
       <p:ext uri="{BB962C8B-B14F-4D97-AF65-F5344CB8AC3E}">
-        <p14:creationId xmlns:p14="http://schemas.microsoft.com/office/powerpoint/2010/main" val="1671603974"/>
+        <p14:creationId xmlns:p14="http://schemas.microsoft.com/office/powerpoint/2010/main" val="1138918450"/>
       </p:ext>
     </p:extLst>
   </p:cSld>
   <p:clrMapOvr>
     <a:masterClrMapping/>
   </p:clrMapOvr>
+  <p:timing>
+    <p:tnLst>
+      <p:par>
+        <p:cTn id="1" dur="indefinite" restart="never" nodeType="tmRoot"/>
+      </p:par>
+    </p:tnLst>
+  </p:timing>
 </p:sld>
 </file>
 
@@ -27008,7 +27288,7 @@
           <a:p>
             <a:r>
               <a:rPr lang="en-IN" dirty="0"/>
-              <a:t>Template</a:t>
+              <a:t>Future Work</a:t>
             </a:r>
           </a:p>
         </p:txBody>
@@ -27053,8 +27333,83 @@
             </a:pPr>
             <a:r>
               <a:rPr lang="en-IN" sz="2000" dirty="0"/>
-              <a:t>Template</a:t>
-            </a:r>
+              <a:t>Remove the issue of many “woman” words in captions. This can be done by adding &lt;UNK&gt; (“unknown”) at 0</a:t>
+            </a:r>
+            <a:r>
+              <a:rPr lang="en-IN" sz="2000" baseline="30000" dirty="0"/>
+              <a:t>th</a:t>
+            </a:r>
+            <a:r>
+              <a:rPr lang="en-IN" sz="2000" dirty="0"/>
+              <a:t> index of vocabulary.</a:t>
+            </a:r>
+          </a:p>
+          <a:p>
+            <a:pPr algn="just">
+              <a:lnSpc>
+                <a:spcPct val="100000"/>
+              </a:lnSpc>
+              <a:spcBef>
+                <a:spcPts val="0"/>
+              </a:spcBef>
+              <a:buFont typeface="Wingdings" panose="05000000000000000000" pitchFamily="2" charset="2"/>
+              <a:buChar char="Ø"/>
+            </a:pPr>
+            <a:r>
+              <a:rPr lang="en-IN" sz="2000" dirty="0"/>
+              <a:t>Training on huge dataset, such MSCOCO, the largest open source dataset for Image Captioning, in order to improve BLEU Score of the model</a:t>
+            </a:r>
+            <a:r>
+              <a:rPr lang="en-IN" sz="2000" dirty="0" smtClean="0"/>
+              <a:t>.</a:t>
+            </a:r>
+          </a:p>
+          <a:p>
+            <a:pPr algn="just">
+              <a:lnSpc>
+                <a:spcPct val="100000"/>
+              </a:lnSpc>
+              <a:spcBef>
+                <a:spcPts val="0"/>
+              </a:spcBef>
+              <a:buFont typeface="Wingdings" panose="05000000000000000000" pitchFamily="2" charset="2"/>
+              <a:buChar char="Ø"/>
+            </a:pPr>
+            <a:r>
+              <a:rPr lang="en-IN" sz="2000" dirty="0" smtClean="0"/>
+              <a:t>Following is the drawbacks of Classical Encoder/Decoder approach for Image Captioning:</a:t>
+            </a:r>
+          </a:p>
+          <a:p>
+            <a:pPr marL="914400" lvl="2" indent="0" algn="just">
+              <a:lnSpc>
+                <a:spcPct val="100000"/>
+              </a:lnSpc>
+              <a:spcBef>
+                <a:spcPts val="0"/>
+              </a:spcBef>
+              <a:buNone/>
+            </a:pPr>
+            <a:r>
+              <a:rPr lang="en-IN" dirty="0" smtClean="0"/>
+              <a:t>Since each word of the caption would be defining a part of the image, thus by considering the whole representation of image to generate the next word of caption which will be describing a part of image would not be efficient, especially for long captions or descriptions.</a:t>
+            </a:r>
+          </a:p>
+          <a:p>
+            <a:pPr marL="457200" lvl="1" indent="0" algn="just">
+              <a:lnSpc>
+                <a:spcPct val="100000"/>
+              </a:lnSpc>
+              <a:spcBef>
+                <a:spcPts val="0"/>
+              </a:spcBef>
+              <a:buNone/>
+            </a:pPr>
+            <a:r>
+              <a:rPr lang="en-IN" sz="2000" dirty="0" smtClean="0"/>
+              <a:t>That’s the point where we need an advanced technique, i.e., Attention Mechanism (or Visual Attention Mechanism).</a:t>
+            </a:r>
+            <a:endParaRPr lang="en-IN" sz="2000" dirty="0"/>
           </a:p>
         </p:txBody>
       </p:sp>
@@ -27119,17 +27474,197 @@
     </p:spTree>
     <p:extLst>
       <p:ext uri="{BB962C8B-B14F-4D97-AF65-F5344CB8AC3E}">
-        <p14:creationId xmlns:p14="http://schemas.microsoft.com/office/powerpoint/2010/main" val="3797686262"/>
+        <p14:creationId xmlns:p14="http://schemas.microsoft.com/office/powerpoint/2010/main" val="1671603974"/>
       </p:ext>
     </p:extLst>
   </p:cSld>
   <p:clrMapOvr>
     <a:masterClrMapping/>
   </p:clrMapOvr>
+  <p:timing>
+    <p:tnLst>
+      <p:par>
+        <p:cTn id="1" dur="indefinite" restart="never" nodeType="tmRoot"/>
+      </p:par>
+    </p:tnLst>
+  </p:timing>
 </p:sld>
 </file>
 
 <file path=ppt/slides/slide38.xml><?xml version="1.0" encoding="utf-8"?>
+<p:sld xmlns:a="http://schemas.openxmlformats.org/drawingml/2006/main" xmlns:r="http://schemas.openxmlformats.org/officeDocument/2006/relationships" xmlns:p="http://schemas.openxmlformats.org/presentationml/2006/main">
+  <p:cSld>
+    <p:spTree>
+      <p:nvGrpSpPr>
+        <p:cNvPr id="1" name=""/>
+        <p:cNvGrpSpPr/>
+        <p:nvPr/>
+      </p:nvGrpSpPr>
+      <p:grpSpPr>
+        <a:xfrm>
+          <a:off x="0" y="0"/>
+          <a:ext cx="0" cy="0"/>
+          <a:chOff x="0" y="0"/>
+          <a:chExt cx="0" cy="0"/>
+        </a:xfrm>
+      </p:grpSpPr>
+      <p:sp>
+        <p:nvSpPr>
+          <p:cNvPr id="2" name="Title 1">
+            <a:extLst>
+              <a:ext uri="{FF2B5EF4-FFF2-40B4-BE49-F238E27FC236}">
+                <a16:creationId xmlns="" xmlns:a16="http://schemas.microsoft.com/office/drawing/2014/main" id="{9F53C0E6-5CA5-48E1-B370-E678425399F4}"/>
+              </a:ext>
+            </a:extLst>
+          </p:cNvPr>
+          <p:cNvSpPr>
+            <a:spLocks noGrp="1"/>
+          </p:cNvSpPr>
+          <p:nvPr>
+            <p:ph type="title"/>
+          </p:nvPr>
+        </p:nvSpPr>
+        <p:spPr>
+          <a:xfrm>
+            <a:off x="838200" y="365125"/>
+            <a:ext cx="10515600" cy="827571"/>
+          </a:xfrm>
+        </p:spPr>
+        <p:txBody>
+          <a:bodyPr/>
+          <a:lstStyle/>
+          <a:p>
+            <a:r>
+              <a:rPr lang="en-IN" dirty="0"/>
+              <a:t>Template</a:t>
+            </a:r>
+          </a:p>
+        </p:txBody>
+      </p:sp>
+      <p:sp>
+        <p:nvSpPr>
+          <p:cNvPr id="3" name="Content Placeholder 2">
+            <a:extLst>
+              <a:ext uri="{FF2B5EF4-FFF2-40B4-BE49-F238E27FC236}">
+                <a16:creationId xmlns="" xmlns:a16="http://schemas.microsoft.com/office/drawing/2014/main" id="{F0A4581A-26B3-40E7-A945-90C4D9B58292}"/>
+              </a:ext>
+            </a:extLst>
+          </p:cNvPr>
+          <p:cNvSpPr>
+            <a:spLocks noGrp="1"/>
+          </p:cNvSpPr>
+          <p:nvPr>
+            <p:ph idx="1"/>
+          </p:nvPr>
+        </p:nvSpPr>
+        <p:spPr>
+          <a:xfrm>
+            <a:off x="838200" y="1192696"/>
+            <a:ext cx="10515600" cy="4984267"/>
+          </a:xfrm>
+        </p:spPr>
+        <p:txBody>
+          <a:bodyPr>
+            <a:normAutofit/>
+          </a:bodyPr>
+          <a:lstStyle/>
+          <a:p>
+            <a:pPr algn="just">
+              <a:lnSpc>
+                <a:spcPct val="100000"/>
+              </a:lnSpc>
+              <a:spcBef>
+                <a:spcPts val="0"/>
+              </a:spcBef>
+              <a:buFont typeface="Wingdings" panose="05000000000000000000" pitchFamily="2" charset="2"/>
+              <a:buChar char="Ø"/>
+            </a:pPr>
+            <a:r>
+              <a:rPr lang="en-IN" sz="2000" dirty="0"/>
+              <a:t>Template</a:t>
+            </a:r>
+          </a:p>
+        </p:txBody>
+      </p:sp>
+      <p:sp>
+        <p:nvSpPr>
+          <p:cNvPr id="4" name="Footer Placeholder 3">
+            <a:extLst>
+              <a:ext uri="{FF2B5EF4-FFF2-40B4-BE49-F238E27FC236}">
+                <a16:creationId xmlns="" xmlns:a16="http://schemas.microsoft.com/office/drawing/2014/main" id="{540972A1-4BB3-4D04-B4DF-C76BA9B5CAD8}"/>
+              </a:ext>
+            </a:extLst>
+          </p:cNvPr>
+          <p:cNvSpPr>
+            <a:spLocks noGrp="1"/>
+          </p:cNvSpPr>
+          <p:nvPr>
+            <p:ph type="ftr" sz="quarter" idx="11"/>
+          </p:nvPr>
+        </p:nvSpPr>
+        <p:spPr/>
+        <p:txBody>
+          <a:bodyPr/>
+          <a:lstStyle/>
+          <a:p>
+            <a:r>
+              <a:rPr lang="en-US"/>
+              <a:t>Sanjay Singh | san.singhsanjay@gmail.com</a:t>
+            </a:r>
+            <a:endParaRPr lang="en-IN"/>
+          </a:p>
+        </p:txBody>
+      </p:sp>
+      <p:sp>
+        <p:nvSpPr>
+          <p:cNvPr id="5" name="Slide Number Placeholder 4">
+            <a:extLst>
+              <a:ext uri="{FF2B5EF4-FFF2-40B4-BE49-F238E27FC236}">
+                <a16:creationId xmlns="" xmlns:a16="http://schemas.microsoft.com/office/drawing/2014/main" id="{23B5C741-F1AB-463E-B229-974B2924B065}"/>
+              </a:ext>
+            </a:extLst>
+          </p:cNvPr>
+          <p:cNvSpPr>
+            <a:spLocks noGrp="1"/>
+          </p:cNvSpPr>
+          <p:nvPr>
+            <p:ph type="sldNum" sz="quarter" idx="12"/>
+          </p:nvPr>
+        </p:nvSpPr>
+        <p:spPr/>
+        <p:txBody>
+          <a:bodyPr/>
+          <a:lstStyle/>
+          <a:p>
+            <a:fld id="{EC53106F-9B43-4B1F-BCB9-D94FA7734D96}" type="slidenum">
+              <a:rPr lang="en-IN" smtClean="0"/>
+              <a:t>38</a:t>
+            </a:fld>
+            <a:endParaRPr lang="en-IN"/>
+          </a:p>
+        </p:txBody>
+      </p:sp>
+    </p:spTree>
+    <p:extLst>
+      <p:ext uri="{BB962C8B-B14F-4D97-AF65-F5344CB8AC3E}">
+        <p14:creationId xmlns:p14="http://schemas.microsoft.com/office/powerpoint/2010/main" val="529453133"/>
+      </p:ext>
+    </p:extLst>
+  </p:cSld>
+  <p:clrMapOvr>
+    <a:masterClrMapping/>
+  </p:clrMapOvr>
+  <p:timing>
+    <p:tnLst>
+      <p:par>
+        <p:cTn id="1" dur="indefinite" restart="never" nodeType="tmRoot"/>
+      </p:par>
+    </p:tnLst>
+  </p:timing>
+</p:sld>
+</file>
+
+<file path=ppt/slides/slide39.xml><?xml version="1.0" encoding="utf-8"?>
 <p:sld xmlns:a="http://schemas.openxmlformats.org/drawingml/2006/main" xmlns:r="http://schemas.openxmlformats.org/officeDocument/2006/relationships" xmlns:p="http://schemas.openxmlformats.org/presentationml/2006/main">
   <p:cSld>
     <p:spTree>
@@ -27233,7 +27768,7 @@
           <a:p>
             <a:fld id="{EC53106F-9B43-4B1F-BCB9-D94FA7734D96}" type="slidenum">
               <a:rPr lang="en-IN" smtClean="0"/>
-              <a:t>38</a:t>
+              <a:t>39</a:t>
             </a:fld>
             <a:endParaRPr lang="en-IN"/>
           </a:p>
@@ -27249,6 +27784,13 @@
   <p:clrMapOvr>
     <a:masterClrMapping/>
   </p:clrMapOvr>
+  <p:timing>
+    <p:tnLst>
+      <p:par>
+        <p:cTn id="1" dur="indefinite" restart="never" nodeType="tmRoot"/>
+      </p:par>
+    </p:tnLst>
+  </p:timing>
 </p:sld>
 </file>
 
@@ -27492,6 +28034,13 @@
   <p:clrMapOvr>
     <a:masterClrMapping/>
   </p:clrMapOvr>
+  <p:timing>
+    <p:tnLst>
+      <p:par>
+        <p:cTn id="1" dur="indefinite" restart="never" nodeType="tmRoot"/>
+      </p:par>
+    </p:tnLst>
+  </p:timing>
 </p:sld>
 </file>
 
@@ -27807,6 +28356,13 @@
   <p:clrMapOvr>
     <a:masterClrMapping/>
   </p:clrMapOvr>
+  <p:timing>
+    <p:tnLst>
+      <p:par>
+        <p:cTn id="1" dur="indefinite" restart="never" nodeType="tmRoot"/>
+      </p:par>
+    </p:tnLst>
+  </p:timing>
 </p:sld>
 </file>
 
@@ -28085,6 +28641,13 @@
   <p:clrMapOvr>
     <a:masterClrMapping/>
   </p:clrMapOvr>
+  <p:timing>
+    <p:tnLst>
+      <p:par>
+        <p:cTn id="1" dur="indefinite" restart="never" nodeType="tmRoot"/>
+      </p:par>
+    </p:tnLst>
+  </p:timing>
 </p:sld>
 </file>
 
@@ -28329,6 +28892,13 @@
   <p:clrMapOvr>
     <a:masterClrMapping/>
   </p:clrMapOvr>
+  <p:timing>
+    <p:tnLst>
+      <p:par>
+        <p:cTn id="1" dur="indefinite" restart="never" nodeType="tmRoot"/>
+      </p:par>
+    </p:tnLst>
+  </p:timing>
 </p:sld>
 </file>
 
@@ -29193,6 +29763,13 @@
   <p:clrMapOvr>
     <a:masterClrMapping/>
   </p:clrMapOvr>
+  <p:timing>
+    <p:tnLst>
+      <p:par>
+        <p:cTn id="1" dur="indefinite" restart="never" nodeType="tmRoot"/>
+      </p:par>
+    </p:tnLst>
+  </p:timing>
 </p:sld>
 </file>
 
@@ -30520,6 +31097,13 @@
   <p:clrMapOvr>
     <a:masterClrMapping/>
   </p:clrMapOvr>
+  <p:timing>
+    <p:tnLst>
+      <p:par>
+        <p:cTn id="1" dur="indefinite" restart="never" nodeType="tmRoot"/>
+      </p:par>
+    </p:tnLst>
+  </p:timing>
 </p:sld>
 </file>
 

--- a/readme.pptx
+++ b/readme.pptx
@@ -235,7 +235,7 @@
           <a:p>
             <a:fld id="{3EBE19CC-9519-4C5F-A78F-AFC3EB8C266D}" type="datetimeFigureOut">
               <a:rPr lang="en-IN" smtClean="0"/>
-              <a:t>25-05-2021</a:t>
+              <a:t>27-05-2021</a:t>
             </a:fld>
             <a:endParaRPr lang="en-IN"/>
           </a:p>
@@ -652,7 +652,7 @@
           <a:p>
             <a:fld id="{95B38DEA-F89A-499A-81D4-0F17E13A0F54}" type="datetime1">
               <a:rPr lang="en-IN" smtClean="0"/>
-              <a:t>25-05-2021</a:t>
+              <a:t>27-05-2021</a:t>
             </a:fld>
             <a:endParaRPr lang="en-IN"/>
           </a:p>
@@ -856,7 +856,7 @@
           <a:p>
             <a:fld id="{52CB48DB-8752-4EC9-AEF1-132D60C612E3}" type="datetime1">
               <a:rPr lang="en-IN" smtClean="0"/>
-              <a:t>25-05-2021</a:t>
+              <a:t>27-05-2021</a:t>
             </a:fld>
             <a:endParaRPr lang="en-IN"/>
           </a:p>
@@ -1070,7 +1070,7 @@
           <a:p>
             <a:fld id="{20E4919B-0840-418F-81E8-D1EAC9FB2BFE}" type="datetime1">
               <a:rPr lang="en-IN" smtClean="0"/>
-              <a:t>25-05-2021</a:t>
+              <a:t>27-05-2021</a:t>
             </a:fld>
             <a:endParaRPr lang="en-IN"/>
           </a:p>
@@ -1274,7 +1274,7 @@
           <a:p>
             <a:fld id="{14A56409-1144-459D-8580-EF29D8BAED4A}" type="datetime1">
               <a:rPr lang="en-IN" smtClean="0"/>
-              <a:t>25-05-2021</a:t>
+              <a:t>27-05-2021</a:t>
             </a:fld>
             <a:endParaRPr lang="en-IN"/>
           </a:p>
@@ -1554,7 +1554,7 @@
           <a:p>
             <a:fld id="{67926871-090A-4D31-A9C1-76DEC3805894}" type="datetime1">
               <a:rPr lang="en-IN" smtClean="0"/>
-              <a:t>25-05-2021</a:t>
+              <a:t>27-05-2021</a:t>
             </a:fld>
             <a:endParaRPr lang="en-IN"/>
           </a:p>
@@ -1826,7 +1826,7 @@
           <a:p>
             <a:fld id="{7F9657E2-E3D3-4B4C-9FD7-7329F62A123B}" type="datetime1">
               <a:rPr lang="en-IN" smtClean="0"/>
-              <a:t>25-05-2021</a:t>
+              <a:t>27-05-2021</a:t>
             </a:fld>
             <a:endParaRPr lang="en-IN"/>
           </a:p>
@@ -2245,7 +2245,7 @@
           <a:p>
             <a:fld id="{664F21D5-2AAA-408A-910B-555FC11A1CF7}" type="datetime1">
               <a:rPr lang="en-IN" smtClean="0"/>
-              <a:t>25-05-2021</a:t>
+              <a:t>27-05-2021</a:t>
             </a:fld>
             <a:endParaRPr lang="en-IN"/>
           </a:p>
@@ -2391,7 +2391,7 @@
           <a:p>
             <a:fld id="{F356A824-9512-4355-9382-9A341080930D}" type="datetime1">
               <a:rPr lang="en-IN" smtClean="0"/>
-              <a:t>25-05-2021</a:t>
+              <a:t>27-05-2021</a:t>
             </a:fld>
             <a:endParaRPr lang="en-IN"/>
           </a:p>
@@ -2508,7 +2508,7 @@
           <a:p>
             <a:fld id="{61D5D980-7089-4CCA-A615-7CE5DE2E0A24}" type="datetime1">
               <a:rPr lang="en-IN" smtClean="0"/>
-              <a:t>25-05-2021</a:t>
+              <a:t>27-05-2021</a:t>
             </a:fld>
             <a:endParaRPr lang="en-IN"/>
           </a:p>
@@ -2825,7 +2825,7 @@
           <a:p>
             <a:fld id="{BCBBCC49-34F1-4143-A247-5BD173D4A05B}" type="datetime1">
               <a:rPr lang="en-IN" smtClean="0"/>
-              <a:t>25-05-2021</a:t>
+              <a:t>27-05-2021</a:t>
             </a:fld>
             <a:endParaRPr lang="en-IN"/>
           </a:p>
@@ -3118,7 +3118,7 @@
           <a:p>
             <a:fld id="{2D62E49B-383D-4FEF-83E3-8391B88BD48A}" type="datetime1">
               <a:rPr lang="en-IN" smtClean="0"/>
-              <a:t>25-05-2021</a:t>
+              <a:t>27-05-2021</a:t>
             </a:fld>
             <a:endParaRPr lang="en-IN"/>
           </a:p>
@@ -3365,7 +3365,7 @@
           <a:p>
             <a:fld id="{95403040-39FF-48B5-9AA8-D98B49EA5B67}" type="datetime1">
               <a:rPr lang="en-IN" smtClean="0"/>
-              <a:t>25-05-2021</a:t>
+              <a:t>27-05-2021</a:t>
             </a:fld>
             <a:endParaRPr lang="en-IN"/>
           </a:p>
@@ -26922,8 +26922,142 @@
             </a:pPr>
             <a:r>
               <a:rPr lang="en-IN" sz="2000" dirty="0"/>
-              <a:t>Trained model is tested on images marked for validation. There were 1,091 images with 5 captions for each image. Model generated a caption for each image. Since, it has become a kind of document where each reference has five texts, thus corpus bleu is used to measure the performance. Corpus BLEU Score obtained is: 0.06536756465955354</a:t>
-            </a:r>
+              <a:t>Trained model is tested on images marked </a:t>
+            </a:r>
+            <a:r>
+              <a:rPr lang="en-IN" sz="2000" dirty="0" smtClean="0"/>
+              <a:t>for </a:t>
+            </a:r>
+            <a:r>
+              <a:rPr lang="en-IN" sz="2000" dirty="0"/>
+              <a:t>validation. </a:t>
+            </a:r>
+            <a:endParaRPr lang="en-IN" sz="2000" dirty="0" smtClean="0"/>
+          </a:p>
+          <a:p>
+            <a:pPr algn="just">
+              <a:lnSpc>
+                <a:spcPct val="100000"/>
+              </a:lnSpc>
+              <a:spcBef>
+                <a:spcPts val="0"/>
+              </a:spcBef>
+              <a:buFont typeface="Wingdings" panose="05000000000000000000" pitchFamily="2" charset="2"/>
+              <a:buChar char="Ø"/>
+            </a:pPr>
+            <a:r>
+              <a:rPr lang="en-IN" sz="2000" dirty="0" smtClean="0"/>
+              <a:t>There </a:t>
+            </a:r>
+            <a:r>
+              <a:rPr lang="en-IN" sz="2000" dirty="0"/>
+              <a:t>were 1,091 </a:t>
+            </a:r>
+            <a:r>
+              <a:rPr lang="en-IN" sz="2000" dirty="0" smtClean="0"/>
+              <a:t>validation images </a:t>
+            </a:r>
+            <a:r>
+              <a:rPr lang="en-IN" sz="2000" dirty="0"/>
+              <a:t>with 5 captions for each </a:t>
+            </a:r>
+            <a:r>
+              <a:rPr lang="en-IN" sz="2000" dirty="0" smtClean="0"/>
+              <a:t>image written by different people.</a:t>
+            </a:r>
+          </a:p>
+          <a:p>
+            <a:pPr algn="just">
+              <a:lnSpc>
+                <a:spcPct val="100000"/>
+              </a:lnSpc>
+              <a:spcBef>
+                <a:spcPts val="0"/>
+              </a:spcBef>
+              <a:buFont typeface="Wingdings" panose="05000000000000000000" pitchFamily="2" charset="2"/>
+              <a:buChar char="Ø"/>
+            </a:pPr>
+            <a:r>
+              <a:rPr lang="en-IN" sz="2000" dirty="0" smtClean="0"/>
+              <a:t>Model </a:t>
+            </a:r>
+            <a:r>
+              <a:rPr lang="en-IN" sz="2000" dirty="0"/>
+              <a:t>generated a caption for each </a:t>
+            </a:r>
+            <a:r>
+              <a:rPr lang="en-IN" sz="2000" dirty="0" smtClean="0"/>
+              <a:t>image.</a:t>
+            </a:r>
+          </a:p>
+          <a:p>
+            <a:pPr algn="just">
+              <a:lnSpc>
+                <a:spcPct val="100000"/>
+              </a:lnSpc>
+              <a:spcBef>
+                <a:spcPts val="0"/>
+              </a:spcBef>
+              <a:buFont typeface="Wingdings" panose="05000000000000000000" pitchFamily="2" charset="2"/>
+              <a:buChar char="Ø"/>
+            </a:pPr>
+            <a:r>
+              <a:rPr lang="en-IN" sz="2000" dirty="0" smtClean="0"/>
+              <a:t>Since</a:t>
+            </a:r>
+            <a:r>
+              <a:rPr lang="en-IN" sz="2000" dirty="0"/>
+              <a:t>, it has become a kind of document where each reference has five </a:t>
+            </a:r>
+            <a:r>
+              <a:rPr lang="en-IN" sz="2000" dirty="0" smtClean="0"/>
+              <a:t>texts, </a:t>
+            </a:r>
+            <a:r>
+              <a:rPr lang="en-IN" sz="2000" dirty="0"/>
+              <a:t>thus corpus bleu is used to measure the performance. </a:t>
+            </a:r>
+            <a:endParaRPr lang="en-IN" sz="2000" dirty="0" smtClean="0"/>
+          </a:p>
+          <a:p>
+            <a:pPr algn="just">
+              <a:lnSpc>
+                <a:spcPct val="100000"/>
+              </a:lnSpc>
+              <a:spcBef>
+                <a:spcPts val="0"/>
+              </a:spcBef>
+              <a:buFont typeface="Wingdings" panose="05000000000000000000" pitchFamily="2" charset="2"/>
+              <a:buChar char="Ø"/>
+            </a:pPr>
+            <a:r>
+              <a:rPr lang="en-IN" sz="2000" dirty="0" smtClean="0"/>
+              <a:t>Obtained Corpus </a:t>
+            </a:r>
+            <a:r>
+              <a:rPr lang="en-IN" sz="2000" dirty="0"/>
+              <a:t>BLEU </a:t>
+            </a:r>
+            <a:r>
+              <a:rPr lang="en-IN" sz="2000" dirty="0" smtClean="0"/>
+              <a:t>Score is:</a:t>
+            </a:r>
+          </a:p>
+          <a:p>
+            <a:pPr marL="0" indent="0" algn="ctr">
+              <a:lnSpc>
+                <a:spcPct val="100000"/>
+              </a:lnSpc>
+              <a:spcBef>
+                <a:spcPts val="0"/>
+              </a:spcBef>
+              <a:buNone/>
+            </a:pPr>
+            <a:r>
+              <a:rPr lang="en-IN" sz="2000" smtClean="0"/>
+              <a:t>0.06536756465955354</a:t>
+            </a:r>
+            <a:endParaRPr lang="en-IN" sz="2000" dirty="0"/>
           </a:p>
           <a:p>
             <a:pPr marL="0" indent="0" algn="just">

--- a/readme.pptx
+++ b/readme.pptx
@@ -147,7 +147,7 @@
   </p:defaultTextStyle>
   <p:extLst>
     <p:ext uri="{EFAFB233-063F-42B5-8137-9DF3F51BA10A}">
-      <p15:sldGuideLst xmlns="" xmlns:p15="http://schemas.microsoft.com/office/powerpoint/2012/main"/>
+      <p15:sldGuideLst xmlns:p15="http://schemas.microsoft.com/office/powerpoint/2012/main" xmlns=""/>
     </p:ext>
   </p:extLst>
 </p:presentation>
@@ -235,7 +235,7 @@
           <a:p>
             <a:fld id="{3EBE19CC-9519-4C5F-A78F-AFC3EB8C266D}" type="datetimeFigureOut">
               <a:rPr lang="en-IN" smtClean="0"/>
-              <a:t>27-05-2021</a:t>
+              <a:t>14-06-2021</a:t>
             </a:fld>
             <a:endParaRPr lang="en-IN"/>
           </a:p>
@@ -525,7 +525,7 @@
           <p:cNvPr id="2" name="Title 1">
             <a:extLst>
               <a:ext uri="{FF2B5EF4-FFF2-40B4-BE49-F238E27FC236}">
-                <a16:creationId xmlns="" xmlns:a16="http://schemas.microsoft.com/office/drawing/2014/main" id="{AD6677EC-8707-4820-BADA-C8D002623C77}"/>
+                <a16:creationId xmlns:a16="http://schemas.microsoft.com/office/drawing/2014/main" xmlns="" id="{AD6677EC-8707-4820-BADA-C8D002623C77}"/>
               </a:ext>
             </a:extLst>
           </p:cNvPr>
@@ -563,7 +563,7 @@
           <p:cNvPr id="3" name="Subtitle 2">
             <a:extLst>
               <a:ext uri="{FF2B5EF4-FFF2-40B4-BE49-F238E27FC236}">
-                <a16:creationId xmlns="" xmlns:a16="http://schemas.microsoft.com/office/drawing/2014/main" id="{254CA423-B559-4D4C-A990-FC9123A2D2E4}"/>
+                <a16:creationId xmlns:a16="http://schemas.microsoft.com/office/drawing/2014/main" xmlns="" id="{254CA423-B559-4D4C-A990-FC9123A2D2E4}"/>
               </a:ext>
             </a:extLst>
           </p:cNvPr>
@@ -634,7 +634,7 @@
           <p:cNvPr id="4" name="Date Placeholder 3">
             <a:extLst>
               <a:ext uri="{FF2B5EF4-FFF2-40B4-BE49-F238E27FC236}">
-                <a16:creationId xmlns="" xmlns:a16="http://schemas.microsoft.com/office/drawing/2014/main" id="{13ABF47C-6BE7-481F-AB05-B52FBC9877B2}"/>
+                <a16:creationId xmlns:a16="http://schemas.microsoft.com/office/drawing/2014/main" xmlns="" id="{13ABF47C-6BE7-481F-AB05-B52FBC9877B2}"/>
               </a:ext>
             </a:extLst>
           </p:cNvPr>
@@ -652,7 +652,7 @@
           <a:p>
             <a:fld id="{95B38DEA-F89A-499A-81D4-0F17E13A0F54}" type="datetime1">
               <a:rPr lang="en-IN" smtClean="0"/>
-              <a:t>27-05-2021</a:t>
+              <a:t>14-06-2021</a:t>
             </a:fld>
             <a:endParaRPr lang="en-IN"/>
           </a:p>
@@ -663,7 +663,7 @@
           <p:cNvPr id="5" name="Footer Placeholder 4">
             <a:extLst>
               <a:ext uri="{FF2B5EF4-FFF2-40B4-BE49-F238E27FC236}">
-                <a16:creationId xmlns="" xmlns:a16="http://schemas.microsoft.com/office/drawing/2014/main" id="{CDB0413F-8EF5-4D34-BD5B-3C522BCECAD9}"/>
+                <a16:creationId xmlns:a16="http://schemas.microsoft.com/office/drawing/2014/main" xmlns="" id="{CDB0413F-8EF5-4D34-BD5B-3C522BCECAD9}"/>
               </a:ext>
             </a:extLst>
           </p:cNvPr>
@@ -692,7 +692,7 @@
           <p:cNvPr id="6" name="Slide Number Placeholder 5">
             <a:extLst>
               <a:ext uri="{FF2B5EF4-FFF2-40B4-BE49-F238E27FC236}">
-                <a16:creationId xmlns="" xmlns:a16="http://schemas.microsoft.com/office/drawing/2014/main" id="{3F3B31F8-E781-4D49-A386-D0041E93058C}"/>
+                <a16:creationId xmlns:a16="http://schemas.microsoft.com/office/drawing/2014/main" xmlns="" id="{3F3B31F8-E781-4D49-A386-D0041E93058C}"/>
               </a:ext>
             </a:extLst>
           </p:cNvPr>
@@ -751,7 +751,7 @@
           <p:cNvPr id="2" name="Title 1">
             <a:extLst>
               <a:ext uri="{FF2B5EF4-FFF2-40B4-BE49-F238E27FC236}">
-                <a16:creationId xmlns="" xmlns:a16="http://schemas.microsoft.com/office/drawing/2014/main" id="{2213ED4C-2D41-4FDA-ACD9-CF186DD3C3CA}"/>
+                <a16:creationId xmlns:a16="http://schemas.microsoft.com/office/drawing/2014/main" xmlns="" id="{2213ED4C-2D41-4FDA-ACD9-CF186DD3C3CA}"/>
               </a:ext>
             </a:extLst>
           </p:cNvPr>
@@ -780,7 +780,7 @@
           <p:cNvPr id="3" name="Vertical Text Placeholder 2">
             <a:extLst>
               <a:ext uri="{FF2B5EF4-FFF2-40B4-BE49-F238E27FC236}">
-                <a16:creationId xmlns="" xmlns:a16="http://schemas.microsoft.com/office/drawing/2014/main" id="{8E0B6A18-318A-4D0E-8ED7-59987F342179}"/>
+                <a16:creationId xmlns:a16="http://schemas.microsoft.com/office/drawing/2014/main" xmlns="" id="{8E0B6A18-318A-4D0E-8ED7-59987F342179}"/>
               </a:ext>
             </a:extLst>
           </p:cNvPr>
@@ -838,7 +838,7 @@
           <p:cNvPr id="4" name="Date Placeholder 3">
             <a:extLst>
               <a:ext uri="{FF2B5EF4-FFF2-40B4-BE49-F238E27FC236}">
-                <a16:creationId xmlns="" xmlns:a16="http://schemas.microsoft.com/office/drawing/2014/main" id="{EB20B605-C292-4D14-8912-8251D314F350}"/>
+                <a16:creationId xmlns:a16="http://schemas.microsoft.com/office/drawing/2014/main" xmlns="" id="{EB20B605-C292-4D14-8912-8251D314F350}"/>
               </a:ext>
             </a:extLst>
           </p:cNvPr>
@@ -856,7 +856,7 @@
           <a:p>
             <a:fld id="{52CB48DB-8752-4EC9-AEF1-132D60C612E3}" type="datetime1">
               <a:rPr lang="en-IN" smtClean="0"/>
-              <a:t>27-05-2021</a:t>
+              <a:t>14-06-2021</a:t>
             </a:fld>
             <a:endParaRPr lang="en-IN"/>
           </a:p>
@@ -867,7 +867,7 @@
           <p:cNvPr id="5" name="Footer Placeholder 4">
             <a:extLst>
               <a:ext uri="{FF2B5EF4-FFF2-40B4-BE49-F238E27FC236}">
-                <a16:creationId xmlns="" xmlns:a16="http://schemas.microsoft.com/office/drawing/2014/main" id="{0D230557-72CD-41CF-A4E5-A9B64FF15213}"/>
+                <a16:creationId xmlns:a16="http://schemas.microsoft.com/office/drawing/2014/main" xmlns="" id="{0D230557-72CD-41CF-A4E5-A9B64FF15213}"/>
               </a:ext>
             </a:extLst>
           </p:cNvPr>
@@ -896,7 +896,7 @@
           <p:cNvPr id="6" name="Slide Number Placeholder 5">
             <a:extLst>
               <a:ext uri="{FF2B5EF4-FFF2-40B4-BE49-F238E27FC236}">
-                <a16:creationId xmlns="" xmlns:a16="http://schemas.microsoft.com/office/drawing/2014/main" id="{2FE1D16F-C026-46E0-A7C9-F83599048AE0}"/>
+                <a16:creationId xmlns:a16="http://schemas.microsoft.com/office/drawing/2014/main" xmlns="" id="{2FE1D16F-C026-46E0-A7C9-F83599048AE0}"/>
               </a:ext>
             </a:extLst>
           </p:cNvPr>
@@ -955,7 +955,7 @@
           <p:cNvPr id="2" name="Vertical Title 1">
             <a:extLst>
               <a:ext uri="{FF2B5EF4-FFF2-40B4-BE49-F238E27FC236}">
-                <a16:creationId xmlns="" xmlns:a16="http://schemas.microsoft.com/office/drawing/2014/main" id="{8469DE12-C071-4A7D-8AE5-91FA861BC220}"/>
+                <a16:creationId xmlns:a16="http://schemas.microsoft.com/office/drawing/2014/main" xmlns="" id="{8469DE12-C071-4A7D-8AE5-91FA861BC220}"/>
               </a:ext>
             </a:extLst>
           </p:cNvPr>
@@ -989,7 +989,7 @@
           <p:cNvPr id="3" name="Vertical Text Placeholder 2">
             <a:extLst>
               <a:ext uri="{FF2B5EF4-FFF2-40B4-BE49-F238E27FC236}">
-                <a16:creationId xmlns="" xmlns:a16="http://schemas.microsoft.com/office/drawing/2014/main" id="{358265D5-5610-4284-BF94-42B608C74901}"/>
+                <a16:creationId xmlns:a16="http://schemas.microsoft.com/office/drawing/2014/main" xmlns="" id="{358265D5-5610-4284-BF94-42B608C74901}"/>
               </a:ext>
             </a:extLst>
           </p:cNvPr>
@@ -1052,7 +1052,7 @@
           <p:cNvPr id="4" name="Date Placeholder 3">
             <a:extLst>
               <a:ext uri="{FF2B5EF4-FFF2-40B4-BE49-F238E27FC236}">
-                <a16:creationId xmlns="" xmlns:a16="http://schemas.microsoft.com/office/drawing/2014/main" id="{306AA223-7897-4BD9-A6D1-A15242652B24}"/>
+                <a16:creationId xmlns:a16="http://schemas.microsoft.com/office/drawing/2014/main" xmlns="" id="{306AA223-7897-4BD9-A6D1-A15242652B24}"/>
               </a:ext>
             </a:extLst>
           </p:cNvPr>
@@ -1070,7 +1070,7 @@
           <a:p>
             <a:fld id="{20E4919B-0840-418F-81E8-D1EAC9FB2BFE}" type="datetime1">
               <a:rPr lang="en-IN" smtClean="0"/>
-              <a:t>27-05-2021</a:t>
+              <a:t>14-06-2021</a:t>
             </a:fld>
             <a:endParaRPr lang="en-IN"/>
           </a:p>
@@ -1081,7 +1081,7 @@
           <p:cNvPr id="5" name="Footer Placeholder 4">
             <a:extLst>
               <a:ext uri="{FF2B5EF4-FFF2-40B4-BE49-F238E27FC236}">
-                <a16:creationId xmlns="" xmlns:a16="http://schemas.microsoft.com/office/drawing/2014/main" id="{449AFCD7-05C4-4EFD-9123-53F406BD522A}"/>
+                <a16:creationId xmlns:a16="http://schemas.microsoft.com/office/drawing/2014/main" xmlns="" id="{449AFCD7-05C4-4EFD-9123-53F406BD522A}"/>
               </a:ext>
             </a:extLst>
           </p:cNvPr>
@@ -1110,7 +1110,7 @@
           <p:cNvPr id="6" name="Slide Number Placeholder 5">
             <a:extLst>
               <a:ext uri="{FF2B5EF4-FFF2-40B4-BE49-F238E27FC236}">
-                <a16:creationId xmlns="" xmlns:a16="http://schemas.microsoft.com/office/drawing/2014/main" id="{0E1416BD-B766-4C6F-9275-FD4ACE1EE922}"/>
+                <a16:creationId xmlns:a16="http://schemas.microsoft.com/office/drawing/2014/main" xmlns="" id="{0E1416BD-B766-4C6F-9275-FD4ACE1EE922}"/>
               </a:ext>
             </a:extLst>
           </p:cNvPr>
@@ -1169,7 +1169,7 @@
           <p:cNvPr id="2" name="Title 1">
             <a:extLst>
               <a:ext uri="{FF2B5EF4-FFF2-40B4-BE49-F238E27FC236}">
-                <a16:creationId xmlns="" xmlns:a16="http://schemas.microsoft.com/office/drawing/2014/main" id="{A82538AA-70C7-403B-9DCD-1DCB5FC6C1D3}"/>
+                <a16:creationId xmlns:a16="http://schemas.microsoft.com/office/drawing/2014/main" xmlns="" id="{A82538AA-70C7-403B-9DCD-1DCB5FC6C1D3}"/>
               </a:ext>
             </a:extLst>
           </p:cNvPr>
@@ -1198,7 +1198,7 @@
           <p:cNvPr id="3" name="Content Placeholder 2">
             <a:extLst>
               <a:ext uri="{FF2B5EF4-FFF2-40B4-BE49-F238E27FC236}">
-                <a16:creationId xmlns="" xmlns:a16="http://schemas.microsoft.com/office/drawing/2014/main" id="{1821E538-2875-4884-8011-6C623ABE5F26}"/>
+                <a16:creationId xmlns:a16="http://schemas.microsoft.com/office/drawing/2014/main" xmlns="" id="{1821E538-2875-4884-8011-6C623ABE5F26}"/>
               </a:ext>
             </a:extLst>
           </p:cNvPr>
@@ -1256,7 +1256,7 @@
           <p:cNvPr id="4" name="Date Placeholder 3">
             <a:extLst>
               <a:ext uri="{FF2B5EF4-FFF2-40B4-BE49-F238E27FC236}">
-                <a16:creationId xmlns="" xmlns:a16="http://schemas.microsoft.com/office/drawing/2014/main" id="{7F1CCF97-3F8D-4BE3-B3F4-704CF465CA7B}"/>
+                <a16:creationId xmlns:a16="http://schemas.microsoft.com/office/drawing/2014/main" xmlns="" id="{7F1CCF97-3F8D-4BE3-B3F4-704CF465CA7B}"/>
               </a:ext>
             </a:extLst>
           </p:cNvPr>
@@ -1274,7 +1274,7 @@
           <a:p>
             <a:fld id="{14A56409-1144-459D-8580-EF29D8BAED4A}" type="datetime1">
               <a:rPr lang="en-IN" smtClean="0"/>
-              <a:t>27-05-2021</a:t>
+              <a:t>14-06-2021</a:t>
             </a:fld>
             <a:endParaRPr lang="en-IN"/>
           </a:p>
@@ -1285,7 +1285,7 @@
           <p:cNvPr id="5" name="Footer Placeholder 4">
             <a:extLst>
               <a:ext uri="{FF2B5EF4-FFF2-40B4-BE49-F238E27FC236}">
-                <a16:creationId xmlns="" xmlns:a16="http://schemas.microsoft.com/office/drawing/2014/main" id="{8FCA0885-0058-4DCE-B0D8-A392309ED5F6}"/>
+                <a16:creationId xmlns:a16="http://schemas.microsoft.com/office/drawing/2014/main" xmlns="" id="{8FCA0885-0058-4DCE-B0D8-A392309ED5F6}"/>
               </a:ext>
             </a:extLst>
           </p:cNvPr>
@@ -1314,7 +1314,7 @@
           <p:cNvPr id="6" name="Slide Number Placeholder 5">
             <a:extLst>
               <a:ext uri="{FF2B5EF4-FFF2-40B4-BE49-F238E27FC236}">
-                <a16:creationId xmlns="" xmlns:a16="http://schemas.microsoft.com/office/drawing/2014/main" id="{12630807-4DF9-41CF-8A31-3107A20D42A5}"/>
+                <a16:creationId xmlns:a16="http://schemas.microsoft.com/office/drawing/2014/main" xmlns="" id="{12630807-4DF9-41CF-8A31-3107A20D42A5}"/>
               </a:ext>
             </a:extLst>
           </p:cNvPr>
@@ -1373,7 +1373,7 @@
           <p:cNvPr id="2" name="Title 1">
             <a:extLst>
               <a:ext uri="{FF2B5EF4-FFF2-40B4-BE49-F238E27FC236}">
-                <a16:creationId xmlns="" xmlns:a16="http://schemas.microsoft.com/office/drawing/2014/main" id="{9CFEB71D-02FC-48B4-A779-ADFE40687401}"/>
+                <a16:creationId xmlns:a16="http://schemas.microsoft.com/office/drawing/2014/main" xmlns="" id="{9CFEB71D-02FC-48B4-A779-ADFE40687401}"/>
               </a:ext>
             </a:extLst>
           </p:cNvPr>
@@ -1411,7 +1411,7 @@
           <p:cNvPr id="3" name="Text Placeholder 2">
             <a:extLst>
               <a:ext uri="{FF2B5EF4-FFF2-40B4-BE49-F238E27FC236}">
-                <a16:creationId xmlns="" xmlns:a16="http://schemas.microsoft.com/office/drawing/2014/main" id="{A1083A76-206C-445B-88AB-6EA74EA88133}"/>
+                <a16:creationId xmlns:a16="http://schemas.microsoft.com/office/drawing/2014/main" xmlns="" id="{A1083A76-206C-445B-88AB-6EA74EA88133}"/>
               </a:ext>
             </a:extLst>
           </p:cNvPr>
@@ -1536,7 +1536,7 @@
           <p:cNvPr id="4" name="Date Placeholder 3">
             <a:extLst>
               <a:ext uri="{FF2B5EF4-FFF2-40B4-BE49-F238E27FC236}">
-                <a16:creationId xmlns="" xmlns:a16="http://schemas.microsoft.com/office/drawing/2014/main" id="{B948F319-72EC-4826-9DD2-EF3EA0136035}"/>
+                <a16:creationId xmlns:a16="http://schemas.microsoft.com/office/drawing/2014/main" xmlns="" id="{B948F319-72EC-4826-9DD2-EF3EA0136035}"/>
               </a:ext>
             </a:extLst>
           </p:cNvPr>
@@ -1554,7 +1554,7 @@
           <a:p>
             <a:fld id="{67926871-090A-4D31-A9C1-76DEC3805894}" type="datetime1">
               <a:rPr lang="en-IN" smtClean="0"/>
-              <a:t>27-05-2021</a:t>
+              <a:t>14-06-2021</a:t>
             </a:fld>
             <a:endParaRPr lang="en-IN"/>
           </a:p>
@@ -1565,7 +1565,7 @@
           <p:cNvPr id="5" name="Footer Placeholder 4">
             <a:extLst>
               <a:ext uri="{FF2B5EF4-FFF2-40B4-BE49-F238E27FC236}">
-                <a16:creationId xmlns="" xmlns:a16="http://schemas.microsoft.com/office/drawing/2014/main" id="{BABA8B88-7AB1-4668-B759-ED40AF13F292}"/>
+                <a16:creationId xmlns:a16="http://schemas.microsoft.com/office/drawing/2014/main" xmlns="" id="{BABA8B88-7AB1-4668-B759-ED40AF13F292}"/>
               </a:ext>
             </a:extLst>
           </p:cNvPr>
@@ -1594,7 +1594,7 @@
           <p:cNvPr id="6" name="Slide Number Placeholder 5">
             <a:extLst>
               <a:ext uri="{FF2B5EF4-FFF2-40B4-BE49-F238E27FC236}">
-                <a16:creationId xmlns="" xmlns:a16="http://schemas.microsoft.com/office/drawing/2014/main" id="{CCB6E71B-F180-4BD9-81AD-DA4B1CFA38B8}"/>
+                <a16:creationId xmlns:a16="http://schemas.microsoft.com/office/drawing/2014/main" xmlns="" id="{CCB6E71B-F180-4BD9-81AD-DA4B1CFA38B8}"/>
               </a:ext>
             </a:extLst>
           </p:cNvPr>
@@ -1653,7 +1653,7 @@
           <p:cNvPr id="2" name="Title 1">
             <a:extLst>
               <a:ext uri="{FF2B5EF4-FFF2-40B4-BE49-F238E27FC236}">
-                <a16:creationId xmlns="" xmlns:a16="http://schemas.microsoft.com/office/drawing/2014/main" id="{E47950D1-0BC5-4433-9307-0C1090AF42FD}"/>
+                <a16:creationId xmlns:a16="http://schemas.microsoft.com/office/drawing/2014/main" xmlns="" id="{E47950D1-0BC5-4433-9307-0C1090AF42FD}"/>
               </a:ext>
             </a:extLst>
           </p:cNvPr>
@@ -1682,7 +1682,7 @@
           <p:cNvPr id="3" name="Content Placeholder 2">
             <a:extLst>
               <a:ext uri="{FF2B5EF4-FFF2-40B4-BE49-F238E27FC236}">
-                <a16:creationId xmlns="" xmlns:a16="http://schemas.microsoft.com/office/drawing/2014/main" id="{9D7D2B18-603C-40A0-AAAC-676EE2654956}"/>
+                <a16:creationId xmlns:a16="http://schemas.microsoft.com/office/drawing/2014/main" xmlns="" id="{9D7D2B18-603C-40A0-AAAC-676EE2654956}"/>
               </a:ext>
             </a:extLst>
           </p:cNvPr>
@@ -1745,7 +1745,7 @@
           <p:cNvPr id="4" name="Content Placeholder 3">
             <a:extLst>
               <a:ext uri="{FF2B5EF4-FFF2-40B4-BE49-F238E27FC236}">
-                <a16:creationId xmlns="" xmlns:a16="http://schemas.microsoft.com/office/drawing/2014/main" id="{154421C5-CFEF-4155-AB5E-010A7A9A6686}"/>
+                <a16:creationId xmlns:a16="http://schemas.microsoft.com/office/drawing/2014/main" xmlns="" id="{154421C5-CFEF-4155-AB5E-010A7A9A6686}"/>
               </a:ext>
             </a:extLst>
           </p:cNvPr>
@@ -1808,7 +1808,7 @@
           <p:cNvPr id="5" name="Date Placeholder 4">
             <a:extLst>
               <a:ext uri="{FF2B5EF4-FFF2-40B4-BE49-F238E27FC236}">
-                <a16:creationId xmlns="" xmlns:a16="http://schemas.microsoft.com/office/drawing/2014/main" id="{9D14BCF1-40CD-4789-8B4C-1D20A8E3304C}"/>
+                <a16:creationId xmlns:a16="http://schemas.microsoft.com/office/drawing/2014/main" xmlns="" id="{9D14BCF1-40CD-4789-8B4C-1D20A8E3304C}"/>
               </a:ext>
             </a:extLst>
           </p:cNvPr>
@@ -1826,7 +1826,7 @@
           <a:p>
             <a:fld id="{7F9657E2-E3D3-4B4C-9FD7-7329F62A123B}" type="datetime1">
               <a:rPr lang="en-IN" smtClean="0"/>
-              <a:t>27-05-2021</a:t>
+              <a:t>14-06-2021</a:t>
             </a:fld>
             <a:endParaRPr lang="en-IN"/>
           </a:p>
@@ -1837,7 +1837,7 @@
           <p:cNvPr id="6" name="Footer Placeholder 5">
             <a:extLst>
               <a:ext uri="{FF2B5EF4-FFF2-40B4-BE49-F238E27FC236}">
-                <a16:creationId xmlns="" xmlns:a16="http://schemas.microsoft.com/office/drawing/2014/main" id="{E4922A8D-303B-4526-80C4-42AED2713A8B}"/>
+                <a16:creationId xmlns:a16="http://schemas.microsoft.com/office/drawing/2014/main" xmlns="" id="{E4922A8D-303B-4526-80C4-42AED2713A8B}"/>
               </a:ext>
             </a:extLst>
           </p:cNvPr>
@@ -1866,7 +1866,7 @@
           <p:cNvPr id="7" name="Slide Number Placeholder 6">
             <a:extLst>
               <a:ext uri="{FF2B5EF4-FFF2-40B4-BE49-F238E27FC236}">
-                <a16:creationId xmlns="" xmlns:a16="http://schemas.microsoft.com/office/drawing/2014/main" id="{E3C30F65-B743-42C4-8ABC-09B079346975}"/>
+                <a16:creationId xmlns:a16="http://schemas.microsoft.com/office/drawing/2014/main" xmlns="" id="{E3C30F65-B743-42C4-8ABC-09B079346975}"/>
               </a:ext>
             </a:extLst>
           </p:cNvPr>
@@ -1925,7 +1925,7 @@
           <p:cNvPr id="2" name="Title 1">
             <a:extLst>
               <a:ext uri="{FF2B5EF4-FFF2-40B4-BE49-F238E27FC236}">
-                <a16:creationId xmlns="" xmlns:a16="http://schemas.microsoft.com/office/drawing/2014/main" id="{41595C1A-15C2-48ED-B0F8-BAA935B81F5E}"/>
+                <a16:creationId xmlns:a16="http://schemas.microsoft.com/office/drawing/2014/main" xmlns="" id="{41595C1A-15C2-48ED-B0F8-BAA935B81F5E}"/>
               </a:ext>
             </a:extLst>
           </p:cNvPr>
@@ -1959,7 +1959,7 @@
           <p:cNvPr id="3" name="Text Placeholder 2">
             <a:extLst>
               <a:ext uri="{FF2B5EF4-FFF2-40B4-BE49-F238E27FC236}">
-                <a16:creationId xmlns="" xmlns:a16="http://schemas.microsoft.com/office/drawing/2014/main" id="{03F02048-7C2A-4B08-BF76-13F8E88F3C86}"/>
+                <a16:creationId xmlns:a16="http://schemas.microsoft.com/office/drawing/2014/main" xmlns="" id="{03F02048-7C2A-4B08-BF76-13F8E88F3C86}"/>
               </a:ext>
             </a:extLst>
           </p:cNvPr>
@@ -2030,7 +2030,7 @@
           <p:cNvPr id="4" name="Content Placeholder 3">
             <a:extLst>
               <a:ext uri="{FF2B5EF4-FFF2-40B4-BE49-F238E27FC236}">
-                <a16:creationId xmlns="" xmlns:a16="http://schemas.microsoft.com/office/drawing/2014/main" id="{5B11E60C-383E-4752-AAC7-4D0B3FA81780}"/>
+                <a16:creationId xmlns:a16="http://schemas.microsoft.com/office/drawing/2014/main" xmlns="" id="{5B11E60C-383E-4752-AAC7-4D0B3FA81780}"/>
               </a:ext>
             </a:extLst>
           </p:cNvPr>
@@ -2093,7 +2093,7 @@
           <p:cNvPr id="5" name="Text Placeholder 4">
             <a:extLst>
               <a:ext uri="{FF2B5EF4-FFF2-40B4-BE49-F238E27FC236}">
-                <a16:creationId xmlns="" xmlns:a16="http://schemas.microsoft.com/office/drawing/2014/main" id="{66B61BD6-6302-4813-867C-D0AAEEE20034}"/>
+                <a16:creationId xmlns:a16="http://schemas.microsoft.com/office/drawing/2014/main" xmlns="" id="{66B61BD6-6302-4813-867C-D0AAEEE20034}"/>
               </a:ext>
             </a:extLst>
           </p:cNvPr>
@@ -2164,7 +2164,7 @@
           <p:cNvPr id="6" name="Content Placeholder 5">
             <a:extLst>
               <a:ext uri="{FF2B5EF4-FFF2-40B4-BE49-F238E27FC236}">
-                <a16:creationId xmlns="" xmlns:a16="http://schemas.microsoft.com/office/drawing/2014/main" id="{2DF16956-D767-410D-AAFD-FBDA7772B667}"/>
+                <a16:creationId xmlns:a16="http://schemas.microsoft.com/office/drawing/2014/main" xmlns="" id="{2DF16956-D767-410D-AAFD-FBDA7772B667}"/>
               </a:ext>
             </a:extLst>
           </p:cNvPr>
@@ -2227,7 +2227,7 @@
           <p:cNvPr id="7" name="Date Placeholder 6">
             <a:extLst>
               <a:ext uri="{FF2B5EF4-FFF2-40B4-BE49-F238E27FC236}">
-                <a16:creationId xmlns="" xmlns:a16="http://schemas.microsoft.com/office/drawing/2014/main" id="{96D7FCDA-4AC0-4681-AE6C-03F9DBAEEE60}"/>
+                <a16:creationId xmlns:a16="http://schemas.microsoft.com/office/drawing/2014/main" xmlns="" id="{96D7FCDA-4AC0-4681-AE6C-03F9DBAEEE60}"/>
               </a:ext>
             </a:extLst>
           </p:cNvPr>
@@ -2245,7 +2245,7 @@
           <a:p>
             <a:fld id="{664F21D5-2AAA-408A-910B-555FC11A1CF7}" type="datetime1">
               <a:rPr lang="en-IN" smtClean="0"/>
-              <a:t>27-05-2021</a:t>
+              <a:t>14-06-2021</a:t>
             </a:fld>
             <a:endParaRPr lang="en-IN"/>
           </a:p>
@@ -2256,7 +2256,7 @@
           <p:cNvPr id="8" name="Footer Placeholder 7">
             <a:extLst>
               <a:ext uri="{FF2B5EF4-FFF2-40B4-BE49-F238E27FC236}">
-                <a16:creationId xmlns="" xmlns:a16="http://schemas.microsoft.com/office/drawing/2014/main" id="{3BD46444-BBA5-497F-AA32-5A16AAB20EA5}"/>
+                <a16:creationId xmlns:a16="http://schemas.microsoft.com/office/drawing/2014/main" xmlns="" id="{3BD46444-BBA5-497F-AA32-5A16AAB20EA5}"/>
               </a:ext>
             </a:extLst>
           </p:cNvPr>
@@ -2285,7 +2285,7 @@
           <p:cNvPr id="9" name="Slide Number Placeholder 8">
             <a:extLst>
               <a:ext uri="{FF2B5EF4-FFF2-40B4-BE49-F238E27FC236}">
-                <a16:creationId xmlns="" xmlns:a16="http://schemas.microsoft.com/office/drawing/2014/main" id="{5835D463-682D-4A5C-A63F-C5813E57712C}"/>
+                <a16:creationId xmlns:a16="http://schemas.microsoft.com/office/drawing/2014/main" xmlns="" id="{5835D463-682D-4A5C-A63F-C5813E57712C}"/>
               </a:ext>
             </a:extLst>
           </p:cNvPr>
@@ -2344,7 +2344,7 @@
           <p:cNvPr id="2" name="Title 1">
             <a:extLst>
               <a:ext uri="{FF2B5EF4-FFF2-40B4-BE49-F238E27FC236}">
-                <a16:creationId xmlns="" xmlns:a16="http://schemas.microsoft.com/office/drawing/2014/main" id="{18014203-0E89-4589-AC9B-7CBB8ACFEB0E}"/>
+                <a16:creationId xmlns:a16="http://schemas.microsoft.com/office/drawing/2014/main" xmlns="" id="{18014203-0E89-4589-AC9B-7CBB8ACFEB0E}"/>
               </a:ext>
             </a:extLst>
           </p:cNvPr>
@@ -2373,7 +2373,7 @@
           <p:cNvPr id="3" name="Date Placeholder 2">
             <a:extLst>
               <a:ext uri="{FF2B5EF4-FFF2-40B4-BE49-F238E27FC236}">
-                <a16:creationId xmlns="" xmlns:a16="http://schemas.microsoft.com/office/drawing/2014/main" id="{EA1A5BE8-6563-4A9B-A9DF-E921E64FDBCD}"/>
+                <a16:creationId xmlns:a16="http://schemas.microsoft.com/office/drawing/2014/main" xmlns="" id="{EA1A5BE8-6563-4A9B-A9DF-E921E64FDBCD}"/>
               </a:ext>
             </a:extLst>
           </p:cNvPr>
@@ -2391,7 +2391,7 @@
           <a:p>
             <a:fld id="{F356A824-9512-4355-9382-9A341080930D}" type="datetime1">
               <a:rPr lang="en-IN" smtClean="0"/>
-              <a:t>27-05-2021</a:t>
+              <a:t>14-06-2021</a:t>
             </a:fld>
             <a:endParaRPr lang="en-IN"/>
           </a:p>
@@ -2402,7 +2402,7 @@
           <p:cNvPr id="4" name="Footer Placeholder 3">
             <a:extLst>
               <a:ext uri="{FF2B5EF4-FFF2-40B4-BE49-F238E27FC236}">
-                <a16:creationId xmlns="" xmlns:a16="http://schemas.microsoft.com/office/drawing/2014/main" id="{9A1CE8E4-E1B6-4FCC-BE1D-B60BD1B1B01D}"/>
+                <a16:creationId xmlns:a16="http://schemas.microsoft.com/office/drawing/2014/main" xmlns="" id="{9A1CE8E4-E1B6-4FCC-BE1D-B60BD1B1B01D}"/>
               </a:ext>
             </a:extLst>
           </p:cNvPr>
@@ -2431,7 +2431,7 @@
           <p:cNvPr id="5" name="Slide Number Placeholder 4">
             <a:extLst>
               <a:ext uri="{FF2B5EF4-FFF2-40B4-BE49-F238E27FC236}">
-                <a16:creationId xmlns="" xmlns:a16="http://schemas.microsoft.com/office/drawing/2014/main" id="{5C17A080-59BF-4690-930A-E3838C1219EC}"/>
+                <a16:creationId xmlns:a16="http://schemas.microsoft.com/office/drawing/2014/main" xmlns="" id="{5C17A080-59BF-4690-930A-E3838C1219EC}"/>
               </a:ext>
             </a:extLst>
           </p:cNvPr>
@@ -2490,7 +2490,7 @@
           <p:cNvPr id="2" name="Date Placeholder 1">
             <a:extLst>
               <a:ext uri="{FF2B5EF4-FFF2-40B4-BE49-F238E27FC236}">
-                <a16:creationId xmlns="" xmlns:a16="http://schemas.microsoft.com/office/drawing/2014/main" id="{EEBC0457-3BA2-4C45-88B7-E219D4272972}"/>
+                <a16:creationId xmlns:a16="http://schemas.microsoft.com/office/drawing/2014/main" xmlns="" id="{EEBC0457-3BA2-4C45-88B7-E219D4272972}"/>
               </a:ext>
             </a:extLst>
           </p:cNvPr>
@@ -2508,7 +2508,7 @@
           <a:p>
             <a:fld id="{61D5D980-7089-4CCA-A615-7CE5DE2E0A24}" type="datetime1">
               <a:rPr lang="en-IN" smtClean="0"/>
-              <a:t>27-05-2021</a:t>
+              <a:t>14-06-2021</a:t>
             </a:fld>
             <a:endParaRPr lang="en-IN"/>
           </a:p>
@@ -2519,7 +2519,7 @@
           <p:cNvPr id="3" name="Footer Placeholder 2">
             <a:extLst>
               <a:ext uri="{FF2B5EF4-FFF2-40B4-BE49-F238E27FC236}">
-                <a16:creationId xmlns="" xmlns:a16="http://schemas.microsoft.com/office/drawing/2014/main" id="{3BDC4564-BA34-4AF2-87DE-426509FD1319}"/>
+                <a16:creationId xmlns:a16="http://schemas.microsoft.com/office/drawing/2014/main" xmlns="" id="{3BDC4564-BA34-4AF2-87DE-426509FD1319}"/>
               </a:ext>
             </a:extLst>
           </p:cNvPr>
@@ -2548,7 +2548,7 @@
           <p:cNvPr id="4" name="Slide Number Placeholder 3">
             <a:extLst>
               <a:ext uri="{FF2B5EF4-FFF2-40B4-BE49-F238E27FC236}">
-                <a16:creationId xmlns="" xmlns:a16="http://schemas.microsoft.com/office/drawing/2014/main" id="{6771982A-07E2-45C5-A479-D2B8CF937139}"/>
+                <a16:creationId xmlns:a16="http://schemas.microsoft.com/office/drawing/2014/main" xmlns="" id="{6771982A-07E2-45C5-A479-D2B8CF937139}"/>
               </a:ext>
             </a:extLst>
           </p:cNvPr>
@@ -2607,7 +2607,7 @@
           <p:cNvPr id="2" name="Title 1">
             <a:extLst>
               <a:ext uri="{FF2B5EF4-FFF2-40B4-BE49-F238E27FC236}">
-                <a16:creationId xmlns="" xmlns:a16="http://schemas.microsoft.com/office/drawing/2014/main" id="{C906415D-865A-4910-87F5-700C462242D4}"/>
+                <a16:creationId xmlns:a16="http://schemas.microsoft.com/office/drawing/2014/main" xmlns="" id="{C906415D-865A-4910-87F5-700C462242D4}"/>
               </a:ext>
             </a:extLst>
           </p:cNvPr>
@@ -2645,7 +2645,7 @@
           <p:cNvPr id="3" name="Content Placeholder 2">
             <a:extLst>
               <a:ext uri="{FF2B5EF4-FFF2-40B4-BE49-F238E27FC236}">
-                <a16:creationId xmlns="" xmlns:a16="http://schemas.microsoft.com/office/drawing/2014/main" id="{57825CFD-6151-4A9A-928C-5B14495EE293}"/>
+                <a16:creationId xmlns:a16="http://schemas.microsoft.com/office/drawing/2014/main" xmlns="" id="{57825CFD-6151-4A9A-928C-5B14495EE293}"/>
               </a:ext>
             </a:extLst>
           </p:cNvPr>
@@ -2736,7 +2736,7 @@
           <p:cNvPr id="4" name="Text Placeholder 3">
             <a:extLst>
               <a:ext uri="{FF2B5EF4-FFF2-40B4-BE49-F238E27FC236}">
-                <a16:creationId xmlns="" xmlns:a16="http://schemas.microsoft.com/office/drawing/2014/main" id="{2DD50256-14A9-4760-867F-54FFAC07EE4D}"/>
+                <a16:creationId xmlns:a16="http://schemas.microsoft.com/office/drawing/2014/main" xmlns="" id="{2DD50256-14A9-4760-867F-54FFAC07EE4D}"/>
               </a:ext>
             </a:extLst>
           </p:cNvPr>
@@ -2807,7 +2807,7 @@
           <p:cNvPr id="5" name="Date Placeholder 4">
             <a:extLst>
               <a:ext uri="{FF2B5EF4-FFF2-40B4-BE49-F238E27FC236}">
-                <a16:creationId xmlns="" xmlns:a16="http://schemas.microsoft.com/office/drawing/2014/main" id="{AD30F158-1CCF-4187-B626-F3C2F7B23D97}"/>
+                <a16:creationId xmlns:a16="http://schemas.microsoft.com/office/drawing/2014/main" xmlns="" id="{AD30F158-1CCF-4187-B626-F3C2F7B23D97}"/>
               </a:ext>
             </a:extLst>
           </p:cNvPr>
@@ -2825,7 +2825,7 @@
           <a:p>
             <a:fld id="{BCBBCC49-34F1-4143-A247-5BD173D4A05B}" type="datetime1">
               <a:rPr lang="en-IN" smtClean="0"/>
-              <a:t>27-05-2021</a:t>
+              <a:t>14-06-2021</a:t>
             </a:fld>
             <a:endParaRPr lang="en-IN"/>
           </a:p>
@@ -2836,7 +2836,7 @@
           <p:cNvPr id="6" name="Footer Placeholder 5">
             <a:extLst>
               <a:ext uri="{FF2B5EF4-FFF2-40B4-BE49-F238E27FC236}">
-                <a16:creationId xmlns="" xmlns:a16="http://schemas.microsoft.com/office/drawing/2014/main" id="{4512C3F2-F875-4CB4-9457-F9A1515D0EC7}"/>
+                <a16:creationId xmlns:a16="http://schemas.microsoft.com/office/drawing/2014/main" xmlns="" id="{4512C3F2-F875-4CB4-9457-F9A1515D0EC7}"/>
               </a:ext>
             </a:extLst>
           </p:cNvPr>
@@ -2865,7 +2865,7 @@
           <p:cNvPr id="7" name="Slide Number Placeholder 6">
             <a:extLst>
               <a:ext uri="{FF2B5EF4-FFF2-40B4-BE49-F238E27FC236}">
-                <a16:creationId xmlns="" xmlns:a16="http://schemas.microsoft.com/office/drawing/2014/main" id="{AA3CE853-B5FE-4227-AF0F-664B0F6ED8B7}"/>
+                <a16:creationId xmlns:a16="http://schemas.microsoft.com/office/drawing/2014/main" xmlns="" id="{AA3CE853-B5FE-4227-AF0F-664B0F6ED8B7}"/>
               </a:ext>
             </a:extLst>
           </p:cNvPr>
@@ -2924,7 +2924,7 @@
           <p:cNvPr id="2" name="Title 1">
             <a:extLst>
               <a:ext uri="{FF2B5EF4-FFF2-40B4-BE49-F238E27FC236}">
-                <a16:creationId xmlns="" xmlns:a16="http://schemas.microsoft.com/office/drawing/2014/main" id="{80D99D6D-E397-499B-80A1-FCCB8CD81661}"/>
+                <a16:creationId xmlns:a16="http://schemas.microsoft.com/office/drawing/2014/main" xmlns="" id="{80D99D6D-E397-499B-80A1-FCCB8CD81661}"/>
               </a:ext>
             </a:extLst>
           </p:cNvPr>
@@ -2962,7 +2962,7 @@
           <p:cNvPr id="3" name="Picture Placeholder 2">
             <a:extLst>
               <a:ext uri="{FF2B5EF4-FFF2-40B4-BE49-F238E27FC236}">
-                <a16:creationId xmlns="" xmlns:a16="http://schemas.microsoft.com/office/drawing/2014/main" id="{56722E0C-C01F-432B-9A07-4394593E69CC}"/>
+                <a16:creationId xmlns:a16="http://schemas.microsoft.com/office/drawing/2014/main" xmlns="" id="{56722E0C-C01F-432B-9A07-4394593E69CC}"/>
               </a:ext>
             </a:extLst>
           </p:cNvPr>
@@ -3029,7 +3029,7 @@
           <p:cNvPr id="4" name="Text Placeholder 3">
             <a:extLst>
               <a:ext uri="{FF2B5EF4-FFF2-40B4-BE49-F238E27FC236}">
-                <a16:creationId xmlns="" xmlns:a16="http://schemas.microsoft.com/office/drawing/2014/main" id="{EBA23BD5-F29F-48AE-A588-72C8B39B7160}"/>
+                <a16:creationId xmlns:a16="http://schemas.microsoft.com/office/drawing/2014/main" xmlns="" id="{EBA23BD5-F29F-48AE-A588-72C8B39B7160}"/>
               </a:ext>
             </a:extLst>
           </p:cNvPr>
@@ -3100,7 +3100,7 @@
           <p:cNvPr id="5" name="Date Placeholder 4">
             <a:extLst>
               <a:ext uri="{FF2B5EF4-FFF2-40B4-BE49-F238E27FC236}">
-                <a16:creationId xmlns="" xmlns:a16="http://schemas.microsoft.com/office/drawing/2014/main" id="{DB18EA2F-8D4B-4FFD-8168-B65B7F82DF86}"/>
+                <a16:creationId xmlns:a16="http://schemas.microsoft.com/office/drawing/2014/main" xmlns="" id="{DB18EA2F-8D4B-4FFD-8168-B65B7F82DF86}"/>
               </a:ext>
             </a:extLst>
           </p:cNvPr>
@@ -3118,7 +3118,7 @@
           <a:p>
             <a:fld id="{2D62E49B-383D-4FEF-83E3-8391B88BD48A}" type="datetime1">
               <a:rPr lang="en-IN" smtClean="0"/>
-              <a:t>27-05-2021</a:t>
+              <a:t>14-06-2021</a:t>
             </a:fld>
             <a:endParaRPr lang="en-IN"/>
           </a:p>
@@ -3129,7 +3129,7 @@
           <p:cNvPr id="6" name="Footer Placeholder 5">
             <a:extLst>
               <a:ext uri="{FF2B5EF4-FFF2-40B4-BE49-F238E27FC236}">
-                <a16:creationId xmlns="" xmlns:a16="http://schemas.microsoft.com/office/drawing/2014/main" id="{8AA3483C-4BE1-456C-A6A4-4239387D691F}"/>
+                <a16:creationId xmlns:a16="http://schemas.microsoft.com/office/drawing/2014/main" xmlns="" id="{8AA3483C-4BE1-456C-A6A4-4239387D691F}"/>
               </a:ext>
             </a:extLst>
           </p:cNvPr>
@@ -3158,7 +3158,7 @@
           <p:cNvPr id="7" name="Slide Number Placeholder 6">
             <a:extLst>
               <a:ext uri="{FF2B5EF4-FFF2-40B4-BE49-F238E27FC236}">
-                <a16:creationId xmlns="" xmlns:a16="http://schemas.microsoft.com/office/drawing/2014/main" id="{7C032B66-311F-43C3-A0AB-4512D5F17D69}"/>
+                <a16:creationId xmlns:a16="http://schemas.microsoft.com/office/drawing/2014/main" xmlns="" id="{7C032B66-311F-43C3-A0AB-4512D5F17D69}"/>
               </a:ext>
             </a:extLst>
           </p:cNvPr>
@@ -3222,7 +3222,7 @@
           <p:cNvPr id="2" name="Title Placeholder 1">
             <a:extLst>
               <a:ext uri="{FF2B5EF4-FFF2-40B4-BE49-F238E27FC236}">
-                <a16:creationId xmlns="" xmlns:a16="http://schemas.microsoft.com/office/drawing/2014/main" id="{1AE5B7F7-712F-49D6-9569-DF86C5A96A89}"/>
+                <a16:creationId xmlns:a16="http://schemas.microsoft.com/office/drawing/2014/main" xmlns="" id="{1AE5B7F7-712F-49D6-9569-DF86C5A96A89}"/>
               </a:ext>
             </a:extLst>
           </p:cNvPr>
@@ -3261,7 +3261,7 @@
           <p:cNvPr id="3" name="Text Placeholder 2">
             <a:extLst>
               <a:ext uri="{FF2B5EF4-FFF2-40B4-BE49-F238E27FC236}">
-                <a16:creationId xmlns="" xmlns:a16="http://schemas.microsoft.com/office/drawing/2014/main" id="{B9F23EA2-C30F-43FD-A4C2-02AE6A315DB8}"/>
+                <a16:creationId xmlns:a16="http://schemas.microsoft.com/office/drawing/2014/main" xmlns="" id="{B9F23EA2-C30F-43FD-A4C2-02AE6A315DB8}"/>
               </a:ext>
             </a:extLst>
           </p:cNvPr>
@@ -3329,7 +3329,7 @@
           <p:cNvPr id="4" name="Date Placeholder 3">
             <a:extLst>
               <a:ext uri="{FF2B5EF4-FFF2-40B4-BE49-F238E27FC236}">
-                <a16:creationId xmlns="" xmlns:a16="http://schemas.microsoft.com/office/drawing/2014/main" id="{52CE41F2-C832-43D8-B69F-F49E7AADEF6E}"/>
+                <a16:creationId xmlns:a16="http://schemas.microsoft.com/office/drawing/2014/main" xmlns="" id="{52CE41F2-C832-43D8-B69F-F49E7AADEF6E}"/>
               </a:ext>
             </a:extLst>
           </p:cNvPr>
@@ -3365,7 +3365,7 @@
           <a:p>
             <a:fld id="{95403040-39FF-48B5-9AA8-D98B49EA5B67}" type="datetime1">
               <a:rPr lang="en-IN" smtClean="0"/>
-              <a:t>27-05-2021</a:t>
+              <a:t>14-06-2021</a:t>
             </a:fld>
             <a:endParaRPr lang="en-IN"/>
           </a:p>
@@ -3376,7 +3376,7 @@
           <p:cNvPr id="5" name="Footer Placeholder 4">
             <a:extLst>
               <a:ext uri="{FF2B5EF4-FFF2-40B4-BE49-F238E27FC236}">
-                <a16:creationId xmlns="" xmlns:a16="http://schemas.microsoft.com/office/drawing/2014/main" id="{16C0C3F3-C749-4F32-9EA1-BDF5BCF5F2D1}"/>
+                <a16:creationId xmlns:a16="http://schemas.microsoft.com/office/drawing/2014/main" xmlns="" id="{16C0C3F3-C749-4F32-9EA1-BDF5BCF5F2D1}"/>
               </a:ext>
             </a:extLst>
           </p:cNvPr>
@@ -3423,7 +3423,7 @@
           <p:cNvPr id="6" name="Slide Number Placeholder 5">
             <a:extLst>
               <a:ext uri="{FF2B5EF4-FFF2-40B4-BE49-F238E27FC236}">
-                <a16:creationId xmlns="" xmlns:a16="http://schemas.microsoft.com/office/drawing/2014/main" id="{DF4FB91D-C6B8-421D-81EB-651EAD2A8364}"/>
+                <a16:creationId xmlns:a16="http://schemas.microsoft.com/office/drawing/2014/main" xmlns="" id="{DF4FB91D-C6B8-421D-81EB-651EAD2A8364}"/>
               </a:ext>
             </a:extLst>
           </p:cNvPr>
@@ -3792,7 +3792,7 @@
           <p:cNvPr id="2" name="Title 1">
             <a:extLst>
               <a:ext uri="{FF2B5EF4-FFF2-40B4-BE49-F238E27FC236}">
-                <a16:creationId xmlns="" xmlns:a16="http://schemas.microsoft.com/office/drawing/2014/main" id="{0B983FEF-B0DF-4375-9F52-1D18A58B79C9}"/>
+                <a16:creationId xmlns:a16="http://schemas.microsoft.com/office/drawing/2014/main" xmlns="" id="{0B983FEF-B0DF-4375-9F52-1D18A58B79C9}"/>
               </a:ext>
             </a:extLst>
           </p:cNvPr>
@@ -3805,7 +3805,7 @@
         </p:nvSpPr>
         <p:spPr>
           <a:xfrm>
-            <a:off x="1524000" y="1678955"/>
+            <a:off x="1524000" y="916955"/>
             <a:ext cx="9144000" cy="2387600"/>
           </a:xfrm>
         </p:spPr>
@@ -3827,7 +3827,7 @@
           <p:cNvPr id="3" name="Subtitle 2">
             <a:extLst>
               <a:ext uri="{FF2B5EF4-FFF2-40B4-BE49-F238E27FC236}">
-                <a16:creationId xmlns="" xmlns:a16="http://schemas.microsoft.com/office/drawing/2014/main" id="{1A2A60DB-2279-441D-8885-2771CB5128AF}"/>
+                <a16:creationId xmlns:a16="http://schemas.microsoft.com/office/drawing/2014/main" xmlns="" id="{1A2A60DB-2279-441D-8885-2771CB5128AF}"/>
               </a:ext>
             </a:extLst>
           </p:cNvPr>
@@ -3840,18 +3840,55 @@
         </p:nvSpPr>
         <p:spPr>
           <a:xfrm>
-            <a:off x="1524000" y="4436925"/>
-            <a:ext cx="9144000" cy="1655762"/>
+            <a:off x="1524000" y="3659684"/>
+            <a:ext cx="9144000" cy="2527755"/>
           </a:xfrm>
         </p:spPr>
         <p:txBody>
-          <a:bodyPr/>
+          <a:bodyPr>
+            <a:normAutofit/>
+          </a:bodyPr>
           <a:lstStyle/>
           <a:p>
             <a:r>
               <a:rPr lang="en-IN" dirty="0"/>
-              <a:t>Sanjay Singh</a:t>
-            </a:r>
+              <a:t>Sanjay </a:t>
+            </a:r>
+            <a:r>
+              <a:rPr lang="en-IN" dirty="0" smtClean="0"/>
+              <a:t>Singh</a:t>
+            </a:r>
+          </a:p>
+          <a:p>
+            <a:r>
+              <a:rPr lang="en-IN" dirty="0" smtClean="0"/>
+              <a:t>Dec-2019 to Sep-2020</a:t>
+            </a:r>
+          </a:p>
+          <a:p>
+            <a:r>
+              <a:rPr lang="en-IN" dirty="0" err="1" smtClean="0"/>
+              <a:t>Jio</a:t>
+            </a:r>
+            <a:r>
+              <a:rPr lang="en-IN" dirty="0" smtClean="0"/>
+              <a:t> Platforms Ltd. – </a:t>
+            </a:r>
+            <a:r>
+              <a:rPr lang="en-IN" dirty="0" err="1" smtClean="0"/>
+              <a:t>Navi</a:t>
+            </a:r>
+            <a:r>
+              <a:rPr lang="en-IN" dirty="0" smtClean="0"/>
+              <a:t> Mumbai (M.H</a:t>
+            </a:r>
+            <a:r>
+              <a:rPr lang="en-IN" smtClean="0"/>
+              <a:t>), India</a:t>
+            </a:r>
+          </a:p>
+          <a:p>
+            <a:endParaRPr lang="en-IN" dirty="0"/>
           </a:p>
           <a:p>
             <a:r>
@@ -3866,7 +3903,7 @@
           <p:cNvPr id="4" name="Footer Placeholder 3">
             <a:extLst>
               <a:ext uri="{FF2B5EF4-FFF2-40B4-BE49-F238E27FC236}">
-                <a16:creationId xmlns="" xmlns:a16="http://schemas.microsoft.com/office/drawing/2014/main" id="{2508C9A7-6855-4D15-8EB4-41AA058C5DD7}"/>
+                <a16:creationId xmlns:a16="http://schemas.microsoft.com/office/drawing/2014/main" xmlns="" id="{2508C9A7-6855-4D15-8EB4-41AA058C5DD7}"/>
               </a:ext>
             </a:extLst>
           </p:cNvPr>
@@ -3895,7 +3932,7 @@
           <p:cNvPr id="5" name="Slide Number Placeholder 4">
             <a:extLst>
               <a:ext uri="{FF2B5EF4-FFF2-40B4-BE49-F238E27FC236}">
-                <a16:creationId xmlns="" xmlns:a16="http://schemas.microsoft.com/office/drawing/2014/main" id="{00F6A3EF-20DA-497B-A31B-F0824C635938}"/>
+                <a16:creationId xmlns:a16="http://schemas.microsoft.com/office/drawing/2014/main" xmlns="" id="{00F6A3EF-20DA-497B-A31B-F0824C635938}"/>
               </a:ext>
             </a:extLst>
           </p:cNvPr>
@@ -3961,7 +3998,7 @@
           <p:cNvPr id="2" name="Title 1">
             <a:extLst>
               <a:ext uri="{FF2B5EF4-FFF2-40B4-BE49-F238E27FC236}">
-                <a16:creationId xmlns="" xmlns:a16="http://schemas.microsoft.com/office/drawing/2014/main" id="{9F53C0E6-5CA5-48E1-B370-E678425399F4}"/>
+                <a16:creationId xmlns:a16="http://schemas.microsoft.com/office/drawing/2014/main" xmlns="" id="{9F53C0E6-5CA5-48E1-B370-E678425399F4}"/>
               </a:ext>
             </a:extLst>
           </p:cNvPr>
@@ -3994,7 +4031,7 @@
           <p:cNvPr id="3" name="Content Placeholder 2">
             <a:extLst>
               <a:ext uri="{FF2B5EF4-FFF2-40B4-BE49-F238E27FC236}">
-                <a16:creationId xmlns="" xmlns:a16="http://schemas.microsoft.com/office/drawing/2014/main" id="{F0A4581A-26B3-40E7-A945-90C4D9B58292}"/>
+                <a16:creationId xmlns:a16="http://schemas.microsoft.com/office/drawing/2014/main" xmlns="" id="{F0A4581A-26B3-40E7-A945-90C4D9B58292}"/>
               </a:ext>
             </a:extLst>
           </p:cNvPr>
@@ -4203,7 +4240,7 @@
           <p:cNvPr id="4" name="Footer Placeholder 3">
             <a:extLst>
               <a:ext uri="{FF2B5EF4-FFF2-40B4-BE49-F238E27FC236}">
-                <a16:creationId xmlns="" xmlns:a16="http://schemas.microsoft.com/office/drawing/2014/main" id="{540972A1-4BB3-4D04-B4DF-C76BA9B5CAD8}"/>
+                <a16:creationId xmlns:a16="http://schemas.microsoft.com/office/drawing/2014/main" xmlns="" id="{540972A1-4BB3-4D04-B4DF-C76BA9B5CAD8}"/>
               </a:ext>
             </a:extLst>
           </p:cNvPr>
@@ -4232,7 +4269,7 @@
           <p:cNvPr id="5" name="Slide Number Placeholder 4">
             <a:extLst>
               <a:ext uri="{FF2B5EF4-FFF2-40B4-BE49-F238E27FC236}">
-                <a16:creationId xmlns="" xmlns:a16="http://schemas.microsoft.com/office/drawing/2014/main" id="{23B5C741-F1AB-463E-B229-974B2924B065}"/>
+                <a16:creationId xmlns:a16="http://schemas.microsoft.com/office/drawing/2014/main" xmlns="" id="{23B5C741-F1AB-463E-B229-974B2924B065}"/>
               </a:ext>
             </a:extLst>
           </p:cNvPr>
@@ -4263,7 +4300,7 @@
               <p:cNvPr id="6" name="TextBox 5">
                 <a:extLst>
                   <a:ext uri="{FF2B5EF4-FFF2-40B4-BE49-F238E27FC236}">
-                    <a16:creationId xmlns="" xmlns:a16="http://schemas.microsoft.com/office/drawing/2014/main" id="{3B7D199C-87B8-4A4A-8528-5D7137997D35}"/>
+                    <a16:creationId xmlns:a16="http://schemas.microsoft.com/office/drawing/2014/main" xmlns="" id="{3B7D199C-87B8-4A4A-8528-5D7137997D35}"/>
                   </a:ext>
                 </a:extLst>
               </p:cNvPr>
@@ -4524,7 +4561,7 @@
               <p:cNvPr id="7" name="TextBox 6">
                 <a:extLst>
                   <a:ext uri="{FF2B5EF4-FFF2-40B4-BE49-F238E27FC236}">
-                    <a16:creationId xmlns="" xmlns:a16="http://schemas.microsoft.com/office/drawing/2014/main" id="{A9E66421-BD90-4084-9F9B-6ABE27CAF5BD}"/>
+                    <a16:creationId xmlns:a16="http://schemas.microsoft.com/office/drawing/2014/main" xmlns="" id="{A9E66421-BD90-4084-9F9B-6ABE27CAF5BD}"/>
                   </a:ext>
                 </a:extLst>
               </p:cNvPr>
@@ -4845,7 +4882,7 @@
               <p:cNvPr id="8" name="TextBox 7">
                 <a:extLst>
                   <a:ext uri="{FF2B5EF4-FFF2-40B4-BE49-F238E27FC236}">
-                    <a16:creationId xmlns="" xmlns:a16="http://schemas.microsoft.com/office/drawing/2014/main" id="{1C685DB0-6F52-425A-A009-34864907B0A1}"/>
+                    <a16:creationId xmlns:a16="http://schemas.microsoft.com/office/drawing/2014/main" xmlns="" id="{1C685DB0-6F52-425A-A009-34864907B0A1}"/>
                   </a:ext>
                 </a:extLst>
               </p:cNvPr>
@@ -5118,7 +5155,7 @@
               <p:cNvPr id="9" name="TextBox 8">
                 <a:extLst>
                   <a:ext uri="{FF2B5EF4-FFF2-40B4-BE49-F238E27FC236}">
-                    <a16:creationId xmlns="" xmlns:a16="http://schemas.microsoft.com/office/drawing/2014/main" id="{3DAB24E0-EDF4-4C3C-8A39-C4846E7D141A}"/>
+                    <a16:creationId xmlns:a16="http://schemas.microsoft.com/office/drawing/2014/main" xmlns="" id="{3DAB24E0-EDF4-4C3C-8A39-C4846E7D141A}"/>
                   </a:ext>
                 </a:extLst>
               </p:cNvPr>
@@ -5474,7 +5511,7 @@
           <p:cNvPr id="2" name="Title 1">
             <a:extLst>
               <a:ext uri="{FF2B5EF4-FFF2-40B4-BE49-F238E27FC236}">
-                <a16:creationId xmlns="" xmlns:a16="http://schemas.microsoft.com/office/drawing/2014/main" id="{9F53C0E6-5CA5-48E1-B370-E678425399F4}"/>
+                <a16:creationId xmlns:a16="http://schemas.microsoft.com/office/drawing/2014/main" xmlns="" id="{9F53C0E6-5CA5-48E1-B370-E678425399F4}"/>
               </a:ext>
             </a:extLst>
           </p:cNvPr>
@@ -5509,7 +5546,7 @@
               <p:cNvPr id="3" name="Content Placeholder 2">
                 <a:extLst>
                   <a:ext uri="{FF2B5EF4-FFF2-40B4-BE49-F238E27FC236}">
-                    <a16:creationId xmlns="" xmlns:a16="http://schemas.microsoft.com/office/drawing/2014/main" id="{F0A4581A-26B3-40E7-A945-90C4D9B58292}"/>
+                    <a16:creationId xmlns:a16="http://schemas.microsoft.com/office/drawing/2014/main" xmlns="" id="{F0A4581A-26B3-40E7-A945-90C4D9B58292}"/>
                   </a:ext>
                 </a:extLst>
               </p:cNvPr>
@@ -6068,7 +6105,7 @@
           <p:cNvPr id="4" name="Footer Placeholder 3">
             <a:extLst>
               <a:ext uri="{FF2B5EF4-FFF2-40B4-BE49-F238E27FC236}">
-                <a16:creationId xmlns="" xmlns:a16="http://schemas.microsoft.com/office/drawing/2014/main" id="{540972A1-4BB3-4D04-B4DF-C76BA9B5CAD8}"/>
+                <a16:creationId xmlns:a16="http://schemas.microsoft.com/office/drawing/2014/main" xmlns="" id="{540972A1-4BB3-4D04-B4DF-C76BA9B5CAD8}"/>
               </a:ext>
             </a:extLst>
           </p:cNvPr>
@@ -6097,7 +6134,7 @@
           <p:cNvPr id="5" name="Slide Number Placeholder 4">
             <a:extLst>
               <a:ext uri="{FF2B5EF4-FFF2-40B4-BE49-F238E27FC236}">
-                <a16:creationId xmlns="" xmlns:a16="http://schemas.microsoft.com/office/drawing/2014/main" id="{23B5C741-F1AB-463E-B229-974B2924B065}"/>
+                <a16:creationId xmlns:a16="http://schemas.microsoft.com/office/drawing/2014/main" xmlns="" id="{23B5C741-F1AB-463E-B229-974B2924B065}"/>
               </a:ext>
             </a:extLst>
           </p:cNvPr>
@@ -6163,7 +6200,7 @@
           <p:cNvPr id="2" name="Title 1">
             <a:extLst>
               <a:ext uri="{FF2B5EF4-FFF2-40B4-BE49-F238E27FC236}">
-                <a16:creationId xmlns="" xmlns:a16="http://schemas.microsoft.com/office/drawing/2014/main" id="{9F53C0E6-5CA5-48E1-B370-E678425399F4}"/>
+                <a16:creationId xmlns:a16="http://schemas.microsoft.com/office/drawing/2014/main" xmlns="" id="{9F53C0E6-5CA5-48E1-B370-E678425399F4}"/>
               </a:ext>
             </a:extLst>
           </p:cNvPr>
@@ -6198,7 +6235,7 @@
               <p:cNvPr id="3" name="Content Placeholder 2">
                 <a:extLst>
                   <a:ext uri="{FF2B5EF4-FFF2-40B4-BE49-F238E27FC236}">
-                    <a16:creationId xmlns="" xmlns:a16="http://schemas.microsoft.com/office/drawing/2014/main" id="{F0A4581A-26B3-40E7-A945-90C4D9B58292}"/>
+                    <a16:creationId xmlns:a16="http://schemas.microsoft.com/office/drawing/2014/main" xmlns="" id="{F0A4581A-26B3-40E7-A945-90C4D9B58292}"/>
                   </a:ext>
                 </a:extLst>
               </p:cNvPr>
@@ -6623,7 +6660,7 @@
           <p:cNvPr id="4" name="Footer Placeholder 3">
             <a:extLst>
               <a:ext uri="{FF2B5EF4-FFF2-40B4-BE49-F238E27FC236}">
-                <a16:creationId xmlns="" xmlns:a16="http://schemas.microsoft.com/office/drawing/2014/main" id="{540972A1-4BB3-4D04-B4DF-C76BA9B5CAD8}"/>
+                <a16:creationId xmlns:a16="http://schemas.microsoft.com/office/drawing/2014/main" xmlns="" id="{540972A1-4BB3-4D04-B4DF-C76BA9B5CAD8}"/>
               </a:ext>
             </a:extLst>
           </p:cNvPr>
@@ -6652,7 +6689,7 @@
           <p:cNvPr id="5" name="Slide Number Placeholder 4">
             <a:extLst>
               <a:ext uri="{FF2B5EF4-FFF2-40B4-BE49-F238E27FC236}">
-                <a16:creationId xmlns="" xmlns:a16="http://schemas.microsoft.com/office/drawing/2014/main" id="{23B5C741-F1AB-463E-B229-974B2924B065}"/>
+                <a16:creationId xmlns:a16="http://schemas.microsoft.com/office/drawing/2014/main" xmlns="" id="{23B5C741-F1AB-463E-B229-974B2924B065}"/>
               </a:ext>
             </a:extLst>
           </p:cNvPr>
@@ -6681,7 +6718,7 @@
           <p:cNvPr id="6" name="Table 6">
             <a:extLst>
               <a:ext uri="{FF2B5EF4-FFF2-40B4-BE49-F238E27FC236}">
-                <a16:creationId xmlns="" xmlns:a16="http://schemas.microsoft.com/office/drawing/2014/main" id="{08CE9452-00C6-4E2F-AF96-8DB070484659}"/>
+                <a16:creationId xmlns:a16="http://schemas.microsoft.com/office/drawing/2014/main" xmlns="" id="{08CE9452-00C6-4E2F-AF96-8DB070484659}"/>
               </a:ext>
             </a:extLst>
           </p:cNvPr>
@@ -6715,14 +6752,14 @@
                 <a:gridCol w="613173">
                   <a:extLst>
                     <a:ext uri="{9D8B030D-6E8A-4147-A177-3AD203B41FA5}">
-                      <a16:colId xmlns="" xmlns:a16="http://schemas.microsoft.com/office/drawing/2014/main" val="953926796"/>
+                      <a16:colId xmlns:a16="http://schemas.microsoft.com/office/drawing/2014/main" xmlns="" val="953926796"/>
                     </a:ext>
                   </a:extLst>
                 </a:gridCol>
                 <a:gridCol w="9371236">
                   <a:extLst>
                     <a:ext uri="{9D8B030D-6E8A-4147-A177-3AD203B41FA5}">
-                      <a16:colId xmlns="" xmlns:a16="http://schemas.microsoft.com/office/drawing/2014/main" val="319029335"/>
+                      <a16:colId xmlns:a16="http://schemas.microsoft.com/office/drawing/2014/main" xmlns="" val="319029335"/>
                     </a:ext>
                   </a:extLst>
                 </a:gridCol>
@@ -6838,7 +6875,7 @@
                 </a:tc>
                 <a:extLst>
                   <a:ext uri="{0D108BD9-81ED-4DB2-BD59-A6C34878D82A}">
-                    <a16:rowId xmlns="" xmlns:a16="http://schemas.microsoft.com/office/drawing/2014/main" val="3454209587"/>
+                    <a16:rowId xmlns:a16="http://schemas.microsoft.com/office/drawing/2014/main" xmlns="" val="3454209587"/>
                   </a:ext>
                 </a:extLst>
               </a:tr>
@@ -6977,7 +7014,7 @@
                 </a:tc>
                 <a:extLst>
                   <a:ext uri="{0D108BD9-81ED-4DB2-BD59-A6C34878D82A}">
-                    <a16:rowId xmlns="" xmlns:a16="http://schemas.microsoft.com/office/drawing/2014/main" val="292879483"/>
+                    <a16:rowId xmlns:a16="http://schemas.microsoft.com/office/drawing/2014/main" xmlns="" val="292879483"/>
                   </a:ext>
                 </a:extLst>
               </a:tr>
@@ -7116,7 +7153,7 @@
                 </a:tc>
                 <a:extLst>
                   <a:ext uri="{0D108BD9-81ED-4DB2-BD59-A6C34878D82A}">
-                    <a16:rowId xmlns="" xmlns:a16="http://schemas.microsoft.com/office/drawing/2014/main" val="3295560409"/>
+                    <a16:rowId xmlns:a16="http://schemas.microsoft.com/office/drawing/2014/main" xmlns="" val="3295560409"/>
                   </a:ext>
                 </a:extLst>
               </a:tr>
@@ -7166,7 +7203,7 @@
           <p:cNvPr id="2" name="Title 1">
             <a:extLst>
               <a:ext uri="{FF2B5EF4-FFF2-40B4-BE49-F238E27FC236}">
-                <a16:creationId xmlns="" xmlns:a16="http://schemas.microsoft.com/office/drawing/2014/main" id="{9F53C0E6-5CA5-48E1-B370-E678425399F4}"/>
+                <a16:creationId xmlns:a16="http://schemas.microsoft.com/office/drawing/2014/main" xmlns="" id="{9F53C0E6-5CA5-48E1-B370-E678425399F4}"/>
               </a:ext>
             </a:extLst>
           </p:cNvPr>
@@ -7199,7 +7236,7 @@
           <p:cNvPr id="3" name="Content Placeholder 2">
             <a:extLst>
               <a:ext uri="{FF2B5EF4-FFF2-40B4-BE49-F238E27FC236}">
-                <a16:creationId xmlns="" xmlns:a16="http://schemas.microsoft.com/office/drawing/2014/main" id="{F0A4581A-26B3-40E7-A945-90C4D9B58292}"/>
+                <a16:creationId xmlns:a16="http://schemas.microsoft.com/office/drawing/2014/main" xmlns="" id="{F0A4581A-26B3-40E7-A945-90C4D9B58292}"/>
               </a:ext>
             </a:extLst>
           </p:cNvPr>
@@ -7427,7 +7464,7 @@
           <p:cNvPr id="4" name="Footer Placeholder 3">
             <a:extLst>
               <a:ext uri="{FF2B5EF4-FFF2-40B4-BE49-F238E27FC236}">
-                <a16:creationId xmlns="" xmlns:a16="http://schemas.microsoft.com/office/drawing/2014/main" id="{540972A1-4BB3-4D04-B4DF-C76BA9B5CAD8}"/>
+                <a16:creationId xmlns:a16="http://schemas.microsoft.com/office/drawing/2014/main" xmlns="" id="{540972A1-4BB3-4D04-B4DF-C76BA9B5CAD8}"/>
               </a:ext>
             </a:extLst>
           </p:cNvPr>
@@ -7456,7 +7493,7 @@
           <p:cNvPr id="5" name="Slide Number Placeholder 4">
             <a:extLst>
               <a:ext uri="{FF2B5EF4-FFF2-40B4-BE49-F238E27FC236}">
-                <a16:creationId xmlns="" xmlns:a16="http://schemas.microsoft.com/office/drawing/2014/main" id="{23B5C741-F1AB-463E-B229-974B2924B065}"/>
+                <a16:creationId xmlns:a16="http://schemas.microsoft.com/office/drawing/2014/main" xmlns="" id="{23B5C741-F1AB-463E-B229-974B2924B065}"/>
               </a:ext>
             </a:extLst>
           </p:cNvPr>
@@ -7522,7 +7559,7 @@
           <p:cNvPr id="2" name="Title 1">
             <a:extLst>
               <a:ext uri="{FF2B5EF4-FFF2-40B4-BE49-F238E27FC236}">
-                <a16:creationId xmlns="" xmlns:a16="http://schemas.microsoft.com/office/drawing/2014/main" id="{9F53C0E6-5CA5-48E1-B370-E678425399F4}"/>
+                <a16:creationId xmlns:a16="http://schemas.microsoft.com/office/drawing/2014/main" xmlns="" id="{9F53C0E6-5CA5-48E1-B370-E678425399F4}"/>
               </a:ext>
             </a:extLst>
           </p:cNvPr>
@@ -7555,7 +7592,7 @@
           <p:cNvPr id="6" name="Table 6">
             <a:extLst>
               <a:ext uri="{FF2B5EF4-FFF2-40B4-BE49-F238E27FC236}">
-                <a16:creationId xmlns="" xmlns:a16="http://schemas.microsoft.com/office/drawing/2014/main" id="{705F427A-9AF8-4A7C-A89C-A285216FCFA6}"/>
+                <a16:creationId xmlns:a16="http://schemas.microsoft.com/office/drawing/2014/main" xmlns="" id="{705F427A-9AF8-4A7C-A89C-A285216FCFA6}"/>
               </a:ext>
             </a:extLst>
           </p:cNvPr>
@@ -7585,49 +7622,49 @@
                 <a:gridCol w="1502228">
                   <a:extLst>
                     <a:ext uri="{9D8B030D-6E8A-4147-A177-3AD203B41FA5}">
-                      <a16:colId xmlns="" xmlns:a16="http://schemas.microsoft.com/office/drawing/2014/main" val="1059776522"/>
+                      <a16:colId xmlns:a16="http://schemas.microsoft.com/office/drawing/2014/main" xmlns="" val="1059776522"/>
                     </a:ext>
                   </a:extLst>
                 </a:gridCol>
                 <a:gridCol w="1502228">
                   <a:extLst>
                     <a:ext uri="{9D8B030D-6E8A-4147-A177-3AD203B41FA5}">
-                      <a16:colId xmlns="" xmlns:a16="http://schemas.microsoft.com/office/drawing/2014/main" val="51405990"/>
+                      <a16:colId xmlns:a16="http://schemas.microsoft.com/office/drawing/2014/main" xmlns="" val="51405990"/>
                     </a:ext>
                   </a:extLst>
                 </a:gridCol>
                 <a:gridCol w="1502228">
                   <a:extLst>
                     <a:ext uri="{9D8B030D-6E8A-4147-A177-3AD203B41FA5}">
-                      <a16:colId xmlns="" xmlns:a16="http://schemas.microsoft.com/office/drawing/2014/main" val="499077790"/>
+                      <a16:colId xmlns:a16="http://schemas.microsoft.com/office/drawing/2014/main" xmlns="" val="499077790"/>
                     </a:ext>
                   </a:extLst>
                 </a:gridCol>
                 <a:gridCol w="1502228">
                   <a:extLst>
                     <a:ext uri="{9D8B030D-6E8A-4147-A177-3AD203B41FA5}">
-                      <a16:colId xmlns="" xmlns:a16="http://schemas.microsoft.com/office/drawing/2014/main" val="1741106222"/>
+                      <a16:colId xmlns:a16="http://schemas.microsoft.com/office/drawing/2014/main" xmlns="" val="1741106222"/>
                     </a:ext>
                   </a:extLst>
                 </a:gridCol>
                 <a:gridCol w="1502228">
                   <a:extLst>
                     <a:ext uri="{9D8B030D-6E8A-4147-A177-3AD203B41FA5}">
-                      <a16:colId xmlns="" xmlns:a16="http://schemas.microsoft.com/office/drawing/2014/main" val="2560605016"/>
+                      <a16:colId xmlns:a16="http://schemas.microsoft.com/office/drawing/2014/main" xmlns="" val="2560605016"/>
                     </a:ext>
                   </a:extLst>
                 </a:gridCol>
                 <a:gridCol w="1502228">
                   <a:extLst>
                     <a:ext uri="{9D8B030D-6E8A-4147-A177-3AD203B41FA5}">
-                      <a16:colId xmlns="" xmlns:a16="http://schemas.microsoft.com/office/drawing/2014/main" val="1149909260"/>
+                      <a16:colId xmlns:a16="http://schemas.microsoft.com/office/drawing/2014/main" xmlns="" val="1149909260"/>
                     </a:ext>
                   </a:extLst>
                 </a:gridCol>
                 <a:gridCol w="1502228">
                   <a:extLst>
                     <a:ext uri="{9D8B030D-6E8A-4147-A177-3AD203B41FA5}">
-                      <a16:colId xmlns="" xmlns:a16="http://schemas.microsoft.com/office/drawing/2014/main" val="2441742596"/>
+                      <a16:colId xmlns:a16="http://schemas.microsoft.com/office/drawing/2014/main" xmlns="" val="2441742596"/>
                     </a:ext>
                   </a:extLst>
                 </a:gridCol>
@@ -7733,7 +7770,7 @@
                 </a:tc>
                 <a:extLst>
                   <a:ext uri="{0D108BD9-81ED-4DB2-BD59-A6C34878D82A}">
-                    <a16:rowId xmlns="" xmlns:a16="http://schemas.microsoft.com/office/drawing/2014/main" val="2130431935"/>
+                    <a16:rowId xmlns:a16="http://schemas.microsoft.com/office/drawing/2014/main" xmlns="" val="2130431935"/>
                   </a:ext>
                 </a:extLst>
               </a:tr>
@@ -7838,7 +7875,7 @@
                 </a:tc>
                 <a:extLst>
                   <a:ext uri="{0D108BD9-81ED-4DB2-BD59-A6C34878D82A}">
-                    <a16:rowId xmlns="" xmlns:a16="http://schemas.microsoft.com/office/drawing/2014/main" val="248642347"/>
+                    <a16:rowId xmlns:a16="http://schemas.microsoft.com/office/drawing/2014/main" xmlns="" val="248642347"/>
                   </a:ext>
                 </a:extLst>
               </a:tr>
@@ -7943,7 +7980,7 @@
                 </a:tc>
                 <a:extLst>
                   <a:ext uri="{0D108BD9-81ED-4DB2-BD59-A6C34878D82A}">
-                    <a16:rowId xmlns="" xmlns:a16="http://schemas.microsoft.com/office/drawing/2014/main" val="1130119694"/>
+                    <a16:rowId xmlns:a16="http://schemas.microsoft.com/office/drawing/2014/main" xmlns="" val="1130119694"/>
                   </a:ext>
                 </a:extLst>
               </a:tr>
@@ -8048,7 +8085,7 @@
                 </a:tc>
                 <a:extLst>
                   <a:ext uri="{0D108BD9-81ED-4DB2-BD59-A6C34878D82A}">
-                    <a16:rowId xmlns="" xmlns:a16="http://schemas.microsoft.com/office/drawing/2014/main" val="1111558667"/>
+                    <a16:rowId xmlns:a16="http://schemas.microsoft.com/office/drawing/2014/main" xmlns="" val="1111558667"/>
                   </a:ext>
                 </a:extLst>
               </a:tr>
@@ -8153,7 +8190,7 @@
                 </a:tc>
                 <a:extLst>
                   <a:ext uri="{0D108BD9-81ED-4DB2-BD59-A6C34878D82A}">
-                    <a16:rowId xmlns="" xmlns:a16="http://schemas.microsoft.com/office/drawing/2014/main" val="390475499"/>
+                    <a16:rowId xmlns:a16="http://schemas.microsoft.com/office/drawing/2014/main" xmlns="" val="390475499"/>
                   </a:ext>
                 </a:extLst>
               </a:tr>
@@ -8258,7 +8295,7 @@
                 </a:tc>
                 <a:extLst>
                   <a:ext uri="{0D108BD9-81ED-4DB2-BD59-A6C34878D82A}">
-                    <a16:rowId xmlns="" xmlns:a16="http://schemas.microsoft.com/office/drawing/2014/main" val="756342863"/>
+                    <a16:rowId xmlns:a16="http://schemas.microsoft.com/office/drawing/2014/main" xmlns="" val="756342863"/>
                   </a:ext>
                 </a:extLst>
               </a:tr>
@@ -8363,7 +8400,7 @@
                 </a:tc>
                 <a:extLst>
                   <a:ext uri="{0D108BD9-81ED-4DB2-BD59-A6C34878D82A}">
-                    <a16:rowId xmlns="" xmlns:a16="http://schemas.microsoft.com/office/drawing/2014/main" val="319341810"/>
+                    <a16:rowId xmlns:a16="http://schemas.microsoft.com/office/drawing/2014/main" xmlns="" val="319341810"/>
                   </a:ext>
                 </a:extLst>
               </a:tr>
@@ -8468,7 +8505,7 @@
                 </a:tc>
                 <a:extLst>
                   <a:ext uri="{0D108BD9-81ED-4DB2-BD59-A6C34878D82A}">
-                    <a16:rowId xmlns="" xmlns:a16="http://schemas.microsoft.com/office/drawing/2014/main" val="2497939862"/>
+                    <a16:rowId xmlns:a16="http://schemas.microsoft.com/office/drawing/2014/main" xmlns="" val="2497939862"/>
                   </a:ext>
                 </a:extLst>
               </a:tr>
@@ -8573,7 +8610,7 @@
                 </a:tc>
                 <a:extLst>
                   <a:ext uri="{0D108BD9-81ED-4DB2-BD59-A6C34878D82A}">
-                    <a16:rowId xmlns="" xmlns:a16="http://schemas.microsoft.com/office/drawing/2014/main" val="2181185807"/>
+                    <a16:rowId xmlns:a16="http://schemas.microsoft.com/office/drawing/2014/main" xmlns="" val="2181185807"/>
                   </a:ext>
                 </a:extLst>
               </a:tr>
@@ -8678,7 +8715,7 @@
                 </a:tc>
                 <a:extLst>
                   <a:ext uri="{0D108BD9-81ED-4DB2-BD59-A6C34878D82A}">
-                    <a16:rowId xmlns="" xmlns:a16="http://schemas.microsoft.com/office/drawing/2014/main" val="3843312928"/>
+                    <a16:rowId xmlns:a16="http://schemas.microsoft.com/office/drawing/2014/main" xmlns="" val="3843312928"/>
                   </a:ext>
                 </a:extLst>
               </a:tr>
@@ -8783,7 +8820,7 @@
                 </a:tc>
                 <a:extLst>
                   <a:ext uri="{0D108BD9-81ED-4DB2-BD59-A6C34878D82A}">
-                    <a16:rowId xmlns="" xmlns:a16="http://schemas.microsoft.com/office/drawing/2014/main" val="204907763"/>
+                    <a16:rowId xmlns:a16="http://schemas.microsoft.com/office/drawing/2014/main" xmlns="" val="204907763"/>
                   </a:ext>
                 </a:extLst>
               </a:tr>
@@ -8888,7 +8925,7 @@
                 </a:tc>
                 <a:extLst>
                   <a:ext uri="{0D108BD9-81ED-4DB2-BD59-A6C34878D82A}">
-                    <a16:rowId xmlns="" xmlns:a16="http://schemas.microsoft.com/office/drawing/2014/main" val="194616918"/>
+                    <a16:rowId xmlns:a16="http://schemas.microsoft.com/office/drawing/2014/main" xmlns="" val="194616918"/>
                   </a:ext>
                 </a:extLst>
               </a:tr>
@@ -8993,7 +9030,7 @@
                 </a:tc>
                 <a:extLst>
                   <a:ext uri="{0D108BD9-81ED-4DB2-BD59-A6C34878D82A}">
-                    <a16:rowId xmlns="" xmlns:a16="http://schemas.microsoft.com/office/drawing/2014/main" val="2388109032"/>
+                    <a16:rowId xmlns:a16="http://schemas.microsoft.com/office/drawing/2014/main" xmlns="" val="2388109032"/>
                   </a:ext>
                 </a:extLst>
               </a:tr>
@@ -9098,7 +9135,7 @@
                 </a:tc>
                 <a:extLst>
                   <a:ext uri="{0D108BD9-81ED-4DB2-BD59-A6C34878D82A}">
-                    <a16:rowId xmlns="" xmlns:a16="http://schemas.microsoft.com/office/drawing/2014/main" val="297863002"/>
+                    <a16:rowId xmlns:a16="http://schemas.microsoft.com/office/drawing/2014/main" xmlns="" val="297863002"/>
                   </a:ext>
                 </a:extLst>
               </a:tr>
@@ -9203,7 +9240,7 @@
                 </a:tc>
                 <a:extLst>
                   <a:ext uri="{0D108BD9-81ED-4DB2-BD59-A6C34878D82A}">
-                    <a16:rowId xmlns="" xmlns:a16="http://schemas.microsoft.com/office/drawing/2014/main" val="4134358320"/>
+                    <a16:rowId xmlns:a16="http://schemas.microsoft.com/office/drawing/2014/main" xmlns="" val="4134358320"/>
                   </a:ext>
                 </a:extLst>
               </a:tr>
@@ -9308,7 +9345,7 @@
                 </a:tc>
                 <a:extLst>
                   <a:ext uri="{0D108BD9-81ED-4DB2-BD59-A6C34878D82A}">
-                    <a16:rowId xmlns="" xmlns:a16="http://schemas.microsoft.com/office/drawing/2014/main" val="435795987"/>
+                    <a16:rowId xmlns:a16="http://schemas.microsoft.com/office/drawing/2014/main" xmlns="" val="435795987"/>
                   </a:ext>
                 </a:extLst>
               </a:tr>
@@ -9413,7 +9450,7 @@
                 </a:tc>
                 <a:extLst>
                   <a:ext uri="{0D108BD9-81ED-4DB2-BD59-A6C34878D82A}">
-                    <a16:rowId xmlns="" xmlns:a16="http://schemas.microsoft.com/office/drawing/2014/main" val="2374723660"/>
+                    <a16:rowId xmlns:a16="http://schemas.microsoft.com/office/drawing/2014/main" xmlns="" val="2374723660"/>
                   </a:ext>
                 </a:extLst>
               </a:tr>
@@ -9531,7 +9568,7 @@
                 </a:tc>
                 <a:extLst>
                   <a:ext uri="{0D108BD9-81ED-4DB2-BD59-A6C34878D82A}">
-                    <a16:rowId xmlns="" xmlns:a16="http://schemas.microsoft.com/office/drawing/2014/main" val="3169493604"/>
+                    <a16:rowId xmlns:a16="http://schemas.microsoft.com/office/drawing/2014/main" xmlns="" val="3169493604"/>
                   </a:ext>
                 </a:extLst>
               </a:tr>
@@ -9544,7 +9581,7 @@
           <p:cNvPr id="4" name="Footer Placeholder 3">
             <a:extLst>
               <a:ext uri="{FF2B5EF4-FFF2-40B4-BE49-F238E27FC236}">
-                <a16:creationId xmlns="" xmlns:a16="http://schemas.microsoft.com/office/drawing/2014/main" id="{540972A1-4BB3-4D04-B4DF-C76BA9B5CAD8}"/>
+                <a16:creationId xmlns:a16="http://schemas.microsoft.com/office/drawing/2014/main" xmlns="" id="{540972A1-4BB3-4D04-B4DF-C76BA9B5CAD8}"/>
               </a:ext>
             </a:extLst>
           </p:cNvPr>
@@ -9573,7 +9610,7 @@
           <p:cNvPr id="5" name="Slide Number Placeholder 4">
             <a:extLst>
               <a:ext uri="{FF2B5EF4-FFF2-40B4-BE49-F238E27FC236}">
-                <a16:creationId xmlns="" xmlns:a16="http://schemas.microsoft.com/office/drawing/2014/main" id="{23B5C741-F1AB-463E-B229-974B2924B065}"/>
+                <a16:creationId xmlns:a16="http://schemas.microsoft.com/office/drawing/2014/main" xmlns="" id="{23B5C741-F1AB-463E-B229-974B2924B065}"/>
               </a:ext>
             </a:extLst>
           </p:cNvPr>
@@ -9639,7 +9676,7 @@
           <p:cNvPr id="2" name="Title 1">
             <a:extLst>
               <a:ext uri="{FF2B5EF4-FFF2-40B4-BE49-F238E27FC236}">
-                <a16:creationId xmlns="" xmlns:a16="http://schemas.microsoft.com/office/drawing/2014/main" id="{9F53C0E6-5CA5-48E1-B370-E678425399F4}"/>
+                <a16:creationId xmlns:a16="http://schemas.microsoft.com/office/drawing/2014/main" xmlns="" id="{9F53C0E6-5CA5-48E1-B370-E678425399F4}"/>
               </a:ext>
             </a:extLst>
           </p:cNvPr>
@@ -9674,7 +9711,7 @@
               <p:cNvPr id="3" name="Content Placeholder 2">
                 <a:extLst>
                   <a:ext uri="{FF2B5EF4-FFF2-40B4-BE49-F238E27FC236}">
-                    <a16:creationId xmlns="" xmlns:a16="http://schemas.microsoft.com/office/drawing/2014/main" id="{F0A4581A-26B3-40E7-A945-90C4D9B58292}"/>
+                    <a16:creationId xmlns:a16="http://schemas.microsoft.com/office/drawing/2014/main" xmlns="" id="{F0A4581A-26B3-40E7-A945-90C4D9B58292}"/>
                   </a:ext>
                 </a:extLst>
               </p:cNvPr>
@@ -10459,7 +10496,7 @@
           <p:cNvPr id="4" name="Footer Placeholder 3">
             <a:extLst>
               <a:ext uri="{FF2B5EF4-FFF2-40B4-BE49-F238E27FC236}">
-                <a16:creationId xmlns="" xmlns:a16="http://schemas.microsoft.com/office/drawing/2014/main" id="{540972A1-4BB3-4D04-B4DF-C76BA9B5CAD8}"/>
+                <a16:creationId xmlns:a16="http://schemas.microsoft.com/office/drawing/2014/main" xmlns="" id="{540972A1-4BB3-4D04-B4DF-C76BA9B5CAD8}"/>
               </a:ext>
             </a:extLst>
           </p:cNvPr>
@@ -10488,7 +10525,7 @@
           <p:cNvPr id="5" name="Slide Number Placeholder 4">
             <a:extLst>
               <a:ext uri="{FF2B5EF4-FFF2-40B4-BE49-F238E27FC236}">
-                <a16:creationId xmlns="" xmlns:a16="http://schemas.microsoft.com/office/drawing/2014/main" id="{23B5C741-F1AB-463E-B229-974B2924B065}"/>
+                <a16:creationId xmlns:a16="http://schemas.microsoft.com/office/drawing/2014/main" xmlns="" id="{23B5C741-F1AB-463E-B229-974B2924B065}"/>
               </a:ext>
             </a:extLst>
           </p:cNvPr>
@@ -10554,7 +10591,7 @@
           <p:cNvPr id="2" name="Title 1">
             <a:extLst>
               <a:ext uri="{FF2B5EF4-FFF2-40B4-BE49-F238E27FC236}">
-                <a16:creationId xmlns="" xmlns:a16="http://schemas.microsoft.com/office/drawing/2014/main" id="{9F53C0E6-5CA5-48E1-B370-E678425399F4}"/>
+                <a16:creationId xmlns:a16="http://schemas.microsoft.com/office/drawing/2014/main" xmlns="" id="{9F53C0E6-5CA5-48E1-B370-E678425399F4}"/>
               </a:ext>
             </a:extLst>
           </p:cNvPr>
@@ -10587,7 +10624,7 @@
           <p:cNvPr id="3" name="Content Placeholder 2">
             <a:extLst>
               <a:ext uri="{FF2B5EF4-FFF2-40B4-BE49-F238E27FC236}">
-                <a16:creationId xmlns="" xmlns:a16="http://schemas.microsoft.com/office/drawing/2014/main" id="{F0A4581A-26B3-40E7-A945-90C4D9B58292}"/>
+                <a16:creationId xmlns:a16="http://schemas.microsoft.com/office/drawing/2014/main" xmlns="" id="{F0A4581A-26B3-40E7-A945-90C4D9B58292}"/>
               </a:ext>
             </a:extLst>
           </p:cNvPr>
@@ -10692,7 +10729,7 @@
           <p:cNvPr id="4" name="Footer Placeholder 3">
             <a:extLst>
               <a:ext uri="{FF2B5EF4-FFF2-40B4-BE49-F238E27FC236}">
-                <a16:creationId xmlns="" xmlns:a16="http://schemas.microsoft.com/office/drawing/2014/main" id="{540972A1-4BB3-4D04-B4DF-C76BA9B5CAD8}"/>
+                <a16:creationId xmlns:a16="http://schemas.microsoft.com/office/drawing/2014/main" xmlns="" id="{540972A1-4BB3-4D04-B4DF-C76BA9B5CAD8}"/>
               </a:ext>
             </a:extLst>
           </p:cNvPr>
@@ -10721,7 +10758,7 @@
           <p:cNvPr id="5" name="Slide Number Placeholder 4">
             <a:extLst>
               <a:ext uri="{FF2B5EF4-FFF2-40B4-BE49-F238E27FC236}">
-                <a16:creationId xmlns="" xmlns:a16="http://schemas.microsoft.com/office/drawing/2014/main" id="{23B5C741-F1AB-463E-B229-974B2924B065}"/>
+                <a16:creationId xmlns:a16="http://schemas.microsoft.com/office/drawing/2014/main" xmlns="" id="{23B5C741-F1AB-463E-B229-974B2924B065}"/>
               </a:ext>
             </a:extLst>
           </p:cNvPr>
@@ -10828,7 +10865,7 @@
           <p:cNvPr id="2" name="Title 1">
             <a:extLst>
               <a:ext uri="{FF2B5EF4-FFF2-40B4-BE49-F238E27FC236}">
-                <a16:creationId xmlns="" xmlns:a16="http://schemas.microsoft.com/office/drawing/2014/main" id="{9F53C0E6-5CA5-48E1-B370-E678425399F4}"/>
+                <a16:creationId xmlns:a16="http://schemas.microsoft.com/office/drawing/2014/main" xmlns="" id="{9F53C0E6-5CA5-48E1-B370-E678425399F4}"/>
               </a:ext>
             </a:extLst>
           </p:cNvPr>
@@ -10861,7 +10898,7 @@
           <p:cNvPr id="3" name="Content Placeholder 2">
             <a:extLst>
               <a:ext uri="{FF2B5EF4-FFF2-40B4-BE49-F238E27FC236}">
-                <a16:creationId xmlns="" xmlns:a16="http://schemas.microsoft.com/office/drawing/2014/main" id="{F0A4581A-26B3-40E7-A945-90C4D9B58292}"/>
+                <a16:creationId xmlns:a16="http://schemas.microsoft.com/office/drawing/2014/main" xmlns="" id="{F0A4581A-26B3-40E7-A945-90C4D9B58292}"/>
               </a:ext>
             </a:extLst>
           </p:cNvPr>
@@ -11066,7 +11103,7 @@
           <p:cNvPr id="4" name="Footer Placeholder 3">
             <a:extLst>
               <a:ext uri="{FF2B5EF4-FFF2-40B4-BE49-F238E27FC236}">
-                <a16:creationId xmlns="" xmlns:a16="http://schemas.microsoft.com/office/drawing/2014/main" id="{540972A1-4BB3-4D04-B4DF-C76BA9B5CAD8}"/>
+                <a16:creationId xmlns:a16="http://schemas.microsoft.com/office/drawing/2014/main" xmlns="" id="{540972A1-4BB3-4D04-B4DF-C76BA9B5CAD8}"/>
               </a:ext>
             </a:extLst>
           </p:cNvPr>
@@ -11095,7 +11132,7 @@
           <p:cNvPr id="5" name="Slide Number Placeholder 4">
             <a:extLst>
               <a:ext uri="{FF2B5EF4-FFF2-40B4-BE49-F238E27FC236}">
-                <a16:creationId xmlns="" xmlns:a16="http://schemas.microsoft.com/office/drawing/2014/main" id="{23B5C741-F1AB-463E-B229-974B2924B065}"/>
+                <a16:creationId xmlns:a16="http://schemas.microsoft.com/office/drawing/2014/main" xmlns="" id="{23B5C741-F1AB-463E-B229-974B2924B065}"/>
               </a:ext>
             </a:extLst>
           </p:cNvPr>
@@ -11161,7 +11198,7 @@
           <p:cNvPr id="2" name="Title 1">
             <a:extLst>
               <a:ext uri="{FF2B5EF4-FFF2-40B4-BE49-F238E27FC236}">
-                <a16:creationId xmlns="" xmlns:a16="http://schemas.microsoft.com/office/drawing/2014/main" id="{9F53C0E6-5CA5-48E1-B370-E678425399F4}"/>
+                <a16:creationId xmlns:a16="http://schemas.microsoft.com/office/drawing/2014/main" xmlns="" id="{9F53C0E6-5CA5-48E1-B370-E678425399F4}"/>
               </a:ext>
             </a:extLst>
           </p:cNvPr>
@@ -11194,7 +11231,7 @@
           <p:cNvPr id="3" name="Content Placeholder 2">
             <a:extLst>
               <a:ext uri="{FF2B5EF4-FFF2-40B4-BE49-F238E27FC236}">
-                <a16:creationId xmlns="" xmlns:a16="http://schemas.microsoft.com/office/drawing/2014/main" id="{F0A4581A-26B3-40E7-A945-90C4D9B58292}"/>
+                <a16:creationId xmlns:a16="http://schemas.microsoft.com/office/drawing/2014/main" xmlns="" id="{F0A4581A-26B3-40E7-A945-90C4D9B58292}"/>
               </a:ext>
             </a:extLst>
           </p:cNvPr>
@@ -11299,7 +11336,7 @@
           <p:cNvPr id="4" name="Footer Placeholder 3">
             <a:extLst>
               <a:ext uri="{FF2B5EF4-FFF2-40B4-BE49-F238E27FC236}">
-                <a16:creationId xmlns="" xmlns:a16="http://schemas.microsoft.com/office/drawing/2014/main" id="{540972A1-4BB3-4D04-B4DF-C76BA9B5CAD8}"/>
+                <a16:creationId xmlns:a16="http://schemas.microsoft.com/office/drawing/2014/main" xmlns="" id="{540972A1-4BB3-4D04-B4DF-C76BA9B5CAD8}"/>
               </a:ext>
             </a:extLst>
           </p:cNvPr>
@@ -11328,7 +11365,7 @@
           <p:cNvPr id="5" name="Slide Number Placeholder 4">
             <a:extLst>
               <a:ext uri="{FF2B5EF4-FFF2-40B4-BE49-F238E27FC236}">
-                <a16:creationId xmlns="" xmlns:a16="http://schemas.microsoft.com/office/drawing/2014/main" id="{23B5C741-F1AB-463E-B229-974B2924B065}"/>
+                <a16:creationId xmlns:a16="http://schemas.microsoft.com/office/drawing/2014/main" xmlns="" id="{23B5C741-F1AB-463E-B229-974B2924B065}"/>
               </a:ext>
             </a:extLst>
           </p:cNvPr>
@@ -11357,7 +11394,7 @@
           <p:cNvPr id="6" name="Table 6">
             <a:extLst>
               <a:ext uri="{FF2B5EF4-FFF2-40B4-BE49-F238E27FC236}">
-                <a16:creationId xmlns="" xmlns:a16="http://schemas.microsoft.com/office/drawing/2014/main" id="{3708404E-0465-4362-9C24-B7FC57AE2CB7}"/>
+                <a16:creationId xmlns:a16="http://schemas.microsoft.com/office/drawing/2014/main" xmlns="" id="{3708404E-0465-4362-9C24-B7FC57AE2CB7}"/>
               </a:ext>
             </a:extLst>
           </p:cNvPr>
@@ -11389,14 +11426,14 @@
                 <a:gridCol w="652698">
                   <a:extLst>
                     <a:ext uri="{9D8B030D-6E8A-4147-A177-3AD203B41FA5}">
-                      <a16:colId xmlns="" xmlns:a16="http://schemas.microsoft.com/office/drawing/2014/main" val="1025995593"/>
+                      <a16:colId xmlns:a16="http://schemas.microsoft.com/office/drawing/2014/main" xmlns="" val="1025995593"/>
                     </a:ext>
                   </a:extLst>
                 </a:gridCol>
                 <a:gridCol w="8729841">
                   <a:extLst>
                     <a:ext uri="{9D8B030D-6E8A-4147-A177-3AD203B41FA5}">
-                      <a16:colId xmlns="" xmlns:a16="http://schemas.microsoft.com/office/drawing/2014/main" val="3397351854"/>
+                      <a16:colId xmlns:a16="http://schemas.microsoft.com/office/drawing/2014/main" xmlns="" val="3397351854"/>
                     </a:ext>
                   </a:extLst>
                 </a:gridCol>
@@ -11503,7 +11540,7 @@
                 </a:tc>
                 <a:extLst>
                   <a:ext uri="{0D108BD9-81ED-4DB2-BD59-A6C34878D82A}">
-                    <a16:rowId xmlns="" xmlns:a16="http://schemas.microsoft.com/office/drawing/2014/main" val="2451917870"/>
+                    <a16:rowId xmlns:a16="http://schemas.microsoft.com/office/drawing/2014/main" xmlns="" val="2451917870"/>
                   </a:ext>
                 </a:extLst>
               </a:tr>
@@ -11625,7 +11662,7 @@
                 </a:tc>
                 <a:extLst>
                   <a:ext uri="{0D108BD9-81ED-4DB2-BD59-A6C34878D82A}">
-                    <a16:rowId xmlns="" xmlns:a16="http://schemas.microsoft.com/office/drawing/2014/main" val="2102430626"/>
+                    <a16:rowId xmlns:a16="http://schemas.microsoft.com/office/drawing/2014/main" xmlns="" val="2102430626"/>
                   </a:ext>
                 </a:extLst>
               </a:tr>
@@ -11764,7 +11801,7 @@
                 </a:tc>
                 <a:extLst>
                   <a:ext uri="{0D108BD9-81ED-4DB2-BD59-A6C34878D82A}">
-                    <a16:rowId xmlns="" xmlns:a16="http://schemas.microsoft.com/office/drawing/2014/main" val="2818840102"/>
+                    <a16:rowId xmlns:a16="http://schemas.microsoft.com/office/drawing/2014/main" xmlns="" val="2818840102"/>
                   </a:ext>
                 </a:extLst>
               </a:tr>
@@ -11903,7 +11940,7 @@
                 </a:tc>
                 <a:extLst>
                   <a:ext uri="{0D108BD9-81ED-4DB2-BD59-A6C34878D82A}">
-                    <a16:rowId xmlns="" xmlns:a16="http://schemas.microsoft.com/office/drawing/2014/main" val="1961751626"/>
+                    <a16:rowId xmlns:a16="http://schemas.microsoft.com/office/drawing/2014/main" xmlns="" val="1961751626"/>
                   </a:ext>
                 </a:extLst>
               </a:tr>
@@ -12042,7 +12079,7 @@
                 </a:tc>
                 <a:extLst>
                   <a:ext uri="{0D108BD9-81ED-4DB2-BD59-A6C34878D82A}">
-                    <a16:rowId xmlns="" xmlns:a16="http://schemas.microsoft.com/office/drawing/2014/main" val="1585524039"/>
+                    <a16:rowId xmlns:a16="http://schemas.microsoft.com/office/drawing/2014/main" xmlns="" val="1585524039"/>
                   </a:ext>
                 </a:extLst>
               </a:tr>
@@ -12181,7 +12218,7 @@
                 </a:tc>
                 <a:extLst>
                   <a:ext uri="{0D108BD9-81ED-4DB2-BD59-A6C34878D82A}">
-                    <a16:rowId xmlns="" xmlns:a16="http://schemas.microsoft.com/office/drawing/2014/main" val="323600723"/>
+                    <a16:rowId xmlns:a16="http://schemas.microsoft.com/office/drawing/2014/main" xmlns="" val="323600723"/>
                   </a:ext>
                 </a:extLst>
               </a:tr>
@@ -12320,7 +12357,7 @@
                 </a:tc>
                 <a:extLst>
                   <a:ext uri="{0D108BD9-81ED-4DB2-BD59-A6C34878D82A}">
-                    <a16:rowId xmlns="" xmlns:a16="http://schemas.microsoft.com/office/drawing/2014/main" val="3508601488"/>
+                    <a16:rowId xmlns:a16="http://schemas.microsoft.com/office/drawing/2014/main" xmlns="" val="3508601488"/>
                   </a:ext>
                 </a:extLst>
               </a:tr>
@@ -12458,7 +12495,7 @@
                 </a:tc>
                 <a:extLst>
                   <a:ext uri="{0D108BD9-81ED-4DB2-BD59-A6C34878D82A}">
-                    <a16:rowId xmlns="" xmlns:a16="http://schemas.microsoft.com/office/drawing/2014/main" val="500996964"/>
+                    <a16:rowId xmlns:a16="http://schemas.microsoft.com/office/drawing/2014/main" xmlns="" val="500996964"/>
                   </a:ext>
                 </a:extLst>
               </a:tr>
@@ -12572,7 +12609,7 @@
                 </a:tc>
                 <a:extLst>
                   <a:ext uri="{0D108BD9-81ED-4DB2-BD59-A6C34878D82A}">
-                    <a16:rowId xmlns="" xmlns:a16="http://schemas.microsoft.com/office/drawing/2014/main" val="2211773331"/>
+                    <a16:rowId xmlns:a16="http://schemas.microsoft.com/office/drawing/2014/main" xmlns="" val="2211773331"/>
                   </a:ext>
                 </a:extLst>
               </a:tr>
@@ -12622,7 +12659,7 @@
           <p:cNvPr id="2" name="Title 1">
             <a:extLst>
               <a:ext uri="{FF2B5EF4-FFF2-40B4-BE49-F238E27FC236}">
-                <a16:creationId xmlns="" xmlns:a16="http://schemas.microsoft.com/office/drawing/2014/main" id="{9F53C0E6-5CA5-48E1-B370-E678425399F4}"/>
+                <a16:creationId xmlns:a16="http://schemas.microsoft.com/office/drawing/2014/main" xmlns="" id="{9F53C0E6-5CA5-48E1-B370-E678425399F4}"/>
               </a:ext>
             </a:extLst>
           </p:cNvPr>
@@ -12655,7 +12692,7 @@
           <p:cNvPr id="3" name="Content Placeholder 2">
             <a:extLst>
               <a:ext uri="{FF2B5EF4-FFF2-40B4-BE49-F238E27FC236}">
-                <a16:creationId xmlns="" xmlns:a16="http://schemas.microsoft.com/office/drawing/2014/main" id="{F0A4581A-26B3-40E7-A945-90C4D9B58292}"/>
+                <a16:creationId xmlns:a16="http://schemas.microsoft.com/office/drawing/2014/main" xmlns="" id="{F0A4581A-26B3-40E7-A945-90C4D9B58292}"/>
               </a:ext>
             </a:extLst>
           </p:cNvPr>
@@ -12923,7 +12960,7 @@
           <p:cNvPr id="4" name="Footer Placeholder 3">
             <a:extLst>
               <a:ext uri="{FF2B5EF4-FFF2-40B4-BE49-F238E27FC236}">
-                <a16:creationId xmlns="" xmlns:a16="http://schemas.microsoft.com/office/drawing/2014/main" id="{540972A1-4BB3-4D04-B4DF-C76BA9B5CAD8}"/>
+                <a16:creationId xmlns:a16="http://schemas.microsoft.com/office/drawing/2014/main" xmlns="" id="{540972A1-4BB3-4D04-B4DF-C76BA9B5CAD8}"/>
               </a:ext>
             </a:extLst>
           </p:cNvPr>
@@ -12952,7 +12989,7 @@
           <p:cNvPr id="5" name="Slide Number Placeholder 4">
             <a:extLst>
               <a:ext uri="{FF2B5EF4-FFF2-40B4-BE49-F238E27FC236}">
-                <a16:creationId xmlns="" xmlns:a16="http://schemas.microsoft.com/office/drawing/2014/main" id="{23B5C741-F1AB-463E-B229-974B2924B065}"/>
+                <a16:creationId xmlns:a16="http://schemas.microsoft.com/office/drawing/2014/main" xmlns="" id="{23B5C741-F1AB-463E-B229-974B2924B065}"/>
               </a:ext>
             </a:extLst>
           </p:cNvPr>
@@ -12981,7 +13018,7 @@
           <p:cNvPr id="6" name="Table 6">
             <a:extLst>
               <a:ext uri="{FF2B5EF4-FFF2-40B4-BE49-F238E27FC236}">
-                <a16:creationId xmlns="" xmlns:a16="http://schemas.microsoft.com/office/drawing/2014/main" id="{B5A67E9F-258D-4488-8F85-5457E84D83EF}"/>
+                <a16:creationId xmlns:a16="http://schemas.microsoft.com/office/drawing/2014/main" xmlns="" id="{B5A67E9F-258D-4488-8F85-5457E84D83EF}"/>
               </a:ext>
             </a:extLst>
           </p:cNvPr>
@@ -13010,14 +13047,14 @@
                 <a:gridCol w="4755874">
                   <a:extLst>
                     <a:ext uri="{9D8B030D-6E8A-4147-A177-3AD203B41FA5}">
-                      <a16:colId xmlns="" xmlns:a16="http://schemas.microsoft.com/office/drawing/2014/main" val="736955682"/>
+                      <a16:colId xmlns:a16="http://schemas.microsoft.com/office/drawing/2014/main" xmlns="" val="736955682"/>
                     </a:ext>
                   </a:extLst>
                 </a:gridCol>
                 <a:gridCol w="4755874">
                   <a:extLst>
                     <a:ext uri="{9D8B030D-6E8A-4147-A177-3AD203B41FA5}">
-                      <a16:colId xmlns="" xmlns:a16="http://schemas.microsoft.com/office/drawing/2014/main" val="637564705"/>
+                      <a16:colId xmlns:a16="http://schemas.microsoft.com/office/drawing/2014/main" xmlns="" val="637564705"/>
                     </a:ext>
                   </a:extLst>
                 </a:gridCol>
@@ -13099,7 +13136,7 @@
                 </a:tc>
                 <a:extLst>
                   <a:ext uri="{0D108BD9-81ED-4DB2-BD59-A6C34878D82A}">
-                    <a16:rowId xmlns="" xmlns:a16="http://schemas.microsoft.com/office/drawing/2014/main" val="2936873272"/>
+                    <a16:rowId xmlns:a16="http://schemas.microsoft.com/office/drawing/2014/main" xmlns="" val="2936873272"/>
                   </a:ext>
                 </a:extLst>
               </a:tr>
@@ -13176,7 +13213,7 @@
                 </a:tc>
                 <a:extLst>
                   <a:ext uri="{0D108BD9-81ED-4DB2-BD59-A6C34878D82A}">
-                    <a16:rowId xmlns="" xmlns:a16="http://schemas.microsoft.com/office/drawing/2014/main" val="2051995317"/>
+                    <a16:rowId xmlns:a16="http://schemas.microsoft.com/office/drawing/2014/main" xmlns="" val="2051995317"/>
                   </a:ext>
                 </a:extLst>
               </a:tr>
@@ -13250,7 +13287,7 @@
                 </a:tc>
                 <a:extLst>
                   <a:ext uri="{0D108BD9-81ED-4DB2-BD59-A6C34878D82A}">
-                    <a16:rowId xmlns="" xmlns:a16="http://schemas.microsoft.com/office/drawing/2014/main" val="3808994494"/>
+                    <a16:rowId xmlns:a16="http://schemas.microsoft.com/office/drawing/2014/main" xmlns="" val="3808994494"/>
                   </a:ext>
                 </a:extLst>
               </a:tr>
@@ -13300,7 +13337,7 @@
           <p:cNvPr id="2" name="Title 1">
             <a:extLst>
               <a:ext uri="{FF2B5EF4-FFF2-40B4-BE49-F238E27FC236}">
-                <a16:creationId xmlns="" xmlns:a16="http://schemas.microsoft.com/office/drawing/2014/main" id="{9F53C0E6-5CA5-48E1-B370-E678425399F4}"/>
+                <a16:creationId xmlns:a16="http://schemas.microsoft.com/office/drawing/2014/main" xmlns="" id="{9F53C0E6-5CA5-48E1-B370-E678425399F4}"/>
               </a:ext>
             </a:extLst>
           </p:cNvPr>
@@ -13333,7 +13370,7 @@
           <p:cNvPr id="3" name="Content Placeholder 2">
             <a:extLst>
               <a:ext uri="{FF2B5EF4-FFF2-40B4-BE49-F238E27FC236}">
-                <a16:creationId xmlns="" xmlns:a16="http://schemas.microsoft.com/office/drawing/2014/main" id="{F0A4581A-26B3-40E7-A945-90C4D9B58292}"/>
+                <a16:creationId xmlns:a16="http://schemas.microsoft.com/office/drawing/2014/main" xmlns="" id="{F0A4581A-26B3-40E7-A945-90C4D9B58292}"/>
               </a:ext>
             </a:extLst>
           </p:cNvPr>
@@ -13478,7 +13515,7 @@
           <p:cNvPr id="5" name="Picture 4">
             <a:extLst>
               <a:ext uri="{FF2B5EF4-FFF2-40B4-BE49-F238E27FC236}">
-                <a16:creationId xmlns="" xmlns:a16="http://schemas.microsoft.com/office/drawing/2014/main" id="{7E47B480-A1F1-498C-A3D5-AA5E72134EDB}"/>
+                <a16:creationId xmlns:a16="http://schemas.microsoft.com/office/drawing/2014/main" xmlns="" id="{7E47B480-A1F1-498C-A3D5-AA5E72134EDB}"/>
               </a:ext>
             </a:extLst>
           </p:cNvPr>
@@ -13514,7 +13551,7 @@
           <p:cNvPr id="6" name="TextBox 5">
             <a:extLst>
               <a:ext uri="{FF2B5EF4-FFF2-40B4-BE49-F238E27FC236}">
-                <a16:creationId xmlns="" xmlns:a16="http://schemas.microsoft.com/office/drawing/2014/main" id="{6EA1B5B0-566F-495F-89A1-3DADA4C9C5D7}"/>
+                <a16:creationId xmlns:a16="http://schemas.microsoft.com/office/drawing/2014/main" xmlns="" id="{6EA1B5B0-566F-495F-89A1-3DADA4C9C5D7}"/>
               </a:ext>
             </a:extLst>
           </p:cNvPr>
@@ -13577,7 +13614,7 @@
           <p:cNvPr id="7" name="Footer Placeholder 6">
             <a:extLst>
               <a:ext uri="{FF2B5EF4-FFF2-40B4-BE49-F238E27FC236}">
-                <a16:creationId xmlns="" xmlns:a16="http://schemas.microsoft.com/office/drawing/2014/main" id="{40B3E9F5-CEA5-49AC-85C6-B8339B793AF9}"/>
+                <a16:creationId xmlns:a16="http://schemas.microsoft.com/office/drawing/2014/main" xmlns="" id="{40B3E9F5-CEA5-49AC-85C6-B8339B793AF9}"/>
               </a:ext>
             </a:extLst>
           </p:cNvPr>
@@ -13606,7 +13643,7 @@
           <p:cNvPr id="8" name="Slide Number Placeholder 7">
             <a:extLst>
               <a:ext uri="{FF2B5EF4-FFF2-40B4-BE49-F238E27FC236}">
-                <a16:creationId xmlns="" xmlns:a16="http://schemas.microsoft.com/office/drawing/2014/main" id="{8DD8198B-D92C-41F5-9CF3-3B55147EB73A}"/>
+                <a16:creationId xmlns:a16="http://schemas.microsoft.com/office/drawing/2014/main" xmlns="" id="{8DD8198B-D92C-41F5-9CF3-3B55147EB73A}"/>
               </a:ext>
             </a:extLst>
           </p:cNvPr>
@@ -13672,7 +13709,7 @@
           <p:cNvPr id="2" name="Title 1">
             <a:extLst>
               <a:ext uri="{FF2B5EF4-FFF2-40B4-BE49-F238E27FC236}">
-                <a16:creationId xmlns="" xmlns:a16="http://schemas.microsoft.com/office/drawing/2014/main" id="{9F53C0E6-5CA5-48E1-B370-E678425399F4}"/>
+                <a16:creationId xmlns:a16="http://schemas.microsoft.com/office/drawing/2014/main" xmlns="" id="{9F53C0E6-5CA5-48E1-B370-E678425399F4}"/>
               </a:ext>
             </a:extLst>
           </p:cNvPr>
@@ -13705,7 +13742,7 @@
           <p:cNvPr id="3" name="Content Placeholder 2">
             <a:extLst>
               <a:ext uri="{FF2B5EF4-FFF2-40B4-BE49-F238E27FC236}">
-                <a16:creationId xmlns="" xmlns:a16="http://schemas.microsoft.com/office/drawing/2014/main" id="{F0A4581A-26B3-40E7-A945-90C4D9B58292}"/>
+                <a16:creationId xmlns:a16="http://schemas.microsoft.com/office/drawing/2014/main" xmlns="" id="{F0A4581A-26B3-40E7-A945-90C4D9B58292}"/>
               </a:ext>
             </a:extLst>
           </p:cNvPr>
@@ -13945,7 +13982,7 @@
           <p:cNvPr id="4" name="Footer Placeholder 3">
             <a:extLst>
               <a:ext uri="{FF2B5EF4-FFF2-40B4-BE49-F238E27FC236}">
-                <a16:creationId xmlns="" xmlns:a16="http://schemas.microsoft.com/office/drawing/2014/main" id="{540972A1-4BB3-4D04-B4DF-C76BA9B5CAD8}"/>
+                <a16:creationId xmlns:a16="http://schemas.microsoft.com/office/drawing/2014/main" xmlns="" id="{540972A1-4BB3-4D04-B4DF-C76BA9B5CAD8}"/>
               </a:ext>
             </a:extLst>
           </p:cNvPr>
@@ -13974,7 +14011,7 @@
           <p:cNvPr id="5" name="Slide Number Placeholder 4">
             <a:extLst>
               <a:ext uri="{FF2B5EF4-FFF2-40B4-BE49-F238E27FC236}">
-                <a16:creationId xmlns="" xmlns:a16="http://schemas.microsoft.com/office/drawing/2014/main" id="{23B5C741-F1AB-463E-B229-974B2924B065}"/>
+                <a16:creationId xmlns:a16="http://schemas.microsoft.com/office/drawing/2014/main" xmlns="" id="{23B5C741-F1AB-463E-B229-974B2924B065}"/>
               </a:ext>
             </a:extLst>
           </p:cNvPr>
@@ -14040,7 +14077,7 @@
           <p:cNvPr id="2" name="Title 1">
             <a:extLst>
               <a:ext uri="{FF2B5EF4-FFF2-40B4-BE49-F238E27FC236}">
-                <a16:creationId xmlns="" xmlns:a16="http://schemas.microsoft.com/office/drawing/2014/main" id="{9F53C0E6-5CA5-48E1-B370-E678425399F4}"/>
+                <a16:creationId xmlns:a16="http://schemas.microsoft.com/office/drawing/2014/main" xmlns="" id="{9F53C0E6-5CA5-48E1-B370-E678425399F4}"/>
               </a:ext>
             </a:extLst>
           </p:cNvPr>
@@ -14073,7 +14110,7 @@
           <p:cNvPr id="3" name="Content Placeholder 2">
             <a:extLst>
               <a:ext uri="{FF2B5EF4-FFF2-40B4-BE49-F238E27FC236}">
-                <a16:creationId xmlns="" xmlns:a16="http://schemas.microsoft.com/office/drawing/2014/main" id="{F0A4581A-26B3-40E7-A945-90C4D9B58292}"/>
+                <a16:creationId xmlns:a16="http://schemas.microsoft.com/office/drawing/2014/main" xmlns="" id="{F0A4581A-26B3-40E7-A945-90C4D9B58292}"/>
               </a:ext>
             </a:extLst>
           </p:cNvPr>
@@ -14384,7 +14421,7 @@
           <p:cNvPr id="4" name="Footer Placeholder 3">
             <a:extLst>
               <a:ext uri="{FF2B5EF4-FFF2-40B4-BE49-F238E27FC236}">
-                <a16:creationId xmlns="" xmlns:a16="http://schemas.microsoft.com/office/drawing/2014/main" id="{540972A1-4BB3-4D04-B4DF-C76BA9B5CAD8}"/>
+                <a16:creationId xmlns:a16="http://schemas.microsoft.com/office/drawing/2014/main" xmlns="" id="{540972A1-4BB3-4D04-B4DF-C76BA9B5CAD8}"/>
               </a:ext>
             </a:extLst>
           </p:cNvPr>
@@ -14413,7 +14450,7 @@
           <p:cNvPr id="5" name="Slide Number Placeholder 4">
             <a:extLst>
               <a:ext uri="{FF2B5EF4-FFF2-40B4-BE49-F238E27FC236}">
-                <a16:creationId xmlns="" xmlns:a16="http://schemas.microsoft.com/office/drawing/2014/main" id="{23B5C741-F1AB-463E-B229-974B2924B065}"/>
+                <a16:creationId xmlns:a16="http://schemas.microsoft.com/office/drawing/2014/main" xmlns="" id="{23B5C741-F1AB-463E-B229-974B2924B065}"/>
               </a:ext>
             </a:extLst>
           </p:cNvPr>
@@ -14442,7 +14479,7 @@
           <p:cNvPr id="7" name="Table 7">
             <a:extLst>
               <a:ext uri="{FF2B5EF4-FFF2-40B4-BE49-F238E27FC236}">
-                <a16:creationId xmlns="" xmlns:a16="http://schemas.microsoft.com/office/drawing/2014/main" id="{C1D7B18B-F719-4FA1-8099-62547C038289}"/>
+                <a16:creationId xmlns:a16="http://schemas.microsoft.com/office/drawing/2014/main" xmlns="" id="{C1D7B18B-F719-4FA1-8099-62547C038289}"/>
               </a:ext>
             </a:extLst>
           </p:cNvPr>
@@ -14471,14 +14508,14 @@
                 <a:gridCol w="4926497">
                   <a:extLst>
                     <a:ext uri="{9D8B030D-6E8A-4147-A177-3AD203B41FA5}">
-                      <a16:colId xmlns="" xmlns:a16="http://schemas.microsoft.com/office/drawing/2014/main" val="3034872970"/>
+                      <a16:colId xmlns:a16="http://schemas.microsoft.com/office/drawing/2014/main" xmlns="" val="3034872970"/>
                     </a:ext>
                   </a:extLst>
                 </a:gridCol>
                 <a:gridCol w="4598504">
                   <a:extLst>
                     <a:ext uri="{9D8B030D-6E8A-4147-A177-3AD203B41FA5}">
-                      <a16:colId xmlns="" xmlns:a16="http://schemas.microsoft.com/office/drawing/2014/main" val="2251918797"/>
+                      <a16:colId xmlns:a16="http://schemas.microsoft.com/office/drawing/2014/main" xmlns="" val="2251918797"/>
                     </a:ext>
                   </a:extLst>
                 </a:gridCol>
@@ -14620,7 +14657,7 @@
                 </a:tc>
                 <a:extLst>
                   <a:ext uri="{0D108BD9-81ED-4DB2-BD59-A6C34878D82A}">
-                    <a16:rowId xmlns="" xmlns:a16="http://schemas.microsoft.com/office/drawing/2014/main" val="2753114079"/>
+                    <a16:rowId xmlns:a16="http://schemas.microsoft.com/office/drawing/2014/main" xmlns="" val="2753114079"/>
                   </a:ext>
                 </a:extLst>
               </a:tr>
@@ -14761,7 +14798,7 @@
                 </a:tc>
                 <a:extLst>
                   <a:ext uri="{0D108BD9-81ED-4DB2-BD59-A6C34878D82A}">
-                    <a16:rowId xmlns="" xmlns:a16="http://schemas.microsoft.com/office/drawing/2014/main" val="769681522"/>
+                    <a16:rowId xmlns:a16="http://schemas.microsoft.com/office/drawing/2014/main" xmlns="" val="769681522"/>
                   </a:ext>
                 </a:extLst>
               </a:tr>
@@ -14883,7 +14920,7 @@
                 </a:tc>
                 <a:extLst>
                   <a:ext uri="{0D108BD9-81ED-4DB2-BD59-A6C34878D82A}">
-                    <a16:rowId xmlns="" xmlns:a16="http://schemas.microsoft.com/office/drawing/2014/main" val="647956420"/>
+                    <a16:rowId xmlns:a16="http://schemas.microsoft.com/office/drawing/2014/main" xmlns="" val="647956420"/>
                   </a:ext>
                 </a:extLst>
               </a:tr>
@@ -14896,7 +14933,7 @@
           <p:cNvPr id="9" name="Picture 8">
             <a:extLst>
               <a:ext uri="{FF2B5EF4-FFF2-40B4-BE49-F238E27FC236}">
-                <a16:creationId xmlns="" xmlns:a16="http://schemas.microsoft.com/office/drawing/2014/main" id="{E31162F2-89B2-4922-87BE-A47BDDD25745}"/>
+                <a16:creationId xmlns:a16="http://schemas.microsoft.com/office/drawing/2014/main" xmlns="" id="{E31162F2-89B2-4922-87BE-A47BDDD25745}"/>
               </a:ext>
             </a:extLst>
           </p:cNvPr>
@@ -14932,7 +14969,7 @@
           <p:cNvPr id="11" name="Table 11">
             <a:extLst>
               <a:ext uri="{FF2B5EF4-FFF2-40B4-BE49-F238E27FC236}">
-                <a16:creationId xmlns="" xmlns:a16="http://schemas.microsoft.com/office/drawing/2014/main" id="{BA7FDF9A-CB5A-4C69-B5F1-19EF9D82EEEA}"/>
+                <a16:creationId xmlns:a16="http://schemas.microsoft.com/office/drawing/2014/main" xmlns="" id="{BA7FDF9A-CB5A-4C69-B5F1-19EF9D82EEEA}"/>
               </a:ext>
             </a:extLst>
           </p:cNvPr>
@@ -14961,35 +14998,35 @@
                 <a:gridCol w="2087097">
                   <a:extLst>
                     <a:ext uri="{9D8B030D-6E8A-4147-A177-3AD203B41FA5}">
-                      <a16:colId xmlns="" xmlns:a16="http://schemas.microsoft.com/office/drawing/2014/main" val="1625993285"/>
+                      <a16:colId xmlns:a16="http://schemas.microsoft.com/office/drawing/2014/main" xmlns="" val="1625993285"/>
                     </a:ext>
                   </a:extLst>
                 </a:gridCol>
                 <a:gridCol w="2087097">
                   <a:extLst>
                     <a:ext uri="{9D8B030D-6E8A-4147-A177-3AD203B41FA5}">
-                      <a16:colId xmlns="" xmlns:a16="http://schemas.microsoft.com/office/drawing/2014/main" val="2002752227"/>
+                      <a16:colId xmlns:a16="http://schemas.microsoft.com/office/drawing/2014/main" xmlns="" val="2002752227"/>
                     </a:ext>
                   </a:extLst>
                 </a:gridCol>
                 <a:gridCol w="2087097">
                   <a:extLst>
                     <a:ext uri="{9D8B030D-6E8A-4147-A177-3AD203B41FA5}">
-                      <a16:colId xmlns="" xmlns:a16="http://schemas.microsoft.com/office/drawing/2014/main" val="1168972226"/>
+                      <a16:colId xmlns:a16="http://schemas.microsoft.com/office/drawing/2014/main" xmlns="" val="1168972226"/>
                     </a:ext>
                   </a:extLst>
                 </a:gridCol>
                 <a:gridCol w="2087097">
                   <a:extLst>
                     <a:ext uri="{9D8B030D-6E8A-4147-A177-3AD203B41FA5}">
-                      <a16:colId xmlns="" xmlns:a16="http://schemas.microsoft.com/office/drawing/2014/main" val="873165184"/>
+                      <a16:colId xmlns:a16="http://schemas.microsoft.com/office/drawing/2014/main" xmlns="" val="873165184"/>
                     </a:ext>
                   </a:extLst>
                 </a:gridCol>
                 <a:gridCol w="2087097">
                   <a:extLst>
                     <a:ext uri="{9D8B030D-6E8A-4147-A177-3AD203B41FA5}">
-                      <a16:colId xmlns="" xmlns:a16="http://schemas.microsoft.com/office/drawing/2014/main" val="1596955192"/>
+                      <a16:colId xmlns:a16="http://schemas.microsoft.com/office/drawing/2014/main" xmlns="" val="1596955192"/>
                     </a:ext>
                   </a:extLst>
                 </a:gridCol>
@@ -15188,7 +15225,7 @@
                 </a:tc>
                 <a:extLst>
                   <a:ext uri="{0D108BD9-81ED-4DB2-BD59-A6C34878D82A}">
-                    <a16:rowId xmlns="" xmlns:a16="http://schemas.microsoft.com/office/drawing/2014/main" val="1555510216"/>
+                    <a16:rowId xmlns:a16="http://schemas.microsoft.com/office/drawing/2014/main" xmlns="" val="1555510216"/>
                   </a:ext>
                 </a:extLst>
               </a:tr>
@@ -15370,7 +15407,7 @@
                 </a:tc>
                 <a:extLst>
                   <a:ext uri="{0D108BD9-81ED-4DB2-BD59-A6C34878D82A}">
-                    <a16:rowId xmlns="" xmlns:a16="http://schemas.microsoft.com/office/drawing/2014/main" val="1834948506"/>
+                    <a16:rowId xmlns:a16="http://schemas.microsoft.com/office/drawing/2014/main" xmlns="" val="1834948506"/>
                   </a:ext>
                 </a:extLst>
               </a:tr>
@@ -15383,7 +15420,7 @@
           <p:cNvPr id="13" name="Table 13">
             <a:extLst>
               <a:ext uri="{FF2B5EF4-FFF2-40B4-BE49-F238E27FC236}">
-                <a16:creationId xmlns="" xmlns:a16="http://schemas.microsoft.com/office/drawing/2014/main" id="{9F3A6247-5AAB-4C2D-B420-5D14AF0155D6}"/>
+                <a16:creationId xmlns:a16="http://schemas.microsoft.com/office/drawing/2014/main" xmlns="" id="{9F3A6247-5AAB-4C2D-B420-5D14AF0155D6}"/>
               </a:ext>
             </a:extLst>
           </p:cNvPr>
@@ -15412,21 +15449,21 @@
                 <a:gridCol w="3505200">
                   <a:extLst>
                     <a:ext uri="{9D8B030D-6E8A-4147-A177-3AD203B41FA5}">
-                      <a16:colId xmlns="" xmlns:a16="http://schemas.microsoft.com/office/drawing/2014/main" val="764850448"/>
+                      <a16:colId xmlns:a16="http://schemas.microsoft.com/office/drawing/2014/main" xmlns="" val="764850448"/>
                     </a:ext>
                   </a:extLst>
                 </a:gridCol>
                 <a:gridCol w="3505200">
                   <a:extLst>
                     <a:ext uri="{9D8B030D-6E8A-4147-A177-3AD203B41FA5}">
-                      <a16:colId xmlns="" xmlns:a16="http://schemas.microsoft.com/office/drawing/2014/main" val="348465865"/>
+                      <a16:colId xmlns:a16="http://schemas.microsoft.com/office/drawing/2014/main" xmlns="" val="348465865"/>
                     </a:ext>
                   </a:extLst>
                 </a:gridCol>
                 <a:gridCol w="3505200">
                   <a:extLst>
                     <a:ext uri="{9D8B030D-6E8A-4147-A177-3AD203B41FA5}">
-                      <a16:colId xmlns="" xmlns:a16="http://schemas.microsoft.com/office/drawing/2014/main" val="1848297289"/>
+                      <a16:colId xmlns:a16="http://schemas.microsoft.com/office/drawing/2014/main" xmlns="" val="1848297289"/>
                     </a:ext>
                   </a:extLst>
                 </a:gridCol>
@@ -15539,7 +15576,7 @@
                 </a:tc>
                 <a:extLst>
                   <a:ext uri="{0D108BD9-81ED-4DB2-BD59-A6C34878D82A}">
-                    <a16:rowId xmlns="" xmlns:a16="http://schemas.microsoft.com/office/drawing/2014/main" val="1174627282"/>
+                    <a16:rowId xmlns:a16="http://schemas.microsoft.com/office/drawing/2014/main" xmlns="" val="1174627282"/>
                   </a:ext>
                 </a:extLst>
               </a:tr>
@@ -15648,7 +15685,7 @@
                 </a:tc>
                 <a:extLst>
                   <a:ext uri="{0D108BD9-81ED-4DB2-BD59-A6C34878D82A}">
-                    <a16:rowId xmlns="" xmlns:a16="http://schemas.microsoft.com/office/drawing/2014/main" val="256008200"/>
+                    <a16:rowId xmlns:a16="http://schemas.microsoft.com/office/drawing/2014/main" xmlns="" val="256008200"/>
                   </a:ext>
                 </a:extLst>
               </a:tr>
@@ -15698,7 +15735,7 @@
           <p:cNvPr id="2" name="Title 1">
             <a:extLst>
               <a:ext uri="{FF2B5EF4-FFF2-40B4-BE49-F238E27FC236}">
-                <a16:creationId xmlns="" xmlns:a16="http://schemas.microsoft.com/office/drawing/2014/main" id="{9F53C0E6-5CA5-48E1-B370-E678425399F4}"/>
+                <a16:creationId xmlns:a16="http://schemas.microsoft.com/office/drawing/2014/main" xmlns="" id="{9F53C0E6-5CA5-48E1-B370-E678425399F4}"/>
               </a:ext>
             </a:extLst>
           </p:cNvPr>
@@ -15731,7 +15768,7 @@
           <p:cNvPr id="3" name="Content Placeholder 2">
             <a:extLst>
               <a:ext uri="{FF2B5EF4-FFF2-40B4-BE49-F238E27FC236}">
-                <a16:creationId xmlns="" xmlns:a16="http://schemas.microsoft.com/office/drawing/2014/main" id="{F0A4581A-26B3-40E7-A945-90C4D9B58292}"/>
+                <a16:creationId xmlns:a16="http://schemas.microsoft.com/office/drawing/2014/main" xmlns="" id="{F0A4581A-26B3-40E7-A945-90C4D9B58292}"/>
               </a:ext>
             </a:extLst>
           </p:cNvPr>
@@ -15787,7 +15824,7 @@
           <p:cNvPr id="4" name="Footer Placeholder 3">
             <a:extLst>
               <a:ext uri="{FF2B5EF4-FFF2-40B4-BE49-F238E27FC236}">
-                <a16:creationId xmlns="" xmlns:a16="http://schemas.microsoft.com/office/drawing/2014/main" id="{540972A1-4BB3-4D04-B4DF-C76BA9B5CAD8}"/>
+                <a16:creationId xmlns:a16="http://schemas.microsoft.com/office/drawing/2014/main" xmlns="" id="{540972A1-4BB3-4D04-B4DF-C76BA9B5CAD8}"/>
               </a:ext>
             </a:extLst>
           </p:cNvPr>
@@ -15816,7 +15853,7 @@
           <p:cNvPr id="5" name="Slide Number Placeholder 4">
             <a:extLst>
               <a:ext uri="{FF2B5EF4-FFF2-40B4-BE49-F238E27FC236}">
-                <a16:creationId xmlns="" xmlns:a16="http://schemas.microsoft.com/office/drawing/2014/main" id="{23B5C741-F1AB-463E-B229-974B2924B065}"/>
+                <a16:creationId xmlns:a16="http://schemas.microsoft.com/office/drawing/2014/main" xmlns="" id="{23B5C741-F1AB-463E-B229-974B2924B065}"/>
               </a:ext>
             </a:extLst>
           </p:cNvPr>
@@ -15845,7 +15882,7 @@
           <p:cNvPr id="6" name="Table 6">
             <a:extLst>
               <a:ext uri="{FF2B5EF4-FFF2-40B4-BE49-F238E27FC236}">
-                <a16:creationId xmlns="" xmlns:a16="http://schemas.microsoft.com/office/drawing/2014/main" id="{C1E06144-0F57-4633-A8CE-E9F59E0D6DD7}"/>
+                <a16:creationId xmlns:a16="http://schemas.microsoft.com/office/drawing/2014/main" xmlns="" id="{C1E06144-0F57-4633-A8CE-E9F59E0D6DD7}"/>
               </a:ext>
             </a:extLst>
           </p:cNvPr>
@@ -15874,28 +15911,28 @@
                 <a:gridCol w="699052">
                   <a:extLst>
                     <a:ext uri="{9D8B030D-6E8A-4147-A177-3AD203B41FA5}">
-                      <a16:colId xmlns="" xmlns:a16="http://schemas.microsoft.com/office/drawing/2014/main" val="3249865570"/>
+                      <a16:colId xmlns:a16="http://schemas.microsoft.com/office/drawing/2014/main" xmlns="" val="3249865570"/>
                     </a:ext>
                   </a:extLst>
                 </a:gridCol>
                 <a:gridCol w="4041913">
                   <a:extLst>
                     <a:ext uri="{9D8B030D-6E8A-4147-A177-3AD203B41FA5}">
-                      <a16:colId xmlns="" xmlns:a16="http://schemas.microsoft.com/office/drawing/2014/main" val="371997466"/>
+                      <a16:colId xmlns:a16="http://schemas.microsoft.com/office/drawing/2014/main" xmlns="" val="371997466"/>
                     </a:ext>
                   </a:extLst>
                 </a:gridCol>
                 <a:gridCol w="3472070">
                   <a:extLst>
                     <a:ext uri="{9D8B030D-6E8A-4147-A177-3AD203B41FA5}">
-                      <a16:colId xmlns="" xmlns:a16="http://schemas.microsoft.com/office/drawing/2014/main" val="4110403680"/>
+                      <a16:colId xmlns:a16="http://schemas.microsoft.com/office/drawing/2014/main" xmlns="" val="4110403680"/>
                     </a:ext>
                   </a:extLst>
                 </a:gridCol>
                 <a:gridCol w="2302566">
                   <a:extLst>
                     <a:ext uri="{9D8B030D-6E8A-4147-A177-3AD203B41FA5}">
-                      <a16:colId xmlns="" xmlns:a16="http://schemas.microsoft.com/office/drawing/2014/main" val="619988004"/>
+                      <a16:colId xmlns:a16="http://schemas.microsoft.com/office/drawing/2014/main" xmlns="" val="619988004"/>
                     </a:ext>
                   </a:extLst>
                 </a:gridCol>
@@ -15963,7 +16000,7 @@
                 </a:tc>
                 <a:extLst>
                   <a:ext uri="{0D108BD9-81ED-4DB2-BD59-A6C34878D82A}">
-                    <a16:rowId xmlns="" xmlns:a16="http://schemas.microsoft.com/office/drawing/2014/main" val="1587460518"/>
+                    <a16:rowId xmlns:a16="http://schemas.microsoft.com/office/drawing/2014/main" xmlns="" val="1587460518"/>
                   </a:ext>
                 </a:extLst>
               </a:tr>
@@ -16067,7 +16104,7 @@
                 </a:tc>
                 <a:extLst>
                   <a:ext uri="{0D108BD9-81ED-4DB2-BD59-A6C34878D82A}">
-                    <a16:rowId xmlns="" xmlns:a16="http://schemas.microsoft.com/office/drawing/2014/main" val="1114464614"/>
+                    <a16:rowId xmlns:a16="http://schemas.microsoft.com/office/drawing/2014/main" xmlns="" val="1114464614"/>
                   </a:ext>
                 </a:extLst>
               </a:tr>
@@ -16204,7 +16241,7 @@
                 </a:tc>
                 <a:extLst>
                   <a:ext uri="{0D108BD9-81ED-4DB2-BD59-A6C34878D82A}">
-                    <a16:rowId xmlns="" xmlns:a16="http://schemas.microsoft.com/office/drawing/2014/main" val="1453760822"/>
+                    <a16:rowId xmlns:a16="http://schemas.microsoft.com/office/drawing/2014/main" xmlns="" val="1453760822"/>
                   </a:ext>
                 </a:extLst>
               </a:tr>
@@ -16341,7 +16378,7 @@
                 </a:tc>
                 <a:extLst>
                   <a:ext uri="{0D108BD9-81ED-4DB2-BD59-A6C34878D82A}">
-                    <a16:rowId xmlns="" xmlns:a16="http://schemas.microsoft.com/office/drawing/2014/main" val="1675485532"/>
+                    <a16:rowId xmlns:a16="http://schemas.microsoft.com/office/drawing/2014/main" xmlns="" val="1675485532"/>
                   </a:ext>
                 </a:extLst>
               </a:tr>
@@ -16486,7 +16523,7 @@
                 </a:tc>
                 <a:extLst>
                   <a:ext uri="{0D108BD9-81ED-4DB2-BD59-A6C34878D82A}">
-                    <a16:rowId xmlns="" xmlns:a16="http://schemas.microsoft.com/office/drawing/2014/main" val="3784564789"/>
+                    <a16:rowId xmlns:a16="http://schemas.microsoft.com/office/drawing/2014/main" xmlns="" val="3784564789"/>
                   </a:ext>
                 </a:extLst>
               </a:tr>
@@ -16623,7 +16660,7 @@
                 </a:tc>
                 <a:extLst>
                   <a:ext uri="{0D108BD9-81ED-4DB2-BD59-A6C34878D82A}">
-                    <a16:rowId xmlns="" xmlns:a16="http://schemas.microsoft.com/office/drawing/2014/main" val="1456887150"/>
+                    <a16:rowId xmlns:a16="http://schemas.microsoft.com/office/drawing/2014/main" xmlns="" val="1456887150"/>
                   </a:ext>
                 </a:extLst>
               </a:tr>
@@ -16760,7 +16797,7 @@
                 </a:tc>
                 <a:extLst>
                   <a:ext uri="{0D108BD9-81ED-4DB2-BD59-A6C34878D82A}">
-                    <a16:rowId xmlns="" xmlns:a16="http://schemas.microsoft.com/office/drawing/2014/main" val="1307625920"/>
+                    <a16:rowId xmlns:a16="http://schemas.microsoft.com/office/drawing/2014/main" xmlns="" val="1307625920"/>
                   </a:ext>
                 </a:extLst>
               </a:tr>
@@ -16897,7 +16934,7 @@
                 </a:tc>
                 <a:extLst>
                   <a:ext uri="{0D108BD9-81ED-4DB2-BD59-A6C34878D82A}">
-                    <a16:rowId xmlns="" xmlns:a16="http://schemas.microsoft.com/office/drawing/2014/main" val="3029769833"/>
+                    <a16:rowId xmlns:a16="http://schemas.microsoft.com/office/drawing/2014/main" xmlns="" val="3029769833"/>
                   </a:ext>
                 </a:extLst>
               </a:tr>
@@ -17042,7 +17079,7 @@
                 </a:tc>
                 <a:extLst>
                   <a:ext uri="{0D108BD9-81ED-4DB2-BD59-A6C34878D82A}">
-                    <a16:rowId xmlns="" xmlns:a16="http://schemas.microsoft.com/office/drawing/2014/main" val="4181254745"/>
+                    <a16:rowId xmlns:a16="http://schemas.microsoft.com/office/drawing/2014/main" xmlns="" val="4181254745"/>
                   </a:ext>
                 </a:extLst>
               </a:tr>
@@ -17179,7 +17216,7 @@
                 </a:tc>
                 <a:extLst>
                   <a:ext uri="{0D108BD9-81ED-4DB2-BD59-A6C34878D82A}">
-                    <a16:rowId xmlns="" xmlns:a16="http://schemas.microsoft.com/office/drawing/2014/main" val="2828916017"/>
+                    <a16:rowId xmlns:a16="http://schemas.microsoft.com/office/drawing/2014/main" xmlns="" val="2828916017"/>
                   </a:ext>
                 </a:extLst>
               </a:tr>
@@ -17316,7 +17353,7 @@
                 </a:tc>
                 <a:extLst>
                   <a:ext uri="{0D108BD9-81ED-4DB2-BD59-A6C34878D82A}">
-                    <a16:rowId xmlns="" xmlns:a16="http://schemas.microsoft.com/office/drawing/2014/main" val="45773675"/>
+                    <a16:rowId xmlns:a16="http://schemas.microsoft.com/office/drawing/2014/main" xmlns="" val="45773675"/>
                   </a:ext>
                 </a:extLst>
               </a:tr>
@@ -17453,7 +17490,7 @@
                 </a:tc>
                 <a:extLst>
                   <a:ext uri="{0D108BD9-81ED-4DB2-BD59-A6C34878D82A}">
-                    <a16:rowId xmlns="" xmlns:a16="http://schemas.microsoft.com/office/drawing/2014/main" val="4067745190"/>
+                    <a16:rowId xmlns:a16="http://schemas.microsoft.com/office/drawing/2014/main" xmlns="" val="4067745190"/>
                   </a:ext>
                 </a:extLst>
               </a:tr>
@@ -17590,7 +17627,7 @@
                 </a:tc>
                 <a:extLst>
                   <a:ext uri="{0D108BD9-81ED-4DB2-BD59-A6C34878D82A}">
-                    <a16:rowId xmlns="" xmlns:a16="http://schemas.microsoft.com/office/drawing/2014/main" val="705947826"/>
+                    <a16:rowId xmlns:a16="http://schemas.microsoft.com/office/drawing/2014/main" xmlns="" val="705947826"/>
                   </a:ext>
                 </a:extLst>
               </a:tr>
@@ -17640,7 +17677,7 @@
           <p:cNvPr id="2" name="Title 1">
             <a:extLst>
               <a:ext uri="{FF2B5EF4-FFF2-40B4-BE49-F238E27FC236}">
-                <a16:creationId xmlns="" xmlns:a16="http://schemas.microsoft.com/office/drawing/2014/main" id="{9F53C0E6-5CA5-48E1-B370-E678425399F4}"/>
+                <a16:creationId xmlns:a16="http://schemas.microsoft.com/office/drawing/2014/main" xmlns="" id="{9F53C0E6-5CA5-48E1-B370-E678425399F4}"/>
               </a:ext>
             </a:extLst>
           </p:cNvPr>
@@ -17673,7 +17710,7 @@
           <p:cNvPr id="6" name="Table 6">
             <a:extLst>
               <a:ext uri="{FF2B5EF4-FFF2-40B4-BE49-F238E27FC236}">
-                <a16:creationId xmlns="" xmlns:a16="http://schemas.microsoft.com/office/drawing/2014/main" id="{57899852-00E4-48D5-8493-D7C3F071DA03}"/>
+                <a16:creationId xmlns:a16="http://schemas.microsoft.com/office/drawing/2014/main" xmlns="" id="{57899852-00E4-48D5-8493-D7C3F071DA03}"/>
               </a:ext>
             </a:extLst>
           </p:cNvPr>
@@ -17703,28 +17740,28 @@
                 <a:gridCol w="659293">
                   <a:extLst>
                     <a:ext uri="{9D8B030D-6E8A-4147-A177-3AD203B41FA5}">
-                      <a16:colId xmlns="" xmlns:a16="http://schemas.microsoft.com/office/drawing/2014/main" val="3967142194"/>
+                      <a16:colId xmlns:a16="http://schemas.microsoft.com/office/drawing/2014/main" xmlns="" val="3967142194"/>
                     </a:ext>
                   </a:extLst>
                 </a:gridCol>
                 <a:gridCol w="4850295">
                   <a:extLst>
                     <a:ext uri="{9D8B030D-6E8A-4147-A177-3AD203B41FA5}">
-                      <a16:colId xmlns="" xmlns:a16="http://schemas.microsoft.com/office/drawing/2014/main" val="845744349"/>
+                      <a16:colId xmlns:a16="http://schemas.microsoft.com/office/drawing/2014/main" xmlns="" val="845744349"/>
                     </a:ext>
                   </a:extLst>
                 </a:gridCol>
                 <a:gridCol w="3286539">
                   <a:extLst>
                     <a:ext uri="{9D8B030D-6E8A-4147-A177-3AD203B41FA5}">
-                      <a16:colId xmlns="" xmlns:a16="http://schemas.microsoft.com/office/drawing/2014/main" val="3119492930"/>
+                      <a16:colId xmlns:a16="http://schemas.microsoft.com/office/drawing/2014/main" xmlns="" val="3119492930"/>
                     </a:ext>
                   </a:extLst>
                 </a:gridCol>
                 <a:gridCol w="1719469">
                   <a:extLst>
                     <a:ext uri="{9D8B030D-6E8A-4147-A177-3AD203B41FA5}">
-                      <a16:colId xmlns="" xmlns:a16="http://schemas.microsoft.com/office/drawing/2014/main" val="2461260376"/>
+                      <a16:colId xmlns:a16="http://schemas.microsoft.com/office/drawing/2014/main" xmlns="" val="2461260376"/>
                     </a:ext>
                   </a:extLst>
                 </a:gridCol>
@@ -17800,7 +17837,7 @@
                 </a:tc>
                 <a:extLst>
                   <a:ext uri="{0D108BD9-81ED-4DB2-BD59-A6C34878D82A}">
-                    <a16:rowId xmlns="" xmlns:a16="http://schemas.microsoft.com/office/drawing/2014/main" val="338402846"/>
+                    <a16:rowId xmlns:a16="http://schemas.microsoft.com/office/drawing/2014/main" xmlns="" val="338402846"/>
                   </a:ext>
                 </a:extLst>
               </a:tr>
@@ -17939,7 +17976,7 @@
                 </a:tc>
                 <a:extLst>
                   <a:ext uri="{0D108BD9-81ED-4DB2-BD59-A6C34878D82A}">
-                    <a16:rowId xmlns="" xmlns:a16="http://schemas.microsoft.com/office/drawing/2014/main" val="53499860"/>
+                    <a16:rowId xmlns:a16="http://schemas.microsoft.com/office/drawing/2014/main" xmlns="" val="53499860"/>
                   </a:ext>
                 </a:extLst>
               </a:tr>
@@ -18086,7 +18123,7 @@
                 </a:tc>
                 <a:extLst>
                   <a:ext uri="{0D108BD9-81ED-4DB2-BD59-A6C34878D82A}">
-                    <a16:rowId xmlns="" xmlns:a16="http://schemas.microsoft.com/office/drawing/2014/main" val="1809846653"/>
+                    <a16:rowId xmlns:a16="http://schemas.microsoft.com/office/drawing/2014/main" xmlns="" val="1809846653"/>
                   </a:ext>
                 </a:extLst>
               </a:tr>
@@ -18225,7 +18262,7 @@
                 </a:tc>
                 <a:extLst>
                   <a:ext uri="{0D108BD9-81ED-4DB2-BD59-A6C34878D82A}">
-                    <a16:rowId xmlns="" xmlns:a16="http://schemas.microsoft.com/office/drawing/2014/main" val="1274676589"/>
+                    <a16:rowId xmlns:a16="http://schemas.microsoft.com/office/drawing/2014/main" xmlns="" val="1274676589"/>
                   </a:ext>
                 </a:extLst>
               </a:tr>
@@ -18364,7 +18401,7 @@
                 </a:tc>
                 <a:extLst>
                   <a:ext uri="{0D108BD9-81ED-4DB2-BD59-A6C34878D82A}">
-                    <a16:rowId xmlns="" xmlns:a16="http://schemas.microsoft.com/office/drawing/2014/main" val="1630406459"/>
+                    <a16:rowId xmlns:a16="http://schemas.microsoft.com/office/drawing/2014/main" xmlns="" val="1630406459"/>
                   </a:ext>
                 </a:extLst>
               </a:tr>
@@ -18503,7 +18540,7 @@
                 </a:tc>
                 <a:extLst>
                   <a:ext uri="{0D108BD9-81ED-4DB2-BD59-A6C34878D82A}">
-                    <a16:rowId xmlns="" xmlns:a16="http://schemas.microsoft.com/office/drawing/2014/main" val="706789959"/>
+                    <a16:rowId xmlns:a16="http://schemas.microsoft.com/office/drawing/2014/main" xmlns="" val="706789959"/>
                   </a:ext>
                 </a:extLst>
               </a:tr>
@@ -18642,7 +18679,7 @@
                 </a:tc>
                 <a:extLst>
                   <a:ext uri="{0D108BD9-81ED-4DB2-BD59-A6C34878D82A}">
-                    <a16:rowId xmlns="" xmlns:a16="http://schemas.microsoft.com/office/drawing/2014/main" val="1355822850"/>
+                    <a16:rowId xmlns:a16="http://schemas.microsoft.com/office/drawing/2014/main" xmlns="" val="1355822850"/>
                   </a:ext>
                 </a:extLst>
               </a:tr>
@@ -18789,7 +18826,7 @@
                 </a:tc>
                 <a:extLst>
                   <a:ext uri="{0D108BD9-81ED-4DB2-BD59-A6C34878D82A}">
-                    <a16:rowId xmlns="" xmlns:a16="http://schemas.microsoft.com/office/drawing/2014/main" val="3995620060"/>
+                    <a16:rowId xmlns:a16="http://schemas.microsoft.com/office/drawing/2014/main" xmlns="" val="3995620060"/>
                   </a:ext>
                 </a:extLst>
               </a:tr>
@@ -18928,7 +18965,7 @@
                 </a:tc>
                 <a:extLst>
                   <a:ext uri="{0D108BD9-81ED-4DB2-BD59-A6C34878D82A}">
-                    <a16:rowId xmlns="" xmlns:a16="http://schemas.microsoft.com/office/drawing/2014/main" val="928072493"/>
+                    <a16:rowId xmlns:a16="http://schemas.microsoft.com/office/drawing/2014/main" xmlns="" val="928072493"/>
                   </a:ext>
                 </a:extLst>
               </a:tr>
@@ -19067,7 +19104,7 @@
                 </a:tc>
                 <a:extLst>
                   <a:ext uri="{0D108BD9-81ED-4DB2-BD59-A6C34878D82A}">
-                    <a16:rowId xmlns="" xmlns:a16="http://schemas.microsoft.com/office/drawing/2014/main" val="3507017606"/>
+                    <a16:rowId xmlns:a16="http://schemas.microsoft.com/office/drawing/2014/main" xmlns="" val="3507017606"/>
                   </a:ext>
                 </a:extLst>
               </a:tr>
@@ -19206,7 +19243,7 @@
                 </a:tc>
                 <a:extLst>
                   <a:ext uri="{0D108BD9-81ED-4DB2-BD59-A6C34878D82A}">
-                    <a16:rowId xmlns="" xmlns:a16="http://schemas.microsoft.com/office/drawing/2014/main" val="4140124172"/>
+                    <a16:rowId xmlns:a16="http://schemas.microsoft.com/office/drawing/2014/main" xmlns="" val="4140124172"/>
                   </a:ext>
                 </a:extLst>
               </a:tr>
@@ -19345,7 +19382,7 @@
                 </a:tc>
                 <a:extLst>
                   <a:ext uri="{0D108BD9-81ED-4DB2-BD59-A6C34878D82A}">
-                    <a16:rowId xmlns="" xmlns:a16="http://schemas.microsoft.com/office/drawing/2014/main" val="4284254439"/>
+                    <a16:rowId xmlns:a16="http://schemas.microsoft.com/office/drawing/2014/main" xmlns="" val="4284254439"/>
                   </a:ext>
                 </a:extLst>
               </a:tr>
@@ -19492,7 +19529,7 @@
                 </a:tc>
                 <a:extLst>
                   <a:ext uri="{0D108BD9-81ED-4DB2-BD59-A6C34878D82A}">
-                    <a16:rowId xmlns="" xmlns:a16="http://schemas.microsoft.com/office/drawing/2014/main" val="1615818627"/>
+                    <a16:rowId xmlns:a16="http://schemas.microsoft.com/office/drawing/2014/main" xmlns="" val="1615818627"/>
                   </a:ext>
                 </a:extLst>
               </a:tr>
@@ -19505,7 +19542,7 @@
           <p:cNvPr id="4" name="Footer Placeholder 3">
             <a:extLst>
               <a:ext uri="{FF2B5EF4-FFF2-40B4-BE49-F238E27FC236}">
-                <a16:creationId xmlns="" xmlns:a16="http://schemas.microsoft.com/office/drawing/2014/main" id="{540972A1-4BB3-4D04-B4DF-C76BA9B5CAD8}"/>
+                <a16:creationId xmlns:a16="http://schemas.microsoft.com/office/drawing/2014/main" xmlns="" id="{540972A1-4BB3-4D04-B4DF-C76BA9B5CAD8}"/>
               </a:ext>
             </a:extLst>
           </p:cNvPr>
@@ -19534,7 +19571,7 @@
           <p:cNvPr id="5" name="Slide Number Placeholder 4">
             <a:extLst>
               <a:ext uri="{FF2B5EF4-FFF2-40B4-BE49-F238E27FC236}">
-                <a16:creationId xmlns="" xmlns:a16="http://schemas.microsoft.com/office/drawing/2014/main" id="{23B5C741-F1AB-463E-B229-974B2924B065}"/>
+                <a16:creationId xmlns:a16="http://schemas.microsoft.com/office/drawing/2014/main" xmlns="" id="{23B5C741-F1AB-463E-B229-974B2924B065}"/>
               </a:ext>
             </a:extLst>
           </p:cNvPr>
@@ -19563,7 +19600,7 @@
           <p:cNvPr id="7" name="TextBox 6">
             <a:extLst>
               <a:ext uri="{FF2B5EF4-FFF2-40B4-BE49-F238E27FC236}">
-                <a16:creationId xmlns="" xmlns:a16="http://schemas.microsoft.com/office/drawing/2014/main" id="{D3EFAF3B-6ACA-4777-8366-4A6C243E7E2F}"/>
+                <a16:creationId xmlns:a16="http://schemas.microsoft.com/office/drawing/2014/main" xmlns="" id="{D3EFAF3B-6ACA-4777-8366-4A6C243E7E2F}"/>
               </a:ext>
             </a:extLst>
           </p:cNvPr>
@@ -19651,7 +19688,7 @@
           <p:cNvPr id="2" name="Title 1">
             <a:extLst>
               <a:ext uri="{FF2B5EF4-FFF2-40B4-BE49-F238E27FC236}">
-                <a16:creationId xmlns="" xmlns:a16="http://schemas.microsoft.com/office/drawing/2014/main" id="{9F53C0E6-5CA5-48E1-B370-E678425399F4}"/>
+                <a16:creationId xmlns:a16="http://schemas.microsoft.com/office/drawing/2014/main" xmlns="" id="{9F53C0E6-5CA5-48E1-B370-E678425399F4}"/>
               </a:ext>
             </a:extLst>
           </p:cNvPr>
@@ -19684,7 +19721,7 @@
           <p:cNvPr id="3" name="Content Placeholder 2">
             <a:extLst>
               <a:ext uri="{FF2B5EF4-FFF2-40B4-BE49-F238E27FC236}">
-                <a16:creationId xmlns="" xmlns:a16="http://schemas.microsoft.com/office/drawing/2014/main" id="{F0A4581A-26B3-40E7-A945-90C4D9B58292}"/>
+                <a16:creationId xmlns:a16="http://schemas.microsoft.com/office/drawing/2014/main" xmlns="" id="{F0A4581A-26B3-40E7-A945-90C4D9B58292}"/>
               </a:ext>
             </a:extLst>
           </p:cNvPr>
@@ -19801,7 +19838,7 @@
           <p:cNvPr id="4" name="Footer Placeholder 3">
             <a:extLst>
               <a:ext uri="{FF2B5EF4-FFF2-40B4-BE49-F238E27FC236}">
-                <a16:creationId xmlns="" xmlns:a16="http://schemas.microsoft.com/office/drawing/2014/main" id="{540972A1-4BB3-4D04-B4DF-C76BA9B5CAD8}"/>
+                <a16:creationId xmlns:a16="http://schemas.microsoft.com/office/drawing/2014/main" xmlns="" id="{540972A1-4BB3-4D04-B4DF-C76BA9B5CAD8}"/>
               </a:ext>
             </a:extLst>
           </p:cNvPr>
@@ -19830,7 +19867,7 @@
           <p:cNvPr id="5" name="Slide Number Placeholder 4">
             <a:extLst>
               <a:ext uri="{FF2B5EF4-FFF2-40B4-BE49-F238E27FC236}">
-                <a16:creationId xmlns="" xmlns:a16="http://schemas.microsoft.com/office/drawing/2014/main" id="{23B5C741-F1AB-463E-B229-974B2924B065}"/>
+                <a16:creationId xmlns:a16="http://schemas.microsoft.com/office/drawing/2014/main" xmlns="" id="{23B5C741-F1AB-463E-B229-974B2924B065}"/>
               </a:ext>
             </a:extLst>
           </p:cNvPr>
@@ -19896,7 +19933,7 @@
           <p:cNvPr id="2" name="Title 1">
             <a:extLst>
               <a:ext uri="{FF2B5EF4-FFF2-40B4-BE49-F238E27FC236}">
-                <a16:creationId xmlns="" xmlns:a16="http://schemas.microsoft.com/office/drawing/2014/main" id="{9F53C0E6-5CA5-48E1-B370-E678425399F4}"/>
+                <a16:creationId xmlns:a16="http://schemas.microsoft.com/office/drawing/2014/main" xmlns="" id="{9F53C0E6-5CA5-48E1-B370-E678425399F4}"/>
               </a:ext>
             </a:extLst>
           </p:cNvPr>
@@ -19929,7 +19966,7 @@
           <p:cNvPr id="3" name="Content Placeholder 2">
             <a:extLst>
               <a:ext uri="{FF2B5EF4-FFF2-40B4-BE49-F238E27FC236}">
-                <a16:creationId xmlns="" xmlns:a16="http://schemas.microsoft.com/office/drawing/2014/main" id="{F0A4581A-26B3-40E7-A945-90C4D9B58292}"/>
+                <a16:creationId xmlns:a16="http://schemas.microsoft.com/office/drawing/2014/main" xmlns="" id="{F0A4581A-26B3-40E7-A945-90C4D9B58292}"/>
               </a:ext>
             </a:extLst>
           </p:cNvPr>
@@ -20026,7 +20063,7 @@
           <p:cNvPr id="4" name="Footer Placeholder 3">
             <a:extLst>
               <a:ext uri="{FF2B5EF4-FFF2-40B4-BE49-F238E27FC236}">
-                <a16:creationId xmlns="" xmlns:a16="http://schemas.microsoft.com/office/drawing/2014/main" id="{540972A1-4BB3-4D04-B4DF-C76BA9B5CAD8}"/>
+                <a16:creationId xmlns:a16="http://schemas.microsoft.com/office/drawing/2014/main" xmlns="" id="{540972A1-4BB3-4D04-B4DF-C76BA9B5CAD8}"/>
               </a:ext>
             </a:extLst>
           </p:cNvPr>
@@ -20055,7 +20092,7 @@
           <p:cNvPr id="5" name="Slide Number Placeholder 4">
             <a:extLst>
               <a:ext uri="{FF2B5EF4-FFF2-40B4-BE49-F238E27FC236}">
-                <a16:creationId xmlns="" xmlns:a16="http://schemas.microsoft.com/office/drawing/2014/main" id="{23B5C741-F1AB-463E-B229-974B2924B065}"/>
+                <a16:creationId xmlns:a16="http://schemas.microsoft.com/office/drawing/2014/main" xmlns="" id="{23B5C741-F1AB-463E-B229-974B2924B065}"/>
               </a:ext>
             </a:extLst>
           </p:cNvPr>
@@ -20084,7 +20121,7 @@
           <p:cNvPr id="7" name="Picture 6" descr="Table&#10;&#10;Description automatically generated">
             <a:extLst>
               <a:ext uri="{FF2B5EF4-FFF2-40B4-BE49-F238E27FC236}">
-                <a16:creationId xmlns="" xmlns:a16="http://schemas.microsoft.com/office/drawing/2014/main" id="{1253A37B-2D79-4AD6-846F-6D1D987D327F}"/>
+                <a16:creationId xmlns:a16="http://schemas.microsoft.com/office/drawing/2014/main" xmlns="" id="{1253A37B-2D79-4AD6-846F-6D1D987D327F}"/>
               </a:ext>
             </a:extLst>
           </p:cNvPr>
@@ -20157,7 +20194,7 @@
           <p:cNvPr id="2" name="Title 1">
             <a:extLst>
               <a:ext uri="{FF2B5EF4-FFF2-40B4-BE49-F238E27FC236}">
-                <a16:creationId xmlns="" xmlns:a16="http://schemas.microsoft.com/office/drawing/2014/main" id="{9F53C0E6-5CA5-48E1-B370-E678425399F4}"/>
+                <a16:creationId xmlns:a16="http://schemas.microsoft.com/office/drawing/2014/main" xmlns="" id="{9F53C0E6-5CA5-48E1-B370-E678425399F4}"/>
               </a:ext>
             </a:extLst>
           </p:cNvPr>
@@ -20190,7 +20227,7 @@
           <p:cNvPr id="3" name="Content Placeholder 2">
             <a:extLst>
               <a:ext uri="{FF2B5EF4-FFF2-40B4-BE49-F238E27FC236}">
-                <a16:creationId xmlns="" xmlns:a16="http://schemas.microsoft.com/office/drawing/2014/main" id="{F0A4581A-26B3-40E7-A945-90C4D9B58292}"/>
+                <a16:creationId xmlns:a16="http://schemas.microsoft.com/office/drawing/2014/main" xmlns="" id="{F0A4581A-26B3-40E7-A945-90C4D9B58292}"/>
               </a:ext>
             </a:extLst>
           </p:cNvPr>
@@ -20410,7 +20447,7 @@
           <p:cNvPr id="4" name="Footer Placeholder 3">
             <a:extLst>
               <a:ext uri="{FF2B5EF4-FFF2-40B4-BE49-F238E27FC236}">
-                <a16:creationId xmlns="" xmlns:a16="http://schemas.microsoft.com/office/drawing/2014/main" id="{540972A1-4BB3-4D04-B4DF-C76BA9B5CAD8}"/>
+                <a16:creationId xmlns:a16="http://schemas.microsoft.com/office/drawing/2014/main" xmlns="" id="{540972A1-4BB3-4D04-B4DF-C76BA9B5CAD8}"/>
               </a:ext>
             </a:extLst>
           </p:cNvPr>
@@ -20439,7 +20476,7 @@
           <p:cNvPr id="5" name="Slide Number Placeholder 4">
             <a:extLst>
               <a:ext uri="{FF2B5EF4-FFF2-40B4-BE49-F238E27FC236}">
-                <a16:creationId xmlns="" xmlns:a16="http://schemas.microsoft.com/office/drawing/2014/main" id="{23B5C741-F1AB-463E-B229-974B2924B065}"/>
+                <a16:creationId xmlns:a16="http://schemas.microsoft.com/office/drawing/2014/main" xmlns="" id="{23B5C741-F1AB-463E-B229-974B2924B065}"/>
               </a:ext>
             </a:extLst>
           </p:cNvPr>
@@ -20468,7 +20505,7 @@
           <p:cNvPr id="7" name="Table 7">
             <a:extLst>
               <a:ext uri="{FF2B5EF4-FFF2-40B4-BE49-F238E27FC236}">
-                <a16:creationId xmlns="" xmlns:a16="http://schemas.microsoft.com/office/drawing/2014/main" id="{13889562-6D48-4151-A7F7-697C6BB79C94}"/>
+                <a16:creationId xmlns:a16="http://schemas.microsoft.com/office/drawing/2014/main" xmlns="" id="{13889562-6D48-4151-A7F7-697C6BB79C94}"/>
               </a:ext>
             </a:extLst>
           </p:cNvPr>
@@ -20497,42 +20534,42 @@
                 <a:gridCol w="895994">
                   <a:extLst>
                     <a:ext uri="{9D8B030D-6E8A-4147-A177-3AD203B41FA5}">
-                      <a16:colId xmlns="" xmlns:a16="http://schemas.microsoft.com/office/drawing/2014/main" val="3470491924"/>
+                      <a16:colId xmlns:a16="http://schemas.microsoft.com/office/drawing/2014/main" xmlns="" val="3470491924"/>
                     </a:ext>
                   </a:extLst>
                 </a:gridCol>
                 <a:gridCol w="895994">
                   <a:extLst>
                     <a:ext uri="{9D8B030D-6E8A-4147-A177-3AD203B41FA5}">
-                      <a16:colId xmlns="" xmlns:a16="http://schemas.microsoft.com/office/drawing/2014/main" val="2502966855"/>
+                      <a16:colId xmlns:a16="http://schemas.microsoft.com/office/drawing/2014/main" xmlns="" val="2502966855"/>
                     </a:ext>
                   </a:extLst>
                 </a:gridCol>
                 <a:gridCol w="895994">
                   <a:extLst>
                     <a:ext uri="{9D8B030D-6E8A-4147-A177-3AD203B41FA5}">
-                      <a16:colId xmlns="" xmlns:a16="http://schemas.microsoft.com/office/drawing/2014/main" val="1083158815"/>
+                      <a16:colId xmlns:a16="http://schemas.microsoft.com/office/drawing/2014/main" xmlns="" val="1083158815"/>
                     </a:ext>
                   </a:extLst>
                 </a:gridCol>
                 <a:gridCol w="895994">
                   <a:extLst>
                     <a:ext uri="{9D8B030D-6E8A-4147-A177-3AD203B41FA5}">
-                      <a16:colId xmlns="" xmlns:a16="http://schemas.microsoft.com/office/drawing/2014/main" val="4121210064"/>
+                      <a16:colId xmlns:a16="http://schemas.microsoft.com/office/drawing/2014/main" xmlns="" val="4121210064"/>
                     </a:ext>
                   </a:extLst>
                 </a:gridCol>
                 <a:gridCol w="895994">
                   <a:extLst>
                     <a:ext uri="{9D8B030D-6E8A-4147-A177-3AD203B41FA5}">
-                      <a16:colId xmlns="" xmlns:a16="http://schemas.microsoft.com/office/drawing/2014/main" val="141701959"/>
+                      <a16:colId xmlns:a16="http://schemas.microsoft.com/office/drawing/2014/main" xmlns="" val="141701959"/>
                     </a:ext>
                   </a:extLst>
                 </a:gridCol>
                 <a:gridCol w="895994">
                   <a:extLst>
                     <a:ext uri="{9D8B030D-6E8A-4147-A177-3AD203B41FA5}">
-                      <a16:colId xmlns="" xmlns:a16="http://schemas.microsoft.com/office/drawing/2014/main" val="3461793176"/>
+                      <a16:colId xmlns:a16="http://schemas.microsoft.com/office/drawing/2014/main" xmlns="" val="3461793176"/>
                     </a:ext>
                   </a:extLst>
                 </a:gridCol>
@@ -20621,7 +20658,7 @@
                 </a:tc>
                 <a:extLst>
                   <a:ext uri="{0D108BD9-81ED-4DB2-BD59-A6C34878D82A}">
-                    <a16:rowId xmlns="" xmlns:a16="http://schemas.microsoft.com/office/drawing/2014/main" val="2651531398"/>
+                    <a16:rowId xmlns:a16="http://schemas.microsoft.com/office/drawing/2014/main" xmlns="" val="2651531398"/>
                   </a:ext>
                 </a:extLst>
               </a:tr>
@@ -20712,7 +20749,7 @@
                 </a:tc>
                 <a:extLst>
                   <a:ext uri="{0D108BD9-81ED-4DB2-BD59-A6C34878D82A}">
-                    <a16:rowId xmlns="" xmlns:a16="http://schemas.microsoft.com/office/drawing/2014/main" val="3540775974"/>
+                    <a16:rowId xmlns:a16="http://schemas.microsoft.com/office/drawing/2014/main" xmlns="" val="3540775974"/>
                   </a:ext>
                 </a:extLst>
               </a:tr>
@@ -20803,7 +20840,7 @@
                 </a:tc>
                 <a:extLst>
                   <a:ext uri="{0D108BD9-81ED-4DB2-BD59-A6C34878D82A}">
-                    <a16:rowId xmlns="" xmlns:a16="http://schemas.microsoft.com/office/drawing/2014/main" val="2368716598"/>
+                    <a16:rowId xmlns:a16="http://schemas.microsoft.com/office/drawing/2014/main" xmlns="" val="2368716598"/>
                   </a:ext>
                 </a:extLst>
               </a:tr>
@@ -20894,7 +20931,7 @@
                 </a:tc>
                 <a:extLst>
                   <a:ext uri="{0D108BD9-81ED-4DB2-BD59-A6C34878D82A}">
-                    <a16:rowId xmlns="" xmlns:a16="http://schemas.microsoft.com/office/drawing/2014/main" val="3942807443"/>
+                    <a16:rowId xmlns:a16="http://schemas.microsoft.com/office/drawing/2014/main" xmlns="" val="3942807443"/>
                   </a:ext>
                 </a:extLst>
               </a:tr>
@@ -20985,7 +21022,7 @@
                 </a:tc>
                 <a:extLst>
                   <a:ext uri="{0D108BD9-81ED-4DB2-BD59-A6C34878D82A}">
-                    <a16:rowId xmlns="" xmlns:a16="http://schemas.microsoft.com/office/drawing/2014/main" val="1314220991"/>
+                    <a16:rowId xmlns:a16="http://schemas.microsoft.com/office/drawing/2014/main" xmlns="" val="1314220991"/>
                   </a:ext>
                 </a:extLst>
               </a:tr>
@@ -21076,7 +21113,7 @@
                 </a:tc>
                 <a:extLst>
                   <a:ext uri="{0D108BD9-81ED-4DB2-BD59-A6C34878D82A}">
-                    <a16:rowId xmlns="" xmlns:a16="http://schemas.microsoft.com/office/drawing/2014/main" val="2799734191"/>
+                    <a16:rowId xmlns:a16="http://schemas.microsoft.com/office/drawing/2014/main" xmlns="" val="2799734191"/>
                   </a:ext>
                 </a:extLst>
               </a:tr>
@@ -21089,7 +21126,7 @@
           <p:cNvPr id="8" name="TextBox 7">
             <a:extLst>
               <a:ext uri="{FF2B5EF4-FFF2-40B4-BE49-F238E27FC236}">
-                <a16:creationId xmlns="" xmlns:a16="http://schemas.microsoft.com/office/drawing/2014/main" id="{FA61114D-D3FC-4884-80F9-86AD98153890}"/>
+                <a16:creationId xmlns:a16="http://schemas.microsoft.com/office/drawing/2014/main" xmlns="" id="{FA61114D-D3FC-4884-80F9-86AD98153890}"/>
               </a:ext>
             </a:extLst>
           </p:cNvPr>
@@ -21159,7 +21196,7 @@
           <p:cNvPr id="2" name="Title 1">
             <a:extLst>
               <a:ext uri="{FF2B5EF4-FFF2-40B4-BE49-F238E27FC236}">
-                <a16:creationId xmlns="" xmlns:a16="http://schemas.microsoft.com/office/drawing/2014/main" id="{9F53C0E6-5CA5-48E1-B370-E678425399F4}"/>
+                <a16:creationId xmlns:a16="http://schemas.microsoft.com/office/drawing/2014/main" xmlns="" id="{9F53C0E6-5CA5-48E1-B370-E678425399F4}"/>
               </a:ext>
             </a:extLst>
           </p:cNvPr>
@@ -21192,7 +21229,7 @@
           <p:cNvPr id="3" name="Content Placeholder 2">
             <a:extLst>
               <a:ext uri="{FF2B5EF4-FFF2-40B4-BE49-F238E27FC236}">
-                <a16:creationId xmlns="" xmlns:a16="http://schemas.microsoft.com/office/drawing/2014/main" id="{F0A4581A-26B3-40E7-A945-90C4D9B58292}"/>
+                <a16:creationId xmlns:a16="http://schemas.microsoft.com/office/drawing/2014/main" xmlns="" id="{F0A4581A-26B3-40E7-A945-90C4D9B58292}"/>
               </a:ext>
             </a:extLst>
           </p:cNvPr>
@@ -21324,7 +21361,7 @@
           <p:cNvPr id="4" name="Footer Placeholder 3">
             <a:extLst>
               <a:ext uri="{FF2B5EF4-FFF2-40B4-BE49-F238E27FC236}">
-                <a16:creationId xmlns="" xmlns:a16="http://schemas.microsoft.com/office/drawing/2014/main" id="{540972A1-4BB3-4D04-B4DF-C76BA9B5CAD8}"/>
+                <a16:creationId xmlns:a16="http://schemas.microsoft.com/office/drawing/2014/main" xmlns="" id="{540972A1-4BB3-4D04-B4DF-C76BA9B5CAD8}"/>
               </a:ext>
             </a:extLst>
           </p:cNvPr>
@@ -21353,7 +21390,7 @@
           <p:cNvPr id="5" name="Slide Number Placeholder 4">
             <a:extLst>
               <a:ext uri="{FF2B5EF4-FFF2-40B4-BE49-F238E27FC236}">
-                <a16:creationId xmlns="" xmlns:a16="http://schemas.microsoft.com/office/drawing/2014/main" id="{23B5C741-F1AB-463E-B229-974B2924B065}"/>
+                <a16:creationId xmlns:a16="http://schemas.microsoft.com/office/drawing/2014/main" xmlns="" id="{23B5C741-F1AB-463E-B229-974B2924B065}"/>
               </a:ext>
             </a:extLst>
           </p:cNvPr>
@@ -21382,7 +21419,7 @@
           <p:cNvPr id="7" name="Picture 6" descr="A picture containing flower, plant&#10;&#10;Description automatically generated">
             <a:extLst>
               <a:ext uri="{FF2B5EF4-FFF2-40B4-BE49-F238E27FC236}">
-                <a16:creationId xmlns="" xmlns:a16="http://schemas.microsoft.com/office/drawing/2014/main" id="{E590613B-9711-44BB-88CD-E80C9F360942}"/>
+                <a16:creationId xmlns:a16="http://schemas.microsoft.com/office/drawing/2014/main" xmlns="" id="{E590613B-9711-44BB-88CD-E80C9F360942}"/>
               </a:ext>
             </a:extLst>
           </p:cNvPr>
@@ -21418,7 +21455,7 @@
           <p:cNvPr id="55" name="TextBox 54">
             <a:extLst>
               <a:ext uri="{FF2B5EF4-FFF2-40B4-BE49-F238E27FC236}">
-                <a16:creationId xmlns="" xmlns:a16="http://schemas.microsoft.com/office/drawing/2014/main" id="{ABC053D8-1D60-491C-8C05-8510DEC9846D}"/>
+                <a16:creationId xmlns:a16="http://schemas.microsoft.com/office/drawing/2014/main" xmlns="" id="{ABC053D8-1D60-491C-8C05-8510DEC9846D}"/>
               </a:ext>
             </a:extLst>
           </p:cNvPr>
@@ -21453,7 +21490,7 @@
           <p:cNvPr id="60" name="Rectangle: Rounded Corners 59">
             <a:extLst>
               <a:ext uri="{FF2B5EF4-FFF2-40B4-BE49-F238E27FC236}">
-                <a16:creationId xmlns="" xmlns:a16="http://schemas.microsoft.com/office/drawing/2014/main" id="{77262999-EA30-4547-BB0B-9605235117BD}"/>
+                <a16:creationId xmlns:a16="http://schemas.microsoft.com/office/drawing/2014/main" xmlns="" id="{77262999-EA30-4547-BB0B-9605235117BD}"/>
               </a:ext>
             </a:extLst>
           </p:cNvPr>
@@ -21500,7 +21537,7 @@
           <p:cNvPr id="61" name="Rectangle: Rounded Corners 60">
             <a:extLst>
               <a:ext uri="{FF2B5EF4-FFF2-40B4-BE49-F238E27FC236}">
-                <a16:creationId xmlns="" xmlns:a16="http://schemas.microsoft.com/office/drawing/2014/main" id="{0B5A71C4-686A-41F6-8026-EA717B20E47A}"/>
+                <a16:creationId xmlns:a16="http://schemas.microsoft.com/office/drawing/2014/main" xmlns="" id="{0B5A71C4-686A-41F6-8026-EA717B20E47A}"/>
               </a:ext>
             </a:extLst>
           </p:cNvPr>
@@ -21547,7 +21584,7 @@
           <p:cNvPr id="62" name="Cube 61">
             <a:extLst>
               <a:ext uri="{FF2B5EF4-FFF2-40B4-BE49-F238E27FC236}">
-                <a16:creationId xmlns="" xmlns:a16="http://schemas.microsoft.com/office/drawing/2014/main" id="{A50A7870-F043-458E-ADB3-CA407EC8C651}"/>
+                <a16:creationId xmlns:a16="http://schemas.microsoft.com/office/drawing/2014/main" xmlns="" id="{A50A7870-F043-458E-ADB3-CA407EC8C651}"/>
               </a:ext>
             </a:extLst>
           </p:cNvPr>
@@ -21596,7 +21633,7 @@
           <p:cNvPr id="64" name="Straight Arrow Connector 63">
             <a:extLst>
               <a:ext uri="{FF2B5EF4-FFF2-40B4-BE49-F238E27FC236}">
-                <a16:creationId xmlns="" xmlns:a16="http://schemas.microsoft.com/office/drawing/2014/main" id="{9AAE4B16-278D-4463-98E3-CEC20EB645D6}"/>
+                <a16:creationId xmlns:a16="http://schemas.microsoft.com/office/drawing/2014/main" xmlns="" id="{9AAE4B16-278D-4463-98E3-CEC20EB645D6}"/>
               </a:ext>
             </a:extLst>
           </p:cNvPr>
@@ -21637,7 +21674,7 @@
           <p:cNvPr id="65" name="Oval 64">
             <a:extLst>
               <a:ext uri="{FF2B5EF4-FFF2-40B4-BE49-F238E27FC236}">
-                <a16:creationId xmlns="" xmlns:a16="http://schemas.microsoft.com/office/drawing/2014/main" id="{69B63072-9CAF-4C4D-9D55-18A9DA12FF78}"/>
+                <a16:creationId xmlns:a16="http://schemas.microsoft.com/office/drawing/2014/main" xmlns="" id="{69B63072-9CAF-4C4D-9D55-18A9DA12FF78}"/>
               </a:ext>
             </a:extLst>
           </p:cNvPr>
@@ -21684,7 +21721,7 @@
           <p:cNvPr id="67" name="Straight Arrow Connector 66">
             <a:extLst>
               <a:ext uri="{FF2B5EF4-FFF2-40B4-BE49-F238E27FC236}">
-                <a16:creationId xmlns="" xmlns:a16="http://schemas.microsoft.com/office/drawing/2014/main" id="{6FE0B3CA-BF63-4224-BB40-A60BA0CB3186}"/>
+                <a16:creationId xmlns:a16="http://schemas.microsoft.com/office/drawing/2014/main" xmlns="" id="{6FE0B3CA-BF63-4224-BB40-A60BA0CB3186}"/>
               </a:ext>
             </a:extLst>
           </p:cNvPr>
@@ -21725,7 +21762,7 @@
           <p:cNvPr id="68" name="Flowchart: Connector 67">
             <a:extLst>
               <a:ext uri="{FF2B5EF4-FFF2-40B4-BE49-F238E27FC236}">
-                <a16:creationId xmlns="" xmlns:a16="http://schemas.microsoft.com/office/drawing/2014/main" id="{52A4764B-AC85-461E-81C1-7E0DEFD128F9}"/>
+                <a16:creationId xmlns:a16="http://schemas.microsoft.com/office/drawing/2014/main" xmlns="" id="{52A4764B-AC85-461E-81C1-7E0DEFD128F9}"/>
               </a:ext>
             </a:extLst>
           </p:cNvPr>
@@ -21774,7 +21811,7 @@
           <p:cNvPr id="70" name="Straight Arrow Connector 69">
             <a:extLst>
               <a:ext uri="{FF2B5EF4-FFF2-40B4-BE49-F238E27FC236}">
-                <a16:creationId xmlns="" xmlns:a16="http://schemas.microsoft.com/office/drawing/2014/main" id="{9A524E1E-B8FA-49AD-A180-E17FB7703810}"/>
+                <a16:creationId xmlns:a16="http://schemas.microsoft.com/office/drawing/2014/main" xmlns="" id="{9A524E1E-B8FA-49AD-A180-E17FB7703810}"/>
               </a:ext>
             </a:extLst>
           </p:cNvPr>
@@ -21816,7 +21853,7 @@
           <p:cNvPr id="72" name="Straight Arrow Connector 71">
             <a:extLst>
               <a:ext uri="{FF2B5EF4-FFF2-40B4-BE49-F238E27FC236}">
-                <a16:creationId xmlns="" xmlns:a16="http://schemas.microsoft.com/office/drawing/2014/main" id="{41EED0A4-8D29-4A17-8402-C86AB5466503}"/>
+                <a16:creationId xmlns:a16="http://schemas.microsoft.com/office/drawing/2014/main" xmlns="" id="{41EED0A4-8D29-4A17-8402-C86AB5466503}"/>
               </a:ext>
             </a:extLst>
           </p:cNvPr>
@@ -21858,7 +21895,7 @@
           <p:cNvPr id="73" name="Rectangle 72">
             <a:extLst>
               <a:ext uri="{FF2B5EF4-FFF2-40B4-BE49-F238E27FC236}">
-                <a16:creationId xmlns="" xmlns:a16="http://schemas.microsoft.com/office/drawing/2014/main" id="{20B855DC-6E11-4F0F-B419-483C77840FB2}"/>
+                <a16:creationId xmlns:a16="http://schemas.microsoft.com/office/drawing/2014/main" xmlns="" id="{20B855DC-6E11-4F0F-B419-483C77840FB2}"/>
               </a:ext>
             </a:extLst>
           </p:cNvPr>
@@ -21917,7 +21954,7 @@
           <p:cNvPr id="75" name="Straight Arrow Connector 74">
             <a:extLst>
               <a:ext uri="{FF2B5EF4-FFF2-40B4-BE49-F238E27FC236}">
-                <a16:creationId xmlns="" xmlns:a16="http://schemas.microsoft.com/office/drawing/2014/main" id="{B308EC2E-A589-41CD-8D54-0886B5E9C26E}"/>
+                <a16:creationId xmlns:a16="http://schemas.microsoft.com/office/drawing/2014/main" xmlns="" id="{B308EC2E-A589-41CD-8D54-0886B5E9C26E}"/>
               </a:ext>
             </a:extLst>
           </p:cNvPr>
@@ -21959,7 +21996,7 @@
           <p:cNvPr id="87" name="Straight Arrow Connector 86">
             <a:extLst>
               <a:ext uri="{FF2B5EF4-FFF2-40B4-BE49-F238E27FC236}">
-                <a16:creationId xmlns="" xmlns:a16="http://schemas.microsoft.com/office/drawing/2014/main" id="{0F3E3441-B224-4F9D-A90B-48CA8F2DF3D1}"/>
+                <a16:creationId xmlns:a16="http://schemas.microsoft.com/office/drawing/2014/main" xmlns="" id="{0F3E3441-B224-4F9D-A90B-48CA8F2DF3D1}"/>
               </a:ext>
             </a:extLst>
           </p:cNvPr>
@@ -22000,7 +22037,7 @@
           <p:cNvPr id="90" name="Oval 89">
             <a:extLst>
               <a:ext uri="{FF2B5EF4-FFF2-40B4-BE49-F238E27FC236}">
-                <a16:creationId xmlns="" xmlns:a16="http://schemas.microsoft.com/office/drawing/2014/main" id="{AB3B930A-2C71-4545-8622-114E3E812C90}"/>
+                <a16:creationId xmlns:a16="http://schemas.microsoft.com/office/drawing/2014/main" xmlns="" id="{AB3B930A-2C71-4545-8622-114E3E812C90}"/>
               </a:ext>
             </a:extLst>
           </p:cNvPr>
@@ -22047,7 +22084,7 @@
           <p:cNvPr id="91" name="TextBox 90">
             <a:extLst>
               <a:ext uri="{FF2B5EF4-FFF2-40B4-BE49-F238E27FC236}">
-                <a16:creationId xmlns="" xmlns:a16="http://schemas.microsoft.com/office/drawing/2014/main" id="{6CDE4D12-2455-480E-A996-1006C85A1C98}"/>
+                <a16:creationId xmlns:a16="http://schemas.microsoft.com/office/drawing/2014/main" xmlns="" id="{6CDE4D12-2455-480E-A996-1006C85A1C98}"/>
               </a:ext>
             </a:extLst>
           </p:cNvPr>
@@ -22083,7 +22120,7 @@
           <p:cNvPr id="6" name="Table 7">
             <a:extLst>
               <a:ext uri="{FF2B5EF4-FFF2-40B4-BE49-F238E27FC236}">
-                <a16:creationId xmlns="" xmlns:a16="http://schemas.microsoft.com/office/drawing/2014/main" id="{96F9D78C-9CE6-4E8B-8138-21F7DC5A3D47}"/>
+                <a16:creationId xmlns:a16="http://schemas.microsoft.com/office/drawing/2014/main" xmlns="" id="{96F9D78C-9CE6-4E8B-8138-21F7DC5A3D47}"/>
               </a:ext>
             </a:extLst>
           </p:cNvPr>
@@ -22112,14 +22149,14 @@
                 <a:gridCol w="4915664">
                   <a:extLst>
                     <a:ext uri="{9D8B030D-6E8A-4147-A177-3AD203B41FA5}">
-                      <a16:colId xmlns="" xmlns:a16="http://schemas.microsoft.com/office/drawing/2014/main" val="343336883"/>
+                      <a16:colId xmlns:a16="http://schemas.microsoft.com/office/drawing/2014/main" xmlns="" val="343336883"/>
                     </a:ext>
                   </a:extLst>
                 </a:gridCol>
                 <a:gridCol w="5562600">
                   <a:extLst>
                     <a:ext uri="{9D8B030D-6E8A-4147-A177-3AD203B41FA5}">
-                      <a16:colId xmlns="" xmlns:a16="http://schemas.microsoft.com/office/drawing/2014/main" val="1847998"/>
+                      <a16:colId xmlns:a16="http://schemas.microsoft.com/office/drawing/2014/main" xmlns="" val="1847998"/>
                     </a:ext>
                   </a:extLst>
                 </a:gridCol>
@@ -22209,7 +22246,7 @@
                 </a:tc>
                 <a:extLst>
                   <a:ext uri="{0D108BD9-81ED-4DB2-BD59-A6C34878D82A}">
-                    <a16:rowId xmlns="" xmlns:a16="http://schemas.microsoft.com/office/drawing/2014/main" val="3841246588"/>
+                    <a16:rowId xmlns:a16="http://schemas.microsoft.com/office/drawing/2014/main" xmlns="" val="3841246588"/>
                   </a:ext>
                 </a:extLst>
               </a:tr>
@@ -22302,7 +22339,7 @@
                 </a:tc>
                 <a:extLst>
                   <a:ext uri="{0D108BD9-81ED-4DB2-BD59-A6C34878D82A}">
-                    <a16:rowId xmlns="" xmlns:a16="http://schemas.microsoft.com/office/drawing/2014/main" val="529798467"/>
+                    <a16:rowId xmlns:a16="http://schemas.microsoft.com/office/drawing/2014/main" xmlns="" val="529798467"/>
                   </a:ext>
                 </a:extLst>
               </a:tr>
@@ -22352,7 +22389,7 @@
           <p:cNvPr id="2" name="Title 1">
             <a:extLst>
               <a:ext uri="{FF2B5EF4-FFF2-40B4-BE49-F238E27FC236}">
-                <a16:creationId xmlns="" xmlns:a16="http://schemas.microsoft.com/office/drawing/2014/main" id="{9F53C0E6-5CA5-48E1-B370-E678425399F4}"/>
+                <a16:creationId xmlns:a16="http://schemas.microsoft.com/office/drawing/2014/main" xmlns="" id="{9F53C0E6-5CA5-48E1-B370-E678425399F4}"/>
               </a:ext>
             </a:extLst>
           </p:cNvPr>
@@ -22385,7 +22422,7 @@
           <p:cNvPr id="3" name="Content Placeholder 2">
             <a:extLst>
               <a:ext uri="{FF2B5EF4-FFF2-40B4-BE49-F238E27FC236}">
-                <a16:creationId xmlns="" xmlns:a16="http://schemas.microsoft.com/office/drawing/2014/main" id="{F0A4581A-26B3-40E7-A945-90C4D9B58292}"/>
+                <a16:creationId xmlns:a16="http://schemas.microsoft.com/office/drawing/2014/main" xmlns="" id="{F0A4581A-26B3-40E7-A945-90C4D9B58292}"/>
               </a:ext>
             </a:extLst>
           </p:cNvPr>
@@ -22622,7 +22659,7 @@
           <p:cNvPr id="4" name="Footer Placeholder 3">
             <a:extLst>
               <a:ext uri="{FF2B5EF4-FFF2-40B4-BE49-F238E27FC236}">
-                <a16:creationId xmlns="" xmlns:a16="http://schemas.microsoft.com/office/drawing/2014/main" id="{540972A1-4BB3-4D04-B4DF-C76BA9B5CAD8}"/>
+                <a16:creationId xmlns:a16="http://schemas.microsoft.com/office/drawing/2014/main" xmlns="" id="{540972A1-4BB3-4D04-B4DF-C76BA9B5CAD8}"/>
               </a:ext>
             </a:extLst>
           </p:cNvPr>
@@ -22651,7 +22688,7 @@
           <p:cNvPr id="5" name="Slide Number Placeholder 4">
             <a:extLst>
               <a:ext uri="{FF2B5EF4-FFF2-40B4-BE49-F238E27FC236}">
-                <a16:creationId xmlns="" xmlns:a16="http://schemas.microsoft.com/office/drawing/2014/main" id="{23B5C741-F1AB-463E-B229-974B2924B065}"/>
+                <a16:creationId xmlns:a16="http://schemas.microsoft.com/office/drawing/2014/main" xmlns="" id="{23B5C741-F1AB-463E-B229-974B2924B065}"/>
               </a:ext>
             </a:extLst>
           </p:cNvPr>
@@ -22680,7 +22717,7 @@
           <p:cNvPr id="6" name="Table 6">
             <a:extLst>
               <a:ext uri="{FF2B5EF4-FFF2-40B4-BE49-F238E27FC236}">
-                <a16:creationId xmlns="" xmlns:a16="http://schemas.microsoft.com/office/drawing/2014/main" id="{A3F1691A-8B2D-4A44-AE82-EFC7DA8C4460}"/>
+                <a16:creationId xmlns:a16="http://schemas.microsoft.com/office/drawing/2014/main" xmlns="" id="{A3F1691A-8B2D-4A44-AE82-EFC7DA8C4460}"/>
               </a:ext>
             </a:extLst>
           </p:cNvPr>
@@ -22709,14 +22746,14 @@
                 <a:gridCol w="697948">
                   <a:extLst>
                     <a:ext uri="{9D8B030D-6E8A-4147-A177-3AD203B41FA5}">
-                      <a16:colId xmlns="" xmlns:a16="http://schemas.microsoft.com/office/drawing/2014/main" val="1162103489"/>
+                      <a16:colId xmlns:a16="http://schemas.microsoft.com/office/drawing/2014/main" xmlns="" val="1162103489"/>
                     </a:ext>
                   </a:extLst>
                 </a:gridCol>
                 <a:gridCol w="9511748">
                   <a:extLst>
                     <a:ext uri="{9D8B030D-6E8A-4147-A177-3AD203B41FA5}">
-                      <a16:colId xmlns="" xmlns:a16="http://schemas.microsoft.com/office/drawing/2014/main" val="1404304497"/>
+                      <a16:colId xmlns:a16="http://schemas.microsoft.com/office/drawing/2014/main" xmlns="" val="1404304497"/>
                     </a:ext>
                   </a:extLst>
                 </a:gridCol>
@@ -22808,7 +22845,7 @@
                 </a:tc>
                 <a:extLst>
                   <a:ext uri="{0D108BD9-81ED-4DB2-BD59-A6C34878D82A}">
-                    <a16:rowId xmlns="" xmlns:a16="http://schemas.microsoft.com/office/drawing/2014/main" val="2808972098"/>
+                    <a16:rowId xmlns:a16="http://schemas.microsoft.com/office/drawing/2014/main" xmlns="" val="2808972098"/>
                   </a:ext>
                 </a:extLst>
               </a:tr>
@@ -22899,7 +22936,7 @@
                 </a:tc>
                 <a:extLst>
                   <a:ext uri="{0D108BD9-81ED-4DB2-BD59-A6C34878D82A}">
-                    <a16:rowId xmlns="" xmlns:a16="http://schemas.microsoft.com/office/drawing/2014/main" val="3567420632"/>
+                    <a16:rowId xmlns:a16="http://schemas.microsoft.com/office/drawing/2014/main" xmlns="" val="3567420632"/>
                   </a:ext>
                 </a:extLst>
               </a:tr>
@@ -23006,7 +23043,7 @@
                 </a:tc>
                 <a:extLst>
                   <a:ext uri="{0D108BD9-81ED-4DB2-BD59-A6C34878D82A}">
-                    <a16:rowId xmlns="" xmlns:a16="http://schemas.microsoft.com/office/drawing/2014/main" val="836116413"/>
+                    <a16:rowId xmlns:a16="http://schemas.microsoft.com/office/drawing/2014/main" xmlns="" val="836116413"/>
                   </a:ext>
                 </a:extLst>
               </a:tr>
@@ -23113,7 +23150,7 @@
                 </a:tc>
                 <a:extLst>
                   <a:ext uri="{0D108BD9-81ED-4DB2-BD59-A6C34878D82A}">
-                    <a16:rowId xmlns="" xmlns:a16="http://schemas.microsoft.com/office/drawing/2014/main" val="2969834672"/>
+                    <a16:rowId xmlns:a16="http://schemas.microsoft.com/office/drawing/2014/main" xmlns="" val="2969834672"/>
                   </a:ext>
                 </a:extLst>
               </a:tr>
@@ -23252,7 +23289,7 @@
                 </a:tc>
                 <a:extLst>
                   <a:ext uri="{0D108BD9-81ED-4DB2-BD59-A6C34878D82A}">
-                    <a16:rowId xmlns="" xmlns:a16="http://schemas.microsoft.com/office/drawing/2014/main" val="1656653220"/>
+                    <a16:rowId xmlns:a16="http://schemas.microsoft.com/office/drawing/2014/main" xmlns="" val="1656653220"/>
                   </a:ext>
                 </a:extLst>
               </a:tr>
@@ -23359,7 +23396,7 @@
                 </a:tc>
                 <a:extLst>
                   <a:ext uri="{0D108BD9-81ED-4DB2-BD59-A6C34878D82A}">
-                    <a16:rowId xmlns="" xmlns:a16="http://schemas.microsoft.com/office/drawing/2014/main" val="2452347896"/>
+                    <a16:rowId xmlns:a16="http://schemas.microsoft.com/office/drawing/2014/main" xmlns="" val="2452347896"/>
                   </a:ext>
                 </a:extLst>
               </a:tr>
@@ -23466,7 +23503,7 @@
                 </a:tc>
                 <a:extLst>
                   <a:ext uri="{0D108BD9-81ED-4DB2-BD59-A6C34878D82A}">
-                    <a16:rowId xmlns="" xmlns:a16="http://schemas.microsoft.com/office/drawing/2014/main" val="3414279275"/>
+                    <a16:rowId xmlns:a16="http://schemas.microsoft.com/office/drawing/2014/main" xmlns="" val="3414279275"/>
                   </a:ext>
                 </a:extLst>
               </a:tr>
@@ -23573,7 +23610,7 @@
                 </a:tc>
                 <a:extLst>
                   <a:ext uri="{0D108BD9-81ED-4DB2-BD59-A6C34878D82A}">
-                    <a16:rowId xmlns="" xmlns:a16="http://schemas.microsoft.com/office/drawing/2014/main" val="1358162665"/>
+                    <a16:rowId xmlns:a16="http://schemas.microsoft.com/office/drawing/2014/main" xmlns="" val="1358162665"/>
                   </a:ext>
                 </a:extLst>
               </a:tr>
@@ -23696,7 +23733,7 @@
                 </a:tc>
                 <a:extLst>
                   <a:ext uri="{0D108BD9-81ED-4DB2-BD59-A6C34878D82A}">
-                    <a16:rowId xmlns="" xmlns:a16="http://schemas.microsoft.com/office/drawing/2014/main" val="2621379218"/>
+                    <a16:rowId xmlns:a16="http://schemas.microsoft.com/office/drawing/2014/main" xmlns="" val="2621379218"/>
                   </a:ext>
                 </a:extLst>
               </a:tr>
@@ -23835,7 +23872,7 @@
                 </a:tc>
                 <a:extLst>
                   <a:ext uri="{0D108BD9-81ED-4DB2-BD59-A6C34878D82A}">
-                    <a16:rowId xmlns="" xmlns:a16="http://schemas.microsoft.com/office/drawing/2014/main" val="1382211798"/>
+                    <a16:rowId xmlns:a16="http://schemas.microsoft.com/office/drawing/2014/main" xmlns="" val="1382211798"/>
                   </a:ext>
                 </a:extLst>
               </a:tr>
@@ -23942,7 +23979,7 @@
                 </a:tc>
                 <a:extLst>
                   <a:ext uri="{0D108BD9-81ED-4DB2-BD59-A6C34878D82A}">
-                    <a16:rowId xmlns="" xmlns:a16="http://schemas.microsoft.com/office/drawing/2014/main" val="3697084328"/>
+                    <a16:rowId xmlns:a16="http://schemas.microsoft.com/office/drawing/2014/main" xmlns="" val="3697084328"/>
                   </a:ext>
                 </a:extLst>
               </a:tr>
@@ -23955,7 +23992,7 @@
           <p:cNvPr id="8" name="Table 8">
             <a:extLst>
               <a:ext uri="{FF2B5EF4-FFF2-40B4-BE49-F238E27FC236}">
-                <a16:creationId xmlns="" xmlns:a16="http://schemas.microsoft.com/office/drawing/2014/main" id="{123D2D9B-81AD-4CC5-897D-814333C9F26F}"/>
+                <a16:creationId xmlns:a16="http://schemas.microsoft.com/office/drawing/2014/main" xmlns="" id="{123D2D9B-81AD-4CC5-897D-814333C9F26F}"/>
               </a:ext>
             </a:extLst>
           </p:cNvPr>
@@ -23984,14 +24021,14 @@
                 <a:gridCol w="644940">
                   <a:extLst>
                     <a:ext uri="{9D8B030D-6E8A-4147-A177-3AD203B41FA5}">
-                      <a16:colId xmlns="" xmlns:a16="http://schemas.microsoft.com/office/drawing/2014/main" val="1219564251"/>
+                      <a16:colId xmlns:a16="http://schemas.microsoft.com/office/drawing/2014/main" xmlns="" val="1219564251"/>
                     </a:ext>
                   </a:extLst>
                 </a:gridCol>
                 <a:gridCol w="9564756">
                   <a:extLst>
                     <a:ext uri="{9D8B030D-6E8A-4147-A177-3AD203B41FA5}">
-                      <a16:colId xmlns="" xmlns:a16="http://schemas.microsoft.com/office/drawing/2014/main" val="1977103877"/>
+                      <a16:colId xmlns:a16="http://schemas.microsoft.com/office/drawing/2014/main" xmlns="" val="1977103877"/>
                     </a:ext>
                   </a:extLst>
                 </a:gridCol>
@@ -24123,7 +24160,7 @@
                 </a:tc>
                 <a:extLst>
                   <a:ext uri="{0D108BD9-81ED-4DB2-BD59-A6C34878D82A}">
-                    <a16:rowId xmlns="" xmlns:a16="http://schemas.microsoft.com/office/drawing/2014/main" val="4165908067"/>
+                    <a16:rowId xmlns:a16="http://schemas.microsoft.com/office/drawing/2014/main" xmlns="" val="4165908067"/>
                   </a:ext>
                 </a:extLst>
               </a:tr>
@@ -24222,7 +24259,7 @@
                 </a:tc>
                 <a:extLst>
                   <a:ext uri="{0D108BD9-81ED-4DB2-BD59-A6C34878D82A}">
-                    <a16:rowId xmlns="" xmlns:a16="http://schemas.microsoft.com/office/drawing/2014/main" val="3137430908"/>
+                    <a16:rowId xmlns:a16="http://schemas.microsoft.com/office/drawing/2014/main" xmlns="" val="3137430908"/>
                   </a:ext>
                 </a:extLst>
               </a:tr>
@@ -24272,7 +24309,7 @@
           <p:cNvPr id="2" name="Title 1">
             <a:extLst>
               <a:ext uri="{FF2B5EF4-FFF2-40B4-BE49-F238E27FC236}">
-                <a16:creationId xmlns="" xmlns:a16="http://schemas.microsoft.com/office/drawing/2014/main" id="{9F53C0E6-5CA5-48E1-B370-E678425399F4}"/>
+                <a16:creationId xmlns:a16="http://schemas.microsoft.com/office/drawing/2014/main" xmlns="" id="{9F53C0E6-5CA5-48E1-B370-E678425399F4}"/>
               </a:ext>
             </a:extLst>
           </p:cNvPr>
@@ -24305,7 +24342,7 @@
           <p:cNvPr id="3" name="Content Placeholder 2">
             <a:extLst>
               <a:ext uri="{FF2B5EF4-FFF2-40B4-BE49-F238E27FC236}">
-                <a16:creationId xmlns="" xmlns:a16="http://schemas.microsoft.com/office/drawing/2014/main" id="{F0A4581A-26B3-40E7-A945-90C4D9B58292}"/>
+                <a16:creationId xmlns:a16="http://schemas.microsoft.com/office/drawing/2014/main" xmlns="" id="{F0A4581A-26B3-40E7-A945-90C4D9B58292}"/>
               </a:ext>
             </a:extLst>
           </p:cNvPr>
@@ -24350,7 +24387,7 @@
           <p:cNvPr id="4" name="Footer Placeholder 3">
             <a:extLst>
               <a:ext uri="{FF2B5EF4-FFF2-40B4-BE49-F238E27FC236}">
-                <a16:creationId xmlns="" xmlns:a16="http://schemas.microsoft.com/office/drawing/2014/main" id="{540972A1-4BB3-4D04-B4DF-C76BA9B5CAD8}"/>
+                <a16:creationId xmlns:a16="http://schemas.microsoft.com/office/drawing/2014/main" xmlns="" id="{540972A1-4BB3-4D04-B4DF-C76BA9B5CAD8}"/>
               </a:ext>
             </a:extLst>
           </p:cNvPr>
@@ -24379,7 +24416,7 @@
           <p:cNvPr id="5" name="Slide Number Placeholder 4">
             <a:extLst>
               <a:ext uri="{FF2B5EF4-FFF2-40B4-BE49-F238E27FC236}">
-                <a16:creationId xmlns="" xmlns:a16="http://schemas.microsoft.com/office/drawing/2014/main" id="{23B5C741-F1AB-463E-B229-974B2924B065}"/>
+                <a16:creationId xmlns:a16="http://schemas.microsoft.com/office/drawing/2014/main" xmlns="" id="{23B5C741-F1AB-463E-B229-974B2924B065}"/>
               </a:ext>
             </a:extLst>
           </p:cNvPr>
@@ -24408,7 +24445,7 @@
           <p:cNvPr id="7" name="Picture 6">
             <a:extLst>
               <a:ext uri="{FF2B5EF4-FFF2-40B4-BE49-F238E27FC236}">
-                <a16:creationId xmlns="" xmlns:a16="http://schemas.microsoft.com/office/drawing/2014/main" id="{673CC656-0F93-4E6D-8891-D773305E53DF}"/>
+                <a16:creationId xmlns:a16="http://schemas.microsoft.com/office/drawing/2014/main" xmlns="" id="{673CC656-0F93-4E6D-8891-D773305E53DF}"/>
               </a:ext>
             </a:extLst>
           </p:cNvPr>
@@ -24481,7 +24518,7 @@
           <p:cNvPr id="2" name="Title 1">
             <a:extLst>
               <a:ext uri="{FF2B5EF4-FFF2-40B4-BE49-F238E27FC236}">
-                <a16:creationId xmlns="" xmlns:a16="http://schemas.microsoft.com/office/drawing/2014/main" id="{9F53C0E6-5CA5-48E1-B370-E678425399F4}"/>
+                <a16:creationId xmlns:a16="http://schemas.microsoft.com/office/drawing/2014/main" xmlns="" id="{9F53C0E6-5CA5-48E1-B370-E678425399F4}"/>
               </a:ext>
             </a:extLst>
           </p:cNvPr>
@@ -24514,7 +24551,7 @@
           <p:cNvPr id="3" name="Content Placeholder 2">
             <a:extLst>
               <a:ext uri="{FF2B5EF4-FFF2-40B4-BE49-F238E27FC236}">
-                <a16:creationId xmlns="" xmlns:a16="http://schemas.microsoft.com/office/drawing/2014/main" id="{F0A4581A-26B3-40E7-A945-90C4D9B58292}"/>
+                <a16:creationId xmlns:a16="http://schemas.microsoft.com/office/drawing/2014/main" xmlns="" id="{F0A4581A-26B3-40E7-A945-90C4D9B58292}"/>
               </a:ext>
             </a:extLst>
           </p:cNvPr>
@@ -24584,7 +24621,7 @@
           <p:cNvPr id="5" name="Picture 4">
             <a:extLst>
               <a:ext uri="{FF2B5EF4-FFF2-40B4-BE49-F238E27FC236}">
-                <a16:creationId xmlns="" xmlns:a16="http://schemas.microsoft.com/office/drawing/2014/main" id="{542506C5-594F-4FC3-B982-7B2D2081C80A}"/>
+                <a16:creationId xmlns:a16="http://schemas.microsoft.com/office/drawing/2014/main" xmlns="" id="{542506C5-594F-4FC3-B982-7B2D2081C80A}"/>
               </a:ext>
             </a:extLst>
           </p:cNvPr>
@@ -24620,7 +24657,7 @@
           <p:cNvPr id="7" name="Picture 6" descr="A picture containing water, water sport, person, swimming&#10;&#10;Description automatically generated">
             <a:extLst>
               <a:ext uri="{FF2B5EF4-FFF2-40B4-BE49-F238E27FC236}">
-                <a16:creationId xmlns="" xmlns:a16="http://schemas.microsoft.com/office/drawing/2014/main" id="{ABD7B47D-412F-4992-9BE2-FAAB90A6BAAB}"/>
+                <a16:creationId xmlns:a16="http://schemas.microsoft.com/office/drawing/2014/main" xmlns="" id="{ABD7B47D-412F-4992-9BE2-FAAB90A6BAAB}"/>
               </a:ext>
             </a:extLst>
           </p:cNvPr>
@@ -24656,7 +24693,7 @@
           <p:cNvPr id="9" name="Picture 8">
             <a:extLst>
               <a:ext uri="{FF2B5EF4-FFF2-40B4-BE49-F238E27FC236}">
-                <a16:creationId xmlns="" xmlns:a16="http://schemas.microsoft.com/office/drawing/2014/main" id="{6130079B-30C8-49B7-B74B-5A068C293BFD}"/>
+                <a16:creationId xmlns:a16="http://schemas.microsoft.com/office/drawing/2014/main" xmlns="" id="{6130079B-30C8-49B7-B74B-5A068C293BFD}"/>
               </a:ext>
             </a:extLst>
           </p:cNvPr>
@@ -24692,7 +24729,7 @@
           <p:cNvPr id="11" name="Picture 10" descr="A picture containing grass, outdoor, dog, laying&#10;&#10;Description automatically generated">
             <a:extLst>
               <a:ext uri="{FF2B5EF4-FFF2-40B4-BE49-F238E27FC236}">
-                <a16:creationId xmlns="" xmlns:a16="http://schemas.microsoft.com/office/drawing/2014/main" id="{B79913C4-5023-4093-A009-858D9D59B49A}"/>
+                <a16:creationId xmlns:a16="http://schemas.microsoft.com/office/drawing/2014/main" xmlns="" id="{B79913C4-5023-4093-A009-858D9D59B49A}"/>
               </a:ext>
             </a:extLst>
           </p:cNvPr>
@@ -24728,7 +24765,7 @@
           <p:cNvPr id="13" name="Picture 12" descr="A picture containing water, sky, outdoor, boat&#10;&#10;Description automatically generated">
             <a:extLst>
               <a:ext uri="{FF2B5EF4-FFF2-40B4-BE49-F238E27FC236}">
-                <a16:creationId xmlns="" xmlns:a16="http://schemas.microsoft.com/office/drawing/2014/main" id="{B0637125-865D-425A-B7D3-A61F9B377DCF}"/>
+                <a16:creationId xmlns:a16="http://schemas.microsoft.com/office/drawing/2014/main" xmlns="" id="{B0637125-865D-425A-B7D3-A61F9B377DCF}"/>
               </a:ext>
             </a:extLst>
           </p:cNvPr>
@@ -24764,7 +24801,7 @@
           <p:cNvPr id="15" name="Picture 14" descr="A picture containing sky, skating, outdoor, person&#10;&#10;Description automatically generated">
             <a:extLst>
               <a:ext uri="{FF2B5EF4-FFF2-40B4-BE49-F238E27FC236}">
-                <a16:creationId xmlns="" xmlns:a16="http://schemas.microsoft.com/office/drawing/2014/main" id="{06B24696-E894-4ACA-A1DC-05A1C40010BA}"/>
+                <a16:creationId xmlns:a16="http://schemas.microsoft.com/office/drawing/2014/main" xmlns="" id="{06B24696-E894-4ACA-A1DC-05A1C40010BA}"/>
               </a:ext>
             </a:extLst>
           </p:cNvPr>
@@ -24800,7 +24837,7 @@
           <p:cNvPr id="16" name="Footer Placeholder 15">
             <a:extLst>
               <a:ext uri="{FF2B5EF4-FFF2-40B4-BE49-F238E27FC236}">
-                <a16:creationId xmlns="" xmlns:a16="http://schemas.microsoft.com/office/drawing/2014/main" id="{732C8F9E-F8B2-4651-BBCC-5E8DF86D3EDF}"/>
+                <a16:creationId xmlns:a16="http://schemas.microsoft.com/office/drawing/2014/main" xmlns="" id="{732C8F9E-F8B2-4651-BBCC-5E8DF86D3EDF}"/>
               </a:ext>
             </a:extLst>
           </p:cNvPr>
@@ -24829,7 +24866,7 @@
           <p:cNvPr id="17" name="Slide Number Placeholder 16">
             <a:extLst>
               <a:ext uri="{FF2B5EF4-FFF2-40B4-BE49-F238E27FC236}">
-                <a16:creationId xmlns="" xmlns:a16="http://schemas.microsoft.com/office/drawing/2014/main" id="{A890141F-F96D-4F04-9A91-C201B8C9334A}"/>
+                <a16:creationId xmlns:a16="http://schemas.microsoft.com/office/drawing/2014/main" xmlns="" id="{A890141F-F96D-4F04-9A91-C201B8C9334A}"/>
               </a:ext>
             </a:extLst>
           </p:cNvPr>
@@ -24895,7 +24932,7 @@
           <p:cNvPr id="2" name="Title 1">
             <a:extLst>
               <a:ext uri="{FF2B5EF4-FFF2-40B4-BE49-F238E27FC236}">
-                <a16:creationId xmlns="" xmlns:a16="http://schemas.microsoft.com/office/drawing/2014/main" id="{9F53C0E6-5CA5-48E1-B370-E678425399F4}"/>
+                <a16:creationId xmlns:a16="http://schemas.microsoft.com/office/drawing/2014/main" xmlns="" id="{9F53C0E6-5CA5-48E1-B370-E678425399F4}"/>
               </a:ext>
             </a:extLst>
           </p:cNvPr>
@@ -24928,7 +24965,7 @@
           <p:cNvPr id="3" name="Content Placeholder 2">
             <a:extLst>
               <a:ext uri="{FF2B5EF4-FFF2-40B4-BE49-F238E27FC236}">
-                <a16:creationId xmlns="" xmlns:a16="http://schemas.microsoft.com/office/drawing/2014/main" id="{F0A4581A-26B3-40E7-A945-90C4D9B58292}"/>
+                <a16:creationId xmlns:a16="http://schemas.microsoft.com/office/drawing/2014/main" xmlns="" id="{F0A4581A-26B3-40E7-A945-90C4D9B58292}"/>
               </a:ext>
             </a:extLst>
           </p:cNvPr>
@@ -25308,7 +25345,7 @@
           <p:cNvPr id="4" name="Footer Placeholder 3">
             <a:extLst>
               <a:ext uri="{FF2B5EF4-FFF2-40B4-BE49-F238E27FC236}">
-                <a16:creationId xmlns="" xmlns:a16="http://schemas.microsoft.com/office/drawing/2014/main" id="{540972A1-4BB3-4D04-B4DF-C76BA9B5CAD8}"/>
+                <a16:creationId xmlns:a16="http://schemas.microsoft.com/office/drawing/2014/main" xmlns="" id="{540972A1-4BB3-4D04-B4DF-C76BA9B5CAD8}"/>
               </a:ext>
             </a:extLst>
           </p:cNvPr>
@@ -25337,7 +25374,7 @@
           <p:cNvPr id="5" name="Slide Number Placeholder 4">
             <a:extLst>
               <a:ext uri="{FF2B5EF4-FFF2-40B4-BE49-F238E27FC236}">
-                <a16:creationId xmlns="" xmlns:a16="http://schemas.microsoft.com/office/drawing/2014/main" id="{23B5C741-F1AB-463E-B229-974B2924B065}"/>
+                <a16:creationId xmlns:a16="http://schemas.microsoft.com/office/drawing/2014/main" xmlns="" id="{23B5C741-F1AB-463E-B229-974B2924B065}"/>
               </a:ext>
             </a:extLst>
           </p:cNvPr>
@@ -25403,7 +25440,7 @@
           <p:cNvPr id="2" name="Title 1">
             <a:extLst>
               <a:ext uri="{FF2B5EF4-FFF2-40B4-BE49-F238E27FC236}">
-                <a16:creationId xmlns="" xmlns:a16="http://schemas.microsoft.com/office/drawing/2014/main" id="{9F53C0E6-5CA5-48E1-B370-E678425399F4}"/>
+                <a16:creationId xmlns:a16="http://schemas.microsoft.com/office/drawing/2014/main" xmlns="" id="{9F53C0E6-5CA5-48E1-B370-E678425399F4}"/>
               </a:ext>
             </a:extLst>
           </p:cNvPr>
@@ -25436,7 +25473,7 @@
           <p:cNvPr id="3" name="Content Placeholder 2">
             <a:extLst>
               <a:ext uri="{FF2B5EF4-FFF2-40B4-BE49-F238E27FC236}">
-                <a16:creationId xmlns="" xmlns:a16="http://schemas.microsoft.com/office/drawing/2014/main" id="{F0A4581A-26B3-40E7-A945-90C4D9B58292}"/>
+                <a16:creationId xmlns:a16="http://schemas.microsoft.com/office/drawing/2014/main" xmlns="" id="{F0A4581A-26B3-40E7-A945-90C4D9B58292}"/>
               </a:ext>
             </a:extLst>
           </p:cNvPr>
@@ -25656,7 +25693,7 @@
           <p:cNvPr id="4" name="Footer Placeholder 3">
             <a:extLst>
               <a:ext uri="{FF2B5EF4-FFF2-40B4-BE49-F238E27FC236}">
-                <a16:creationId xmlns="" xmlns:a16="http://schemas.microsoft.com/office/drawing/2014/main" id="{540972A1-4BB3-4D04-B4DF-C76BA9B5CAD8}"/>
+                <a16:creationId xmlns:a16="http://schemas.microsoft.com/office/drawing/2014/main" xmlns="" id="{540972A1-4BB3-4D04-B4DF-C76BA9B5CAD8}"/>
               </a:ext>
             </a:extLst>
           </p:cNvPr>
@@ -25685,7 +25722,7 @@
           <p:cNvPr id="5" name="Slide Number Placeholder 4">
             <a:extLst>
               <a:ext uri="{FF2B5EF4-FFF2-40B4-BE49-F238E27FC236}">
-                <a16:creationId xmlns="" xmlns:a16="http://schemas.microsoft.com/office/drawing/2014/main" id="{23B5C741-F1AB-463E-B229-974B2924B065}"/>
+                <a16:creationId xmlns:a16="http://schemas.microsoft.com/office/drawing/2014/main" xmlns="" id="{23B5C741-F1AB-463E-B229-974B2924B065}"/>
               </a:ext>
             </a:extLst>
           </p:cNvPr>
@@ -25751,7 +25788,7 @@
           <p:cNvPr id="2" name="Title 1">
             <a:extLst>
               <a:ext uri="{FF2B5EF4-FFF2-40B4-BE49-F238E27FC236}">
-                <a16:creationId xmlns="" xmlns:a16="http://schemas.microsoft.com/office/drawing/2014/main" id="{9F53C0E6-5CA5-48E1-B370-E678425399F4}"/>
+                <a16:creationId xmlns:a16="http://schemas.microsoft.com/office/drawing/2014/main" xmlns="" id="{9F53C0E6-5CA5-48E1-B370-E678425399F4}"/>
               </a:ext>
             </a:extLst>
           </p:cNvPr>
@@ -25784,7 +25821,7 @@
           <p:cNvPr id="3" name="Content Placeholder 2">
             <a:extLst>
               <a:ext uri="{FF2B5EF4-FFF2-40B4-BE49-F238E27FC236}">
-                <a16:creationId xmlns="" xmlns:a16="http://schemas.microsoft.com/office/drawing/2014/main" id="{F0A4581A-26B3-40E7-A945-90C4D9B58292}"/>
+                <a16:creationId xmlns:a16="http://schemas.microsoft.com/office/drawing/2014/main" xmlns="" id="{F0A4581A-26B3-40E7-A945-90C4D9B58292}"/>
               </a:ext>
             </a:extLst>
           </p:cNvPr>
@@ -25830,7 +25867,7 @@
           <p:cNvPr id="4" name="Footer Placeholder 3">
             <a:extLst>
               <a:ext uri="{FF2B5EF4-FFF2-40B4-BE49-F238E27FC236}">
-                <a16:creationId xmlns="" xmlns:a16="http://schemas.microsoft.com/office/drawing/2014/main" id="{540972A1-4BB3-4D04-B4DF-C76BA9B5CAD8}"/>
+                <a16:creationId xmlns:a16="http://schemas.microsoft.com/office/drawing/2014/main" xmlns="" id="{540972A1-4BB3-4D04-B4DF-C76BA9B5CAD8}"/>
               </a:ext>
             </a:extLst>
           </p:cNvPr>
@@ -25859,7 +25896,7 @@
           <p:cNvPr id="5" name="Slide Number Placeholder 4">
             <a:extLst>
               <a:ext uri="{FF2B5EF4-FFF2-40B4-BE49-F238E27FC236}">
-                <a16:creationId xmlns="" xmlns:a16="http://schemas.microsoft.com/office/drawing/2014/main" id="{23B5C741-F1AB-463E-B229-974B2924B065}"/>
+                <a16:creationId xmlns:a16="http://schemas.microsoft.com/office/drawing/2014/main" xmlns="" id="{23B5C741-F1AB-463E-B229-974B2924B065}"/>
               </a:ext>
             </a:extLst>
           </p:cNvPr>
@@ -25966,7 +26003,7 @@
           <p:cNvPr id="2" name="Title 1">
             <a:extLst>
               <a:ext uri="{FF2B5EF4-FFF2-40B4-BE49-F238E27FC236}">
-                <a16:creationId xmlns="" xmlns:a16="http://schemas.microsoft.com/office/drawing/2014/main" id="{9F53C0E6-5CA5-48E1-B370-E678425399F4}"/>
+                <a16:creationId xmlns:a16="http://schemas.microsoft.com/office/drawing/2014/main" xmlns="" id="{9F53C0E6-5CA5-48E1-B370-E678425399F4}"/>
               </a:ext>
             </a:extLst>
           </p:cNvPr>
@@ -25999,7 +26036,7 @@
           <p:cNvPr id="3" name="Content Placeholder 2">
             <a:extLst>
               <a:ext uri="{FF2B5EF4-FFF2-40B4-BE49-F238E27FC236}">
-                <a16:creationId xmlns="" xmlns:a16="http://schemas.microsoft.com/office/drawing/2014/main" id="{F0A4581A-26B3-40E7-A945-90C4D9B58292}"/>
+                <a16:creationId xmlns:a16="http://schemas.microsoft.com/office/drawing/2014/main" xmlns="" id="{F0A4581A-26B3-40E7-A945-90C4D9B58292}"/>
               </a:ext>
             </a:extLst>
           </p:cNvPr>
@@ -26044,7 +26081,7 @@
           <p:cNvPr id="4" name="Footer Placeholder 3">
             <a:extLst>
               <a:ext uri="{FF2B5EF4-FFF2-40B4-BE49-F238E27FC236}">
-                <a16:creationId xmlns="" xmlns:a16="http://schemas.microsoft.com/office/drawing/2014/main" id="{540972A1-4BB3-4D04-B4DF-C76BA9B5CAD8}"/>
+                <a16:creationId xmlns:a16="http://schemas.microsoft.com/office/drawing/2014/main" xmlns="" id="{540972A1-4BB3-4D04-B4DF-C76BA9B5CAD8}"/>
               </a:ext>
             </a:extLst>
           </p:cNvPr>
@@ -26073,7 +26110,7 @@
           <p:cNvPr id="5" name="Slide Number Placeholder 4">
             <a:extLst>
               <a:ext uri="{FF2B5EF4-FFF2-40B4-BE49-F238E27FC236}">
-                <a16:creationId xmlns="" xmlns:a16="http://schemas.microsoft.com/office/drawing/2014/main" id="{23B5C741-F1AB-463E-B229-974B2924B065}"/>
+                <a16:creationId xmlns:a16="http://schemas.microsoft.com/office/drawing/2014/main" xmlns="" id="{23B5C741-F1AB-463E-B229-974B2924B065}"/>
               </a:ext>
             </a:extLst>
           </p:cNvPr>
@@ -26102,7 +26139,7 @@
           <p:cNvPr id="7" name="Picture 6">
             <a:extLst>
               <a:ext uri="{FF2B5EF4-FFF2-40B4-BE49-F238E27FC236}">
-                <a16:creationId xmlns="" xmlns:a16="http://schemas.microsoft.com/office/drawing/2014/main" id="{A69F92CE-D8BB-4F8F-BED3-BE4B00B6FDCF}"/>
+                <a16:creationId xmlns:a16="http://schemas.microsoft.com/office/drawing/2014/main" xmlns="" id="{A69F92CE-D8BB-4F8F-BED3-BE4B00B6FDCF}"/>
               </a:ext>
             </a:extLst>
           </p:cNvPr>
@@ -26138,7 +26175,7 @@
           <p:cNvPr id="11" name="Picture 10" descr="A picture containing person, wall, indoor, child&#10;&#10;Description automatically generated">
             <a:extLst>
               <a:ext uri="{FF2B5EF4-FFF2-40B4-BE49-F238E27FC236}">
-                <a16:creationId xmlns="" xmlns:a16="http://schemas.microsoft.com/office/drawing/2014/main" id="{E85BACB2-A5BB-474E-A39E-7419AFD7E1B7}"/>
+                <a16:creationId xmlns:a16="http://schemas.microsoft.com/office/drawing/2014/main" xmlns="" id="{E85BACB2-A5BB-474E-A39E-7419AFD7E1B7}"/>
               </a:ext>
             </a:extLst>
           </p:cNvPr>
@@ -26174,7 +26211,7 @@
           <p:cNvPr id="18" name="TextBox 17">
             <a:extLst>
               <a:ext uri="{FF2B5EF4-FFF2-40B4-BE49-F238E27FC236}">
-                <a16:creationId xmlns="" xmlns:a16="http://schemas.microsoft.com/office/drawing/2014/main" id="{3FEC41C2-3C84-4FD0-B6FD-AE2D345AF0FC}"/>
+                <a16:creationId xmlns:a16="http://schemas.microsoft.com/office/drawing/2014/main" xmlns="" id="{3FEC41C2-3C84-4FD0-B6FD-AE2D345AF0FC}"/>
               </a:ext>
             </a:extLst>
           </p:cNvPr>
@@ -26415,7 +26452,7 @@
           <p:cNvPr id="19" name="TextBox 18">
             <a:extLst>
               <a:ext uri="{FF2B5EF4-FFF2-40B4-BE49-F238E27FC236}">
-                <a16:creationId xmlns="" xmlns:a16="http://schemas.microsoft.com/office/drawing/2014/main" id="{9D506DFE-D00D-462C-89D8-9F7ECAB1A062}"/>
+                <a16:creationId xmlns:a16="http://schemas.microsoft.com/office/drawing/2014/main" xmlns="" id="{9D506DFE-D00D-462C-89D8-9F7ECAB1A062}"/>
               </a:ext>
             </a:extLst>
           </p:cNvPr>
@@ -26489,7 +26526,7 @@
           <p:cNvPr id="2" name="Title 1">
             <a:extLst>
               <a:ext uri="{FF2B5EF4-FFF2-40B4-BE49-F238E27FC236}">
-                <a16:creationId xmlns="" xmlns:a16="http://schemas.microsoft.com/office/drawing/2014/main" id="{9F53C0E6-5CA5-48E1-B370-E678425399F4}"/>
+                <a16:creationId xmlns:a16="http://schemas.microsoft.com/office/drawing/2014/main" xmlns="" id="{9F53C0E6-5CA5-48E1-B370-E678425399F4}"/>
               </a:ext>
             </a:extLst>
           </p:cNvPr>
@@ -26522,7 +26559,7 @@
           <p:cNvPr id="7" name="Content Placeholder 6" descr="A picture containing building, outdoor, harp&#10;&#10;Description automatically generated">
             <a:extLst>
               <a:ext uri="{FF2B5EF4-FFF2-40B4-BE49-F238E27FC236}">
-                <a16:creationId xmlns="" xmlns:a16="http://schemas.microsoft.com/office/drawing/2014/main" id="{071422BC-1756-4A99-A340-F876519AC6DC}"/>
+                <a16:creationId xmlns:a16="http://schemas.microsoft.com/office/drawing/2014/main" xmlns="" id="{071422BC-1756-4A99-A340-F876519AC6DC}"/>
               </a:ext>
             </a:extLst>
           </p:cNvPr>
@@ -26557,7 +26594,7 @@
           <p:cNvPr id="4" name="Footer Placeholder 3">
             <a:extLst>
               <a:ext uri="{FF2B5EF4-FFF2-40B4-BE49-F238E27FC236}">
-                <a16:creationId xmlns="" xmlns:a16="http://schemas.microsoft.com/office/drawing/2014/main" id="{540972A1-4BB3-4D04-B4DF-C76BA9B5CAD8}"/>
+                <a16:creationId xmlns:a16="http://schemas.microsoft.com/office/drawing/2014/main" xmlns="" id="{540972A1-4BB3-4D04-B4DF-C76BA9B5CAD8}"/>
               </a:ext>
             </a:extLst>
           </p:cNvPr>
@@ -26586,7 +26623,7 @@
           <p:cNvPr id="5" name="Slide Number Placeholder 4">
             <a:extLst>
               <a:ext uri="{FF2B5EF4-FFF2-40B4-BE49-F238E27FC236}">
-                <a16:creationId xmlns="" xmlns:a16="http://schemas.microsoft.com/office/drawing/2014/main" id="{23B5C741-F1AB-463E-B229-974B2924B065}"/>
+                <a16:creationId xmlns:a16="http://schemas.microsoft.com/office/drawing/2014/main" xmlns="" id="{23B5C741-F1AB-463E-B229-974B2924B065}"/>
               </a:ext>
             </a:extLst>
           </p:cNvPr>
@@ -26615,7 +26652,7 @@
           <p:cNvPr id="9" name="Picture 8">
             <a:extLst>
               <a:ext uri="{FF2B5EF4-FFF2-40B4-BE49-F238E27FC236}">
-                <a16:creationId xmlns="" xmlns:a16="http://schemas.microsoft.com/office/drawing/2014/main" id="{C665D5C7-EC65-483C-9EE9-FC1A29BA45F9}"/>
+                <a16:creationId xmlns:a16="http://schemas.microsoft.com/office/drawing/2014/main" xmlns="" id="{C665D5C7-EC65-483C-9EE9-FC1A29BA45F9}"/>
               </a:ext>
             </a:extLst>
           </p:cNvPr>
@@ -26651,7 +26688,7 @@
           <p:cNvPr id="10" name="TextBox 9">
             <a:extLst>
               <a:ext uri="{FF2B5EF4-FFF2-40B4-BE49-F238E27FC236}">
-                <a16:creationId xmlns="" xmlns:a16="http://schemas.microsoft.com/office/drawing/2014/main" id="{B8D32FAB-7CB5-4038-A21C-2294BE6A3393}"/>
+                <a16:creationId xmlns:a16="http://schemas.microsoft.com/office/drawing/2014/main" xmlns="" id="{B8D32FAB-7CB5-4038-A21C-2294BE6A3393}"/>
               </a:ext>
             </a:extLst>
           </p:cNvPr>
@@ -26780,7 +26817,7 @@
           <p:cNvPr id="11" name="TextBox 10">
             <a:extLst>
               <a:ext uri="{FF2B5EF4-FFF2-40B4-BE49-F238E27FC236}">
-                <a16:creationId xmlns="" xmlns:a16="http://schemas.microsoft.com/office/drawing/2014/main" id="{8075A81C-67B3-4C54-AEB6-BB5EB0B41157}"/>
+                <a16:creationId xmlns:a16="http://schemas.microsoft.com/office/drawing/2014/main" xmlns="" id="{8075A81C-67B3-4C54-AEB6-BB5EB0B41157}"/>
               </a:ext>
             </a:extLst>
           </p:cNvPr>
@@ -26854,7 +26891,7 @@
           <p:cNvPr id="2" name="Title 1">
             <a:extLst>
               <a:ext uri="{FF2B5EF4-FFF2-40B4-BE49-F238E27FC236}">
-                <a16:creationId xmlns="" xmlns:a16="http://schemas.microsoft.com/office/drawing/2014/main" id="{9F53C0E6-5CA5-48E1-B370-E678425399F4}"/>
+                <a16:creationId xmlns:a16="http://schemas.microsoft.com/office/drawing/2014/main" xmlns="" id="{9F53C0E6-5CA5-48E1-B370-E678425399F4}"/>
               </a:ext>
             </a:extLst>
           </p:cNvPr>
@@ -26887,7 +26924,7 @@
           <p:cNvPr id="3" name="Content Placeholder 2">
             <a:extLst>
               <a:ext uri="{FF2B5EF4-FFF2-40B4-BE49-F238E27FC236}">
-                <a16:creationId xmlns="" xmlns:a16="http://schemas.microsoft.com/office/drawing/2014/main" id="{F0A4581A-26B3-40E7-A945-90C4D9B58292}"/>
+                <a16:creationId xmlns:a16="http://schemas.microsoft.com/office/drawing/2014/main" xmlns="" id="{F0A4581A-26B3-40E7-A945-90C4D9B58292}"/>
               </a:ext>
             </a:extLst>
           </p:cNvPr>
@@ -27078,7 +27115,7 @@
           <p:cNvPr id="4" name="Footer Placeholder 3">
             <a:extLst>
               <a:ext uri="{FF2B5EF4-FFF2-40B4-BE49-F238E27FC236}">
-                <a16:creationId xmlns="" xmlns:a16="http://schemas.microsoft.com/office/drawing/2014/main" id="{540972A1-4BB3-4D04-B4DF-C76BA9B5CAD8}"/>
+                <a16:creationId xmlns:a16="http://schemas.microsoft.com/office/drawing/2014/main" xmlns="" id="{540972A1-4BB3-4D04-B4DF-C76BA9B5CAD8}"/>
               </a:ext>
             </a:extLst>
           </p:cNvPr>
@@ -27107,7 +27144,7 @@
           <p:cNvPr id="5" name="Slide Number Placeholder 4">
             <a:extLst>
               <a:ext uri="{FF2B5EF4-FFF2-40B4-BE49-F238E27FC236}">
-                <a16:creationId xmlns="" xmlns:a16="http://schemas.microsoft.com/office/drawing/2014/main" id="{23B5C741-F1AB-463E-B229-974B2924B065}"/>
+                <a16:creationId xmlns:a16="http://schemas.microsoft.com/office/drawing/2014/main" xmlns="" id="{23B5C741-F1AB-463E-B229-974B2924B065}"/>
               </a:ext>
             </a:extLst>
           </p:cNvPr>
@@ -27173,7 +27210,7 @@
           <p:cNvPr id="2" name="Title 1">
             <a:extLst>
               <a:ext uri="{FF2B5EF4-FFF2-40B4-BE49-F238E27FC236}">
-                <a16:creationId xmlns="" xmlns:a16="http://schemas.microsoft.com/office/drawing/2014/main" id="{9F53C0E6-5CA5-48E1-B370-E678425399F4}"/>
+                <a16:creationId xmlns:a16="http://schemas.microsoft.com/office/drawing/2014/main" xmlns="" id="{9F53C0E6-5CA5-48E1-B370-E678425399F4}"/>
               </a:ext>
             </a:extLst>
           </p:cNvPr>
@@ -27206,7 +27243,7 @@
           <p:cNvPr id="3" name="Content Placeholder 2">
             <a:extLst>
               <a:ext uri="{FF2B5EF4-FFF2-40B4-BE49-F238E27FC236}">
-                <a16:creationId xmlns="" xmlns:a16="http://schemas.microsoft.com/office/drawing/2014/main" id="{F0A4581A-26B3-40E7-A945-90C4D9B58292}"/>
+                <a16:creationId xmlns:a16="http://schemas.microsoft.com/office/drawing/2014/main" xmlns="" id="{F0A4581A-26B3-40E7-A945-90C4D9B58292}"/>
               </a:ext>
             </a:extLst>
           </p:cNvPr>
@@ -27304,7 +27341,7 @@
           <p:cNvPr id="4" name="Footer Placeholder 3">
             <a:extLst>
               <a:ext uri="{FF2B5EF4-FFF2-40B4-BE49-F238E27FC236}">
-                <a16:creationId xmlns="" xmlns:a16="http://schemas.microsoft.com/office/drawing/2014/main" id="{540972A1-4BB3-4D04-B4DF-C76BA9B5CAD8}"/>
+                <a16:creationId xmlns:a16="http://schemas.microsoft.com/office/drawing/2014/main" xmlns="" id="{540972A1-4BB3-4D04-B4DF-C76BA9B5CAD8}"/>
               </a:ext>
             </a:extLst>
           </p:cNvPr>
@@ -27333,7 +27370,7 @@
           <p:cNvPr id="5" name="Slide Number Placeholder 4">
             <a:extLst>
               <a:ext uri="{FF2B5EF4-FFF2-40B4-BE49-F238E27FC236}">
-                <a16:creationId xmlns="" xmlns:a16="http://schemas.microsoft.com/office/drawing/2014/main" id="{23B5C741-F1AB-463E-B229-974B2924B065}"/>
+                <a16:creationId xmlns:a16="http://schemas.microsoft.com/office/drawing/2014/main" xmlns="" id="{23B5C741-F1AB-463E-B229-974B2924B065}"/>
               </a:ext>
             </a:extLst>
           </p:cNvPr>
@@ -27399,7 +27436,7 @@
           <p:cNvPr id="2" name="Title 1">
             <a:extLst>
               <a:ext uri="{FF2B5EF4-FFF2-40B4-BE49-F238E27FC236}">
-                <a16:creationId xmlns="" xmlns:a16="http://schemas.microsoft.com/office/drawing/2014/main" id="{9F53C0E6-5CA5-48E1-B370-E678425399F4}"/>
+                <a16:creationId xmlns:a16="http://schemas.microsoft.com/office/drawing/2014/main" xmlns="" id="{9F53C0E6-5CA5-48E1-B370-E678425399F4}"/>
               </a:ext>
             </a:extLst>
           </p:cNvPr>
@@ -27432,7 +27469,7 @@
           <p:cNvPr id="3" name="Content Placeholder 2">
             <a:extLst>
               <a:ext uri="{FF2B5EF4-FFF2-40B4-BE49-F238E27FC236}">
-                <a16:creationId xmlns="" xmlns:a16="http://schemas.microsoft.com/office/drawing/2014/main" id="{F0A4581A-26B3-40E7-A945-90C4D9B58292}"/>
+                <a16:creationId xmlns:a16="http://schemas.microsoft.com/office/drawing/2014/main" xmlns="" id="{F0A4581A-26B3-40E7-A945-90C4D9B58292}"/>
               </a:ext>
             </a:extLst>
           </p:cNvPr>
@@ -27552,7 +27589,7 @@
           <p:cNvPr id="4" name="Footer Placeholder 3">
             <a:extLst>
               <a:ext uri="{FF2B5EF4-FFF2-40B4-BE49-F238E27FC236}">
-                <a16:creationId xmlns="" xmlns:a16="http://schemas.microsoft.com/office/drawing/2014/main" id="{540972A1-4BB3-4D04-B4DF-C76BA9B5CAD8}"/>
+                <a16:creationId xmlns:a16="http://schemas.microsoft.com/office/drawing/2014/main" xmlns="" id="{540972A1-4BB3-4D04-B4DF-C76BA9B5CAD8}"/>
               </a:ext>
             </a:extLst>
           </p:cNvPr>
@@ -27581,7 +27618,7 @@
           <p:cNvPr id="5" name="Slide Number Placeholder 4">
             <a:extLst>
               <a:ext uri="{FF2B5EF4-FFF2-40B4-BE49-F238E27FC236}">
-                <a16:creationId xmlns="" xmlns:a16="http://schemas.microsoft.com/office/drawing/2014/main" id="{23B5C741-F1AB-463E-B229-974B2924B065}"/>
+                <a16:creationId xmlns:a16="http://schemas.microsoft.com/office/drawing/2014/main" xmlns="" id="{23B5C741-F1AB-463E-B229-974B2924B065}"/>
               </a:ext>
             </a:extLst>
           </p:cNvPr>
@@ -27647,7 +27684,7 @@
           <p:cNvPr id="2" name="Title 1">
             <a:extLst>
               <a:ext uri="{FF2B5EF4-FFF2-40B4-BE49-F238E27FC236}">
-                <a16:creationId xmlns="" xmlns:a16="http://schemas.microsoft.com/office/drawing/2014/main" id="{9F53C0E6-5CA5-48E1-B370-E678425399F4}"/>
+                <a16:creationId xmlns:a16="http://schemas.microsoft.com/office/drawing/2014/main" xmlns="" id="{9F53C0E6-5CA5-48E1-B370-E678425399F4}"/>
               </a:ext>
             </a:extLst>
           </p:cNvPr>
@@ -27680,7 +27717,7 @@
           <p:cNvPr id="3" name="Content Placeholder 2">
             <a:extLst>
               <a:ext uri="{FF2B5EF4-FFF2-40B4-BE49-F238E27FC236}">
-                <a16:creationId xmlns="" xmlns:a16="http://schemas.microsoft.com/office/drawing/2014/main" id="{F0A4581A-26B3-40E7-A945-90C4D9B58292}"/>
+                <a16:creationId xmlns:a16="http://schemas.microsoft.com/office/drawing/2014/main" xmlns="" id="{F0A4581A-26B3-40E7-A945-90C4D9B58292}"/>
               </a:ext>
             </a:extLst>
           </p:cNvPr>
@@ -27725,7 +27762,7 @@
           <p:cNvPr id="4" name="Footer Placeholder 3">
             <a:extLst>
               <a:ext uri="{FF2B5EF4-FFF2-40B4-BE49-F238E27FC236}">
-                <a16:creationId xmlns="" xmlns:a16="http://schemas.microsoft.com/office/drawing/2014/main" id="{540972A1-4BB3-4D04-B4DF-C76BA9B5CAD8}"/>
+                <a16:creationId xmlns:a16="http://schemas.microsoft.com/office/drawing/2014/main" xmlns="" id="{540972A1-4BB3-4D04-B4DF-C76BA9B5CAD8}"/>
               </a:ext>
             </a:extLst>
           </p:cNvPr>
@@ -27754,7 +27791,7 @@
           <p:cNvPr id="5" name="Slide Number Placeholder 4">
             <a:extLst>
               <a:ext uri="{FF2B5EF4-FFF2-40B4-BE49-F238E27FC236}">
-                <a16:creationId xmlns="" xmlns:a16="http://schemas.microsoft.com/office/drawing/2014/main" id="{23B5C741-F1AB-463E-B229-974B2924B065}"/>
+                <a16:creationId xmlns:a16="http://schemas.microsoft.com/office/drawing/2014/main" xmlns="" id="{23B5C741-F1AB-463E-B229-974B2924B065}"/>
               </a:ext>
             </a:extLst>
           </p:cNvPr>
@@ -27820,7 +27857,7 @@
           <p:cNvPr id="2" name="TextBox 1">
             <a:extLst>
               <a:ext uri="{FF2B5EF4-FFF2-40B4-BE49-F238E27FC236}">
-                <a16:creationId xmlns="" xmlns:a16="http://schemas.microsoft.com/office/drawing/2014/main" id="{55FF0394-BE0D-4E73-AB74-CAA9CAD678A5}"/>
+                <a16:creationId xmlns:a16="http://schemas.microsoft.com/office/drawing/2014/main" xmlns="" id="{55FF0394-BE0D-4E73-AB74-CAA9CAD678A5}"/>
               </a:ext>
             </a:extLst>
           </p:cNvPr>
@@ -27855,7 +27892,7 @@
           <p:cNvPr id="3" name="Footer Placeholder 2">
             <a:extLst>
               <a:ext uri="{FF2B5EF4-FFF2-40B4-BE49-F238E27FC236}">
-                <a16:creationId xmlns="" xmlns:a16="http://schemas.microsoft.com/office/drawing/2014/main" id="{B10B3E08-E062-4DBA-9E4C-84B030193A6F}"/>
+                <a16:creationId xmlns:a16="http://schemas.microsoft.com/office/drawing/2014/main" xmlns="" id="{B10B3E08-E062-4DBA-9E4C-84B030193A6F}"/>
               </a:ext>
             </a:extLst>
           </p:cNvPr>
@@ -27884,7 +27921,7 @@
           <p:cNvPr id="4" name="Slide Number Placeholder 3">
             <a:extLst>
               <a:ext uri="{FF2B5EF4-FFF2-40B4-BE49-F238E27FC236}">
-                <a16:creationId xmlns="" xmlns:a16="http://schemas.microsoft.com/office/drawing/2014/main" id="{AB5D1752-A6EE-4332-87E5-C5378F033BA1}"/>
+                <a16:creationId xmlns:a16="http://schemas.microsoft.com/office/drawing/2014/main" xmlns="" id="{AB5D1752-A6EE-4332-87E5-C5378F033BA1}"/>
               </a:ext>
             </a:extLst>
           </p:cNvPr>
@@ -27950,7 +27987,7 @@
           <p:cNvPr id="2" name="Title 1">
             <a:extLst>
               <a:ext uri="{FF2B5EF4-FFF2-40B4-BE49-F238E27FC236}">
-                <a16:creationId xmlns="" xmlns:a16="http://schemas.microsoft.com/office/drawing/2014/main" id="{9F53C0E6-5CA5-48E1-B370-E678425399F4}"/>
+                <a16:creationId xmlns:a16="http://schemas.microsoft.com/office/drawing/2014/main" xmlns="" id="{9F53C0E6-5CA5-48E1-B370-E678425399F4}"/>
               </a:ext>
             </a:extLst>
           </p:cNvPr>
@@ -27983,7 +28020,7 @@
           <p:cNvPr id="3" name="Content Placeholder 2">
             <a:extLst>
               <a:ext uri="{FF2B5EF4-FFF2-40B4-BE49-F238E27FC236}">
-                <a16:creationId xmlns="" xmlns:a16="http://schemas.microsoft.com/office/drawing/2014/main" id="{F0A4581A-26B3-40E7-A945-90C4D9B58292}"/>
+                <a16:creationId xmlns:a16="http://schemas.microsoft.com/office/drawing/2014/main" xmlns="" id="{F0A4581A-26B3-40E7-A945-90C4D9B58292}"/>
               </a:ext>
             </a:extLst>
           </p:cNvPr>
@@ -28105,7 +28142,7 @@
           <p:cNvPr id="4" name="Footer Placeholder 3">
             <a:extLst>
               <a:ext uri="{FF2B5EF4-FFF2-40B4-BE49-F238E27FC236}">
-                <a16:creationId xmlns="" xmlns:a16="http://schemas.microsoft.com/office/drawing/2014/main" id="{780A2A81-6CFC-4314-AE6C-461D31C0090B}"/>
+                <a16:creationId xmlns:a16="http://schemas.microsoft.com/office/drawing/2014/main" xmlns="" id="{780A2A81-6CFC-4314-AE6C-461D31C0090B}"/>
               </a:ext>
             </a:extLst>
           </p:cNvPr>
@@ -28134,7 +28171,7 @@
           <p:cNvPr id="5" name="Slide Number Placeholder 4">
             <a:extLst>
               <a:ext uri="{FF2B5EF4-FFF2-40B4-BE49-F238E27FC236}">
-                <a16:creationId xmlns="" xmlns:a16="http://schemas.microsoft.com/office/drawing/2014/main" id="{9E8E60AF-E24D-4DCD-9F0A-9E70670E60FF}"/>
+                <a16:creationId xmlns:a16="http://schemas.microsoft.com/office/drawing/2014/main" xmlns="" id="{9E8E60AF-E24D-4DCD-9F0A-9E70670E60FF}"/>
               </a:ext>
             </a:extLst>
           </p:cNvPr>
@@ -28200,7 +28237,7 @@
           <p:cNvPr id="2" name="Title 1">
             <a:extLst>
               <a:ext uri="{FF2B5EF4-FFF2-40B4-BE49-F238E27FC236}">
-                <a16:creationId xmlns="" xmlns:a16="http://schemas.microsoft.com/office/drawing/2014/main" id="{9F53C0E6-5CA5-48E1-B370-E678425399F4}"/>
+                <a16:creationId xmlns:a16="http://schemas.microsoft.com/office/drawing/2014/main" xmlns="" id="{9F53C0E6-5CA5-48E1-B370-E678425399F4}"/>
               </a:ext>
             </a:extLst>
           </p:cNvPr>
@@ -28233,7 +28270,7 @@
           <p:cNvPr id="3" name="Content Placeholder 2">
             <a:extLst>
               <a:ext uri="{FF2B5EF4-FFF2-40B4-BE49-F238E27FC236}">
-                <a16:creationId xmlns="" xmlns:a16="http://schemas.microsoft.com/office/drawing/2014/main" id="{F0A4581A-26B3-40E7-A945-90C4D9B58292}"/>
+                <a16:creationId xmlns:a16="http://schemas.microsoft.com/office/drawing/2014/main" xmlns="" id="{F0A4581A-26B3-40E7-A945-90C4D9B58292}"/>
               </a:ext>
             </a:extLst>
           </p:cNvPr>
@@ -28427,7 +28464,7 @@
           <p:cNvPr id="4" name="Footer Placeholder 3">
             <a:extLst>
               <a:ext uri="{FF2B5EF4-FFF2-40B4-BE49-F238E27FC236}">
-                <a16:creationId xmlns="" xmlns:a16="http://schemas.microsoft.com/office/drawing/2014/main" id="{C1F0C447-1F28-4C0D-AB8A-70ED6532C551}"/>
+                <a16:creationId xmlns:a16="http://schemas.microsoft.com/office/drawing/2014/main" xmlns="" id="{C1F0C447-1F28-4C0D-AB8A-70ED6532C551}"/>
               </a:ext>
             </a:extLst>
           </p:cNvPr>
@@ -28456,7 +28493,7 @@
           <p:cNvPr id="5" name="Slide Number Placeholder 4">
             <a:extLst>
               <a:ext uri="{FF2B5EF4-FFF2-40B4-BE49-F238E27FC236}">
-                <a16:creationId xmlns="" xmlns:a16="http://schemas.microsoft.com/office/drawing/2014/main" id="{D8A98920-A7D1-40AB-8422-7F76D9A74450}"/>
+                <a16:creationId xmlns:a16="http://schemas.microsoft.com/office/drawing/2014/main" xmlns="" id="{D8A98920-A7D1-40AB-8422-7F76D9A74450}"/>
               </a:ext>
             </a:extLst>
           </p:cNvPr>
@@ -28522,7 +28559,7 @@
           <p:cNvPr id="2" name="Title 1">
             <a:extLst>
               <a:ext uri="{FF2B5EF4-FFF2-40B4-BE49-F238E27FC236}">
-                <a16:creationId xmlns="" xmlns:a16="http://schemas.microsoft.com/office/drawing/2014/main" id="{9F53C0E6-5CA5-48E1-B370-E678425399F4}"/>
+                <a16:creationId xmlns:a16="http://schemas.microsoft.com/office/drawing/2014/main" xmlns="" id="{9F53C0E6-5CA5-48E1-B370-E678425399F4}"/>
               </a:ext>
             </a:extLst>
           </p:cNvPr>
@@ -28555,7 +28592,7 @@
           <p:cNvPr id="3" name="Content Placeholder 2">
             <a:extLst>
               <a:ext uri="{FF2B5EF4-FFF2-40B4-BE49-F238E27FC236}">
-                <a16:creationId xmlns="" xmlns:a16="http://schemas.microsoft.com/office/drawing/2014/main" id="{F0A4581A-26B3-40E7-A945-90C4D9B58292}"/>
+                <a16:creationId xmlns:a16="http://schemas.microsoft.com/office/drawing/2014/main" xmlns="" id="{F0A4581A-26B3-40E7-A945-90C4D9B58292}"/>
               </a:ext>
             </a:extLst>
           </p:cNvPr>
@@ -28712,7 +28749,7 @@
           <p:cNvPr id="4" name="Footer Placeholder 3">
             <a:extLst>
               <a:ext uri="{FF2B5EF4-FFF2-40B4-BE49-F238E27FC236}">
-                <a16:creationId xmlns="" xmlns:a16="http://schemas.microsoft.com/office/drawing/2014/main" id="{468DB02D-8EA4-498F-B683-EA0654CD2170}"/>
+                <a16:creationId xmlns:a16="http://schemas.microsoft.com/office/drawing/2014/main" xmlns="" id="{468DB02D-8EA4-498F-B683-EA0654CD2170}"/>
               </a:ext>
             </a:extLst>
           </p:cNvPr>
@@ -28741,7 +28778,7 @@
           <p:cNvPr id="5" name="Slide Number Placeholder 4">
             <a:extLst>
               <a:ext uri="{FF2B5EF4-FFF2-40B4-BE49-F238E27FC236}">
-                <a16:creationId xmlns="" xmlns:a16="http://schemas.microsoft.com/office/drawing/2014/main" id="{6D5A5A2A-7919-4717-A349-4EC0FC1119D4}"/>
+                <a16:creationId xmlns:a16="http://schemas.microsoft.com/office/drawing/2014/main" xmlns="" id="{6D5A5A2A-7919-4717-A349-4EC0FC1119D4}"/>
               </a:ext>
             </a:extLst>
           </p:cNvPr>
@@ -28807,7 +28844,7 @@
           <p:cNvPr id="2" name="Title 1">
             <a:extLst>
               <a:ext uri="{FF2B5EF4-FFF2-40B4-BE49-F238E27FC236}">
-                <a16:creationId xmlns="" xmlns:a16="http://schemas.microsoft.com/office/drawing/2014/main" id="{9F53C0E6-5CA5-48E1-B370-E678425399F4}"/>
+                <a16:creationId xmlns:a16="http://schemas.microsoft.com/office/drawing/2014/main" xmlns="" id="{9F53C0E6-5CA5-48E1-B370-E678425399F4}"/>
               </a:ext>
             </a:extLst>
           </p:cNvPr>
@@ -28840,7 +28877,7 @@
           <p:cNvPr id="3" name="Content Placeholder 2">
             <a:extLst>
               <a:ext uri="{FF2B5EF4-FFF2-40B4-BE49-F238E27FC236}">
-                <a16:creationId xmlns="" xmlns:a16="http://schemas.microsoft.com/office/drawing/2014/main" id="{F0A4581A-26B3-40E7-A945-90C4D9B58292}"/>
+                <a16:creationId xmlns:a16="http://schemas.microsoft.com/office/drawing/2014/main" xmlns="" id="{F0A4581A-26B3-40E7-A945-90C4D9B58292}"/>
               </a:ext>
             </a:extLst>
           </p:cNvPr>
@@ -28963,7 +29000,7 @@
           <p:cNvPr id="4" name="Footer Placeholder 3">
             <a:extLst>
               <a:ext uri="{FF2B5EF4-FFF2-40B4-BE49-F238E27FC236}">
-                <a16:creationId xmlns="" xmlns:a16="http://schemas.microsoft.com/office/drawing/2014/main" id="{B97B25CD-0BD4-4D74-9919-A088ED2230BC}"/>
+                <a16:creationId xmlns:a16="http://schemas.microsoft.com/office/drawing/2014/main" xmlns="" id="{B97B25CD-0BD4-4D74-9919-A088ED2230BC}"/>
               </a:ext>
             </a:extLst>
           </p:cNvPr>
@@ -28992,7 +29029,7 @@
           <p:cNvPr id="5" name="Slide Number Placeholder 4">
             <a:extLst>
               <a:ext uri="{FF2B5EF4-FFF2-40B4-BE49-F238E27FC236}">
-                <a16:creationId xmlns="" xmlns:a16="http://schemas.microsoft.com/office/drawing/2014/main" id="{26052105-53FA-4F13-AD4C-C4FE4A2E522F}"/>
+                <a16:creationId xmlns:a16="http://schemas.microsoft.com/office/drawing/2014/main" xmlns="" id="{26052105-53FA-4F13-AD4C-C4FE4A2E522F}"/>
               </a:ext>
             </a:extLst>
           </p:cNvPr>
@@ -29058,7 +29095,7 @@
           <p:cNvPr id="2" name="Title 1">
             <a:extLst>
               <a:ext uri="{FF2B5EF4-FFF2-40B4-BE49-F238E27FC236}">
-                <a16:creationId xmlns="" xmlns:a16="http://schemas.microsoft.com/office/drawing/2014/main" id="{9F53C0E6-5CA5-48E1-B370-E678425399F4}"/>
+                <a16:creationId xmlns:a16="http://schemas.microsoft.com/office/drawing/2014/main" xmlns="" id="{9F53C0E6-5CA5-48E1-B370-E678425399F4}"/>
               </a:ext>
             </a:extLst>
           </p:cNvPr>
@@ -29093,7 +29130,7 @@
               <p:cNvPr id="3" name="Content Placeholder 2">
                 <a:extLst>
                   <a:ext uri="{FF2B5EF4-FFF2-40B4-BE49-F238E27FC236}">
-                    <a16:creationId xmlns="" xmlns:a16="http://schemas.microsoft.com/office/drawing/2014/main" id="{F0A4581A-26B3-40E7-A945-90C4D9B58292}"/>
+                    <a16:creationId xmlns:a16="http://schemas.microsoft.com/office/drawing/2014/main" xmlns="" id="{F0A4581A-26B3-40E7-A945-90C4D9B58292}"/>
                   </a:ext>
                 </a:extLst>
               </p:cNvPr>
@@ -29834,7 +29871,7 @@
           <p:cNvPr id="4" name="Footer Placeholder 3">
             <a:extLst>
               <a:ext uri="{FF2B5EF4-FFF2-40B4-BE49-F238E27FC236}">
-                <a16:creationId xmlns="" xmlns:a16="http://schemas.microsoft.com/office/drawing/2014/main" id="{540972A1-4BB3-4D04-B4DF-C76BA9B5CAD8}"/>
+                <a16:creationId xmlns:a16="http://schemas.microsoft.com/office/drawing/2014/main" xmlns="" id="{540972A1-4BB3-4D04-B4DF-C76BA9B5CAD8}"/>
               </a:ext>
             </a:extLst>
           </p:cNvPr>
@@ -29863,7 +29900,7 @@
           <p:cNvPr id="5" name="Slide Number Placeholder 4">
             <a:extLst>
               <a:ext uri="{FF2B5EF4-FFF2-40B4-BE49-F238E27FC236}">
-                <a16:creationId xmlns="" xmlns:a16="http://schemas.microsoft.com/office/drawing/2014/main" id="{23B5C741-F1AB-463E-B229-974B2924B065}"/>
+                <a16:creationId xmlns:a16="http://schemas.microsoft.com/office/drawing/2014/main" xmlns="" id="{23B5C741-F1AB-463E-B229-974B2924B065}"/>
               </a:ext>
             </a:extLst>
           </p:cNvPr>
@@ -29929,7 +29966,7 @@
           <p:cNvPr id="2" name="Title 1">
             <a:extLst>
               <a:ext uri="{FF2B5EF4-FFF2-40B4-BE49-F238E27FC236}">
-                <a16:creationId xmlns="" xmlns:a16="http://schemas.microsoft.com/office/drawing/2014/main" id="{9F53C0E6-5CA5-48E1-B370-E678425399F4}"/>
+                <a16:creationId xmlns:a16="http://schemas.microsoft.com/office/drawing/2014/main" xmlns="" id="{9F53C0E6-5CA5-48E1-B370-E678425399F4}"/>
               </a:ext>
             </a:extLst>
           </p:cNvPr>
@@ -29964,7 +30001,7 @@
               <p:cNvPr id="3" name="Content Placeholder 2">
                 <a:extLst>
                   <a:ext uri="{FF2B5EF4-FFF2-40B4-BE49-F238E27FC236}">
-                    <a16:creationId xmlns="" xmlns:a16="http://schemas.microsoft.com/office/drawing/2014/main" id="{F0A4581A-26B3-40E7-A945-90C4D9B58292}"/>
+                    <a16:creationId xmlns:a16="http://schemas.microsoft.com/office/drawing/2014/main" xmlns="" id="{F0A4581A-26B3-40E7-A945-90C4D9B58292}"/>
                   </a:ext>
                 </a:extLst>
               </p:cNvPr>
@@ -30582,7 +30619,7 @@
           <p:cNvPr id="4" name="Footer Placeholder 3">
             <a:extLst>
               <a:ext uri="{FF2B5EF4-FFF2-40B4-BE49-F238E27FC236}">
-                <a16:creationId xmlns="" xmlns:a16="http://schemas.microsoft.com/office/drawing/2014/main" id="{540972A1-4BB3-4D04-B4DF-C76BA9B5CAD8}"/>
+                <a16:creationId xmlns:a16="http://schemas.microsoft.com/office/drawing/2014/main" xmlns="" id="{540972A1-4BB3-4D04-B4DF-C76BA9B5CAD8}"/>
               </a:ext>
             </a:extLst>
           </p:cNvPr>
@@ -30611,7 +30648,7 @@
           <p:cNvPr id="5" name="Slide Number Placeholder 4">
             <a:extLst>
               <a:ext uri="{FF2B5EF4-FFF2-40B4-BE49-F238E27FC236}">
-                <a16:creationId xmlns="" xmlns:a16="http://schemas.microsoft.com/office/drawing/2014/main" id="{23B5C741-F1AB-463E-B229-974B2924B065}"/>
+                <a16:creationId xmlns:a16="http://schemas.microsoft.com/office/drawing/2014/main" xmlns="" id="{23B5C741-F1AB-463E-B229-974B2924B065}"/>
               </a:ext>
             </a:extLst>
           </p:cNvPr>
@@ -30642,7 +30679,7 @@
               <p:cNvPr id="6" name="TextBox 5">
                 <a:extLst>
                   <a:ext uri="{FF2B5EF4-FFF2-40B4-BE49-F238E27FC236}">
-                    <a16:creationId xmlns="" xmlns:a16="http://schemas.microsoft.com/office/drawing/2014/main" id="{06515E04-E911-434E-B73D-C74090564F2D}"/>
+                    <a16:creationId xmlns:a16="http://schemas.microsoft.com/office/drawing/2014/main" xmlns="" id="{06515E04-E911-434E-B73D-C74090564F2D}"/>
                   </a:ext>
                 </a:extLst>
               </p:cNvPr>
@@ -30935,7 +30972,7 @@
               <p:cNvPr id="7" name="TextBox 6">
                 <a:extLst>
                   <a:ext uri="{FF2B5EF4-FFF2-40B4-BE49-F238E27FC236}">
-                    <a16:creationId xmlns="" xmlns:a16="http://schemas.microsoft.com/office/drawing/2014/main" id="{CA4377AD-0777-414C-BE82-54D482E0C00B}"/>
+                    <a16:creationId xmlns:a16="http://schemas.microsoft.com/office/drawing/2014/main" xmlns="" id="{CA4377AD-0777-414C-BE82-54D482E0C00B}"/>
                   </a:ext>
                 </a:extLst>
               </p:cNvPr>
@@ -31530,7 +31567,7 @@
   <a:extraClrSchemeLst/>
   <a:extLst>
     <a:ext uri="{05A4C25C-085E-4340-85A3-A5531E510DB2}">
-      <thm15:themeFamily xmlns="" xmlns:thm15="http://schemas.microsoft.com/office/thememl/2012/main" name="Office Theme" id="{62F939B6-93AF-4DB8-9C6B-D6C7DFDC589F}" vid="{4A3C46E8-61CC-4603-A589-7422A47A8E4A}"/>
+      <thm15:themeFamily xmlns:thm15="http://schemas.microsoft.com/office/thememl/2012/main" xmlns="" name="Office Theme" id="{62F939B6-93AF-4DB8-9C6B-D6C7DFDC589F}" vid="{4A3C46E8-61CC-4603-A589-7422A47A8E4A}"/>
     </a:ext>
   </a:extLst>
 </a:theme>
@@ -31825,7 +31862,7 @@
   <a:extraClrSchemeLst/>
   <a:extLst>
     <a:ext uri="{05A4C25C-085E-4340-85A3-A5531E510DB2}">
-      <thm15:themeFamily xmlns="" xmlns:thm15="http://schemas.microsoft.com/office/thememl/2012/main" name="Office Theme" id="{62F939B6-93AF-4DB8-9C6B-D6C7DFDC589F}" vid="{4A3C46E8-61CC-4603-A589-7422A47A8E4A}"/>
+      <thm15:themeFamily xmlns:thm15="http://schemas.microsoft.com/office/thememl/2012/main" xmlns="" name="Office Theme" id="{62F939B6-93AF-4DB8-9C6B-D6C7DFDC589F}" vid="{4A3C46E8-61CC-4603-A589-7422A47A8E4A}"/>
     </a:ext>
   </a:extLst>
 </a:theme>
